--- a/presentation/Phase1-Backup-Guide.pptx
+++ b/presentation/Phase1-Backup-Guide.pptx
@@ -4,19 +4,21 @@
   <p:sldMasterIdLst>
     <p:sldMasterId id="2147483648" r:id="rId1"/>
   </p:sldMasterIdLst>
+  <p:notesMasterIdLst>
+    <p:notesMasterId r:id="rId11"/>
+  </p:notesMasterIdLst>
   <p:sldIdLst>
-    <p:sldId id="256" r:id="rId7"/>
-    <p:sldId id="257" r:id="rId9"/>
-    <p:sldId id="258" r:id="rId10"/>
-    <p:sldId id="259" r:id="rId11"/>
-    <p:sldId id="260" r:id="rId12"/>
-    <p:sldId id="261" r:id="rId13"/>
-    <p:sldId id="262" r:id="rId14"/>
-    <p:sldId id="263" r:id="rId15"/>
-    <p:sldId id="264" r:id="rId16"/>
-    <p:sldId id="265" r:id="rId17"/>
+    <p:sldId id="256" r:id="rId2"/>
+    <p:sldId id="257" r:id="rId3"/>
+    <p:sldId id="258" r:id="rId4"/>
+    <p:sldId id="259" r:id="rId5"/>
+    <p:sldId id="260" r:id="rId6"/>
+    <p:sldId id="261" r:id="rId7"/>
+    <p:sldId id="262" r:id="rId8"/>
+    <p:sldId id="263" r:id="rId9"/>
+    <p:sldId id="264" r:id="rId10"/>
   </p:sldIdLst>
-  <p:sldSz cx="9144000" cy="5143500" type="screen4x3"/>
+  <p:sldSz cx="9144000" cy="5143500" type="screen16x9"/>
   <p:notesSz cx="6858000" cy="9144000"/>
   <p:defaultTextStyle>
     <a:defPPr>
@@ -113,11 +115,27 @@
       </a:defRPr>
     </a:lvl9pPr>
   </p:defaultTextStyle>
+  <p:extLst>
+    <p:ext uri="{EFAFB233-063F-42B5-8137-9DF3F51BA10A}">
+      <p15:sldGuideLst xmlns:p15="http://schemas.microsoft.com/office/powerpoint/2012/main">
+        <p15:guide id="1" orient="horz" pos="2160">
+          <p15:clr>
+            <a:srgbClr val="A4A3A4"/>
+          </p15:clr>
+        </p15:guide>
+        <p15:guide id="2" pos="2880">
+          <p15:clr>
+            <a:srgbClr val="A4A3A4"/>
+          </p15:clr>
+        </p15:guide>
+      </p15:sldGuideLst>
+    </p:ext>
+  </p:extLst>
 </p:presentation>
 </file>
 
 <file path=ppt/notesMasters/notesMaster1.xml><?xml version="1.0" encoding="utf-8"?>
-<p:notesMaster xmlns:a="http://schemas.openxmlformats.org/drawingml/2006/main" xmlns:p="http://schemas.openxmlformats.org/presentationml/2006/main" xmlns:r="http://schemas.openxmlformats.org/officeDocument/2006/relationships">
+<p:notesMaster xmlns:a="http://schemas.openxmlformats.org/drawingml/2006/main" xmlns:r="http://schemas.openxmlformats.org/officeDocument/2006/relationships" xmlns:p="http://schemas.openxmlformats.org/presentationml/2006/main">
   <p:cSld>
     <p:bg>
       <p:bgRef idx="1001">
@@ -138,241 +156,16 @@
           <a:chExt cx="0" cy="0"/>
         </a:xfrm>
       </p:grpSpPr>
-      <p:sp>
-        <p:nvSpPr>
-          <p:cNvPr id="2" name="Header Placeholder 1"/>
-          <p:cNvSpPr>
-            <a:spLocks noGrp="1"/>
-          </p:cNvSpPr>
-          <p:nvPr>
-            <p:ph type="hdr" sz="quarter"/>
-          </p:nvPr>
-        </p:nvSpPr>
-        <p:spPr>
-          <a:xfrm>
-            <a:off x="0" y="0"/>
-            <a:ext cx="2971800" cy="457200"/>
-          </a:xfrm>
-          <a:prstGeom prst="rect">
-            <a:avLst/>
-          </a:prstGeom>
-        </p:spPr>
-        <p:txBody>
-          <a:bodyPr vert="horz" lIns="91440" tIns="45720" rIns="91440" bIns="45720" rtlCol="0"/>
-          <a:lstStyle>
-            <a:lvl1pPr algn="l">
-              <a:defRPr sz="1200"/>
-            </a:lvl1pPr>
-          </a:lstStyle>
-          <a:p>
-            <a:endParaRPr lang="en-US"/>
-          </a:p>
-        </p:txBody>
-      </p:sp>
-      <p:sp>
-        <p:nvSpPr>
-          <p:cNvPr id="3" name="Date Placeholder 2"/>
-          <p:cNvSpPr>
-            <a:spLocks noGrp="1"/>
-          </p:cNvSpPr>
-          <p:nvPr>
-            <p:ph type="dt" idx="1"/>
-          </p:nvPr>
-        </p:nvSpPr>
-        <p:spPr>
-          <a:xfrm>
-            <a:off x="3884613" y="0"/>
-            <a:ext cx="2971800" cy="457200"/>
-          </a:xfrm>
-          <a:prstGeom prst="rect">
-            <a:avLst/>
-          </a:prstGeom>
-        </p:spPr>
-        <p:txBody>
-          <a:bodyPr vert="horz" lIns="91440" tIns="45720" rIns="91440" bIns="45720" rtlCol="0"/>
-          <a:lstStyle>
-            <a:lvl1pPr algn="r">
-              <a:defRPr sz="1200"/>
-            </a:lvl1pPr>
-          </a:lstStyle>
-          <a:p>
-            <a:fld id="{0F89C1C7-3DCD-1040-A9CF-14679D8B5DDD}" type="datetimeFigureOut">
-              <a:rPr lang="en-US" smtClean="0"/>
-              <a:t>10/17/16</a:t>
-            </a:fld>
-            <a:endParaRPr lang="en-US"/>
-          </a:p>
-        </p:txBody>
-      </p:sp>
-      <p:sp>
-        <p:nvSpPr>
-          <p:cNvPr id="4" name="Slide Image Placeholder 3"/>
-          <p:cNvSpPr>
-            <a:spLocks noGrp="1" noRot="1" noChangeAspect="1"/>
-          </p:cNvSpPr>
-          <p:nvPr>
-            <p:ph type="sldImg" idx="2"/>
-          </p:nvPr>
-        </p:nvSpPr>
-        <p:spPr>
-          <a:xfrm>
-            <a:off x="1143000" y="685800"/>
-            <a:ext cx="4572000" cy="3429000"/>
-          </a:xfrm>
-          <a:prstGeom prst="rect">
-            <a:avLst/>
-          </a:prstGeom>
-          <a:noFill/>
-          <a:ln w="12700">
-            <a:solidFill>
-              <a:prstClr val="black"/>
-            </a:solidFill>
-          </a:ln>
-        </p:spPr>
-        <p:txBody>
-          <a:bodyPr vert="horz" lIns="91440" tIns="45720" rIns="91440" bIns="45720" rtlCol="0" anchor="ctr"/>
-          <a:lstStyle/>
-          <a:p>
-            <a:endParaRPr lang="en-US"/>
-          </a:p>
-        </p:txBody>
-      </p:sp>
-      <p:sp>
-        <p:nvSpPr>
-          <p:cNvPr id="5" name="Notes Placeholder 4"/>
-          <p:cNvSpPr>
-            <a:spLocks noGrp="1"/>
-          </p:cNvSpPr>
-          <p:nvPr>
-            <p:ph type="body" sz="quarter" idx="3"/>
-          </p:nvPr>
-        </p:nvSpPr>
-        <p:spPr>
-          <a:xfrm>
-            <a:off x="685800" y="4343400"/>
-            <a:ext cx="5486400" cy="4114800"/>
-          </a:xfrm>
-          <a:prstGeom prst="rect">
-            <a:avLst/>
-          </a:prstGeom>
-        </p:spPr>
-        <p:txBody>
-          <a:bodyPr vert="horz" lIns="91440" tIns="45720" rIns="91440" bIns="45720" rtlCol="0"/>
-          <a:lstStyle/>
-          <a:p>
-            <a:pPr lvl="0"/>
-            <a:r>
-              <a:rPr lang="en-US" smtClean="0"/>
-              <a:t>Click to edit Master text styles</a:t>
-            </a:r>
-          </a:p>
-          <a:p>
-            <a:pPr lvl="1"/>
-            <a:r>
-              <a:rPr lang="en-US" smtClean="0"/>
-              <a:t>Second level</a:t>
-            </a:r>
-          </a:p>
-          <a:p>
-            <a:pPr lvl="2"/>
-            <a:r>
-              <a:rPr lang="en-US" smtClean="0"/>
-              <a:t>Third level</a:t>
-            </a:r>
-          </a:p>
-          <a:p>
-            <a:pPr lvl="3"/>
-            <a:r>
-              <a:rPr lang="en-US" smtClean="0"/>
-              <a:t>Fourth level</a:t>
-            </a:r>
-          </a:p>
-          <a:p>
-            <a:pPr lvl="4"/>
-            <a:r>
-              <a:rPr lang="en-US" smtClean="0"/>
-              <a:t>Fifth level</a:t>
-            </a:r>
-            <a:endParaRPr lang="en-US"/>
-          </a:p>
-        </p:txBody>
-      </p:sp>
-      <p:sp>
-        <p:nvSpPr>
-          <p:cNvPr id="6" name="Footer Placeholder 5"/>
-          <p:cNvSpPr>
-            <a:spLocks noGrp="1"/>
-          </p:cNvSpPr>
-          <p:nvPr>
-            <p:ph type="ftr" sz="quarter" idx="4"/>
-          </p:nvPr>
-        </p:nvSpPr>
-        <p:spPr>
-          <a:xfrm>
-            <a:off x="0" y="8685213"/>
-            <a:ext cx="2971800" cy="457200"/>
-          </a:xfrm>
-          <a:prstGeom prst="rect">
-            <a:avLst/>
-          </a:prstGeom>
-        </p:spPr>
-        <p:txBody>
-          <a:bodyPr vert="horz" lIns="91440" tIns="45720" rIns="91440" bIns="45720" rtlCol="0" anchor="b"/>
-          <a:lstStyle>
-            <a:lvl1pPr algn="l">
-              <a:defRPr sz="1200"/>
-            </a:lvl1pPr>
-          </a:lstStyle>
-          <a:p>
-            <a:endParaRPr lang="en-US"/>
-          </a:p>
-        </p:txBody>
-      </p:sp>
-      <p:sp>
-        <p:nvSpPr>
-          <p:cNvPr id="7" name="Slide Number Placeholder 6"/>
-          <p:cNvSpPr>
-            <a:spLocks noGrp="1"/>
-          </p:cNvSpPr>
-          <p:nvPr>
-            <p:ph type="sldNum" sz="quarter" idx="5"/>
-          </p:nvPr>
-        </p:nvSpPr>
-        <p:spPr>
-          <a:xfrm>
-            <a:off x="3884613" y="8685213"/>
-            <a:ext cx="2971800" cy="457200"/>
-          </a:xfrm>
-          <a:prstGeom prst="rect">
-            <a:avLst/>
-          </a:prstGeom>
-        </p:spPr>
-        <p:txBody>
-          <a:bodyPr vert="horz" lIns="91440" tIns="45720" rIns="91440" bIns="45720" rtlCol="0" anchor="b"/>
-          <a:lstStyle>
-            <a:lvl1pPr algn="r">
-              <a:defRPr sz="1200"/>
-            </a:lvl1pPr>
-          </a:lstStyle>
-          <a:p>
-            <a:fld id="{BB5E49A5-4136-284D-997B-48E1D791AD67}" type="slidenum">
-              <a:rPr lang="en-US" smtClean="0"/>
-              <a:t>‹#›</a:t>
-            </a:fld>
-            <a:endParaRPr lang="en-US"/>
-          </a:p>
-        </p:txBody>
-      </p:sp>
     </p:spTree>
     <p:extLst>
       <p:ext uri="{BB962C8B-B14F-4D97-AF65-F5344CB8AC3E}">
-        <p14:creationId xmlns:p14="http://schemas.microsoft.com/office/powerpoint/2010/main" val="2623252185"/>
+        <p14:creationId xmlns:p14="http://schemas.microsoft.com/office/powerpoint/2010/main" val="2084943586"/>
       </p:ext>
     </p:extLst>
   </p:cSld>
   <p:clrMap bg1="lt1" tx1="dk1" bg2="lt2" tx2="dk2" accent1="accent1" accent2="accent2" accent3="accent3" accent4="accent4" accent5="accent5" accent6="accent6" hlink="hlink" folHlink="folHlink"/>
   <p:notesStyle>
-    <a:lvl1pPr marL="0" algn="l" defTabSz="457200" rtl="0" eaLnBrk="1" latinLnBrk="0" hangingPunct="1">
+    <a:lvl1pPr marL="0" algn="l" defTabSz="914400" rtl="0" eaLnBrk="1" latinLnBrk="0" hangingPunct="1">
       <a:defRPr sz="1200" kern="1200">
         <a:solidFill>
           <a:schemeClr val="tx1"/>
@@ -382,7 +175,7 @@
         <a:cs typeface="+mn-cs"/>
       </a:defRPr>
     </a:lvl1pPr>
-    <a:lvl2pPr marL="457200" algn="l" defTabSz="457200" rtl="0" eaLnBrk="1" latinLnBrk="0" hangingPunct="1">
+    <a:lvl2pPr marL="457200" algn="l" defTabSz="914400" rtl="0" eaLnBrk="1" latinLnBrk="0" hangingPunct="1">
       <a:defRPr sz="1200" kern="1200">
         <a:solidFill>
           <a:schemeClr val="tx1"/>
@@ -392,7 +185,7 @@
         <a:cs typeface="+mn-cs"/>
       </a:defRPr>
     </a:lvl2pPr>
-    <a:lvl3pPr marL="914400" algn="l" defTabSz="457200" rtl="0" eaLnBrk="1" latinLnBrk="0" hangingPunct="1">
+    <a:lvl3pPr marL="914400" algn="l" defTabSz="914400" rtl="0" eaLnBrk="1" latinLnBrk="0" hangingPunct="1">
       <a:defRPr sz="1200" kern="1200">
         <a:solidFill>
           <a:schemeClr val="tx1"/>
@@ -402,7 +195,7 @@
         <a:cs typeface="+mn-cs"/>
       </a:defRPr>
     </a:lvl3pPr>
-    <a:lvl4pPr marL="1371600" algn="l" defTabSz="457200" rtl="0" eaLnBrk="1" latinLnBrk="0" hangingPunct="1">
+    <a:lvl4pPr marL="1371600" algn="l" defTabSz="914400" rtl="0" eaLnBrk="1" latinLnBrk="0" hangingPunct="1">
       <a:defRPr sz="1200" kern="1200">
         <a:solidFill>
           <a:schemeClr val="tx1"/>
@@ -412,7 +205,7 @@
         <a:cs typeface="+mn-cs"/>
       </a:defRPr>
     </a:lvl4pPr>
-    <a:lvl5pPr marL="1828800" algn="l" defTabSz="457200" rtl="0" eaLnBrk="1" latinLnBrk="0" hangingPunct="1">
+    <a:lvl5pPr marL="1828800" algn="l" defTabSz="914400" rtl="0" eaLnBrk="1" latinLnBrk="0" hangingPunct="1">
       <a:defRPr sz="1200" kern="1200">
         <a:solidFill>
           <a:schemeClr val="tx1"/>
@@ -422,7 +215,7 @@
         <a:cs typeface="+mn-cs"/>
       </a:defRPr>
     </a:lvl5pPr>
-    <a:lvl6pPr marL="2286000" algn="l" defTabSz="457200" rtl="0" eaLnBrk="1" latinLnBrk="0" hangingPunct="1">
+    <a:lvl6pPr marL="2286000" algn="l" defTabSz="914400" rtl="0" eaLnBrk="1" latinLnBrk="0" hangingPunct="1">
       <a:defRPr sz="1200" kern="1200">
         <a:solidFill>
           <a:schemeClr val="tx1"/>
@@ -432,7 +225,7 @@
         <a:cs typeface="+mn-cs"/>
       </a:defRPr>
     </a:lvl6pPr>
-    <a:lvl7pPr marL="2743200" algn="l" defTabSz="457200" rtl="0" eaLnBrk="1" latinLnBrk="0" hangingPunct="1">
+    <a:lvl7pPr marL="2743200" algn="l" defTabSz="914400" rtl="0" eaLnBrk="1" latinLnBrk="0" hangingPunct="1">
       <a:defRPr sz="1200" kern="1200">
         <a:solidFill>
           <a:schemeClr val="tx1"/>
@@ -442,7 +235,7 @@
         <a:cs typeface="+mn-cs"/>
       </a:defRPr>
     </a:lvl7pPr>
-    <a:lvl8pPr marL="3200400" algn="l" defTabSz="457200" rtl="0" eaLnBrk="1" latinLnBrk="0" hangingPunct="1">
+    <a:lvl8pPr marL="3200400" algn="l" defTabSz="914400" rtl="0" eaLnBrk="1" latinLnBrk="0" hangingPunct="1">
       <a:defRPr sz="1200" kern="1200">
         <a:solidFill>
           <a:schemeClr val="tx1"/>
@@ -452,7 +245,7 @@
         <a:cs typeface="+mn-cs"/>
       </a:defRPr>
     </a:lvl8pPr>
-    <a:lvl9pPr marL="3657600" algn="l" defTabSz="457200" rtl="0" eaLnBrk="1" latinLnBrk="0" hangingPunct="1">
+    <a:lvl9pPr marL="3657600" algn="l" defTabSz="914400" rtl="0" eaLnBrk="1" latinLnBrk="0" hangingPunct="1">
       <a:defRPr sz="1200" kern="1200">
         <a:solidFill>
           <a:schemeClr val="tx1"/>
@@ -467,7 +260,7 @@
 </file>
 
 <file path=ppt/notesSlides/notesSlide1.xml><?xml version="1.0" encoding="utf-8"?>
-<p:notes xmlns:a="http://schemas.openxmlformats.org/drawingml/2006/main" xmlns:p="http://schemas.openxmlformats.org/presentationml/2006/main" xmlns:r="http://schemas.openxmlformats.org/officeDocument/2006/relationships">
+<p:notes xmlns:a="http://schemas.openxmlformats.org/drawingml/2006/main" xmlns:r="http://schemas.openxmlformats.org/officeDocument/2006/relationships" xmlns:p="http://schemas.openxmlformats.org/presentationml/2006/main">
   <p:cSld>
     <p:spTree>
       <p:nvGrpSpPr>
@@ -487,7 +280,7 @@
         <p:nvSpPr>
           <p:cNvPr id="2" name="Slide Image Placeholder 1"/>
           <p:cNvSpPr>
-            <a:spLocks noGrp="1"/>
+            <a:spLocks noGrp="1" noRot="1" noChangeAspect="1"/>
           </p:cNvSpPr>
           <p:nvPr>
             <p:ph type="sldImg" idx="2"/>
@@ -502,14 +295,16 @@
             <a:spLocks noGrp="1"/>
           </p:cNvSpPr>
           <p:nvPr>
-            <p:ph type="body" idx="3" sz="quarter"/>
+            <p:ph type="body" sz="quarter" idx="3"/>
           </p:nvPr>
         </p:nvSpPr>
         <p:spPr/>
         <p:txBody>
           <a:bodyPr/>
           <a:lstStyle/>
-          <a:p/>
+          <a:p>
+            <a:endParaRPr/>
+          </a:p>
           <a:p>
             <a:r>
               <a:t>OPENING SCRIPT:</a:t>
@@ -520,7 +315,9 @@
               <a:t>"Today we're going to walk through backing up your device before we reset it. This process takes about 20-30 minutes, and we'll make sure all your important files, browser settings, and configurations are safely stored in OneDrive. I'll guide you step-by-step through each section. Do you have about 30 minutes to work through this together?"</a:t>
             </a:r>
           </a:p>
-          <a:p/>
+          <a:p>
+            <a:endParaRPr/>
+          </a:p>
           <a:p>
             <a:r>
               <a:t>KEY POINTS:</a:t>
@@ -546,7 +343,9 @@
               <a:t>- Check time availability before starting</a:t>
             </a:r>
           </a:p>
-          <a:p/>
+          <a:p>
+            <a:endParaRPr/>
+          </a:p>
         </p:txBody>
       </p:sp>
       <p:sp>
@@ -556,7 +355,7 @@
             <a:spLocks noGrp="1"/>
           </p:cNvSpPr>
           <p:nvPr>
-            <p:ph type="sldNum" idx="5" sz="quarter"/>
+            <p:ph type="sldNum" sz="quarter" idx="5"/>
           </p:nvPr>
         </p:nvSpPr>
         <p:spPr/>
@@ -569,8 +368,8 @@
 </p:notes>
 </file>
 
-<file path=ppt/notesSlides/notesSlide10.xml><?xml version="1.0" encoding="utf-8"?>
-<p:notes xmlns:a="http://schemas.openxmlformats.org/drawingml/2006/main" xmlns:p="http://schemas.openxmlformats.org/presentationml/2006/main" xmlns:r="http://schemas.openxmlformats.org/officeDocument/2006/relationships">
+<file path=ppt/notesSlides/notesSlide2.xml><?xml version="1.0" encoding="utf-8"?>
+<p:notes xmlns:a="http://schemas.openxmlformats.org/drawingml/2006/main" xmlns:r="http://schemas.openxmlformats.org/officeDocument/2006/relationships" xmlns:p="http://schemas.openxmlformats.org/presentationml/2006/main">
   <p:cSld>
     <p:spTree>
       <p:nvGrpSpPr>
@@ -590,7 +389,7 @@
         <p:nvSpPr>
           <p:cNvPr id="2" name="Slide Image Placeholder 1"/>
           <p:cNvSpPr>
-            <a:spLocks noGrp="1"/>
+            <a:spLocks noGrp="1" noRot="1" noChangeAspect="1"/>
           </p:cNvSpPr>
           <p:nvPr>
             <p:ph type="sldImg" idx="2"/>
@@ -605,131 +404,57 @@
             <a:spLocks noGrp="1"/>
           </p:cNvSpPr>
           <p:nvPr>
-            <p:ph type="body" idx="3" sz="quarter"/>
+            <p:ph type="body" sz="quarter" idx="3"/>
           </p:nvPr>
         </p:nvSpPr>
         <p:spPr/>
         <p:txBody>
           <a:bodyPr/>
           <a:lstStyle/>
-          <a:p/>
-          <a:p>
-            <a:r>
-              <a:t>CLOSING SCRIPT:</a:t>
-            </a:r>
-          </a:p>
-          <a:p>
-            <a:r>
-              <a:t>"That completes Phase 1! All your data is now safely backed up in OneDrive. Do you have any questions about anything we did today?</a:t>
-            </a:r>
-          </a:p>
-          <a:p/>
-          <a:p>
-            <a:r>
-              <a:t>[Answer questions]</a:t>
-            </a:r>
-          </a:p>
-          <a:p/>
-          <a:p>
-            <a:r>
-              <a:t>Here's what happens next: The IT team will process your device reset request. You'll receive an email with instructions for Phase 2 - that's when you'll get your device back and we'll help you sign in and verify everything. The reset usually takes [X days/hours based on your process].</a:t>
-            </a:r>
-          </a:p>
-          <a:p/>
-          <a:p>
-            <a:r>
-              <a:t>In the meantime, if you think of any questions or concerns, feel free to reach out to IT support at [email/Teams channel]. You can also find the full documentation at the link on this slide.</a:t>
-            </a:r>
-          </a:p>
-          <a:p/>
-          <a:p>
-            <a:r>
-              <a:t>Thank you for your patience today - I know this took some time, but your data is safe and we're ready to proceed with the reset."</a:t>
-            </a:r>
-          </a:p>
-          <a:p/>
-          <a:p>
-            <a:r>
-              <a:t>SUPPORT PLACEHOLDERS TO REPLACE:</a:t>
-            </a:r>
-          </a:p>
-          <a:p>
-            <a:r>
-              <a:t>- [YOUR IT SUPPORT EMAIL]: e.g., itsupport@inginc.com</a:t>
-            </a:r>
-          </a:p>
-          <a:p>
-            <a:r>
-              <a:t>- [YOUR SUPPORT CHANNEL]: e.g., Teams &gt; IT Help Desk &gt; Device Migration</a:t>
-            </a:r>
-          </a:p>
-          <a:p>
-            <a:r>
-              <a:t>- [YOUR SUPPORT PHONE]: e.g., ext 1234 or (555) 123-4567</a:t>
-            </a:r>
-          </a:p>
-          <a:p/>
-          <a:p>
-            <a:r>
-              <a:t>COMMON END-OF-CALL QUESTIONS:</a:t>
-            </a:r>
-          </a:p>
-          <a:p/>
-          <a:p>
-            <a:r>
-              <a:t>Q: "How long until I get my device back?"</a:t>
-            </a:r>
-          </a:p>
-          <a:p>
-            <a:r>
-              <a:t>A: "[Your SLA] - usually [X days]. You'll get an email when it's ready for Phase 2."</a:t>
-            </a:r>
-          </a:p>
-          <a:p/>
-          <a:p>
-            <a:r>
-              <a:t>Q: "Will I lose anything?"</a:t>
-            </a:r>
-          </a:p>
-          <a:p>
-            <a:r>
-              <a:t>A: "No - everything we backed up today is safely in OneDrive. After the reset, we'll restore it all."</a:t>
-            </a:r>
-          </a:p>
-          <a:p/>
-          <a:p>
-            <a:r>
-              <a:t>Q: "Can I use another computer in the meantime?"</a:t>
-            </a:r>
-          </a:p>
-          <a:p>
-            <a:r>
-              <a:t>A: "Yes - sign into any computer with your INGINC.com account, open OneDrive, and you can access all your files."</a:t>
-            </a:r>
-          </a:p>
-          <a:p/>
-          <a:p>
-            <a:r>
-              <a:t>Q: "What if I forgot something?"</a:t>
-            </a:r>
-          </a:p>
-          <a:p>
-            <a:r>
-              <a:t>A: "As long as it was in your Desktop, Documents, or Pictures folders, OneDrive has it. If you think of something else, let us know and we can check before the reset."</a:t>
-            </a:r>
-          </a:p>
-          <a:p/>
-          <a:p>
-            <a:r>
-              <a:t>Q: "Do I need to do anything else?"</a:t>
-            </a:r>
-          </a:p>
-          <a:p>
-            <a:r>
-              <a:t>A: "Nope! Just wait for the email from IT. They'll guide you through Phase 2."</a:t>
-            </a:r>
-          </a:p>
-          <a:p/>
+          <a:p>
+            <a:endParaRPr/>
+          </a:p>
+          <a:p>
+            <a:r>
+              <a:t>SCRIPT:</a:t>
+            </a:r>
+          </a:p>
+          <a:p>
+            <a:r>
+              <a:t>"Here's what we're going to back up today. The most important part is OneDrive - that's where all your files will be safely stored in the cloud. We'll also save your browser bookmarks and passwords, capture your printer settings, and if you have an iPhone or iPad, we'll verify that's backed up too. Each of these steps is important, but don't worry - I'll walk you through them one at a time."</a:t>
+            </a:r>
+          </a:p>
+          <a:p>
+            <a:endParaRPr/>
+          </a:p>
+          <a:p>
+            <a:r>
+              <a:t>EMPHASIS:</a:t>
+            </a:r>
+          </a:p>
+          <a:p>
+            <a:r>
+              <a:t>- OneDrive is the MOST CRITICAL step</a:t>
+            </a:r>
+          </a:p>
+          <a:p>
+            <a:r>
+              <a:t>- Everything goes to the cloud - safe even if device fails</a:t>
+            </a:r>
+          </a:p>
+          <a:p>
+            <a:r>
+              <a:t>- User doesn't need to understand technical details</a:t>
+            </a:r>
+          </a:p>
+          <a:p>
+            <a:r>
+              <a:t>- Focus on: "Your files will be safe"</a:t>
+            </a:r>
+          </a:p>
+          <a:p>
+            <a:endParaRPr/>
+          </a:p>
         </p:txBody>
       </p:sp>
       <p:sp>
@@ -739,7 +464,7 @@
             <a:spLocks noGrp="1"/>
           </p:cNvSpPr>
           <p:nvPr>
-            <p:ph type="sldNum" idx="5" sz="quarter"/>
+            <p:ph type="sldNum" sz="quarter" idx="5"/>
           </p:nvPr>
         </p:nvSpPr>
         <p:spPr/>
@@ -752,8 +477,8 @@
 </p:notes>
 </file>
 
-<file path=ppt/notesSlides/notesSlide2.xml><?xml version="1.0" encoding="utf-8"?>
-<p:notes xmlns:a="http://schemas.openxmlformats.org/drawingml/2006/main" xmlns:p="http://schemas.openxmlformats.org/presentationml/2006/main" xmlns:r="http://schemas.openxmlformats.org/officeDocument/2006/relationships">
+<file path=ppt/notesSlides/notesSlide3.xml><?xml version="1.0" encoding="utf-8"?>
+<p:notes xmlns:a="http://schemas.openxmlformats.org/drawingml/2006/main" xmlns:r="http://schemas.openxmlformats.org/officeDocument/2006/relationships" xmlns:p="http://schemas.openxmlformats.org/presentationml/2006/main">
   <p:cSld>
     <p:spTree>
       <p:nvGrpSpPr>
@@ -773,7 +498,7 @@
         <p:nvSpPr>
           <p:cNvPr id="2" name="Slide Image Placeholder 1"/>
           <p:cNvSpPr>
-            <a:spLocks noGrp="1"/>
+            <a:spLocks noGrp="1" noRot="1" noChangeAspect="1"/>
           </p:cNvSpPr>
           <p:nvPr>
             <p:ph type="sldImg" idx="2"/>
@@ -788,51 +513,130 @@
             <a:spLocks noGrp="1"/>
           </p:cNvSpPr>
           <p:nvPr>
-            <p:ph type="body" idx="3" sz="quarter"/>
+            <p:ph type="body" sz="quarter" idx="3"/>
           </p:nvPr>
         </p:nvSpPr>
         <p:spPr/>
         <p:txBody>
           <a:bodyPr/>
           <a:lstStyle/>
-          <a:p/>
-          <a:p>
-            <a:r>
-              <a:t>SCRIPT:</a:t>
-            </a:r>
-          </a:p>
-          <a:p>
-            <a:r>
-              <a:t>"Here's what we're going to back up today. The most important part is OneDrive - that's where all your files will be safely stored in the cloud. We'll also save your browser bookmarks and passwords, capture your printer settings, and if you have an iPhone or iPad, we'll verify that's backed up too. Each of these steps is important, but don't worry - I'll walk you through them one at a time."</a:t>
-            </a:r>
-          </a:p>
-          <a:p/>
-          <a:p>
-            <a:r>
-              <a:t>EMPHASIS:</a:t>
-            </a:r>
-          </a:p>
-          <a:p>
-            <a:r>
-              <a:t>- OneDrive is the MOST CRITICAL step</a:t>
-            </a:r>
-          </a:p>
-          <a:p>
-            <a:r>
-              <a:t>- Everything goes to the cloud - safe even if device fails</a:t>
-            </a:r>
-          </a:p>
-          <a:p>
-            <a:r>
-              <a:t>- User doesn't need to understand technical details</a:t>
-            </a:r>
-          </a:p>
-          <a:p>
-            <a:r>
-              <a:t>- Focus on: "Your files will be safe"</a:t>
-            </a:r>
-          </a:p>
-          <a:p/>
+          <a:p>
+            <a:endParaRPr/>
+          </a:p>
+          <a:p>
+            <a:r>
+              <a:t>DETAILED SCRIPT:</a:t>
+            </a:r>
+          </a:p>
+          <a:p>
+            <a:r>
+              <a:t>"Let's start with OneDrive. Look at the bottom right corner of your screen, near the clock. Do you see a little cloud icon? That's OneDrive. Click on it.</a:t>
+            </a:r>
+          </a:p>
+          <a:p>
+            <a:endParaRPr/>
+          </a:p>
+          <a:p>
+            <a:r>
+              <a:t>If you don't see it, we need to install OneDrive first - we can get that from the Microsoft Store or onedrive.com.</a:t>
+            </a:r>
+          </a:p>
+          <a:p>
+            <a:endParaRPr/>
+          </a:p>
+          <a:p>
+            <a:r>
+              <a:t>[Once they find it]</a:t>
+            </a:r>
+          </a:p>
+          <a:p>
+            <a:r>
+              <a:t>Great! Now click on that cloud icon. Do you see where it says 'Sign in'? Click that and use your INGINC.com email address - the same one you use for Outlook.</a:t>
+            </a:r>
+          </a:p>
+          <a:p>
+            <a:endParaRPr/>
+          </a:p>
+          <a:p>
+            <a:r>
+              <a:t>[After sign in]</a:t>
+            </a:r>
+          </a:p>
+          <a:p>
+            <a:r>
+              <a:t>Perfect! Now let's set up folder backup. Click the gear icon in the OneDrive window. See where it says 'Sync and backup'? Click that tab. Now click 'Manage backup'.</a:t>
+            </a:r>
+          </a:p>
+          <a:p>
+            <a:endParaRPr/>
+          </a:p>
+          <a:p>
+            <a:r>
+              <a:t>You should see three folders here: Desktop, Documents, and Pictures. We want to make sure all three have checkmarks. If any are missing checkmarks, click to enable them. Then click 'Start backup' at the bottom.</a:t>
+            </a:r>
+          </a:p>
+          <a:p>
+            <a:endParaRPr/>
+          </a:p>
+          <a:p>
+            <a:r>
+              <a:t>Now we wait. You'll see the cloud icon has little blue arrows - that means it's uploading your files. This might take 15-30 minutes depending on how many files you have. While it's uploading, we can start working on the next user's backup. We'll come back to check for the green checkmark before we reset your device."</a:t>
+            </a:r>
+          </a:p>
+          <a:p>
+            <a:endParaRPr/>
+          </a:p>
+          <a:p>
+            <a:r>
+              <a:t>TROUBLESHOOTING:</a:t>
+            </a:r>
+          </a:p>
+          <a:p>
+            <a:r>
+              <a:t>- No cloud icon: Install OneDrive from Microsoft Store</a:t>
+            </a:r>
+          </a:p>
+          <a:p>
+            <a:r>
+              <a:t>- Can't sign in: Verify INGINC.com credentials, check MFA</a:t>
+            </a:r>
+          </a:p>
+          <a:p>
+            <a:r>
+              <a:t>- Known Folder protection already enabled: User may have bypassed - verify in portal.office.com</a:t>
+            </a:r>
+          </a:p>
+          <a:p>
+            <a:r>
+              <a:t>- Sync stuck: Check internet connection, restart OneDrive</a:t>
+            </a:r>
+          </a:p>
+          <a:p>
+            <a:endParaRPr/>
+          </a:p>
+          <a:p>
+            <a:r>
+              <a:t>IMPORTANT:</a:t>
+            </a:r>
+          </a:p>
+          <a:p>
+            <a:r>
+              <a:t>- DO NOT proceed to reset until green checkmark appears</a:t>
+            </a:r>
+          </a:p>
+          <a:p>
+            <a:r>
+              <a:t>- Use wait time to start another user's Phase 1</a:t>
+            </a:r>
+          </a:p>
+          <a:p>
+            <a:r>
+              <a:t>- Verify completion in portal.office.com before Phase 2</a:t>
+            </a:r>
+          </a:p>
+          <a:p>
+            <a:endParaRPr/>
+          </a:p>
         </p:txBody>
       </p:sp>
       <p:sp>
@@ -842,7 +646,7 @@
             <a:spLocks noGrp="1"/>
           </p:cNvSpPr>
           <p:nvPr>
-            <p:ph type="sldNum" idx="5" sz="quarter"/>
+            <p:ph type="sldNum" sz="quarter" idx="5"/>
           </p:nvPr>
         </p:nvSpPr>
         <p:spPr/>
@@ -855,8 +659,8 @@
 </p:notes>
 </file>
 
-<file path=ppt/notesSlides/notesSlide3.xml><?xml version="1.0" encoding="utf-8"?>
-<p:notes xmlns:a="http://schemas.openxmlformats.org/drawingml/2006/main" xmlns:p="http://schemas.openxmlformats.org/presentationml/2006/main" xmlns:r="http://schemas.openxmlformats.org/officeDocument/2006/relationships">
+<file path=ppt/notesSlides/notesSlide4.xml><?xml version="1.0" encoding="utf-8"?>
+<p:notes xmlns:a="http://schemas.openxmlformats.org/drawingml/2006/main" xmlns:r="http://schemas.openxmlformats.org/officeDocument/2006/relationships" xmlns:p="http://schemas.openxmlformats.org/presentationml/2006/main">
   <p:cSld>
     <p:spTree>
       <p:nvGrpSpPr>
@@ -876,7 +680,7 @@
         <p:nvSpPr>
           <p:cNvPr id="2" name="Slide Image Placeholder 1"/>
           <p:cNvSpPr>
-            <a:spLocks noGrp="1"/>
+            <a:spLocks noGrp="1" noRot="1" noChangeAspect="1"/>
           </p:cNvSpPr>
           <p:nvPr>
             <p:ph type="sldImg" idx="2"/>
@@ -891,112 +695,99 @@
             <a:spLocks noGrp="1"/>
           </p:cNvSpPr>
           <p:nvPr>
-            <p:ph type="body" idx="3" sz="quarter"/>
+            <p:ph type="body" sz="quarter" idx="3"/>
           </p:nvPr>
         </p:nvSpPr>
         <p:spPr/>
         <p:txBody>
           <a:bodyPr/>
           <a:lstStyle/>
-          <a:p/>
-          <a:p>
-            <a:r>
-              <a:t>DETAILED SCRIPT:</a:t>
-            </a:r>
-          </a:p>
-          <a:p>
-            <a:r>
-              <a:t>"Let's start with OneDrive. Look at the bottom right corner of your screen, near the clock. Do you see a little cloud icon? That's OneDrive. Click on it.</a:t>
-            </a:r>
-          </a:p>
-          <a:p/>
-          <a:p>
-            <a:r>
-              <a:t>If you don't see it, we need to install OneDrive first - we can get that from the Microsoft Store or onedrive.com.</a:t>
-            </a:r>
-          </a:p>
-          <a:p/>
-          <a:p>
-            <a:r>
-              <a:t>[Once they find it]</a:t>
-            </a:r>
-          </a:p>
-          <a:p>
-            <a:r>
-              <a:t>Great! Now click on that cloud icon. Do you see where it says 'Sign in'? Click that and use your INGINC.com email address - the same one you use for Outlook.</a:t>
-            </a:r>
-          </a:p>
-          <a:p/>
-          <a:p>
-            <a:r>
-              <a:t>[After sign in]</a:t>
-            </a:r>
-          </a:p>
-          <a:p>
-            <a:r>
-              <a:t>Perfect! Now let's set up folder backup. Click the gear icon in the OneDrive window. See where it says 'Sync and backup'? Click that tab. Now click 'Manage backup'.</a:t>
-            </a:r>
-          </a:p>
-          <a:p/>
-          <a:p>
-            <a:r>
-              <a:t>You should see three folders here: Desktop, Documents, and Pictures. We want to make sure all three have checkmarks. If any are missing checkmarks, click to enable them. Then click 'Start backup' at the bottom.</a:t>
-            </a:r>
-          </a:p>
-          <a:p/>
-          <a:p>
-            <a:r>
-              <a:t>Now we wait. You'll see the cloud icon has little blue arrows - that means it's uploading your files. This might take 15-30 minutes depending on how many files you have. While it's uploading, we can start working on the next user's backup. We'll come back to check for the green checkmark before we reset your device."</a:t>
-            </a:r>
-          </a:p>
-          <a:p/>
-          <a:p>
-            <a:r>
-              <a:t>TROUBLESHOOTING:</a:t>
-            </a:r>
-          </a:p>
-          <a:p>
-            <a:r>
-              <a:t>- No cloud icon: Install OneDrive from Microsoft Store</a:t>
-            </a:r>
-          </a:p>
-          <a:p>
-            <a:r>
-              <a:t>- Can't sign in: Verify INGINC.com credentials, check MFA</a:t>
-            </a:r>
-          </a:p>
-          <a:p>
-            <a:r>
-              <a:t>- Known Folder protection already enabled: User may have bypassed - verify in portal.office.com</a:t>
-            </a:r>
-          </a:p>
-          <a:p>
-            <a:r>
-              <a:t>- Sync stuck: Check internet connection, restart OneDrive</a:t>
-            </a:r>
-          </a:p>
-          <a:p/>
-          <a:p>
-            <a:r>
-              <a:t>IMPORTANT:</a:t>
-            </a:r>
-          </a:p>
-          <a:p>
-            <a:r>
-              <a:t>- DO NOT proceed to reset until green checkmark appears</a:t>
-            </a:r>
-          </a:p>
-          <a:p>
-            <a:r>
-              <a:t>- Use wait time to start another user's Phase 1</a:t>
-            </a:r>
-          </a:p>
-          <a:p>
-            <a:r>
-              <a:t>- Verify completion in portal.office.com before Phase 2</a:t>
-            </a:r>
-          </a:p>
-          <a:p/>
+          <a:p>
+            <a:endParaRPr/>
+          </a:p>
+          <a:p>
+            <a:r>
+              <a:t>SCRIPT:</a:t>
+            </a:r>
+          </a:p>
+          <a:p>
+            <a:r>
+              <a:t>"Now let's backup your browser. Are you using Chrome or Edge? Let me show you how to turn on sync for your browser.</a:t>
+            </a:r>
+          </a:p>
+          <a:p>
+            <a:endParaRPr/>
+          </a:p>
+          <a:p>
+            <a:r>
+              <a:t>[For Chrome]</a:t>
+            </a:r>
+          </a:p>
+          <a:p>
+            <a:r>
+              <a:t>Click the three dots in the top right corner - that's the menu. Go to Settings. On the left side, click 'You and Google'. Now click 'Turn on sync'. Sign in with your INGINC.com email. Once you see 'Sync is on', you're all set.</a:t>
+            </a:r>
+          </a:p>
+          <a:p>
+            <a:endParaRPr/>
+          </a:p>
+          <a:p>
+            <a:r>
+              <a:t>[For Edge]</a:t>
+            </a:r>
+          </a:p>
+          <a:p>
+            <a:r>
+              <a:t>Click the three dots in the top right. Go to Settings. Click on Profiles on the left. Then click Sync. Turn on sync and make sure you're signed in with your INGINC.com account.</a:t>
+            </a:r>
+          </a:p>
+          <a:p>
+            <a:endParaRPr/>
+          </a:p>
+          <a:p>
+            <a:r>
+              <a:t>Now let's export your bookmarks as a backup. Go to the menu again, then Bookmarks or Favorites, find the three dots, and click Export. Save that file to your OneDrive Documents folder. Name it something like 'Browser Bookmarks Backup'.</a:t>
+            </a:r>
+          </a:p>
+          <a:p>
+            <a:endParaRPr/>
+          </a:p>
+          <a:p>
+            <a:r>
+              <a:t>If you want to export your passwords too, go back to Settings, click on Passwords, find the three dots next to 'Saved passwords', and click Export passwords. Save that to OneDrive Documents as well. Important: this file contains your passwords, so we'll delete it from OneDrive once everything is restored and working."</a:t>
+            </a:r>
+          </a:p>
+          <a:p>
+            <a:endParaRPr/>
+          </a:p>
+          <a:p>
+            <a:r>
+              <a:t>KEY POINTS:</a:t>
+            </a:r>
+          </a:p>
+          <a:p>
+            <a:r>
+              <a:t>- Sync is the primary protection (automatic)</a:t>
+            </a:r>
+          </a:p>
+          <a:p>
+            <a:r>
+              <a:t>- Export is secondary backup (manual, but safer)</a:t>
+            </a:r>
+          </a:p>
+          <a:p>
+            <a:r>
+              <a:t>- Password CSV is sensitive - remind to delete later</a:t>
+            </a:r>
+          </a:p>
+          <a:p>
+            <a:r>
+              <a:t>- Save exports to: OneDrive &gt; Documents &gt; BrowserBackup folder</a:t>
+            </a:r>
+          </a:p>
+          <a:p>
+            <a:endParaRPr/>
+          </a:p>
         </p:txBody>
       </p:sp>
       <p:sp>
@@ -1006,7 +797,7 @@
             <a:spLocks noGrp="1"/>
           </p:cNvSpPr>
           <p:nvPr>
-            <p:ph type="sldNum" idx="5" sz="quarter"/>
+            <p:ph type="sldNum" sz="quarter" idx="5"/>
           </p:nvPr>
         </p:nvSpPr>
         <p:spPr/>
@@ -1019,8 +810,8 @@
 </p:notes>
 </file>
 
-<file path=ppt/notesSlides/notesSlide4.xml><?xml version="1.0" encoding="utf-8"?>
-<p:notes xmlns:a="http://schemas.openxmlformats.org/drawingml/2006/main" xmlns:p="http://schemas.openxmlformats.org/presentationml/2006/main" xmlns:r="http://schemas.openxmlformats.org/officeDocument/2006/relationships">
+<file path=ppt/notesSlides/notesSlide5.xml><?xml version="1.0" encoding="utf-8"?>
+<p:notes xmlns:a="http://schemas.openxmlformats.org/drawingml/2006/main" xmlns:r="http://schemas.openxmlformats.org/officeDocument/2006/relationships" xmlns:p="http://schemas.openxmlformats.org/presentationml/2006/main">
   <p:cSld>
     <p:spTree>
       <p:nvGrpSpPr>
@@ -1040,7 +831,7 @@
         <p:nvSpPr>
           <p:cNvPr id="2" name="Slide Image Placeholder 1"/>
           <p:cNvSpPr>
-            <a:spLocks noGrp="1"/>
+            <a:spLocks noGrp="1" noRot="1" noChangeAspect="1"/>
           </p:cNvSpPr>
           <p:nvPr>
             <p:ph type="sldImg" idx="2"/>
@@ -1055,14 +846,16 @@
             <a:spLocks noGrp="1"/>
           </p:cNvSpPr>
           <p:nvPr>
-            <p:ph type="body" idx="3" sz="quarter"/>
+            <p:ph type="body" sz="quarter" idx="3"/>
           </p:nvPr>
         </p:nvSpPr>
         <p:spPr/>
         <p:txBody>
           <a:bodyPr/>
           <a:lstStyle/>
-          <a:p/>
+          <a:p>
+            <a:endParaRPr/>
+          </a:p>
           <a:p>
             <a:r>
               <a:t>SCRIPT:</a:t>
@@ -1070,70 +863,97 @@
           </a:p>
           <a:p>
             <a:r>
-              <a:t>"Now let's backup your browser. Are you using Chrome or Edge? Let me show you how to turn on sync for your browser.</a:t>
-            </a:r>
-          </a:p>
-          <a:p/>
-          <a:p>
-            <a:r>
-              <a:t>[For Chrome]</a:t>
-            </a:r>
-          </a:p>
-          <a:p>
-            <a:r>
-              <a:t>Click the three dots in the top right corner - that's the menu. Go to Settings. On the left side, click 'You and Google'. Now click 'Turn on sync'. Sign in with your INGINC.com email. Once you see 'Sync is on', you're all set.</a:t>
-            </a:r>
-          </a:p>
-          <a:p/>
-          <a:p>
-            <a:r>
-              <a:t>[For Edge]</a:t>
-            </a:r>
-          </a:p>
-          <a:p>
-            <a:r>
-              <a:t>Click the three dots in the top right. Go to Settings. Click on Profiles on the left. Then click Sync. Turn on sync and make sure you're signed in with your INGINC.com account.</a:t>
-            </a:r>
-          </a:p>
-          <a:p/>
-          <a:p>
-            <a:r>
-              <a:t>Now let's export your bookmarks as a backup. Go to the menu again, then Bookmarks or Favorites, find the three dots, and click Export. Save that file to your OneDrive Documents folder. Name it something like 'Browser Bookmarks Backup'.</a:t>
-            </a:r>
-          </a:p>
-          <a:p/>
-          <a:p>
-            <a:r>
-              <a:t>If you want to export your passwords too, go back to Settings, click on Passwords, find the three dots next to 'Saved passwords', and click Export passwords. Save that to OneDrive Documents as well. Important: this file contains your passwords, so we'll delete it from OneDrive once everything is restored and working."</a:t>
-            </a:r>
-          </a:p>
-          <a:p/>
-          <a:p>
-            <a:r>
-              <a:t>KEY POINTS:</a:t>
-            </a:r>
-          </a:p>
-          <a:p>
-            <a:r>
-              <a:t>- Sync is the primary protection (automatic)</a:t>
-            </a:r>
-          </a:p>
-          <a:p>
-            <a:r>
-              <a:t>- Export is secondary backup (manual, but safer)</a:t>
-            </a:r>
-          </a:p>
-          <a:p>
-            <a:r>
-              <a:t>- Password CSV is sensitive - remind to delete later</a:t>
-            </a:r>
-          </a:p>
-          <a:p>
-            <a:r>
-              <a:t>- Save exports to: OneDrive &gt; Documents &gt; BrowserBackup folder</a:t>
-            </a:r>
-          </a:p>
-          <a:p/>
+              <a:t>"Next, let's capture your printer settings. Click the Start button and type 'Settings'. Open Settings, then click on 'Devices', then 'Printers &amp; scanners'.</a:t>
+            </a:r>
+          </a:p>
+          <a:p>
+            <a:endParaRPr/>
+          </a:p>
+          <a:p>
+            <a:r>
+              <a:t>Perfect - I can see you have [X] printers configured. We're going to take a screenshot of this list so we can set them back up exactly the same way after the reset.</a:t>
+            </a:r>
+          </a:p>
+          <a:p>
+            <a:endParaRPr/>
+          </a:p>
+          <a:p>
+            <a:r>
+              <a:t>Press the Windows key, Shift, and S all at the same time. Your screen should dim a bit - that's the screenshot tool. Click and drag to capture the entire printer list.</a:t>
+            </a:r>
+          </a:p>
+          <a:p>
+            <a:endParaRPr/>
+          </a:p>
+          <a:p>
+            <a:r>
+              <a:t>Once you've captured it, a notification will pop up in the corner. Click that notification, and it will open in the Snipping Tool. Click the save button (floppy disk icon) and save it to your OneDrive Documents folder. Name it 'PrinterBackup' or 'Printers Screenshot'."</a:t>
+            </a:r>
+          </a:p>
+          <a:p>
+            <a:endParaRPr/>
+          </a:p>
+          <a:p>
+            <a:r>
+              <a:t>WHY THIS MATTERS:</a:t>
+            </a:r>
+          </a:p>
+          <a:p>
+            <a:r>
+              <a:t>- Printer names, IPs, and driver info visible in screenshot</a:t>
+            </a:r>
+          </a:p>
+          <a:p>
+            <a:r>
+              <a:t>- Makes Phase 3 printer restoration much faster</a:t>
+            </a:r>
+          </a:p>
+          <a:p>
+            <a:r>
+              <a:t>- Users often don't remember printer names</a:t>
+            </a:r>
+          </a:p>
+          <a:p>
+            <a:r>
+              <a:t>- Screenshot is faster than manual documentation</a:t>
+            </a:r>
+          </a:p>
+          <a:p>
+            <a:endParaRPr/>
+          </a:p>
+          <a:p>
+            <a:r>
+              <a:t>ALTERNATIVE:</a:t>
+            </a:r>
+          </a:p>
+          <a:p>
+            <a:r>
+              <a:t>If user is uncomfortable with screenshots, manually document:</a:t>
+            </a:r>
+          </a:p>
+          <a:p>
+            <a:r>
+              <a:t>- Printer name</a:t>
+            </a:r>
+          </a:p>
+          <a:p>
+            <a:r>
+              <a:t>- Printer model</a:t>
+            </a:r>
+          </a:p>
+          <a:p>
+            <a:r>
+              <a:t>- IP address (if network printer)</a:t>
+            </a:r>
+          </a:p>
+          <a:p>
+            <a:r>
+              <a:t>- Default printer (marked with checkmark)</a:t>
+            </a:r>
+          </a:p>
+          <a:p>
+            <a:endParaRPr/>
+          </a:p>
         </p:txBody>
       </p:sp>
       <p:sp>
@@ -1143,7 +963,7 @@
             <a:spLocks noGrp="1"/>
           </p:cNvSpPr>
           <p:nvPr>
-            <p:ph type="sldNum" idx="5" sz="quarter"/>
+            <p:ph type="sldNum" sz="quarter" idx="5"/>
           </p:nvPr>
         </p:nvSpPr>
         <p:spPr/>
@@ -1156,8 +976,8 @@
 </p:notes>
 </file>
 
-<file path=ppt/notesSlides/notesSlide5.xml><?xml version="1.0" encoding="utf-8"?>
-<p:notes xmlns:a="http://schemas.openxmlformats.org/drawingml/2006/main" xmlns:p="http://schemas.openxmlformats.org/presentationml/2006/main" xmlns:r="http://schemas.openxmlformats.org/officeDocument/2006/relationships">
+<file path=ppt/notesSlides/notesSlide6.xml><?xml version="1.0" encoding="utf-8"?>
+<p:notes xmlns:a="http://schemas.openxmlformats.org/drawingml/2006/main" xmlns:r="http://schemas.openxmlformats.org/officeDocument/2006/relationships" xmlns:p="http://schemas.openxmlformats.org/presentationml/2006/main">
   <p:cSld>
     <p:spTree>
       <p:nvGrpSpPr>
@@ -1177,7 +997,7 @@
         <p:nvSpPr>
           <p:cNvPr id="2" name="Slide Image Placeholder 1"/>
           <p:cNvSpPr>
-            <a:spLocks noGrp="1"/>
+            <a:spLocks noGrp="1" noRot="1" noChangeAspect="1"/>
           </p:cNvSpPr>
           <p:nvPr>
             <p:ph type="sldImg" idx="2"/>
@@ -1192,14 +1012,16 @@
             <a:spLocks noGrp="1"/>
           </p:cNvSpPr>
           <p:nvPr>
-            <p:ph type="body" idx="3" sz="quarter"/>
+            <p:ph type="body" sz="quarter" idx="3"/>
           </p:nvPr>
         </p:nvSpPr>
         <p:spPr/>
         <p:txBody>
           <a:bodyPr/>
           <a:lstStyle/>
-          <a:p/>
+          <a:p>
+            <a:endParaRPr/>
+          </a:p>
           <a:p>
             <a:r>
               <a:t>SCRIPT:</a:t>
@@ -1207,28 +1029,36 @@
           </a:p>
           <a:p>
             <a:r>
-              <a:t>"Next, let's capture your printer settings. Click the Start button and type 'Settings'. Open Settings, then click on 'Devices', then 'Printers &amp; scanners'.</a:t>
-            </a:r>
-          </a:p>
-          <a:p/>
-          <a:p>
-            <a:r>
-              <a:t>Perfect - I can see you have [X] printers configured. We're going to take a screenshot of this list so we can set them back up exactly the same way after the reset.</a:t>
-            </a:r>
-          </a:p>
-          <a:p/>
-          <a:p>
-            <a:r>
-              <a:t>Press the Windows key, Shift, and S all at the same time. Your screen should dim a bit - that's the screenshot tool. Click and drag to capture the entire printer list.</a:t>
-            </a:r>
-          </a:p>
-          <a:p/>
-          <a:p>
-            <a:r>
-              <a:t>Once you've captured it, a notification will pop up in the corner. Click that notification, and it will open in the Snipping Tool. Click the save button (floppy disk icon) and save it to your OneDrive Documents folder. Name it 'PrinterBackup' or 'Printers Screenshot'."</a:t>
-            </a:r>
-          </a:p>
-          <a:p/>
+              <a:t>"Before we reset your device, let's record which WiFi network you're connected to. Click on the WiFi icon in your taskbar - that's the wireless symbol in the bottom right corner, near the clock.</a:t>
+            </a:r>
+          </a:p>
+          <a:p>
+            <a:endParaRPr/>
+          </a:p>
+          <a:p>
+            <a:r>
+              <a:t>Can you tell me the name of the network you're connected to? I'm going to write it down.</a:t>
+            </a:r>
+          </a:p>
+          <a:p>
+            <a:endParaRPr/>
+          </a:p>
+          <a:p>
+            <a:r>
+              <a:t>[Record the SSID]</a:t>
+            </a:r>
+          </a:p>
+          <a:p>
+            <a:endParaRPr/>
+          </a:p>
+          <a:p>
+            <a:r>
+              <a:t>Great! After the reset, when Windows first starts up, it will ask you to connect to WiFi. We'll use this network name to reconnect quickly."</a:t>
+            </a:r>
+          </a:p>
+          <a:p>
+            <a:endParaRPr/>
+          </a:p>
           <a:p>
             <a:r>
               <a:t>WHY THIS MATTERS:</a:t>
@@ -1236,56 +1066,83 @@
           </a:p>
           <a:p>
             <a:r>
-              <a:t>- Printer names, IPs, and driver info visible in screenshot</a:t>
-            </a:r>
-          </a:p>
-          <a:p>
-            <a:r>
-              <a:t>- Makes Phase 3 printer restoration much faster</a:t>
-            </a:r>
-          </a:p>
-          <a:p>
-            <a:r>
-              <a:t>- Users often don't remember printer names</a:t>
-            </a:r>
-          </a:p>
-          <a:p>
-            <a:r>
-              <a:t>- Screenshot is faster than manual documentation</a:t>
-            </a:r>
-          </a:p>
-          <a:p/>
-          <a:p>
-            <a:r>
-              <a:t>ALTERNATIVE:</a:t>
-            </a:r>
-          </a:p>
-          <a:p>
-            <a:r>
-              <a:t>If user is uncomfortable with screenshots, manually document:</a:t>
-            </a:r>
-          </a:p>
-          <a:p>
-            <a:r>
-              <a:t>- Printer name</a:t>
-            </a:r>
-          </a:p>
-          <a:p>
-            <a:r>
-              <a:t>- Printer model</a:t>
-            </a:r>
-          </a:p>
-          <a:p>
-            <a:r>
-              <a:t>- IP address (if network printer)</a:t>
-            </a:r>
-          </a:p>
-          <a:p>
-            <a:r>
-              <a:t>- Default printer (marked with checkmark)</a:t>
-            </a:r>
-          </a:p>
-          <a:p/>
+              <a:t>- OOBE (Out of Box Experience) requires internet before Autopilot can begin</a:t>
+            </a:r>
+          </a:p>
+          <a:p>
+            <a:r>
+              <a:t>- Sites often have multiple similar network names (Guest, Corp, VPN, etc.)</a:t>
+            </a:r>
+          </a:p>
+          <a:p>
+            <a:r>
+              <a:t>- Exact SSID avoids confusion during setup</a:t>
+            </a:r>
+          </a:p>
+          <a:p>
+            <a:r>
+              <a:t>- Saves time - no hunting for correct network</a:t>
+            </a:r>
+          </a:p>
+          <a:p>
+            <a:endParaRPr/>
+          </a:p>
+          <a:p>
+            <a:r>
+              <a:t>DOCUMENT:</a:t>
+            </a:r>
+          </a:p>
+          <a:p>
+            <a:r>
+              <a:t>- Record SSID in your notes or ticket system</a:t>
+            </a:r>
+          </a:p>
+          <a:p>
+            <a:r>
+              <a:t>- If multiple networks available, note which one to use</a:t>
+            </a:r>
+          </a:p>
+          <a:p>
+            <a:r>
+              <a:t>- If user is on Guest network, note if Corp network is available</a:t>
+            </a:r>
+          </a:p>
+          <a:p>
+            <a:r>
+              <a:t>- Check if network requires certificate or special auth</a:t>
+            </a:r>
+          </a:p>
+          <a:p>
+            <a:endParaRPr/>
+          </a:p>
+          <a:p>
+            <a:r>
+              <a:t>COMMON NETWORKS:</a:t>
+            </a:r>
+          </a:p>
+          <a:p>
+            <a:r>
+              <a:t>- Impact_Floors_Corp</a:t>
+            </a:r>
+          </a:p>
+          <a:p>
+            <a:r>
+              <a:t>- Impact_Guest</a:t>
+            </a:r>
+          </a:p>
+          <a:p>
+            <a:r>
+              <a:t>- INGINC-WiFi</a:t>
+            </a:r>
+          </a:p>
+          <a:p>
+            <a:r>
+              <a:t>- Site-specific names</a:t>
+            </a:r>
+          </a:p>
+          <a:p>
+            <a:endParaRPr/>
+          </a:p>
         </p:txBody>
       </p:sp>
       <p:sp>
@@ -1295,7 +1152,7 @@
             <a:spLocks noGrp="1"/>
           </p:cNvSpPr>
           <p:nvPr>
-            <p:ph type="sldNum" idx="5" sz="quarter"/>
+            <p:ph type="sldNum" sz="quarter" idx="5"/>
           </p:nvPr>
         </p:nvSpPr>
         <p:spPr/>
@@ -1308,8 +1165,8 @@
 </p:notes>
 </file>
 
-<file path=ppt/notesSlides/notesSlide6.xml><?xml version="1.0" encoding="utf-8"?>
-<p:notes xmlns:a="http://schemas.openxmlformats.org/drawingml/2006/main" xmlns:p="http://schemas.openxmlformats.org/presentationml/2006/main" xmlns:r="http://schemas.openxmlformats.org/officeDocument/2006/relationships">
+<file path=ppt/notesSlides/notesSlide7.xml><?xml version="1.0" encoding="utf-8"?>
+<p:notes xmlns:a="http://schemas.openxmlformats.org/drawingml/2006/main" xmlns:r="http://schemas.openxmlformats.org/officeDocument/2006/relationships" xmlns:p="http://schemas.openxmlformats.org/presentationml/2006/main">
   <p:cSld>
     <p:spTree>
       <p:nvGrpSpPr>
@@ -1329,7 +1186,7 @@
         <p:nvSpPr>
           <p:cNvPr id="2" name="Slide Image Placeholder 1"/>
           <p:cNvSpPr>
-            <a:spLocks noGrp="1"/>
+            <a:spLocks noGrp="1" noRot="1" noChangeAspect="1"/>
           </p:cNvSpPr>
           <p:nvPr>
             <p:ph type="sldImg" idx="2"/>
@@ -1344,121 +1201,232 @@
             <a:spLocks noGrp="1"/>
           </p:cNvSpPr>
           <p:nvPr>
-            <p:ph type="body" idx="3" sz="quarter"/>
+            <p:ph type="body" sz="quarter" idx="3"/>
           </p:nvPr>
         </p:nvSpPr>
         <p:spPr/>
         <p:txBody>
           <a:bodyPr/>
           <a:lstStyle/>
-          <a:p/>
-          <a:p>
-            <a:r>
-              <a:t>SCRIPT:</a:t>
-            </a:r>
-          </a:p>
-          <a:p>
-            <a:r>
-              <a:t>"Before we reset your device, let's record which WiFi network you're connected to. Click on the WiFi icon in your taskbar - that's the wireless symbol in the bottom right corner, near the clock.</a:t>
-            </a:r>
-          </a:p>
-          <a:p/>
-          <a:p>
-            <a:r>
-              <a:t>Can you tell me the name of the network you're connected to? I'm going to write it down.</a:t>
-            </a:r>
-          </a:p>
-          <a:p/>
-          <a:p>
-            <a:r>
-              <a:t>[Record the SSID]</a:t>
-            </a:r>
-          </a:p>
-          <a:p/>
-          <a:p>
-            <a:r>
-              <a:t>Great! After the reset, when Windows first starts up, it will ask you to connect to WiFi. We'll use this network name to reconnect quickly."</a:t>
-            </a:r>
-          </a:p>
-          <a:p/>
-          <a:p>
-            <a:r>
-              <a:t>WHY THIS MATTERS:</a:t>
-            </a:r>
-          </a:p>
-          <a:p>
-            <a:r>
-              <a:t>- OOBE (Out of Box Experience) requires internet before Autopilot can begin</a:t>
-            </a:r>
-          </a:p>
-          <a:p>
-            <a:r>
-              <a:t>- Sites often have multiple similar network names (Guest, Corp, VPN, etc.)</a:t>
-            </a:r>
-          </a:p>
-          <a:p>
-            <a:r>
-              <a:t>- Exact SSID avoids confusion during setup</a:t>
-            </a:r>
-          </a:p>
-          <a:p>
-            <a:r>
-              <a:t>- Saves time - no hunting for correct network</a:t>
-            </a:r>
-          </a:p>
-          <a:p/>
-          <a:p>
-            <a:r>
-              <a:t>DOCUMENT:</a:t>
-            </a:r>
-          </a:p>
-          <a:p>
-            <a:r>
-              <a:t>- Record SSID in your notes or ticket system</a:t>
-            </a:r>
-          </a:p>
-          <a:p>
-            <a:r>
-              <a:t>- If multiple networks available, note which one to use</a:t>
-            </a:r>
-          </a:p>
-          <a:p>
-            <a:r>
-              <a:t>- If user is on Guest network, note if Corp network is available</a:t>
-            </a:r>
-          </a:p>
-          <a:p>
-            <a:r>
-              <a:t>- Check if network requires certificate or special auth</a:t>
-            </a:r>
-          </a:p>
-          <a:p/>
-          <a:p>
-            <a:r>
-              <a:t>COMMON NETWORKS:</a:t>
-            </a:r>
-          </a:p>
-          <a:p>
-            <a:r>
-              <a:t>- Impact_Floors_Corp</a:t>
-            </a:r>
-          </a:p>
-          <a:p>
-            <a:r>
-              <a:t>- Impact_Guest</a:t>
-            </a:r>
-          </a:p>
-          <a:p>
-            <a:r>
-              <a:t>- INGINC-WiFi</a:t>
-            </a:r>
-          </a:p>
-          <a:p>
-            <a:r>
-              <a:t>- Site-specific names</a:t>
-            </a:r>
-          </a:p>
-          <a:p/>
+          <a:p>
+            <a:endParaRPr/>
+          </a:p>
+          <a:p>
+            <a:r>
+              <a:t>DETAILED SCRIPT:</a:t>
+            </a:r>
+          </a:p>
+          <a:p>
+            <a:r>
+              <a:t>"Now we need to check for Outlook data files. These are special files that store your email archives, and they won't sync automatically to OneDrive.</a:t>
+            </a:r>
+          </a:p>
+          <a:p>
+            <a:endParaRPr/>
+          </a:p>
+          <a:p>
+            <a:r>
+              <a:t>Open File Explorer - you can click the folder icon in your taskbar. Now, click in the address bar at the top where it shows the folder path, and I'm going to have you type something. Clear that out and type exactly:</a:t>
+            </a:r>
+          </a:p>
+          <a:p>
+            <a:r>
+              <a:t>%LOCALAPPDATA%\Microsoft\Outlook</a:t>
+            </a:r>
+          </a:p>
+          <a:p>
+            <a:endParaRPr/>
+          </a:p>
+          <a:p>
+            <a:r>
+              <a:t>Press Enter. This will take you to where Outlook stores its data files.</a:t>
+            </a:r>
+          </a:p>
+          <a:p>
+            <a:endParaRPr/>
+          </a:p>
+          <a:p>
+            <a:r>
+              <a:t>Do you see any files in this folder? Look for files ending in .ost or .pst.</a:t>
+            </a:r>
+          </a:p>
+          <a:p>
+            <a:endParaRPr/>
+          </a:p>
+          <a:p>
+            <a:r>
+              <a:t>[If OST files only]</a:t>
+            </a:r>
+          </a:p>
+          <a:p>
+            <a:r>
+              <a:t>Perfect - I see OST files, but no PST files. The OST files are just a cached copy of your mailbox - those get recreated automatically after migration. You're all set here.</a:t>
+            </a:r>
+          </a:p>
+          <a:p>
+            <a:endParaRPr/>
+          </a:p>
+          <a:p>
+            <a:r>
+              <a:t>[If PST files exist]</a:t>
+            </a:r>
+          </a:p>
+          <a:p>
+            <a:r>
+              <a:t>Okay, I see you have PST files. These are personal archives - maybe old emails you wanted to keep. We need to copy these to your OneDrive.</a:t>
+            </a:r>
+          </a:p>
+          <a:p>
+            <a:endParaRPr/>
+          </a:p>
+          <a:p>
+            <a:r>
+              <a:t>Right-click on the PST file and select Copy. Now navigate to your OneDrive Documents folder - you can click 'OneDrive - INGINC.com' in the left sidebar of File Explorer, then Documents. Right-click in an empty area and select Paste.</a:t>
+            </a:r>
+          </a:p>
+          <a:p>
+            <a:endParaRPr/>
+          </a:p>
+          <a:p>
+            <a:r>
+              <a:t>Great! Now let's verify it copied correctly. Open your web browser and go to portal.office.com. Sign in if needed, then click on OneDrive. Go to the Documents folder - can you see the PST file there?"</a:t>
+            </a:r>
+          </a:p>
+          <a:p>
+            <a:endParaRPr/>
+          </a:p>
+          <a:p>
+            <a:r>
+              <a:t>TECHNICAL DETAILS:</a:t>
+            </a:r>
+          </a:p>
+          <a:p>
+            <a:r>
+              <a:t>OST Files:</a:t>
+            </a:r>
+          </a:p>
+          <a:p>
+            <a:r>
+              <a:t>- Offline cache of Exchange mailbox</a:t>
+            </a:r>
+          </a:p>
+          <a:p>
+            <a:r>
+              <a:t>- Stored locally for performance</a:t>
+            </a:r>
+          </a:p>
+          <a:p>
+            <a:r>
+              <a:t>- Automatically recreated when Outlook connects to Exchange</a:t>
+            </a:r>
+          </a:p>
+          <a:p>
+            <a:r>
+              <a:t>- Can be large (5-50 GB typical)</a:t>
+            </a:r>
+          </a:p>
+          <a:p>
+            <a:r>
+              <a:t>- NO ACTION NEEDED - let them be deleted with reset</a:t>
+            </a:r>
+          </a:p>
+          <a:p>
+            <a:endParaRPr/>
+          </a:p>
+          <a:p>
+            <a:r>
+              <a:t>PST Files:</a:t>
+            </a:r>
+          </a:p>
+          <a:p>
+            <a:r>
+              <a:t>- Personal archive created by USER</a:t>
+            </a:r>
+          </a:p>
+          <a:p>
+            <a:r>
+              <a:t>- Contains emails moved OUT of main mailbox</a:t>
+            </a:r>
+          </a:p>
+          <a:p>
+            <a:r>
+              <a:t>- Often used for old emails, projects, legal hold</a:t>
+            </a:r>
+          </a:p>
+          <a:p>
+            <a:r>
+              <a:t>- NOT automatically backed up</a:t>
+            </a:r>
+          </a:p>
+          <a:p>
+            <a:r>
+              <a:t>- DATA LOSS if not manually backed up</a:t>
+            </a:r>
+          </a:p>
+          <a:p>
+            <a:r>
+              <a:t>- MUST be copied to OneDrive or will be lost forever</a:t>
+            </a:r>
+          </a:p>
+          <a:p>
+            <a:endParaRPr/>
+          </a:p>
+          <a:p>
+            <a:r>
+              <a:t>COMMON SCENARIOS:</a:t>
+            </a:r>
+          </a:p>
+          <a:p>
+            <a:r>
+              <a:t>1. No PST files (most common): Quick check, move on</a:t>
+            </a:r>
+          </a:p>
+          <a:p>
+            <a:r>
+              <a:t>2. Old PST from previous company: Ask if user wants to keep</a:t>
+            </a:r>
+          </a:p>
+          <a:p>
+            <a:r>
+              <a:t>3. Multiple PST files: Copy all to OneDrive</a:t>
+            </a:r>
+          </a:p>
+          <a:p>
+            <a:r>
+              <a:t>4. PST file very large (&gt;10 GB): May take time to upload, monitor progress</a:t>
+            </a:r>
+          </a:p>
+          <a:p>
+            <a:r>
+              <a:t>5. User doesn't know what PST is: Explain "it's like a filing cabinet for old emails you wanted to archive"</a:t>
+            </a:r>
+          </a:p>
+          <a:p>
+            <a:endParaRPr/>
+          </a:p>
+          <a:p>
+            <a:r>
+              <a:t>VERIFICATION:</a:t>
+            </a:r>
+          </a:p>
+          <a:p>
+            <a:r>
+              <a:t>- Check file size in OneDrive web portal matches local file</a:t>
+            </a:r>
+          </a:p>
+          <a:p>
+            <a:r>
+              <a:t>- Confirm green checkmark on OneDrive sync</a:t>
+            </a:r>
+          </a:p>
+          <a:p>
+            <a:r>
+              <a:t>- Note PST file names in ticket/documentation</a:t>
+            </a:r>
+          </a:p>
+          <a:p>
+            <a:endParaRPr/>
+          </a:p>
         </p:txBody>
       </p:sp>
       <p:sp>
@@ -1468,7 +1436,7 @@
             <a:spLocks noGrp="1"/>
           </p:cNvSpPr>
           <p:nvPr>
-            <p:ph type="sldNum" idx="5" sz="quarter"/>
+            <p:ph type="sldNum" sz="quarter" idx="5"/>
           </p:nvPr>
         </p:nvSpPr>
         <p:spPr/>
@@ -1481,8 +1449,8 @@
 </p:notes>
 </file>
 
-<file path=ppt/notesSlides/notesSlide7.xml><?xml version="1.0" encoding="utf-8"?>
-<p:notes xmlns:a="http://schemas.openxmlformats.org/drawingml/2006/main" xmlns:p="http://schemas.openxmlformats.org/presentationml/2006/main" xmlns:r="http://schemas.openxmlformats.org/officeDocument/2006/relationships">
+<file path=ppt/notesSlides/notesSlide8.xml><?xml version="1.0" encoding="utf-8"?>
+<p:notes xmlns:a="http://schemas.openxmlformats.org/drawingml/2006/main" xmlns:r="http://schemas.openxmlformats.org/officeDocument/2006/relationships" xmlns:p="http://schemas.openxmlformats.org/presentationml/2006/main">
   <p:cSld>
     <p:spTree>
       <p:nvGrpSpPr>
@@ -1502,7 +1470,7 @@
         <p:nvSpPr>
           <p:cNvPr id="2" name="Slide Image Placeholder 1"/>
           <p:cNvSpPr>
-            <a:spLocks noGrp="1"/>
+            <a:spLocks noGrp="1" noRot="1" noChangeAspect="1"/>
           </p:cNvSpPr>
           <p:nvPr>
             <p:ph type="sldImg" idx="2"/>
@@ -1517,206 +1485,196 @@
             <a:spLocks noGrp="1"/>
           </p:cNvSpPr>
           <p:nvPr>
-            <p:ph type="body" idx="3" sz="quarter"/>
+            <p:ph type="body" sz="quarter" idx="3"/>
           </p:nvPr>
         </p:nvSpPr>
         <p:spPr/>
         <p:txBody>
           <a:bodyPr/>
           <a:lstStyle/>
-          <a:p/>
-          <a:p>
-            <a:r>
-              <a:t>DETAILED SCRIPT:</a:t>
-            </a:r>
-          </a:p>
-          <a:p>
-            <a:r>
-              <a:t>"Now we need to check for Outlook data files. These are special files that store your email archives, and they won't sync automatically to OneDrive.</a:t>
-            </a:r>
-          </a:p>
-          <a:p/>
-          <a:p>
-            <a:r>
-              <a:t>Open File Explorer - you can click the folder icon in your taskbar. Now, click in the address bar at the top where it shows the folder path, and I'm going to have you type something. Clear that out and type exactly:</a:t>
-            </a:r>
-          </a:p>
-          <a:p>
-            <a:r>
-              <a:t>%LOCALAPPDATA%\Microsoft\Outlook</a:t>
-            </a:r>
-          </a:p>
-          <a:p/>
-          <a:p>
-            <a:r>
-              <a:t>Press Enter. This will take you to where Outlook stores its data files.</a:t>
-            </a:r>
-          </a:p>
-          <a:p/>
-          <a:p>
-            <a:r>
-              <a:t>Do you see any files in this folder? Look for files ending in .ost or .pst.</a:t>
-            </a:r>
-          </a:p>
-          <a:p/>
-          <a:p>
-            <a:r>
-              <a:t>[If OST files only]</a:t>
-            </a:r>
-          </a:p>
-          <a:p>
-            <a:r>
-              <a:t>Perfect - I see OST files, but no PST files. The OST files are just a cached copy of your mailbox - those get recreated automatically after migration. You're all set here.</a:t>
-            </a:r>
-          </a:p>
-          <a:p/>
-          <a:p>
-            <a:r>
-              <a:t>[If PST files exist]</a:t>
-            </a:r>
-          </a:p>
-          <a:p>
-            <a:r>
-              <a:t>Okay, I see you have PST files. These are personal archives - maybe old emails you wanted to keep. We need to copy these to your OneDrive.</a:t>
-            </a:r>
-          </a:p>
-          <a:p/>
-          <a:p>
-            <a:r>
-              <a:t>Right-click on the PST file and select Copy. Now navigate to your OneDrive Documents folder - you can click 'OneDrive - INGINC.com' in the left sidebar of File Explorer, then Documents. Right-click in an empty area and select Paste.</a:t>
-            </a:r>
-          </a:p>
-          <a:p/>
-          <a:p>
-            <a:r>
-              <a:t>Great! Now let's verify it copied correctly. Open your web browser and go to portal.office.com. Sign in if needed, then click on OneDrive. Go to the Documents folder - can you see the PST file there?"</a:t>
-            </a:r>
-          </a:p>
-          <a:p/>
-          <a:p>
-            <a:r>
-              <a:t>TECHNICAL DETAILS:</a:t>
-            </a:r>
-          </a:p>
-          <a:p>
-            <a:r>
-              <a:t>OST Files:</a:t>
-            </a:r>
-          </a:p>
-          <a:p>
-            <a:r>
-              <a:t>- Offline cache of Exchange mailbox</a:t>
-            </a:r>
-          </a:p>
-          <a:p>
-            <a:r>
-              <a:t>- Stored locally for performance</a:t>
-            </a:r>
-          </a:p>
-          <a:p>
-            <a:r>
-              <a:t>- Automatically recreated when Outlook connects to Exchange</a:t>
-            </a:r>
-          </a:p>
-          <a:p>
-            <a:r>
-              <a:t>- Can be large (5-50 GB typical)</a:t>
-            </a:r>
-          </a:p>
-          <a:p>
-            <a:r>
-              <a:t>- NO ACTION NEEDED - let them be deleted with reset</a:t>
-            </a:r>
-          </a:p>
-          <a:p/>
-          <a:p>
-            <a:r>
-              <a:t>PST Files:</a:t>
-            </a:r>
-          </a:p>
-          <a:p>
-            <a:r>
-              <a:t>- Personal archive created by USER</a:t>
-            </a:r>
-          </a:p>
-          <a:p>
-            <a:r>
-              <a:t>- Contains emails moved OUT of main mailbox</a:t>
-            </a:r>
-          </a:p>
-          <a:p>
-            <a:r>
-              <a:t>- Often used for old emails, projects, legal hold</a:t>
-            </a:r>
-          </a:p>
-          <a:p>
-            <a:r>
-              <a:t>- NOT automatically backed up</a:t>
-            </a:r>
-          </a:p>
-          <a:p>
-            <a:r>
-              <a:t>- DATA LOSS if not manually backed up</a:t>
-            </a:r>
-          </a:p>
-          <a:p>
-            <a:r>
-              <a:t>- MUST be copied to OneDrive or will be lost forever</a:t>
-            </a:r>
-          </a:p>
-          <a:p/>
-          <a:p>
-            <a:r>
-              <a:t>COMMON SCENARIOS:</a:t>
-            </a:r>
-          </a:p>
-          <a:p>
-            <a:r>
-              <a:t>1. No PST files (most common): Quick check, move on</a:t>
-            </a:r>
-          </a:p>
-          <a:p>
-            <a:r>
-              <a:t>2. Old PST from previous company: Ask if user wants to keep</a:t>
-            </a:r>
-          </a:p>
-          <a:p>
-            <a:r>
-              <a:t>3. Multiple PST files: Copy all to OneDrive</a:t>
-            </a:r>
-          </a:p>
-          <a:p>
-            <a:r>
-              <a:t>4. PST file very large (&gt;10 GB): May take time to upload, monitor progress</a:t>
-            </a:r>
-          </a:p>
-          <a:p>
-            <a:r>
-              <a:t>5. User doesn't know what PST is: Explain "it's like a filing cabinet for old emails you wanted to archive"</a:t>
-            </a:r>
-          </a:p>
-          <a:p/>
-          <a:p>
-            <a:r>
-              <a:t>VERIFICATION:</a:t>
-            </a:r>
-          </a:p>
-          <a:p>
-            <a:r>
-              <a:t>- Check file size in OneDrive web portal matches local file</a:t>
-            </a:r>
-          </a:p>
-          <a:p>
-            <a:r>
-              <a:t>- Confirm green checkmark on OneDrive sync</a:t>
-            </a:r>
-          </a:p>
-          <a:p>
-            <a:r>
-              <a:t>- Note PST file names in ticket/documentation</a:t>
-            </a:r>
-          </a:p>
-          <a:p/>
+          <a:p>
+            <a:endParaRPr/>
+          </a:p>
+          <a:p>
+            <a:r>
+              <a:t>SCRIPT:</a:t>
+            </a:r>
+          </a:p>
+          <a:p>
+            <a:r>
+              <a:t>"Do you have an iPhone or iPad that you use for work?</a:t>
+            </a:r>
+          </a:p>
+          <a:p>
+            <a:endParaRPr/>
+          </a:p>
+          <a:p>
+            <a:r>
+              <a:t>[If yes]</a:t>
+            </a:r>
+          </a:p>
+          <a:p>
+            <a:r>
+              <a:t>Great, let's make sure that's backed up too. Do you have the charging cable handy? Connect your iPhone/iPad to your computer using the USB cable.</a:t>
+            </a:r>
+          </a:p>
+          <a:p>
+            <a:endParaRPr/>
+          </a:p>
+          <a:p>
+            <a:r>
+              <a:t>Now we need to open the Apple Devices app. Click Start and search for 'Apple Devices'. If you don't see it, we can get it from the Microsoft Store quickly.</a:t>
+            </a:r>
+          </a:p>
+          <a:p>
+            <a:endParaRPr/>
+          </a:p>
+          <a:p>
+            <a:r>
+              <a:t>[Once app is open]</a:t>
+            </a:r>
+          </a:p>
+          <a:p>
+            <a:r>
+              <a:t>Perfect. Click on your device in the left sidebar. Do you see where it shows 'Latest Backup'? When was the last backup?</a:t>
+            </a:r>
+          </a:p>
+          <a:p>
+            <a:endParaRPr/>
+          </a:p>
+          <a:p>
+            <a:r>
+              <a:t>[If recent - within 24-48 hours]</a:t>
+            </a:r>
+          </a:p>
+          <a:p>
+            <a:r>
+              <a:t>Great! Your backup is recent. You're all set here.</a:t>
+            </a:r>
+          </a:p>
+          <a:p>
+            <a:endParaRPr/>
+          </a:p>
+          <a:p>
+            <a:r>
+              <a:t>[If old or no backup]</a:t>
+            </a:r>
+          </a:p>
+          <a:p>
+            <a:r>
+              <a:t>Let's create a fresh backup just to be safe. Click the 'Back Up Now' button. This will take a few minutes depending on how much data is on your phone.</a:t>
+            </a:r>
+          </a:p>
+          <a:p>
+            <a:endParaRPr/>
+          </a:p>
+          <a:p>
+            <a:r>
+              <a:t>[If no iOS device]</a:t>
+            </a:r>
+          </a:p>
+          <a:p>
+            <a:r>
+              <a:t>No problem - we can skip this step then. This is only for people who have work iPhones or iPads."</a:t>
+            </a:r>
+          </a:p>
+          <a:p>
+            <a:endParaRPr/>
+          </a:p>
+          <a:p>
+            <a:r>
+              <a:t>WHY THIS MATTERS:</a:t>
+            </a:r>
+          </a:p>
+          <a:p>
+            <a:r>
+              <a:t>- Corporate iOS devices may have work data not in cloud</a:t>
+            </a:r>
+          </a:p>
+          <a:p>
+            <a:r>
+              <a:t>- Photos, contacts, apps, settings backed up to computer</a:t>
+            </a:r>
+          </a:p>
+          <a:p>
+            <a:r>
+              <a:t>- Backup is to THIS computer - will be lost after reset</a:t>
+            </a:r>
+          </a:p>
+          <a:p>
+            <a:r>
+              <a:t>- iCloud backup is separate (not affected by computer reset)</a:t>
+            </a:r>
+          </a:p>
+          <a:p>
+            <a:endParaRPr/>
+          </a:p>
+          <a:p>
+            <a:r>
+              <a:t>TROUBLESHOOTING:</a:t>
+            </a:r>
+          </a:p>
+          <a:p>
+            <a:r>
+              <a:t>- Apple Devices app not installed: Download from Microsoft Store (free)</a:t>
+            </a:r>
+          </a:p>
+          <a:p>
+            <a:r>
+              <a:t>- Device not recognized: Try different USB port, different cable</a:t>
+            </a:r>
+          </a:p>
+          <a:p>
+            <a:r>
+              <a:t>- Trust dialog on iPhone: User must tap "Trust" on phone screen</a:t>
+            </a:r>
+          </a:p>
+          <a:p>
+            <a:r>
+              <a:t>- Backup fails: Check available disk space on computer</a:t>
+            </a:r>
+          </a:p>
+          <a:p>
+            <a:r>
+              <a:t>- User has iCloud backup: Good for personal data, but company apps may not be included</a:t>
+            </a:r>
+          </a:p>
+          <a:p>
+            <a:endParaRPr/>
+          </a:p>
+          <a:p>
+            <a:r>
+              <a:t>ALTERNATIVE:</a:t>
+            </a:r>
+          </a:p>
+          <a:p>
+            <a:r>
+              <a:t>If backup won't work:</a:t>
+            </a:r>
+          </a:p>
+          <a:p>
+            <a:r>
+              <a:t>- Document that backup was attempted but failed</a:t>
+            </a:r>
+          </a:p>
+          <a:p>
+            <a:r>
+              <a:t>- Note error message</a:t>
+            </a:r>
+          </a:p>
+          <a:p>
+            <a:r>
+              <a:t>- Proceed with reset (user's iPhone will not be affected)</a:t>
+            </a:r>
+          </a:p>
+          <a:p>
+            <a:r>
+              <a:t>- iOS device data is independent of Windows computer</a:t>
+            </a:r>
+          </a:p>
+          <a:p>
+            <a:endParaRPr/>
+          </a:p>
         </p:txBody>
       </p:sp>
       <p:sp>
@@ -1726,7 +1684,7 @@
             <a:spLocks noGrp="1"/>
           </p:cNvSpPr>
           <p:nvPr>
-            <p:ph type="sldNum" idx="5" sz="quarter"/>
+            <p:ph type="sldNum" sz="quarter" idx="5"/>
           </p:nvPr>
         </p:nvSpPr>
         <p:spPr/>
@@ -1739,8 +1697,8 @@
 </p:notes>
 </file>
 
-<file path=ppt/notesSlides/notesSlide8.xml><?xml version="1.0" encoding="utf-8"?>
-<p:notes xmlns:a="http://schemas.openxmlformats.org/drawingml/2006/main" xmlns:p="http://schemas.openxmlformats.org/presentationml/2006/main" xmlns:r="http://schemas.openxmlformats.org/officeDocument/2006/relationships">
+<file path=ppt/notesSlides/notesSlide9.xml><?xml version="1.0" encoding="utf-8"?>
+<p:notes xmlns:a="http://schemas.openxmlformats.org/drawingml/2006/main" xmlns:r="http://schemas.openxmlformats.org/officeDocument/2006/relationships" xmlns:p="http://schemas.openxmlformats.org/presentationml/2006/main">
   <p:cSld>
     <p:spTree>
       <p:nvGrpSpPr>
@@ -1760,7 +1718,7 @@
         <p:nvSpPr>
           <p:cNvPr id="2" name="Slide Image Placeholder 1"/>
           <p:cNvSpPr>
-            <a:spLocks noGrp="1"/>
+            <a:spLocks noGrp="1" noRot="1" noChangeAspect="1"/>
           </p:cNvSpPr>
           <p:nvPr>
             <p:ph type="sldImg" idx="2"/>
@@ -1775,174 +1733,182 @@
             <a:spLocks noGrp="1"/>
           </p:cNvSpPr>
           <p:nvPr>
-            <p:ph type="body" idx="3" sz="quarter"/>
+            <p:ph type="body" sz="quarter" idx="3"/>
           </p:nvPr>
         </p:nvSpPr>
         <p:spPr/>
         <p:txBody>
           <a:bodyPr/>
           <a:lstStyle/>
-          <a:p/>
-          <a:p>
-            <a:r>
-              <a:t>SCRIPT:</a:t>
-            </a:r>
-          </a:p>
-          <a:p>
-            <a:r>
-              <a:t>"Do you have an iPhone or iPad that you use for work?</a:t>
-            </a:r>
-          </a:p>
-          <a:p/>
-          <a:p>
-            <a:r>
-              <a:t>[If yes]</a:t>
-            </a:r>
-          </a:p>
-          <a:p>
-            <a:r>
-              <a:t>Great, let's make sure that's backed up too. Do you have the charging cable handy? Connect your iPhone/iPad to your computer using the USB cable.</a:t>
-            </a:r>
-          </a:p>
-          <a:p/>
-          <a:p>
-            <a:r>
-              <a:t>Now we need to open the Apple Devices app. Click Start and search for 'Apple Devices'. If you don't see it, we can get it from the Microsoft Store quickly.</a:t>
-            </a:r>
-          </a:p>
-          <a:p/>
-          <a:p>
-            <a:r>
-              <a:t>[Once app is open]</a:t>
-            </a:r>
-          </a:p>
-          <a:p>
-            <a:r>
-              <a:t>Perfect. Click on your device in the left sidebar. Do you see where it shows 'Latest Backup'? When was the last backup?</a:t>
-            </a:r>
-          </a:p>
-          <a:p/>
-          <a:p>
-            <a:r>
-              <a:t>[If recent - within 24-48 hours]</a:t>
-            </a:r>
-          </a:p>
-          <a:p>
-            <a:r>
-              <a:t>Great! Your backup is recent. You're all set here.</a:t>
-            </a:r>
-          </a:p>
-          <a:p/>
-          <a:p>
-            <a:r>
-              <a:t>[If old or no backup]</a:t>
-            </a:r>
-          </a:p>
-          <a:p>
-            <a:r>
-              <a:t>Let's create a fresh backup just to be safe. Click the 'Back Up Now' button. This will take a few minutes depending on how much data is on your phone.</a:t>
-            </a:r>
-          </a:p>
-          <a:p/>
-          <a:p>
-            <a:r>
-              <a:t>[If no iOS device]</a:t>
-            </a:r>
-          </a:p>
-          <a:p>
-            <a:r>
-              <a:t>No problem - we can skip this step then. This is only for people who have work iPhones or iPads."</a:t>
-            </a:r>
-          </a:p>
-          <a:p/>
-          <a:p>
-            <a:r>
-              <a:t>WHY THIS MATTERS:</a:t>
-            </a:r>
-          </a:p>
-          <a:p>
-            <a:r>
-              <a:t>- Corporate iOS devices may have work data not in cloud</a:t>
-            </a:r>
-          </a:p>
-          <a:p>
-            <a:r>
-              <a:t>- Photos, contacts, apps, settings backed up to computer</a:t>
-            </a:r>
-          </a:p>
-          <a:p>
-            <a:r>
-              <a:t>- Backup is to THIS computer - will be lost after reset</a:t>
-            </a:r>
-          </a:p>
-          <a:p>
-            <a:r>
-              <a:t>- iCloud backup is separate (not affected by computer reset)</a:t>
-            </a:r>
-          </a:p>
-          <a:p/>
-          <a:p>
-            <a:r>
-              <a:t>TROUBLESHOOTING:</a:t>
-            </a:r>
-          </a:p>
-          <a:p>
-            <a:r>
-              <a:t>- Apple Devices app not installed: Download from Microsoft Store (free)</a:t>
-            </a:r>
-          </a:p>
-          <a:p>
-            <a:r>
-              <a:t>- Device not recognized: Try different USB port, different cable</a:t>
-            </a:r>
-          </a:p>
-          <a:p>
-            <a:r>
-              <a:t>- Trust dialog on iPhone: User must tap "Trust" on phone screen</a:t>
-            </a:r>
-          </a:p>
-          <a:p>
-            <a:r>
-              <a:t>- Backup fails: Check available disk space on computer</a:t>
-            </a:r>
-          </a:p>
-          <a:p>
-            <a:r>
-              <a:t>- User has iCloud backup: Good for personal data, but company apps may not be included</a:t>
-            </a:r>
-          </a:p>
-          <a:p/>
-          <a:p>
-            <a:r>
-              <a:t>ALTERNATIVE:</a:t>
-            </a:r>
-          </a:p>
-          <a:p>
-            <a:r>
-              <a:t>If backup won't work:</a:t>
-            </a:r>
-          </a:p>
-          <a:p>
-            <a:r>
-              <a:t>- Document that backup was attempted but failed</a:t>
-            </a:r>
-          </a:p>
-          <a:p>
-            <a:r>
-              <a:t>- Note error message</a:t>
-            </a:r>
-          </a:p>
-          <a:p>
-            <a:r>
-              <a:t>- Proceed with reset (user's iPhone will not be affected)</a:t>
-            </a:r>
-          </a:p>
-          <a:p>
-            <a:r>
-              <a:t>- iOS device data is independent of Windows computer</a:t>
-            </a:r>
-          </a:p>
-          <a:p/>
+          <a:p>
+            <a:endParaRPr/>
+          </a:p>
+          <a:p>
+            <a:r>
+              <a:t>CHECKPOINT SCRIPT:</a:t>
+            </a:r>
+          </a:p>
+          <a:p>
+            <a:r>
+              <a:t>"Alright, let's review everything we've backed up to make sure we're ready for the reset. I'm going to go through the checklist with you:</a:t>
+            </a:r>
+          </a:p>
+          <a:p>
+            <a:endParaRPr/>
+          </a:p>
+          <a:p>
+            <a:r>
+              <a:t>[Go through each item and check off]</a:t>
+            </a:r>
+          </a:p>
+          <a:p>
+            <a:endParaRPr/>
+          </a:p>
+          <a:p>
+            <a:r>
+              <a:t>1. OneDrive - Is the cloud icon showing a green checkmark? Perfect.</a:t>
+            </a:r>
+          </a:p>
+          <a:p>
+            <a:r>
+              <a:t>2. Known Folder Backup - We enabled Desktop, Documents, and Pictures, right? Good.</a:t>
+            </a:r>
+          </a:p>
+          <a:p>
+            <a:r>
+              <a:t>3. Sync complete - Everything uploaded? Excellent.</a:t>
+            </a:r>
+          </a:p>
+          <a:p>
+            <a:r>
+              <a:t>4. Browser sync - You signed in to Chrome/Edge? Check.</a:t>
+            </a:r>
+          </a:p>
+          <a:p>
+            <a:r>
+              <a:t>5. Browser exports - Bookmarks and passwords saved to OneDrive Documents? Got it.</a:t>
+            </a:r>
+          </a:p>
+          <a:p>
+            <a:r>
+              <a:t>6. Printers - We took that screenshot? Yes.</a:t>
+            </a:r>
+          </a:p>
+          <a:p>
+            <a:r>
+              <a:t>7. WiFi - I have the network name written down: [SSID]</a:t>
+            </a:r>
+          </a:p>
+          <a:p>
+            <a:r>
+              <a:t>8. Outlook PST - [We checked/no PST files/copied to OneDrive]</a:t>
+            </a:r>
+          </a:p>
+          <a:p>
+            <a:r>
+              <a:t>9. iOS - [Backup verified/no iOS device/backup created]</a:t>
+            </a:r>
+          </a:p>
+          <a:p>
+            <a:endParaRPr/>
+          </a:p>
+          <a:p>
+            <a:r>
+              <a:t>Perfect! Everything is backed up and safe. Your data is secure in OneDrive, and we can now proceed with requesting the device reset. The IT team will send you instructions for Phase 2 once the reset is processed."</a:t>
+            </a:r>
+          </a:p>
+          <a:p>
+            <a:endParaRPr/>
+          </a:p>
+          <a:p>
+            <a:r>
+              <a:t>CRITICAL CHECKPOINT:</a:t>
+            </a:r>
+          </a:p>
+          <a:p>
+            <a:r>
+              <a:t>- Review EVERY item before ending call</a:t>
+            </a:r>
+          </a:p>
+          <a:p>
+            <a:r>
+              <a:t>- Verify green checkmark on OneDrive specifically</a:t>
+            </a:r>
+          </a:p>
+          <a:p>
+            <a:r>
+              <a:t>- Check portal.office.com to visually confirm files in cloud</a:t>
+            </a:r>
+          </a:p>
+          <a:p>
+            <a:r>
+              <a:t>- Document checklist completion in ticket</a:t>
+            </a:r>
+          </a:p>
+          <a:p>
+            <a:r>
+              <a:t>- User should not be able to proceed to Phase 2 until this is 100% complete</a:t>
+            </a:r>
+          </a:p>
+          <a:p>
+            <a:endParaRPr/>
+          </a:p>
+          <a:p>
+            <a:r>
+              <a:t>IF ANYTHING IS INCOMPLETE:</a:t>
+            </a:r>
+          </a:p>
+          <a:p>
+            <a:r>
+              <a:t>- Schedule follow-up</a:t>
+            </a:r>
+          </a:p>
+          <a:p>
+            <a:r>
+              <a:t>- Set reminder to verify OneDrive sync completion</a:t>
+            </a:r>
+          </a:p>
+          <a:p>
+            <a:r>
+              <a:t>- Do NOT rush - data loss is worse than delay</a:t>
+            </a:r>
+          </a:p>
+          <a:p>
+            <a:r>
+              <a:t>- Use wait time to help other users</a:t>
+            </a:r>
+          </a:p>
+          <a:p>
+            <a:endParaRPr/>
+          </a:p>
+          <a:p>
+            <a:r>
+              <a:t>BEST PRACTICE:</a:t>
+            </a:r>
+          </a:p>
+          <a:p>
+            <a:r>
+              <a:t>While waiting for OneDrive sync (15-30 min):</a:t>
+            </a:r>
+          </a:p>
+          <a:p>
+            <a:r>
+              <a:t>- Start another user's Phase 1</a:t>
+            </a:r>
+          </a:p>
+          <a:p>
+            <a:r>
+              <a:t>- Come back to verify this user's sync completion</a:t>
+            </a:r>
+          </a:p>
+          <a:p>
+            <a:r>
+              <a:t>- Efficient use of time while maintaining safety</a:t>
+            </a:r>
+          </a:p>
+          <a:p>
+            <a:endParaRPr/>
+          </a:p>
         </p:txBody>
       </p:sp>
       <p:sp>
@@ -1952,225 +1918,7 @@
             <a:spLocks noGrp="1"/>
           </p:cNvSpPr>
           <p:nvPr>
-            <p:ph type="sldNum" idx="5" sz="quarter"/>
-          </p:nvPr>
-        </p:nvSpPr>
-        <p:spPr/>
-      </p:sp>
-    </p:spTree>
-  </p:cSld>
-  <p:clrMapOvr>
-    <a:masterClrMapping/>
-  </p:clrMapOvr>
-</p:notes>
-</file>
-
-<file path=ppt/notesSlides/notesSlide9.xml><?xml version="1.0" encoding="utf-8"?>
-<p:notes xmlns:a="http://schemas.openxmlformats.org/drawingml/2006/main" xmlns:p="http://schemas.openxmlformats.org/presentationml/2006/main" xmlns:r="http://schemas.openxmlformats.org/officeDocument/2006/relationships">
-  <p:cSld>
-    <p:spTree>
-      <p:nvGrpSpPr>
-        <p:cNvPr id="1" name=""/>
-        <p:cNvGrpSpPr/>
-        <p:nvPr/>
-      </p:nvGrpSpPr>
-      <p:grpSpPr>
-        <a:xfrm>
-          <a:off x="0" y="0"/>
-          <a:ext cx="0" cy="0"/>
-          <a:chOff x="0" y="0"/>
-          <a:chExt cx="0" cy="0"/>
-        </a:xfrm>
-      </p:grpSpPr>
-      <p:sp>
-        <p:nvSpPr>
-          <p:cNvPr id="2" name="Slide Image Placeholder 1"/>
-          <p:cNvSpPr>
-            <a:spLocks noGrp="1"/>
-          </p:cNvSpPr>
-          <p:nvPr>
-            <p:ph type="sldImg" idx="2"/>
-          </p:nvPr>
-        </p:nvSpPr>
-        <p:spPr/>
-      </p:sp>
-      <p:sp>
-        <p:nvSpPr>
-          <p:cNvPr id="3" name="Notes Placeholder 2"/>
-          <p:cNvSpPr>
-            <a:spLocks noGrp="1"/>
-          </p:cNvSpPr>
-          <p:nvPr>
-            <p:ph type="body" idx="3" sz="quarter"/>
-          </p:nvPr>
-        </p:nvSpPr>
-        <p:spPr/>
-        <p:txBody>
-          <a:bodyPr/>
-          <a:lstStyle/>
-          <a:p/>
-          <a:p>
-            <a:r>
-              <a:t>CHECKPOINT SCRIPT:</a:t>
-            </a:r>
-          </a:p>
-          <a:p>
-            <a:r>
-              <a:t>"Alright, let's review everything we've backed up to make sure we're ready for the reset. I'm going to go through the checklist with you:</a:t>
-            </a:r>
-          </a:p>
-          <a:p/>
-          <a:p>
-            <a:r>
-              <a:t>[Go through each item and check off]</a:t>
-            </a:r>
-          </a:p>
-          <a:p/>
-          <a:p>
-            <a:r>
-              <a:t>1. OneDrive - Is the cloud icon showing a green checkmark? Perfect.</a:t>
-            </a:r>
-          </a:p>
-          <a:p>
-            <a:r>
-              <a:t>2. Known Folder Backup - We enabled Desktop, Documents, and Pictures, right? Good.</a:t>
-            </a:r>
-          </a:p>
-          <a:p>
-            <a:r>
-              <a:t>3. Sync complete - Everything uploaded? Excellent.</a:t>
-            </a:r>
-          </a:p>
-          <a:p>
-            <a:r>
-              <a:t>4. Browser sync - You signed in to Chrome/Edge? Check.</a:t>
-            </a:r>
-          </a:p>
-          <a:p>
-            <a:r>
-              <a:t>5. Browser exports - Bookmarks and passwords saved to OneDrive Documents? Got it.</a:t>
-            </a:r>
-          </a:p>
-          <a:p>
-            <a:r>
-              <a:t>6. Printers - We took that screenshot? Yes.</a:t>
-            </a:r>
-          </a:p>
-          <a:p>
-            <a:r>
-              <a:t>7. WiFi - I have the network name written down: [SSID]</a:t>
-            </a:r>
-          </a:p>
-          <a:p>
-            <a:r>
-              <a:t>8. Outlook PST - [We checked/no PST files/copied to OneDrive]</a:t>
-            </a:r>
-          </a:p>
-          <a:p>
-            <a:r>
-              <a:t>9. iOS - [Backup verified/no iOS device/backup created]</a:t>
-            </a:r>
-          </a:p>
-          <a:p/>
-          <a:p>
-            <a:r>
-              <a:t>Perfect! Everything is backed up and safe. Your data is secure in OneDrive, and we can now proceed with requesting the device reset. The IT team will send you instructions for Phase 2 once the reset is processed."</a:t>
-            </a:r>
-          </a:p>
-          <a:p/>
-          <a:p>
-            <a:r>
-              <a:t>CRITICAL CHECKPOINT:</a:t>
-            </a:r>
-          </a:p>
-          <a:p>
-            <a:r>
-              <a:t>- Review EVERY item before ending call</a:t>
-            </a:r>
-          </a:p>
-          <a:p>
-            <a:r>
-              <a:t>- Verify green checkmark on OneDrive specifically</a:t>
-            </a:r>
-          </a:p>
-          <a:p>
-            <a:r>
-              <a:t>- Check portal.office.com to visually confirm files in cloud</a:t>
-            </a:r>
-          </a:p>
-          <a:p>
-            <a:r>
-              <a:t>- Document checklist completion in ticket</a:t>
-            </a:r>
-          </a:p>
-          <a:p>
-            <a:r>
-              <a:t>- User should not be able to proceed to Phase 2 until this is 100% complete</a:t>
-            </a:r>
-          </a:p>
-          <a:p/>
-          <a:p>
-            <a:r>
-              <a:t>IF ANYTHING IS INCOMPLETE:</a:t>
-            </a:r>
-          </a:p>
-          <a:p>
-            <a:r>
-              <a:t>- Schedule follow-up</a:t>
-            </a:r>
-          </a:p>
-          <a:p>
-            <a:r>
-              <a:t>- Set reminder to verify OneDrive sync completion</a:t>
-            </a:r>
-          </a:p>
-          <a:p>
-            <a:r>
-              <a:t>- Do NOT rush - data loss is worse than delay</a:t>
-            </a:r>
-          </a:p>
-          <a:p>
-            <a:r>
-              <a:t>- Use wait time to help other users</a:t>
-            </a:r>
-          </a:p>
-          <a:p/>
-          <a:p>
-            <a:r>
-              <a:t>BEST PRACTICE:</a:t>
-            </a:r>
-          </a:p>
-          <a:p>
-            <a:r>
-              <a:t>While waiting for OneDrive sync (15-30 min):</a:t>
-            </a:r>
-          </a:p>
-          <a:p>
-            <a:r>
-              <a:t>- Start another user's Phase 1</a:t>
-            </a:r>
-          </a:p>
-          <a:p>
-            <a:r>
-              <a:t>- Come back to verify this user's sync completion</a:t>
-            </a:r>
-          </a:p>
-          <a:p>
-            <a:r>
-              <a:t>- Efficient use of time while maintaining safety</a:t>
-            </a:r>
-          </a:p>
-          <a:p/>
-        </p:txBody>
-      </p:sp>
-      <p:sp>
-        <p:nvSpPr>
-          <p:cNvPr id="4" name="Slide Number Placeholder 3"/>
-          <p:cNvSpPr>
-            <a:spLocks noGrp="1"/>
-          </p:cNvSpPr>
-          <p:nvPr>
-            <p:ph type="sldNum" idx="5" sz="quarter"/>
+            <p:ph type="sldNum" sz="quarter" idx="5"/>
           </p:nvPr>
         </p:nvSpPr>
         <p:spPr/>
@@ -2221,10 +1969,9 @@
           <a:lstStyle/>
           <a:p>
             <a:r>
-              <a:rPr lang="en-US" smtClean="0"/>
+              <a:rPr lang="en-US"/>
               <a:t>Click to edit Master title style</a:t>
             </a:r>
-            <a:endParaRPr lang="en-US"/>
           </a:p>
         </p:txBody>
       </p:sp>
@@ -2340,10 +2087,9 @@
           </a:lstStyle>
           <a:p>
             <a:r>
-              <a:rPr lang="en-US" smtClean="0"/>
+              <a:rPr lang="en-US"/>
               <a:t>Click to edit Master subtitle style</a:t>
             </a:r>
-            <a:endParaRPr lang="en-US"/>
           </a:p>
         </p:txBody>
       </p:sp>
@@ -2364,7 +2110,7 @@
           <a:p>
             <a:fld id="{5BCAD085-E8A6-8845-BD4E-CB4CCA059FC4}" type="datetimeFigureOut">
               <a:rPr lang="en-US" smtClean="0"/>
-              <a:t>1/27/13</a:t>
+              <a:t>1/12/26</a:t>
             </a:fld>
             <a:endParaRPr lang="en-US"/>
           </a:p>
@@ -2458,10 +2204,9 @@
           <a:lstStyle/>
           <a:p>
             <a:r>
-              <a:rPr lang="en-US" smtClean="0"/>
+              <a:rPr lang="en-US"/>
               <a:t>Click to edit Master title style</a:t>
             </a:r>
-            <a:endParaRPr lang="en-US"/>
           </a:p>
         </p:txBody>
       </p:sp>
@@ -2482,38 +2227,37 @@
           <a:p>
             <a:pPr lvl="0"/>
             <a:r>
-              <a:rPr lang="en-US" smtClean="0"/>
+              <a:rPr lang="en-US"/>
               <a:t>Click to edit Master text styles</a:t>
             </a:r>
           </a:p>
           <a:p>
             <a:pPr lvl="1"/>
             <a:r>
-              <a:rPr lang="en-US" smtClean="0"/>
+              <a:rPr lang="en-US"/>
               <a:t>Second level</a:t>
             </a:r>
           </a:p>
           <a:p>
             <a:pPr lvl="2"/>
             <a:r>
-              <a:rPr lang="en-US" smtClean="0"/>
+              <a:rPr lang="en-US"/>
               <a:t>Third level</a:t>
             </a:r>
           </a:p>
           <a:p>
             <a:pPr lvl="3"/>
             <a:r>
-              <a:rPr lang="en-US" smtClean="0"/>
+              <a:rPr lang="en-US"/>
               <a:t>Fourth level</a:t>
             </a:r>
           </a:p>
           <a:p>
             <a:pPr lvl="4"/>
             <a:r>
-              <a:rPr lang="en-US" smtClean="0"/>
+              <a:rPr lang="en-US"/>
               <a:t>Fifth level</a:t>
             </a:r>
-            <a:endParaRPr lang="en-US"/>
           </a:p>
         </p:txBody>
       </p:sp>
@@ -2534,7 +2278,7 @@
           <a:p>
             <a:fld id="{5BCAD085-E8A6-8845-BD4E-CB4CCA059FC4}" type="datetimeFigureOut">
               <a:rPr lang="en-US" smtClean="0"/>
-              <a:t>1/27/13</a:t>
+              <a:t>1/12/26</a:t>
             </a:fld>
             <a:endParaRPr lang="en-US"/>
           </a:p>
@@ -2633,10 +2377,9 @@
           <a:lstStyle/>
           <a:p>
             <a:r>
-              <a:rPr lang="en-US" smtClean="0"/>
+              <a:rPr lang="en-US"/>
               <a:t>Click to edit Master title style</a:t>
             </a:r>
-            <a:endParaRPr lang="en-US"/>
           </a:p>
         </p:txBody>
       </p:sp>
@@ -2662,38 +2405,37 @@
           <a:p>
             <a:pPr lvl="0"/>
             <a:r>
-              <a:rPr lang="en-US" smtClean="0"/>
+              <a:rPr lang="en-US"/>
               <a:t>Click to edit Master text styles</a:t>
             </a:r>
           </a:p>
           <a:p>
             <a:pPr lvl="1"/>
             <a:r>
-              <a:rPr lang="en-US" smtClean="0"/>
+              <a:rPr lang="en-US"/>
               <a:t>Second level</a:t>
             </a:r>
           </a:p>
           <a:p>
             <a:pPr lvl="2"/>
             <a:r>
-              <a:rPr lang="en-US" smtClean="0"/>
+              <a:rPr lang="en-US"/>
               <a:t>Third level</a:t>
             </a:r>
           </a:p>
           <a:p>
             <a:pPr lvl="3"/>
             <a:r>
-              <a:rPr lang="en-US" smtClean="0"/>
+              <a:rPr lang="en-US"/>
               <a:t>Fourth level</a:t>
             </a:r>
           </a:p>
           <a:p>
             <a:pPr lvl="4"/>
             <a:r>
-              <a:rPr lang="en-US" smtClean="0"/>
+              <a:rPr lang="en-US"/>
               <a:t>Fifth level</a:t>
             </a:r>
-            <a:endParaRPr lang="en-US"/>
           </a:p>
         </p:txBody>
       </p:sp>
@@ -2714,7 +2456,7 @@
           <a:p>
             <a:fld id="{5BCAD085-E8A6-8845-BD4E-CB4CCA059FC4}" type="datetimeFigureOut">
               <a:rPr lang="en-US" smtClean="0"/>
-              <a:t>1/27/13</a:t>
+              <a:t>1/12/26</a:t>
             </a:fld>
             <a:endParaRPr lang="en-US"/>
           </a:p>
@@ -2808,10 +2550,9 @@
           <a:lstStyle/>
           <a:p>
             <a:r>
-              <a:rPr lang="en-US" smtClean="0"/>
+              <a:rPr lang="en-US"/>
               <a:t>Click to edit Master title style</a:t>
             </a:r>
-            <a:endParaRPr lang="en-US"/>
           </a:p>
         </p:txBody>
       </p:sp>
@@ -2832,38 +2573,37 @@
           <a:p>
             <a:pPr lvl="0"/>
             <a:r>
-              <a:rPr lang="en-US" smtClean="0"/>
+              <a:rPr lang="en-US"/>
               <a:t>Click to edit Master text styles</a:t>
             </a:r>
           </a:p>
           <a:p>
             <a:pPr lvl="1"/>
             <a:r>
-              <a:rPr lang="en-US" smtClean="0"/>
+              <a:rPr lang="en-US"/>
               <a:t>Second level</a:t>
             </a:r>
           </a:p>
           <a:p>
             <a:pPr lvl="2"/>
             <a:r>
-              <a:rPr lang="en-US" smtClean="0"/>
+              <a:rPr lang="en-US"/>
               <a:t>Third level</a:t>
             </a:r>
           </a:p>
           <a:p>
             <a:pPr lvl="3"/>
             <a:r>
-              <a:rPr lang="en-US" smtClean="0"/>
+              <a:rPr lang="en-US"/>
               <a:t>Fourth level</a:t>
             </a:r>
           </a:p>
           <a:p>
             <a:pPr lvl="4"/>
             <a:r>
-              <a:rPr lang="en-US" smtClean="0"/>
+              <a:rPr lang="en-US"/>
               <a:t>Fifth level</a:t>
             </a:r>
-            <a:endParaRPr lang="en-US"/>
           </a:p>
         </p:txBody>
       </p:sp>
@@ -2884,7 +2624,7 @@
           <a:p>
             <a:fld id="{5BCAD085-E8A6-8845-BD4E-CB4CCA059FC4}" type="datetimeFigureOut">
               <a:rPr lang="en-US" smtClean="0"/>
-              <a:t>1/27/13</a:t>
+              <a:t>1/12/26</a:t>
             </a:fld>
             <a:endParaRPr lang="en-US"/>
           </a:p>
@@ -2987,10 +2727,9 @@
           </a:lstStyle>
           <a:p>
             <a:r>
-              <a:rPr lang="en-US" smtClean="0"/>
+              <a:rPr lang="en-US"/>
               <a:t>Click to edit Master title style</a:t>
             </a:r>
-            <a:endParaRPr lang="en-US"/>
           </a:p>
         </p:txBody>
       </p:sp>
@@ -3107,7 +2846,7 @@
           <a:p>
             <a:pPr lvl="0"/>
             <a:r>
-              <a:rPr lang="en-US" smtClean="0"/>
+              <a:rPr lang="en-US"/>
               <a:t>Click to edit Master text styles</a:t>
             </a:r>
           </a:p>
@@ -3130,7 +2869,7 @@
           <a:p>
             <a:fld id="{5BCAD085-E8A6-8845-BD4E-CB4CCA059FC4}" type="datetimeFigureOut">
               <a:rPr lang="en-US" smtClean="0"/>
-              <a:t>1/27/13</a:t>
+              <a:t>1/12/26</a:t>
             </a:fld>
             <a:endParaRPr lang="en-US"/>
           </a:p>
@@ -3224,10 +2963,9 @@
           <a:lstStyle/>
           <a:p>
             <a:r>
-              <a:rPr lang="en-US" smtClean="0"/>
+              <a:rPr lang="en-US"/>
               <a:t>Click to edit Master title style</a:t>
             </a:r>
-            <a:endParaRPr lang="en-US"/>
           </a:p>
         </p:txBody>
       </p:sp>
@@ -3281,38 +3019,37 @@
           <a:p>
             <a:pPr lvl="0"/>
             <a:r>
-              <a:rPr lang="en-US" smtClean="0"/>
+              <a:rPr lang="en-US"/>
               <a:t>Click to edit Master text styles</a:t>
             </a:r>
           </a:p>
           <a:p>
             <a:pPr lvl="1"/>
             <a:r>
-              <a:rPr lang="en-US" smtClean="0"/>
+              <a:rPr lang="en-US"/>
               <a:t>Second level</a:t>
             </a:r>
           </a:p>
           <a:p>
             <a:pPr lvl="2"/>
             <a:r>
-              <a:rPr lang="en-US" smtClean="0"/>
+              <a:rPr lang="en-US"/>
               <a:t>Third level</a:t>
             </a:r>
           </a:p>
           <a:p>
             <a:pPr lvl="3"/>
             <a:r>
-              <a:rPr lang="en-US" smtClean="0"/>
+              <a:rPr lang="en-US"/>
               <a:t>Fourth level</a:t>
             </a:r>
           </a:p>
           <a:p>
             <a:pPr lvl="4"/>
             <a:r>
-              <a:rPr lang="en-US" smtClean="0"/>
+              <a:rPr lang="en-US"/>
               <a:t>Fifth level</a:t>
             </a:r>
-            <a:endParaRPr lang="en-US"/>
           </a:p>
         </p:txBody>
       </p:sp>
@@ -3366,38 +3103,37 @@
           <a:p>
             <a:pPr lvl="0"/>
             <a:r>
-              <a:rPr lang="en-US" smtClean="0"/>
+              <a:rPr lang="en-US"/>
               <a:t>Click to edit Master text styles</a:t>
             </a:r>
           </a:p>
           <a:p>
             <a:pPr lvl="1"/>
             <a:r>
-              <a:rPr lang="en-US" smtClean="0"/>
+              <a:rPr lang="en-US"/>
               <a:t>Second level</a:t>
             </a:r>
           </a:p>
           <a:p>
             <a:pPr lvl="2"/>
             <a:r>
-              <a:rPr lang="en-US" smtClean="0"/>
+              <a:rPr lang="en-US"/>
               <a:t>Third level</a:t>
             </a:r>
           </a:p>
           <a:p>
             <a:pPr lvl="3"/>
             <a:r>
-              <a:rPr lang="en-US" smtClean="0"/>
+              <a:rPr lang="en-US"/>
               <a:t>Fourth level</a:t>
             </a:r>
           </a:p>
           <a:p>
             <a:pPr lvl="4"/>
             <a:r>
-              <a:rPr lang="en-US" smtClean="0"/>
+              <a:rPr lang="en-US"/>
               <a:t>Fifth level</a:t>
             </a:r>
-            <a:endParaRPr lang="en-US"/>
           </a:p>
         </p:txBody>
       </p:sp>
@@ -3418,7 +3154,7 @@
           <a:p>
             <a:fld id="{5BCAD085-E8A6-8845-BD4E-CB4CCA059FC4}" type="datetimeFigureOut">
               <a:rPr lang="en-US" smtClean="0"/>
-              <a:t>1/27/13</a:t>
+              <a:t>1/12/26</a:t>
             </a:fld>
             <a:endParaRPr lang="en-US"/>
           </a:p>
@@ -3516,10 +3252,9 @@
           </a:lstStyle>
           <a:p>
             <a:r>
-              <a:rPr lang="en-US" smtClean="0"/>
+              <a:rPr lang="en-US"/>
               <a:t>Click to edit Master title style</a:t>
             </a:r>
-            <a:endParaRPr lang="en-US"/>
           </a:p>
         </p:txBody>
       </p:sp>
@@ -3582,7 +3317,7 @@
           <a:p>
             <a:pPr lvl="0"/>
             <a:r>
-              <a:rPr lang="en-US" smtClean="0"/>
+              <a:rPr lang="en-US"/>
               <a:t>Click to edit Master text styles</a:t>
             </a:r>
           </a:p>
@@ -3638,38 +3373,37 @@
           <a:p>
             <a:pPr lvl="0"/>
             <a:r>
-              <a:rPr lang="en-US" smtClean="0"/>
+              <a:rPr lang="en-US"/>
               <a:t>Click to edit Master text styles</a:t>
             </a:r>
           </a:p>
           <a:p>
             <a:pPr lvl="1"/>
             <a:r>
-              <a:rPr lang="en-US" smtClean="0"/>
+              <a:rPr lang="en-US"/>
               <a:t>Second level</a:t>
             </a:r>
           </a:p>
           <a:p>
             <a:pPr lvl="2"/>
             <a:r>
-              <a:rPr lang="en-US" smtClean="0"/>
+              <a:rPr lang="en-US"/>
               <a:t>Third level</a:t>
             </a:r>
           </a:p>
           <a:p>
             <a:pPr lvl="3"/>
             <a:r>
-              <a:rPr lang="en-US" smtClean="0"/>
+              <a:rPr lang="en-US"/>
               <a:t>Fourth level</a:t>
             </a:r>
           </a:p>
           <a:p>
             <a:pPr lvl="4"/>
             <a:r>
-              <a:rPr lang="en-US" smtClean="0"/>
+              <a:rPr lang="en-US"/>
               <a:t>Fifth level</a:t>
             </a:r>
-            <a:endParaRPr lang="en-US"/>
           </a:p>
         </p:txBody>
       </p:sp>
@@ -3732,7 +3466,7 @@
           <a:p>
             <a:pPr lvl="0"/>
             <a:r>
-              <a:rPr lang="en-US" smtClean="0"/>
+              <a:rPr lang="en-US"/>
               <a:t>Click to edit Master text styles</a:t>
             </a:r>
           </a:p>
@@ -3788,38 +3522,37 @@
           <a:p>
             <a:pPr lvl="0"/>
             <a:r>
-              <a:rPr lang="en-US" smtClean="0"/>
+              <a:rPr lang="en-US"/>
               <a:t>Click to edit Master text styles</a:t>
             </a:r>
           </a:p>
           <a:p>
             <a:pPr lvl="1"/>
             <a:r>
-              <a:rPr lang="en-US" smtClean="0"/>
+              <a:rPr lang="en-US"/>
               <a:t>Second level</a:t>
             </a:r>
           </a:p>
           <a:p>
             <a:pPr lvl="2"/>
             <a:r>
-              <a:rPr lang="en-US" smtClean="0"/>
+              <a:rPr lang="en-US"/>
               <a:t>Third level</a:t>
             </a:r>
           </a:p>
           <a:p>
             <a:pPr lvl="3"/>
             <a:r>
-              <a:rPr lang="en-US" smtClean="0"/>
+              <a:rPr lang="en-US"/>
               <a:t>Fourth level</a:t>
             </a:r>
           </a:p>
           <a:p>
             <a:pPr lvl="4"/>
             <a:r>
-              <a:rPr lang="en-US" smtClean="0"/>
+              <a:rPr lang="en-US"/>
               <a:t>Fifth level</a:t>
             </a:r>
-            <a:endParaRPr lang="en-US"/>
           </a:p>
         </p:txBody>
       </p:sp>
@@ -3840,7 +3573,7 @@
           <a:p>
             <a:fld id="{5BCAD085-E8A6-8845-BD4E-CB4CCA059FC4}" type="datetimeFigureOut">
               <a:rPr lang="en-US" smtClean="0"/>
-              <a:t>1/27/13</a:t>
+              <a:t>1/12/26</a:t>
             </a:fld>
             <a:endParaRPr lang="en-US"/>
           </a:p>
@@ -3934,10 +3667,9 @@
           <a:lstStyle/>
           <a:p>
             <a:r>
-              <a:rPr lang="en-US" smtClean="0"/>
+              <a:rPr lang="en-US"/>
               <a:t>Click to edit Master title style</a:t>
             </a:r>
-            <a:endParaRPr lang="en-US"/>
           </a:p>
         </p:txBody>
       </p:sp>
@@ -3958,7 +3690,7 @@
           <a:p>
             <a:fld id="{5BCAD085-E8A6-8845-BD4E-CB4CCA059FC4}" type="datetimeFigureOut">
               <a:rPr lang="en-US" smtClean="0"/>
-              <a:t>1/27/13</a:t>
+              <a:t>1/12/26</a:t>
             </a:fld>
             <a:endParaRPr lang="en-US"/>
           </a:p>
@@ -4053,7 +3785,7 @@
           <a:p>
             <a:fld id="{5BCAD085-E8A6-8845-BD4E-CB4CCA059FC4}" type="datetimeFigureOut">
               <a:rPr lang="en-US" smtClean="0"/>
-              <a:t>1/27/13</a:t>
+              <a:t>1/12/26</a:t>
             </a:fld>
             <a:endParaRPr lang="en-US"/>
           </a:p>
@@ -4156,10 +3888,9 @@
           </a:lstStyle>
           <a:p>
             <a:r>
-              <a:rPr lang="en-US" smtClean="0"/>
+              <a:rPr lang="en-US"/>
               <a:t>Click to edit Master title style</a:t>
             </a:r>
-            <a:endParaRPr lang="en-US"/>
           </a:p>
         </p:txBody>
       </p:sp>
@@ -4213,38 +3944,37 @@
           <a:p>
             <a:pPr lvl="0"/>
             <a:r>
-              <a:rPr lang="en-US" smtClean="0"/>
+              <a:rPr lang="en-US"/>
               <a:t>Click to edit Master text styles</a:t>
             </a:r>
           </a:p>
           <a:p>
             <a:pPr lvl="1"/>
             <a:r>
-              <a:rPr lang="en-US" smtClean="0"/>
+              <a:rPr lang="en-US"/>
               <a:t>Second level</a:t>
             </a:r>
           </a:p>
           <a:p>
             <a:pPr lvl="2"/>
             <a:r>
-              <a:rPr lang="en-US" smtClean="0"/>
+              <a:rPr lang="en-US"/>
               <a:t>Third level</a:t>
             </a:r>
           </a:p>
           <a:p>
             <a:pPr lvl="3"/>
             <a:r>
-              <a:rPr lang="en-US" smtClean="0"/>
+              <a:rPr lang="en-US"/>
               <a:t>Fourth level</a:t>
             </a:r>
           </a:p>
           <a:p>
             <a:pPr lvl="4"/>
             <a:r>
-              <a:rPr lang="en-US" smtClean="0"/>
+              <a:rPr lang="en-US"/>
               <a:t>Fifth level</a:t>
             </a:r>
-            <a:endParaRPr lang="en-US"/>
           </a:p>
         </p:txBody>
       </p:sp>
@@ -4307,7 +4037,7 @@
           <a:p>
             <a:pPr lvl="0"/>
             <a:r>
-              <a:rPr lang="en-US" smtClean="0"/>
+              <a:rPr lang="en-US"/>
               <a:t>Click to edit Master text styles</a:t>
             </a:r>
           </a:p>
@@ -4330,7 +4060,7 @@
           <a:p>
             <a:fld id="{5BCAD085-E8A6-8845-BD4E-CB4CCA059FC4}" type="datetimeFigureOut">
               <a:rPr lang="en-US" smtClean="0"/>
-              <a:t>1/27/13</a:t>
+              <a:t>1/12/26</a:t>
             </a:fld>
             <a:endParaRPr lang="en-US"/>
           </a:p>
@@ -4433,10 +4163,9 @@
           </a:lstStyle>
           <a:p>
             <a:r>
-              <a:rPr lang="en-US" smtClean="0"/>
+              <a:rPr lang="en-US"/>
               <a:t>Click to edit Master title style</a:t>
             </a:r>
-            <a:endParaRPr lang="en-US"/>
           </a:p>
         </p:txBody>
       </p:sp>
@@ -4560,7 +4289,7 @@
           <a:p>
             <a:pPr lvl="0"/>
             <a:r>
-              <a:rPr lang="en-US" smtClean="0"/>
+              <a:rPr lang="en-US"/>
               <a:t>Click to edit Master text styles</a:t>
             </a:r>
           </a:p>
@@ -4583,7 +4312,7 @@
           <a:p>
             <a:fld id="{5BCAD085-E8A6-8845-BD4E-CB4CCA059FC4}" type="datetimeFigureOut">
               <a:rPr lang="en-US" smtClean="0"/>
-              <a:t>1/27/13</a:t>
+              <a:t>1/12/26</a:t>
             </a:fld>
             <a:endParaRPr lang="en-US"/>
           </a:p>
@@ -4692,10 +4421,9 @@
           <a:lstStyle/>
           <a:p>
             <a:r>
-              <a:rPr lang="en-US" smtClean="0"/>
+              <a:rPr lang="en-US"/>
               <a:t>Click to edit Master title style</a:t>
             </a:r>
-            <a:endParaRPr lang="en-US"/>
           </a:p>
         </p:txBody>
       </p:sp>
@@ -4726,38 +4454,37 @@
           <a:p>
             <a:pPr lvl="0"/>
             <a:r>
-              <a:rPr lang="en-US" smtClean="0"/>
+              <a:rPr lang="en-US"/>
               <a:t>Click to edit Master text styles</a:t>
             </a:r>
           </a:p>
           <a:p>
             <a:pPr lvl="1"/>
             <a:r>
-              <a:rPr lang="en-US" smtClean="0"/>
+              <a:rPr lang="en-US"/>
               <a:t>Second level</a:t>
             </a:r>
           </a:p>
           <a:p>
             <a:pPr lvl="2"/>
             <a:r>
-              <a:rPr lang="en-US" smtClean="0"/>
+              <a:rPr lang="en-US"/>
               <a:t>Third level</a:t>
             </a:r>
           </a:p>
           <a:p>
             <a:pPr lvl="3"/>
             <a:r>
-              <a:rPr lang="en-US" smtClean="0"/>
+              <a:rPr lang="en-US"/>
               <a:t>Fourth level</a:t>
             </a:r>
           </a:p>
           <a:p>
             <a:pPr lvl="4"/>
             <a:r>
-              <a:rPr lang="en-US" smtClean="0"/>
+              <a:rPr lang="en-US"/>
               <a:t>Fifth level</a:t>
             </a:r>
-            <a:endParaRPr lang="en-US"/>
           </a:p>
         </p:txBody>
       </p:sp>
@@ -4796,7 +4523,7 @@
           <a:p>
             <a:fld id="{5BCAD085-E8A6-8845-BD4E-CB4CCA059FC4}" type="datetimeFigureOut">
               <a:rPr lang="en-US" smtClean="0"/>
-              <a:t>1/27/13</a:t>
+              <a:t>1/12/26</a:t>
             </a:fld>
             <a:endParaRPr lang="en-US"/>
           </a:p>
@@ -5155,7 +4882,7 @@
 </file>
 
 <file path=ppt/slides/slide1.xml><?xml version="1.0" encoding="utf-8"?>
-<p:sld xmlns:a="http://schemas.openxmlformats.org/drawingml/2006/main" xmlns:p="http://schemas.openxmlformats.org/presentationml/2006/main" xmlns:r="http://schemas.openxmlformats.org/officeDocument/2006/relationships">
+<p:sld xmlns:a="http://schemas.openxmlformats.org/drawingml/2006/main" xmlns:r="http://schemas.openxmlformats.org/officeDocument/2006/relationships" xmlns:p="http://schemas.openxmlformats.org/presentationml/2006/main">
   <p:cSld>
     <p:spTree>
       <p:nvGrpSpPr>
@@ -5163,7 +4890,14 @@
         <p:cNvGrpSpPr/>
         <p:nvPr/>
       </p:nvGrpSpPr>
-      <p:grpSpPr/>
+      <p:grpSpPr>
+        <a:xfrm>
+          <a:off x="0" y="0"/>
+          <a:ext cx="0" cy="0"/>
+          <a:chOff x="0" y="0"/>
+          <a:chExt cx="0" cy="0"/>
+        </a:xfrm>
+      </p:grpSpPr>
       <p:sp>
         <p:nvSpPr>
           <p:cNvPr id="2" name="TextBox 1"/>
@@ -5173,7 +4907,7 @@
         <p:spPr>
           <a:xfrm>
             <a:off x="914400" y="1371600"/>
-            <a:ext cx="7315200" cy="914400"/>
+            <a:ext cx="7315200" cy="1446550"/>
           </a:xfrm>
           <a:prstGeom prst="rect">
             <a:avLst/>
@@ -5194,8 +4928,23 @@
               </a:defRPr>
             </a:pPr>
             <a:r>
-              <a:t>Phase 1: Device Backup</a:t>
-            </a:r>
+              <a:rPr lang="en-US" dirty="0"/>
+              <a:t>ILG Pinnacle </a:t>
+            </a:r>
+          </a:p>
+          <a:p>
+            <a:pPr algn="ctr">
+              <a:defRPr sz="4400" b="1">
+                <a:solidFill>
+                  <a:srgbClr val="0078D4"/>
+                </a:solidFill>
+              </a:defRPr>
+            </a:pPr>
+            <a:r>
+              <a:rPr lang="en-US" dirty="0"/>
+              <a:t>Microsoft Windows Migration</a:t>
+            </a:r>
+            <a:endParaRPr dirty="0"/>
           </a:p>
         </p:txBody>
       </p:sp>
@@ -5207,8 +4956,8 @@
         </p:nvSpPr>
         <p:spPr>
           <a:xfrm>
-            <a:off x="1828800" y="2286000"/>
-            <a:ext cx="5486400" cy="457200"/>
+            <a:off x="1488228" y="2818150"/>
+            <a:ext cx="6167587" cy="954107"/>
           </a:xfrm>
           <a:prstGeom prst="rect">
             <a:avLst/>
@@ -5229,7 +4978,21 @@
               </a:defRPr>
             </a:pPr>
             <a:r>
-              <a:t>Protecting Your Data Before Reset</a:t>
+              <a:rPr lang="en-US" dirty="0"/>
+              <a:t>Preparing You and your Device </a:t>
+            </a:r>
+          </a:p>
+          <a:p>
+            <a:pPr algn="ctr">
+              <a:defRPr sz="2800">
+                <a:solidFill>
+                  <a:srgbClr val="323232"/>
+                </a:solidFill>
+              </a:defRPr>
+            </a:pPr>
+            <a:r>
+              <a:rPr lang="en-US" dirty="0"/>
+              <a:t>for the Impact Property Solutions Tenant</a:t>
             </a:r>
           </a:p>
         </p:txBody>
@@ -5242,8 +5005,8 @@
         </p:nvSpPr>
         <p:spPr>
           <a:xfrm>
-            <a:off x="1828800" y="3200400"/>
-            <a:ext cx="5486400" cy="457200"/>
+            <a:off x="3993957" y="3772257"/>
+            <a:ext cx="1156086" cy="307777"/>
           </a:xfrm>
           <a:prstGeom prst="rect">
             <a:avLst/>
@@ -5264,7 +5027,8 @@
               </a:defRPr>
             </a:pPr>
             <a:r>
-              <a:t>IT Support Guide | January 12, 2026</a:t>
+              <a:rPr dirty="0"/>
+              <a:t>January 2026</a:t>
             </a:r>
           </a:p>
         </p:txBody>
@@ -5277,8 +5041,8 @@
 </p:sld>
 </file>
 
-<file path=ppt/slides/slide10.xml><?xml version="1.0" encoding="utf-8"?>
-<p:sld xmlns:a="http://schemas.openxmlformats.org/drawingml/2006/main" xmlns:p="http://schemas.openxmlformats.org/presentationml/2006/main" xmlns:r="http://schemas.openxmlformats.org/officeDocument/2006/relationships">
+<file path=ppt/slides/slide2.xml><?xml version="1.0" encoding="utf-8"?>
+<p:sld xmlns:a="http://schemas.openxmlformats.org/drawingml/2006/main" xmlns:r="http://schemas.openxmlformats.org/officeDocument/2006/relationships" xmlns:p="http://schemas.openxmlformats.org/presentationml/2006/main">
   <p:cSld>
     <p:spTree>
       <p:nvGrpSpPr>
@@ -5286,7 +5050,14 @@
         <p:cNvGrpSpPr/>
         <p:nvPr/>
       </p:nvGrpSpPr>
-      <p:grpSpPr/>
+      <p:grpSpPr>
+        <a:xfrm>
+          <a:off x="0" y="0"/>
+          <a:ext cx="0" cy="0"/>
+          <a:chOff x="0" y="0"/>
+          <a:chExt cx="0" cy="0"/>
+        </a:xfrm>
+      </p:grpSpPr>
       <p:sp>
         <p:nvSpPr>
           <p:cNvPr id="2" name="TextBox 1"/>
@@ -5317,7 +5088,7 @@
               </a:defRPr>
             </a:pPr>
             <a:r>
-              <a:t>Questions &amp; Support</a:t>
+              <a:t>What We'll Back Up Today</a:t>
             </a:r>
           </a:p>
         </p:txBody>
@@ -5330,8 +5101,8 @@
         </p:nvSpPr>
         <p:spPr>
           <a:xfrm>
-            <a:off x="1828800" y="1371600"/>
-            <a:ext cx="5486400" cy="2743200"/>
+            <a:off x="1371600" y="1097280"/>
+            <a:ext cx="6400800" cy="3970318"/>
           </a:xfrm>
           <a:prstGeom prst="rect">
             <a:avLst/>
@@ -5343,7 +5114,6 @@
             <a:spAutoFit/>
           </a:bodyPr>
           <a:lstStyle/>
-          <a:p/>
           <a:p>
             <a:pPr>
               <a:defRPr sz="2400" b="1">
@@ -5353,42 +5123,18 @@
               </a:defRPr>
             </a:pPr>
             <a:r>
-              <a:t>Need help during backup?</a:t>
-            </a:r>
-          </a:p>
-          <a:p>
-            <a:pPr>
+              <a:rPr dirty="0"/>
+              <a:t>OneDrive Setup &amp; File Sync</a:t>
+            </a:r>
+          </a:p>
+          <a:p>
+            <a:pPr lvl="1">
               <a:defRPr sz="1800" b="0"/>
             </a:pPr>
-          </a:p>
-          <a:p>
-            <a:pPr lvl="1">
-              <a:defRPr sz="2000" b="0"/>
-            </a:pPr>
-            <a:r>
-              <a:t>📧 [YOUR IT SUPPORT EMAIL]</a:t>
-            </a:r>
-          </a:p>
-          <a:p>
-            <a:pPr lvl="1">
-              <a:defRPr sz="2000" b="0"/>
-            </a:pPr>
-            <a:r>
-              <a:t>💬 [YOUR SUPPORT CHANNEL]</a:t>
-            </a:r>
-          </a:p>
-          <a:p>
-            <a:pPr lvl="1">
-              <a:defRPr sz="2000" b="0"/>
-            </a:pPr>
-            <a:r>
-              <a:t>📞 [YOUR SUPPORT PHONE]</a:t>
-            </a:r>
-          </a:p>
-          <a:p>
-            <a:pPr>
-              <a:defRPr sz="1800" b="0"/>
-            </a:pPr>
+            <a:r>
+              <a:rPr dirty="0"/>
+              <a:t>Your Desktop, Documents, and Pictures folders</a:t>
+            </a:r>
           </a:p>
           <a:p>
             <a:pPr>
@@ -5399,15 +5145,109 @@
               </a:defRPr>
             </a:pPr>
             <a:r>
-              <a:t>🌐 Full Documentation:</a:t>
+              <a:rPr dirty="0"/>
+              <a:t>Browser Profile</a:t>
             </a:r>
           </a:p>
           <a:p>
             <a:pPr lvl="1">
-              <a:defRPr sz="1600" b="0"/>
-            </a:pPr>
-            <a:r>
-              <a:t>https://ipsghonline.github.io/tmp/docs/monday-go-live/workflow.html</a:t>
+              <a:defRPr sz="1800" b="0"/>
+            </a:pPr>
+            <a:r>
+              <a:rPr dirty="0"/>
+              <a:t>Bookmarks, passwords, and settings</a:t>
+            </a:r>
+          </a:p>
+          <a:p>
+            <a:pPr>
+              <a:defRPr sz="2400" b="1">
+                <a:solidFill>
+                  <a:srgbClr val="0078D4"/>
+                </a:solidFill>
+              </a:defRPr>
+            </a:pPr>
+            <a:r>
+              <a:rPr dirty="0"/>
+              <a:t>Printer Configurations</a:t>
+            </a:r>
+          </a:p>
+          <a:p>
+            <a:pPr lvl="1">
+              <a:defRPr sz="1800" b="0"/>
+            </a:pPr>
+            <a:r>
+              <a:rPr dirty="0"/>
+              <a:t>Screenshot of all mapped printers</a:t>
+            </a:r>
+          </a:p>
+          <a:p>
+            <a:pPr>
+              <a:defRPr sz="2400" b="1">
+                <a:solidFill>
+                  <a:srgbClr val="0078D4"/>
+                </a:solidFill>
+              </a:defRPr>
+            </a:pPr>
+            <a:r>
+              <a:rPr dirty="0" err="1"/>
+              <a:t>WiFi</a:t>
+            </a:r>
+            <a:r>
+              <a:rPr dirty="0"/>
+              <a:t> Network Information</a:t>
+            </a:r>
+          </a:p>
+          <a:p>
+            <a:pPr lvl="1">
+              <a:defRPr sz="1800" b="0"/>
+            </a:pPr>
+            <a:r>
+              <a:rPr dirty="0"/>
+              <a:t>For quick reconnection after reset</a:t>
+            </a:r>
+          </a:p>
+          <a:p>
+            <a:pPr>
+              <a:defRPr sz="2400" b="1">
+                <a:solidFill>
+                  <a:srgbClr val="0078D4"/>
+                </a:solidFill>
+              </a:defRPr>
+            </a:pPr>
+            <a:r>
+              <a:rPr dirty="0"/>
+              <a:t>Outlook Data Files (if applicable)</a:t>
+            </a:r>
+          </a:p>
+          <a:p>
+            <a:pPr lvl="1">
+              <a:defRPr sz="1800" b="0"/>
+            </a:pPr>
+            <a:r>
+              <a:rPr dirty="0"/>
+              <a:t>Personal email archives (PST files)</a:t>
+            </a:r>
+          </a:p>
+          <a:p>
+            <a:pPr>
+              <a:defRPr sz="2400" b="1">
+                <a:solidFill>
+                  <a:srgbClr val="0078D4"/>
+                </a:solidFill>
+              </a:defRPr>
+            </a:pPr>
+            <a:r>
+              <a:rPr dirty="0"/>
+              <a:t>iOS Device Backup (if applicable)</a:t>
+            </a:r>
+          </a:p>
+          <a:p>
+            <a:pPr lvl="1">
+              <a:defRPr sz="1800" b="0"/>
+            </a:pPr>
+            <a:r>
+              <a:rPr dirty="0"/>
+              <a:t>iPhone or iPad via Apple Devices app</a:t>
             </a:r>
           </a:p>
         </p:txBody>
@@ -5420,8 +5260,8 @@
 </p:sld>
 </file>
 
-<file path=ppt/slides/slide2.xml><?xml version="1.0" encoding="utf-8"?>
-<p:sld xmlns:a="http://schemas.openxmlformats.org/drawingml/2006/main" xmlns:p="http://schemas.openxmlformats.org/presentationml/2006/main" xmlns:r="http://schemas.openxmlformats.org/officeDocument/2006/relationships">
+<file path=ppt/slides/slide3.xml><?xml version="1.0" encoding="utf-8"?>
+<p:sld xmlns:a="http://schemas.openxmlformats.org/drawingml/2006/main" xmlns:r="http://schemas.openxmlformats.org/officeDocument/2006/relationships" xmlns:p="http://schemas.openxmlformats.org/presentationml/2006/main">
   <p:cSld>
     <p:spTree>
       <p:nvGrpSpPr>
@@ -5429,7 +5269,14 @@
         <p:cNvGrpSpPr/>
         <p:nvPr/>
       </p:nvGrpSpPr>
-      <p:grpSpPr/>
+      <p:grpSpPr>
+        <a:xfrm>
+          <a:off x="0" y="0"/>
+          <a:ext cx="0" cy="0"/>
+          <a:chOff x="0" y="0"/>
+          <a:chExt cx="0" cy="0"/>
+        </a:xfrm>
+      </p:grpSpPr>
       <p:sp>
         <p:nvSpPr>
           <p:cNvPr id="2" name="TextBox 1"/>
@@ -5460,7 +5307,7 @@
               </a:defRPr>
             </a:pPr>
             <a:r>
-              <a:t>What We'll Back Up Today</a:t>
+              <a:t>Step 1: OneDrive Setup</a:t>
             </a:r>
           </a:p>
         </p:txBody>
@@ -5473,8 +5320,8 @@
         </p:nvSpPr>
         <p:spPr>
           <a:xfrm>
-            <a:off x="1371600" y="1097280"/>
-            <a:ext cx="6400800" cy="3200400"/>
+            <a:off x="1371600" y="914400"/>
+            <a:ext cx="6400800" cy="548640"/>
           </a:xfrm>
           <a:prstGeom prst="rect">
             <a:avLst/>
@@ -5482,129 +5329,153 @@
           <a:noFill/>
         </p:spPr>
         <p:txBody>
+          <a:bodyPr wrap="none">
+            <a:spAutoFit/>
+          </a:bodyPr>
+          <a:lstStyle/>
+          <a:p>
+            <a:pPr algn="ctr">
+              <a:defRPr sz="1600" b="1">
+                <a:solidFill>
+                  <a:srgbClr val="D13438"/>
+                </a:solidFill>
+              </a:defRPr>
+            </a:pPr>
+            <a:r>
+              <a:t>⚠️ CRITICAL: OneDrive must be fully synced before proceeding</a:t>
+            </a:r>
+          </a:p>
+        </p:txBody>
+      </p:sp>
+      <p:sp>
+        <p:nvSpPr>
+          <p:cNvPr id="4" name="TextBox 3"/>
+          <p:cNvSpPr txBox="1"/>
+          <p:nvPr/>
+        </p:nvSpPr>
+        <p:spPr>
+          <a:xfrm>
+            <a:off x="1371600" y="1645920"/>
+            <a:ext cx="6400800" cy="2308324"/>
+          </a:xfrm>
+          <a:prstGeom prst="rect">
+            <a:avLst/>
+          </a:prstGeom>
+          <a:noFill/>
+        </p:spPr>
+        <p:txBody>
           <a:bodyPr wrap="square">
             <a:spAutoFit/>
           </a:bodyPr>
           <a:lstStyle/>
-          <a:p/>
-          <a:p>
-            <a:pPr>
-              <a:defRPr sz="2400" b="1">
+          <a:p>
+            <a:pPr marL="342900" indent="-342900">
+              <a:buFont typeface="+mj-lt"/>
+              <a:buAutoNum type="arabicPeriod"/>
+              <a:defRPr sz="1800" b="0"/>
+            </a:pPr>
+            <a:r>
+              <a:rPr dirty="0"/>
+              <a:t>Find OneDrive icon in system tray (cloud icon, bottom right)</a:t>
+            </a:r>
+          </a:p>
+          <a:p>
+            <a:pPr marL="342900" indent="-342900">
+              <a:buFont typeface="+mj-lt"/>
+              <a:buAutoNum type="arabicPeriod"/>
+              <a:defRPr sz="1800" b="0"/>
+            </a:pPr>
+            <a:r>
+              <a:rPr dirty="0"/>
+              <a:t>Click icon → Sign in with </a:t>
+            </a:r>
+            <a:r>
+              <a:rPr dirty="0" err="1"/>
+              <a:t>INGINC.com</a:t>
+            </a:r>
+            <a:r>
+              <a:rPr dirty="0"/>
+              <a:t> account</a:t>
+            </a:r>
+          </a:p>
+          <a:p>
+            <a:pPr marL="342900" indent="-342900">
+              <a:buFont typeface="+mj-lt"/>
+              <a:buAutoNum type="arabicPeriod"/>
+              <a:defRPr sz="1800" b="0"/>
+            </a:pPr>
+            <a:r>
+              <a:rPr dirty="0"/>
+              <a:t>Settings (gear) → Sync and backup → Manage backup</a:t>
+            </a:r>
+          </a:p>
+          <a:p>
+            <a:pPr marL="342900" indent="-342900">
+              <a:buFont typeface="+mj-lt"/>
+              <a:buAutoNum type="arabicPeriod"/>
+              <a:defRPr sz="1800" b="1">
                 <a:solidFill>
                   <a:srgbClr val="0078D4"/>
                 </a:solidFill>
               </a:defRPr>
             </a:pPr>
             <a:r>
-              <a:t>OneDrive Setup &amp; File Sync</a:t>
+              <a:rPr dirty="0"/>
+              <a:t>Enable all three folders:</a:t>
             </a:r>
           </a:p>
           <a:p>
             <a:pPr lvl="1">
-              <a:defRPr sz="1800" b="0"/>
-            </a:pPr>
-            <a:r>
-              <a:t>Your Desktop, Documents, and Pictures folders</a:t>
-            </a:r>
-          </a:p>
-          <a:p>
-            <a:pPr>
-              <a:defRPr sz="2400" b="1">
+              <a:defRPr sz="1800" b="0">
+                <a:solidFill>
+                  <a:srgbClr val="107C10"/>
+                </a:solidFill>
+              </a:defRPr>
+            </a:pPr>
+            <a:r>
+              <a:rPr dirty="0"/>
+              <a:t>✓ Desktop</a:t>
+            </a:r>
+          </a:p>
+          <a:p>
+            <a:pPr lvl="1">
+              <a:defRPr sz="1800" b="0">
+                <a:solidFill>
+                  <a:srgbClr val="107C10"/>
+                </a:solidFill>
+              </a:defRPr>
+            </a:pPr>
+            <a:r>
+              <a:rPr dirty="0"/>
+              <a:t>✓ Documents</a:t>
+            </a:r>
+          </a:p>
+          <a:p>
+            <a:pPr lvl="1">
+              <a:defRPr sz="1800" b="0">
+                <a:solidFill>
+                  <a:srgbClr val="107C10"/>
+                </a:solidFill>
+              </a:defRPr>
+            </a:pPr>
+            <a:r>
+              <a:rPr dirty="0"/>
+              <a:t>✓ Pictures</a:t>
+            </a:r>
+          </a:p>
+          <a:p>
+            <a:pPr marL="342900" indent="-342900">
+              <a:buFont typeface="+mj-lt"/>
+              <a:buAutoNum type="arabicPeriod"/>
+              <a:defRPr sz="1800" b="1">
                 <a:solidFill>
                   <a:srgbClr val="0078D4"/>
                 </a:solidFill>
               </a:defRPr>
             </a:pPr>
             <a:r>
-              <a:t>Browser Profile</a:t>
-            </a:r>
-          </a:p>
-          <a:p>
-            <a:pPr lvl="1">
-              <a:defRPr sz="1800" b="0"/>
-            </a:pPr>
-            <a:r>
-              <a:t>Bookmarks, passwords, and settings</a:t>
-            </a:r>
-          </a:p>
-          <a:p>
-            <a:pPr>
-              <a:defRPr sz="2400" b="1">
-                <a:solidFill>
-                  <a:srgbClr val="0078D4"/>
-                </a:solidFill>
-              </a:defRPr>
-            </a:pPr>
-            <a:r>
-              <a:t>Printer Configurations</a:t>
-            </a:r>
-          </a:p>
-          <a:p>
-            <a:pPr lvl="1">
-              <a:defRPr sz="1800" b="0"/>
-            </a:pPr>
-            <a:r>
-              <a:t>Screenshot of all mapped printers</a:t>
-            </a:r>
-          </a:p>
-          <a:p>
-            <a:pPr>
-              <a:defRPr sz="2400" b="1">
-                <a:solidFill>
-                  <a:srgbClr val="0078D4"/>
-                </a:solidFill>
-              </a:defRPr>
-            </a:pPr>
-            <a:r>
-              <a:t>WiFi Network Information</a:t>
-            </a:r>
-          </a:p>
-          <a:p>
-            <a:pPr lvl="1">
-              <a:defRPr sz="1800" b="0"/>
-            </a:pPr>
-            <a:r>
-              <a:t>For quick reconnection after reset</a:t>
-            </a:r>
-          </a:p>
-          <a:p>
-            <a:pPr>
-              <a:defRPr sz="2400" b="1">
-                <a:solidFill>
-                  <a:srgbClr val="0078D4"/>
-                </a:solidFill>
-              </a:defRPr>
-            </a:pPr>
-            <a:r>
-              <a:t>Outlook Data Files (if applicable)</a:t>
-            </a:r>
-          </a:p>
-          <a:p>
-            <a:pPr lvl="1">
-              <a:defRPr sz="1800" b="0"/>
-            </a:pPr>
-            <a:r>
-              <a:t>Personal email archives (PST files)</a:t>
-            </a:r>
-          </a:p>
-          <a:p>
-            <a:pPr>
-              <a:defRPr sz="2400" b="1">
-                <a:solidFill>
-                  <a:srgbClr val="0078D4"/>
-                </a:solidFill>
-              </a:defRPr>
-            </a:pPr>
-            <a:r>
-              <a:t>iOS Device Backup (if applicable)</a:t>
-            </a:r>
-          </a:p>
-          <a:p>
-            <a:pPr lvl="1">
-              <a:defRPr sz="1800" b="0"/>
-            </a:pPr>
-            <a:r>
-              <a:t>iPhone or iPad via Apple Devices app</a:t>
+              <a:rPr dirty="0"/>
+              <a:t>Click 'Start backup' and wait for green checkmark ✓</a:t>
             </a:r>
           </a:p>
         </p:txBody>
@@ -5617,8 +5488,8 @@
 </p:sld>
 </file>
 
-<file path=ppt/slides/slide3.xml><?xml version="1.0" encoding="utf-8"?>
-<p:sld xmlns:a="http://schemas.openxmlformats.org/drawingml/2006/main" xmlns:p="http://schemas.openxmlformats.org/presentationml/2006/main" xmlns:r="http://schemas.openxmlformats.org/officeDocument/2006/relationships">
+<file path=ppt/slides/slide4.xml><?xml version="1.0" encoding="utf-8"?>
+<p:sld xmlns:a="http://schemas.openxmlformats.org/drawingml/2006/main" xmlns:r="http://schemas.openxmlformats.org/officeDocument/2006/relationships" xmlns:p="http://schemas.openxmlformats.org/presentationml/2006/main">
   <p:cSld>
     <p:spTree>
       <p:nvGrpSpPr>
@@ -5626,7 +5497,14 @@
         <p:cNvGrpSpPr/>
         <p:nvPr/>
       </p:nvGrpSpPr>
-      <p:grpSpPr/>
+      <p:grpSpPr>
+        <a:xfrm>
+          <a:off x="0" y="0"/>
+          <a:ext cx="0" cy="0"/>
+          <a:chOff x="0" y="0"/>
+          <a:chExt cx="0" cy="0"/>
+        </a:xfrm>
+      </p:grpSpPr>
       <p:sp>
         <p:nvSpPr>
           <p:cNvPr id="2" name="TextBox 1"/>
@@ -5657,7 +5535,7 @@
               </a:defRPr>
             </a:pPr>
             <a:r>
-              <a:t>Step 1: OneDrive Setup</a:t>
+              <a:t>Step 2: Browser Profile Backup</a:t>
             </a:r>
           </a:p>
         </p:txBody>
@@ -5670,8 +5548,8 @@
         </p:nvSpPr>
         <p:spPr>
           <a:xfrm>
-            <a:off x="1371600" y="914400"/>
-            <a:ext cx="6400800" cy="548640"/>
+            <a:off x="731520" y="1097280"/>
+            <a:ext cx="3657600" cy="2215991"/>
           </a:xfrm>
           <a:prstGeom prst="rect">
             <a:avLst/>
@@ -5679,20 +5557,87 @@
           <a:noFill/>
         </p:spPr>
         <p:txBody>
-          <a:bodyPr wrap="none">
+          <a:bodyPr wrap="square">
             <a:spAutoFit/>
           </a:bodyPr>
           <a:lstStyle/>
           <a:p>
-            <a:pPr algn="ctr">
-              <a:defRPr sz="1600" b="1">
+            <a:endParaRPr dirty="0"/>
+          </a:p>
+          <a:p>
+            <a:pPr>
+              <a:defRPr sz="2000" b="1">
                 <a:solidFill>
-                  <a:srgbClr val="D13438"/>
+                  <a:srgbClr val="0078D4"/>
                 </a:solidFill>
               </a:defRPr>
             </a:pPr>
             <a:r>
-              <a:t>⚠️ CRITICAL: OneDrive must be fully synced before proceeding</a:t>
+              <a:rPr dirty="0"/>
+              <a:t>Chrome / Edge:</a:t>
+            </a:r>
+          </a:p>
+          <a:p>
+            <a:pPr lvl="1">
+              <a:defRPr sz="1600" b="0"/>
+            </a:pPr>
+            <a:r>
+              <a:rPr dirty="0"/>
+              <a:t>Menu → Settings</a:t>
+            </a:r>
+          </a:p>
+          <a:p>
+            <a:pPr lvl="1">
+              <a:defRPr sz="1600" b="0"/>
+            </a:pPr>
+            <a:r>
+              <a:rPr dirty="0"/>
+              <a:t>Turn on sync</a:t>
+            </a:r>
+          </a:p>
+          <a:p>
+            <a:pPr lvl="1">
+              <a:defRPr sz="1600" b="0"/>
+            </a:pPr>
+            <a:r>
+              <a:rPr dirty="0"/>
+              <a:t>Sign in with </a:t>
+            </a:r>
+            <a:r>
+              <a:rPr dirty="0" err="1"/>
+              <a:t>INGINC.com</a:t>
+            </a:r>
+            <a:endParaRPr lang="en-US" dirty="0"/>
+          </a:p>
+          <a:p>
+            <a:pPr>
+              <a:defRPr sz="2000" b="1">
+                <a:solidFill>
+                  <a:srgbClr val="0078D4"/>
+                </a:solidFill>
+              </a:defRPr>
+            </a:pPr>
+            <a:r>
+              <a:rPr dirty="0"/>
+              <a:t>Export bookmarks:</a:t>
+            </a:r>
+          </a:p>
+          <a:p>
+            <a:pPr lvl="1">
+              <a:defRPr sz="1600" b="0"/>
+            </a:pPr>
+            <a:r>
+              <a:rPr dirty="0"/>
+              <a:t>Menu → Bookmarks → Export</a:t>
+            </a:r>
+          </a:p>
+          <a:p>
+            <a:pPr lvl="1">
+              <a:defRPr sz="1600" b="0"/>
+            </a:pPr>
+            <a:r>
+              <a:rPr dirty="0"/>
+              <a:t>Save to OneDrive Documents</a:t>
             </a:r>
           </a:p>
         </p:txBody>
@@ -5705,8 +5650,8 @@
         </p:nvSpPr>
         <p:spPr>
           <a:xfrm>
-            <a:off x="1371600" y="1645920"/>
-            <a:ext cx="6400800" cy="2743200"/>
+            <a:off x="4754880" y="1097280"/>
+            <a:ext cx="3657600" cy="3200400"/>
           </a:xfrm>
           <a:prstGeom prst="rect">
             <a:avLst/>
@@ -5718,89 +5663,73 @@
             <a:spAutoFit/>
           </a:bodyPr>
           <a:lstStyle/>
-          <a:p/>
+          <a:p>
+            <a:endParaRPr dirty="0"/>
+          </a:p>
           <a:p>
             <a:pPr>
-              <a:defRPr sz="1800" b="0"/>
-            </a:pPr>
-            <a:r>
-              <a:t>Find OneDrive icon in system tray (cloud icon, bottom right)</a:t>
-            </a:r>
-          </a:p>
-          <a:p>
-            <a:pPr>
-              <a:defRPr sz="1800" b="0"/>
-            </a:pPr>
-            <a:r>
-              <a:t>Click icon → Sign in with INGINC.com account</a:t>
-            </a:r>
-          </a:p>
-          <a:p>
-            <a:pPr>
-              <a:defRPr sz="1800" b="0"/>
-            </a:pPr>
-            <a:r>
-              <a:t>Settings (gear) → Sync and backup → Manage backup</a:t>
-            </a:r>
-          </a:p>
-          <a:p>
-            <a:pPr>
-              <a:defRPr sz="1800" b="1">
+              <a:defRPr sz="2000" b="1">
                 <a:solidFill>
                   <a:srgbClr val="0078D4"/>
                 </a:solidFill>
               </a:defRPr>
             </a:pPr>
             <a:r>
-              <a:t>Enable all three folders:</a:t>
+              <a:rPr dirty="0"/>
+              <a:t>Export passwords:</a:t>
             </a:r>
           </a:p>
           <a:p>
             <a:pPr lvl="1">
-              <a:defRPr sz="1800" b="0">
+              <a:defRPr sz="1600" b="0"/>
+            </a:pPr>
+            <a:r>
+              <a:rPr dirty="0"/>
+              <a:t>Settings → Passwords → Export</a:t>
+            </a:r>
+          </a:p>
+          <a:p>
+            <a:pPr lvl="1">
+              <a:defRPr sz="1600" b="0"/>
+            </a:pPr>
+            <a:r>
+              <a:rPr dirty="0"/>
+              <a:t>Save CSV to OneDrive Documents</a:t>
+            </a:r>
+          </a:p>
+        </p:txBody>
+      </p:sp>
+      <p:sp>
+        <p:nvSpPr>
+          <p:cNvPr id="5" name="TextBox 4"/>
+          <p:cNvSpPr txBox="1"/>
+          <p:nvPr/>
+        </p:nvSpPr>
+        <p:spPr>
+          <a:xfrm>
+            <a:off x="1371600" y="4389120"/>
+            <a:ext cx="6400800" cy="457200"/>
+          </a:xfrm>
+          <a:prstGeom prst="rect">
+            <a:avLst/>
+          </a:prstGeom>
+          <a:noFill/>
+        </p:spPr>
+        <p:txBody>
+          <a:bodyPr wrap="none">
+            <a:spAutoFit/>
+          </a:bodyPr>
+          <a:lstStyle/>
+          <a:p>
+            <a:pPr algn="ctr">
+              <a:defRPr sz="1400">
                 <a:solidFill>
-                  <a:srgbClr val="107C10"/>
+                  <a:srgbClr val="FFB900"/>
                 </a:solidFill>
               </a:defRPr>
             </a:pPr>
             <a:r>
-              <a:t>✓ Desktop</a:t>
-            </a:r>
-          </a:p>
-          <a:p>
-            <a:pPr lvl="1">
-              <a:defRPr sz="1800" b="0">
-                <a:solidFill>
-                  <a:srgbClr val="107C10"/>
-                </a:solidFill>
-              </a:defRPr>
-            </a:pPr>
-            <a:r>
-              <a:t>✓ Documents</a:t>
-            </a:r>
-          </a:p>
-          <a:p>
-            <a:pPr lvl="1">
-              <a:defRPr sz="1800" b="0">
-                <a:solidFill>
-                  <a:srgbClr val="107C10"/>
-                </a:solidFill>
-              </a:defRPr>
-            </a:pPr>
-            <a:r>
-              <a:t>✓ Pictures</a:t>
-            </a:r>
-          </a:p>
-          <a:p>
-            <a:pPr>
-              <a:defRPr sz="1800" b="1">
-                <a:solidFill>
-                  <a:srgbClr val="0078D4"/>
-                </a:solidFill>
-              </a:defRPr>
-            </a:pPr>
-            <a:r>
-              <a:t>Click 'Start backup' and wait for green checkmark ✓</a:t>
+              <a:t>⚠️ Delete password CSV files after restoration is confirmed</a:t>
             </a:r>
           </a:p>
         </p:txBody>
@@ -5813,8 +5742,303 @@
 </p:sld>
 </file>
 
-<file path=ppt/slides/slide4.xml><?xml version="1.0" encoding="utf-8"?>
-<p:sld xmlns:a="http://schemas.openxmlformats.org/drawingml/2006/main" xmlns:p="http://schemas.openxmlformats.org/presentationml/2006/main" xmlns:r="http://schemas.openxmlformats.org/officeDocument/2006/relationships">
+<file path=ppt/slides/slide5.xml><?xml version="1.0" encoding="utf-8"?>
+<p:sld xmlns:a="http://schemas.openxmlformats.org/drawingml/2006/main" xmlns:r="http://schemas.openxmlformats.org/officeDocument/2006/relationships" xmlns:p="http://schemas.openxmlformats.org/presentationml/2006/main">
+  <p:cSld>
+    <p:bg>
+      <p:bgPr>
+        <a:solidFill>
+          <a:schemeClr val="bg1"/>
+        </a:solidFill>
+        <a:effectLst/>
+      </p:bgPr>
+    </p:bg>
+    <p:spTree>
+      <p:nvGrpSpPr>
+        <p:cNvPr id="1" name=""/>
+        <p:cNvGrpSpPr/>
+        <p:nvPr/>
+      </p:nvGrpSpPr>
+      <p:grpSpPr>
+        <a:xfrm>
+          <a:off x="0" y="0"/>
+          <a:ext cx="0" cy="0"/>
+          <a:chOff x="0" y="0"/>
+          <a:chExt cx="0" cy="0"/>
+        </a:xfrm>
+      </p:grpSpPr>
+      <p:sp>
+        <p:nvSpPr>
+          <p:cNvPr id="2" name="TextBox 1"/>
+          <p:cNvSpPr txBox="1"/>
+          <p:nvPr/>
+        </p:nvSpPr>
+        <p:spPr>
+          <a:xfrm>
+            <a:off x="360759" y="2814636"/>
+            <a:ext cx="2468166" cy="1839516"/>
+          </a:xfrm>
+          <a:prstGeom prst="rect">
+            <a:avLst/>
+          </a:prstGeom>
+        </p:spPr>
+        <p:txBody>
+          <a:bodyPr vert="horz" lIns="91440" tIns="45720" rIns="91440" bIns="45720" rtlCol="0" anchor="ctr">
+            <a:normAutofit/>
+          </a:bodyPr>
+          <a:lstStyle/>
+          <a:p>
+            <a:pPr defTabSz="914400">
+              <a:lnSpc>
+                <a:spcPct val="90000"/>
+              </a:lnSpc>
+              <a:spcBef>
+                <a:spcPct val="0"/>
+              </a:spcBef>
+              <a:spcAft>
+                <a:spcPts val="600"/>
+              </a:spcAft>
+              <a:defRPr sz="4400" b="1">
+                <a:solidFill>
+                  <a:srgbClr val="0078D4"/>
+                </a:solidFill>
+              </a:defRPr>
+            </a:pPr>
+            <a:r>
+              <a:rPr lang="en-US" sz="2700">
+                <a:latin typeface="+mj-lt"/>
+                <a:ea typeface="+mj-ea"/>
+                <a:cs typeface="+mj-cs"/>
+              </a:rPr>
+              <a:t>Step 3: Printer Configuration</a:t>
+            </a:r>
+          </a:p>
+        </p:txBody>
+      </p:sp>
+      <p:pic>
+        <p:nvPicPr>
+          <p:cNvPr id="4098" name="Picture 2" descr="How to Take Screenshot on Windows 11: 5 Easy Methods">
+            <a:extLst>
+              <a:ext uri="{FF2B5EF4-FFF2-40B4-BE49-F238E27FC236}">
+                <a16:creationId xmlns:a16="http://schemas.microsoft.com/office/drawing/2014/main" id="{9EDBF8EA-D65E-5849-3CE7-B38E947F8F42}"/>
+              </a:ext>
+            </a:extLst>
+          </p:cNvPr>
+          <p:cNvPicPr>
+            <a:picLocks noChangeAspect="1" noChangeArrowheads="1"/>
+          </p:cNvPicPr>
+          <p:nvPr/>
+        </p:nvPicPr>
+        <p:blipFill>
+          <a:blip r:embed="rId3">
+            <a:extLst>
+              <a:ext uri="{28A0092B-C50C-407E-A947-70E740481C1C}">
+                <a14:useLocalDpi xmlns:a14="http://schemas.microsoft.com/office/drawing/2010/main" val="0"/>
+              </a:ext>
+            </a:extLst>
+          </a:blip>
+          <a:srcRect t="14677" b="9708"/>
+          <a:stretch>
+            <a:fillRect/>
+          </a:stretch>
+        </p:blipFill>
+        <p:spPr bwMode="auto">
+          <a:xfrm>
+            <a:off x="20" y="10"/>
+            <a:ext cx="9143980" cy="2782949"/>
+          </a:xfrm>
+          <a:custGeom>
+            <a:avLst/>
+            <a:gdLst/>
+            <a:ahLst/>
+            <a:cxnLst/>
+            <a:rect l="l" t="t" r="r" b="b"/>
+            <a:pathLst>
+              <a:path w="12192000" h="3692092">
+                <a:moveTo>
+                  <a:pt x="0" y="0"/>
+                </a:moveTo>
+                <a:lnTo>
+                  <a:pt x="12192000" y="0"/>
+                </a:lnTo>
+                <a:lnTo>
+                  <a:pt x="12192000" y="3504824"/>
+                </a:lnTo>
+                <a:lnTo>
+                  <a:pt x="12024691" y="3517794"/>
+                </a:lnTo>
+                <a:cubicBezTo>
+                  <a:pt x="8077523" y="3783195"/>
+                  <a:pt x="4094678" y="3026959"/>
+                  <a:pt x="160485" y="3663863"/>
+                </a:cubicBezTo>
+                <a:lnTo>
+                  <a:pt x="0" y="3692092"/>
+                </a:lnTo>
+                <a:close/>
+              </a:path>
+            </a:pathLst>
+          </a:custGeom>
+          <a:noFill/>
+          <a:extLst>
+            <a:ext uri="{909E8E84-426E-40DD-AFC4-6F175D3DCCD1}">
+              <a14:hiddenFill xmlns:a14="http://schemas.microsoft.com/office/drawing/2010/main">
+                <a:solidFill>
+                  <a:srgbClr val="FFFFFF"/>
+                </a:solidFill>
+              </a14:hiddenFill>
+            </a:ext>
+          </a:extLst>
+        </p:spPr>
+      </p:pic>
+      <p:sp>
+        <p:nvSpPr>
+          <p:cNvPr id="3" name="TextBox 2"/>
+          <p:cNvSpPr txBox="1"/>
+          <p:nvPr/>
+        </p:nvSpPr>
+        <p:spPr>
+          <a:xfrm>
+            <a:off x="3167986" y="2814637"/>
+            <a:ext cx="5614060" cy="1839515"/>
+          </a:xfrm>
+          <a:prstGeom prst="rect">
+            <a:avLst/>
+          </a:prstGeom>
+        </p:spPr>
+        <p:txBody>
+          <a:bodyPr vert="horz" lIns="91440" tIns="45720" rIns="91440" bIns="45720" rtlCol="0" anchor="ctr">
+            <a:normAutofit/>
+          </a:bodyPr>
+          <a:lstStyle/>
+          <a:p>
+            <a:pPr indent="-228600" defTabSz="914400">
+              <a:lnSpc>
+                <a:spcPct val="90000"/>
+              </a:lnSpc>
+              <a:spcAft>
+                <a:spcPts val="600"/>
+              </a:spcAft>
+              <a:buFont typeface="Arial" panose="020B0604020202020204" pitchFamily="34" charset="0"/>
+              <a:buChar char="•"/>
+            </a:pPr>
+            <a:endParaRPr lang="en-US" sz="1300"/>
+          </a:p>
+          <a:p>
+            <a:pPr indent="-228600" defTabSz="914400">
+              <a:lnSpc>
+                <a:spcPct val="90000"/>
+              </a:lnSpc>
+              <a:spcAft>
+                <a:spcPts val="600"/>
+              </a:spcAft>
+              <a:buFont typeface="Arial" panose="020B0604020202020204" pitchFamily="34" charset="0"/>
+              <a:buChar char="•"/>
+              <a:defRPr sz="2200" b="1">
+                <a:solidFill>
+                  <a:srgbClr val="0078D4"/>
+                </a:solidFill>
+              </a:defRPr>
+            </a:pPr>
+            <a:r>
+              <a:rPr lang="en-US" sz="1300"/>
+              <a:t>Open Settings → Devices → Printers &amp; scanners</a:t>
+            </a:r>
+          </a:p>
+          <a:p>
+            <a:pPr indent="-228600" defTabSz="914400">
+              <a:lnSpc>
+                <a:spcPct val="90000"/>
+              </a:lnSpc>
+              <a:spcAft>
+                <a:spcPts val="600"/>
+              </a:spcAft>
+              <a:buFont typeface="Arial" panose="020B0604020202020204" pitchFamily="34" charset="0"/>
+              <a:buChar char="•"/>
+              <a:defRPr sz="1800" b="0"/>
+            </a:pPr>
+            <a:endParaRPr lang="en-US" sz="1300"/>
+          </a:p>
+          <a:p>
+            <a:pPr indent="-228600" defTabSz="914400">
+              <a:lnSpc>
+                <a:spcPct val="90000"/>
+              </a:lnSpc>
+              <a:spcAft>
+                <a:spcPts val="600"/>
+              </a:spcAft>
+              <a:buFont typeface="Arial" panose="020B0604020202020204" pitchFamily="34" charset="0"/>
+              <a:buChar char="•"/>
+              <a:defRPr sz="2000" b="0"/>
+            </a:pPr>
+            <a:r>
+              <a:rPr lang="en-US" sz="1300"/>
+              <a:t>Take screenshot of all mapped printers:</a:t>
+            </a:r>
+          </a:p>
+          <a:p>
+            <a:pPr marL="742950" lvl="1" indent="-228600" defTabSz="914400">
+              <a:lnSpc>
+                <a:spcPct val="90000"/>
+              </a:lnSpc>
+              <a:spcAft>
+                <a:spcPts val="600"/>
+              </a:spcAft>
+              <a:buFont typeface="Arial" panose="020B0604020202020204" pitchFamily="34" charset="0"/>
+              <a:buChar char="•"/>
+              <a:defRPr sz="1800" b="0"/>
+            </a:pPr>
+            <a:r>
+              <a:rPr lang="en-US" sz="1300"/>
+              <a:t>Press Win + Shift + S</a:t>
+            </a:r>
+          </a:p>
+          <a:p>
+            <a:pPr marL="742950" lvl="1" indent="-228600" defTabSz="914400">
+              <a:lnSpc>
+                <a:spcPct val="90000"/>
+              </a:lnSpc>
+              <a:spcAft>
+                <a:spcPts val="600"/>
+              </a:spcAft>
+              <a:buFont typeface="Arial" panose="020B0604020202020204" pitchFamily="34" charset="0"/>
+              <a:buChar char="•"/>
+              <a:defRPr sz="1800" b="0"/>
+            </a:pPr>
+            <a:r>
+              <a:rPr lang="en-US" sz="1300"/>
+              <a:t>Select entire printer list</a:t>
+            </a:r>
+          </a:p>
+          <a:p>
+            <a:pPr marL="742950" lvl="1" indent="-228600" defTabSz="914400">
+              <a:lnSpc>
+                <a:spcPct val="90000"/>
+              </a:lnSpc>
+              <a:spcAft>
+                <a:spcPts val="600"/>
+              </a:spcAft>
+              <a:buFont typeface="Arial" panose="020B0604020202020204" pitchFamily="34" charset="0"/>
+              <a:buChar char="•"/>
+              <a:defRPr sz="1800" b="0"/>
+            </a:pPr>
+            <a:r>
+              <a:rPr lang="en-US" sz="1300"/>
+              <a:t>Save to OneDrive &gt; Documents</a:t>
+            </a:r>
+          </a:p>
+        </p:txBody>
+      </p:sp>
+    </p:spTree>
+  </p:cSld>
+  <p:clrMapOvr>
+    <a:masterClrMapping/>
+  </p:clrMapOvr>
+</p:sld>
+</file>
+
+<file path=ppt/slides/slide6.xml><?xml version="1.0" encoding="utf-8"?>
+<p:sld xmlns:a="http://schemas.openxmlformats.org/drawingml/2006/main" xmlns:r="http://schemas.openxmlformats.org/officeDocument/2006/relationships" xmlns:p="http://schemas.openxmlformats.org/presentationml/2006/main">
   <p:cSld>
     <p:spTree>
       <p:nvGrpSpPr>
@@ -5822,7 +6046,14 @@
         <p:cNvGrpSpPr/>
         <p:nvPr/>
       </p:nvGrpSpPr>
-      <p:grpSpPr/>
+      <p:grpSpPr>
+        <a:xfrm>
+          <a:off x="0" y="0"/>
+          <a:ext cx="0" cy="0"/>
+          <a:chOff x="0" y="0"/>
+          <a:chExt cx="0" cy="0"/>
+        </a:xfrm>
+      </p:grpSpPr>
       <p:sp>
         <p:nvSpPr>
           <p:cNvPr id="2" name="TextBox 1"/>
@@ -5853,7 +6084,7 @@
               </a:defRPr>
             </a:pPr>
             <a:r>
-              <a:t>Step 2: Browser Profile Backup</a:t>
+              <a:t>Step 4: WiFi Network Documentation</a:t>
             </a:r>
           </a:p>
         </p:txBody>
@@ -5866,8 +6097,8 @@
         </p:nvSpPr>
         <p:spPr>
           <a:xfrm>
-            <a:off x="731520" y="1097280"/>
-            <a:ext cx="3657600" cy="3200400"/>
+            <a:off x="1828800" y="1371600"/>
+            <a:ext cx="5486400" cy="2400657"/>
           </a:xfrm>
           <a:prstGeom prst="rect">
             <a:avLst/>
@@ -5879,7 +6110,15 @@
             <a:spAutoFit/>
           </a:bodyPr>
           <a:lstStyle/>
-          <a:p/>
+          <a:p>
+            <a:endParaRPr dirty="0"/>
+          </a:p>
+          <a:p>
+            <a:pPr>
+              <a:defRPr sz="1800" b="0"/>
+            </a:pPr>
+            <a:endParaRPr dirty="0"/>
+          </a:p>
           <a:p>
             <a:pPr>
               <a:defRPr sz="2000" b="1">
@@ -5889,155 +6128,107 @@
               </a:defRPr>
             </a:pPr>
             <a:r>
-              <a:t>Chrome / Edge:</a:t>
+              <a:rPr dirty="0"/>
+              <a:t>Record the network name (SSID)</a:t>
+            </a:r>
+            <a:r>
+              <a:rPr lang="en-US" dirty="0"/>
+              <a:t> and Password</a:t>
+            </a:r>
+            <a:r>
+              <a:rPr dirty="0"/>
+              <a:t>:</a:t>
             </a:r>
           </a:p>
           <a:p>
             <a:pPr lvl="1">
-              <a:defRPr sz="1600" b="0"/>
-            </a:pPr>
-            <a:r>
-              <a:t>Menu → Settings</a:t>
-            </a:r>
+              <a:defRPr sz="1800" b="0"/>
+            </a:pPr>
+            <a:r>
+              <a:rPr dirty="0"/>
+              <a:t>Network: _______________________</a:t>
+            </a:r>
+            <a:endParaRPr lang="en-US" dirty="0"/>
           </a:p>
           <a:p>
             <a:pPr lvl="1">
-              <a:defRPr sz="1600" b="0"/>
-            </a:pPr>
-            <a:r>
-              <a:t>Turn on sync</a:t>
-            </a:r>
-          </a:p>
-          <a:p>
-            <a:pPr lvl="1">
-              <a:defRPr sz="1600" b="0"/>
-            </a:pPr>
-            <a:r>
-              <a:t>Sign in with INGINC.com</a:t>
+              <a:defRPr sz="1800" b="0"/>
+            </a:pPr>
+            <a:r>
+              <a:rPr lang="en-US" dirty="0"/>
+              <a:t>Password: _______________________</a:t>
             </a:r>
           </a:p>
           <a:p>
             <a:pPr>
               <a:defRPr sz="1800" b="0"/>
             </a:pPr>
+            <a:endParaRPr lang="en-US" dirty="0"/>
+          </a:p>
+          <a:p>
+            <a:pPr algn="ctr">
+              <a:defRPr sz="1800" b="0"/>
+            </a:pPr>
+            <a:r>
+              <a:rPr lang="en-US" sz="1100" dirty="0"/>
+              <a:t>💡 Why this matters: You'll need to reconnect during device setup (OOBE). Having the exact network name ensures smooth reconnection.</a:t>
+            </a:r>
           </a:p>
           <a:p>
             <a:pPr>
-              <a:defRPr sz="2000" b="1">
-                <a:solidFill>
-                  <a:srgbClr val="0078D4"/>
-                </a:solidFill>
-              </a:defRPr>
-            </a:pPr>
-            <a:r>
-              <a:t>Export bookmarks:</a:t>
-            </a:r>
-          </a:p>
-          <a:p>
-            <a:pPr lvl="1">
-              <a:defRPr sz="1600" b="0"/>
-            </a:pPr>
-            <a:r>
-              <a:t>Menu → Bookmarks → Export</a:t>
-            </a:r>
-          </a:p>
-          <a:p>
-            <a:pPr lvl="1">
-              <a:defRPr sz="1600" b="0"/>
-            </a:pPr>
-            <a:r>
-              <a:t>Save to OneDrive Documents</a:t>
-            </a:r>
-          </a:p>
-        </p:txBody>
-      </p:sp>
-      <p:sp>
-        <p:nvSpPr>
-          <p:cNvPr id="4" name="TextBox 3"/>
-          <p:cNvSpPr txBox="1"/>
+              <a:defRPr sz="1800" b="0"/>
+            </a:pPr>
+            <a:endParaRPr lang="en-US" dirty="0"/>
+          </a:p>
+        </p:txBody>
+      </p:sp>
+      <p:pic>
+        <p:nvPicPr>
+          <p:cNvPr id="3074" name="Picture 2" descr="Wifi Signal Icon Wireless Symbol Connection. Web Network ...">
+            <a:extLst>
+              <a:ext uri="{FF2B5EF4-FFF2-40B4-BE49-F238E27FC236}">
+                <a16:creationId xmlns:a16="http://schemas.microsoft.com/office/drawing/2014/main" id="{0F1E6619-668F-741B-E27A-D04847D2BC13}"/>
+              </a:ext>
+            </a:extLst>
+          </p:cNvPr>
+          <p:cNvPicPr>
+            <a:picLocks noChangeAspect="1" noChangeArrowheads="1"/>
+          </p:cNvPicPr>
           <p:nvPr/>
-        </p:nvSpPr>
-        <p:spPr>
+        </p:nvPicPr>
+        <p:blipFill>
+          <a:blip r:embed="rId3">
+            <a:extLst>
+              <a:ext uri="{28A0092B-C50C-407E-A947-70E740481C1C}">
+                <a14:useLocalDpi xmlns:a14="http://schemas.microsoft.com/office/drawing/2010/main" val="0"/>
+              </a:ext>
+            </a:extLst>
+          </a:blip>
+          <a:srcRect/>
+          <a:stretch>
+            <a:fillRect/>
+          </a:stretch>
+        </p:blipFill>
+        <p:spPr bwMode="auto">
           <a:xfrm>
-            <a:off x="4754880" y="1097280"/>
-            <a:ext cx="3657600" cy="3200400"/>
+            <a:off x="7772400" y="3766801"/>
+            <a:ext cx="1371600" cy="1376699"/>
           </a:xfrm>
           <a:prstGeom prst="rect">
             <a:avLst/>
           </a:prstGeom>
           <a:noFill/>
+          <a:extLst>
+            <a:ext uri="{909E8E84-426E-40DD-AFC4-6F175D3DCCD1}">
+              <a14:hiddenFill xmlns:a14="http://schemas.microsoft.com/office/drawing/2010/main">
+                <a:solidFill>
+                  <a:srgbClr val="FFFFFF"/>
+                </a:solidFill>
+              </a14:hiddenFill>
+            </a:ext>
+          </a:extLst>
         </p:spPr>
-        <p:txBody>
-          <a:bodyPr wrap="square">
-            <a:spAutoFit/>
-          </a:bodyPr>
-          <a:lstStyle/>
-          <a:p/>
-          <a:p>
-            <a:pPr>
-              <a:defRPr sz="2000" b="1">
-                <a:solidFill>
-                  <a:srgbClr val="0078D4"/>
-                </a:solidFill>
-              </a:defRPr>
-            </a:pPr>
-            <a:r>
-              <a:t>Export passwords:</a:t>
-            </a:r>
-          </a:p>
-          <a:p>
-            <a:pPr lvl="1">
-              <a:defRPr sz="1600" b="0"/>
-            </a:pPr>
-            <a:r>
-              <a:t>Settings → Passwords → Export</a:t>
-            </a:r>
-          </a:p>
-          <a:p>
-            <a:pPr lvl="1">
-              <a:defRPr sz="1600" b="0"/>
-            </a:pPr>
-            <a:r>
-              <a:t>Save CSV to OneDrive Documents</a:t>
-            </a:r>
-          </a:p>
-        </p:txBody>
-      </p:sp>
-      <p:sp>
-        <p:nvSpPr>
-          <p:cNvPr id="5" name="TextBox 4"/>
-          <p:cNvSpPr txBox="1"/>
-          <p:nvPr/>
-        </p:nvSpPr>
-        <p:spPr>
-          <a:xfrm>
-            <a:off x="1371600" y="4389120"/>
-            <a:ext cx="6400800" cy="457200"/>
-          </a:xfrm>
-          <a:prstGeom prst="rect">
-            <a:avLst/>
-          </a:prstGeom>
-          <a:noFill/>
-        </p:spPr>
-        <p:txBody>
-          <a:bodyPr wrap="none">
-            <a:spAutoFit/>
-          </a:bodyPr>
-          <a:lstStyle/>
-          <a:p>
-            <a:pPr algn="ctr">
-              <a:defRPr sz="1400">
-                <a:solidFill>
-                  <a:srgbClr val="FFB900"/>
-                </a:solidFill>
-              </a:defRPr>
-            </a:pPr>
-            <a:r>
-              <a:t>⚠️ Delete password CSV files after restoration is confirmed</a:t>
-            </a:r>
-          </a:p>
-        </p:txBody>
-      </p:sp>
+      </p:pic>
     </p:spTree>
   </p:cSld>
   <p:clrMapOvr>
@@ -6046,8 +6237,8 @@
 </p:sld>
 </file>
 
-<file path=ppt/slides/slide5.xml><?xml version="1.0" encoding="utf-8"?>
-<p:sld xmlns:a="http://schemas.openxmlformats.org/drawingml/2006/main" xmlns:p="http://schemas.openxmlformats.org/presentationml/2006/main" xmlns:r="http://schemas.openxmlformats.org/officeDocument/2006/relationships">
+<file path=ppt/slides/slide7.xml><?xml version="1.0" encoding="utf-8"?>
+<p:sld xmlns:a="http://schemas.openxmlformats.org/drawingml/2006/main" xmlns:r="http://schemas.openxmlformats.org/officeDocument/2006/relationships" xmlns:p="http://schemas.openxmlformats.org/presentationml/2006/main">
   <p:cSld>
     <p:spTree>
       <p:nvGrpSpPr>
@@ -6055,7 +6246,14 @@
         <p:cNvGrpSpPr/>
         <p:nvPr/>
       </p:nvGrpSpPr>
-      <p:grpSpPr/>
+      <p:grpSpPr>
+        <a:xfrm>
+          <a:off x="0" y="0"/>
+          <a:ext cx="0" cy="0"/>
+          <a:chOff x="0" y="0"/>
+          <a:chExt cx="0" cy="0"/>
+        </a:xfrm>
+      </p:grpSpPr>
       <p:sp>
         <p:nvSpPr>
           <p:cNvPr id="2" name="TextBox 1"/>
@@ -6086,7 +6284,7 @@
               </a:defRPr>
             </a:pPr>
             <a:r>
-              <a:t>Step 3: Printer Configuration</a:t>
+              <a:t>Step 5: Outlook Data Files (OST/PST)</a:t>
             </a:r>
           </a:p>
         </p:txBody>
@@ -6099,8 +6297,8 @@
         </p:nvSpPr>
         <p:spPr>
           <a:xfrm>
-            <a:off x="1828800" y="1371600"/>
-            <a:ext cx="5486400" cy="2743200"/>
+            <a:off x="1371600" y="1645920"/>
+            <a:ext cx="6400800" cy="548640"/>
           </a:xfrm>
           <a:prstGeom prst="rect">
             <a:avLst/>
@@ -6108,62 +6306,261 @@
           <a:noFill/>
         </p:spPr>
         <p:txBody>
+          <a:bodyPr wrap="none">
+            <a:spAutoFit/>
+          </a:bodyPr>
+          <a:lstStyle/>
+          <a:p>
+            <a:pPr algn="ctr">
+              <a:defRPr sz="1600" b="1">
+                <a:solidFill>
+                  <a:srgbClr val="D13438"/>
+                </a:solidFill>
+              </a:defRPr>
+            </a:pPr>
+            <a:r>
+              <a:t>⚠️ PST files are NOT backed up by OneDrive automatically</a:t>
+            </a:r>
+          </a:p>
+        </p:txBody>
+      </p:sp>
+      <p:sp>
+        <p:nvSpPr>
+          <p:cNvPr id="4" name="TextBox 3"/>
+          <p:cNvSpPr txBox="1"/>
+          <p:nvPr/>
+        </p:nvSpPr>
+        <p:spPr>
+          <a:xfrm>
+            <a:off x="67586" y="1920240"/>
+            <a:ext cx="6400800" cy="3416320"/>
+          </a:xfrm>
+          <a:prstGeom prst="rect">
+            <a:avLst/>
+          </a:prstGeom>
+          <a:noFill/>
+        </p:spPr>
+        <p:txBody>
           <a:bodyPr wrap="square">
             <a:spAutoFit/>
           </a:bodyPr>
           <a:lstStyle/>
-          <a:p/>
-          <a:p>
-            <a:pPr>
-              <a:defRPr sz="2200" b="1">
+          <a:p>
+            <a:pPr marL="342900" indent="-342900">
+              <a:buFont typeface="+mj-lt"/>
+              <a:buAutoNum type="arabicPeriod"/>
+              <a:defRPr sz="1800" b="0"/>
+            </a:pPr>
+            <a:r>
+              <a:rPr lang="en-US" dirty="0"/>
+              <a:t>Open Outlook </a:t>
+            </a:r>
+          </a:p>
+          <a:p>
+            <a:pPr marL="342900" indent="-342900">
+              <a:buFont typeface="+mj-lt"/>
+              <a:buAutoNum type="arabicPeriod"/>
+              <a:defRPr sz="1800" b="0"/>
+            </a:pPr>
+            <a:r>
+              <a:rPr lang="en-US" dirty="0"/>
+              <a:t>Click on “Home”</a:t>
+            </a:r>
+          </a:p>
+          <a:p>
+            <a:pPr marL="342900" indent="-342900">
+              <a:buFont typeface="+mj-lt"/>
+              <a:buAutoNum type="arabicPeriod"/>
+              <a:defRPr sz="1800" b="0"/>
+            </a:pPr>
+            <a:r>
+              <a:rPr lang="en-US" dirty="0"/>
+              <a:t>Click on “Account Settings”</a:t>
+            </a:r>
+          </a:p>
+          <a:p>
+            <a:pPr marL="342900" indent="-342900">
+              <a:buFont typeface="+mj-lt"/>
+              <a:buAutoNum type="arabicPeriod"/>
+              <a:defRPr sz="1800" b="0"/>
+            </a:pPr>
+            <a:r>
+              <a:rPr lang="en-US" dirty="0"/>
+              <a:t>Click on the “Data Files” Tab</a:t>
+            </a:r>
+            <a:endParaRPr dirty="0"/>
+          </a:p>
+          <a:p>
+            <a:pPr marL="342900" indent="-342900">
+              <a:buFont typeface="+mj-lt"/>
+              <a:buAutoNum type="arabicPeriod"/>
+              <a:defRPr sz="1800" b="0">
                 <a:solidFill>
                   <a:srgbClr val="0078D4"/>
                 </a:solidFill>
               </a:defRPr>
             </a:pPr>
             <a:r>
-              <a:t>Open Settings → Devices → Printers &amp; scanners</a:t>
+              <a:rPr lang="en-US" dirty="0">
+                <a:solidFill>
+                  <a:srgbClr val="FF0000"/>
+                </a:solidFill>
+              </a:rPr>
+              <a:t>If there are any items listed</a:t>
+            </a:r>
+          </a:p>
+          <a:p>
+            <a:pPr marL="742950" lvl="1" indent="-285750">
+              <a:buFontTx/>
+              <a:buChar char="-"/>
+              <a:defRPr sz="1800" b="0">
+                <a:solidFill>
+                  <a:srgbClr val="0078D4"/>
+                </a:solidFill>
+              </a:defRPr>
+            </a:pPr>
+            <a:r>
+              <a:rPr lang="en-US" dirty="0"/>
+              <a:t>Click on “Open File Location”</a:t>
+            </a:r>
+          </a:p>
+          <a:p>
+            <a:pPr marL="742950" lvl="1" indent="-285750">
+              <a:buFontTx/>
+              <a:buChar char="-"/>
+              <a:defRPr sz="1800" b="0">
+                <a:solidFill>
+                  <a:srgbClr val="0078D4"/>
+                </a:solidFill>
+              </a:defRPr>
+            </a:pPr>
+            <a:r>
+              <a:rPr lang="en-US" dirty="0"/>
+              <a:t>Select all Files </a:t>
+            </a:r>
+          </a:p>
+          <a:p>
+            <a:pPr marL="742950" lvl="1" indent="-285750">
+              <a:buFontTx/>
+              <a:buChar char="-"/>
+              <a:defRPr sz="1800" b="0">
+                <a:solidFill>
+                  <a:srgbClr val="0078D4"/>
+                </a:solidFill>
+              </a:defRPr>
+            </a:pPr>
+            <a:r>
+              <a:rPr lang="en-US" dirty="0"/>
+              <a:t>Right-click → Cut → OneDrive Documents</a:t>
+            </a:r>
+          </a:p>
+          <a:p>
+            <a:pPr>
+              <a:defRPr sz="1800" b="0">
+                <a:solidFill>
+                  <a:srgbClr val="0078D4"/>
+                </a:solidFill>
+              </a:defRPr>
+            </a:pPr>
+            <a:endParaRPr dirty="0"/>
+          </a:p>
+          <a:p>
+            <a:pPr>
+              <a:defRPr sz="1800" b="0">
+                <a:solidFill>
+                  <a:srgbClr val="107C10"/>
+                </a:solidFill>
+              </a:defRPr>
+            </a:pPr>
+            <a:r>
+              <a:rPr dirty="0"/>
+              <a:t>OST files (.</a:t>
+            </a:r>
+            <a:r>
+              <a:rPr dirty="0" err="1"/>
+              <a:t>ost</a:t>
+            </a:r>
+            <a:r>
+              <a:rPr dirty="0"/>
+              <a:t>) - No action needed (will be recreated)</a:t>
+            </a:r>
+          </a:p>
+          <a:p>
+            <a:pPr>
+              <a:defRPr sz="1800" b="1">
+                <a:solidFill>
+                  <a:srgbClr val="D13438"/>
+                </a:solidFill>
+              </a:defRPr>
+            </a:pPr>
+            <a:r>
+              <a:rPr dirty="0"/>
+              <a:t>PST files (.</a:t>
+            </a:r>
+            <a:r>
+              <a:rPr dirty="0" err="1"/>
+              <a:t>pst</a:t>
+            </a:r>
+            <a:r>
+              <a:rPr dirty="0"/>
+              <a:t>) - MUST be copied to OneDrive Documents</a:t>
             </a:r>
           </a:p>
           <a:p>
             <a:pPr>
               <a:defRPr sz="1800" b="0"/>
             </a:pPr>
-          </a:p>
-          <a:p>
-            <a:pPr>
-              <a:defRPr sz="2000" b="0"/>
-            </a:pPr>
-            <a:r>
-              <a:t>Take screenshot of all mapped printers:</a:t>
-            </a:r>
-          </a:p>
-          <a:p>
-            <a:pPr lvl="1">
-              <a:defRPr sz="1800" b="0"/>
-            </a:pPr>
-            <a:r>
-              <a:t>Press Win + Shift + S</a:t>
-            </a:r>
-          </a:p>
-          <a:p>
-            <a:pPr lvl="1">
-              <a:defRPr sz="1800" b="0"/>
-            </a:pPr>
-            <a:r>
-              <a:t>Select entire printer list</a:t>
-            </a:r>
-          </a:p>
-          <a:p>
-            <a:pPr lvl="1">
-              <a:defRPr sz="1800" b="0"/>
-            </a:pPr>
-            <a:r>
-              <a:t>Save to OneDrive &gt; Documents &gt; PrinterBackup.png</a:t>
-            </a:r>
-          </a:p>
-        </p:txBody>
-      </p:sp>
+            <a:endParaRPr dirty="0"/>
+          </a:p>
+        </p:txBody>
+      </p:sp>
+      <p:pic>
+        <p:nvPicPr>
+          <p:cNvPr id="2052" name="Picture 4" descr="Search PST File in Outlook 2021, 2019, 2016, 2013 (Top Ways)">
+            <a:extLst>
+              <a:ext uri="{FF2B5EF4-FFF2-40B4-BE49-F238E27FC236}">
+                <a16:creationId xmlns:a16="http://schemas.microsoft.com/office/drawing/2014/main" id="{B7029386-0222-0BE6-0924-338AAAD8552A}"/>
+              </a:ext>
+            </a:extLst>
+          </p:cNvPr>
+          <p:cNvPicPr>
+            <a:picLocks noChangeAspect="1" noChangeArrowheads="1"/>
+          </p:cNvPicPr>
+          <p:nvPr/>
+        </p:nvPicPr>
+        <p:blipFill>
+          <a:blip r:embed="rId3">
+            <a:extLst>
+              <a:ext uri="{28A0092B-C50C-407E-A947-70E740481C1C}">
+                <a14:useLocalDpi xmlns:a14="http://schemas.microsoft.com/office/drawing/2010/main" val="0"/>
+              </a:ext>
+            </a:extLst>
+          </a:blip>
+          <a:srcRect/>
+          <a:stretch>
+            <a:fillRect/>
+          </a:stretch>
+        </p:blipFill>
+        <p:spPr bwMode="auto">
+          <a:xfrm>
+            <a:off x="5684996" y="1645920"/>
+            <a:ext cx="4174808" cy="3117395"/>
+          </a:xfrm>
+          <a:prstGeom prst="rect">
+            <a:avLst/>
+          </a:prstGeom>
+          <a:noFill/>
+          <a:extLst>
+            <a:ext uri="{909E8E84-426E-40DD-AFC4-6F175D3DCCD1}">
+              <a14:hiddenFill xmlns:a14="http://schemas.microsoft.com/office/drawing/2010/main">
+                <a:solidFill>
+                  <a:srgbClr val="FFFFFF"/>
+                </a:solidFill>
+              </a14:hiddenFill>
+            </a:ext>
+          </a:extLst>
+        </p:spPr>
+      </p:pic>
     </p:spTree>
   </p:cSld>
   <p:clrMapOvr>
@@ -6172,8 +6569,8 @@
 </p:sld>
 </file>
 
-<file path=ppt/slides/slide6.xml><?xml version="1.0" encoding="utf-8"?>
-<p:sld xmlns:a="http://schemas.openxmlformats.org/drawingml/2006/main" xmlns:p="http://schemas.openxmlformats.org/presentationml/2006/main" xmlns:r="http://schemas.openxmlformats.org/officeDocument/2006/relationships">
+<file path=ppt/slides/slide8.xml><?xml version="1.0" encoding="utf-8"?>
+<p:sld xmlns:a="http://schemas.openxmlformats.org/drawingml/2006/main" xmlns:r="http://schemas.openxmlformats.org/officeDocument/2006/relationships" xmlns:p="http://schemas.openxmlformats.org/presentationml/2006/main">
   <p:cSld>
     <p:spTree>
       <p:nvGrpSpPr>
@@ -6181,7 +6578,14 @@
         <p:cNvGrpSpPr/>
         <p:nvPr/>
       </p:nvGrpSpPr>
-      <p:grpSpPr/>
+      <p:grpSpPr>
+        <a:xfrm>
+          <a:off x="0" y="0"/>
+          <a:ext cx="0" cy="0"/>
+          <a:chOff x="0" y="0"/>
+          <a:chExt cx="0" cy="0"/>
+        </a:xfrm>
+      </p:grpSpPr>
       <p:sp>
         <p:nvSpPr>
           <p:cNvPr id="2" name="TextBox 1"/>
@@ -6212,7 +6616,7 @@
               </a:defRPr>
             </a:pPr>
             <a:r>
-              <a:t>Step 4: WiFi Network Documentation</a:t>
+              <a:t>Step 6: iOS Backup Verification</a:t>
             </a:r>
           </a:p>
         </p:txBody>
@@ -6225,8 +6629,8 @@
         </p:nvSpPr>
         <p:spPr>
           <a:xfrm>
-            <a:off x="1828800" y="1371600"/>
-            <a:ext cx="5486400" cy="2286000"/>
+            <a:off x="914400" y="1371600"/>
+            <a:ext cx="7315200" cy="2616101"/>
           </a:xfrm>
           <a:prstGeom prst="rect">
             <a:avLst/>
@@ -6238,19 +6642,8 @@
             <a:spAutoFit/>
           </a:bodyPr>
           <a:lstStyle/>
-          <a:p/>
-          <a:p>
-            <a:pPr>
-              <a:defRPr sz="2000" b="0"/>
-            </a:pPr>
-            <a:r>
-              <a:t>Click WiFi icon in system tray (bottom right)</a:t>
-            </a:r>
-          </a:p>
-          <a:p>
-            <a:pPr>
-              <a:defRPr sz="1800" b="0"/>
-            </a:pPr>
+          <a:p>
+            <a:endParaRPr dirty="0"/>
           </a:p>
           <a:p>
             <a:pPr>
@@ -6261,368 +6654,65 @@
               </a:defRPr>
             </a:pPr>
             <a:r>
-              <a:t>Record the network name (SSID):</a:t>
-            </a:r>
-          </a:p>
-          <a:p>
-            <a:pPr lvl="1">
-              <a:defRPr sz="1800" b="0"/>
-            </a:pPr>
-            <a:r>
-              <a:t>Network: _______________________</a:t>
-            </a:r>
-          </a:p>
-        </p:txBody>
-      </p:sp>
-      <p:sp>
-        <p:nvSpPr>
-          <p:cNvPr id="4" name="TextBox 3"/>
-          <p:cNvSpPr txBox="1"/>
-          <p:nvPr/>
-        </p:nvSpPr>
-        <p:spPr>
-          <a:xfrm>
-            <a:off x="1371600" y="3657600"/>
-            <a:ext cx="6400800" cy="914400"/>
-          </a:xfrm>
-          <a:prstGeom prst="rect">
-            <a:avLst/>
-          </a:prstGeom>
-          <a:noFill/>
-        </p:spPr>
-        <p:txBody>
-          <a:bodyPr wrap="square">
-            <a:spAutoFit/>
-          </a:bodyPr>
-          <a:lstStyle/>
-          <a:p>
-            <a:pPr algn="ctr">
-              <a:defRPr sz="1400">
-                <a:solidFill>
-                  <a:srgbClr val="0078D4"/>
-                </a:solidFill>
-              </a:defRPr>
-            </a:pPr>
-            <a:r>
-              <a:t>💡 Why this matters: You'll need to reconnect during device setup (OOBE). Having the exact network name ensures smooth reconnection.</a:t>
-            </a:r>
-          </a:p>
-        </p:txBody>
-      </p:sp>
-    </p:spTree>
-  </p:cSld>
-  <p:clrMapOvr>
-    <a:masterClrMapping/>
-  </p:clrMapOvr>
-</p:sld>
-</file>
-
-<file path=ppt/slides/slide7.xml><?xml version="1.0" encoding="utf-8"?>
-<p:sld xmlns:a="http://schemas.openxmlformats.org/drawingml/2006/main" xmlns:p="http://schemas.openxmlformats.org/presentationml/2006/main" xmlns:r="http://schemas.openxmlformats.org/officeDocument/2006/relationships">
-  <p:cSld>
-    <p:spTree>
-      <p:nvGrpSpPr>
-        <p:cNvPr id="1" name=""/>
-        <p:cNvGrpSpPr/>
-        <p:nvPr/>
-      </p:nvGrpSpPr>
-      <p:grpSpPr/>
-      <p:sp>
-        <p:nvSpPr>
-          <p:cNvPr id="2" name="TextBox 1"/>
-          <p:cNvSpPr txBox="1"/>
-          <p:nvPr/>
-        </p:nvSpPr>
-        <p:spPr>
-          <a:xfrm>
-            <a:off x="914400" y="274320"/>
-            <a:ext cx="7315200" cy="914400"/>
-          </a:xfrm>
-          <a:prstGeom prst="rect">
-            <a:avLst/>
-          </a:prstGeom>
-          <a:noFill/>
-        </p:spPr>
-        <p:txBody>
-          <a:bodyPr wrap="square">
-            <a:spAutoFit/>
-          </a:bodyPr>
-          <a:lstStyle/>
-          <a:p>
-            <a:pPr algn="ctr">
-              <a:defRPr sz="4400" b="1">
-                <a:solidFill>
-                  <a:srgbClr val="0078D4"/>
-                </a:solidFill>
-              </a:defRPr>
-            </a:pPr>
-            <a:r>
-              <a:t>Step 5: Outlook Data Files (OST/PST)</a:t>
-            </a:r>
-          </a:p>
-        </p:txBody>
-      </p:sp>
-      <p:sp>
-        <p:nvSpPr>
-          <p:cNvPr id="3" name="TextBox 2"/>
-          <p:cNvSpPr txBox="1"/>
-          <p:nvPr/>
-        </p:nvSpPr>
-        <p:spPr>
-          <a:xfrm>
-            <a:off x="1371600" y="914400"/>
-            <a:ext cx="6400800" cy="548640"/>
-          </a:xfrm>
-          <a:prstGeom prst="rect">
-            <a:avLst/>
-          </a:prstGeom>
-          <a:noFill/>
-        </p:spPr>
-        <p:txBody>
-          <a:bodyPr wrap="none">
-            <a:spAutoFit/>
-          </a:bodyPr>
-          <a:lstStyle/>
-          <a:p>
-            <a:pPr algn="ctr">
-              <a:defRPr sz="1600" b="1">
-                <a:solidFill>
-                  <a:srgbClr val="D13438"/>
-                </a:solidFill>
-              </a:defRPr>
-            </a:pPr>
-            <a:r>
-              <a:t>⚠️ PST files are NOT backed up by OneDrive automatically</a:t>
-            </a:r>
-          </a:p>
-        </p:txBody>
-      </p:sp>
-      <p:sp>
-        <p:nvSpPr>
-          <p:cNvPr id="4" name="TextBox 3"/>
-          <p:cNvSpPr txBox="1"/>
-          <p:nvPr/>
-        </p:nvSpPr>
-        <p:spPr>
-          <a:xfrm>
-            <a:off x="1371600" y="1645920"/>
-            <a:ext cx="6400800" cy="2560320"/>
-          </a:xfrm>
-          <a:prstGeom prst="rect">
-            <a:avLst/>
-          </a:prstGeom>
-          <a:noFill/>
-        </p:spPr>
-        <p:txBody>
-          <a:bodyPr wrap="square">
-            <a:spAutoFit/>
-          </a:bodyPr>
-          <a:lstStyle/>
-          <a:p/>
+              <a:rPr dirty="0"/>
+              <a:t>If user has iPhone or iPad:</a:t>
+            </a:r>
+          </a:p>
           <a:p>
             <a:pPr>
               <a:defRPr sz="1800" b="0"/>
             </a:pPr>
-            <a:r>
-              <a:t>Open File Explorer</a:t>
+            <a:endParaRPr dirty="0"/>
+          </a:p>
+          <a:p>
+            <a:pPr marL="800100" lvl="1" indent="-342900">
+              <a:buFont typeface="+mj-lt"/>
+              <a:buAutoNum type="arabicPeriod"/>
+              <a:defRPr sz="1800" b="0"/>
+            </a:pPr>
+            <a:r>
+              <a:rPr dirty="0"/>
+              <a:t>Connect iOS device via USB cable</a:t>
+            </a:r>
+          </a:p>
+          <a:p>
+            <a:pPr marL="800100" lvl="1" indent="-342900">
+              <a:buFont typeface="+mj-lt"/>
+              <a:buAutoNum type="arabicPeriod"/>
+              <a:defRPr sz="1800" b="0"/>
+            </a:pPr>
+            <a:r>
+              <a:rPr dirty="0"/>
+              <a:t>Open Apple Devices app from Microsoft Store</a:t>
+            </a:r>
+          </a:p>
+          <a:p>
+            <a:pPr marL="800100" lvl="1" indent="-342900">
+              <a:buFont typeface="+mj-lt"/>
+              <a:buAutoNum type="arabicPeriod"/>
+              <a:defRPr sz="1800" b="0"/>
+            </a:pPr>
+            <a:r>
+              <a:rPr dirty="0"/>
+              <a:t>Check backup status - verify recent backup exists</a:t>
+            </a:r>
+          </a:p>
+          <a:p>
+            <a:pPr marL="800100" lvl="1" indent="-342900">
+              <a:buFont typeface="+mj-lt"/>
+              <a:buAutoNum type="arabicPeriod"/>
+              <a:defRPr sz="1800" b="0"/>
+            </a:pPr>
+            <a:r>
+              <a:rPr dirty="0"/>
+              <a:t>If no backup: Click 'Back Up Now'</a:t>
             </a:r>
           </a:p>
           <a:p>
             <a:pPr>
               <a:defRPr sz="1800" b="0"/>
             </a:pPr>
-            <a:r>
-              <a:t>Paste into address bar: %LOCALAPPDATA%\Microsoft\Outlook</a:t>
-            </a:r>
-          </a:p>
-          <a:p>
-            <a:pPr>
-              <a:defRPr sz="1800" b="0"/>
-            </a:pPr>
-          </a:p>
-          <a:p>
-            <a:pPr>
-              <a:defRPr sz="1800" b="0">
-                <a:solidFill>
-                  <a:srgbClr val="107C10"/>
-                </a:solidFill>
-              </a:defRPr>
-            </a:pPr>
-            <a:r>
-              <a:t>OST files (.ost) - No action needed (will be recreated)</a:t>
-            </a:r>
-          </a:p>
-          <a:p>
-            <a:pPr>
-              <a:defRPr sz="1800" b="1">
-                <a:solidFill>
-                  <a:srgbClr val="D13438"/>
-                </a:solidFill>
-              </a:defRPr>
-            </a:pPr>
-            <a:r>
-              <a:t>PST files (.pst) - MUST be copied to OneDrive Documents</a:t>
-            </a:r>
-          </a:p>
-          <a:p>
-            <a:pPr>
-              <a:defRPr sz="1800" b="0"/>
-            </a:pPr>
-          </a:p>
-          <a:p>
-            <a:pPr>
-              <a:defRPr sz="1800" b="0">
-                <a:solidFill>
-                  <a:srgbClr val="0078D4"/>
-                </a:solidFill>
-              </a:defRPr>
-            </a:pPr>
-            <a:r>
-              <a:t>If PST files exist: Right-click → Copy → OneDrive Documents</a:t>
-            </a:r>
-          </a:p>
-          <a:p>
-            <a:pPr>
-              <a:defRPr sz="1800" b="0">
-                <a:solidFill>
-                  <a:srgbClr val="0078D4"/>
-                </a:solidFill>
-              </a:defRPr>
-            </a:pPr>
-            <a:r>
-              <a:t>Verify in portal.office.com → OneDrive → Documents</a:t>
-            </a:r>
-          </a:p>
-        </p:txBody>
-      </p:sp>
-    </p:spTree>
-  </p:cSld>
-  <p:clrMapOvr>
-    <a:masterClrMapping/>
-  </p:clrMapOvr>
-</p:sld>
-</file>
-
-<file path=ppt/slides/slide8.xml><?xml version="1.0" encoding="utf-8"?>
-<p:sld xmlns:a="http://schemas.openxmlformats.org/drawingml/2006/main" xmlns:p="http://schemas.openxmlformats.org/presentationml/2006/main" xmlns:r="http://schemas.openxmlformats.org/officeDocument/2006/relationships">
-  <p:cSld>
-    <p:spTree>
-      <p:nvGrpSpPr>
-        <p:cNvPr id="1" name=""/>
-        <p:cNvGrpSpPr/>
-        <p:nvPr/>
-      </p:nvGrpSpPr>
-      <p:grpSpPr/>
-      <p:sp>
-        <p:nvSpPr>
-          <p:cNvPr id="2" name="TextBox 1"/>
-          <p:cNvSpPr txBox="1"/>
-          <p:nvPr/>
-        </p:nvSpPr>
-        <p:spPr>
-          <a:xfrm>
-            <a:off x="914400" y="274320"/>
-            <a:ext cx="7315200" cy="914400"/>
-          </a:xfrm>
-          <a:prstGeom prst="rect">
-            <a:avLst/>
-          </a:prstGeom>
-          <a:noFill/>
-        </p:spPr>
-        <p:txBody>
-          <a:bodyPr wrap="square">
-            <a:spAutoFit/>
-          </a:bodyPr>
-          <a:lstStyle/>
-          <a:p>
-            <a:pPr algn="ctr">
-              <a:defRPr sz="4400" b="1">
-                <a:solidFill>
-                  <a:srgbClr val="0078D4"/>
-                </a:solidFill>
-              </a:defRPr>
-            </a:pPr>
-            <a:r>
-              <a:t>Step 6: iOS Backup Verification</a:t>
-            </a:r>
-          </a:p>
-        </p:txBody>
-      </p:sp>
-      <p:sp>
-        <p:nvSpPr>
-          <p:cNvPr id="3" name="TextBox 2"/>
-          <p:cNvSpPr txBox="1"/>
-          <p:nvPr/>
-        </p:nvSpPr>
-        <p:spPr>
-          <a:xfrm>
-            <a:off x="1828800" y="1371600"/>
-            <a:ext cx="5486400" cy="2743200"/>
-          </a:xfrm>
-          <a:prstGeom prst="rect">
-            <a:avLst/>
-          </a:prstGeom>
-          <a:noFill/>
-        </p:spPr>
-        <p:txBody>
-          <a:bodyPr wrap="square">
-            <a:spAutoFit/>
-          </a:bodyPr>
-          <a:lstStyle/>
-          <a:p/>
-          <a:p>
-            <a:pPr>
-              <a:defRPr sz="2000" b="1">
-                <a:solidFill>
-                  <a:srgbClr val="0078D4"/>
-                </a:solidFill>
-              </a:defRPr>
-            </a:pPr>
-            <a:r>
-              <a:t>If user has iPhone or iPad:</a:t>
-            </a:r>
-          </a:p>
-          <a:p>
-            <a:pPr>
-              <a:defRPr sz="1800" b="0"/>
-            </a:pPr>
-          </a:p>
-          <a:p>
-            <a:pPr lvl="1">
-              <a:defRPr sz="1800" b="0"/>
-            </a:pPr>
-            <a:r>
-              <a:t>Connect iOS device via USB cable</a:t>
-            </a:r>
-          </a:p>
-          <a:p>
-            <a:pPr lvl="1">
-              <a:defRPr sz="1800" b="0"/>
-            </a:pPr>
-            <a:r>
-              <a:t>Open Apple Devices app from Microsoft Store</a:t>
-            </a:r>
-          </a:p>
-          <a:p>
-            <a:pPr lvl="1">
-              <a:defRPr sz="1800" b="0"/>
-            </a:pPr>
-            <a:r>
-              <a:t>Check backup status - verify recent backup exists</a:t>
-            </a:r>
-          </a:p>
-          <a:p>
-            <a:pPr lvl="1">
-              <a:defRPr sz="1800" b="0"/>
-            </a:pPr>
-            <a:r>
-              <a:t>If no backup or &gt;48 hours old: Click 'Back Up Now'</a:t>
-            </a:r>
-          </a:p>
-          <a:p>
-            <a:pPr>
-              <a:defRPr sz="1800" b="0"/>
-            </a:pPr>
+            <a:endParaRPr dirty="0"/>
           </a:p>
           <a:p>
             <a:pPr>
@@ -6633,11 +6723,59 @@
               </a:defRPr>
             </a:pPr>
             <a:r>
+              <a:rPr dirty="0"/>
               <a:t>If no iOS device: Skip this step</a:t>
             </a:r>
           </a:p>
         </p:txBody>
       </p:sp>
+      <p:pic>
+        <p:nvPicPr>
+          <p:cNvPr id="1026" name="Picture 2">
+            <a:extLst>
+              <a:ext uri="{FF2B5EF4-FFF2-40B4-BE49-F238E27FC236}">
+                <a16:creationId xmlns:a16="http://schemas.microsoft.com/office/drawing/2014/main" id="{37111060-213A-E944-07E7-4F1078DDB321}"/>
+              </a:ext>
+            </a:extLst>
+          </p:cNvPr>
+          <p:cNvPicPr>
+            <a:picLocks noChangeAspect="1" noChangeArrowheads="1"/>
+          </p:cNvPicPr>
+          <p:nvPr/>
+        </p:nvPicPr>
+        <p:blipFill>
+          <a:blip r:embed="rId3">
+            <a:extLst>
+              <a:ext uri="{28A0092B-C50C-407E-A947-70E740481C1C}">
+                <a14:useLocalDpi xmlns:a14="http://schemas.microsoft.com/office/drawing/2010/main" val="0"/>
+              </a:ext>
+            </a:extLst>
+          </a:blip>
+          <a:srcRect/>
+          <a:stretch>
+            <a:fillRect/>
+          </a:stretch>
+        </p:blipFill>
+        <p:spPr bwMode="auto">
+          <a:xfrm>
+            <a:off x="7499350" y="1478942"/>
+            <a:ext cx="1460500" cy="1460500"/>
+          </a:xfrm>
+          <a:prstGeom prst="rect">
+            <a:avLst/>
+          </a:prstGeom>
+          <a:noFill/>
+          <a:extLst>
+            <a:ext uri="{909E8E84-426E-40DD-AFC4-6F175D3DCCD1}">
+              <a14:hiddenFill xmlns:a14="http://schemas.microsoft.com/office/drawing/2010/main">
+                <a:solidFill>
+                  <a:srgbClr val="FFFFFF"/>
+                </a:solidFill>
+              </a14:hiddenFill>
+            </a:ext>
+          </a:extLst>
+        </p:spPr>
+      </p:pic>
     </p:spTree>
   </p:cSld>
   <p:clrMapOvr>
@@ -6647,7 +6785,7 @@
 </file>
 
 <file path=ppt/slides/slide9.xml><?xml version="1.0" encoding="utf-8"?>
-<p:sld xmlns:a="http://schemas.openxmlformats.org/drawingml/2006/main" xmlns:p="http://schemas.openxmlformats.org/presentationml/2006/main" xmlns:r="http://schemas.openxmlformats.org/officeDocument/2006/relationships">
+<p:sld xmlns:a="http://schemas.openxmlformats.org/drawingml/2006/main" xmlns:r="http://schemas.openxmlformats.org/officeDocument/2006/relationships" xmlns:p="http://schemas.openxmlformats.org/presentationml/2006/main">
   <p:cSld>
     <p:spTree>
       <p:nvGrpSpPr>
@@ -6655,7 +6793,14 @@
         <p:cNvGrpSpPr/>
         <p:nvPr/>
       </p:nvGrpSpPr>
-      <p:grpSpPr/>
+      <p:grpSpPr>
+        <a:xfrm>
+          <a:off x="0" y="0"/>
+          <a:ext cx="0" cy="0"/>
+          <a:chOff x="0" y="0"/>
+          <a:chExt cx="0" cy="0"/>
+        </a:xfrm>
+      </p:grpSpPr>
       <p:sp>
         <p:nvSpPr>
           <p:cNvPr id="2" name="TextBox 1"/>
@@ -6665,7 +6810,7 @@
         <p:spPr>
           <a:xfrm>
             <a:off x="914400" y="274320"/>
-            <a:ext cx="7315200" cy="914400"/>
+            <a:ext cx="7315200" cy="769441"/>
           </a:xfrm>
           <a:prstGeom prst="rect">
             <a:avLst/>
@@ -6686,7 +6831,8 @@
               </a:defRPr>
             </a:pPr>
             <a:r>
-              <a:t>Phase 1 Checklist - Before Reset</a:t>
+              <a:rPr dirty="0"/>
+              <a:t>Phase 1 Checklist</a:t>
             </a:r>
           </a:p>
         </p:txBody>
@@ -6700,7 +6846,7 @@
         <p:spPr>
           <a:xfrm>
             <a:off x="1371600" y="1097280"/>
-            <a:ext cx="6400800" cy="3474720"/>
+            <a:ext cx="6400800" cy="2031325"/>
           </a:xfrm>
           <a:prstGeom prst="rect">
             <a:avLst/>
@@ -6712,23 +6858,6 @@
             <a:spAutoFit/>
           </a:bodyPr>
           <a:lstStyle/>
-          <a:p/>
-          <a:p>
-            <a:pPr>
-              <a:defRPr sz="1800" b="0"/>
-            </a:pPr>
-            <a:r>
-              <a:t>☐ OneDrive signed in with INGINC.com account</a:t>
-            </a:r>
-          </a:p>
-          <a:p>
-            <a:pPr>
-              <a:defRPr sz="1800" b="0"/>
-            </a:pPr>
-            <a:r>
-              <a:t>☐ Known Folder Backup enabled (Desktop, Documents, Pictures)</a:t>
-            </a:r>
-          </a:p>
           <a:p>
             <a:pPr>
               <a:defRPr sz="1800" b="1">
@@ -6738,54 +6867,98 @@
               </a:defRPr>
             </a:pPr>
             <a:r>
-              <a:t>☐ OneDrive sync complete (green checkmark ✓)</a:t>
+              <a:rPr lang="en-US" dirty="0"/>
+              <a:t>☐ OneDrive sync complete </a:t>
             </a:r>
           </a:p>
           <a:p>
             <a:pPr>
-              <a:defRPr sz="1800" b="0"/>
-            </a:pPr>
-            <a:r>
+              <a:defRPr sz="1800" b="1">
+                <a:solidFill>
+                  <a:srgbClr val="107C10"/>
+                </a:solidFill>
+              </a:defRPr>
+            </a:pPr>
+            <a:r>
+              <a:rPr dirty="0"/>
               <a:t>☐ Browser sync enabled</a:t>
             </a:r>
+            <a:endParaRPr lang="en-US" dirty="0"/>
           </a:p>
           <a:p>
             <a:pPr>
-              <a:defRPr sz="1800" b="0"/>
-            </a:pPr>
-            <a:r>
+              <a:defRPr sz="1800" b="1">
+                <a:solidFill>
+                  <a:srgbClr val="107C10"/>
+                </a:solidFill>
+              </a:defRPr>
+            </a:pPr>
+            <a:r>
+              <a:rPr dirty="0"/>
               <a:t>☐ Browser bookmarks/passwords exported to OneDrive</a:t>
             </a:r>
+            <a:endParaRPr lang="en-US" dirty="0"/>
           </a:p>
           <a:p>
             <a:pPr>
-              <a:defRPr sz="1800" b="0"/>
-            </a:pPr>
-            <a:r>
+              <a:defRPr sz="1800" b="1">
+                <a:solidFill>
+                  <a:srgbClr val="107C10"/>
+                </a:solidFill>
+              </a:defRPr>
+            </a:pPr>
+            <a:r>
+              <a:rPr dirty="0"/>
               <a:t>☐ Printer configuration screenshot saved</a:t>
             </a:r>
+            <a:endParaRPr lang="en-US" dirty="0"/>
           </a:p>
           <a:p>
             <a:pPr>
-              <a:defRPr sz="1800" b="0"/>
-            </a:pPr>
-            <a:r>
-              <a:t>☐ WiFi SSID recorded</a:t>
-            </a:r>
+              <a:defRPr sz="1800" b="1">
+                <a:solidFill>
+                  <a:srgbClr val="107C10"/>
+                </a:solidFill>
+              </a:defRPr>
+            </a:pPr>
+            <a:r>
+              <a:rPr dirty="0"/>
+              <a:t>☐ </a:t>
+            </a:r>
+            <a:r>
+              <a:rPr dirty="0" err="1"/>
+              <a:t>WiFi</a:t>
+            </a:r>
+            <a:r>
+              <a:rPr dirty="0"/>
+              <a:t> SSID recorded</a:t>
+            </a:r>
+            <a:endParaRPr lang="en-US" dirty="0"/>
           </a:p>
           <a:p>
             <a:pPr>
-              <a:defRPr sz="1800" b="0"/>
-            </a:pPr>
-            <a:r>
+              <a:defRPr sz="1800" b="1">
+                <a:solidFill>
+                  <a:srgbClr val="107C10"/>
+                </a:solidFill>
+              </a:defRPr>
+            </a:pPr>
+            <a:r>
+              <a:rPr dirty="0"/>
               <a:t>☐ Outlook PST files checked and moved (if applicable)</a:t>
             </a:r>
+            <a:endParaRPr lang="en-US" dirty="0"/>
           </a:p>
           <a:p>
             <a:pPr>
-              <a:defRPr sz="1800" b="0"/>
-            </a:pPr>
-            <a:r>
+              <a:defRPr sz="1800" b="1">
+                <a:solidFill>
+                  <a:srgbClr val="107C10"/>
+                </a:solidFill>
+              </a:defRPr>
+            </a:pPr>
+            <a:r>
+              <a:rPr dirty="0"/>
               <a:t>☐ iOS backup verified or created (if applicable)</a:t>
             </a:r>
           </a:p>
@@ -7165,44 +7338,44 @@
         <a:sysClr val="window" lastClr="FFFFFF"/>
       </a:lt1>
       <a:dk2>
-        <a:srgbClr val="1F497D"/>
+        <a:srgbClr val="0E2841"/>
       </a:dk2>
       <a:lt2>
-        <a:srgbClr val="EEECE1"/>
+        <a:srgbClr val="E8E8E8"/>
       </a:lt2>
       <a:accent1>
-        <a:srgbClr val="4F81BD"/>
+        <a:srgbClr val="156082"/>
       </a:accent1>
       <a:accent2>
-        <a:srgbClr val="C0504D"/>
+        <a:srgbClr val="E97132"/>
       </a:accent2>
       <a:accent3>
-        <a:srgbClr val="9BBB59"/>
+        <a:srgbClr val="196B24"/>
       </a:accent3>
       <a:accent4>
-        <a:srgbClr val="8064A2"/>
+        <a:srgbClr val="0F9ED5"/>
       </a:accent4>
       <a:accent5>
-        <a:srgbClr val="4BACC6"/>
+        <a:srgbClr val="A02B93"/>
       </a:accent5>
       <a:accent6>
-        <a:srgbClr val="F79646"/>
+        <a:srgbClr val="4EA72E"/>
       </a:accent6>
       <a:hlink>
-        <a:srgbClr val="0000FF"/>
+        <a:srgbClr val="467886"/>
       </a:hlink>
       <a:folHlink>
-        <a:srgbClr val="800080"/>
+        <a:srgbClr val="96607D"/>
       </a:folHlink>
     </a:clrScheme>
     <a:fontScheme name="Office">
       <a:majorFont>
-        <a:latin typeface="Calibri"/>
+        <a:latin typeface="Aptos Display" panose="02110004020202020204"/>
         <a:ea typeface=""/>
         <a:cs typeface=""/>
-        <a:font script="Jpan" typeface="ＭＳ Ｐゴシック"/>
+        <a:font script="Jpan" typeface="游ゴシック Light"/>
         <a:font script="Hang" typeface="맑은 고딕"/>
-        <a:font script="Hans" typeface="宋体"/>
+        <a:font script="Hans" typeface="等线 Light"/>
         <a:font script="Hant" typeface="新細明體"/>
         <a:font script="Arab" typeface="Times New Roman"/>
         <a:font script="Hebr" typeface="Times New Roman"/>
@@ -7230,14 +7403,31 @@
         <a:font script="Viet" typeface="Times New Roman"/>
         <a:font script="Uigh" typeface="Microsoft Uighur"/>
         <a:font script="Geor" typeface="Sylfaen"/>
+        <a:font script="Armn" typeface="Arial"/>
+        <a:font script="Bugi" typeface="Leelawadee UI"/>
+        <a:font script="Bopo" typeface="Microsoft JhengHei"/>
+        <a:font script="Java" typeface="Javanese Text"/>
+        <a:font script="Lisu" typeface="Segoe UI"/>
+        <a:font script="Mymr" typeface="Myanmar Text"/>
+        <a:font script="Nkoo" typeface="Ebrima"/>
+        <a:font script="Olck" typeface="Nirmala UI"/>
+        <a:font script="Osma" typeface="Ebrima"/>
+        <a:font script="Phag" typeface="Phagspa"/>
+        <a:font script="Syrn" typeface="Estrangelo Edessa"/>
+        <a:font script="Syrj" typeface="Estrangelo Edessa"/>
+        <a:font script="Syre" typeface="Estrangelo Edessa"/>
+        <a:font script="Sora" typeface="Nirmala UI"/>
+        <a:font script="Tale" typeface="Microsoft Tai Le"/>
+        <a:font script="Talu" typeface="Microsoft New Tai Lue"/>
+        <a:font script="Tfng" typeface="Ebrima"/>
       </a:majorFont>
       <a:minorFont>
-        <a:latin typeface="Calibri"/>
+        <a:latin typeface="Aptos" panose="02110004020202020204"/>
         <a:ea typeface=""/>
         <a:cs typeface=""/>
-        <a:font script="Jpan" typeface="ＭＳ Ｐゴシック"/>
+        <a:font script="Jpan" typeface="游ゴシック"/>
         <a:font script="Hang" typeface="맑은 고딕"/>
-        <a:font script="Hans" typeface="宋体"/>
+        <a:font script="Hans" typeface="等线"/>
         <a:font script="Hant" typeface="新細明體"/>
         <a:font script="Arab" typeface="Arial"/>
         <a:font script="Hebr" typeface="Arial"/>
@@ -7265,6 +7455,23 @@
         <a:font script="Viet" typeface="Arial"/>
         <a:font script="Uigh" typeface="Microsoft Uighur"/>
         <a:font script="Geor" typeface="Sylfaen"/>
+        <a:font script="Armn" typeface="Arial"/>
+        <a:font script="Bugi" typeface="Leelawadee UI"/>
+        <a:font script="Bopo" typeface="Microsoft JhengHei"/>
+        <a:font script="Java" typeface="Javanese Text"/>
+        <a:font script="Lisu" typeface="Segoe UI"/>
+        <a:font script="Mymr" typeface="Myanmar Text"/>
+        <a:font script="Nkoo" typeface="Ebrima"/>
+        <a:font script="Olck" typeface="Nirmala UI"/>
+        <a:font script="Osma" typeface="Ebrima"/>
+        <a:font script="Phag" typeface="Phagspa"/>
+        <a:font script="Syrn" typeface="Estrangelo Edessa"/>
+        <a:font script="Syrj" typeface="Estrangelo Edessa"/>
+        <a:font script="Syre" typeface="Estrangelo Edessa"/>
+        <a:font script="Sora" typeface="Nirmala UI"/>
+        <a:font script="Tale" typeface="Microsoft Tai Le"/>
+        <a:font script="Talu" typeface="Microsoft New Tai Lue"/>
+        <a:font script="Tfng" typeface="Ebrima"/>
       </a:minorFont>
     </a:fontScheme>
     <a:fmtScheme name="Office">
@@ -7276,180 +7483,136 @@
           <a:gsLst>
             <a:gs pos="0">
               <a:schemeClr val="phClr">
-                <a:tint val="50000"/>
-                <a:satMod val="300000"/>
+                <a:lumMod val="110000"/>
+                <a:satMod val="105000"/>
+                <a:tint val="67000"/>
               </a:schemeClr>
             </a:gs>
-            <a:gs pos="35000">
+            <a:gs pos="50000">
               <a:schemeClr val="phClr">
-                <a:tint val="37000"/>
-                <a:satMod val="300000"/>
+                <a:lumMod val="105000"/>
+                <a:satMod val="103000"/>
+                <a:tint val="73000"/>
               </a:schemeClr>
             </a:gs>
             <a:gs pos="100000">
               <a:schemeClr val="phClr">
-                <a:tint val="15000"/>
-                <a:satMod val="350000"/>
+                <a:lumMod val="105000"/>
+                <a:satMod val="109000"/>
+                <a:tint val="81000"/>
               </a:schemeClr>
             </a:gs>
           </a:gsLst>
-          <a:lin ang="16200000" scaled="1"/>
+          <a:lin ang="5400000" scaled="0"/>
         </a:gradFill>
         <a:gradFill rotWithShape="1">
           <a:gsLst>
             <a:gs pos="0">
               <a:schemeClr val="phClr">
-                <a:tint val="100000"/>
+                <a:satMod val="103000"/>
+                <a:lumMod val="102000"/>
+                <a:tint val="94000"/>
+              </a:schemeClr>
+            </a:gs>
+            <a:gs pos="50000">
+              <a:schemeClr val="phClr">
+                <a:satMod val="110000"/>
+                <a:lumMod val="100000"/>
                 <a:shade val="100000"/>
-                <a:satMod val="130000"/>
               </a:schemeClr>
             </a:gs>
             <a:gs pos="100000">
               <a:schemeClr val="phClr">
-                <a:tint val="50000"/>
-                <a:shade val="100000"/>
-                <a:satMod val="350000"/>
+                <a:lumMod val="99000"/>
+                <a:satMod val="120000"/>
+                <a:shade val="78000"/>
               </a:schemeClr>
             </a:gs>
           </a:gsLst>
-          <a:lin ang="16200000" scaled="0"/>
+          <a:lin ang="5400000" scaled="0"/>
         </a:gradFill>
       </a:fillStyleLst>
       <a:lnStyleLst>
-        <a:ln w="9525" cap="flat" cmpd="sng" algn="ctr">
+        <a:ln w="12700" cap="flat" cmpd="sng" algn="ctr">
           <a:solidFill>
-            <a:schemeClr val="phClr">
-              <a:shade val="95000"/>
-              <a:satMod val="105000"/>
-            </a:schemeClr>
+            <a:schemeClr val="phClr"/>
           </a:solidFill>
           <a:prstDash val="solid"/>
+          <a:miter lim="800000"/>
+        </a:ln>
+        <a:ln w="19050" cap="flat" cmpd="sng" algn="ctr">
+          <a:solidFill>
+            <a:schemeClr val="phClr"/>
+          </a:solidFill>
+          <a:prstDash val="solid"/>
+          <a:miter lim="800000"/>
         </a:ln>
         <a:ln w="25400" cap="flat" cmpd="sng" algn="ctr">
           <a:solidFill>
             <a:schemeClr val="phClr"/>
           </a:solidFill>
           <a:prstDash val="solid"/>
-        </a:ln>
-        <a:ln w="38100" cap="flat" cmpd="sng" algn="ctr">
-          <a:solidFill>
-            <a:schemeClr val="phClr"/>
-          </a:solidFill>
-          <a:prstDash val="solid"/>
+          <a:miter lim="800000"/>
         </a:ln>
       </a:lnStyleLst>
       <a:effectStyleLst>
         <a:effectStyle>
+          <a:effectLst/>
+        </a:effectStyle>
+        <a:effectStyle>
+          <a:effectLst/>
+        </a:effectStyle>
+        <a:effectStyle>
           <a:effectLst>
-            <a:outerShdw blurRad="40000" dist="20000" dir="5400000" rotWithShape="0">
+            <a:outerShdw blurRad="57150" dist="19050" dir="5400000" algn="ctr" rotWithShape="0">
               <a:srgbClr val="000000">
-                <a:alpha val="38000"/>
+                <a:alpha val="63000"/>
               </a:srgbClr>
             </a:outerShdw>
           </a:effectLst>
-        </a:effectStyle>
-        <a:effectStyle>
-          <a:effectLst>
-            <a:outerShdw blurRad="40000" dist="23000" dir="5400000" rotWithShape="0">
-              <a:srgbClr val="000000">
-                <a:alpha val="35000"/>
-              </a:srgbClr>
-            </a:outerShdw>
-          </a:effectLst>
-        </a:effectStyle>
-        <a:effectStyle>
-          <a:effectLst>
-            <a:outerShdw blurRad="40000" dist="23000" dir="5400000" rotWithShape="0">
-              <a:srgbClr val="000000">
-                <a:alpha val="35000"/>
-              </a:srgbClr>
-            </a:outerShdw>
-          </a:effectLst>
-          <a:scene3d>
-            <a:camera prst="orthographicFront">
-              <a:rot lat="0" lon="0" rev="0"/>
-            </a:camera>
-            <a:lightRig rig="threePt" dir="t">
-              <a:rot lat="0" lon="0" rev="1200000"/>
-            </a:lightRig>
-          </a:scene3d>
-          <a:sp3d>
-            <a:bevelT w="63500" h="25400"/>
-          </a:sp3d>
         </a:effectStyle>
       </a:effectStyleLst>
       <a:bgFillStyleLst>
         <a:solidFill>
           <a:schemeClr val="phClr"/>
         </a:solidFill>
+        <a:solidFill>
+          <a:schemeClr val="phClr">
+            <a:tint val="95000"/>
+            <a:satMod val="170000"/>
+          </a:schemeClr>
+        </a:solidFill>
         <a:gradFill rotWithShape="1">
           <a:gsLst>
             <a:gs pos="0">
               <a:schemeClr val="phClr">
-                <a:tint val="40000"/>
-                <a:satMod val="350000"/>
+                <a:tint val="93000"/>
+                <a:satMod val="150000"/>
+                <a:shade val="98000"/>
+                <a:lumMod val="102000"/>
               </a:schemeClr>
             </a:gs>
-            <a:gs pos="40000">
+            <a:gs pos="50000">
               <a:schemeClr val="phClr">
-                <a:tint val="45000"/>
-                <a:shade val="99000"/>
-                <a:satMod val="350000"/>
+                <a:tint val="98000"/>
+                <a:satMod val="130000"/>
+                <a:shade val="90000"/>
+                <a:lumMod val="103000"/>
               </a:schemeClr>
             </a:gs>
             <a:gs pos="100000">
               <a:schemeClr val="phClr">
-                <a:shade val="20000"/>
-                <a:satMod val="255000"/>
+                <a:shade val="63000"/>
+                <a:satMod val="120000"/>
               </a:schemeClr>
             </a:gs>
           </a:gsLst>
-          <a:path path="circle">
-            <a:fillToRect l="50000" t="-80000" r="50000" b="180000"/>
-          </a:path>
-        </a:gradFill>
-        <a:gradFill rotWithShape="1">
-          <a:gsLst>
-            <a:gs pos="0">
-              <a:schemeClr val="phClr">
-                <a:tint val="80000"/>
-                <a:satMod val="300000"/>
-              </a:schemeClr>
-            </a:gs>
-            <a:gs pos="100000">
-              <a:schemeClr val="phClr">
-                <a:shade val="30000"/>
-                <a:satMod val="200000"/>
-              </a:schemeClr>
-            </a:gs>
-          </a:gsLst>
-          <a:path path="circle">
-            <a:fillToRect l="50000" t="50000" r="50000" b="50000"/>
-          </a:path>
+          <a:lin ang="5400000" scaled="0"/>
         </a:gradFill>
       </a:bgFillStyleLst>
     </a:fmtScheme>
   </a:themeElements>
   <a:objectDefaults>
-    <a:spDef>
-      <a:spPr/>
-      <a:bodyPr/>
-      <a:lstStyle/>
-      <a:style>
-        <a:lnRef idx="1">
-          <a:schemeClr val="accent1"/>
-        </a:lnRef>
-        <a:fillRef idx="3">
-          <a:schemeClr val="accent1"/>
-        </a:fillRef>
-        <a:effectRef idx="2">
-          <a:schemeClr val="accent1"/>
-        </a:effectRef>
-        <a:fontRef idx="minor">
-          <a:schemeClr val="lt1"/>
-        </a:fontRef>
-      </a:style>
-    </a:spDef>
     <a:lnDef>
       <a:spPr/>
       <a:bodyPr/>
@@ -7471,5 +7634,10 @@
     </a:lnDef>
   </a:objectDefaults>
   <a:extraClrSchemeLst/>
+  <a:extLst>
+    <a:ext uri="{05A4C25C-085E-4340-85A3-A5531E510DB2}">
+      <thm15:themeFamily xmlns:thm15="http://schemas.microsoft.com/office/thememl/2012/main" name="Office Theme" id="{2E142A2C-CD16-42D6-873A-C26D2A0506FA}" vid="{1BDDFF52-6CD6-40A5-AB3C-68EB2F1E4D0A}"/>
+    </a:ext>
+  </a:extLst>
 </a:theme>
 </file>
--- a/presentation/Phase1-Backup-Guide.pptx
+++ b/presentation/Phase1-Backup-Guide.pptx
@@ -5548,8 +5548,8 @@
         </p:nvSpPr>
         <p:spPr>
           <a:xfrm>
-            <a:off x="731520" y="1097280"/>
-            <a:ext cx="3657600" cy="2215991"/>
+            <a:off x="326003" y="1097280"/>
+            <a:ext cx="4428877" cy="1415772"/>
           </a:xfrm>
           <a:prstGeom prst="rect">
             <a:avLst/>
@@ -5604,11 +5604,33 @@
               <a:t>Sign in with </a:t>
             </a:r>
             <a:r>
-              <a:rPr dirty="0" err="1"/>
-              <a:t>INGINC.com</a:t>
-            </a:r>
-            <a:endParaRPr lang="en-US" dirty="0"/>
-          </a:p>
+              <a:rPr lang="en-US" dirty="0"/>
+              <a:t>your Company M365 Account</a:t>
+            </a:r>
+          </a:p>
+        </p:txBody>
+      </p:sp>
+      <p:sp>
+        <p:nvSpPr>
+          <p:cNvPr id="4" name="TextBox 3"/>
+          <p:cNvSpPr txBox="1"/>
+          <p:nvPr/>
+        </p:nvSpPr>
+        <p:spPr>
+          <a:xfrm>
+            <a:off x="4754880" y="1097280"/>
+            <a:ext cx="3657600" cy="2246769"/>
+          </a:xfrm>
+          <a:prstGeom prst="rect">
+            <a:avLst/>
+          </a:prstGeom>
+          <a:noFill/>
+        </p:spPr>
+        <p:txBody>
+          <a:bodyPr wrap="square">
+            <a:spAutoFit/>
+          </a:bodyPr>
+          <a:lstStyle/>
           <a:p>
             <a:pPr>
               <a:defRPr sz="2000" b="1">
@@ -5619,7 +5641,7 @@
             </a:pPr>
             <a:r>
               <a:rPr dirty="0"/>
-              <a:t>Export bookmarks:</a:t>
+              <a:t>Export passwords:</a:t>
             </a:r>
           </a:p>
           <a:p>
@@ -5628,7 +5650,7 @@
             </a:pPr>
             <a:r>
               <a:rPr dirty="0"/>
-              <a:t>Menu → Bookmarks → Export</a:t>
+              <a:t>Settings → Passwords → Export</a:t>
             </a:r>
           </a:p>
           <a:p>
@@ -5637,34 +5659,9 @@
             </a:pPr>
             <a:r>
               <a:rPr dirty="0"/>
-              <a:t>Save to OneDrive Documents</a:t>
-            </a:r>
-          </a:p>
-        </p:txBody>
-      </p:sp>
-      <p:sp>
-        <p:nvSpPr>
-          <p:cNvPr id="4" name="TextBox 3"/>
-          <p:cNvSpPr txBox="1"/>
-          <p:nvPr/>
-        </p:nvSpPr>
-        <p:spPr>
-          <a:xfrm>
-            <a:off x="4754880" y="1097280"/>
-            <a:ext cx="3657600" cy="3200400"/>
-          </a:xfrm>
-          <a:prstGeom prst="rect">
-            <a:avLst/>
-          </a:prstGeom>
-          <a:noFill/>
-        </p:spPr>
-        <p:txBody>
-          <a:bodyPr wrap="square">
-            <a:spAutoFit/>
-          </a:bodyPr>
-          <a:lstStyle/>
-          <a:p>
-            <a:endParaRPr dirty="0"/>
+              <a:t>Save CSV to OneDrive Documents</a:t>
+            </a:r>
+            <a:endParaRPr lang="en-US" dirty="0"/>
           </a:p>
           <a:p>
             <a:pPr>
@@ -5674,9 +5671,19 @@
                 </a:solidFill>
               </a:defRPr>
             </a:pPr>
-            <a:r>
-              <a:rPr dirty="0"/>
-              <a:t>Export passwords:</a:t>
+            <a:endParaRPr lang="en-US" dirty="0"/>
+          </a:p>
+          <a:p>
+            <a:pPr>
+              <a:defRPr sz="2000" b="1">
+                <a:solidFill>
+                  <a:srgbClr val="0078D4"/>
+                </a:solidFill>
+              </a:defRPr>
+            </a:pPr>
+            <a:r>
+              <a:rPr lang="en-US" dirty="0"/>
+              <a:t>Export bookmarks:</a:t>
             </a:r>
           </a:p>
           <a:p>
@@ -5684,8 +5691,8 @@
               <a:defRPr sz="1600" b="0"/>
             </a:pPr>
             <a:r>
-              <a:rPr dirty="0"/>
-              <a:t>Settings → Passwords → Export</a:t>
+              <a:rPr lang="en-US" dirty="0"/>
+              <a:t>Menu → Bookmarks → Export</a:t>
             </a:r>
           </a:p>
           <a:p>
@@ -5693,9 +5700,15 @@
               <a:defRPr sz="1600" b="0"/>
             </a:pPr>
             <a:r>
-              <a:rPr dirty="0"/>
-              <a:t>Save CSV to OneDrive Documents</a:t>
-            </a:r>
+              <a:rPr lang="en-US" dirty="0"/>
+              <a:t>Save to OneDrive Documents</a:t>
+            </a:r>
+          </a:p>
+          <a:p>
+            <a:pPr>
+              <a:defRPr sz="1600" b="0"/>
+            </a:pPr>
+            <a:endParaRPr lang="en-US" dirty="0"/>
           </a:p>
         </p:txBody>
       </p:sp>
@@ -5707,7 +5720,7 @@
         </p:nvSpPr>
         <p:spPr>
           <a:xfrm>
-            <a:off x="1371600" y="4389120"/>
+            <a:off x="1371600" y="4640580"/>
             <a:ext cx="6400800" cy="457200"/>
           </a:xfrm>
           <a:prstGeom prst="rect">
@@ -5729,11 +5742,59 @@
               </a:defRPr>
             </a:pPr>
             <a:r>
+              <a:rPr dirty="0"/>
               <a:t>⚠️ Delete password CSV files after restoration is confirmed</a:t>
             </a:r>
           </a:p>
         </p:txBody>
       </p:sp>
+      <p:pic>
+        <p:nvPicPr>
+          <p:cNvPr id="1028" name="Picture 4" descr="How to Sync Page Tabs Between Google Chrome, Firefox, and Edge">
+            <a:extLst>
+              <a:ext uri="{FF2B5EF4-FFF2-40B4-BE49-F238E27FC236}">
+                <a16:creationId xmlns:a16="http://schemas.microsoft.com/office/drawing/2014/main" id="{946157C4-1F22-B57E-294D-D958E7666317}"/>
+              </a:ext>
+            </a:extLst>
+          </p:cNvPr>
+          <p:cNvPicPr>
+            <a:picLocks noChangeAspect="1" noChangeArrowheads="1"/>
+          </p:cNvPicPr>
+          <p:nvPr/>
+        </p:nvPicPr>
+        <p:blipFill>
+          <a:blip r:embed="rId3">
+            <a:extLst>
+              <a:ext uri="{28A0092B-C50C-407E-A947-70E740481C1C}">
+                <a14:useLocalDpi xmlns:a14="http://schemas.microsoft.com/office/drawing/2010/main" val="0"/>
+              </a:ext>
+            </a:extLst>
+          </a:blip>
+          <a:srcRect/>
+          <a:stretch>
+            <a:fillRect/>
+          </a:stretch>
+        </p:blipFill>
+        <p:spPr bwMode="auto">
+          <a:xfrm>
+            <a:off x="326003" y="2978289"/>
+            <a:ext cx="2771598" cy="1455089"/>
+          </a:xfrm>
+          <a:prstGeom prst="rect">
+            <a:avLst/>
+          </a:prstGeom>
+          <a:noFill/>
+          <a:extLst>
+            <a:ext uri="{909E8E84-426E-40DD-AFC4-6F175D3DCCD1}">
+              <a14:hiddenFill xmlns:a14="http://schemas.microsoft.com/office/drawing/2010/main">
+                <a:solidFill>
+                  <a:srgbClr val="FFFFFF"/>
+                </a:solidFill>
+              </a14:hiddenFill>
+            </a:ext>
+          </a:extLst>
+        </p:spPr>
+      </p:pic>
     </p:spTree>
   </p:cSld>
   <p:clrMapOvr>

--- a/presentation/Phase1-Backup-Guide.pptx
+++ b/presentation/Phase1-Backup-Guide.pptx
@@ -5,7 +5,7 @@
     <p:sldMasterId id="2147483648" r:id="rId1"/>
   </p:sldMasterIdLst>
   <p:notesMasterIdLst>
-    <p:notesMasterId r:id="rId11"/>
+    <p:notesMasterId r:id="rId10"/>
   </p:notesMasterIdLst>
   <p:sldIdLst>
     <p:sldId id="256" r:id="rId2"/>
@@ -15,8 +15,7 @@
     <p:sldId id="260" r:id="rId6"/>
     <p:sldId id="261" r:id="rId7"/>
     <p:sldId id="262" r:id="rId8"/>
-    <p:sldId id="263" r:id="rId9"/>
-    <p:sldId id="264" r:id="rId10"/>
+    <p:sldId id="264" r:id="rId9"/>
   </p:sldIdLst>
   <p:sldSz cx="9144000" cy="5143500" type="screen16x9"/>
   <p:notesSz cx="6858000" cy="9144000"/>
@@ -1497,254 +1496,6 @@
           </a:p>
           <a:p>
             <a:r>
-              <a:t>SCRIPT:</a:t>
-            </a:r>
-          </a:p>
-          <a:p>
-            <a:r>
-              <a:t>"Do you have an iPhone or iPad that you use for work?</a:t>
-            </a:r>
-          </a:p>
-          <a:p>
-            <a:endParaRPr/>
-          </a:p>
-          <a:p>
-            <a:r>
-              <a:t>[If yes]</a:t>
-            </a:r>
-          </a:p>
-          <a:p>
-            <a:r>
-              <a:t>Great, let's make sure that's backed up too. Do you have the charging cable handy? Connect your iPhone/iPad to your computer using the USB cable.</a:t>
-            </a:r>
-          </a:p>
-          <a:p>
-            <a:endParaRPr/>
-          </a:p>
-          <a:p>
-            <a:r>
-              <a:t>Now we need to open the Apple Devices app. Click Start and search for 'Apple Devices'. If you don't see it, we can get it from the Microsoft Store quickly.</a:t>
-            </a:r>
-          </a:p>
-          <a:p>
-            <a:endParaRPr/>
-          </a:p>
-          <a:p>
-            <a:r>
-              <a:t>[Once app is open]</a:t>
-            </a:r>
-          </a:p>
-          <a:p>
-            <a:r>
-              <a:t>Perfect. Click on your device in the left sidebar. Do you see where it shows 'Latest Backup'? When was the last backup?</a:t>
-            </a:r>
-          </a:p>
-          <a:p>
-            <a:endParaRPr/>
-          </a:p>
-          <a:p>
-            <a:r>
-              <a:t>[If recent - within 24-48 hours]</a:t>
-            </a:r>
-          </a:p>
-          <a:p>
-            <a:r>
-              <a:t>Great! Your backup is recent. You're all set here.</a:t>
-            </a:r>
-          </a:p>
-          <a:p>
-            <a:endParaRPr/>
-          </a:p>
-          <a:p>
-            <a:r>
-              <a:t>[If old or no backup]</a:t>
-            </a:r>
-          </a:p>
-          <a:p>
-            <a:r>
-              <a:t>Let's create a fresh backup just to be safe. Click the 'Back Up Now' button. This will take a few minutes depending on how much data is on your phone.</a:t>
-            </a:r>
-          </a:p>
-          <a:p>
-            <a:endParaRPr/>
-          </a:p>
-          <a:p>
-            <a:r>
-              <a:t>[If no iOS device]</a:t>
-            </a:r>
-          </a:p>
-          <a:p>
-            <a:r>
-              <a:t>No problem - we can skip this step then. This is only for people who have work iPhones or iPads."</a:t>
-            </a:r>
-          </a:p>
-          <a:p>
-            <a:endParaRPr/>
-          </a:p>
-          <a:p>
-            <a:r>
-              <a:t>WHY THIS MATTERS:</a:t>
-            </a:r>
-          </a:p>
-          <a:p>
-            <a:r>
-              <a:t>- Corporate iOS devices may have work data not in cloud</a:t>
-            </a:r>
-          </a:p>
-          <a:p>
-            <a:r>
-              <a:t>- Photos, contacts, apps, settings backed up to computer</a:t>
-            </a:r>
-          </a:p>
-          <a:p>
-            <a:r>
-              <a:t>- Backup is to THIS computer - will be lost after reset</a:t>
-            </a:r>
-          </a:p>
-          <a:p>
-            <a:r>
-              <a:t>- iCloud backup is separate (not affected by computer reset)</a:t>
-            </a:r>
-          </a:p>
-          <a:p>
-            <a:endParaRPr/>
-          </a:p>
-          <a:p>
-            <a:r>
-              <a:t>TROUBLESHOOTING:</a:t>
-            </a:r>
-          </a:p>
-          <a:p>
-            <a:r>
-              <a:t>- Apple Devices app not installed: Download from Microsoft Store (free)</a:t>
-            </a:r>
-          </a:p>
-          <a:p>
-            <a:r>
-              <a:t>- Device not recognized: Try different USB port, different cable</a:t>
-            </a:r>
-          </a:p>
-          <a:p>
-            <a:r>
-              <a:t>- Trust dialog on iPhone: User must tap "Trust" on phone screen</a:t>
-            </a:r>
-          </a:p>
-          <a:p>
-            <a:r>
-              <a:t>- Backup fails: Check available disk space on computer</a:t>
-            </a:r>
-          </a:p>
-          <a:p>
-            <a:r>
-              <a:t>- User has iCloud backup: Good for personal data, but company apps may not be included</a:t>
-            </a:r>
-          </a:p>
-          <a:p>
-            <a:endParaRPr/>
-          </a:p>
-          <a:p>
-            <a:r>
-              <a:t>ALTERNATIVE:</a:t>
-            </a:r>
-          </a:p>
-          <a:p>
-            <a:r>
-              <a:t>If backup won't work:</a:t>
-            </a:r>
-          </a:p>
-          <a:p>
-            <a:r>
-              <a:t>- Document that backup was attempted but failed</a:t>
-            </a:r>
-          </a:p>
-          <a:p>
-            <a:r>
-              <a:t>- Note error message</a:t>
-            </a:r>
-          </a:p>
-          <a:p>
-            <a:r>
-              <a:t>- Proceed with reset (user's iPhone will not be affected)</a:t>
-            </a:r>
-          </a:p>
-          <a:p>
-            <a:r>
-              <a:t>- iOS device data is independent of Windows computer</a:t>
-            </a:r>
-          </a:p>
-          <a:p>
-            <a:endParaRPr/>
-          </a:p>
-        </p:txBody>
-      </p:sp>
-      <p:sp>
-        <p:nvSpPr>
-          <p:cNvPr id="4" name="Slide Number Placeholder 3"/>
-          <p:cNvSpPr>
-            <a:spLocks noGrp="1"/>
-          </p:cNvSpPr>
-          <p:nvPr>
-            <p:ph type="sldNum" sz="quarter" idx="5"/>
-          </p:nvPr>
-        </p:nvSpPr>
-        <p:spPr/>
-      </p:sp>
-    </p:spTree>
-  </p:cSld>
-  <p:clrMapOvr>
-    <a:masterClrMapping/>
-  </p:clrMapOvr>
-</p:notes>
-</file>
-
-<file path=ppt/notesSlides/notesSlide9.xml><?xml version="1.0" encoding="utf-8"?>
-<p:notes xmlns:a="http://schemas.openxmlformats.org/drawingml/2006/main" xmlns:r="http://schemas.openxmlformats.org/officeDocument/2006/relationships" xmlns:p="http://schemas.openxmlformats.org/presentationml/2006/main">
-  <p:cSld>
-    <p:spTree>
-      <p:nvGrpSpPr>
-        <p:cNvPr id="1" name=""/>
-        <p:cNvGrpSpPr/>
-        <p:nvPr/>
-      </p:nvGrpSpPr>
-      <p:grpSpPr>
-        <a:xfrm>
-          <a:off x="0" y="0"/>
-          <a:ext cx="0" cy="0"/>
-          <a:chOff x="0" y="0"/>
-          <a:chExt cx="0" cy="0"/>
-        </a:xfrm>
-      </p:grpSpPr>
-      <p:sp>
-        <p:nvSpPr>
-          <p:cNvPr id="2" name="Slide Image Placeholder 1"/>
-          <p:cNvSpPr>
-            <a:spLocks noGrp="1" noRot="1" noChangeAspect="1"/>
-          </p:cNvSpPr>
-          <p:nvPr>
-            <p:ph type="sldImg" idx="2"/>
-          </p:nvPr>
-        </p:nvSpPr>
-        <p:spPr/>
-      </p:sp>
-      <p:sp>
-        <p:nvSpPr>
-          <p:cNvPr id="3" name="Notes Placeholder 2"/>
-          <p:cNvSpPr>
-            <a:spLocks noGrp="1"/>
-          </p:cNvSpPr>
-          <p:nvPr>
-            <p:ph type="body" sz="quarter" idx="3"/>
-          </p:nvPr>
-        </p:nvSpPr>
-        <p:spPr/>
-        <p:txBody>
-          <a:bodyPr/>
-          <a:lstStyle/>
-          <a:p>
-            <a:endParaRPr/>
-          </a:p>
-          <a:p>
-            <a:r>
               <a:t>CHECKPOINT SCRIPT:</a:t>
             </a:r>
           </a:p>
@@ -2110,7 +1861,7 @@
           <a:p>
             <a:fld id="{5BCAD085-E8A6-8845-BD4E-CB4CCA059FC4}" type="datetimeFigureOut">
               <a:rPr lang="en-US" smtClean="0"/>
-              <a:t>1/12/26</a:t>
+              <a:t>1/13/26</a:t>
             </a:fld>
             <a:endParaRPr lang="en-US"/>
           </a:p>
@@ -2278,7 +2029,7 @@
           <a:p>
             <a:fld id="{5BCAD085-E8A6-8845-BD4E-CB4CCA059FC4}" type="datetimeFigureOut">
               <a:rPr lang="en-US" smtClean="0"/>
-              <a:t>1/12/26</a:t>
+              <a:t>1/13/26</a:t>
             </a:fld>
             <a:endParaRPr lang="en-US"/>
           </a:p>
@@ -2456,7 +2207,7 @@
           <a:p>
             <a:fld id="{5BCAD085-E8A6-8845-BD4E-CB4CCA059FC4}" type="datetimeFigureOut">
               <a:rPr lang="en-US" smtClean="0"/>
-              <a:t>1/12/26</a:t>
+              <a:t>1/13/26</a:t>
             </a:fld>
             <a:endParaRPr lang="en-US"/>
           </a:p>
@@ -2624,7 +2375,7 @@
           <a:p>
             <a:fld id="{5BCAD085-E8A6-8845-BD4E-CB4CCA059FC4}" type="datetimeFigureOut">
               <a:rPr lang="en-US" smtClean="0"/>
-              <a:t>1/12/26</a:t>
+              <a:t>1/13/26</a:t>
             </a:fld>
             <a:endParaRPr lang="en-US"/>
           </a:p>
@@ -2869,7 +2620,7 @@
           <a:p>
             <a:fld id="{5BCAD085-E8A6-8845-BD4E-CB4CCA059FC4}" type="datetimeFigureOut">
               <a:rPr lang="en-US" smtClean="0"/>
-              <a:t>1/12/26</a:t>
+              <a:t>1/13/26</a:t>
             </a:fld>
             <a:endParaRPr lang="en-US"/>
           </a:p>
@@ -3154,7 +2905,7 @@
           <a:p>
             <a:fld id="{5BCAD085-E8A6-8845-BD4E-CB4CCA059FC4}" type="datetimeFigureOut">
               <a:rPr lang="en-US" smtClean="0"/>
-              <a:t>1/12/26</a:t>
+              <a:t>1/13/26</a:t>
             </a:fld>
             <a:endParaRPr lang="en-US"/>
           </a:p>
@@ -3573,7 +3324,7 @@
           <a:p>
             <a:fld id="{5BCAD085-E8A6-8845-BD4E-CB4CCA059FC4}" type="datetimeFigureOut">
               <a:rPr lang="en-US" smtClean="0"/>
-              <a:t>1/12/26</a:t>
+              <a:t>1/13/26</a:t>
             </a:fld>
             <a:endParaRPr lang="en-US"/>
           </a:p>
@@ -3690,7 +3441,7 @@
           <a:p>
             <a:fld id="{5BCAD085-E8A6-8845-BD4E-CB4CCA059FC4}" type="datetimeFigureOut">
               <a:rPr lang="en-US" smtClean="0"/>
-              <a:t>1/12/26</a:t>
+              <a:t>1/13/26</a:t>
             </a:fld>
             <a:endParaRPr lang="en-US"/>
           </a:p>
@@ -3785,7 +3536,7 @@
           <a:p>
             <a:fld id="{5BCAD085-E8A6-8845-BD4E-CB4CCA059FC4}" type="datetimeFigureOut">
               <a:rPr lang="en-US" smtClean="0"/>
-              <a:t>1/12/26</a:t>
+              <a:t>1/13/26</a:t>
             </a:fld>
             <a:endParaRPr lang="en-US"/>
           </a:p>
@@ -4060,7 +3811,7 @@
           <a:p>
             <a:fld id="{5BCAD085-E8A6-8845-BD4E-CB4CCA059FC4}" type="datetimeFigureOut">
               <a:rPr lang="en-US" smtClean="0"/>
-              <a:t>1/12/26</a:t>
+              <a:t>1/13/26</a:t>
             </a:fld>
             <a:endParaRPr lang="en-US"/>
           </a:p>
@@ -4312,7 +4063,7 @@
           <a:p>
             <a:fld id="{5BCAD085-E8A6-8845-BD4E-CB4CCA059FC4}" type="datetimeFigureOut">
               <a:rPr lang="en-US" smtClean="0"/>
-              <a:t>1/12/26</a:t>
+              <a:t>1/13/26</a:t>
             </a:fld>
             <a:endParaRPr lang="en-US"/>
           </a:p>
@@ -4523,7 +4274,7 @@
           <a:p>
             <a:fld id="{5BCAD085-E8A6-8845-BD4E-CB4CCA059FC4}" type="datetimeFigureOut">
               <a:rPr lang="en-US" smtClean="0"/>
-              <a:t>1/12/26</a:t>
+              <a:t>1/13/26</a:t>
             </a:fld>
             <a:endParaRPr lang="en-US"/>
           </a:p>
@@ -6358,8 +6109,8 @@
         </p:nvSpPr>
         <p:spPr>
           <a:xfrm>
-            <a:off x="1371600" y="1645920"/>
-            <a:ext cx="6400800" cy="548640"/>
+            <a:off x="1988600" y="1645920"/>
+            <a:ext cx="5166799" cy="338554"/>
           </a:xfrm>
           <a:prstGeom prst="rect">
             <a:avLst/>
@@ -6380,8 +6131,14 @@
               </a:defRPr>
             </a:pPr>
             <a:r>
+              <a:rPr dirty="0"/>
               <a:t>⚠️ PST files are NOT backed up by OneDrive automatically</a:t>
             </a:r>
+            <a:r>
+              <a:rPr lang="en-US" dirty="0"/>
+              <a:t>!</a:t>
+            </a:r>
+            <a:endParaRPr dirty="0"/>
           </a:p>
         </p:txBody>
       </p:sp>
@@ -6604,7 +6361,7 @@
         </p:blipFill>
         <p:spPr bwMode="auto">
           <a:xfrm>
-            <a:off x="5684996" y="1645920"/>
+            <a:off x="5684996" y="1920240"/>
             <a:ext cx="4174808" cy="3117395"/>
           </a:xfrm>
           <a:prstGeom prst="rect">
@@ -6631,221 +6388,6 @@
 </file>
 
 <file path=ppt/slides/slide8.xml><?xml version="1.0" encoding="utf-8"?>
-<p:sld xmlns:a="http://schemas.openxmlformats.org/drawingml/2006/main" xmlns:r="http://schemas.openxmlformats.org/officeDocument/2006/relationships" xmlns:p="http://schemas.openxmlformats.org/presentationml/2006/main">
-  <p:cSld>
-    <p:spTree>
-      <p:nvGrpSpPr>
-        <p:cNvPr id="1" name=""/>
-        <p:cNvGrpSpPr/>
-        <p:nvPr/>
-      </p:nvGrpSpPr>
-      <p:grpSpPr>
-        <a:xfrm>
-          <a:off x="0" y="0"/>
-          <a:ext cx="0" cy="0"/>
-          <a:chOff x="0" y="0"/>
-          <a:chExt cx="0" cy="0"/>
-        </a:xfrm>
-      </p:grpSpPr>
-      <p:sp>
-        <p:nvSpPr>
-          <p:cNvPr id="2" name="TextBox 1"/>
-          <p:cNvSpPr txBox="1"/>
-          <p:nvPr/>
-        </p:nvSpPr>
-        <p:spPr>
-          <a:xfrm>
-            <a:off x="914400" y="274320"/>
-            <a:ext cx="7315200" cy="914400"/>
-          </a:xfrm>
-          <a:prstGeom prst="rect">
-            <a:avLst/>
-          </a:prstGeom>
-          <a:noFill/>
-        </p:spPr>
-        <p:txBody>
-          <a:bodyPr wrap="square">
-            <a:spAutoFit/>
-          </a:bodyPr>
-          <a:lstStyle/>
-          <a:p>
-            <a:pPr algn="ctr">
-              <a:defRPr sz="4400" b="1">
-                <a:solidFill>
-                  <a:srgbClr val="0078D4"/>
-                </a:solidFill>
-              </a:defRPr>
-            </a:pPr>
-            <a:r>
-              <a:t>Step 6: iOS Backup Verification</a:t>
-            </a:r>
-          </a:p>
-        </p:txBody>
-      </p:sp>
-      <p:sp>
-        <p:nvSpPr>
-          <p:cNvPr id="3" name="TextBox 2"/>
-          <p:cNvSpPr txBox="1"/>
-          <p:nvPr/>
-        </p:nvSpPr>
-        <p:spPr>
-          <a:xfrm>
-            <a:off x="914400" y="1371600"/>
-            <a:ext cx="7315200" cy="2616101"/>
-          </a:xfrm>
-          <a:prstGeom prst="rect">
-            <a:avLst/>
-          </a:prstGeom>
-          <a:noFill/>
-        </p:spPr>
-        <p:txBody>
-          <a:bodyPr wrap="square">
-            <a:spAutoFit/>
-          </a:bodyPr>
-          <a:lstStyle/>
-          <a:p>
-            <a:endParaRPr dirty="0"/>
-          </a:p>
-          <a:p>
-            <a:pPr>
-              <a:defRPr sz="2000" b="1">
-                <a:solidFill>
-                  <a:srgbClr val="0078D4"/>
-                </a:solidFill>
-              </a:defRPr>
-            </a:pPr>
-            <a:r>
-              <a:rPr dirty="0"/>
-              <a:t>If user has iPhone or iPad:</a:t>
-            </a:r>
-          </a:p>
-          <a:p>
-            <a:pPr>
-              <a:defRPr sz="1800" b="0"/>
-            </a:pPr>
-            <a:endParaRPr dirty="0"/>
-          </a:p>
-          <a:p>
-            <a:pPr marL="800100" lvl="1" indent="-342900">
-              <a:buFont typeface="+mj-lt"/>
-              <a:buAutoNum type="arabicPeriod"/>
-              <a:defRPr sz="1800" b="0"/>
-            </a:pPr>
-            <a:r>
-              <a:rPr dirty="0"/>
-              <a:t>Connect iOS device via USB cable</a:t>
-            </a:r>
-          </a:p>
-          <a:p>
-            <a:pPr marL="800100" lvl="1" indent="-342900">
-              <a:buFont typeface="+mj-lt"/>
-              <a:buAutoNum type="arabicPeriod"/>
-              <a:defRPr sz="1800" b="0"/>
-            </a:pPr>
-            <a:r>
-              <a:rPr dirty="0"/>
-              <a:t>Open Apple Devices app from Microsoft Store</a:t>
-            </a:r>
-          </a:p>
-          <a:p>
-            <a:pPr marL="800100" lvl="1" indent="-342900">
-              <a:buFont typeface="+mj-lt"/>
-              <a:buAutoNum type="arabicPeriod"/>
-              <a:defRPr sz="1800" b="0"/>
-            </a:pPr>
-            <a:r>
-              <a:rPr dirty="0"/>
-              <a:t>Check backup status - verify recent backup exists</a:t>
-            </a:r>
-          </a:p>
-          <a:p>
-            <a:pPr marL="800100" lvl="1" indent="-342900">
-              <a:buFont typeface="+mj-lt"/>
-              <a:buAutoNum type="arabicPeriod"/>
-              <a:defRPr sz="1800" b="0"/>
-            </a:pPr>
-            <a:r>
-              <a:rPr dirty="0"/>
-              <a:t>If no backup: Click 'Back Up Now'</a:t>
-            </a:r>
-          </a:p>
-          <a:p>
-            <a:pPr>
-              <a:defRPr sz="1800" b="0"/>
-            </a:pPr>
-            <a:endParaRPr dirty="0"/>
-          </a:p>
-          <a:p>
-            <a:pPr>
-              <a:defRPr sz="1800" b="0">
-                <a:solidFill>
-                  <a:srgbClr val="969696"/>
-                </a:solidFill>
-              </a:defRPr>
-            </a:pPr>
-            <a:r>
-              <a:rPr dirty="0"/>
-              <a:t>If no iOS device: Skip this step</a:t>
-            </a:r>
-          </a:p>
-        </p:txBody>
-      </p:sp>
-      <p:pic>
-        <p:nvPicPr>
-          <p:cNvPr id="1026" name="Picture 2">
-            <a:extLst>
-              <a:ext uri="{FF2B5EF4-FFF2-40B4-BE49-F238E27FC236}">
-                <a16:creationId xmlns:a16="http://schemas.microsoft.com/office/drawing/2014/main" id="{37111060-213A-E944-07E7-4F1078DDB321}"/>
-              </a:ext>
-            </a:extLst>
-          </p:cNvPr>
-          <p:cNvPicPr>
-            <a:picLocks noChangeAspect="1" noChangeArrowheads="1"/>
-          </p:cNvPicPr>
-          <p:nvPr/>
-        </p:nvPicPr>
-        <p:blipFill>
-          <a:blip r:embed="rId3">
-            <a:extLst>
-              <a:ext uri="{28A0092B-C50C-407E-A947-70E740481C1C}">
-                <a14:useLocalDpi xmlns:a14="http://schemas.microsoft.com/office/drawing/2010/main" val="0"/>
-              </a:ext>
-            </a:extLst>
-          </a:blip>
-          <a:srcRect/>
-          <a:stretch>
-            <a:fillRect/>
-          </a:stretch>
-        </p:blipFill>
-        <p:spPr bwMode="auto">
-          <a:xfrm>
-            <a:off x="7499350" y="1478942"/>
-            <a:ext cx="1460500" cy="1460500"/>
-          </a:xfrm>
-          <a:prstGeom prst="rect">
-            <a:avLst/>
-          </a:prstGeom>
-          <a:noFill/>
-          <a:extLst>
-            <a:ext uri="{909E8E84-426E-40DD-AFC4-6F175D3DCCD1}">
-              <a14:hiddenFill xmlns:a14="http://schemas.microsoft.com/office/drawing/2010/main">
-                <a:solidFill>
-                  <a:srgbClr val="FFFFFF"/>
-                </a:solidFill>
-              </a14:hiddenFill>
-            </a:ext>
-          </a:extLst>
-        </p:spPr>
-      </p:pic>
-    </p:spTree>
-  </p:cSld>
-  <p:clrMapOvr>
-    <a:masterClrMapping/>
-  </p:clrMapOvr>
-</p:sld>
-</file>
-
-<file path=ppt/slides/slide9.xml><?xml version="1.0" encoding="utf-8"?>
 <p:sld xmlns:a="http://schemas.openxmlformats.org/drawingml/2006/main" xmlns:r="http://schemas.openxmlformats.org/officeDocument/2006/relationships" xmlns:p="http://schemas.openxmlformats.org/presentationml/2006/main">
   <p:cSld>
     <p:spTree>

--- a/presentation/Phase1-Backup-Guide.pptx
+++ b/presentation/Phase1-Backup-Guide.pptx
@@ -5,7 +5,7 @@
     <p:sldMasterId id="2147483648" r:id="rId1"/>
   </p:sldMasterIdLst>
   <p:notesMasterIdLst>
-    <p:notesMasterId r:id="rId10"/>
+    <p:notesMasterId r:id="rId11"/>
   </p:notesMasterIdLst>
   <p:sldIdLst>
     <p:sldId id="256" r:id="rId2"/>
@@ -15,7 +15,8 @@
     <p:sldId id="260" r:id="rId6"/>
     <p:sldId id="261" r:id="rId7"/>
     <p:sldId id="262" r:id="rId8"/>
-    <p:sldId id="264" r:id="rId9"/>
+    <p:sldId id="265" r:id="rId9"/>
+    <p:sldId id="264" r:id="rId10"/>
   </p:sldIdLst>
   <p:sldSz cx="9144000" cy="5143500" type="screen16x9"/>
   <p:notesSz cx="6858000" cy="9144000"/>
@@ -1019,128 +1020,187 @@
           <a:bodyPr/>
           <a:lstStyle/>
           <a:p>
-            <a:endParaRPr/>
-          </a:p>
-          <a:p>
-            <a:r>
+            <a:endParaRPr dirty="0"/>
+          </a:p>
+          <a:p>
+            <a:r>
+              <a:rPr dirty="0"/>
               <a:t>SCRIPT:</a:t>
             </a:r>
           </a:p>
           <a:p>
             <a:r>
-              <a:t>"Before we reset your device, let's record which WiFi network you're connected to. Click on the WiFi icon in your taskbar - that's the wireless symbol in the bottom right corner, near the clock.</a:t>
-            </a:r>
-          </a:p>
-          <a:p>
-            <a:endParaRPr/>
-          </a:p>
-          <a:p>
-            <a:r>
+              <a:rPr dirty="0"/>
+              <a:t>"Before we reset your device, let's record which </a:t>
+            </a:r>
+            <a:r>
+              <a:rPr dirty="0" err="1"/>
+              <a:t>WiFi</a:t>
+            </a:r>
+            <a:r>
+              <a:rPr dirty="0"/>
+              <a:t> network you're connected to. Click on the </a:t>
+            </a:r>
+            <a:r>
+              <a:rPr dirty="0" err="1"/>
+              <a:t>WiFi</a:t>
+            </a:r>
+            <a:r>
+              <a:rPr dirty="0"/>
+              <a:t> icon in your taskbar - that's the wireless symbol in the bottom right corner, near the clock.</a:t>
+            </a:r>
+          </a:p>
+          <a:p>
+            <a:endParaRPr dirty="0"/>
+          </a:p>
+          <a:p>
+            <a:r>
+              <a:rPr dirty="0"/>
               <a:t>Can you tell me the name of the network you're connected to? I'm going to write it down.</a:t>
             </a:r>
           </a:p>
           <a:p>
-            <a:endParaRPr/>
-          </a:p>
-          <a:p>
-            <a:r>
+            <a:endParaRPr dirty="0"/>
+          </a:p>
+          <a:p>
+            <a:r>
+              <a:rPr dirty="0"/>
               <a:t>[Record the SSID]</a:t>
             </a:r>
           </a:p>
           <a:p>
-            <a:endParaRPr/>
-          </a:p>
-          <a:p>
-            <a:r>
-              <a:t>Great! After the reset, when Windows first starts up, it will ask you to connect to WiFi. We'll use this network name to reconnect quickly."</a:t>
-            </a:r>
-          </a:p>
-          <a:p>
-            <a:endParaRPr/>
-          </a:p>
-          <a:p>
-            <a:r>
+            <a:endParaRPr dirty="0"/>
+          </a:p>
+          <a:p>
+            <a:r>
+              <a:rPr dirty="0"/>
+              <a:t>Great! After the reset, when Windows first starts up, it will ask you to connect to </a:t>
+            </a:r>
+            <a:r>
+              <a:rPr dirty="0" err="1"/>
+              <a:t>WiFi</a:t>
+            </a:r>
+            <a:r>
+              <a:rPr dirty="0"/>
+              <a:t>. We'll use this network name to reconnect quickly."</a:t>
+            </a:r>
+          </a:p>
+          <a:p>
+            <a:endParaRPr dirty="0"/>
+          </a:p>
+          <a:p>
+            <a:r>
+              <a:rPr dirty="0"/>
               <a:t>WHY THIS MATTERS:</a:t>
             </a:r>
           </a:p>
           <a:p>
             <a:r>
+              <a:rPr dirty="0"/>
               <a:t>- OOBE (Out of Box Experience) requires internet before Autopilot can begin</a:t>
             </a:r>
           </a:p>
           <a:p>
             <a:r>
+              <a:rPr dirty="0"/>
               <a:t>- Sites often have multiple similar network names (Guest, Corp, VPN, etc.)</a:t>
             </a:r>
           </a:p>
           <a:p>
             <a:r>
+              <a:rPr dirty="0"/>
               <a:t>- Exact SSID avoids confusion during setup</a:t>
             </a:r>
           </a:p>
           <a:p>
             <a:r>
+              <a:rPr dirty="0"/>
               <a:t>- Saves time - no hunting for correct network</a:t>
             </a:r>
           </a:p>
           <a:p>
-            <a:endParaRPr/>
-          </a:p>
-          <a:p>
-            <a:r>
+            <a:endParaRPr dirty="0"/>
+          </a:p>
+          <a:p>
+            <a:r>
+              <a:rPr dirty="0"/>
               <a:t>DOCUMENT:</a:t>
             </a:r>
           </a:p>
           <a:p>
             <a:r>
+              <a:rPr dirty="0"/>
               <a:t>- Record SSID in your notes or ticket system</a:t>
             </a:r>
           </a:p>
           <a:p>
             <a:r>
+              <a:rPr dirty="0"/>
               <a:t>- If multiple networks available, note which one to use</a:t>
             </a:r>
           </a:p>
           <a:p>
             <a:r>
+              <a:rPr dirty="0"/>
               <a:t>- If user is on Guest network, note if Corp network is available</a:t>
             </a:r>
           </a:p>
           <a:p>
             <a:r>
+              <a:rPr dirty="0"/>
               <a:t>- Check if network requires certificate or special auth</a:t>
             </a:r>
           </a:p>
           <a:p>
-            <a:endParaRPr/>
-          </a:p>
-          <a:p>
-            <a:r>
+            <a:endParaRPr dirty="0"/>
+          </a:p>
+          <a:p>
+            <a:r>
+              <a:rPr dirty="0"/>
               <a:t>COMMON NETWORKS:</a:t>
             </a:r>
           </a:p>
           <a:p>
             <a:r>
-              <a:t>- Impact_Floors_Corp</a:t>
-            </a:r>
-          </a:p>
-          <a:p>
-            <a:r>
-              <a:t>- Impact_Guest</a:t>
-            </a:r>
-          </a:p>
-          <a:p>
-            <a:r>
-              <a:t>- INGINC-WiFi</a:t>
-            </a:r>
-          </a:p>
-          <a:p>
-            <a:r>
+              <a:rPr dirty="0"/>
+              <a:t>- </a:t>
+            </a:r>
+            <a:r>
+              <a:rPr dirty="0" err="1"/>
+              <a:t>Impact_Floors_Corp</a:t>
+            </a:r>
+            <a:endParaRPr dirty="0"/>
+          </a:p>
+          <a:p>
+            <a:r>
+              <a:rPr dirty="0"/>
+              <a:t>- </a:t>
+            </a:r>
+            <a:r>
+              <a:rPr dirty="0" err="1"/>
+              <a:t>Impact_Guest</a:t>
+            </a:r>
+            <a:endParaRPr dirty="0"/>
+          </a:p>
+          <a:p>
+            <a:r>
+              <a:rPr dirty="0"/>
+              <a:t>- INGINC-</a:t>
+            </a:r>
+            <a:r>
+              <a:rPr dirty="0" err="1"/>
+              <a:t>WiFi</a:t>
+            </a:r>
+            <a:endParaRPr dirty="0"/>
+          </a:p>
+          <a:p>
+            <a:r>
+              <a:rPr dirty="0"/>
               <a:t>- Site-specific names</a:t>
             </a:r>
           </a:p>
           <a:p>
-            <a:endParaRPr/>
+            <a:endParaRPr dirty="0"/>
           </a:p>
         </p:txBody>
       </p:sp>
@@ -1208,223 +1268,291 @@
           <a:bodyPr/>
           <a:lstStyle/>
           <a:p>
-            <a:endParaRPr/>
-          </a:p>
-          <a:p>
-            <a:r>
+            <a:endParaRPr dirty="0"/>
+          </a:p>
+          <a:p>
+            <a:r>
+              <a:rPr dirty="0"/>
               <a:t>DETAILED SCRIPT:</a:t>
             </a:r>
           </a:p>
           <a:p>
             <a:r>
+              <a:rPr dirty="0"/>
               <a:t>"Now we need to check for Outlook data files. These are special files that store your email archives, and they won't sync automatically to OneDrive.</a:t>
             </a:r>
           </a:p>
           <a:p>
-            <a:endParaRPr/>
-          </a:p>
-          <a:p>
-            <a:r>
+            <a:endParaRPr dirty="0"/>
+          </a:p>
+          <a:p>
+            <a:r>
+              <a:rPr dirty="0"/>
               <a:t>Open File Explorer - you can click the folder icon in your taskbar. Now, click in the address bar at the top where it shows the folder path, and I'm going to have you type something. Clear that out and type exactly:</a:t>
             </a:r>
           </a:p>
           <a:p>
             <a:r>
+              <a:rPr dirty="0"/>
               <a:t>%LOCALAPPDATA%\Microsoft\Outlook</a:t>
             </a:r>
           </a:p>
           <a:p>
-            <a:endParaRPr/>
-          </a:p>
-          <a:p>
-            <a:r>
+            <a:endParaRPr dirty="0"/>
+          </a:p>
+          <a:p>
+            <a:r>
+              <a:rPr dirty="0"/>
               <a:t>Press Enter. This will take you to where Outlook stores its data files.</a:t>
             </a:r>
           </a:p>
           <a:p>
-            <a:endParaRPr/>
-          </a:p>
-          <a:p>
-            <a:r>
-              <a:t>Do you see any files in this folder? Look for files ending in .ost or .pst.</a:t>
-            </a:r>
-          </a:p>
-          <a:p>
-            <a:endParaRPr/>
-          </a:p>
-          <a:p>
-            <a:r>
+            <a:endParaRPr dirty="0"/>
+          </a:p>
+          <a:p>
+            <a:r>
+              <a:rPr dirty="0"/>
+              <a:t>Do you see any files in this folder? Look for files ending in .</a:t>
+            </a:r>
+            <a:r>
+              <a:rPr dirty="0" err="1"/>
+              <a:t>ost</a:t>
+            </a:r>
+            <a:r>
+              <a:rPr dirty="0"/>
+              <a:t> or .</a:t>
+            </a:r>
+            <a:r>
+              <a:rPr dirty="0" err="1"/>
+              <a:t>pst</a:t>
+            </a:r>
+            <a:r>
+              <a:rPr dirty="0"/>
+              <a:t>.</a:t>
+            </a:r>
+          </a:p>
+          <a:p>
+            <a:endParaRPr dirty="0"/>
+          </a:p>
+          <a:p>
+            <a:r>
+              <a:rPr dirty="0"/>
               <a:t>[If OST files only]</a:t>
             </a:r>
           </a:p>
           <a:p>
             <a:r>
+              <a:rPr dirty="0"/>
               <a:t>Perfect - I see OST files, but no PST files. The OST files are just a cached copy of your mailbox - those get recreated automatically after migration. You're all set here.</a:t>
             </a:r>
           </a:p>
           <a:p>
-            <a:endParaRPr/>
-          </a:p>
-          <a:p>
-            <a:r>
+            <a:endParaRPr dirty="0"/>
+          </a:p>
+          <a:p>
+            <a:r>
+              <a:rPr dirty="0"/>
               <a:t>[If PST files exist]</a:t>
             </a:r>
           </a:p>
           <a:p>
             <a:r>
+              <a:rPr dirty="0"/>
               <a:t>Okay, I see you have PST files. These are personal archives - maybe old emails you wanted to keep. We need to copy these to your OneDrive.</a:t>
             </a:r>
           </a:p>
           <a:p>
-            <a:endParaRPr/>
-          </a:p>
-          <a:p>
-            <a:r>
-              <a:t>Right-click on the PST file and select Copy. Now navigate to your OneDrive Documents folder - you can click 'OneDrive - INGINC.com' in the left sidebar of File Explorer, then Documents. Right-click in an empty area and select Paste.</a:t>
-            </a:r>
-          </a:p>
-          <a:p>
-            <a:endParaRPr/>
-          </a:p>
-          <a:p>
-            <a:r>
-              <a:t>Great! Now let's verify it copied correctly. Open your web browser and go to portal.office.com. Sign in if needed, then click on OneDrive. Go to the Documents folder - can you see the PST file there?"</a:t>
-            </a:r>
-          </a:p>
-          <a:p>
-            <a:endParaRPr/>
-          </a:p>
-          <a:p>
-            <a:r>
+            <a:endParaRPr dirty="0"/>
+          </a:p>
+          <a:p>
+            <a:r>
+              <a:rPr dirty="0"/>
+              <a:t>Right-click on the PST file and select Copy. Now navigate to your OneDrive Documents folder - you can click 'OneDrive - </a:t>
+            </a:r>
+            <a:r>
+              <a:rPr dirty="0" err="1"/>
+              <a:t>INGINC.com</a:t>
+            </a:r>
+            <a:r>
+              <a:rPr dirty="0"/>
+              <a:t>' in the left sidebar of File Explorer, then Documents. Right-click in an empty area and select Paste.</a:t>
+            </a:r>
+          </a:p>
+          <a:p>
+            <a:endParaRPr dirty="0"/>
+          </a:p>
+          <a:p>
+            <a:r>
+              <a:rPr dirty="0"/>
+              <a:t>Great! Now let's verify it copied correctly. Open your web browser and go to </a:t>
+            </a:r>
+            <a:r>
+              <a:rPr dirty="0" err="1"/>
+              <a:t>portal.office.com</a:t>
+            </a:r>
+            <a:r>
+              <a:rPr dirty="0"/>
+              <a:t>. Sign in if needed, then click on OneDrive. Go to the Documents folder - can you see the PST file there?"</a:t>
+            </a:r>
+          </a:p>
+          <a:p>
+            <a:endParaRPr dirty="0"/>
+          </a:p>
+          <a:p>
+            <a:r>
+              <a:rPr dirty="0"/>
               <a:t>TECHNICAL DETAILS:</a:t>
             </a:r>
           </a:p>
           <a:p>
             <a:r>
+              <a:rPr dirty="0"/>
               <a:t>OST Files:</a:t>
             </a:r>
           </a:p>
           <a:p>
             <a:r>
+              <a:rPr dirty="0"/>
               <a:t>- Offline cache of Exchange mailbox</a:t>
             </a:r>
           </a:p>
           <a:p>
             <a:r>
+              <a:rPr dirty="0"/>
               <a:t>- Stored locally for performance</a:t>
             </a:r>
           </a:p>
           <a:p>
             <a:r>
+              <a:rPr dirty="0"/>
               <a:t>- Automatically recreated when Outlook connects to Exchange</a:t>
             </a:r>
           </a:p>
           <a:p>
             <a:r>
+              <a:rPr dirty="0"/>
               <a:t>- Can be large (5-50 GB typical)</a:t>
             </a:r>
           </a:p>
           <a:p>
             <a:r>
+              <a:rPr dirty="0"/>
               <a:t>- NO ACTION NEEDED - let them be deleted with reset</a:t>
             </a:r>
           </a:p>
           <a:p>
-            <a:endParaRPr/>
-          </a:p>
-          <a:p>
-            <a:r>
+            <a:endParaRPr dirty="0"/>
+          </a:p>
+          <a:p>
+            <a:r>
+              <a:rPr dirty="0"/>
               <a:t>PST Files:</a:t>
             </a:r>
           </a:p>
           <a:p>
             <a:r>
+              <a:rPr dirty="0"/>
               <a:t>- Personal archive created by USER</a:t>
             </a:r>
           </a:p>
           <a:p>
             <a:r>
+              <a:rPr dirty="0"/>
               <a:t>- Contains emails moved OUT of main mailbox</a:t>
             </a:r>
           </a:p>
           <a:p>
             <a:r>
+              <a:rPr dirty="0"/>
               <a:t>- Often used for old emails, projects, legal hold</a:t>
             </a:r>
           </a:p>
           <a:p>
             <a:r>
+              <a:rPr dirty="0"/>
               <a:t>- NOT automatically backed up</a:t>
             </a:r>
           </a:p>
           <a:p>
             <a:r>
+              <a:rPr dirty="0"/>
               <a:t>- DATA LOSS if not manually backed up</a:t>
             </a:r>
           </a:p>
           <a:p>
             <a:r>
+              <a:rPr dirty="0"/>
               <a:t>- MUST be copied to OneDrive or will be lost forever</a:t>
             </a:r>
           </a:p>
           <a:p>
-            <a:endParaRPr/>
-          </a:p>
-          <a:p>
-            <a:r>
+            <a:endParaRPr dirty="0"/>
+          </a:p>
+          <a:p>
+            <a:r>
+              <a:rPr dirty="0"/>
               <a:t>COMMON SCENARIOS:</a:t>
             </a:r>
           </a:p>
           <a:p>
             <a:r>
+              <a:rPr dirty="0"/>
               <a:t>1. No PST files (most common): Quick check, move on</a:t>
             </a:r>
           </a:p>
           <a:p>
             <a:r>
+              <a:rPr dirty="0"/>
               <a:t>2. Old PST from previous company: Ask if user wants to keep</a:t>
             </a:r>
           </a:p>
           <a:p>
             <a:r>
+              <a:rPr dirty="0"/>
               <a:t>3. Multiple PST files: Copy all to OneDrive</a:t>
             </a:r>
           </a:p>
           <a:p>
             <a:r>
+              <a:rPr dirty="0"/>
               <a:t>4. PST file very large (&gt;10 GB): May take time to upload, monitor progress</a:t>
             </a:r>
           </a:p>
           <a:p>
             <a:r>
+              <a:rPr dirty="0"/>
               <a:t>5. User doesn't know what PST is: Explain "it's like a filing cabinet for old emails you wanted to archive"</a:t>
             </a:r>
           </a:p>
           <a:p>
-            <a:endParaRPr/>
-          </a:p>
-          <a:p>
-            <a:r>
+            <a:endParaRPr dirty="0"/>
+          </a:p>
+          <a:p>
+            <a:r>
+              <a:rPr dirty="0"/>
               <a:t>VERIFICATION:</a:t>
             </a:r>
           </a:p>
           <a:p>
             <a:r>
+              <a:rPr dirty="0"/>
               <a:t>- Check file size in OneDrive web portal matches local file</a:t>
             </a:r>
           </a:p>
           <a:p>
             <a:r>
+              <a:rPr dirty="0"/>
               <a:t>- Confirm green checkmark on OneDrive sync</a:t>
             </a:r>
           </a:p>
           <a:p>
             <a:r>
+              <a:rPr dirty="0"/>
               <a:t>- Note PST file names in ticket/documentation</a:t>
             </a:r>
           </a:p>
           <a:p>
-            <a:endParaRPr/>
+            <a:endParaRPr dirty="0"/>
           </a:p>
         </p:txBody>
       </p:sp>
@@ -1492,173 +1620,218 @@
           <a:bodyPr/>
           <a:lstStyle/>
           <a:p>
-            <a:endParaRPr/>
-          </a:p>
-          <a:p>
-            <a:r>
+            <a:endParaRPr dirty="0"/>
+          </a:p>
+          <a:p>
+            <a:r>
+              <a:rPr dirty="0"/>
               <a:t>CHECKPOINT SCRIPT:</a:t>
             </a:r>
           </a:p>
           <a:p>
             <a:r>
+              <a:rPr dirty="0"/>
               <a:t>"Alright, let's review everything we've backed up to make sure we're ready for the reset. I'm going to go through the checklist with you:</a:t>
             </a:r>
           </a:p>
           <a:p>
-            <a:endParaRPr/>
-          </a:p>
-          <a:p>
-            <a:r>
+            <a:endParaRPr dirty="0"/>
+          </a:p>
+          <a:p>
+            <a:r>
+              <a:rPr dirty="0"/>
               <a:t>[Go through each item and check off]</a:t>
             </a:r>
           </a:p>
           <a:p>
-            <a:endParaRPr/>
-          </a:p>
-          <a:p>
-            <a:r>
+            <a:endParaRPr dirty="0"/>
+          </a:p>
+          <a:p>
+            <a:r>
+              <a:rPr dirty="0"/>
               <a:t>1. OneDrive - Is the cloud icon showing a green checkmark? Perfect.</a:t>
             </a:r>
           </a:p>
           <a:p>
             <a:r>
+              <a:rPr dirty="0"/>
               <a:t>2. Known Folder Backup - We enabled Desktop, Documents, and Pictures, right? Good.</a:t>
             </a:r>
           </a:p>
           <a:p>
             <a:r>
+              <a:rPr dirty="0"/>
               <a:t>3. Sync complete - Everything uploaded? Excellent.</a:t>
             </a:r>
           </a:p>
           <a:p>
             <a:r>
+              <a:rPr dirty="0"/>
               <a:t>4. Browser sync - You signed in to Chrome/Edge? Check.</a:t>
             </a:r>
           </a:p>
           <a:p>
             <a:r>
+              <a:rPr dirty="0"/>
               <a:t>5. Browser exports - Bookmarks and passwords saved to OneDrive Documents? Got it.</a:t>
             </a:r>
           </a:p>
           <a:p>
             <a:r>
+              <a:rPr dirty="0"/>
               <a:t>6. Printers - We took that screenshot? Yes.</a:t>
             </a:r>
           </a:p>
           <a:p>
             <a:r>
-              <a:t>7. WiFi - I have the network name written down: [SSID]</a:t>
-            </a:r>
-          </a:p>
-          <a:p>
-            <a:r>
+              <a:rPr dirty="0"/>
+              <a:t>7. </a:t>
+            </a:r>
+            <a:r>
+              <a:rPr dirty="0" err="1"/>
+              <a:t>WiFi</a:t>
+            </a:r>
+            <a:r>
+              <a:rPr dirty="0"/>
+              <a:t> - I have the network name written down: [SSID]</a:t>
+            </a:r>
+          </a:p>
+          <a:p>
+            <a:r>
+              <a:rPr dirty="0"/>
               <a:t>8. Outlook PST - [We checked/no PST files/copied to OneDrive]</a:t>
             </a:r>
           </a:p>
           <a:p>
             <a:r>
+              <a:rPr dirty="0"/>
               <a:t>9. iOS - [Backup verified/no iOS device/backup created]</a:t>
             </a:r>
           </a:p>
           <a:p>
-            <a:endParaRPr/>
-          </a:p>
-          <a:p>
-            <a:r>
+            <a:endParaRPr dirty="0"/>
+          </a:p>
+          <a:p>
+            <a:r>
+              <a:rPr dirty="0"/>
               <a:t>Perfect! Everything is backed up and safe. Your data is secure in OneDrive, and we can now proceed with requesting the device reset. The IT team will send you instructions for Phase 2 once the reset is processed."</a:t>
             </a:r>
           </a:p>
           <a:p>
-            <a:endParaRPr/>
-          </a:p>
-          <a:p>
-            <a:r>
+            <a:endParaRPr dirty="0"/>
+          </a:p>
+          <a:p>
+            <a:r>
+              <a:rPr dirty="0"/>
               <a:t>CRITICAL CHECKPOINT:</a:t>
             </a:r>
           </a:p>
           <a:p>
             <a:r>
+              <a:rPr dirty="0"/>
               <a:t>- Review EVERY item before ending call</a:t>
             </a:r>
           </a:p>
           <a:p>
             <a:r>
+              <a:rPr dirty="0"/>
               <a:t>- Verify green checkmark on OneDrive specifically</a:t>
             </a:r>
           </a:p>
           <a:p>
             <a:r>
-              <a:t>- Check portal.office.com to visually confirm files in cloud</a:t>
-            </a:r>
-          </a:p>
-          <a:p>
-            <a:r>
+              <a:rPr dirty="0"/>
+              <a:t>- Check </a:t>
+            </a:r>
+            <a:r>
+              <a:rPr dirty="0" err="1"/>
+              <a:t>portal.office.com</a:t>
+            </a:r>
+            <a:r>
+              <a:rPr dirty="0"/>
+              <a:t> to visually confirm files in cloud</a:t>
+            </a:r>
+          </a:p>
+          <a:p>
+            <a:r>
+              <a:rPr dirty="0"/>
               <a:t>- Document checklist completion in ticket</a:t>
             </a:r>
           </a:p>
           <a:p>
             <a:r>
+              <a:rPr dirty="0"/>
               <a:t>- User should not be able to proceed to Phase 2 until this is 100% complete</a:t>
             </a:r>
           </a:p>
           <a:p>
-            <a:endParaRPr/>
-          </a:p>
-          <a:p>
-            <a:r>
+            <a:endParaRPr dirty="0"/>
+          </a:p>
+          <a:p>
+            <a:r>
+              <a:rPr dirty="0"/>
               <a:t>IF ANYTHING IS INCOMPLETE:</a:t>
             </a:r>
           </a:p>
           <a:p>
             <a:r>
+              <a:rPr dirty="0"/>
               <a:t>- Schedule follow-up</a:t>
             </a:r>
           </a:p>
           <a:p>
             <a:r>
+              <a:rPr dirty="0"/>
               <a:t>- Set reminder to verify OneDrive sync completion</a:t>
             </a:r>
           </a:p>
           <a:p>
             <a:r>
+              <a:rPr dirty="0"/>
               <a:t>- Do NOT rush - data loss is worse than delay</a:t>
             </a:r>
           </a:p>
           <a:p>
             <a:r>
+              <a:rPr dirty="0"/>
               <a:t>- Use wait time to help other users</a:t>
             </a:r>
           </a:p>
           <a:p>
-            <a:endParaRPr/>
-          </a:p>
-          <a:p>
-            <a:r>
+            <a:endParaRPr dirty="0"/>
+          </a:p>
+          <a:p>
+            <a:r>
+              <a:rPr dirty="0"/>
               <a:t>BEST PRACTICE:</a:t>
             </a:r>
           </a:p>
           <a:p>
             <a:r>
+              <a:rPr dirty="0"/>
               <a:t>While waiting for OneDrive sync (15-30 min):</a:t>
             </a:r>
           </a:p>
           <a:p>
             <a:r>
+              <a:rPr dirty="0"/>
               <a:t>- Start another user's Phase 1</a:t>
             </a:r>
           </a:p>
           <a:p>
             <a:r>
+              <a:rPr dirty="0"/>
               <a:t>- Come back to verify this user's sync completion</a:t>
             </a:r>
           </a:p>
           <a:p>
             <a:r>
+              <a:rPr dirty="0"/>
               <a:t>- Efficient use of time while maintaining safety</a:t>
             </a:r>
           </a:p>
           <a:p>
-            <a:endParaRPr/>
+            <a:endParaRPr dirty="0"/>
           </a:p>
         </p:txBody>
       </p:sp>
@@ -4853,7 +5026,7 @@
         <p:spPr>
           <a:xfrm>
             <a:off x="1371600" y="1097280"/>
-            <a:ext cx="6400800" cy="3970318"/>
+            <a:ext cx="6400800" cy="3693319"/>
           </a:xfrm>
           <a:prstGeom prst="rect">
             <a:avLst/>
@@ -4988,18 +5161,10 @@
               </a:defRPr>
             </a:pPr>
             <a:r>
-              <a:rPr dirty="0"/>
-              <a:t>iOS Device Backup (if applicable)</a:t>
-            </a:r>
-          </a:p>
-          <a:p>
-            <a:pPr lvl="1">
-              <a:defRPr sz="1800" b="0"/>
-            </a:pPr>
-            <a:r>
-              <a:rPr dirty="0"/>
-              <a:t>iPhone or iPad via Apple Devices app</a:t>
-            </a:r>
+              <a:rPr lang="en-US" dirty="0"/>
+              <a:t>Prepare Serial Number for Reset!</a:t>
+            </a:r>
+            <a:endParaRPr dirty="0"/>
           </a:p>
         </p:txBody>
       </p:sp>
@@ -5037,7 +5202,7 @@
         <p:spPr>
           <a:xfrm>
             <a:off x="914400" y="274320"/>
-            <a:ext cx="7315200" cy="914400"/>
+            <a:ext cx="7315200" cy="769441"/>
           </a:xfrm>
           <a:prstGeom prst="rect">
             <a:avLst/>
@@ -5058,7 +5223,8 @@
               </a:defRPr>
             </a:pPr>
             <a:r>
-              <a:t>Step 1: OneDrive Setup</a:t>
+              <a:rPr dirty="0"/>
+              <a:t>OneDrive Setup</a:t>
             </a:r>
           </a:p>
         </p:txBody>
@@ -5265,7 +5431,7 @@
         <p:spPr>
           <a:xfrm>
             <a:off x="914400" y="274320"/>
-            <a:ext cx="7315200" cy="914400"/>
+            <a:ext cx="7315200" cy="769441"/>
           </a:xfrm>
           <a:prstGeom prst="rect">
             <a:avLst/>
@@ -5286,7 +5452,8 @@
               </a:defRPr>
             </a:pPr>
             <a:r>
-              <a:t>Step 2: Browser Profile Backup</a:t>
+              <a:rPr dirty="0"/>
+              <a:t>Browser Profile Backup</a:t>
             </a:r>
           </a:p>
         </p:txBody>
@@ -5600,7 +5767,7 @@
           </a:bodyPr>
           <a:lstStyle/>
           <a:p>
-            <a:pPr defTabSz="914400">
+            <a:pPr algn="ctr" defTabSz="914400">
               <a:lnSpc>
                 <a:spcPct val="90000"/>
               </a:lnSpc>
@@ -5617,12 +5784,12 @@
               </a:defRPr>
             </a:pPr>
             <a:r>
-              <a:rPr lang="en-US" sz="2700">
+              <a:rPr lang="en-US" sz="2700" dirty="0">
                 <a:latin typeface="+mj-lt"/>
                 <a:ea typeface="+mj-ea"/>
                 <a:cs typeface="+mj-cs"/>
               </a:rPr>
-              <a:t>Step 3: Printer Configuration</a:t>
+              <a:t>Printer Configuration</a:t>
             </a:r>
           </a:p>
         </p:txBody>
@@ -5875,7 +6042,7 @@
         <p:spPr>
           <a:xfrm>
             <a:off x="914400" y="274320"/>
-            <a:ext cx="7315200" cy="914400"/>
+            <a:ext cx="7315200" cy="769441"/>
           </a:xfrm>
           <a:prstGeom prst="rect">
             <a:avLst/>
@@ -5896,7 +6063,12 @@
               </a:defRPr>
             </a:pPr>
             <a:r>
-              <a:t>Step 4: WiFi Network Documentation</a:t>
+              <a:rPr dirty="0" err="1"/>
+              <a:t>WiFi</a:t>
+            </a:r>
+            <a:r>
+              <a:rPr dirty="0"/>
+              <a:t> Network</a:t>
             </a:r>
           </a:p>
         </p:txBody>
@@ -5910,7 +6082,7 @@
         <p:spPr>
           <a:xfrm>
             <a:off x="1828800" y="1371600"/>
-            <a:ext cx="5486400" cy="2400657"/>
+            <a:ext cx="5486400" cy="3293209"/>
           </a:xfrm>
           <a:prstGeom prst="rect">
             <a:avLst/>
@@ -5932,6 +6104,23 @@
             <a:endParaRPr dirty="0"/>
           </a:p>
           <a:p>
+            <a:pPr algn="ctr">
+              <a:defRPr sz="2000" b="1">
+                <a:solidFill>
+                  <a:srgbClr val="0078D4"/>
+                </a:solidFill>
+              </a:defRPr>
+            </a:pPr>
+            <a:r>
+              <a:rPr dirty="0"/>
+              <a:t>Record the network name (SSID)</a:t>
+            </a:r>
+            <a:r>
+              <a:rPr lang="en-US" dirty="0"/>
+              <a:t> and Password you are connected to for Reconnection</a:t>
+            </a:r>
+          </a:p>
+          <a:p>
             <a:pPr>
               <a:defRPr sz="2000" b="1">
                 <a:solidFill>
@@ -5939,18 +6128,7 @@
                 </a:solidFill>
               </a:defRPr>
             </a:pPr>
-            <a:r>
-              <a:rPr dirty="0"/>
-              <a:t>Record the network name (SSID)</a:t>
-            </a:r>
-            <a:r>
-              <a:rPr lang="en-US" dirty="0"/>
-              <a:t> and Password</a:t>
-            </a:r>
-            <a:r>
-              <a:rPr dirty="0"/>
-              <a:t>:</a:t>
-            </a:r>
+            <a:endParaRPr dirty="0"/>
           </a:p>
           <a:p>
             <a:pPr lvl="1">
@@ -5960,6 +6138,12 @@
               <a:rPr dirty="0"/>
               <a:t>Network: _______________________</a:t>
             </a:r>
+            <a:endParaRPr lang="en-US" dirty="0"/>
+          </a:p>
+          <a:p>
+            <a:pPr lvl="1">
+              <a:defRPr sz="1800" b="0"/>
+            </a:pPr>
             <a:endParaRPr lang="en-US" dirty="0"/>
           </a:p>
           <a:p>
@@ -6096,6 +6280,7 @@
               </a:defRPr>
             </a:pPr>
             <a:r>
+              <a:rPr dirty="0"/>
               <a:t>Step 5: Outlook Data Files (OST/PST)</a:t>
             </a:r>
           </a:p>
@@ -6404,6 +6589,83 @@
           <a:chExt cx="0" cy="0"/>
         </a:xfrm>
       </p:grpSpPr>
+      <p:pic>
+        <p:nvPicPr>
+          <p:cNvPr id="1026" name="Picture 2">
+            <a:extLst>
+              <a:ext uri="{FF2B5EF4-FFF2-40B4-BE49-F238E27FC236}">
+                <a16:creationId xmlns:a16="http://schemas.microsoft.com/office/drawing/2014/main" id="{18F7B588-8F86-4DE6-179D-6B47151D8857}"/>
+              </a:ext>
+            </a:extLst>
+          </p:cNvPr>
+          <p:cNvPicPr>
+            <a:picLocks noChangeAspect="1" noChangeArrowheads="1"/>
+          </p:cNvPicPr>
+          <p:nvPr/>
+        </p:nvPicPr>
+        <p:blipFill>
+          <a:blip r:embed="rId2">
+            <a:extLst>
+              <a:ext uri="{28A0092B-C50C-407E-A947-70E740481C1C}">
+                <a14:useLocalDpi xmlns:a14="http://schemas.microsoft.com/office/drawing/2010/main" val="0"/>
+              </a:ext>
+            </a:extLst>
+          </a:blip>
+          <a:srcRect/>
+          <a:stretch>
+            <a:fillRect/>
+          </a:stretch>
+        </p:blipFill>
+        <p:spPr bwMode="auto">
+          <a:xfrm>
+            <a:off x="0" y="0"/>
+            <a:ext cx="9144000" cy="5143500"/>
+          </a:xfrm>
+          <a:prstGeom prst="rect">
+            <a:avLst/>
+          </a:prstGeom>
+          <a:noFill/>
+          <a:extLst>
+            <a:ext uri="{909E8E84-426E-40DD-AFC4-6F175D3DCCD1}">
+              <a14:hiddenFill xmlns:a14="http://schemas.microsoft.com/office/drawing/2010/main">
+                <a:solidFill>
+                  <a:srgbClr val="FFFFFF"/>
+                </a:solidFill>
+              </a14:hiddenFill>
+            </a:ext>
+          </a:extLst>
+        </p:spPr>
+      </p:pic>
+    </p:spTree>
+    <p:extLst>
+      <p:ext uri="{BB962C8B-B14F-4D97-AF65-F5344CB8AC3E}">
+        <p14:creationId xmlns:p14="http://schemas.microsoft.com/office/powerpoint/2010/main" val="2185061231"/>
+      </p:ext>
+    </p:extLst>
+  </p:cSld>
+  <p:clrMapOvr>
+    <a:masterClrMapping/>
+  </p:clrMapOvr>
+</p:sld>
+</file>
+
+<file path=ppt/slides/slide9.xml><?xml version="1.0" encoding="utf-8"?>
+<p:sld xmlns:a="http://schemas.openxmlformats.org/drawingml/2006/main" xmlns:r="http://schemas.openxmlformats.org/officeDocument/2006/relationships" xmlns:p="http://schemas.openxmlformats.org/presentationml/2006/main">
+  <p:cSld>
+    <p:spTree>
+      <p:nvGrpSpPr>
+        <p:cNvPr id="1" name=""/>
+        <p:cNvGrpSpPr/>
+        <p:nvPr/>
+      </p:nvGrpSpPr>
+      <p:grpSpPr>
+        <a:xfrm>
+          <a:off x="0" y="0"/>
+          <a:ext cx="0" cy="0"/>
+          <a:chOff x="0" y="0"/>
+          <a:chExt cx="0" cy="0"/>
+        </a:xfrm>
+      </p:grpSpPr>
       <p:sp>
         <p:nvSpPr>
           <p:cNvPr id="2" name="TextBox 1"/>
@@ -6435,7 +6697,7 @@
             </a:pPr>
             <a:r>
               <a:rPr dirty="0"/>
-              <a:t>Phase 1 Checklist</a:t>
+              <a:t>Checklist</a:t>
             </a:r>
           </a:p>
         </p:txBody>
@@ -6564,6 +6826,7 @@
               <a:rPr dirty="0"/>
               <a:t>☐ iOS backup verified or created (if applicable)</a:t>
             </a:r>
+            <a:endParaRPr lang="en-US" dirty="0"/>
           </a:p>
         </p:txBody>
       </p:sp>
@@ -6598,6 +6861,93 @@
             </a:pPr>
             <a:r>
               <a:t>🛑 DO NOT request device reset until ALL items above are complete</a:t>
+            </a:r>
+          </a:p>
+        </p:txBody>
+      </p:sp>
+      <p:sp>
+        <p:nvSpPr>
+          <p:cNvPr id="6" name="TextBox 5">
+            <a:extLst>
+              <a:ext uri="{FF2B5EF4-FFF2-40B4-BE49-F238E27FC236}">
+                <a16:creationId xmlns:a16="http://schemas.microsoft.com/office/drawing/2014/main" id="{64FE46C9-DB0C-7BB1-B360-AE7FFFD1EE7C}"/>
+              </a:ext>
+            </a:extLst>
+          </p:cNvPr>
+          <p:cNvSpPr txBox="1"/>
+          <p:nvPr/>
+        </p:nvSpPr>
+        <p:spPr>
+          <a:xfrm>
+            <a:off x="914399" y="3128605"/>
+            <a:ext cx="7315200" cy="1323439"/>
+          </a:xfrm>
+          <a:prstGeom prst="rect">
+            <a:avLst/>
+          </a:prstGeom>
+          <a:noFill/>
+        </p:spPr>
+        <p:txBody>
+          <a:bodyPr wrap="square">
+            <a:spAutoFit/>
+          </a:bodyPr>
+          <a:lstStyle/>
+          <a:p>
+            <a:pPr algn="ctr">
+              <a:defRPr sz="2000" b="1">
+                <a:solidFill>
+                  <a:srgbClr val="0078D4"/>
+                </a:solidFill>
+              </a:defRPr>
+            </a:pPr>
+            <a:r>
+              <a:rPr lang="en-US" dirty="0"/>
+              <a:t>When the above are complete please send the below to Chat</a:t>
+            </a:r>
+          </a:p>
+          <a:p>
+            <a:pPr marL="1257300" lvl="2" indent="-342900">
+              <a:buFont typeface="Arial" panose="020B0604020202020204" pitchFamily="34" charset="0"/>
+              <a:buChar char="•"/>
+              <a:defRPr sz="2000" b="1">
+                <a:solidFill>
+                  <a:srgbClr val="0078D4"/>
+                </a:solidFill>
+              </a:defRPr>
+            </a:pPr>
+            <a:r>
+              <a:rPr lang="en-US" dirty="0"/>
+              <a:t>First/Last Name</a:t>
+            </a:r>
+          </a:p>
+          <a:p>
+            <a:pPr marL="1257300" lvl="2" indent="-342900">
+              <a:buFont typeface="Arial" panose="020B0604020202020204" pitchFamily="34" charset="0"/>
+              <a:buChar char="•"/>
+              <a:defRPr sz="2000" b="1">
+                <a:solidFill>
+                  <a:srgbClr val="0078D4"/>
+                </a:solidFill>
+              </a:defRPr>
+            </a:pPr>
+            <a:r>
+              <a:rPr lang="en-US" dirty="0"/>
+              <a:t>Email Address</a:t>
+            </a:r>
+          </a:p>
+          <a:p>
+            <a:pPr marL="1257300" lvl="2" indent="-342900">
+              <a:buFont typeface="Arial" panose="020B0604020202020204" pitchFamily="34" charset="0"/>
+              <a:buChar char="•"/>
+              <a:defRPr sz="2000" b="1">
+                <a:solidFill>
+                  <a:srgbClr val="0078D4"/>
+                </a:solidFill>
+              </a:defRPr>
+            </a:pPr>
+            <a:r>
+              <a:rPr lang="en-US" dirty="0"/>
+              <a:t>Serial Number from Previous Slide</a:t>
             </a:r>
           </a:p>
         </p:txBody>

--- a/presentation/Phase1-Backup-Guide.pptx
+++ b/presentation/Phase1-Backup-Guide.pptx
@@ -5,7 +5,7 @@
     <p:sldMasterId id="2147483648" r:id="rId1"/>
   </p:sldMasterIdLst>
   <p:notesMasterIdLst>
-    <p:notesMasterId r:id="rId11"/>
+    <p:notesMasterId r:id="rId31"/>
   </p:notesMasterIdLst>
   <p:sldIdLst>
     <p:sldId id="256" r:id="rId2"/>
@@ -15,8 +15,28 @@
     <p:sldId id="260" r:id="rId6"/>
     <p:sldId id="261" r:id="rId7"/>
     <p:sldId id="262" r:id="rId8"/>
-    <p:sldId id="265" r:id="rId9"/>
-    <p:sldId id="264" r:id="rId10"/>
+    <p:sldId id="264" r:id="rId9"/>
+    <p:sldId id="266" r:id="rId10"/>
+    <p:sldId id="271" r:id="rId11"/>
+    <p:sldId id="272" r:id="rId12"/>
+    <p:sldId id="273" r:id="rId13"/>
+    <p:sldId id="269" r:id="rId14"/>
+    <p:sldId id="275" r:id="rId15"/>
+    <p:sldId id="274" r:id="rId16"/>
+    <p:sldId id="276" r:id="rId17"/>
+    <p:sldId id="277" r:id="rId18"/>
+    <p:sldId id="278" r:id="rId19"/>
+    <p:sldId id="267" r:id="rId20"/>
+    <p:sldId id="268" r:id="rId21"/>
+    <p:sldId id="279" r:id="rId22"/>
+    <p:sldId id="280" r:id="rId23"/>
+    <p:sldId id="282" r:id="rId24"/>
+    <p:sldId id="283" r:id="rId25"/>
+    <p:sldId id="284" r:id="rId26"/>
+    <p:sldId id="285" r:id="rId27"/>
+    <p:sldId id="286" r:id="rId28"/>
+    <p:sldId id="287" r:id="rId29"/>
+    <p:sldId id="288" r:id="rId30"/>
   </p:sldIdLst>
   <p:sldSz cx="9144000" cy="5143500" type="screen16x9"/>
   <p:notesSz cx="6858000" cy="9144000"/>
@@ -368,6 +388,467 @@
 </p:notes>
 </file>
 
+<file path=ppt/notesSlides/notesSlide10.xml><?xml version="1.0" encoding="utf-8"?>
+<p:notes xmlns:a="http://schemas.openxmlformats.org/drawingml/2006/main" xmlns:r="http://schemas.openxmlformats.org/officeDocument/2006/relationships" xmlns:p="http://schemas.openxmlformats.org/presentationml/2006/main">
+  <p:cSld>
+    <p:spTree>
+      <p:nvGrpSpPr>
+        <p:cNvPr id="1" name=""/>
+        <p:cNvGrpSpPr/>
+        <p:nvPr/>
+      </p:nvGrpSpPr>
+      <p:grpSpPr>
+        <a:xfrm>
+          <a:off x="0" y="0"/>
+          <a:ext cx="0" cy="0"/>
+          <a:chOff x="0" y="0"/>
+          <a:chExt cx="0" cy="0"/>
+        </a:xfrm>
+      </p:grpSpPr>
+      <p:sp>
+        <p:nvSpPr>
+          <p:cNvPr id="2" name="Slide Image Placeholder 1"/>
+          <p:cNvSpPr>
+            <a:spLocks noGrp="1" noRot="1" noChangeAspect="1"/>
+          </p:cNvSpPr>
+          <p:nvPr>
+            <p:ph type="sldImg" idx="2"/>
+          </p:nvPr>
+        </p:nvSpPr>
+        <p:spPr/>
+      </p:sp>
+      <p:sp>
+        <p:nvSpPr>
+          <p:cNvPr id="3" name="Notes Placeholder 2"/>
+          <p:cNvSpPr>
+            <a:spLocks noGrp="1"/>
+          </p:cNvSpPr>
+          <p:nvPr>
+            <p:ph type="body" sz="quarter" idx="3"/>
+          </p:nvPr>
+        </p:nvSpPr>
+        <p:spPr/>
+        <p:txBody>
+          <a:bodyPr/>
+          <a:lstStyle/>
+          <a:p>
+            <a:endParaRPr/>
+          </a:p>
+          <a:p>
+            <a:r>
+              <a:t>DETAILED SCRIPT:</a:t>
+            </a:r>
+          </a:p>
+          <a:p>
+            <a:r>
+              <a:t>"Let's start with OneDrive. Look at the bottom right corner of your screen, near the clock. Do you see a little cloud icon? That's OneDrive. Click on it.</a:t>
+            </a:r>
+          </a:p>
+          <a:p>
+            <a:endParaRPr/>
+          </a:p>
+          <a:p>
+            <a:r>
+              <a:t>If you don't see it, we need to install OneDrive first - we can get that from the Microsoft Store or onedrive.com.</a:t>
+            </a:r>
+          </a:p>
+          <a:p>
+            <a:endParaRPr/>
+          </a:p>
+          <a:p>
+            <a:r>
+              <a:t>[Once they find it]</a:t>
+            </a:r>
+          </a:p>
+          <a:p>
+            <a:r>
+              <a:t>Great! Now click on that cloud icon. Do you see where it says 'Sign in'? Click that and use your INGINC.com email address - the same one you use for Outlook.</a:t>
+            </a:r>
+          </a:p>
+          <a:p>
+            <a:endParaRPr/>
+          </a:p>
+          <a:p>
+            <a:r>
+              <a:t>[After sign in]</a:t>
+            </a:r>
+          </a:p>
+          <a:p>
+            <a:r>
+              <a:t>Perfect! Now let's set up folder backup. Click the gear icon in the OneDrive window. See where it says 'Sync and backup'? Click that tab. Now click 'Manage backup'.</a:t>
+            </a:r>
+          </a:p>
+          <a:p>
+            <a:endParaRPr/>
+          </a:p>
+          <a:p>
+            <a:r>
+              <a:t>You should see three folders here: Desktop, Documents, and Pictures. We want to make sure all three have checkmarks. If any are missing checkmarks, click to enable them. Then click 'Start backup' at the bottom.</a:t>
+            </a:r>
+          </a:p>
+          <a:p>
+            <a:endParaRPr/>
+          </a:p>
+          <a:p>
+            <a:r>
+              <a:t>Now we wait. You'll see the cloud icon has little blue arrows - that means it's uploading your files. This might take 15-30 minutes depending on how many files you have. While it's uploading, we can start working on the next user's backup. We'll come back to check for the green checkmark before we reset your device."</a:t>
+            </a:r>
+          </a:p>
+          <a:p>
+            <a:endParaRPr/>
+          </a:p>
+          <a:p>
+            <a:r>
+              <a:t>TROUBLESHOOTING:</a:t>
+            </a:r>
+          </a:p>
+          <a:p>
+            <a:r>
+              <a:t>- No cloud icon: Install OneDrive from Microsoft Store</a:t>
+            </a:r>
+          </a:p>
+          <a:p>
+            <a:r>
+              <a:t>- Can't sign in: Verify INGINC.com credentials, check MFA</a:t>
+            </a:r>
+          </a:p>
+          <a:p>
+            <a:r>
+              <a:t>- Known Folder protection already enabled: User may have bypassed - verify in portal.office.com</a:t>
+            </a:r>
+          </a:p>
+          <a:p>
+            <a:r>
+              <a:t>- Sync stuck: Check internet connection, restart OneDrive</a:t>
+            </a:r>
+          </a:p>
+          <a:p>
+            <a:endParaRPr/>
+          </a:p>
+          <a:p>
+            <a:r>
+              <a:t>IMPORTANT:</a:t>
+            </a:r>
+          </a:p>
+          <a:p>
+            <a:r>
+              <a:t>- DO NOT proceed to reset until green checkmark appears</a:t>
+            </a:r>
+          </a:p>
+          <a:p>
+            <a:r>
+              <a:t>- Use wait time to start another user's Phase 1</a:t>
+            </a:r>
+          </a:p>
+          <a:p>
+            <a:r>
+              <a:t>- Verify completion in portal.office.com before Phase 2</a:t>
+            </a:r>
+          </a:p>
+          <a:p>
+            <a:endParaRPr/>
+          </a:p>
+        </p:txBody>
+      </p:sp>
+      <p:sp>
+        <p:nvSpPr>
+          <p:cNvPr id="4" name="Slide Number Placeholder 3"/>
+          <p:cNvSpPr>
+            <a:spLocks noGrp="1"/>
+          </p:cNvSpPr>
+          <p:nvPr>
+            <p:ph type="sldNum" sz="quarter" idx="5"/>
+          </p:nvPr>
+        </p:nvSpPr>
+        <p:spPr/>
+      </p:sp>
+    </p:spTree>
+  </p:cSld>
+  <p:clrMapOvr>
+    <a:masterClrMapping/>
+  </p:clrMapOvr>
+</p:notes>
+</file>
+
+<file path=ppt/notesSlides/notesSlide11.xml><?xml version="1.0" encoding="utf-8"?>
+<p:notes xmlns:a="http://schemas.openxmlformats.org/drawingml/2006/main" xmlns:r="http://schemas.openxmlformats.org/officeDocument/2006/relationships" xmlns:p="http://schemas.openxmlformats.org/presentationml/2006/main">
+  <p:cSld>
+    <p:spTree>
+      <p:nvGrpSpPr>
+        <p:cNvPr id="1" name=""/>
+        <p:cNvGrpSpPr/>
+        <p:nvPr/>
+      </p:nvGrpSpPr>
+      <p:grpSpPr>
+        <a:xfrm>
+          <a:off x="0" y="0"/>
+          <a:ext cx="0" cy="0"/>
+          <a:chOff x="0" y="0"/>
+          <a:chExt cx="0" cy="0"/>
+        </a:xfrm>
+      </p:grpSpPr>
+      <p:sp>
+        <p:nvSpPr>
+          <p:cNvPr id="2" name="Slide Image Placeholder 1"/>
+          <p:cNvSpPr>
+            <a:spLocks noGrp="1" noRot="1" noChangeAspect="1"/>
+          </p:cNvSpPr>
+          <p:nvPr>
+            <p:ph type="sldImg" idx="2"/>
+          </p:nvPr>
+        </p:nvSpPr>
+        <p:spPr/>
+      </p:sp>
+      <p:sp>
+        <p:nvSpPr>
+          <p:cNvPr id="3" name="Notes Placeholder 2"/>
+          <p:cNvSpPr>
+            <a:spLocks noGrp="1"/>
+          </p:cNvSpPr>
+          <p:nvPr>
+            <p:ph type="body" sz="quarter" idx="3"/>
+          </p:nvPr>
+        </p:nvSpPr>
+        <p:spPr/>
+        <p:txBody>
+          <a:bodyPr/>
+          <a:lstStyle/>
+          <a:p>
+            <a:endParaRPr dirty="0"/>
+          </a:p>
+          <a:p>
+            <a:r>
+              <a:rPr dirty="0"/>
+              <a:t>CHECKPOINT SCRIPT:</a:t>
+            </a:r>
+          </a:p>
+          <a:p>
+            <a:r>
+              <a:rPr dirty="0"/>
+              <a:t>"Alright, let's review everything we've backed up to make sure we're ready for the reset. I'm going to go through the checklist with you:</a:t>
+            </a:r>
+          </a:p>
+          <a:p>
+            <a:endParaRPr dirty="0"/>
+          </a:p>
+          <a:p>
+            <a:r>
+              <a:rPr dirty="0"/>
+              <a:t>[Go through each item and check off]</a:t>
+            </a:r>
+          </a:p>
+          <a:p>
+            <a:endParaRPr dirty="0"/>
+          </a:p>
+          <a:p>
+            <a:r>
+              <a:rPr dirty="0"/>
+              <a:t>1. OneDrive - Is the cloud icon showing a green checkmark? Perfect.</a:t>
+            </a:r>
+          </a:p>
+          <a:p>
+            <a:r>
+              <a:rPr dirty="0"/>
+              <a:t>2. Known Folder Backup - We enabled Desktop, Documents, and Pictures, right? Good.</a:t>
+            </a:r>
+          </a:p>
+          <a:p>
+            <a:r>
+              <a:rPr dirty="0"/>
+              <a:t>3. Sync complete - Everything uploaded? Excellent.</a:t>
+            </a:r>
+          </a:p>
+          <a:p>
+            <a:r>
+              <a:rPr dirty="0"/>
+              <a:t>4. Browser sync - You signed in to Chrome/Edge? Check.</a:t>
+            </a:r>
+          </a:p>
+          <a:p>
+            <a:r>
+              <a:rPr dirty="0"/>
+              <a:t>5. Browser exports - Bookmarks and passwords saved to OneDrive Documents? Got it.</a:t>
+            </a:r>
+          </a:p>
+          <a:p>
+            <a:r>
+              <a:rPr dirty="0"/>
+              <a:t>6. Printers - We took that screenshot? Yes.</a:t>
+            </a:r>
+          </a:p>
+          <a:p>
+            <a:r>
+              <a:rPr dirty="0"/>
+              <a:t>7. </a:t>
+            </a:r>
+            <a:r>
+              <a:rPr dirty="0" err="1"/>
+              <a:t>WiFi</a:t>
+            </a:r>
+            <a:r>
+              <a:rPr dirty="0"/>
+              <a:t> - I have the network name written down: [SSID]</a:t>
+            </a:r>
+          </a:p>
+          <a:p>
+            <a:r>
+              <a:rPr dirty="0"/>
+              <a:t>8. Outlook PST - [We checked/no PST files/copied to OneDrive]</a:t>
+            </a:r>
+          </a:p>
+          <a:p>
+            <a:r>
+              <a:rPr dirty="0"/>
+              <a:t>9. iOS - [Backup verified/no iOS device/backup created]</a:t>
+            </a:r>
+          </a:p>
+          <a:p>
+            <a:endParaRPr dirty="0"/>
+          </a:p>
+          <a:p>
+            <a:r>
+              <a:rPr dirty="0"/>
+              <a:t>Perfect! Everything is backed up and safe. Your data is secure in OneDrive, and we can now proceed with requesting the device reset. The IT team will send you instructions for Phase 2 once the reset is processed."</a:t>
+            </a:r>
+          </a:p>
+          <a:p>
+            <a:endParaRPr dirty="0"/>
+          </a:p>
+          <a:p>
+            <a:r>
+              <a:rPr dirty="0"/>
+              <a:t>CRITICAL CHECKPOINT:</a:t>
+            </a:r>
+          </a:p>
+          <a:p>
+            <a:r>
+              <a:rPr dirty="0"/>
+              <a:t>- Review EVERY item before ending call</a:t>
+            </a:r>
+          </a:p>
+          <a:p>
+            <a:r>
+              <a:rPr dirty="0"/>
+              <a:t>- Verify green checkmark on OneDrive specifically</a:t>
+            </a:r>
+          </a:p>
+          <a:p>
+            <a:r>
+              <a:rPr dirty="0"/>
+              <a:t>- Check </a:t>
+            </a:r>
+            <a:r>
+              <a:rPr dirty="0" err="1"/>
+              <a:t>portal.office.com</a:t>
+            </a:r>
+            <a:r>
+              <a:rPr dirty="0"/>
+              <a:t> to visually confirm files in cloud</a:t>
+            </a:r>
+          </a:p>
+          <a:p>
+            <a:r>
+              <a:rPr dirty="0"/>
+              <a:t>- Document checklist completion in ticket</a:t>
+            </a:r>
+          </a:p>
+          <a:p>
+            <a:r>
+              <a:rPr dirty="0"/>
+              <a:t>- User should not be able to proceed to Phase 2 until this is 100% complete</a:t>
+            </a:r>
+          </a:p>
+          <a:p>
+            <a:endParaRPr dirty="0"/>
+          </a:p>
+          <a:p>
+            <a:r>
+              <a:rPr dirty="0"/>
+              <a:t>IF ANYTHING IS INCOMPLETE:</a:t>
+            </a:r>
+          </a:p>
+          <a:p>
+            <a:r>
+              <a:rPr dirty="0"/>
+              <a:t>- Schedule follow-up</a:t>
+            </a:r>
+          </a:p>
+          <a:p>
+            <a:r>
+              <a:rPr dirty="0"/>
+              <a:t>- Set reminder to verify OneDrive sync completion</a:t>
+            </a:r>
+          </a:p>
+          <a:p>
+            <a:r>
+              <a:rPr dirty="0"/>
+              <a:t>- Do NOT rush - data loss is worse than delay</a:t>
+            </a:r>
+          </a:p>
+          <a:p>
+            <a:r>
+              <a:rPr dirty="0"/>
+              <a:t>- Use wait time to help other users</a:t>
+            </a:r>
+          </a:p>
+          <a:p>
+            <a:endParaRPr dirty="0"/>
+          </a:p>
+          <a:p>
+            <a:r>
+              <a:rPr dirty="0"/>
+              <a:t>BEST PRACTICE:</a:t>
+            </a:r>
+          </a:p>
+          <a:p>
+            <a:r>
+              <a:rPr dirty="0"/>
+              <a:t>While waiting for OneDrive sync (15-30 min):</a:t>
+            </a:r>
+          </a:p>
+          <a:p>
+            <a:r>
+              <a:rPr dirty="0"/>
+              <a:t>- Start another user's Phase 1</a:t>
+            </a:r>
+          </a:p>
+          <a:p>
+            <a:r>
+              <a:rPr dirty="0"/>
+              <a:t>- Come back to verify this user's sync completion</a:t>
+            </a:r>
+          </a:p>
+          <a:p>
+            <a:r>
+              <a:rPr dirty="0"/>
+              <a:t>- Efficient use of time while maintaining safety</a:t>
+            </a:r>
+          </a:p>
+          <a:p>
+            <a:endParaRPr dirty="0"/>
+          </a:p>
+        </p:txBody>
+      </p:sp>
+      <p:sp>
+        <p:nvSpPr>
+          <p:cNvPr id="4" name="Slide Number Placeholder 3"/>
+          <p:cNvSpPr>
+            <a:spLocks noGrp="1"/>
+          </p:cNvSpPr>
+          <p:nvPr>
+            <p:ph type="sldNum" sz="quarter" idx="5"/>
+          </p:nvPr>
+        </p:nvSpPr>
+        <p:spPr/>
+      </p:sp>
+    </p:spTree>
+  </p:cSld>
+  <p:clrMapOvr>
+    <a:masterClrMapping/>
+  </p:clrMapOvr>
+</p:notes>
+</file>
+
 <file path=ppt/notesSlides/notesSlide2.xml><?xml version="1.0" encoding="utf-8"?>
 <p:notes xmlns:a="http://schemas.openxmlformats.org/drawingml/2006/main" xmlns:r="http://schemas.openxmlformats.org/officeDocument/2006/relationships" xmlns:p="http://schemas.openxmlformats.org/presentationml/2006/main">
   <p:cSld>
@@ -1832,6 +2313,188 @@
           </a:p>
           <a:p>
             <a:endParaRPr dirty="0"/>
+          </a:p>
+        </p:txBody>
+      </p:sp>
+      <p:sp>
+        <p:nvSpPr>
+          <p:cNvPr id="4" name="Slide Number Placeholder 3"/>
+          <p:cNvSpPr>
+            <a:spLocks noGrp="1"/>
+          </p:cNvSpPr>
+          <p:nvPr>
+            <p:ph type="sldNum" sz="quarter" idx="5"/>
+          </p:nvPr>
+        </p:nvSpPr>
+        <p:spPr/>
+      </p:sp>
+    </p:spTree>
+  </p:cSld>
+  <p:clrMapOvr>
+    <a:masterClrMapping/>
+  </p:clrMapOvr>
+</p:notes>
+</file>
+
+<file path=ppt/notesSlides/notesSlide9.xml><?xml version="1.0" encoding="utf-8"?>
+<p:notes xmlns:a="http://schemas.openxmlformats.org/drawingml/2006/main" xmlns:r="http://schemas.openxmlformats.org/officeDocument/2006/relationships" xmlns:p="http://schemas.openxmlformats.org/presentationml/2006/main">
+  <p:cSld>
+    <p:spTree>
+      <p:nvGrpSpPr>
+        <p:cNvPr id="1" name=""/>
+        <p:cNvGrpSpPr/>
+        <p:nvPr/>
+      </p:nvGrpSpPr>
+      <p:grpSpPr>
+        <a:xfrm>
+          <a:off x="0" y="0"/>
+          <a:ext cx="0" cy="0"/>
+          <a:chOff x="0" y="0"/>
+          <a:chExt cx="0" cy="0"/>
+        </a:xfrm>
+      </p:grpSpPr>
+      <p:sp>
+        <p:nvSpPr>
+          <p:cNvPr id="2" name="Slide Image Placeholder 1"/>
+          <p:cNvSpPr>
+            <a:spLocks noGrp="1" noRot="1" noChangeAspect="1"/>
+          </p:cNvSpPr>
+          <p:nvPr>
+            <p:ph type="sldImg" idx="2"/>
+          </p:nvPr>
+        </p:nvSpPr>
+        <p:spPr/>
+      </p:sp>
+      <p:sp>
+        <p:nvSpPr>
+          <p:cNvPr id="3" name="Notes Placeholder 2"/>
+          <p:cNvSpPr>
+            <a:spLocks noGrp="1"/>
+          </p:cNvSpPr>
+          <p:nvPr>
+            <p:ph type="body" sz="quarter" idx="3"/>
+          </p:nvPr>
+        </p:nvSpPr>
+        <p:spPr/>
+        <p:txBody>
+          <a:bodyPr/>
+          <a:lstStyle/>
+          <a:p>
+            <a:endParaRPr/>
+          </a:p>
+          <a:p>
+            <a:r>
+              <a:t>DETAILED SCRIPT:</a:t>
+            </a:r>
+          </a:p>
+          <a:p>
+            <a:r>
+              <a:t>"Let's start with OneDrive. Look at the bottom right corner of your screen, near the clock. Do you see a little cloud icon? That's OneDrive. Click on it.</a:t>
+            </a:r>
+          </a:p>
+          <a:p>
+            <a:endParaRPr/>
+          </a:p>
+          <a:p>
+            <a:r>
+              <a:t>If you don't see it, we need to install OneDrive first - we can get that from the Microsoft Store or onedrive.com.</a:t>
+            </a:r>
+          </a:p>
+          <a:p>
+            <a:endParaRPr/>
+          </a:p>
+          <a:p>
+            <a:r>
+              <a:t>[Once they find it]</a:t>
+            </a:r>
+          </a:p>
+          <a:p>
+            <a:r>
+              <a:t>Great! Now click on that cloud icon. Do you see where it says 'Sign in'? Click that and use your INGINC.com email address - the same one you use for Outlook.</a:t>
+            </a:r>
+          </a:p>
+          <a:p>
+            <a:endParaRPr/>
+          </a:p>
+          <a:p>
+            <a:r>
+              <a:t>[After sign in]</a:t>
+            </a:r>
+          </a:p>
+          <a:p>
+            <a:r>
+              <a:t>Perfect! Now let's set up folder backup. Click the gear icon in the OneDrive window. See where it says 'Sync and backup'? Click that tab. Now click 'Manage backup'.</a:t>
+            </a:r>
+          </a:p>
+          <a:p>
+            <a:endParaRPr/>
+          </a:p>
+          <a:p>
+            <a:r>
+              <a:t>You should see three folders here: Desktop, Documents, and Pictures. We want to make sure all three have checkmarks. If any are missing checkmarks, click to enable them. Then click 'Start backup' at the bottom.</a:t>
+            </a:r>
+          </a:p>
+          <a:p>
+            <a:endParaRPr/>
+          </a:p>
+          <a:p>
+            <a:r>
+              <a:t>Now we wait. You'll see the cloud icon has little blue arrows - that means it's uploading your files. This might take 15-30 minutes depending on how many files you have. While it's uploading, we can start working on the next user's backup. We'll come back to check for the green checkmark before we reset your device."</a:t>
+            </a:r>
+          </a:p>
+          <a:p>
+            <a:endParaRPr/>
+          </a:p>
+          <a:p>
+            <a:r>
+              <a:t>TROUBLESHOOTING:</a:t>
+            </a:r>
+          </a:p>
+          <a:p>
+            <a:r>
+              <a:t>- No cloud icon: Install OneDrive from Microsoft Store</a:t>
+            </a:r>
+          </a:p>
+          <a:p>
+            <a:r>
+              <a:t>- Can't sign in: Verify INGINC.com credentials, check MFA</a:t>
+            </a:r>
+          </a:p>
+          <a:p>
+            <a:r>
+              <a:t>- Known Folder protection already enabled: User may have bypassed - verify in portal.office.com</a:t>
+            </a:r>
+          </a:p>
+          <a:p>
+            <a:r>
+              <a:t>- Sync stuck: Check internet connection, restart OneDrive</a:t>
+            </a:r>
+          </a:p>
+          <a:p>
+            <a:endParaRPr/>
+          </a:p>
+          <a:p>
+            <a:r>
+              <a:t>IMPORTANT:</a:t>
+            </a:r>
+          </a:p>
+          <a:p>
+            <a:r>
+              <a:t>- DO NOT proceed to reset until green checkmark appears</a:t>
+            </a:r>
+          </a:p>
+          <a:p>
+            <a:r>
+              <a:t>- Use wait time to start another user's Phase 1</a:t>
+            </a:r>
+          </a:p>
+          <a:p>
+            <a:r>
+              <a:t>- Verify completion in portal.office.com before Phase 2</a:t>
+            </a:r>
+          </a:p>
+          <a:p>
+            <a:endParaRPr/>
           </a:p>
         </p:txBody>
       </p:sp>
@@ -2034,7 +2697,7 @@
           <a:p>
             <a:fld id="{5BCAD085-E8A6-8845-BD4E-CB4CCA059FC4}" type="datetimeFigureOut">
               <a:rPr lang="en-US" smtClean="0"/>
-              <a:t>1/13/26</a:t>
+              <a:t>1/15/26</a:t>
             </a:fld>
             <a:endParaRPr lang="en-US"/>
           </a:p>
@@ -2202,7 +2865,7 @@
           <a:p>
             <a:fld id="{5BCAD085-E8A6-8845-BD4E-CB4CCA059FC4}" type="datetimeFigureOut">
               <a:rPr lang="en-US" smtClean="0"/>
-              <a:t>1/13/26</a:t>
+              <a:t>1/15/26</a:t>
             </a:fld>
             <a:endParaRPr lang="en-US"/>
           </a:p>
@@ -2380,7 +3043,7 @@
           <a:p>
             <a:fld id="{5BCAD085-E8A6-8845-BD4E-CB4CCA059FC4}" type="datetimeFigureOut">
               <a:rPr lang="en-US" smtClean="0"/>
-              <a:t>1/13/26</a:t>
+              <a:t>1/15/26</a:t>
             </a:fld>
             <a:endParaRPr lang="en-US"/>
           </a:p>
@@ -2548,7 +3211,7 @@
           <a:p>
             <a:fld id="{5BCAD085-E8A6-8845-BD4E-CB4CCA059FC4}" type="datetimeFigureOut">
               <a:rPr lang="en-US" smtClean="0"/>
-              <a:t>1/13/26</a:t>
+              <a:t>1/15/26</a:t>
             </a:fld>
             <a:endParaRPr lang="en-US"/>
           </a:p>
@@ -2793,7 +3456,7 @@
           <a:p>
             <a:fld id="{5BCAD085-E8A6-8845-BD4E-CB4CCA059FC4}" type="datetimeFigureOut">
               <a:rPr lang="en-US" smtClean="0"/>
-              <a:t>1/13/26</a:t>
+              <a:t>1/15/26</a:t>
             </a:fld>
             <a:endParaRPr lang="en-US"/>
           </a:p>
@@ -3078,7 +3741,7 @@
           <a:p>
             <a:fld id="{5BCAD085-E8A6-8845-BD4E-CB4CCA059FC4}" type="datetimeFigureOut">
               <a:rPr lang="en-US" smtClean="0"/>
-              <a:t>1/13/26</a:t>
+              <a:t>1/15/26</a:t>
             </a:fld>
             <a:endParaRPr lang="en-US"/>
           </a:p>
@@ -3497,7 +4160,7 @@
           <a:p>
             <a:fld id="{5BCAD085-E8A6-8845-BD4E-CB4CCA059FC4}" type="datetimeFigureOut">
               <a:rPr lang="en-US" smtClean="0"/>
-              <a:t>1/13/26</a:t>
+              <a:t>1/15/26</a:t>
             </a:fld>
             <a:endParaRPr lang="en-US"/>
           </a:p>
@@ -3614,7 +4277,7 @@
           <a:p>
             <a:fld id="{5BCAD085-E8A6-8845-BD4E-CB4CCA059FC4}" type="datetimeFigureOut">
               <a:rPr lang="en-US" smtClean="0"/>
-              <a:t>1/13/26</a:t>
+              <a:t>1/15/26</a:t>
             </a:fld>
             <a:endParaRPr lang="en-US"/>
           </a:p>
@@ -3709,7 +4372,7 @@
           <a:p>
             <a:fld id="{5BCAD085-E8A6-8845-BD4E-CB4CCA059FC4}" type="datetimeFigureOut">
               <a:rPr lang="en-US" smtClean="0"/>
-              <a:t>1/13/26</a:t>
+              <a:t>1/15/26</a:t>
             </a:fld>
             <a:endParaRPr lang="en-US"/>
           </a:p>
@@ -3984,7 +4647,7 @@
           <a:p>
             <a:fld id="{5BCAD085-E8A6-8845-BD4E-CB4CCA059FC4}" type="datetimeFigureOut">
               <a:rPr lang="en-US" smtClean="0"/>
-              <a:t>1/13/26</a:t>
+              <a:t>1/15/26</a:t>
             </a:fld>
             <a:endParaRPr lang="en-US"/>
           </a:p>
@@ -4236,7 +4899,7 @@
           <a:p>
             <a:fld id="{5BCAD085-E8A6-8845-BD4E-CB4CCA059FC4}" type="datetimeFigureOut">
               <a:rPr lang="en-US" smtClean="0"/>
-              <a:t>1/13/26</a:t>
+              <a:t>1/15/26</a:t>
             </a:fld>
             <a:endParaRPr lang="en-US"/>
           </a:p>
@@ -4447,7 +5110,7 @@
           <a:p>
             <a:fld id="{5BCAD085-E8A6-8845-BD4E-CB4CCA059FC4}" type="datetimeFigureOut">
               <a:rPr lang="en-US" smtClean="0"/>
-              <a:t>1/13/26</a:t>
+              <a:t>1/15/26</a:t>
             </a:fld>
             <a:endParaRPr lang="en-US"/>
           </a:p>
@@ -4965,6 +5628,1804 @@
 </p:sld>
 </file>
 
+<file path=ppt/slides/slide10.xml><?xml version="1.0" encoding="utf-8"?>
+<p:sld xmlns:a="http://schemas.openxmlformats.org/drawingml/2006/main" xmlns:r="http://schemas.openxmlformats.org/officeDocument/2006/relationships" xmlns:p="http://schemas.openxmlformats.org/presentationml/2006/main">
+  <p:cSld>
+    <p:spTree>
+      <p:nvGrpSpPr>
+        <p:cNvPr id="1" name=""/>
+        <p:cNvGrpSpPr/>
+        <p:nvPr/>
+      </p:nvGrpSpPr>
+      <p:grpSpPr>
+        <a:xfrm>
+          <a:off x="0" y="0"/>
+          <a:ext cx="0" cy="0"/>
+          <a:chOff x="0" y="0"/>
+          <a:chExt cx="0" cy="0"/>
+        </a:xfrm>
+      </p:grpSpPr>
+      <p:pic>
+        <p:nvPicPr>
+          <p:cNvPr id="4" name="Picture 3">
+            <a:extLst>
+              <a:ext uri="{FF2B5EF4-FFF2-40B4-BE49-F238E27FC236}">
+                <a16:creationId xmlns:a16="http://schemas.microsoft.com/office/drawing/2014/main" id="{C6F82A0C-9F2E-666D-339C-F7F70458B30C}"/>
+              </a:ext>
+            </a:extLst>
+          </p:cNvPr>
+          <p:cNvPicPr>
+            <a:picLocks noChangeAspect="1"/>
+          </p:cNvPicPr>
+          <p:nvPr/>
+        </p:nvPicPr>
+        <p:blipFill>
+          <a:blip r:embed="rId2"/>
+          <a:stretch>
+            <a:fillRect/>
+          </a:stretch>
+        </p:blipFill>
+        <p:spPr>
+          <a:xfrm>
+            <a:off x="608591" y="1404427"/>
+            <a:ext cx="3698198" cy="2945307"/>
+          </a:xfrm>
+          <a:prstGeom prst="rect">
+            <a:avLst/>
+          </a:prstGeom>
+        </p:spPr>
+      </p:pic>
+      <p:pic>
+        <p:nvPicPr>
+          <p:cNvPr id="5" name="Picture 4">
+            <a:extLst>
+              <a:ext uri="{FF2B5EF4-FFF2-40B4-BE49-F238E27FC236}">
+                <a16:creationId xmlns:a16="http://schemas.microsoft.com/office/drawing/2014/main" id="{7C2BA06A-71A2-6C5C-3131-B783F43787D6}"/>
+              </a:ext>
+            </a:extLst>
+          </p:cNvPr>
+          <p:cNvPicPr>
+            <a:picLocks noChangeAspect="1"/>
+          </p:cNvPicPr>
+          <p:nvPr/>
+        </p:nvPicPr>
+        <p:blipFill>
+          <a:blip r:embed="rId3"/>
+          <a:stretch>
+            <a:fillRect/>
+          </a:stretch>
+        </p:blipFill>
+        <p:spPr>
+          <a:xfrm>
+            <a:off x="4783947" y="1404427"/>
+            <a:ext cx="3698198" cy="2945307"/>
+          </a:xfrm>
+          <a:prstGeom prst="rect">
+            <a:avLst/>
+          </a:prstGeom>
+        </p:spPr>
+      </p:pic>
+      <p:sp>
+        <p:nvSpPr>
+          <p:cNvPr id="6" name="TextBox 5">
+            <a:extLst>
+              <a:ext uri="{FF2B5EF4-FFF2-40B4-BE49-F238E27FC236}">
+                <a16:creationId xmlns:a16="http://schemas.microsoft.com/office/drawing/2014/main" id="{12F44FD6-29D6-A90E-FE5E-3AF55C1D5E11}"/>
+              </a:ext>
+            </a:extLst>
+          </p:cNvPr>
+          <p:cNvSpPr txBox="1"/>
+          <p:nvPr/>
+        </p:nvSpPr>
+        <p:spPr>
+          <a:xfrm>
+            <a:off x="1126347" y="4499848"/>
+            <a:ext cx="2805512" cy="369332"/>
+          </a:xfrm>
+          <a:prstGeom prst="rect">
+            <a:avLst/>
+          </a:prstGeom>
+          <a:noFill/>
+        </p:spPr>
+        <p:txBody>
+          <a:bodyPr wrap="none" rtlCol="0">
+            <a:spAutoFit/>
+          </a:bodyPr>
+          <a:lstStyle/>
+          <a:p>
+            <a:r>
+              <a:rPr lang="en-US" dirty="0"/>
+              <a:t>Select “Remove Everything”</a:t>
+            </a:r>
+          </a:p>
+        </p:txBody>
+      </p:sp>
+      <p:sp>
+        <p:nvSpPr>
+          <p:cNvPr id="7" name="TextBox 6">
+            <a:extLst>
+              <a:ext uri="{FF2B5EF4-FFF2-40B4-BE49-F238E27FC236}">
+                <a16:creationId xmlns:a16="http://schemas.microsoft.com/office/drawing/2014/main" id="{98059592-854B-40E6-F7F0-9B3A111C9401}"/>
+              </a:ext>
+            </a:extLst>
+          </p:cNvPr>
+          <p:cNvSpPr txBox="1"/>
+          <p:nvPr/>
+        </p:nvSpPr>
+        <p:spPr>
+          <a:xfrm>
+            <a:off x="5305740" y="4499848"/>
+            <a:ext cx="2546595" cy="369332"/>
+          </a:xfrm>
+          <a:prstGeom prst="rect">
+            <a:avLst/>
+          </a:prstGeom>
+          <a:noFill/>
+        </p:spPr>
+        <p:txBody>
+          <a:bodyPr wrap="none" rtlCol="0">
+            <a:spAutoFit/>
+          </a:bodyPr>
+          <a:lstStyle/>
+          <a:p>
+            <a:r>
+              <a:rPr lang="en-US" dirty="0"/>
+              <a:t>Select “Cloud Download”</a:t>
+            </a:r>
+          </a:p>
+        </p:txBody>
+      </p:sp>
+      <p:sp>
+        <p:nvSpPr>
+          <p:cNvPr id="8" name="TextBox 7">
+            <a:extLst>
+              <a:ext uri="{FF2B5EF4-FFF2-40B4-BE49-F238E27FC236}">
+                <a16:creationId xmlns:a16="http://schemas.microsoft.com/office/drawing/2014/main" id="{10412FF5-42F8-3B43-5931-131AAD235497}"/>
+              </a:ext>
+            </a:extLst>
+          </p:cNvPr>
+          <p:cNvSpPr txBox="1"/>
+          <p:nvPr/>
+        </p:nvSpPr>
+        <p:spPr>
+          <a:xfrm>
+            <a:off x="914400" y="274320"/>
+            <a:ext cx="7315200" cy="769441"/>
+          </a:xfrm>
+          <a:prstGeom prst="rect">
+            <a:avLst/>
+          </a:prstGeom>
+          <a:noFill/>
+        </p:spPr>
+        <p:txBody>
+          <a:bodyPr wrap="square">
+            <a:spAutoFit/>
+          </a:bodyPr>
+          <a:lstStyle/>
+          <a:p>
+            <a:pPr marL="0" indent="0" algn="ctr">
+              <a:buNone/>
+              <a:defRPr sz="4400" b="1">
+                <a:solidFill>
+                  <a:srgbClr val="0078D4"/>
+                </a:solidFill>
+              </a:defRPr>
+            </a:pPr>
+            <a:r>
+              <a:rPr dirty="0"/>
+              <a:t>Phase 2: Windows Reset</a:t>
+            </a:r>
+          </a:p>
+        </p:txBody>
+      </p:sp>
+    </p:spTree>
+    <p:extLst>
+      <p:ext uri="{BB962C8B-B14F-4D97-AF65-F5344CB8AC3E}">
+        <p14:creationId xmlns:p14="http://schemas.microsoft.com/office/powerpoint/2010/main" val="824481290"/>
+      </p:ext>
+    </p:extLst>
+  </p:cSld>
+  <p:clrMapOvr>
+    <a:masterClrMapping/>
+  </p:clrMapOvr>
+</p:sld>
+</file>
+
+<file path=ppt/slides/slide11.xml><?xml version="1.0" encoding="utf-8"?>
+<p:sld xmlns:a="http://schemas.openxmlformats.org/drawingml/2006/main" xmlns:r="http://schemas.openxmlformats.org/officeDocument/2006/relationships" xmlns:p="http://schemas.openxmlformats.org/presentationml/2006/main">
+  <p:cSld>
+    <p:spTree>
+      <p:nvGrpSpPr>
+        <p:cNvPr id="1" name="">
+          <a:extLst>
+            <a:ext uri="{FF2B5EF4-FFF2-40B4-BE49-F238E27FC236}">
+              <a16:creationId xmlns:a16="http://schemas.microsoft.com/office/drawing/2014/main" id="{ECFF93B0-0E54-DAE5-38D7-7B2A2152BA2E}"/>
+            </a:ext>
+          </a:extLst>
+        </p:cNvPr>
+        <p:cNvGrpSpPr/>
+        <p:nvPr/>
+      </p:nvGrpSpPr>
+      <p:grpSpPr>
+        <a:xfrm>
+          <a:off x="0" y="0"/>
+          <a:ext cx="0" cy="0"/>
+          <a:chOff x="0" y="0"/>
+          <a:chExt cx="0" cy="0"/>
+        </a:xfrm>
+      </p:grpSpPr>
+      <p:sp>
+        <p:nvSpPr>
+          <p:cNvPr id="6" name="TextBox 5">
+            <a:extLst>
+              <a:ext uri="{FF2B5EF4-FFF2-40B4-BE49-F238E27FC236}">
+                <a16:creationId xmlns:a16="http://schemas.microsoft.com/office/drawing/2014/main" id="{B7EB35B1-A503-863D-3F7A-8E1690FB95E7}"/>
+              </a:ext>
+            </a:extLst>
+          </p:cNvPr>
+          <p:cNvSpPr txBox="1"/>
+          <p:nvPr/>
+        </p:nvSpPr>
+        <p:spPr>
+          <a:xfrm>
+            <a:off x="881457" y="3730407"/>
+            <a:ext cx="2645276" cy="369332"/>
+          </a:xfrm>
+          <a:prstGeom prst="rect">
+            <a:avLst/>
+          </a:prstGeom>
+          <a:noFill/>
+        </p:spPr>
+        <p:txBody>
+          <a:bodyPr wrap="none" rtlCol="0">
+            <a:spAutoFit/>
+          </a:bodyPr>
+          <a:lstStyle/>
+          <a:p>
+            <a:r>
+              <a:rPr lang="en-US" dirty="0"/>
+              <a:t>Click on “Change Settings”</a:t>
+            </a:r>
+          </a:p>
+        </p:txBody>
+      </p:sp>
+      <p:sp>
+        <p:nvSpPr>
+          <p:cNvPr id="8" name="TextBox 7">
+            <a:extLst>
+              <a:ext uri="{FF2B5EF4-FFF2-40B4-BE49-F238E27FC236}">
+                <a16:creationId xmlns:a16="http://schemas.microsoft.com/office/drawing/2014/main" id="{B676C6A1-1259-A1F1-C80D-4CE64343BD68}"/>
+              </a:ext>
+            </a:extLst>
+          </p:cNvPr>
+          <p:cNvSpPr txBox="1"/>
+          <p:nvPr/>
+        </p:nvSpPr>
+        <p:spPr>
+          <a:xfrm>
+            <a:off x="914400" y="274320"/>
+            <a:ext cx="7315200" cy="769441"/>
+          </a:xfrm>
+          <a:prstGeom prst="rect">
+            <a:avLst/>
+          </a:prstGeom>
+          <a:noFill/>
+        </p:spPr>
+        <p:txBody>
+          <a:bodyPr wrap="square">
+            <a:spAutoFit/>
+          </a:bodyPr>
+          <a:lstStyle/>
+          <a:p>
+            <a:pPr marL="0" indent="0" algn="ctr">
+              <a:buNone/>
+              <a:defRPr sz="4400" b="1">
+                <a:solidFill>
+                  <a:srgbClr val="0078D4"/>
+                </a:solidFill>
+              </a:defRPr>
+            </a:pPr>
+            <a:r>
+              <a:rPr dirty="0"/>
+              <a:t>Phase 2: Windows Reset</a:t>
+            </a:r>
+          </a:p>
+        </p:txBody>
+      </p:sp>
+      <p:pic>
+        <p:nvPicPr>
+          <p:cNvPr id="3" name="Picture 2">
+            <a:extLst>
+              <a:ext uri="{FF2B5EF4-FFF2-40B4-BE49-F238E27FC236}">
+                <a16:creationId xmlns:a16="http://schemas.microsoft.com/office/drawing/2014/main" id="{F60394A1-1FDD-DAA6-AB91-01E4B292FD55}"/>
+              </a:ext>
+            </a:extLst>
+          </p:cNvPr>
+          <p:cNvPicPr>
+            <a:picLocks noChangeAspect="1"/>
+          </p:cNvPicPr>
+          <p:nvPr/>
+        </p:nvPicPr>
+        <p:blipFill>
+          <a:blip r:embed="rId2"/>
+          <a:stretch>
+            <a:fillRect/>
+          </a:stretch>
+        </p:blipFill>
+        <p:spPr>
+          <a:xfrm>
+            <a:off x="669638" y="1043761"/>
+            <a:ext cx="3229151" cy="2571750"/>
+          </a:xfrm>
+          <a:prstGeom prst="rect">
+            <a:avLst/>
+          </a:prstGeom>
+        </p:spPr>
+      </p:pic>
+      <p:pic>
+        <p:nvPicPr>
+          <p:cNvPr id="9" name="Picture 8">
+            <a:extLst>
+              <a:ext uri="{FF2B5EF4-FFF2-40B4-BE49-F238E27FC236}">
+                <a16:creationId xmlns:a16="http://schemas.microsoft.com/office/drawing/2014/main" id="{1A0F8627-578A-BB8F-785F-DBDB6C7732B8}"/>
+              </a:ext>
+            </a:extLst>
+          </p:cNvPr>
+          <p:cNvPicPr>
+            <a:picLocks noChangeAspect="1"/>
+          </p:cNvPicPr>
+          <p:nvPr/>
+        </p:nvPicPr>
+        <p:blipFill>
+          <a:blip r:embed="rId3"/>
+          <a:stretch>
+            <a:fillRect/>
+          </a:stretch>
+        </p:blipFill>
+        <p:spPr>
+          <a:xfrm>
+            <a:off x="5390093" y="1043761"/>
+            <a:ext cx="3229150" cy="2571750"/>
+          </a:xfrm>
+          <a:prstGeom prst="rect">
+            <a:avLst/>
+          </a:prstGeom>
+        </p:spPr>
+      </p:pic>
+      <p:sp>
+        <p:nvSpPr>
+          <p:cNvPr id="10" name="TextBox 9">
+            <a:extLst>
+              <a:ext uri="{FF2B5EF4-FFF2-40B4-BE49-F238E27FC236}">
+                <a16:creationId xmlns:a16="http://schemas.microsoft.com/office/drawing/2014/main" id="{0A4CBF9C-E899-5005-AA07-73C5DF8EEF3A}"/>
+              </a:ext>
+            </a:extLst>
+          </p:cNvPr>
+          <p:cNvSpPr txBox="1"/>
+          <p:nvPr/>
+        </p:nvSpPr>
+        <p:spPr>
+          <a:xfrm>
+            <a:off x="5245212" y="3730407"/>
+            <a:ext cx="3518912" cy="369332"/>
+          </a:xfrm>
+          <a:prstGeom prst="rect">
+            <a:avLst/>
+          </a:prstGeom>
+          <a:noFill/>
+        </p:spPr>
+        <p:txBody>
+          <a:bodyPr wrap="none" rtlCol="0">
+            <a:spAutoFit/>
+          </a:bodyPr>
+          <a:lstStyle/>
+          <a:p>
+            <a:r>
+              <a:rPr lang="en-US" dirty="0"/>
+              <a:t>Ensure “Clean Data?” is set to “Yes”</a:t>
+            </a:r>
+          </a:p>
+        </p:txBody>
+      </p:sp>
+    </p:spTree>
+    <p:extLst>
+      <p:ext uri="{BB962C8B-B14F-4D97-AF65-F5344CB8AC3E}">
+        <p14:creationId xmlns:p14="http://schemas.microsoft.com/office/powerpoint/2010/main" val="571523158"/>
+      </p:ext>
+    </p:extLst>
+  </p:cSld>
+  <p:clrMapOvr>
+    <a:masterClrMapping/>
+  </p:clrMapOvr>
+</p:sld>
+</file>
+
+<file path=ppt/slides/slide12.xml><?xml version="1.0" encoding="utf-8"?>
+<p:sld xmlns:a="http://schemas.openxmlformats.org/drawingml/2006/main" xmlns:r="http://schemas.openxmlformats.org/officeDocument/2006/relationships" xmlns:p="http://schemas.openxmlformats.org/presentationml/2006/main">
+  <p:cSld>
+    <p:spTree>
+      <p:nvGrpSpPr>
+        <p:cNvPr id="1" name="">
+          <a:extLst>
+            <a:ext uri="{FF2B5EF4-FFF2-40B4-BE49-F238E27FC236}">
+              <a16:creationId xmlns:a16="http://schemas.microsoft.com/office/drawing/2014/main" id="{316053EC-86F8-31BB-330C-1F957A0EA0A2}"/>
+            </a:ext>
+          </a:extLst>
+        </p:cNvPr>
+        <p:cNvGrpSpPr/>
+        <p:nvPr/>
+      </p:nvGrpSpPr>
+      <p:grpSpPr>
+        <a:xfrm>
+          <a:off x="0" y="0"/>
+          <a:ext cx="0" cy="0"/>
+          <a:chOff x="0" y="0"/>
+          <a:chExt cx="0" cy="0"/>
+        </a:xfrm>
+      </p:grpSpPr>
+      <p:sp>
+        <p:nvSpPr>
+          <p:cNvPr id="6" name="TextBox 5">
+            <a:extLst>
+              <a:ext uri="{FF2B5EF4-FFF2-40B4-BE49-F238E27FC236}">
+                <a16:creationId xmlns:a16="http://schemas.microsoft.com/office/drawing/2014/main" id="{ECC14E6D-6097-FAF7-2800-9B60D0749DE7}"/>
+              </a:ext>
+            </a:extLst>
+          </p:cNvPr>
+          <p:cNvSpPr txBox="1"/>
+          <p:nvPr/>
+        </p:nvSpPr>
+        <p:spPr>
+          <a:xfrm>
+            <a:off x="5880668" y="4027132"/>
+            <a:ext cx="2645276" cy="369332"/>
+          </a:xfrm>
+          <a:prstGeom prst="rect">
+            <a:avLst/>
+          </a:prstGeom>
+          <a:noFill/>
+        </p:spPr>
+        <p:txBody>
+          <a:bodyPr wrap="square" rtlCol="0">
+            <a:spAutoFit/>
+          </a:bodyPr>
+          <a:lstStyle/>
+          <a:p>
+            <a:pPr algn="ctr"/>
+            <a:r>
+              <a:rPr lang="en-US" dirty="0"/>
+              <a:t>Click on “Next”</a:t>
+            </a:r>
+          </a:p>
+        </p:txBody>
+      </p:sp>
+      <p:sp>
+        <p:nvSpPr>
+          <p:cNvPr id="8" name="TextBox 7">
+            <a:extLst>
+              <a:ext uri="{FF2B5EF4-FFF2-40B4-BE49-F238E27FC236}">
+                <a16:creationId xmlns:a16="http://schemas.microsoft.com/office/drawing/2014/main" id="{BDA8EF64-224A-E828-B8FD-8F1733460357}"/>
+              </a:ext>
+            </a:extLst>
+          </p:cNvPr>
+          <p:cNvSpPr txBox="1"/>
+          <p:nvPr/>
+        </p:nvSpPr>
+        <p:spPr>
+          <a:xfrm>
+            <a:off x="914400" y="274320"/>
+            <a:ext cx="7315200" cy="769441"/>
+          </a:xfrm>
+          <a:prstGeom prst="rect">
+            <a:avLst/>
+          </a:prstGeom>
+          <a:noFill/>
+        </p:spPr>
+        <p:txBody>
+          <a:bodyPr wrap="square">
+            <a:spAutoFit/>
+          </a:bodyPr>
+          <a:lstStyle/>
+          <a:p>
+            <a:pPr marL="0" indent="0" algn="ctr">
+              <a:buNone/>
+              <a:defRPr sz="4400" b="1">
+                <a:solidFill>
+                  <a:srgbClr val="0078D4"/>
+                </a:solidFill>
+              </a:defRPr>
+            </a:pPr>
+            <a:r>
+              <a:rPr dirty="0"/>
+              <a:t>Phase 2: Windows Reset</a:t>
+            </a:r>
+          </a:p>
+        </p:txBody>
+      </p:sp>
+      <p:pic>
+        <p:nvPicPr>
+          <p:cNvPr id="4" name="Picture 3">
+            <a:extLst>
+              <a:ext uri="{FF2B5EF4-FFF2-40B4-BE49-F238E27FC236}">
+                <a16:creationId xmlns:a16="http://schemas.microsoft.com/office/drawing/2014/main" id="{DCFA2682-DE94-0879-A288-DE0E119B3C2E}"/>
+              </a:ext>
+            </a:extLst>
+          </p:cNvPr>
+          <p:cNvPicPr>
+            <a:picLocks noChangeAspect="1"/>
+          </p:cNvPicPr>
+          <p:nvPr/>
+        </p:nvPicPr>
+        <p:blipFill>
+          <a:blip r:embed="rId2"/>
+          <a:stretch>
+            <a:fillRect/>
+          </a:stretch>
+        </p:blipFill>
+        <p:spPr>
+          <a:xfrm>
+            <a:off x="5688766" y="1471547"/>
+            <a:ext cx="3029080" cy="2412411"/>
+          </a:xfrm>
+          <a:prstGeom prst="rect">
+            <a:avLst/>
+          </a:prstGeom>
+        </p:spPr>
+      </p:pic>
+      <p:sp>
+        <p:nvSpPr>
+          <p:cNvPr id="5" name="TextBox 4">
+            <a:extLst>
+              <a:ext uri="{FF2B5EF4-FFF2-40B4-BE49-F238E27FC236}">
+                <a16:creationId xmlns:a16="http://schemas.microsoft.com/office/drawing/2014/main" id="{306BC582-C721-07B8-E9C2-02111EC59A8F}"/>
+              </a:ext>
+            </a:extLst>
+          </p:cNvPr>
+          <p:cNvSpPr txBox="1"/>
+          <p:nvPr/>
+        </p:nvSpPr>
+        <p:spPr>
+          <a:xfrm>
+            <a:off x="955134" y="4082642"/>
+            <a:ext cx="2645276" cy="369332"/>
+          </a:xfrm>
+          <a:prstGeom prst="rect">
+            <a:avLst/>
+          </a:prstGeom>
+          <a:noFill/>
+        </p:spPr>
+        <p:txBody>
+          <a:bodyPr wrap="square" rtlCol="0">
+            <a:spAutoFit/>
+          </a:bodyPr>
+          <a:lstStyle/>
+          <a:p>
+            <a:pPr algn="ctr"/>
+            <a:r>
+              <a:rPr lang="en-US" dirty="0"/>
+              <a:t>Click on “Confirm”</a:t>
+            </a:r>
+          </a:p>
+        </p:txBody>
+      </p:sp>
+      <p:pic>
+        <p:nvPicPr>
+          <p:cNvPr id="11" name="Picture 10">
+            <a:extLst>
+              <a:ext uri="{FF2B5EF4-FFF2-40B4-BE49-F238E27FC236}">
+                <a16:creationId xmlns:a16="http://schemas.microsoft.com/office/drawing/2014/main" id="{F0A08F5D-69BB-E86C-7819-7A49B537860B}"/>
+              </a:ext>
+            </a:extLst>
+          </p:cNvPr>
+          <p:cNvPicPr>
+            <a:picLocks noChangeAspect="1"/>
+          </p:cNvPicPr>
+          <p:nvPr/>
+        </p:nvPicPr>
+        <p:blipFill>
+          <a:blip r:embed="rId3"/>
+          <a:stretch>
+            <a:fillRect/>
+          </a:stretch>
+        </p:blipFill>
+        <p:spPr>
+          <a:xfrm>
+            <a:off x="760837" y="1471547"/>
+            <a:ext cx="3033870" cy="2416225"/>
+          </a:xfrm>
+          <a:prstGeom prst="rect">
+            <a:avLst/>
+          </a:prstGeom>
+        </p:spPr>
+      </p:pic>
+    </p:spTree>
+    <p:extLst>
+      <p:ext uri="{BB962C8B-B14F-4D97-AF65-F5344CB8AC3E}">
+        <p14:creationId xmlns:p14="http://schemas.microsoft.com/office/powerpoint/2010/main" val="460059001"/>
+      </p:ext>
+    </p:extLst>
+  </p:cSld>
+  <p:clrMapOvr>
+    <a:masterClrMapping/>
+  </p:clrMapOvr>
+</p:sld>
+</file>
+
+<file path=ppt/slides/slide13.xml><?xml version="1.0" encoding="utf-8"?>
+<p:sld xmlns:a="http://schemas.openxmlformats.org/drawingml/2006/main" xmlns:r="http://schemas.openxmlformats.org/officeDocument/2006/relationships" xmlns:p="http://schemas.openxmlformats.org/presentationml/2006/main">
+  <p:cSld>
+    <p:spTree>
+      <p:nvGrpSpPr>
+        <p:cNvPr id="1" name=""/>
+        <p:cNvGrpSpPr/>
+        <p:nvPr/>
+      </p:nvGrpSpPr>
+      <p:grpSpPr>
+        <a:xfrm>
+          <a:off x="0" y="0"/>
+          <a:ext cx="0" cy="0"/>
+          <a:chOff x="0" y="0"/>
+          <a:chExt cx="0" cy="0"/>
+        </a:xfrm>
+      </p:grpSpPr>
+      <p:sp>
+        <p:nvSpPr>
+          <p:cNvPr id="2" name="TextBox 1"/>
+          <p:cNvSpPr txBox="1"/>
+          <p:nvPr/>
+        </p:nvSpPr>
+        <p:spPr>
+          <a:xfrm>
+            <a:off x="914400" y="274320"/>
+            <a:ext cx="7315200" cy="769441"/>
+          </a:xfrm>
+          <a:prstGeom prst="rect">
+            <a:avLst/>
+          </a:prstGeom>
+          <a:noFill/>
+        </p:spPr>
+        <p:txBody>
+          <a:bodyPr wrap="square">
+            <a:spAutoFit/>
+          </a:bodyPr>
+          <a:lstStyle/>
+          <a:p>
+            <a:pPr marL="0" indent="0" algn="ctr">
+              <a:buNone/>
+              <a:defRPr sz="4400" b="1">
+                <a:solidFill>
+                  <a:srgbClr val="0078D4"/>
+                </a:solidFill>
+              </a:defRPr>
+            </a:pPr>
+            <a:r>
+              <a:rPr dirty="0"/>
+              <a:t>Understanding the Reset</a:t>
+            </a:r>
+          </a:p>
+        </p:txBody>
+      </p:sp>
+      <p:sp>
+        <p:nvSpPr>
+          <p:cNvPr id="4" name="TextBox 3"/>
+          <p:cNvSpPr txBox="1"/>
+          <p:nvPr/>
+        </p:nvSpPr>
+        <p:spPr>
+          <a:xfrm>
+            <a:off x="1371600" y="1645920"/>
+            <a:ext cx="6400800" cy="2308324"/>
+          </a:xfrm>
+          <a:prstGeom prst="rect">
+            <a:avLst/>
+          </a:prstGeom>
+          <a:noFill/>
+        </p:spPr>
+        <p:txBody>
+          <a:bodyPr wrap="square">
+            <a:spAutoFit/>
+          </a:bodyPr>
+          <a:lstStyle/>
+          <a:p>
+            <a:pPr marL="365760" indent="-182880" algn="l">
+              <a:defRPr sz="1800" b="0"/>
+            </a:pPr>
+            <a:r>
+              <a:rPr dirty="0"/>
+              <a:t>What will be removed:</a:t>
+            </a:r>
+          </a:p>
+          <a:p>
+            <a:pPr lvl="1"/>
+            <a:r>
+              <a:rPr dirty="0"/>
+              <a:t>✗ All apps and programs</a:t>
+            </a:r>
+          </a:p>
+          <a:p>
+            <a:pPr lvl="1"/>
+            <a:r>
+              <a:rPr dirty="0"/>
+              <a:t>✗ All personal files and data</a:t>
+            </a:r>
+          </a:p>
+          <a:p>
+            <a:pPr lvl="1"/>
+            <a:r>
+              <a:rPr dirty="0"/>
+              <a:t>✗ All user accounts and settings</a:t>
+            </a:r>
+          </a:p>
+          <a:p>
+            <a:pPr marL="182880" algn="l"/>
+            <a:r>
+              <a:rPr dirty="0"/>
+              <a:t>What happens next:</a:t>
+            </a:r>
+          </a:p>
+          <a:p>
+            <a:pPr lvl="1"/>
+            <a:r>
+              <a:rPr dirty="0"/>
+              <a:t>✓ Windows reinstalls fresh (30-60 min)</a:t>
+            </a:r>
+          </a:p>
+          <a:p>
+            <a:pPr lvl="1"/>
+            <a:r>
+              <a:rPr dirty="0"/>
+              <a:t>✓ Autopilot enrollment begins automatically</a:t>
+            </a:r>
+            <a:endParaRPr lang="en-US" dirty="0"/>
+          </a:p>
+          <a:p>
+            <a:pPr lvl="1"/>
+            <a:endParaRPr lang="en-US" dirty="0"/>
+          </a:p>
+        </p:txBody>
+      </p:sp>
+    </p:spTree>
+  </p:cSld>
+  <p:clrMapOvr>
+    <a:masterClrMapping/>
+  </p:clrMapOvr>
+</p:sld>
+</file>
+
+<file path=ppt/slides/slide14.xml><?xml version="1.0" encoding="utf-8"?>
+<p:sld xmlns:a="http://schemas.openxmlformats.org/drawingml/2006/main" xmlns:r="http://schemas.openxmlformats.org/officeDocument/2006/relationships" xmlns:p="http://schemas.openxmlformats.org/presentationml/2006/main">
+  <p:cSld>
+    <p:spTree>
+      <p:nvGrpSpPr>
+        <p:cNvPr id="1" name="">
+          <a:extLst>
+            <a:ext uri="{FF2B5EF4-FFF2-40B4-BE49-F238E27FC236}">
+              <a16:creationId xmlns:a16="http://schemas.microsoft.com/office/drawing/2014/main" id="{95079878-1469-FA90-2473-27BBCD423DFE}"/>
+            </a:ext>
+          </a:extLst>
+        </p:cNvPr>
+        <p:cNvGrpSpPr/>
+        <p:nvPr/>
+      </p:nvGrpSpPr>
+      <p:grpSpPr>
+        <a:xfrm>
+          <a:off x="0" y="0"/>
+          <a:ext cx="0" cy="0"/>
+          <a:chOff x="0" y="0"/>
+          <a:chExt cx="0" cy="0"/>
+        </a:xfrm>
+      </p:grpSpPr>
+      <p:sp>
+        <p:nvSpPr>
+          <p:cNvPr id="2" name="TextBox 1">
+            <a:extLst>
+              <a:ext uri="{FF2B5EF4-FFF2-40B4-BE49-F238E27FC236}">
+                <a16:creationId xmlns:a16="http://schemas.microsoft.com/office/drawing/2014/main" id="{395D9DA6-49F1-1046-A5F3-0C57B39CAFC7}"/>
+              </a:ext>
+            </a:extLst>
+          </p:cNvPr>
+          <p:cNvSpPr txBox="1"/>
+          <p:nvPr/>
+        </p:nvSpPr>
+        <p:spPr>
+          <a:xfrm>
+            <a:off x="914400" y="274320"/>
+            <a:ext cx="7315200" cy="769441"/>
+          </a:xfrm>
+          <a:prstGeom prst="rect">
+            <a:avLst/>
+          </a:prstGeom>
+          <a:noFill/>
+        </p:spPr>
+        <p:txBody>
+          <a:bodyPr wrap="square">
+            <a:spAutoFit/>
+          </a:bodyPr>
+          <a:lstStyle/>
+          <a:p>
+            <a:pPr marL="0" indent="0" algn="ctr">
+              <a:buNone/>
+              <a:defRPr sz="4400" b="1">
+                <a:solidFill>
+                  <a:srgbClr val="0078D4"/>
+                </a:solidFill>
+              </a:defRPr>
+            </a:pPr>
+            <a:r>
+              <a:rPr dirty="0"/>
+              <a:t>Understanding the Reset</a:t>
+            </a:r>
+          </a:p>
+        </p:txBody>
+      </p:sp>
+      <p:sp>
+        <p:nvSpPr>
+          <p:cNvPr id="4" name="TextBox 3">
+            <a:extLst>
+              <a:ext uri="{FF2B5EF4-FFF2-40B4-BE49-F238E27FC236}">
+                <a16:creationId xmlns:a16="http://schemas.microsoft.com/office/drawing/2014/main" id="{FDE3AC24-5117-4A75-4EE1-A848DA39DE2D}"/>
+              </a:ext>
+            </a:extLst>
+          </p:cNvPr>
+          <p:cNvSpPr txBox="1"/>
+          <p:nvPr/>
+        </p:nvSpPr>
+        <p:spPr>
+          <a:xfrm>
+            <a:off x="1371600" y="1645920"/>
+            <a:ext cx="6688442" cy="2031325"/>
+          </a:xfrm>
+          <a:prstGeom prst="rect">
+            <a:avLst/>
+          </a:prstGeom>
+          <a:noFill/>
+        </p:spPr>
+        <p:txBody>
+          <a:bodyPr wrap="square">
+            <a:spAutoFit/>
+          </a:bodyPr>
+          <a:lstStyle/>
+          <a:p>
+            <a:pPr marL="182880" algn="l"/>
+            <a:r>
+              <a:rPr lang="en-US" dirty="0"/>
+              <a:t>Once your Reset Starts</a:t>
+            </a:r>
+            <a:endParaRPr dirty="0"/>
+          </a:p>
+          <a:p>
+            <a:pPr lvl="1"/>
+            <a:r>
+              <a:rPr lang="en-US" dirty="0">
+                <a:highlight>
+                  <a:srgbClr val="00FF00"/>
+                </a:highlight>
+              </a:rPr>
+              <a:t>✓</a:t>
+            </a:r>
+            <a:r>
+              <a:rPr dirty="0"/>
+              <a:t> </a:t>
+            </a:r>
+            <a:r>
+              <a:rPr lang="en-US" dirty="0"/>
+              <a:t>Join the Teams Call using your Mobile Device </a:t>
+            </a:r>
+          </a:p>
+          <a:p>
+            <a:pPr lvl="1"/>
+            <a:r>
+              <a:rPr lang="en-US" dirty="0">
+                <a:highlight>
+                  <a:srgbClr val="00FF00"/>
+                </a:highlight>
+              </a:rPr>
+              <a:t>✓</a:t>
+            </a:r>
+            <a:r>
+              <a:rPr lang="en-US" dirty="0"/>
+              <a:t> Connect your Laptop to a Power Source</a:t>
+            </a:r>
+            <a:endParaRPr dirty="0"/>
+          </a:p>
+          <a:p>
+            <a:pPr lvl="1"/>
+            <a:r>
+              <a:rPr lang="en-US" dirty="0">
+                <a:highlight>
+                  <a:srgbClr val="00FF00"/>
+                </a:highlight>
+              </a:rPr>
+              <a:t>✓</a:t>
+            </a:r>
+            <a:r>
+              <a:rPr dirty="0"/>
+              <a:t> </a:t>
+            </a:r>
+            <a:r>
+              <a:rPr lang="en-US" dirty="0"/>
+              <a:t>Verify you are able to connect to your </a:t>
+            </a:r>
+            <a:r>
+              <a:rPr lang="en-US" dirty="0" err="1"/>
+              <a:t>Wifi</a:t>
+            </a:r>
+            <a:r>
+              <a:rPr lang="en-US" dirty="0"/>
+              <a:t> Network </a:t>
+            </a:r>
+          </a:p>
+          <a:p>
+            <a:pPr lvl="1"/>
+            <a:r>
+              <a:rPr lang="en-US" dirty="0">
+                <a:highlight>
+                  <a:srgbClr val="00FF00"/>
+                </a:highlight>
+              </a:rPr>
+              <a:t>✓</a:t>
+            </a:r>
+            <a:r>
+              <a:rPr lang="en-US" dirty="0"/>
+              <a:t> Verify you are able to log in to your Impact Floors M365 Account at </a:t>
+            </a:r>
+            <a:r>
+              <a:rPr lang="en-US" dirty="0" err="1"/>
+              <a:t>www.office.com</a:t>
+            </a:r>
+            <a:endParaRPr lang="en-US" dirty="0"/>
+          </a:p>
+          <a:p>
+            <a:pPr lvl="1"/>
+            <a:endParaRPr lang="en-US" dirty="0"/>
+          </a:p>
+        </p:txBody>
+      </p:sp>
+    </p:spTree>
+    <p:extLst>
+      <p:ext uri="{BB962C8B-B14F-4D97-AF65-F5344CB8AC3E}">
+        <p14:creationId xmlns:p14="http://schemas.microsoft.com/office/powerpoint/2010/main" val="1203285709"/>
+      </p:ext>
+    </p:extLst>
+  </p:cSld>
+  <p:clrMapOvr>
+    <a:masterClrMapping/>
+  </p:clrMapOvr>
+</p:sld>
+</file>
+
+<file path=ppt/slides/slide15.xml><?xml version="1.0" encoding="utf-8"?>
+<p:sld xmlns:a="http://schemas.openxmlformats.org/drawingml/2006/main" xmlns:r="http://schemas.openxmlformats.org/officeDocument/2006/relationships" xmlns:p="http://schemas.openxmlformats.org/presentationml/2006/main">
+  <p:cSld>
+    <p:spTree>
+      <p:nvGrpSpPr>
+        <p:cNvPr id="1" name="">
+          <a:extLst>
+            <a:ext uri="{FF2B5EF4-FFF2-40B4-BE49-F238E27FC236}">
+              <a16:creationId xmlns:a16="http://schemas.microsoft.com/office/drawing/2014/main" id="{156A7538-AD8B-6029-5450-7444FE0227E1}"/>
+            </a:ext>
+          </a:extLst>
+        </p:cNvPr>
+        <p:cNvGrpSpPr/>
+        <p:nvPr/>
+      </p:nvGrpSpPr>
+      <p:grpSpPr>
+        <a:xfrm>
+          <a:off x="0" y="0"/>
+          <a:ext cx="0" cy="0"/>
+          <a:chOff x="0" y="0"/>
+          <a:chExt cx="0" cy="0"/>
+        </a:xfrm>
+      </p:grpSpPr>
+      <p:sp>
+        <p:nvSpPr>
+          <p:cNvPr id="8" name="TextBox 7">
+            <a:extLst>
+              <a:ext uri="{FF2B5EF4-FFF2-40B4-BE49-F238E27FC236}">
+                <a16:creationId xmlns:a16="http://schemas.microsoft.com/office/drawing/2014/main" id="{EECD8BE2-CC40-3C37-08C7-077C4EFAC751}"/>
+              </a:ext>
+            </a:extLst>
+          </p:cNvPr>
+          <p:cNvSpPr txBox="1"/>
+          <p:nvPr/>
+        </p:nvSpPr>
+        <p:spPr>
+          <a:xfrm>
+            <a:off x="914400" y="274320"/>
+            <a:ext cx="7315200" cy="769441"/>
+          </a:xfrm>
+          <a:prstGeom prst="rect">
+            <a:avLst/>
+          </a:prstGeom>
+          <a:noFill/>
+        </p:spPr>
+        <p:txBody>
+          <a:bodyPr wrap="square">
+            <a:spAutoFit/>
+          </a:bodyPr>
+          <a:lstStyle/>
+          <a:p>
+            <a:pPr marL="0" indent="0" algn="ctr">
+              <a:buNone/>
+              <a:defRPr sz="4400" b="1">
+                <a:solidFill>
+                  <a:srgbClr val="0078D4"/>
+                </a:solidFill>
+              </a:defRPr>
+            </a:pPr>
+            <a:r>
+              <a:rPr dirty="0"/>
+              <a:t>Phase 2: Windows Reset</a:t>
+            </a:r>
+          </a:p>
+        </p:txBody>
+      </p:sp>
+      <p:sp>
+        <p:nvSpPr>
+          <p:cNvPr id="5" name="TextBox 4">
+            <a:extLst>
+              <a:ext uri="{FF2B5EF4-FFF2-40B4-BE49-F238E27FC236}">
+                <a16:creationId xmlns:a16="http://schemas.microsoft.com/office/drawing/2014/main" id="{48C01F44-3ADF-1D9C-45C5-B7CDFF3620BE}"/>
+              </a:ext>
+            </a:extLst>
+          </p:cNvPr>
+          <p:cNvSpPr txBox="1"/>
+          <p:nvPr/>
+        </p:nvSpPr>
+        <p:spPr>
+          <a:xfrm>
+            <a:off x="3138238" y="4499848"/>
+            <a:ext cx="2645276" cy="369332"/>
+          </a:xfrm>
+          <a:prstGeom prst="rect">
+            <a:avLst/>
+          </a:prstGeom>
+          <a:noFill/>
+        </p:spPr>
+        <p:txBody>
+          <a:bodyPr wrap="square" rtlCol="0">
+            <a:spAutoFit/>
+          </a:bodyPr>
+          <a:lstStyle/>
+          <a:p>
+            <a:pPr algn="ctr"/>
+            <a:r>
+              <a:rPr lang="en-US" dirty="0"/>
+              <a:t>Finally Click “Reset”</a:t>
+            </a:r>
+          </a:p>
+        </p:txBody>
+      </p:sp>
+      <p:pic>
+        <p:nvPicPr>
+          <p:cNvPr id="2" name="Picture 1">
+            <a:extLst>
+              <a:ext uri="{FF2B5EF4-FFF2-40B4-BE49-F238E27FC236}">
+                <a16:creationId xmlns:a16="http://schemas.microsoft.com/office/drawing/2014/main" id="{907D0EAF-6A28-D008-33FC-0B129FD20DB7}"/>
+              </a:ext>
+            </a:extLst>
+          </p:cNvPr>
+          <p:cNvPicPr>
+            <a:picLocks noChangeAspect="1"/>
+          </p:cNvPicPr>
+          <p:nvPr/>
+        </p:nvPicPr>
+        <p:blipFill>
+          <a:blip r:embed="rId2"/>
+          <a:stretch>
+            <a:fillRect/>
+          </a:stretch>
+        </p:blipFill>
+        <p:spPr>
+          <a:xfrm>
+            <a:off x="2654642" y="1564363"/>
+            <a:ext cx="3612469" cy="2877031"/>
+          </a:xfrm>
+          <a:prstGeom prst="rect">
+            <a:avLst/>
+          </a:prstGeom>
+        </p:spPr>
+      </p:pic>
+      <p:sp>
+        <p:nvSpPr>
+          <p:cNvPr id="3" name="TextBox 2">
+            <a:extLst>
+              <a:ext uri="{FF2B5EF4-FFF2-40B4-BE49-F238E27FC236}">
+                <a16:creationId xmlns:a16="http://schemas.microsoft.com/office/drawing/2014/main" id="{CF831CA6-7CCB-C46B-9804-376366EC49A2}"/>
+              </a:ext>
+            </a:extLst>
+          </p:cNvPr>
+          <p:cNvSpPr txBox="1"/>
+          <p:nvPr/>
+        </p:nvSpPr>
+        <p:spPr>
+          <a:xfrm>
+            <a:off x="1825896" y="914400"/>
+            <a:ext cx="5492209" cy="830997"/>
+          </a:xfrm>
+          <a:prstGeom prst="rect">
+            <a:avLst/>
+          </a:prstGeom>
+          <a:noFill/>
+        </p:spPr>
+        <p:txBody>
+          <a:bodyPr wrap="none">
+            <a:spAutoFit/>
+          </a:bodyPr>
+          <a:lstStyle/>
+          <a:p>
+            <a:pPr marL="0" indent="0" algn="ctr">
+              <a:buNone/>
+              <a:defRPr sz="1600" b="1">
+                <a:solidFill>
+                  <a:srgbClr val="D13438"/>
+                </a:solidFill>
+              </a:defRPr>
+            </a:pPr>
+            <a:r>
+              <a:rPr dirty="0"/>
+              <a:t>⚠️ This process is irreversibl</a:t>
+            </a:r>
+            <a:r>
+              <a:rPr lang="en-US" dirty="0"/>
+              <a:t>e</a:t>
+            </a:r>
+          </a:p>
+          <a:p>
+            <a:pPr algn="ctr">
+              <a:defRPr sz="1600" b="1">
+                <a:solidFill>
+                  <a:srgbClr val="D13438"/>
+                </a:solidFill>
+              </a:defRPr>
+            </a:pPr>
+            <a:r>
+              <a:rPr lang="en-US" dirty="0"/>
+              <a:t>⚠️ Verify ALL Phase 1 backups are complete before proceeding</a:t>
+            </a:r>
+          </a:p>
+          <a:p>
+            <a:pPr marL="0" indent="0" algn="ctr">
+              <a:buNone/>
+              <a:defRPr sz="1600" b="1">
+                <a:solidFill>
+                  <a:srgbClr val="D13438"/>
+                </a:solidFill>
+              </a:defRPr>
+            </a:pPr>
+            <a:endParaRPr dirty="0"/>
+          </a:p>
+        </p:txBody>
+      </p:sp>
+    </p:spTree>
+    <p:extLst>
+      <p:ext uri="{BB962C8B-B14F-4D97-AF65-F5344CB8AC3E}">
+        <p14:creationId xmlns:p14="http://schemas.microsoft.com/office/powerpoint/2010/main" val="637321809"/>
+      </p:ext>
+    </p:extLst>
+  </p:cSld>
+  <p:clrMapOvr>
+    <a:masterClrMapping/>
+  </p:clrMapOvr>
+</p:sld>
+</file>
+
+<file path=ppt/slides/slide16.xml><?xml version="1.0" encoding="utf-8"?>
+<p:sld xmlns:a="http://schemas.openxmlformats.org/drawingml/2006/main" xmlns:r="http://schemas.openxmlformats.org/officeDocument/2006/relationships" xmlns:p="http://schemas.openxmlformats.org/presentationml/2006/main">
+  <p:cSld>
+    <p:spTree>
+      <p:nvGrpSpPr>
+        <p:cNvPr id="1" name="">
+          <a:extLst>
+            <a:ext uri="{FF2B5EF4-FFF2-40B4-BE49-F238E27FC236}">
+              <a16:creationId xmlns:a16="http://schemas.microsoft.com/office/drawing/2014/main" id="{1CC284F8-A8A8-A9B5-B064-25DDC5A291E3}"/>
+            </a:ext>
+          </a:extLst>
+        </p:cNvPr>
+        <p:cNvGrpSpPr/>
+        <p:nvPr/>
+      </p:nvGrpSpPr>
+      <p:grpSpPr>
+        <a:xfrm>
+          <a:off x="0" y="0"/>
+          <a:ext cx="0" cy="0"/>
+          <a:chOff x="0" y="0"/>
+          <a:chExt cx="0" cy="0"/>
+        </a:xfrm>
+      </p:grpSpPr>
+      <p:sp>
+        <p:nvSpPr>
+          <p:cNvPr id="6" name="TextBox 5">
+            <a:extLst>
+              <a:ext uri="{FF2B5EF4-FFF2-40B4-BE49-F238E27FC236}">
+                <a16:creationId xmlns:a16="http://schemas.microsoft.com/office/drawing/2014/main" id="{6F8C2101-A673-F716-F8F9-F92EF754D10C}"/>
+              </a:ext>
+            </a:extLst>
+          </p:cNvPr>
+          <p:cNvSpPr txBox="1"/>
+          <p:nvPr/>
+        </p:nvSpPr>
+        <p:spPr>
+          <a:xfrm>
+            <a:off x="1812147" y="0"/>
+            <a:ext cx="5519706" cy="461665"/>
+          </a:xfrm>
+          <a:prstGeom prst="rect">
+            <a:avLst/>
+          </a:prstGeom>
+          <a:noFill/>
+        </p:spPr>
+        <p:txBody>
+          <a:bodyPr wrap="square">
+            <a:spAutoFit/>
+          </a:bodyPr>
+          <a:lstStyle/>
+          <a:p>
+            <a:pPr algn="ctr">
+              <a:defRPr sz="2400" b="1">
+                <a:solidFill>
+                  <a:srgbClr val="0078D4"/>
+                </a:solidFill>
+              </a:defRPr>
+            </a:pPr>
+            <a:r>
+              <a:rPr lang="en-US" dirty="0"/>
+              <a:t>Out of Box Experience (OOBE)</a:t>
+            </a:r>
+          </a:p>
+        </p:txBody>
+      </p:sp>
+      <p:sp>
+        <p:nvSpPr>
+          <p:cNvPr id="9" name="TextBox 8">
+            <a:extLst>
+              <a:ext uri="{FF2B5EF4-FFF2-40B4-BE49-F238E27FC236}">
+                <a16:creationId xmlns:a16="http://schemas.microsoft.com/office/drawing/2014/main" id="{6CF693E3-B38F-7B60-0F49-8907EB5A332B}"/>
+              </a:ext>
+            </a:extLst>
+          </p:cNvPr>
+          <p:cNvSpPr txBox="1"/>
+          <p:nvPr/>
+        </p:nvSpPr>
+        <p:spPr>
+          <a:xfrm>
+            <a:off x="1492711" y="1884738"/>
+            <a:ext cx="6682387" cy="1477328"/>
+          </a:xfrm>
+          <a:prstGeom prst="rect">
+            <a:avLst/>
+          </a:prstGeom>
+          <a:noFill/>
+        </p:spPr>
+        <p:txBody>
+          <a:bodyPr wrap="square">
+            <a:spAutoFit/>
+          </a:bodyPr>
+          <a:lstStyle/>
+          <a:p>
+            <a:pPr marL="0" indent="0">
+              <a:buNone/>
+            </a:pPr>
+            <a:r>
+              <a:rPr lang="en-US" b="1" dirty="0"/>
+              <a:t>Your Login Credentials</a:t>
+            </a:r>
+          </a:p>
+          <a:p>
+            <a:pPr marL="285750" indent="-285750">
+              <a:buFont typeface="Arial" panose="020B0604020202020204" pitchFamily="34" charset="0"/>
+              <a:buChar char="•"/>
+            </a:pPr>
+            <a:r>
+              <a:rPr lang="en-US" dirty="0" err="1"/>
+              <a:t>FirstName.LastName@impactpropertysolutions.com</a:t>
+            </a:r>
+            <a:endParaRPr lang="en-US" dirty="0"/>
+          </a:p>
+          <a:p>
+            <a:pPr marL="0" indent="0">
+              <a:buNone/>
+            </a:pPr>
+            <a:r>
+              <a:rPr lang="en-US" b="1" dirty="0"/>
+              <a:t>What You Will Need</a:t>
+            </a:r>
+          </a:p>
+          <a:p>
+            <a:pPr marL="285750" indent="-285750">
+              <a:buFont typeface="Arial" panose="020B0604020202020204" pitchFamily="34" charset="0"/>
+              <a:buChar char="•"/>
+            </a:pPr>
+            <a:r>
+              <a:rPr lang="en-US" dirty="0" err="1"/>
+              <a:t>WiFi</a:t>
+            </a:r>
+            <a:r>
+              <a:rPr lang="en-US" dirty="0"/>
+              <a:t> network name and password (from Phase 1)</a:t>
+            </a:r>
+          </a:p>
+          <a:p>
+            <a:pPr marL="285750" indent="-285750">
+              <a:buFont typeface="Arial" panose="020B0604020202020204" pitchFamily="34" charset="0"/>
+              <a:buChar char="•"/>
+            </a:pPr>
+            <a:r>
+              <a:rPr lang="en-US" dirty="0"/>
+              <a:t>Your Microsoft 365 password</a:t>
+            </a:r>
+          </a:p>
+        </p:txBody>
+      </p:sp>
+    </p:spTree>
+    <p:extLst>
+      <p:ext uri="{BB962C8B-B14F-4D97-AF65-F5344CB8AC3E}">
+        <p14:creationId xmlns:p14="http://schemas.microsoft.com/office/powerpoint/2010/main" val="1340461906"/>
+      </p:ext>
+    </p:extLst>
+  </p:cSld>
+  <p:clrMapOvr>
+    <a:masterClrMapping/>
+  </p:clrMapOvr>
+</p:sld>
+</file>
+
+<file path=ppt/slides/slide17.xml><?xml version="1.0" encoding="utf-8"?>
+<p:sld xmlns:a="http://schemas.openxmlformats.org/drawingml/2006/main" xmlns:r="http://schemas.openxmlformats.org/officeDocument/2006/relationships" xmlns:p="http://schemas.openxmlformats.org/presentationml/2006/main">
+  <p:cSld>
+    <p:spTree>
+      <p:nvGrpSpPr>
+        <p:cNvPr id="1" name=""/>
+        <p:cNvGrpSpPr/>
+        <p:nvPr/>
+      </p:nvGrpSpPr>
+      <p:grpSpPr>
+        <a:xfrm>
+          <a:off x="0" y="0"/>
+          <a:ext cx="0" cy="0"/>
+          <a:chOff x="0" y="0"/>
+          <a:chExt cx="0" cy="0"/>
+        </a:xfrm>
+      </p:grpSpPr>
+      <p:sp>
+        <p:nvSpPr>
+          <p:cNvPr id="2" name="TextBox 1"/>
+          <p:cNvSpPr txBox="1"/>
+          <p:nvPr/>
+        </p:nvSpPr>
+        <p:spPr>
+          <a:xfrm>
+            <a:off x="914400" y="274320"/>
+            <a:ext cx="7315200" cy="769441"/>
+          </a:xfrm>
+          <a:prstGeom prst="rect">
+            <a:avLst/>
+          </a:prstGeom>
+          <a:noFill/>
+        </p:spPr>
+        <p:txBody>
+          <a:bodyPr wrap="square">
+            <a:spAutoFit/>
+          </a:bodyPr>
+          <a:lstStyle/>
+          <a:p>
+            <a:pPr marL="0" indent="0" algn="ctr">
+              <a:buNone/>
+              <a:defRPr sz="4400" b="1">
+                <a:solidFill>
+                  <a:srgbClr val="0078D4"/>
+                </a:solidFill>
+              </a:defRPr>
+            </a:pPr>
+            <a:r>
+              <a:t>Step 1: Select Your Region</a:t>
+            </a:r>
+          </a:p>
+        </p:txBody>
+      </p:sp>
+      <p:sp>
+        <p:nvSpPr>
+          <p:cNvPr id="3" name="TextBox 2"/>
+          <p:cNvSpPr txBox="1"/>
+          <p:nvPr/>
+        </p:nvSpPr>
+        <p:spPr>
+          <a:xfrm>
+            <a:off x="1371600" y="914400"/>
+            <a:ext cx="6400800" cy="548640"/>
+          </a:xfrm>
+          <a:prstGeom prst="rect">
+            <a:avLst/>
+          </a:prstGeom>
+          <a:noFill/>
+        </p:spPr>
+        <p:txBody>
+          <a:bodyPr wrap="none">
+            <a:spAutoFit/>
+          </a:bodyPr>
+          <a:lstStyle/>
+          <a:p>
+            <a:pPr marL="0" indent="0" algn="ctr">
+              <a:buNone/>
+              <a:defRPr sz="1600" b="1">
+                <a:solidFill>
+                  <a:srgbClr val="D13438"/>
+                </a:solidFill>
+              </a:defRPr>
+            </a:pPr>
+            <a:r>
+              <a:t>First screen after Windows reset completes</a:t>
+            </a:r>
+          </a:p>
+        </p:txBody>
+      </p:sp>
+      <p:sp>
+        <p:nvSpPr>
+          <p:cNvPr id="4" name="TextBox 3"/>
+          <p:cNvSpPr txBox="1"/>
+          <p:nvPr/>
+        </p:nvSpPr>
+        <p:spPr>
+          <a:xfrm>
+            <a:off x="1371600" y="1645920"/>
+            <a:ext cx="6400800" cy="2308324"/>
+          </a:xfrm>
+          <a:prstGeom prst="rect">
+            <a:avLst/>
+          </a:prstGeom>
+          <a:noFill/>
+        </p:spPr>
+        <p:txBody>
+          <a:bodyPr wrap="square">
+            <a:spAutoFit/>
+          </a:bodyPr>
+          <a:lstStyle/>
+          <a:p>
+            <a:pPr marL="365760" indent="-182880" algn="l">
+              <a:defRPr sz="1800" b="0"/>
+            </a:pPr>
+            <a:r>
+              <a:t>Wait for the 'Let's start with region' screen to appear</a:t>
+            </a:r>
+          </a:p>
+          <a:p>
+            <a:pPr marL="365760" indent="-182880" algn="l">
+              <a:buChar char="•"/>
+            </a:pPr>
+            <a:r>
+              <a:t>Select United States from the list</a:t>
+            </a:r>
+          </a:p>
+          <a:p>
+            <a:pPr marL="365760" indent="-182880" algn="l">
+              <a:buChar char="•"/>
+            </a:pPr>
+            <a:r>
+              <a:t>Click Yes to confirm</a:t>
+            </a:r>
+          </a:p>
+        </p:txBody>
+      </p:sp>
+    </p:spTree>
+  </p:cSld>
+  <p:clrMapOvr>
+    <a:masterClrMapping/>
+  </p:clrMapOvr>
+</p:sld>
+</file>
+
+<file path=ppt/slides/slide18.xml><?xml version="1.0" encoding="utf-8"?>
+<p:sld xmlns:a="http://schemas.openxmlformats.org/drawingml/2006/main" xmlns:r="http://schemas.openxmlformats.org/officeDocument/2006/relationships" xmlns:p="http://schemas.openxmlformats.org/presentationml/2006/main">
+  <p:cSld>
+    <p:spTree>
+      <p:nvGrpSpPr>
+        <p:cNvPr id="1" name=""/>
+        <p:cNvGrpSpPr/>
+        <p:nvPr/>
+      </p:nvGrpSpPr>
+      <p:grpSpPr>
+        <a:xfrm>
+          <a:off x="0" y="0"/>
+          <a:ext cx="0" cy="0"/>
+          <a:chOff x="0" y="0"/>
+          <a:chExt cx="0" cy="0"/>
+        </a:xfrm>
+      </p:grpSpPr>
+      <p:sp>
+        <p:nvSpPr>
+          <p:cNvPr id="2" name="TextBox 1"/>
+          <p:cNvSpPr txBox="1"/>
+          <p:nvPr/>
+        </p:nvSpPr>
+        <p:spPr>
+          <a:xfrm>
+            <a:off x="914400" y="274320"/>
+            <a:ext cx="7315200" cy="769441"/>
+          </a:xfrm>
+          <a:prstGeom prst="rect">
+            <a:avLst/>
+          </a:prstGeom>
+          <a:noFill/>
+        </p:spPr>
+        <p:txBody>
+          <a:bodyPr wrap="square">
+            <a:spAutoFit/>
+          </a:bodyPr>
+          <a:lstStyle/>
+          <a:p>
+            <a:pPr marL="0" indent="0" algn="ctr">
+              <a:buNone/>
+              <a:defRPr sz="4400" b="1">
+                <a:solidFill>
+                  <a:srgbClr val="0078D4"/>
+                </a:solidFill>
+              </a:defRPr>
+            </a:pPr>
+            <a:r>
+              <a:t>Step 2: Select Keyboard Layout</a:t>
+            </a:r>
+          </a:p>
+        </p:txBody>
+      </p:sp>
+      <p:sp>
+        <p:nvSpPr>
+          <p:cNvPr id="3" name="TextBox 2"/>
+          <p:cNvSpPr txBox="1"/>
+          <p:nvPr/>
+        </p:nvSpPr>
+        <p:spPr>
+          <a:xfrm>
+            <a:off x="1371600" y="914400"/>
+            <a:ext cx="6400800" cy="548640"/>
+          </a:xfrm>
+          <a:prstGeom prst="rect">
+            <a:avLst/>
+          </a:prstGeom>
+          <a:noFill/>
+        </p:spPr>
+        <p:txBody>
+          <a:bodyPr wrap="none">
+            <a:spAutoFit/>
+          </a:bodyPr>
+          <a:lstStyle/>
+          <a:p>
+            <a:pPr marL="0" indent="0" algn="ctr">
+              <a:buNone/>
+              <a:defRPr sz="1600" b="1">
+                <a:solidFill>
+                  <a:srgbClr val="D13438"/>
+                </a:solidFill>
+              </a:defRPr>
+            </a:pPr>
+            <a:r>
+              <a:t>Choose your keyboard configuration</a:t>
+            </a:r>
+          </a:p>
+        </p:txBody>
+      </p:sp>
+      <p:sp>
+        <p:nvSpPr>
+          <p:cNvPr id="4" name="TextBox 3"/>
+          <p:cNvSpPr txBox="1"/>
+          <p:nvPr/>
+        </p:nvSpPr>
+        <p:spPr>
+          <a:xfrm>
+            <a:off x="1371600" y="1645920"/>
+            <a:ext cx="6400800" cy="2308324"/>
+          </a:xfrm>
+          <a:prstGeom prst="rect">
+            <a:avLst/>
+          </a:prstGeom>
+          <a:noFill/>
+        </p:spPr>
+        <p:txBody>
+          <a:bodyPr wrap="square">
+            <a:spAutoFit/>
+          </a:bodyPr>
+          <a:lstStyle/>
+          <a:p>
+            <a:pPr marL="365760" indent="-182880" algn="l">
+              <a:defRPr sz="1800" b="0"/>
+            </a:pPr>
+            <a:r>
+              <a:t>Select US from the keyboard layout list</a:t>
+            </a:r>
+          </a:p>
+          <a:p>
+            <a:pPr marL="365760" indent="-182880" algn="l">
+              <a:buChar char="•"/>
+            </a:pPr>
+            <a:r>
+              <a:t>Click Yes to confirm</a:t>
+            </a:r>
+          </a:p>
+          <a:p>
+            <a:pPr marL="365760" indent="-182880" algn="l">
+              <a:buChar char="•"/>
+            </a:pPr>
+            <a:r>
+              <a:t>When asked about second keyboard layout:</a:t>
+            </a:r>
+          </a:p>
+          <a:p>
+            <a:pPr marL="0" indent="0">
+              <a:buNone/>
+            </a:pPr>
+            <a:r>
+              <a:t>Click Skip (not needed for most users)</a:t>
+            </a:r>
+          </a:p>
+        </p:txBody>
+      </p:sp>
+    </p:spTree>
+  </p:cSld>
+  <p:clrMapOvr>
+    <a:masterClrMapping/>
+  </p:clrMapOvr>
+</p:sld>
+</file>
+
+<file path=ppt/slides/slide19.xml><?xml version="1.0" encoding="utf-8"?>
+<p:sld xmlns:a="http://schemas.openxmlformats.org/drawingml/2006/main" xmlns:r="http://schemas.openxmlformats.org/officeDocument/2006/relationships" xmlns:p="http://schemas.openxmlformats.org/presentationml/2006/main">
+  <p:cSld>
+    <p:spTree>
+      <p:nvGrpSpPr>
+        <p:cNvPr id="1" name=""/>
+        <p:cNvGrpSpPr/>
+        <p:nvPr/>
+      </p:nvGrpSpPr>
+      <p:grpSpPr>
+        <a:xfrm>
+          <a:off x="0" y="0"/>
+          <a:ext cx="0" cy="0"/>
+          <a:chOff x="0" y="0"/>
+          <a:chExt cx="0" cy="0"/>
+        </a:xfrm>
+      </p:grpSpPr>
+      <p:sp>
+        <p:nvSpPr>
+          <p:cNvPr id="2" name="TextBox 1"/>
+          <p:cNvSpPr txBox="1"/>
+          <p:nvPr/>
+        </p:nvSpPr>
+        <p:spPr>
+          <a:xfrm>
+            <a:off x="914400" y="274320"/>
+            <a:ext cx="7315200" cy="769441"/>
+          </a:xfrm>
+          <a:prstGeom prst="rect">
+            <a:avLst/>
+          </a:prstGeom>
+          <a:noFill/>
+        </p:spPr>
+        <p:txBody>
+          <a:bodyPr wrap="square">
+            <a:spAutoFit/>
+          </a:bodyPr>
+          <a:lstStyle/>
+          <a:p>
+            <a:pPr marL="0" indent="0" algn="ctr">
+              <a:buNone/>
+              <a:defRPr sz="4400" b="1">
+                <a:solidFill>
+                  <a:srgbClr val="0078D4"/>
+                </a:solidFill>
+              </a:defRPr>
+            </a:pPr>
+            <a:r>
+              <a:t>Step 3: Connect to WiFi</a:t>
+            </a:r>
+          </a:p>
+        </p:txBody>
+      </p:sp>
+      <p:sp>
+        <p:nvSpPr>
+          <p:cNvPr id="3" name="TextBox 2"/>
+          <p:cNvSpPr txBox="1"/>
+          <p:nvPr/>
+        </p:nvSpPr>
+        <p:spPr>
+          <a:xfrm>
+            <a:off x="1371600" y="914400"/>
+            <a:ext cx="6400800" cy="548640"/>
+          </a:xfrm>
+          <a:prstGeom prst="rect">
+            <a:avLst/>
+          </a:prstGeom>
+          <a:noFill/>
+        </p:spPr>
+        <p:txBody>
+          <a:bodyPr wrap="none">
+            <a:spAutoFit/>
+          </a:bodyPr>
+          <a:lstStyle/>
+          <a:p>
+            <a:pPr marL="0" indent="0" algn="ctr">
+              <a:buNone/>
+              <a:defRPr sz="1600" b="1">
+                <a:solidFill>
+                  <a:srgbClr val="D13438"/>
+                </a:solidFill>
+              </a:defRPr>
+            </a:pPr>
+            <a:r>
+              <a:t>⚠️ Use the WiFi credentials you recorded in Phase 1</a:t>
+            </a:r>
+          </a:p>
+        </p:txBody>
+      </p:sp>
+      <p:sp>
+        <p:nvSpPr>
+          <p:cNvPr id="4" name="TextBox 3"/>
+          <p:cNvSpPr txBox="1"/>
+          <p:nvPr/>
+        </p:nvSpPr>
+        <p:spPr>
+          <a:xfrm>
+            <a:off x="1371600" y="1645920"/>
+            <a:ext cx="6400800" cy="2308324"/>
+          </a:xfrm>
+          <a:prstGeom prst="rect">
+            <a:avLst/>
+          </a:prstGeom>
+          <a:noFill/>
+        </p:spPr>
+        <p:txBody>
+          <a:bodyPr wrap="square">
+            <a:spAutoFit/>
+          </a:bodyPr>
+          <a:lstStyle/>
+          <a:p>
+            <a:pPr marL="365760" indent="-182880" algn="l">
+              <a:defRPr sz="1800" b="0"/>
+            </a:pPr>
+            <a:r>
+              <a:t>Find your office WiFi network in the list</a:t>
+            </a:r>
+          </a:p>
+          <a:p>
+            <a:pPr marL="365760" indent="-182880" algn="l">
+              <a:buChar char="•"/>
+            </a:pPr>
+            <a:r>
+              <a:t>Click on your network name to select it</a:t>
+            </a:r>
+          </a:p>
+          <a:p>
+            <a:pPr marL="365760" indent="-182880" algn="l">
+              <a:buChar char="•"/>
+            </a:pPr>
+            <a:r>
+              <a:t>Enter the WiFi password exactly as recorded</a:t>
+            </a:r>
+          </a:p>
+          <a:p>
+            <a:pPr marL="365760" indent="-182880" algn="l">
+              <a:buChar char="•"/>
+            </a:pPr>
+            <a:r>
+              <a:t>Click Connect and wait for connection</a:t>
+            </a:r>
+          </a:p>
+          <a:p>
+            <a:pPr marL="365760" indent="-182880" algn="l">
+              <a:buChar char="•"/>
+            </a:pPr>
+            <a:r>
+              <a:t>Click Next once connected</a:t>
+            </a:r>
+          </a:p>
+        </p:txBody>
+      </p:sp>
+    </p:spTree>
+  </p:cSld>
+  <p:clrMapOvr>
+    <a:masterClrMapping/>
+  </p:clrMapOvr>
+</p:sld>
+</file>
+
 <file path=ppt/slides/slide2.xml><?xml version="1.0" encoding="utf-8"?>
 <p:sld xmlns:a="http://schemas.openxmlformats.org/drawingml/2006/main" xmlns:r="http://schemas.openxmlformats.org/officeDocument/2006/relationships" xmlns:p="http://schemas.openxmlformats.org/presentationml/2006/main">
   <p:cSld>
@@ -5165,6 +7626,1820 @@
               <a:t>Prepare Serial Number for Reset!</a:t>
             </a:r>
             <a:endParaRPr dirty="0"/>
+          </a:p>
+        </p:txBody>
+      </p:sp>
+    </p:spTree>
+  </p:cSld>
+  <p:clrMapOvr>
+    <a:masterClrMapping/>
+  </p:clrMapOvr>
+</p:sld>
+</file>
+
+<file path=ppt/slides/slide20.xml><?xml version="1.0" encoding="utf-8"?>
+<p:sld xmlns:a="http://schemas.openxmlformats.org/drawingml/2006/main" xmlns:r="http://schemas.openxmlformats.org/officeDocument/2006/relationships" xmlns:p="http://schemas.openxmlformats.org/presentationml/2006/main">
+  <p:cSld>
+    <p:spTree>
+      <p:nvGrpSpPr>
+        <p:cNvPr id="1" name=""/>
+        <p:cNvGrpSpPr/>
+        <p:nvPr/>
+      </p:nvGrpSpPr>
+      <p:grpSpPr>
+        <a:xfrm>
+          <a:off x="0" y="0"/>
+          <a:ext cx="0" cy="0"/>
+          <a:chOff x="0" y="0"/>
+          <a:chExt cx="0" cy="0"/>
+        </a:xfrm>
+      </p:grpSpPr>
+      <p:sp>
+        <p:nvSpPr>
+          <p:cNvPr id="2" name="TextBox 1"/>
+          <p:cNvSpPr txBox="1"/>
+          <p:nvPr/>
+        </p:nvSpPr>
+        <p:spPr>
+          <a:xfrm>
+            <a:off x="914400" y="274320"/>
+            <a:ext cx="7315200" cy="769441"/>
+          </a:xfrm>
+          <a:prstGeom prst="rect">
+            <a:avLst/>
+          </a:prstGeom>
+          <a:noFill/>
+        </p:spPr>
+        <p:txBody>
+          <a:bodyPr wrap="square">
+            <a:spAutoFit/>
+          </a:bodyPr>
+          <a:lstStyle/>
+          <a:p>
+            <a:pPr marL="0" indent="0" algn="ctr">
+              <a:buNone/>
+              <a:defRPr sz="4400" b="1">
+                <a:solidFill>
+                  <a:srgbClr val="0078D4"/>
+                </a:solidFill>
+              </a:defRPr>
+            </a:pPr>
+            <a:r>
+              <a:t>Step 4: Sign In With Work Account</a:t>
+            </a:r>
+          </a:p>
+        </p:txBody>
+      </p:sp>
+      <p:sp>
+        <p:nvSpPr>
+          <p:cNvPr id="3" name="TextBox 2"/>
+          <p:cNvSpPr txBox="1"/>
+          <p:nvPr/>
+        </p:nvSpPr>
+        <p:spPr>
+          <a:xfrm>
+            <a:off x="1371600" y="1635025"/>
+            <a:ext cx="6400800" cy="548640"/>
+          </a:xfrm>
+          <a:prstGeom prst="rect">
+            <a:avLst/>
+          </a:prstGeom>
+          <a:noFill/>
+        </p:spPr>
+        <p:txBody>
+          <a:bodyPr wrap="none">
+            <a:spAutoFit/>
+          </a:bodyPr>
+          <a:lstStyle/>
+          <a:p>
+            <a:pPr marL="0" indent="0" algn="ctr">
+              <a:buNone/>
+              <a:defRPr sz="1600" b="1">
+                <a:solidFill>
+                  <a:srgbClr val="D13438"/>
+                </a:solidFill>
+              </a:defRPr>
+            </a:pPr>
+            <a:r>
+              <a:rPr dirty="0"/>
+              <a:t>⚠️ Use your NEW Impact Property Solutions email</a:t>
+            </a:r>
+          </a:p>
+        </p:txBody>
+      </p:sp>
+      <p:sp>
+        <p:nvSpPr>
+          <p:cNvPr id="4" name="TextBox 3"/>
+          <p:cNvSpPr txBox="1"/>
+          <p:nvPr/>
+        </p:nvSpPr>
+        <p:spPr>
+          <a:xfrm>
+            <a:off x="1371600" y="2366545"/>
+            <a:ext cx="6400800" cy="923330"/>
+          </a:xfrm>
+          <a:prstGeom prst="rect">
+            <a:avLst/>
+          </a:prstGeom>
+          <a:noFill/>
+        </p:spPr>
+        <p:txBody>
+          <a:bodyPr wrap="square">
+            <a:spAutoFit/>
+          </a:bodyPr>
+          <a:lstStyle/>
+          <a:p>
+            <a:pPr marL="365760" indent="-182880" algn="l">
+              <a:defRPr sz="1800" b="0"/>
+            </a:pPr>
+            <a:r>
+              <a:rPr dirty="0"/>
+              <a:t>When prompted 'Let's set things up for your work or school</a:t>
+            </a:r>
+            <a:endParaRPr lang="en-US" dirty="0"/>
+          </a:p>
+          <a:p>
+            <a:pPr marL="365760" indent="-182880" algn="l">
+              <a:defRPr sz="1800" b="0"/>
+            </a:pPr>
+            <a:endParaRPr lang="en-US" dirty="0">
+              <a:hlinkClick r:id="rId2"/>
+            </a:endParaRPr>
+          </a:p>
+          <a:p>
+            <a:pPr marL="365760" indent="-182880" algn="l">
+              <a:defRPr sz="1800" b="0"/>
+            </a:pPr>
+            <a:r>
+              <a:rPr dirty="0">
+                <a:hlinkClick r:id="rId2"/>
+              </a:rPr>
+              <a:t>FirstName.LastName@impactpropertysolutions.com</a:t>
+            </a:r>
+            <a:endParaRPr lang="en-US" dirty="0"/>
+          </a:p>
+        </p:txBody>
+      </p:sp>
+    </p:spTree>
+  </p:cSld>
+  <p:clrMapOvr>
+    <a:masterClrMapping/>
+  </p:clrMapOvr>
+</p:sld>
+</file>
+
+<file path=ppt/slides/slide21.xml><?xml version="1.0" encoding="utf-8"?>
+<p:sld xmlns:a="http://schemas.openxmlformats.org/drawingml/2006/main" xmlns:r="http://schemas.openxmlformats.org/officeDocument/2006/relationships" xmlns:p="http://schemas.openxmlformats.org/presentationml/2006/main">
+  <p:cSld>
+    <p:spTree>
+      <p:nvGrpSpPr>
+        <p:cNvPr id="1" name=""/>
+        <p:cNvGrpSpPr/>
+        <p:nvPr/>
+      </p:nvGrpSpPr>
+      <p:grpSpPr>
+        <a:xfrm>
+          <a:off x="0" y="0"/>
+          <a:ext cx="0" cy="0"/>
+          <a:chOff x="0" y="0"/>
+          <a:chExt cx="0" cy="0"/>
+        </a:xfrm>
+      </p:grpSpPr>
+      <p:sp>
+        <p:nvSpPr>
+          <p:cNvPr id="2" name="TextBox 1"/>
+          <p:cNvSpPr txBox="1"/>
+          <p:nvPr/>
+        </p:nvSpPr>
+        <p:spPr>
+          <a:xfrm>
+            <a:off x="914400" y="274320"/>
+            <a:ext cx="7315200" cy="769441"/>
+          </a:xfrm>
+          <a:prstGeom prst="rect">
+            <a:avLst/>
+          </a:prstGeom>
+          <a:noFill/>
+        </p:spPr>
+        <p:txBody>
+          <a:bodyPr wrap="square">
+            <a:spAutoFit/>
+          </a:bodyPr>
+          <a:lstStyle/>
+          <a:p>
+            <a:pPr marL="0" indent="0" algn="ctr">
+              <a:buNone/>
+              <a:defRPr sz="4400" b="1">
+                <a:solidFill>
+                  <a:srgbClr val="0078D4"/>
+                </a:solidFill>
+              </a:defRPr>
+            </a:pPr>
+            <a:r>
+              <a:t>Step 5: Enter Your Password</a:t>
+            </a:r>
+          </a:p>
+        </p:txBody>
+      </p:sp>
+      <p:sp>
+        <p:nvSpPr>
+          <p:cNvPr id="3" name="TextBox 2"/>
+          <p:cNvSpPr txBox="1"/>
+          <p:nvPr/>
+        </p:nvSpPr>
+        <p:spPr>
+          <a:xfrm>
+            <a:off x="1371600" y="914400"/>
+            <a:ext cx="6400800" cy="548640"/>
+          </a:xfrm>
+          <a:prstGeom prst="rect">
+            <a:avLst/>
+          </a:prstGeom>
+          <a:noFill/>
+        </p:spPr>
+        <p:txBody>
+          <a:bodyPr wrap="none">
+            <a:spAutoFit/>
+          </a:bodyPr>
+          <a:lstStyle/>
+          <a:p>
+            <a:pPr marL="0" indent="0" algn="ctr">
+              <a:buNone/>
+              <a:defRPr sz="1600" b="1">
+                <a:solidFill>
+                  <a:srgbClr val="D13438"/>
+                </a:solidFill>
+              </a:defRPr>
+            </a:pPr>
+            <a:r>
+              <a:t>Use your Microsoft 365 password</a:t>
+            </a:r>
+          </a:p>
+        </p:txBody>
+      </p:sp>
+      <p:sp>
+        <p:nvSpPr>
+          <p:cNvPr id="4" name="TextBox 3"/>
+          <p:cNvSpPr txBox="1"/>
+          <p:nvPr/>
+        </p:nvSpPr>
+        <p:spPr>
+          <a:xfrm>
+            <a:off x="1371600" y="1645920"/>
+            <a:ext cx="6400800" cy="2308324"/>
+          </a:xfrm>
+          <a:prstGeom prst="rect">
+            <a:avLst/>
+          </a:prstGeom>
+          <a:noFill/>
+        </p:spPr>
+        <p:txBody>
+          <a:bodyPr wrap="square">
+            <a:spAutoFit/>
+          </a:bodyPr>
+          <a:lstStyle/>
+          <a:p>
+            <a:pPr marL="365760" indent="-182880" algn="l">
+              <a:defRPr sz="1800" b="0"/>
+            </a:pPr>
+            <a:r>
+              <a:t>Enter your Microsoft 365 password</a:t>
+            </a:r>
+          </a:p>
+          <a:p>
+            <a:pPr marL="365760" indent="-182880" algn="l">
+              <a:buChar char="•"/>
+            </a:pPr>
+            <a:r>
+              <a:t>This is the same password you use for Outlook</a:t>
+            </a:r>
+          </a:p>
+          <a:p>
+            <a:pPr marL="365760" indent="-182880" algn="l">
+              <a:buChar char="•"/>
+            </a:pPr>
+            <a:r>
+              <a:t>Click Sign in</a:t>
+            </a:r>
+          </a:p>
+          <a:p>
+            <a:pPr marL="0" indent="0">
+              <a:buNone/>
+            </a:pPr>
+            <a:r>
+              <a:t>💡 If you forgot your password, contact IT Support</a:t>
+            </a:r>
+          </a:p>
+        </p:txBody>
+      </p:sp>
+    </p:spTree>
+  </p:cSld>
+  <p:clrMapOvr>
+    <a:masterClrMapping/>
+  </p:clrMapOvr>
+</p:sld>
+</file>
+
+<file path=ppt/slides/slide22.xml><?xml version="1.0" encoding="utf-8"?>
+<p:sld xmlns:a="http://schemas.openxmlformats.org/drawingml/2006/main" xmlns:r="http://schemas.openxmlformats.org/officeDocument/2006/relationships" xmlns:p="http://schemas.openxmlformats.org/presentationml/2006/main">
+  <p:cSld>
+    <p:spTree>
+      <p:nvGrpSpPr>
+        <p:cNvPr id="1" name=""/>
+        <p:cNvGrpSpPr/>
+        <p:nvPr/>
+      </p:nvGrpSpPr>
+      <p:grpSpPr>
+        <a:xfrm>
+          <a:off x="0" y="0"/>
+          <a:ext cx="0" cy="0"/>
+          <a:chOff x="0" y="0"/>
+          <a:chExt cx="0" cy="0"/>
+        </a:xfrm>
+      </p:grpSpPr>
+      <p:sp>
+        <p:nvSpPr>
+          <p:cNvPr id="2" name="TextBox 1"/>
+          <p:cNvSpPr txBox="1"/>
+          <p:nvPr/>
+        </p:nvSpPr>
+        <p:spPr>
+          <a:xfrm>
+            <a:off x="914400" y="274320"/>
+            <a:ext cx="7315200" cy="769441"/>
+          </a:xfrm>
+          <a:prstGeom prst="rect">
+            <a:avLst/>
+          </a:prstGeom>
+          <a:noFill/>
+        </p:spPr>
+        <p:txBody>
+          <a:bodyPr wrap="square">
+            <a:spAutoFit/>
+          </a:bodyPr>
+          <a:lstStyle/>
+          <a:p>
+            <a:pPr marL="0" indent="0" algn="ctr">
+              <a:buNone/>
+              <a:defRPr sz="4400" b="1">
+                <a:solidFill>
+                  <a:srgbClr val="0078D4"/>
+                </a:solidFill>
+              </a:defRPr>
+            </a:pPr>
+            <a:r>
+              <a:t>Step 7: Wait for Autopilot Setup</a:t>
+            </a:r>
+          </a:p>
+        </p:txBody>
+      </p:sp>
+      <p:sp>
+        <p:nvSpPr>
+          <p:cNvPr id="3" name="TextBox 2"/>
+          <p:cNvSpPr txBox="1"/>
+          <p:nvPr/>
+        </p:nvSpPr>
+        <p:spPr>
+          <a:xfrm>
+            <a:off x="2639419" y="1647134"/>
+            <a:ext cx="3865162" cy="584775"/>
+          </a:xfrm>
+          <a:prstGeom prst="rect">
+            <a:avLst/>
+          </a:prstGeom>
+          <a:noFill/>
+        </p:spPr>
+        <p:txBody>
+          <a:bodyPr wrap="none">
+            <a:spAutoFit/>
+          </a:bodyPr>
+          <a:lstStyle/>
+          <a:p>
+            <a:pPr marL="0" indent="0" algn="ctr">
+              <a:buNone/>
+              <a:defRPr sz="1600" b="1">
+                <a:solidFill>
+                  <a:srgbClr val="D13438"/>
+                </a:solidFill>
+              </a:defRPr>
+            </a:pPr>
+            <a:r>
+              <a:rPr dirty="0"/>
+              <a:t>⚠️ DO NOT turn off or restart your device!</a:t>
+            </a:r>
+            <a:endParaRPr lang="en-US" dirty="0"/>
+          </a:p>
+          <a:p>
+            <a:pPr algn="ctr">
+              <a:defRPr sz="1600" b="1">
+                <a:solidFill>
+                  <a:srgbClr val="D13438"/>
+                </a:solidFill>
+              </a:defRPr>
+            </a:pPr>
+            <a:r>
+              <a:rPr lang="en-US" dirty="0"/>
+              <a:t>⚠️ Ensure your Power Source is Connected!</a:t>
+            </a:r>
+            <a:endParaRPr dirty="0"/>
+          </a:p>
+        </p:txBody>
+      </p:sp>
+      <p:sp>
+        <p:nvSpPr>
+          <p:cNvPr id="4" name="TextBox 3"/>
+          <p:cNvSpPr txBox="1"/>
+          <p:nvPr/>
+        </p:nvSpPr>
+        <p:spPr>
+          <a:xfrm>
+            <a:off x="1371600" y="2378654"/>
+            <a:ext cx="6400800" cy="1477328"/>
+          </a:xfrm>
+          <a:prstGeom prst="rect">
+            <a:avLst/>
+          </a:prstGeom>
+          <a:noFill/>
+        </p:spPr>
+        <p:txBody>
+          <a:bodyPr wrap="square">
+            <a:spAutoFit/>
+          </a:bodyPr>
+          <a:lstStyle/>
+          <a:p>
+            <a:pPr marL="365760" indent="-182880" algn="l">
+              <a:defRPr sz="1800" b="0"/>
+            </a:pPr>
+            <a:r>
+              <a:rPr dirty="0"/>
+              <a:t>Autopilot will now configure your device automatically</a:t>
+            </a:r>
+          </a:p>
+          <a:p>
+            <a:pPr marL="365760" indent="-182880" algn="l">
+              <a:buChar char="•"/>
+            </a:pPr>
+            <a:r>
+              <a:rPr dirty="0"/>
+              <a:t>You will see 'Setting up your device for work...'</a:t>
+            </a:r>
+          </a:p>
+          <a:p>
+            <a:pPr marL="365760" indent="-182880" algn="l">
+              <a:buChar char="•"/>
+            </a:pPr>
+            <a:r>
+              <a:rPr dirty="0"/>
+              <a:t>This process takes </a:t>
+            </a:r>
+            <a:r>
+              <a:rPr lang="en-US" dirty="0"/>
+              <a:t>can take upwards of an Hour</a:t>
+            </a:r>
+            <a:endParaRPr dirty="0"/>
+          </a:p>
+          <a:p>
+            <a:pPr marL="365760" indent="-182880" algn="l">
+              <a:buChar char="•"/>
+            </a:pPr>
+            <a:r>
+              <a:rPr dirty="0"/>
+              <a:t>Your device may restart several times - this is normal</a:t>
+            </a:r>
+          </a:p>
+          <a:p>
+            <a:pPr marL="365760" indent="-182880" algn="l">
+              <a:buChar char="•"/>
+            </a:pPr>
+            <a:r>
+              <a:rPr dirty="0"/>
+              <a:t>Wait until you see the Windows sign-in screen</a:t>
+            </a:r>
+          </a:p>
+        </p:txBody>
+      </p:sp>
+    </p:spTree>
+  </p:cSld>
+  <p:clrMapOvr>
+    <a:masterClrMapping/>
+  </p:clrMapOvr>
+</p:sld>
+</file>
+
+<file path=ppt/slides/slide23.xml><?xml version="1.0" encoding="utf-8"?>
+<p:sld xmlns:a="http://schemas.openxmlformats.org/drawingml/2006/main" xmlns:r="http://schemas.openxmlformats.org/officeDocument/2006/relationships" xmlns:p="http://schemas.openxmlformats.org/presentationml/2006/main">
+  <p:cSld>
+    <p:spTree>
+      <p:nvGrpSpPr>
+        <p:cNvPr id="1" name=""/>
+        <p:cNvGrpSpPr/>
+        <p:nvPr/>
+      </p:nvGrpSpPr>
+      <p:grpSpPr>
+        <a:xfrm>
+          <a:off x="0" y="0"/>
+          <a:ext cx="0" cy="0"/>
+          <a:chOff x="0" y="0"/>
+          <a:chExt cx="0" cy="0"/>
+        </a:xfrm>
+      </p:grpSpPr>
+      <p:sp>
+        <p:nvSpPr>
+          <p:cNvPr id="2" name="TextBox 1"/>
+          <p:cNvSpPr txBox="1"/>
+          <p:nvPr/>
+        </p:nvSpPr>
+        <p:spPr>
+          <a:xfrm>
+            <a:off x="914400" y="274320"/>
+            <a:ext cx="7315200" cy="769441"/>
+          </a:xfrm>
+          <a:prstGeom prst="rect">
+            <a:avLst/>
+          </a:prstGeom>
+          <a:noFill/>
+        </p:spPr>
+        <p:txBody>
+          <a:bodyPr wrap="square">
+            <a:spAutoFit/>
+          </a:bodyPr>
+          <a:lstStyle/>
+          <a:p>
+            <a:pPr marL="0" indent="0" algn="ctr">
+              <a:buNone/>
+              <a:defRPr sz="4400" b="1">
+                <a:solidFill>
+                  <a:srgbClr val="0078D4"/>
+                </a:solidFill>
+              </a:defRPr>
+            </a:pPr>
+            <a:r>
+              <a:rPr dirty="0"/>
+              <a:t>Sign In to Windows</a:t>
+            </a:r>
+          </a:p>
+        </p:txBody>
+      </p:sp>
+      <p:sp>
+        <p:nvSpPr>
+          <p:cNvPr id="3" name="TextBox 2"/>
+          <p:cNvSpPr txBox="1"/>
+          <p:nvPr/>
+        </p:nvSpPr>
+        <p:spPr>
+          <a:xfrm>
+            <a:off x="1371600" y="914400"/>
+            <a:ext cx="6400800" cy="548640"/>
+          </a:xfrm>
+          <a:prstGeom prst="rect">
+            <a:avLst/>
+          </a:prstGeom>
+          <a:noFill/>
+        </p:spPr>
+        <p:txBody>
+          <a:bodyPr wrap="none">
+            <a:spAutoFit/>
+          </a:bodyPr>
+          <a:lstStyle/>
+          <a:p>
+            <a:pPr marL="0" indent="0" algn="ctr">
+              <a:buNone/>
+              <a:defRPr sz="1600" b="1">
+                <a:solidFill>
+                  <a:srgbClr val="D13438"/>
+                </a:solidFill>
+              </a:defRPr>
+            </a:pPr>
+            <a:r>
+              <a:t>Final sign-in after Autopilot completes</a:t>
+            </a:r>
+          </a:p>
+        </p:txBody>
+      </p:sp>
+      <p:sp>
+        <p:nvSpPr>
+          <p:cNvPr id="4" name="TextBox 3"/>
+          <p:cNvSpPr txBox="1"/>
+          <p:nvPr/>
+        </p:nvSpPr>
+        <p:spPr>
+          <a:xfrm>
+            <a:off x="1371600" y="2480132"/>
+            <a:ext cx="6400800" cy="1200329"/>
+          </a:xfrm>
+          <a:prstGeom prst="rect">
+            <a:avLst/>
+          </a:prstGeom>
+          <a:noFill/>
+        </p:spPr>
+        <p:txBody>
+          <a:bodyPr wrap="square">
+            <a:spAutoFit/>
+          </a:bodyPr>
+          <a:lstStyle/>
+          <a:p>
+            <a:pPr marL="365760" indent="-182880">
+              <a:defRPr sz="1800" b="0"/>
+            </a:pPr>
+            <a:r>
+              <a:rPr dirty="0"/>
+              <a:t>At the Windows sign-in screen, enter your email:</a:t>
+            </a:r>
+            <a:endParaRPr lang="en-US" dirty="0"/>
+          </a:p>
+          <a:p>
+            <a:pPr marL="365760" indent="-182880">
+              <a:defRPr sz="1800" b="0"/>
+            </a:pPr>
+            <a:r>
+              <a:rPr lang="en-US" dirty="0"/>
+              <a:t>	</a:t>
+            </a:r>
+            <a:r>
+              <a:rPr b="1" u="sng" dirty="0" err="1"/>
+              <a:t>FirstName.LastName@impactpropertysolutions.com</a:t>
+            </a:r>
+            <a:endParaRPr b="1" u="sng" dirty="0"/>
+          </a:p>
+          <a:p>
+            <a:pPr marL="822960" lvl="1" indent="-182880">
+              <a:buChar char="•"/>
+            </a:pPr>
+            <a:r>
+              <a:rPr dirty="0"/>
+              <a:t>Enter your Microsoft 365 password</a:t>
+            </a:r>
+          </a:p>
+          <a:p>
+            <a:pPr marL="822960" lvl="1" indent="-182880">
+              <a:buChar char="•"/>
+            </a:pPr>
+            <a:r>
+              <a:rPr dirty="0"/>
+              <a:t>Complete MFA</a:t>
+            </a:r>
+            <a:r>
+              <a:rPr lang="en-US" dirty="0"/>
+              <a:t>/Password Reset</a:t>
+            </a:r>
+            <a:r>
+              <a:rPr dirty="0"/>
+              <a:t> </a:t>
+            </a:r>
+            <a:r>
+              <a:rPr lang="en-US" dirty="0"/>
+              <a:t>as </a:t>
+            </a:r>
+            <a:r>
+              <a:rPr dirty="0"/>
+              <a:t>prompted</a:t>
+            </a:r>
+          </a:p>
+        </p:txBody>
+      </p:sp>
+    </p:spTree>
+  </p:cSld>
+  <p:clrMapOvr>
+    <a:masterClrMapping/>
+  </p:clrMapOvr>
+</p:sld>
+</file>
+
+<file path=ppt/slides/slide24.xml><?xml version="1.0" encoding="utf-8"?>
+<p:sld xmlns:a="http://schemas.openxmlformats.org/drawingml/2006/main" xmlns:r="http://schemas.openxmlformats.org/officeDocument/2006/relationships" xmlns:p="http://schemas.openxmlformats.org/presentationml/2006/main">
+  <p:cSld>
+    <p:spTree>
+      <p:nvGrpSpPr>
+        <p:cNvPr id="1" name=""/>
+        <p:cNvGrpSpPr/>
+        <p:nvPr/>
+      </p:nvGrpSpPr>
+      <p:grpSpPr>
+        <a:xfrm>
+          <a:off x="0" y="0"/>
+          <a:ext cx="0" cy="0"/>
+          <a:chOff x="0" y="0"/>
+          <a:chExt cx="0" cy="0"/>
+        </a:xfrm>
+      </p:grpSpPr>
+      <p:sp>
+        <p:nvSpPr>
+          <p:cNvPr id="2" name="TextBox 1"/>
+          <p:cNvSpPr txBox="1"/>
+          <p:nvPr/>
+        </p:nvSpPr>
+        <p:spPr>
+          <a:xfrm>
+            <a:off x="914400" y="274320"/>
+            <a:ext cx="7315200" cy="769441"/>
+          </a:xfrm>
+          <a:prstGeom prst="rect">
+            <a:avLst/>
+          </a:prstGeom>
+          <a:noFill/>
+        </p:spPr>
+        <p:txBody>
+          <a:bodyPr wrap="square">
+            <a:spAutoFit/>
+          </a:bodyPr>
+          <a:lstStyle/>
+          <a:p>
+            <a:pPr marL="0" indent="0" algn="ctr">
+              <a:buNone/>
+              <a:defRPr sz="4400" b="1">
+                <a:solidFill>
+                  <a:srgbClr val="0078D4"/>
+                </a:solidFill>
+              </a:defRPr>
+            </a:pPr>
+            <a:r>
+              <a:t>Step 1: Verify OneDrive Sync</a:t>
+            </a:r>
+          </a:p>
+        </p:txBody>
+      </p:sp>
+      <p:sp>
+        <p:nvSpPr>
+          <p:cNvPr id="3" name="TextBox 2"/>
+          <p:cNvSpPr txBox="1"/>
+          <p:nvPr/>
+        </p:nvSpPr>
+        <p:spPr>
+          <a:xfrm>
+            <a:off x="1371600" y="914400"/>
+            <a:ext cx="6400800" cy="548640"/>
+          </a:xfrm>
+          <a:prstGeom prst="rect">
+            <a:avLst/>
+          </a:prstGeom>
+          <a:noFill/>
+        </p:spPr>
+        <p:txBody>
+          <a:bodyPr wrap="none">
+            <a:spAutoFit/>
+          </a:bodyPr>
+          <a:lstStyle/>
+          <a:p>
+            <a:pPr marL="0" indent="0" algn="ctr">
+              <a:buNone/>
+              <a:defRPr sz="1600" b="1">
+                <a:solidFill>
+                  <a:srgbClr val="D13438"/>
+                </a:solidFill>
+              </a:defRPr>
+            </a:pPr>
+            <a:r>
+              <a:t>Your files should sync automatically after sign-in</a:t>
+            </a:r>
+          </a:p>
+        </p:txBody>
+      </p:sp>
+      <p:sp>
+        <p:nvSpPr>
+          <p:cNvPr id="4" name="TextBox 3"/>
+          <p:cNvSpPr txBox="1"/>
+          <p:nvPr/>
+        </p:nvSpPr>
+        <p:spPr>
+          <a:xfrm>
+            <a:off x="1371600" y="1645920"/>
+            <a:ext cx="6400800" cy="2585323"/>
+          </a:xfrm>
+          <a:prstGeom prst="rect">
+            <a:avLst/>
+          </a:prstGeom>
+          <a:noFill/>
+        </p:spPr>
+        <p:txBody>
+          <a:bodyPr wrap="square">
+            <a:spAutoFit/>
+          </a:bodyPr>
+          <a:lstStyle/>
+          <a:p>
+            <a:pPr marL="365760" indent="-182880" algn="l">
+              <a:defRPr sz="1800" b="0"/>
+            </a:pPr>
+            <a:r>
+              <a:rPr dirty="0"/>
+              <a:t>Look for the OneDrive cloud icon in system tray (bottom right)</a:t>
+            </a:r>
+          </a:p>
+          <a:p>
+            <a:pPr marL="365760" indent="-182880" algn="l">
+              <a:buChar char="•"/>
+            </a:pPr>
+            <a:r>
+              <a:rPr dirty="0"/>
+              <a:t>Click the cloud icon to check sync status</a:t>
+            </a:r>
+          </a:p>
+          <a:p>
+            <a:pPr marL="365760" indent="-182880" algn="l">
+              <a:buChar char="•"/>
+            </a:pPr>
+            <a:r>
+              <a:rPr dirty="0"/>
+              <a:t>You should see 'Your files are syncing' or green checkmark</a:t>
+            </a:r>
+          </a:p>
+          <a:p>
+            <a:pPr marL="365760" indent="-182880" algn="l">
+              <a:buChar char="•"/>
+            </a:pPr>
+            <a:r>
+              <a:rPr dirty="0"/>
+              <a:t>Open File Explorer - check Desktop, Documents, Pictures folders</a:t>
+            </a:r>
+          </a:p>
+          <a:p>
+            <a:pPr marL="0" indent="0">
+              <a:buNone/>
+            </a:pPr>
+            <a:endParaRPr lang="en-US" dirty="0"/>
+          </a:p>
+          <a:p>
+            <a:pPr marL="0" indent="0">
+              <a:buNone/>
+            </a:pPr>
+            <a:r>
+              <a:rPr dirty="0"/>
+              <a:t>✓ Files will download as you access them</a:t>
+            </a:r>
+          </a:p>
+          <a:p>
+            <a:pPr marL="0" indent="0">
+              <a:buNone/>
+            </a:pPr>
+            <a:endParaRPr lang="en-US" dirty="0"/>
+          </a:p>
+          <a:p>
+            <a:pPr marL="0" indent="0">
+              <a:buNone/>
+            </a:pPr>
+            <a:r>
+              <a:rPr dirty="0"/>
+              <a:t>💡 Large files may take time - prioritize what you need first</a:t>
+            </a:r>
+          </a:p>
+        </p:txBody>
+      </p:sp>
+    </p:spTree>
+  </p:cSld>
+  <p:clrMapOvr>
+    <a:masterClrMapping/>
+  </p:clrMapOvr>
+</p:sld>
+</file>
+
+<file path=ppt/slides/slide25.xml><?xml version="1.0" encoding="utf-8"?>
+<p:sld xmlns:a="http://schemas.openxmlformats.org/drawingml/2006/main" xmlns:r="http://schemas.openxmlformats.org/officeDocument/2006/relationships" xmlns:p="http://schemas.openxmlformats.org/presentationml/2006/main">
+  <p:cSld>
+    <p:spTree>
+      <p:nvGrpSpPr>
+        <p:cNvPr id="1" name=""/>
+        <p:cNvGrpSpPr/>
+        <p:nvPr/>
+      </p:nvGrpSpPr>
+      <p:grpSpPr>
+        <a:xfrm>
+          <a:off x="0" y="0"/>
+          <a:ext cx="0" cy="0"/>
+          <a:chOff x="0" y="0"/>
+          <a:chExt cx="0" cy="0"/>
+        </a:xfrm>
+      </p:grpSpPr>
+      <p:sp>
+        <p:nvSpPr>
+          <p:cNvPr id="2" name="TextBox 1"/>
+          <p:cNvSpPr txBox="1"/>
+          <p:nvPr/>
+        </p:nvSpPr>
+        <p:spPr>
+          <a:xfrm>
+            <a:off x="914400" y="274320"/>
+            <a:ext cx="7315200" cy="769441"/>
+          </a:xfrm>
+          <a:prstGeom prst="rect">
+            <a:avLst/>
+          </a:prstGeom>
+          <a:noFill/>
+        </p:spPr>
+        <p:txBody>
+          <a:bodyPr wrap="square">
+            <a:spAutoFit/>
+          </a:bodyPr>
+          <a:lstStyle/>
+          <a:p>
+            <a:pPr marL="0" indent="0" algn="ctr">
+              <a:buNone/>
+              <a:defRPr sz="4400" b="1">
+                <a:solidFill>
+                  <a:srgbClr val="0078D4"/>
+                </a:solidFill>
+              </a:defRPr>
+            </a:pPr>
+            <a:r>
+              <a:t>Step 2: Restore Browser Profile</a:t>
+            </a:r>
+          </a:p>
+        </p:txBody>
+      </p:sp>
+      <p:sp>
+        <p:nvSpPr>
+          <p:cNvPr id="3" name="TextBox 2"/>
+          <p:cNvSpPr txBox="1"/>
+          <p:nvPr/>
+        </p:nvSpPr>
+        <p:spPr>
+          <a:xfrm>
+            <a:off x="2392557" y="1683327"/>
+            <a:ext cx="4358886" cy="338554"/>
+          </a:xfrm>
+          <a:prstGeom prst="rect">
+            <a:avLst/>
+          </a:prstGeom>
+          <a:noFill/>
+        </p:spPr>
+        <p:txBody>
+          <a:bodyPr wrap="none">
+            <a:spAutoFit/>
+          </a:bodyPr>
+          <a:lstStyle/>
+          <a:p>
+            <a:pPr algn="ctr">
+              <a:defRPr sz="1600" b="1">
+                <a:solidFill>
+                  <a:srgbClr val="D13438"/>
+                </a:solidFill>
+              </a:defRPr>
+            </a:pPr>
+            <a:r>
+              <a:rPr lang="en-US" dirty="0"/>
+              <a:t>☐ </a:t>
+            </a:r>
+            <a:r>
+              <a:rPr dirty="0"/>
+              <a:t>Sign in to sync your bookmarks and passwords</a:t>
+            </a:r>
+          </a:p>
+        </p:txBody>
+      </p:sp>
+      <p:sp>
+        <p:nvSpPr>
+          <p:cNvPr id="4" name="TextBox 3"/>
+          <p:cNvSpPr txBox="1"/>
+          <p:nvPr/>
+        </p:nvSpPr>
+        <p:spPr>
+          <a:xfrm>
+            <a:off x="1371600" y="2414847"/>
+            <a:ext cx="6400800" cy="2308324"/>
+          </a:xfrm>
+          <a:prstGeom prst="rect">
+            <a:avLst/>
+          </a:prstGeom>
+          <a:noFill/>
+        </p:spPr>
+        <p:txBody>
+          <a:bodyPr wrap="square">
+            <a:spAutoFit/>
+          </a:bodyPr>
+          <a:lstStyle/>
+          <a:p>
+            <a:pPr marL="365760" indent="-182880" algn="l">
+              <a:defRPr sz="1800" b="0"/>
+            </a:pPr>
+            <a:r>
+              <a:t>Open Chrome or Edge browser</a:t>
+            </a:r>
+          </a:p>
+          <a:p>
+            <a:pPr marL="365760" indent="-182880" algn="l">
+              <a:buChar char="•"/>
+            </a:pPr>
+            <a:r>
+              <a:t>Click the profile icon (top right corner)</a:t>
+            </a:r>
+          </a:p>
+          <a:p>
+            <a:pPr marL="365760" indent="-182880" algn="l">
+              <a:buChar char="•"/>
+            </a:pPr>
+            <a:r>
+              <a:t>Click 'Turn on sync' or 'Sign in'</a:t>
+            </a:r>
+          </a:p>
+          <a:p>
+            <a:pPr marL="365760" indent="-182880" algn="l">
+              <a:buChar char="•"/>
+            </a:pPr>
+            <a:r>
+              <a:t>Sign in with: FirstName.LastName@impactpropertysolutions.com</a:t>
+            </a:r>
+          </a:p>
+          <a:p>
+            <a:pPr marL="365760" indent="-182880" algn="l">
+              <a:buChar char="•"/>
+            </a:pPr>
+            <a:r>
+              <a:t>Click 'Yes, I'm in' to enable sync</a:t>
+            </a:r>
+          </a:p>
+          <a:p>
+            <a:pPr marL="0" indent="0">
+              <a:buNone/>
+            </a:pPr>
+            <a:r>
+              <a:t>✓ Bookmarks, passwords, and settings will restore automatically</a:t>
+            </a:r>
+          </a:p>
+        </p:txBody>
+      </p:sp>
+    </p:spTree>
+  </p:cSld>
+  <p:clrMapOvr>
+    <a:masterClrMapping/>
+  </p:clrMapOvr>
+</p:sld>
+</file>
+
+<file path=ppt/slides/slide26.xml><?xml version="1.0" encoding="utf-8"?>
+<p:sld xmlns:a="http://schemas.openxmlformats.org/drawingml/2006/main" xmlns:r="http://schemas.openxmlformats.org/officeDocument/2006/relationships" xmlns:p="http://schemas.openxmlformats.org/presentationml/2006/main">
+  <p:cSld>
+    <p:spTree>
+      <p:nvGrpSpPr>
+        <p:cNvPr id="1" name=""/>
+        <p:cNvGrpSpPr/>
+        <p:nvPr/>
+      </p:nvGrpSpPr>
+      <p:grpSpPr>
+        <a:xfrm>
+          <a:off x="0" y="0"/>
+          <a:ext cx="0" cy="0"/>
+          <a:chOff x="0" y="0"/>
+          <a:chExt cx="0" cy="0"/>
+        </a:xfrm>
+      </p:grpSpPr>
+      <p:sp>
+        <p:nvSpPr>
+          <p:cNvPr id="2" name="TextBox 1"/>
+          <p:cNvSpPr txBox="1"/>
+          <p:nvPr/>
+        </p:nvSpPr>
+        <p:spPr>
+          <a:xfrm>
+            <a:off x="914400" y="274320"/>
+            <a:ext cx="7315200" cy="769441"/>
+          </a:xfrm>
+          <a:prstGeom prst="rect">
+            <a:avLst/>
+          </a:prstGeom>
+          <a:noFill/>
+        </p:spPr>
+        <p:txBody>
+          <a:bodyPr wrap="square">
+            <a:spAutoFit/>
+          </a:bodyPr>
+          <a:lstStyle/>
+          <a:p>
+            <a:pPr marL="0" indent="0" algn="ctr">
+              <a:buNone/>
+              <a:defRPr sz="4400" b="1">
+                <a:solidFill>
+                  <a:srgbClr val="0078D4"/>
+                </a:solidFill>
+              </a:defRPr>
+            </a:pPr>
+            <a:r>
+              <a:rPr dirty="0"/>
+              <a:t>Step 3: Import Bookmarks</a:t>
+            </a:r>
+          </a:p>
+        </p:txBody>
+      </p:sp>
+      <p:sp>
+        <p:nvSpPr>
+          <p:cNvPr id="4" name="TextBox 3"/>
+          <p:cNvSpPr txBox="1"/>
+          <p:nvPr/>
+        </p:nvSpPr>
+        <p:spPr>
+          <a:xfrm>
+            <a:off x="457199" y="1680555"/>
+            <a:ext cx="8146473" cy="2031325"/>
+          </a:xfrm>
+          <a:prstGeom prst="rect">
+            <a:avLst/>
+          </a:prstGeom>
+          <a:noFill/>
+        </p:spPr>
+        <p:txBody>
+          <a:bodyPr wrap="square">
+            <a:spAutoFit/>
+          </a:bodyPr>
+          <a:lstStyle/>
+          <a:p>
+            <a:pPr marL="365760" indent="-182880" algn="l">
+              <a:defRPr sz="1800" b="0"/>
+            </a:pPr>
+            <a:r>
+              <a:rPr dirty="0"/>
+              <a:t>Open browser Menu (three dots) → Bookmarks → Import</a:t>
+            </a:r>
+          </a:p>
+          <a:p>
+            <a:pPr marL="365760" indent="-182880" algn="l">
+              <a:buChar char="•"/>
+            </a:pPr>
+            <a:r>
+              <a:rPr dirty="0"/>
+              <a:t>Select 'Bookmarks HTML file'</a:t>
+            </a:r>
+          </a:p>
+          <a:p>
+            <a:pPr marL="365760" indent="-182880" algn="l">
+              <a:buChar char="•"/>
+            </a:pPr>
+            <a:r>
+              <a:rPr dirty="0"/>
+              <a:t>Navigate to OneDrive → Documents</a:t>
+            </a:r>
+          </a:p>
+          <a:p>
+            <a:pPr marL="365760" indent="-182880" algn="l">
+              <a:buChar char="•"/>
+            </a:pPr>
+            <a:r>
+              <a:rPr dirty="0"/>
+              <a:t>Select your exported bookmarks file</a:t>
+            </a:r>
+          </a:p>
+          <a:p>
+            <a:pPr marL="365760" indent="-182880" algn="l">
+              <a:buChar char="•"/>
+            </a:pPr>
+            <a:r>
+              <a:rPr dirty="0"/>
+              <a:t>Click Import</a:t>
+            </a:r>
+          </a:p>
+          <a:p>
+            <a:pPr marL="0" indent="0">
+              <a:buNone/>
+            </a:pPr>
+            <a:r>
+              <a:rPr dirty="0"/>
+              <a:t>For passwords: Settings → Passwords → Import (use saved CSV)</a:t>
+            </a:r>
+          </a:p>
+          <a:p>
+            <a:pPr marL="0" indent="0">
+              <a:buNone/>
+            </a:pPr>
+            <a:r>
+              <a:rPr dirty="0"/>
+              <a:t>⚠️ Delete the password CSV file after import!</a:t>
+            </a:r>
+          </a:p>
+        </p:txBody>
+      </p:sp>
+    </p:spTree>
+  </p:cSld>
+  <p:clrMapOvr>
+    <a:masterClrMapping/>
+  </p:clrMapOvr>
+</p:sld>
+</file>
+
+<file path=ppt/slides/slide27.xml><?xml version="1.0" encoding="utf-8"?>
+<p:sld xmlns:a="http://schemas.openxmlformats.org/drawingml/2006/main" xmlns:r="http://schemas.openxmlformats.org/officeDocument/2006/relationships" xmlns:p="http://schemas.openxmlformats.org/presentationml/2006/main">
+  <p:cSld>
+    <p:spTree>
+      <p:nvGrpSpPr>
+        <p:cNvPr id="1" name=""/>
+        <p:cNvGrpSpPr/>
+        <p:nvPr/>
+      </p:nvGrpSpPr>
+      <p:grpSpPr>
+        <a:xfrm>
+          <a:off x="0" y="0"/>
+          <a:ext cx="0" cy="0"/>
+          <a:chOff x="0" y="0"/>
+          <a:chExt cx="0" cy="0"/>
+        </a:xfrm>
+      </p:grpSpPr>
+      <p:sp>
+        <p:nvSpPr>
+          <p:cNvPr id="2" name="TextBox 1"/>
+          <p:cNvSpPr txBox="1"/>
+          <p:nvPr/>
+        </p:nvSpPr>
+        <p:spPr>
+          <a:xfrm>
+            <a:off x="914400" y="274320"/>
+            <a:ext cx="7315200" cy="769441"/>
+          </a:xfrm>
+          <a:prstGeom prst="rect">
+            <a:avLst/>
+          </a:prstGeom>
+          <a:noFill/>
+        </p:spPr>
+        <p:txBody>
+          <a:bodyPr wrap="square">
+            <a:spAutoFit/>
+          </a:bodyPr>
+          <a:lstStyle/>
+          <a:p>
+            <a:pPr marL="0" indent="0" algn="ctr">
+              <a:buNone/>
+              <a:defRPr sz="4400" b="1">
+                <a:solidFill>
+                  <a:srgbClr val="0078D4"/>
+                </a:solidFill>
+              </a:defRPr>
+            </a:pPr>
+            <a:r>
+              <a:t>Step 4: Restore Printers</a:t>
+            </a:r>
+          </a:p>
+        </p:txBody>
+      </p:sp>
+      <p:sp>
+        <p:nvSpPr>
+          <p:cNvPr id="3" name="TextBox 2"/>
+          <p:cNvSpPr txBox="1"/>
+          <p:nvPr/>
+        </p:nvSpPr>
+        <p:spPr>
+          <a:xfrm>
+            <a:off x="1371600" y="1205344"/>
+            <a:ext cx="6400800" cy="548640"/>
+          </a:xfrm>
+          <a:prstGeom prst="rect">
+            <a:avLst/>
+          </a:prstGeom>
+          <a:noFill/>
+        </p:spPr>
+        <p:txBody>
+          <a:bodyPr wrap="none">
+            <a:spAutoFit/>
+          </a:bodyPr>
+          <a:lstStyle/>
+          <a:p>
+            <a:pPr marL="0" indent="0" algn="ctr">
+              <a:buNone/>
+              <a:defRPr sz="1600" b="1">
+                <a:solidFill>
+                  <a:srgbClr val="D13438"/>
+                </a:solidFill>
+              </a:defRPr>
+            </a:pPr>
+            <a:r>
+              <a:rPr dirty="0"/>
+              <a:t>Use your screenshot from Phase 1 to re-add printers</a:t>
+            </a:r>
+          </a:p>
+        </p:txBody>
+      </p:sp>
+      <p:sp>
+        <p:nvSpPr>
+          <p:cNvPr id="4" name="TextBox 3"/>
+          <p:cNvSpPr txBox="1"/>
+          <p:nvPr/>
+        </p:nvSpPr>
+        <p:spPr>
+          <a:xfrm>
+            <a:off x="1371600" y="1645920"/>
+            <a:ext cx="6400800" cy="2308324"/>
+          </a:xfrm>
+          <a:prstGeom prst="rect">
+            <a:avLst/>
+          </a:prstGeom>
+          <a:noFill/>
+        </p:spPr>
+        <p:txBody>
+          <a:bodyPr wrap="square">
+            <a:spAutoFit/>
+          </a:bodyPr>
+          <a:lstStyle/>
+          <a:p>
+            <a:pPr marL="365760" indent="-182880" algn="l">
+              <a:defRPr sz="1800" b="0"/>
+            </a:pPr>
+            <a:r>
+              <a:t>Open your printer screenshot from OneDrive → Documents</a:t>
+            </a:r>
+          </a:p>
+          <a:p>
+            <a:pPr marL="365760" indent="-182880" algn="l">
+              <a:buChar char="•"/>
+            </a:pPr>
+            <a:r>
+              <a:t>Go to Settings → Devices → Printers &amp; scanners</a:t>
+            </a:r>
+          </a:p>
+          <a:p>
+            <a:pPr marL="365760" indent="-182880" algn="l">
+              <a:buChar char="•"/>
+            </a:pPr>
+            <a:r>
+              <a:t>Click 'Add a printer or scanner'</a:t>
+            </a:r>
+          </a:p>
+          <a:p>
+            <a:pPr marL="365760" indent="-182880" algn="l">
+              <a:buChar char="•"/>
+            </a:pPr>
+            <a:r>
+              <a:t>Select each printer from the list that matches your screenshot</a:t>
+            </a:r>
+          </a:p>
+          <a:p>
+            <a:pPr marL="365760" indent="-182880" algn="l">
+              <a:buChar char="•"/>
+            </a:pPr>
+            <a:r>
+              <a:t>If printer not found, click 'The printer I want isn't listed'</a:t>
+            </a:r>
+          </a:p>
+          <a:p>
+            <a:pPr marL="0" indent="0">
+              <a:buNone/>
+            </a:pPr>
+            <a:r>
+              <a:t>Enter printer IP address or name from screenshot</a:t>
+            </a:r>
+          </a:p>
+          <a:p>
+            <a:pPr marL="0" indent="0">
+              <a:buNone/>
+            </a:pPr>
+            <a:r>
+              <a:t>💡 Contact IT if you need help locating network printers</a:t>
+            </a:r>
+          </a:p>
+        </p:txBody>
+      </p:sp>
+    </p:spTree>
+  </p:cSld>
+  <p:clrMapOvr>
+    <a:masterClrMapping/>
+  </p:clrMapOvr>
+</p:sld>
+</file>
+
+<file path=ppt/slides/slide28.xml><?xml version="1.0" encoding="utf-8"?>
+<p:sld xmlns:a="http://schemas.openxmlformats.org/drawingml/2006/main" xmlns:r="http://schemas.openxmlformats.org/officeDocument/2006/relationships" xmlns:p="http://schemas.openxmlformats.org/presentationml/2006/main">
+  <p:cSld>
+    <p:spTree>
+      <p:nvGrpSpPr>
+        <p:cNvPr id="1" name=""/>
+        <p:cNvGrpSpPr/>
+        <p:nvPr/>
+      </p:nvGrpSpPr>
+      <p:grpSpPr>
+        <a:xfrm>
+          <a:off x="0" y="0"/>
+          <a:ext cx="0" cy="0"/>
+          <a:chOff x="0" y="0"/>
+          <a:chExt cx="0" cy="0"/>
+        </a:xfrm>
+      </p:grpSpPr>
+      <p:sp>
+        <p:nvSpPr>
+          <p:cNvPr id="2" name="TextBox 1"/>
+          <p:cNvSpPr txBox="1"/>
+          <p:nvPr/>
+        </p:nvSpPr>
+        <p:spPr>
+          <a:xfrm>
+            <a:off x="914400" y="274320"/>
+            <a:ext cx="7315200" cy="769441"/>
+          </a:xfrm>
+          <a:prstGeom prst="rect">
+            <a:avLst/>
+          </a:prstGeom>
+          <a:noFill/>
+        </p:spPr>
+        <p:txBody>
+          <a:bodyPr wrap="square">
+            <a:spAutoFit/>
+          </a:bodyPr>
+          <a:lstStyle/>
+          <a:p>
+            <a:pPr marL="0" indent="0" algn="ctr">
+              <a:buNone/>
+              <a:defRPr sz="4400" b="1">
+                <a:solidFill>
+                  <a:srgbClr val="0078D4"/>
+                </a:solidFill>
+              </a:defRPr>
+            </a:pPr>
+            <a:r>
+              <a:rPr dirty="0"/>
+              <a:t>Step 5: </a:t>
+            </a:r>
+            <a:r>
+              <a:rPr lang="en-US" dirty="0"/>
+              <a:t>Attach</a:t>
+            </a:r>
+            <a:r>
+              <a:rPr dirty="0"/>
+              <a:t> Outlook PST</a:t>
+            </a:r>
+          </a:p>
+        </p:txBody>
+      </p:sp>
+      <p:sp>
+        <p:nvSpPr>
+          <p:cNvPr id="3" name="TextBox 2"/>
+          <p:cNvSpPr txBox="1"/>
+          <p:nvPr/>
+        </p:nvSpPr>
+        <p:spPr>
+          <a:xfrm>
+            <a:off x="1371600" y="1503219"/>
+            <a:ext cx="6400800" cy="548640"/>
+          </a:xfrm>
+          <a:prstGeom prst="rect">
+            <a:avLst/>
+          </a:prstGeom>
+          <a:noFill/>
+        </p:spPr>
+        <p:txBody>
+          <a:bodyPr wrap="none">
+            <a:spAutoFit/>
+          </a:bodyPr>
+          <a:lstStyle/>
+          <a:p>
+            <a:pPr marL="0" indent="0" algn="ctr">
+              <a:buNone/>
+              <a:defRPr sz="1600" b="1">
+                <a:solidFill>
+                  <a:srgbClr val="D13438"/>
+                </a:solidFill>
+              </a:defRPr>
+            </a:pPr>
+            <a:r>
+              <a:rPr dirty="0"/>
+              <a:t>⚠️ Only if you had PST files backed up in Phase 1</a:t>
+            </a:r>
+          </a:p>
+        </p:txBody>
+      </p:sp>
+      <p:sp>
+        <p:nvSpPr>
+          <p:cNvPr id="4" name="TextBox 3"/>
+          <p:cNvSpPr txBox="1"/>
+          <p:nvPr/>
+        </p:nvSpPr>
+        <p:spPr>
+          <a:xfrm>
+            <a:off x="1371600" y="2234739"/>
+            <a:ext cx="6400800" cy="2308324"/>
+          </a:xfrm>
+          <a:prstGeom prst="rect">
+            <a:avLst/>
+          </a:prstGeom>
+          <a:noFill/>
+        </p:spPr>
+        <p:txBody>
+          <a:bodyPr wrap="square">
+            <a:spAutoFit/>
+          </a:bodyPr>
+          <a:lstStyle/>
+          <a:p>
+            <a:pPr marL="365760" indent="-182880" algn="l">
+              <a:defRPr sz="1800" b="0"/>
+            </a:pPr>
+            <a:r>
+              <a:rPr dirty="0"/>
+              <a:t>Open Outlook and wait for mailbox to fully sync</a:t>
+            </a:r>
+          </a:p>
+          <a:p>
+            <a:pPr marL="365760" indent="-182880" algn="l">
+              <a:buChar char="•"/>
+            </a:pPr>
+            <a:r>
+              <a:rPr dirty="0"/>
+              <a:t>Go to File → Open &amp; Export → Open Outlook Data File</a:t>
+            </a:r>
+          </a:p>
+          <a:p>
+            <a:pPr marL="365760" indent="-182880" algn="l">
+              <a:buChar char="•"/>
+            </a:pPr>
+            <a:r>
+              <a:rPr dirty="0"/>
+              <a:t>Navigate to OneDrive → Documents</a:t>
+            </a:r>
+          </a:p>
+          <a:p>
+            <a:pPr marL="365760" indent="-182880" algn="l">
+              <a:buChar char="•"/>
+            </a:pPr>
+            <a:r>
+              <a:rPr dirty="0"/>
+              <a:t>Select your backed up .</a:t>
+            </a:r>
+            <a:r>
+              <a:rPr dirty="0" err="1"/>
+              <a:t>pst</a:t>
+            </a:r>
+            <a:r>
+              <a:rPr dirty="0"/>
+              <a:t> file</a:t>
+            </a:r>
+          </a:p>
+          <a:p>
+            <a:pPr marL="365760" indent="-182880" algn="l">
+              <a:buChar char="•"/>
+            </a:pPr>
+            <a:r>
+              <a:rPr dirty="0"/>
+              <a:t>Click OK - the PST will appear in your folder list</a:t>
+            </a:r>
+          </a:p>
+          <a:p>
+            <a:pPr marL="0" indent="0">
+              <a:buNone/>
+            </a:pPr>
+            <a:endParaRPr lang="en-US" dirty="0"/>
+          </a:p>
+          <a:p>
+            <a:pPr marL="0" indent="0">
+              <a:buNone/>
+            </a:pPr>
+            <a:r>
+              <a:rPr dirty="0"/>
+              <a:t>💡 PST folders appear at bottom of folder pane</a:t>
+            </a:r>
+          </a:p>
+          <a:p>
+            <a:pPr marL="0" indent="0">
+              <a:buNone/>
+            </a:pPr>
+            <a:r>
+              <a:rPr dirty="0"/>
+              <a:t>💡 You can drag emails from PST to your main mailbox if needed</a:t>
+            </a:r>
+          </a:p>
+        </p:txBody>
+      </p:sp>
+    </p:spTree>
+  </p:cSld>
+  <p:clrMapOvr>
+    <a:masterClrMapping/>
+  </p:clrMapOvr>
+</p:sld>
+</file>
+
+<file path=ppt/slides/slide29.xml><?xml version="1.0" encoding="utf-8"?>
+<p:sld xmlns:a="http://schemas.openxmlformats.org/drawingml/2006/main" xmlns:r="http://schemas.openxmlformats.org/officeDocument/2006/relationships" xmlns:p="http://schemas.openxmlformats.org/presentationml/2006/main">
+  <p:cSld>
+    <p:spTree>
+      <p:nvGrpSpPr>
+        <p:cNvPr id="1" name=""/>
+        <p:cNvGrpSpPr/>
+        <p:nvPr/>
+      </p:nvGrpSpPr>
+      <p:grpSpPr>
+        <a:xfrm>
+          <a:off x="0" y="0"/>
+          <a:ext cx="0" cy="0"/>
+          <a:chOff x="0" y="0"/>
+          <a:chExt cx="0" cy="0"/>
+        </a:xfrm>
+      </p:grpSpPr>
+      <p:sp>
+        <p:nvSpPr>
+          <p:cNvPr id="2" name="TextBox 1"/>
+          <p:cNvSpPr txBox="1"/>
+          <p:nvPr/>
+        </p:nvSpPr>
+        <p:spPr>
+          <a:xfrm>
+            <a:off x="914400" y="274320"/>
+            <a:ext cx="7315200" cy="769441"/>
+          </a:xfrm>
+          <a:prstGeom prst="rect">
+            <a:avLst/>
+          </a:prstGeom>
+          <a:noFill/>
+        </p:spPr>
+        <p:txBody>
+          <a:bodyPr wrap="square">
+            <a:spAutoFit/>
+          </a:bodyPr>
+          <a:lstStyle/>
+          <a:p>
+            <a:pPr marL="0" indent="0" algn="ctr">
+              <a:buNone/>
+              <a:defRPr sz="4400" b="1">
+                <a:solidFill>
+                  <a:srgbClr val="0078D4"/>
+                </a:solidFill>
+              </a:defRPr>
+            </a:pPr>
+            <a:r>
+              <a:t>Restoration Checklist</a:t>
+            </a:r>
+          </a:p>
+        </p:txBody>
+      </p:sp>
+      <p:sp>
+        <p:nvSpPr>
+          <p:cNvPr id="3" name="TextBox 2"/>
+          <p:cNvSpPr txBox="1"/>
+          <p:nvPr/>
+        </p:nvSpPr>
+        <p:spPr>
+          <a:xfrm>
+            <a:off x="1371600" y="1097280"/>
+            <a:ext cx="6400800" cy="2585323"/>
+          </a:xfrm>
+          <a:prstGeom prst="rect">
+            <a:avLst/>
+          </a:prstGeom>
+          <a:noFill/>
+        </p:spPr>
+        <p:txBody>
+          <a:bodyPr wrap="square">
+            <a:spAutoFit/>
+          </a:bodyPr>
+          <a:lstStyle/>
+          <a:p>
+            <a:pPr marL="0" indent="0">
+              <a:buNone/>
+              <a:defRPr sz="1800" b="1">
+                <a:solidFill>
+                  <a:srgbClr val="107C10"/>
+                </a:solidFill>
+              </a:defRPr>
+            </a:pPr>
+            <a:r>
+              <a:rPr dirty="0"/>
+              <a:t>☐ OneDrive syncing and files accessible</a:t>
+            </a:r>
+          </a:p>
+          <a:p>
+            <a:pPr marL="0" indent="0">
+              <a:buNone/>
+            </a:pPr>
+            <a:r>
+              <a:rPr dirty="0"/>
+              <a:t>☐ Browser signed in and bookmarks restored</a:t>
+            </a:r>
+          </a:p>
+          <a:p>
+            <a:pPr marL="0" indent="0">
+              <a:buNone/>
+            </a:pPr>
+            <a:r>
+              <a:rPr dirty="0"/>
+              <a:t>☐ Browser passwords </a:t>
+            </a:r>
+            <a:r>
+              <a:rPr lang="en-US" dirty="0"/>
+              <a:t>and bookmarks </a:t>
+            </a:r>
+          </a:p>
+          <a:p>
+            <a:pPr marL="285750" indent="-285750">
+              <a:buFont typeface="Arial" panose="020B0604020202020204" pitchFamily="34" charset="0"/>
+              <a:buChar char="•"/>
+            </a:pPr>
+            <a:r>
+              <a:rPr lang="en-US" dirty="0"/>
+              <a:t>Imported synchronized from OneDrive Account </a:t>
+            </a:r>
+          </a:p>
+          <a:p>
+            <a:pPr marL="285750" indent="-285750">
+              <a:buFont typeface="Arial" panose="020B0604020202020204" pitchFamily="34" charset="0"/>
+              <a:buChar char="•"/>
+            </a:pPr>
+            <a:r>
+              <a:rPr lang="en-US" dirty="0"/>
+              <a:t>I</a:t>
+            </a:r>
+            <a:r>
+              <a:rPr dirty="0"/>
+              <a:t>mported from</a:t>
+            </a:r>
+            <a:r>
+              <a:rPr lang="en-US" dirty="0"/>
+              <a:t> Backup in Phase 1</a:t>
+            </a:r>
+            <a:endParaRPr dirty="0"/>
+          </a:p>
+          <a:p>
+            <a:pPr marL="0" indent="0">
+              <a:buNone/>
+            </a:pPr>
+            <a:r>
+              <a:rPr dirty="0"/>
+              <a:t>☐ Printers re-added and tested</a:t>
+            </a:r>
+          </a:p>
+          <a:p>
+            <a:pPr marL="0" indent="0">
+              <a:buNone/>
+            </a:pPr>
+            <a:r>
+              <a:rPr dirty="0"/>
+              <a:t>☐ Outlook PST files </a:t>
+            </a:r>
+            <a:r>
+              <a:rPr lang="en-US" dirty="0"/>
+              <a:t>attached </a:t>
+            </a:r>
+            <a:r>
+              <a:rPr dirty="0"/>
+              <a:t>(if applicable)</a:t>
+            </a:r>
+          </a:p>
+          <a:p>
+            <a:pPr marL="0" indent="0">
+              <a:buNone/>
+            </a:pPr>
+            <a:r>
+              <a:rPr dirty="0"/>
+              <a:t>☐ Password</a:t>
+            </a:r>
+            <a:r>
+              <a:rPr lang="en-US" dirty="0"/>
+              <a:t>/Bookmarks</a:t>
+            </a:r>
+            <a:r>
+              <a:rPr dirty="0"/>
+              <a:t> deleted from OneDrive</a:t>
+            </a:r>
+            <a:r>
+              <a:rPr lang="en-US" dirty="0"/>
+              <a:t> backup</a:t>
+            </a:r>
+            <a:endParaRPr dirty="0"/>
+          </a:p>
+          <a:p>
+            <a:pPr marL="0" indent="0">
+              <a:buNone/>
+            </a:pPr>
+            <a:r>
+              <a:rPr dirty="0"/>
+              <a:t>☐ Key applications </a:t>
+            </a:r>
+            <a:r>
+              <a:rPr lang="en-US" dirty="0"/>
+              <a:t>Tested </a:t>
+            </a:r>
+            <a:endParaRPr dirty="0"/>
+          </a:p>
+        </p:txBody>
+      </p:sp>
+      <p:sp>
+        <p:nvSpPr>
+          <p:cNvPr id="4" name="TextBox 3"/>
+          <p:cNvSpPr txBox="1"/>
+          <p:nvPr/>
+        </p:nvSpPr>
+        <p:spPr>
+          <a:xfrm>
+            <a:off x="0" y="3698240"/>
+            <a:ext cx="9144000" cy="400110"/>
+          </a:xfrm>
+          <a:prstGeom prst="rect">
+            <a:avLst/>
+          </a:prstGeom>
+          <a:noFill/>
+        </p:spPr>
+        <p:txBody>
+          <a:bodyPr wrap="square">
+            <a:spAutoFit/>
+          </a:bodyPr>
+          <a:lstStyle/>
+          <a:p>
+            <a:pPr marL="0" indent="0" algn="ctr">
+              <a:buNone/>
+              <a:defRPr sz="1800" b="1">
+                <a:solidFill>
+                  <a:srgbClr val="D13438"/>
+                </a:solidFill>
+              </a:defRPr>
+            </a:pPr>
+            <a:r>
+              <a:rPr sz="2000" dirty="0"/>
+              <a:t>✅ Migration Complete!</a:t>
+            </a:r>
+            <a:r>
+              <a:rPr lang="en-US" sz="2000" dirty="0"/>
+              <a:t> </a:t>
+            </a:r>
+            <a:r>
+              <a:rPr sz="2000" dirty="0"/>
+              <a:t>✅</a:t>
+            </a:r>
           </a:p>
         </p:txBody>
       </p:sp>
@@ -6589,59 +10864,236 @@
           <a:chExt cx="0" cy="0"/>
         </a:xfrm>
       </p:grpSpPr>
-      <p:pic>
-        <p:nvPicPr>
-          <p:cNvPr id="1026" name="Picture 2">
-            <a:extLst>
-              <a:ext uri="{FF2B5EF4-FFF2-40B4-BE49-F238E27FC236}">
-                <a16:creationId xmlns:a16="http://schemas.microsoft.com/office/drawing/2014/main" id="{18F7B588-8F86-4DE6-179D-6B47151D8857}"/>
-              </a:ext>
-            </a:extLst>
-          </p:cNvPr>
-          <p:cNvPicPr>
-            <a:picLocks noChangeAspect="1" noChangeArrowheads="1"/>
-          </p:cNvPicPr>
+      <p:sp>
+        <p:nvSpPr>
+          <p:cNvPr id="2" name="TextBox 1"/>
+          <p:cNvSpPr txBox="1"/>
           <p:nvPr/>
-        </p:nvPicPr>
-        <p:blipFill>
-          <a:blip r:embed="rId2">
-            <a:extLst>
-              <a:ext uri="{28A0092B-C50C-407E-A947-70E740481C1C}">
-                <a14:useLocalDpi xmlns:a14="http://schemas.microsoft.com/office/drawing/2010/main" val="0"/>
-              </a:ext>
-            </a:extLst>
-          </a:blip>
-          <a:srcRect/>
-          <a:stretch>
-            <a:fillRect/>
-          </a:stretch>
-        </p:blipFill>
-        <p:spPr bwMode="auto">
+        </p:nvSpPr>
+        <p:spPr>
           <a:xfrm>
-            <a:off x="0" y="0"/>
-            <a:ext cx="9144000" cy="5143500"/>
+            <a:off x="914400" y="274320"/>
+            <a:ext cx="7315200" cy="769441"/>
           </a:xfrm>
           <a:prstGeom prst="rect">
             <a:avLst/>
           </a:prstGeom>
           <a:noFill/>
-          <a:extLst>
-            <a:ext uri="{909E8E84-426E-40DD-AFC4-6F175D3DCCD1}">
-              <a14:hiddenFill xmlns:a14="http://schemas.microsoft.com/office/drawing/2010/main">
+        </p:spPr>
+        <p:txBody>
+          <a:bodyPr wrap="square">
+            <a:spAutoFit/>
+          </a:bodyPr>
+          <a:lstStyle/>
+          <a:p>
+            <a:pPr algn="ctr">
+              <a:defRPr sz="4400" b="1">
                 <a:solidFill>
-                  <a:srgbClr val="FFFFFF"/>
+                  <a:srgbClr val="0078D4"/>
                 </a:solidFill>
-              </a14:hiddenFill>
-            </a:ext>
-          </a:extLst>
+              </a:defRPr>
+            </a:pPr>
+            <a:r>
+              <a:rPr dirty="0"/>
+              <a:t>Checklist</a:t>
+            </a:r>
+          </a:p>
+        </p:txBody>
+      </p:sp>
+      <p:sp>
+        <p:nvSpPr>
+          <p:cNvPr id="3" name="TextBox 2"/>
+          <p:cNvSpPr txBox="1"/>
+          <p:nvPr/>
+        </p:nvSpPr>
+        <p:spPr>
+          <a:xfrm>
+            <a:off x="1371600" y="1097280"/>
+            <a:ext cx="6400800" cy="2031325"/>
+          </a:xfrm>
+          <a:prstGeom prst="rect">
+            <a:avLst/>
+          </a:prstGeom>
+          <a:noFill/>
         </p:spPr>
-      </p:pic>
+        <p:txBody>
+          <a:bodyPr wrap="square">
+            <a:spAutoFit/>
+          </a:bodyPr>
+          <a:lstStyle/>
+          <a:p>
+            <a:pPr>
+              <a:defRPr sz="1800" b="1">
+                <a:solidFill>
+                  <a:srgbClr val="107C10"/>
+                </a:solidFill>
+              </a:defRPr>
+            </a:pPr>
+            <a:r>
+              <a:rPr lang="en-US" dirty="0"/>
+              <a:t>☐ OneDrive sync complete </a:t>
+            </a:r>
+          </a:p>
+          <a:p>
+            <a:pPr>
+              <a:defRPr sz="1800" b="1">
+                <a:solidFill>
+                  <a:srgbClr val="107C10"/>
+                </a:solidFill>
+              </a:defRPr>
+            </a:pPr>
+            <a:r>
+              <a:rPr dirty="0"/>
+              <a:t>☐ Browser sync enabled</a:t>
+            </a:r>
+            <a:endParaRPr lang="en-US" dirty="0"/>
+          </a:p>
+          <a:p>
+            <a:pPr>
+              <a:defRPr sz="1800" b="1">
+                <a:solidFill>
+                  <a:srgbClr val="107C10"/>
+                </a:solidFill>
+              </a:defRPr>
+            </a:pPr>
+            <a:r>
+              <a:rPr dirty="0"/>
+              <a:t>☐ Browser bookmarks/passwords exported to OneDrive</a:t>
+            </a:r>
+            <a:endParaRPr lang="en-US" dirty="0"/>
+          </a:p>
+          <a:p>
+            <a:pPr>
+              <a:defRPr sz="1800" b="1">
+                <a:solidFill>
+                  <a:srgbClr val="107C10"/>
+                </a:solidFill>
+              </a:defRPr>
+            </a:pPr>
+            <a:r>
+              <a:rPr dirty="0"/>
+              <a:t>☐ Printer configuration screenshot saved</a:t>
+            </a:r>
+            <a:endParaRPr lang="en-US" dirty="0"/>
+          </a:p>
+          <a:p>
+            <a:pPr>
+              <a:defRPr sz="1800" b="1">
+                <a:solidFill>
+                  <a:srgbClr val="107C10"/>
+                </a:solidFill>
+              </a:defRPr>
+            </a:pPr>
+            <a:r>
+              <a:rPr dirty="0"/>
+              <a:t>☐ </a:t>
+            </a:r>
+            <a:r>
+              <a:rPr dirty="0" err="1"/>
+              <a:t>WiFi</a:t>
+            </a:r>
+            <a:r>
+              <a:rPr dirty="0"/>
+              <a:t> SSID recorded</a:t>
+            </a:r>
+            <a:endParaRPr lang="en-US" dirty="0"/>
+          </a:p>
+          <a:p>
+            <a:pPr>
+              <a:defRPr sz="1800" b="1">
+                <a:solidFill>
+                  <a:srgbClr val="107C10"/>
+                </a:solidFill>
+              </a:defRPr>
+            </a:pPr>
+            <a:r>
+              <a:rPr dirty="0"/>
+              <a:t>☐ Outlook PST files checked and moved (if applicable)</a:t>
+            </a:r>
+            <a:endParaRPr lang="en-US" dirty="0"/>
+          </a:p>
+          <a:p>
+            <a:pPr>
+              <a:defRPr sz="1800" b="1">
+                <a:solidFill>
+                  <a:srgbClr val="107C10"/>
+                </a:solidFill>
+              </a:defRPr>
+            </a:pPr>
+            <a:r>
+              <a:rPr dirty="0"/>
+              <a:t>☐</a:t>
+            </a:r>
+            <a:endParaRPr lang="en-US" dirty="0"/>
+          </a:p>
+        </p:txBody>
+      </p:sp>
+      <p:sp>
+        <p:nvSpPr>
+          <p:cNvPr id="4" name="TextBox 3"/>
+          <p:cNvSpPr txBox="1"/>
+          <p:nvPr/>
+        </p:nvSpPr>
+        <p:spPr>
+          <a:xfrm>
+            <a:off x="0" y="3698240"/>
+            <a:ext cx="9144000" cy="400110"/>
+          </a:xfrm>
+          <a:prstGeom prst="rect">
+            <a:avLst/>
+          </a:prstGeom>
+          <a:noFill/>
+        </p:spPr>
+        <p:txBody>
+          <a:bodyPr wrap="square">
+            <a:spAutoFit/>
+          </a:bodyPr>
+          <a:lstStyle/>
+          <a:p>
+            <a:pPr algn="ctr">
+              <a:defRPr sz="1800" b="1">
+                <a:solidFill>
+                  <a:srgbClr val="D13438"/>
+                </a:solidFill>
+              </a:defRPr>
+            </a:pPr>
+            <a:r>
+              <a:rPr sz="2000" dirty="0"/>
+              <a:t>🛑 DO NOT </a:t>
+            </a:r>
+            <a:r>
+              <a:rPr lang="en-US" sz="2000" dirty="0"/>
+              <a:t>proceed to the</a:t>
+            </a:r>
+            <a:r>
+              <a:rPr sz="2000" dirty="0"/>
+              <a:t> </a:t>
+            </a:r>
+            <a:r>
+              <a:rPr lang="en-US" sz="2000" dirty="0"/>
+              <a:t>D</a:t>
+            </a:r>
+            <a:r>
+              <a:rPr sz="2000" dirty="0"/>
+              <a:t>evice </a:t>
+            </a:r>
+            <a:r>
+              <a:rPr lang="en-US" sz="2000" dirty="0"/>
+              <a:t>R</a:t>
+            </a:r>
+            <a:r>
+              <a:rPr sz="2000" dirty="0"/>
+              <a:t>eset until ALL items above are complete</a:t>
+            </a:r>
+            <a:r>
+              <a:rPr lang="en-US" sz="2000" dirty="0"/>
+              <a:t> 🛑</a:t>
+            </a:r>
+            <a:endParaRPr sz="2000" dirty="0"/>
+          </a:p>
+        </p:txBody>
+      </p:sp>
     </p:spTree>
-    <p:extLst>
-      <p:ext uri="{BB962C8B-B14F-4D97-AF65-F5344CB8AC3E}">
-        <p14:creationId xmlns:p14="http://schemas.microsoft.com/office/powerpoint/2010/main" val="2185061231"/>
-      </p:ext>
-    </p:extLst>
   </p:cSld>
   <p:clrMapOvr>
     <a:masterClrMapping/>
@@ -6688,7 +11140,8 @@
           </a:bodyPr>
           <a:lstStyle/>
           <a:p>
-            <a:pPr algn="ctr">
+            <a:pPr marL="0" indent="0" algn="ctr">
+              <a:buNone/>
               <a:defRPr sz="4400" b="1">
                 <a:solidFill>
                   <a:srgbClr val="0078D4"/>
@@ -6697,21 +11150,87 @@
             </a:pPr>
             <a:r>
               <a:rPr dirty="0"/>
-              <a:t>Checklist</a:t>
-            </a:r>
-          </a:p>
-        </p:txBody>
-      </p:sp>
-      <p:sp>
-        <p:nvSpPr>
-          <p:cNvPr id="3" name="TextBox 2"/>
+              <a:t>Phase 2: Windows Reset</a:t>
+            </a:r>
+          </a:p>
+        </p:txBody>
+      </p:sp>
+      <p:pic>
+        <p:nvPicPr>
+          <p:cNvPr id="6" name="Picture 5">
+            <a:extLst>
+              <a:ext uri="{FF2B5EF4-FFF2-40B4-BE49-F238E27FC236}">
+                <a16:creationId xmlns:a16="http://schemas.microsoft.com/office/drawing/2014/main" id="{0740437D-830F-CE84-3FE0-38BD9BBA3D53}"/>
+              </a:ext>
+            </a:extLst>
+          </p:cNvPr>
+          <p:cNvPicPr>
+            <a:picLocks noChangeAspect="1"/>
+          </p:cNvPicPr>
+          <p:nvPr/>
+        </p:nvPicPr>
+        <p:blipFill>
+          <a:blip r:embed="rId2"/>
+          <a:stretch>
+            <a:fillRect/>
+          </a:stretch>
+        </p:blipFill>
+        <p:spPr>
+          <a:xfrm>
+            <a:off x="524166" y="1558356"/>
+            <a:ext cx="3443656" cy="3274742"/>
+          </a:xfrm>
+          <a:prstGeom prst="rect">
+            <a:avLst/>
+          </a:prstGeom>
+        </p:spPr>
+      </p:pic>
+      <p:pic>
+        <p:nvPicPr>
+          <p:cNvPr id="7" name="Picture 6">
+            <a:extLst>
+              <a:ext uri="{FF2B5EF4-FFF2-40B4-BE49-F238E27FC236}">
+                <a16:creationId xmlns:a16="http://schemas.microsoft.com/office/drawing/2014/main" id="{52FF30E4-0503-1145-BFE7-2238BBA14EFB}"/>
+              </a:ext>
+            </a:extLst>
+          </p:cNvPr>
+          <p:cNvPicPr>
+            <a:picLocks noChangeAspect="1"/>
+          </p:cNvPicPr>
+          <p:nvPr/>
+        </p:nvPicPr>
+        <p:blipFill>
+          <a:blip r:embed="rId3"/>
+          <a:stretch>
+            <a:fillRect/>
+          </a:stretch>
+        </p:blipFill>
+        <p:spPr>
+          <a:xfrm>
+            <a:off x="4972233" y="1564485"/>
+            <a:ext cx="3942557" cy="3139919"/>
+          </a:xfrm>
+          <a:prstGeom prst="rect">
+            <a:avLst/>
+          </a:prstGeom>
+        </p:spPr>
+      </p:pic>
+      <p:sp>
+        <p:nvSpPr>
+          <p:cNvPr id="8" name="TextBox 7">
+            <a:extLst>
+              <a:ext uri="{FF2B5EF4-FFF2-40B4-BE49-F238E27FC236}">
+                <a16:creationId xmlns:a16="http://schemas.microsoft.com/office/drawing/2014/main" id="{1F4EC729-D17A-F82B-9ED3-7213CD90559E}"/>
+              </a:ext>
+            </a:extLst>
+          </p:cNvPr>
           <p:cNvSpPr txBox="1"/>
           <p:nvPr/>
         </p:nvSpPr>
         <p:spPr>
           <a:xfrm>
-            <a:off x="1371600" y="1097280"/>
-            <a:ext cx="6400800" cy="2031325"/>
+            <a:off x="1371600" y="914400"/>
+            <a:ext cx="6400800" cy="548640"/>
           </a:xfrm>
           <a:prstGeom prst="rect">
             <a:avLst/>
@@ -6719,235 +11238,22 @@
           <a:noFill/>
         </p:spPr>
         <p:txBody>
-          <a:bodyPr wrap="square">
+          <a:bodyPr wrap="none">
             <a:spAutoFit/>
           </a:bodyPr>
           <a:lstStyle/>
           <a:p>
-            <a:pPr>
-              <a:defRPr sz="1800" b="1">
-                <a:solidFill>
-                  <a:srgbClr val="107C10"/>
-                </a:solidFill>
-              </a:defRPr>
-            </a:pPr>
-            <a:r>
-              <a:rPr lang="en-US" dirty="0"/>
-              <a:t>☐ OneDrive sync complete </a:t>
-            </a:r>
-          </a:p>
-          <a:p>
-            <a:pPr>
-              <a:defRPr sz="1800" b="1">
-                <a:solidFill>
-                  <a:srgbClr val="107C10"/>
-                </a:solidFill>
-              </a:defRPr>
-            </a:pPr>
-            <a:r>
-              <a:rPr dirty="0"/>
-              <a:t>☐ Browser sync enabled</a:t>
-            </a:r>
-            <a:endParaRPr lang="en-US" dirty="0"/>
-          </a:p>
-          <a:p>
-            <a:pPr>
-              <a:defRPr sz="1800" b="1">
-                <a:solidFill>
-                  <a:srgbClr val="107C10"/>
-                </a:solidFill>
-              </a:defRPr>
-            </a:pPr>
-            <a:r>
-              <a:rPr dirty="0"/>
-              <a:t>☐ Browser bookmarks/passwords exported to OneDrive</a:t>
-            </a:r>
-            <a:endParaRPr lang="en-US" dirty="0"/>
-          </a:p>
-          <a:p>
-            <a:pPr>
-              <a:defRPr sz="1800" b="1">
-                <a:solidFill>
-                  <a:srgbClr val="107C10"/>
-                </a:solidFill>
-              </a:defRPr>
-            </a:pPr>
-            <a:r>
-              <a:rPr dirty="0"/>
-              <a:t>☐ Printer configuration screenshot saved</a:t>
-            </a:r>
-            <a:endParaRPr lang="en-US" dirty="0"/>
-          </a:p>
-          <a:p>
-            <a:pPr>
-              <a:defRPr sz="1800" b="1">
-                <a:solidFill>
-                  <a:srgbClr val="107C10"/>
-                </a:solidFill>
-              </a:defRPr>
-            </a:pPr>
-            <a:r>
-              <a:rPr dirty="0"/>
-              <a:t>☐ </a:t>
-            </a:r>
-            <a:r>
-              <a:rPr dirty="0" err="1"/>
-              <a:t>WiFi</a:t>
-            </a:r>
-            <a:r>
-              <a:rPr dirty="0"/>
-              <a:t> SSID recorded</a:t>
-            </a:r>
-            <a:endParaRPr lang="en-US" dirty="0"/>
-          </a:p>
-          <a:p>
-            <a:pPr>
-              <a:defRPr sz="1800" b="1">
-                <a:solidFill>
-                  <a:srgbClr val="107C10"/>
-                </a:solidFill>
-              </a:defRPr>
-            </a:pPr>
-            <a:r>
-              <a:rPr dirty="0"/>
-              <a:t>☐ Outlook PST files checked and moved (if applicable)</a:t>
-            </a:r>
-            <a:endParaRPr lang="en-US" dirty="0"/>
-          </a:p>
-          <a:p>
-            <a:pPr>
-              <a:defRPr sz="1800" b="1">
-                <a:solidFill>
-                  <a:srgbClr val="107C10"/>
-                </a:solidFill>
-              </a:defRPr>
-            </a:pPr>
-            <a:r>
-              <a:rPr dirty="0"/>
-              <a:t>☐ iOS backup verified or created (if applicable)</a:t>
-            </a:r>
-            <a:endParaRPr lang="en-US" dirty="0"/>
-          </a:p>
-        </p:txBody>
-      </p:sp>
-      <p:sp>
-        <p:nvSpPr>
-          <p:cNvPr id="4" name="TextBox 3"/>
-          <p:cNvSpPr txBox="1"/>
-          <p:nvPr/>
-        </p:nvSpPr>
-        <p:spPr>
-          <a:xfrm>
-            <a:off x="914400" y="4572000"/>
-            <a:ext cx="7315200" cy="457200"/>
-          </a:xfrm>
-          <a:prstGeom prst="rect">
-            <a:avLst/>
-          </a:prstGeom>
-          <a:noFill/>
-        </p:spPr>
-        <p:txBody>
-          <a:bodyPr wrap="square">
-            <a:spAutoFit/>
-          </a:bodyPr>
-          <a:lstStyle/>
-          <a:p>
-            <a:pPr algn="ctr">
-              <a:defRPr sz="1800" b="1">
+            <a:pPr marL="0" indent="0" algn="ctr">
+              <a:buNone/>
+              <a:defRPr sz="1600" b="1">
                 <a:solidFill>
                   <a:srgbClr val="D13438"/>
                 </a:solidFill>
               </a:defRPr>
             </a:pPr>
             <a:r>
-              <a:t>🛑 DO NOT request device reset until ALL items above are complete</a:t>
-            </a:r>
-          </a:p>
-        </p:txBody>
-      </p:sp>
-      <p:sp>
-        <p:nvSpPr>
-          <p:cNvPr id="6" name="TextBox 5">
-            <a:extLst>
-              <a:ext uri="{FF2B5EF4-FFF2-40B4-BE49-F238E27FC236}">
-                <a16:creationId xmlns:a16="http://schemas.microsoft.com/office/drawing/2014/main" id="{64FE46C9-DB0C-7BB1-B360-AE7FFFD1EE7C}"/>
-              </a:ext>
-            </a:extLst>
-          </p:cNvPr>
-          <p:cNvSpPr txBox="1"/>
-          <p:nvPr/>
-        </p:nvSpPr>
-        <p:spPr>
-          <a:xfrm>
-            <a:off x="914399" y="3128605"/>
-            <a:ext cx="7315200" cy="1323439"/>
-          </a:xfrm>
-          <a:prstGeom prst="rect">
-            <a:avLst/>
-          </a:prstGeom>
-          <a:noFill/>
-        </p:spPr>
-        <p:txBody>
-          <a:bodyPr wrap="square">
-            <a:spAutoFit/>
-          </a:bodyPr>
-          <a:lstStyle/>
-          <a:p>
-            <a:pPr algn="ctr">
-              <a:defRPr sz="2000" b="1">
-                <a:solidFill>
-                  <a:srgbClr val="0078D4"/>
-                </a:solidFill>
-              </a:defRPr>
-            </a:pPr>
-            <a:r>
-              <a:rPr lang="en-US" dirty="0"/>
-              <a:t>When the above are complete please send the below to Chat</a:t>
-            </a:r>
-          </a:p>
-          <a:p>
-            <a:pPr marL="1257300" lvl="2" indent="-342900">
-              <a:buFont typeface="Arial" panose="020B0604020202020204" pitchFamily="34" charset="0"/>
-              <a:buChar char="•"/>
-              <a:defRPr sz="2000" b="1">
-                <a:solidFill>
-                  <a:srgbClr val="0078D4"/>
-                </a:solidFill>
-              </a:defRPr>
-            </a:pPr>
-            <a:r>
-              <a:rPr lang="en-US" dirty="0"/>
-              <a:t>First/Last Name</a:t>
-            </a:r>
-          </a:p>
-          <a:p>
-            <a:pPr marL="1257300" lvl="2" indent="-342900">
-              <a:buFont typeface="Arial" panose="020B0604020202020204" pitchFamily="34" charset="0"/>
-              <a:buChar char="•"/>
-              <a:defRPr sz="2000" b="1">
-                <a:solidFill>
-                  <a:srgbClr val="0078D4"/>
-                </a:solidFill>
-              </a:defRPr>
-            </a:pPr>
-            <a:r>
-              <a:rPr lang="en-US" dirty="0"/>
-              <a:t>Email Address</a:t>
-            </a:r>
-          </a:p>
-          <a:p>
-            <a:pPr marL="1257300" lvl="2" indent="-342900">
-              <a:buFont typeface="Arial" panose="020B0604020202020204" pitchFamily="34" charset="0"/>
-              <a:buChar char="•"/>
-              <a:defRPr sz="2000" b="1">
-                <a:solidFill>
-                  <a:srgbClr val="0078D4"/>
-                </a:solidFill>
-              </a:defRPr>
-            </a:pPr>
-            <a:r>
-              <a:rPr lang="en-US" dirty="0"/>
-              <a:t>Serial Number from Previous Slide</a:t>
+              <a:rPr dirty="0"/>
+              <a:t>⚠️ Verify ALL Phase 1 backups are complete before proceeding</a:t>
             </a:r>
           </a:p>
         </p:txBody>

--- a/presentation/Phase1-Backup-Guide.pptx
+++ b/presentation/Phase1-Backup-Guide.pptx
@@ -6472,8 +6472,8 @@
         </p:nvSpPr>
         <p:spPr>
           <a:xfrm>
-            <a:off x="1371600" y="1645920"/>
-            <a:ext cx="6688442" cy="2031325"/>
+            <a:off x="369393" y="1645920"/>
+            <a:ext cx="8671661" cy="1754326"/>
           </a:xfrm>
           <a:prstGeom prst="rect">
             <a:avLst/>
@@ -6835,48 +6835,6 @@
       </p:grpSpPr>
       <p:sp>
         <p:nvSpPr>
-          <p:cNvPr id="6" name="TextBox 5">
-            <a:extLst>
-              <a:ext uri="{FF2B5EF4-FFF2-40B4-BE49-F238E27FC236}">
-                <a16:creationId xmlns:a16="http://schemas.microsoft.com/office/drawing/2014/main" id="{6F8C2101-A673-F716-F8F9-F92EF754D10C}"/>
-              </a:ext>
-            </a:extLst>
-          </p:cNvPr>
-          <p:cNvSpPr txBox="1"/>
-          <p:nvPr/>
-        </p:nvSpPr>
-        <p:spPr>
-          <a:xfrm>
-            <a:off x="1812147" y="0"/>
-            <a:ext cx="5519706" cy="461665"/>
-          </a:xfrm>
-          <a:prstGeom prst="rect">
-            <a:avLst/>
-          </a:prstGeom>
-          <a:noFill/>
-        </p:spPr>
-        <p:txBody>
-          <a:bodyPr wrap="square">
-            <a:spAutoFit/>
-          </a:bodyPr>
-          <a:lstStyle/>
-          <a:p>
-            <a:pPr algn="ctr">
-              <a:defRPr sz="2400" b="1">
-                <a:solidFill>
-                  <a:srgbClr val="0078D4"/>
-                </a:solidFill>
-              </a:defRPr>
-            </a:pPr>
-            <a:r>
-              <a:rPr lang="en-US" dirty="0"/>
-              <a:t>Out of Box Experience (OOBE)</a:t>
-            </a:r>
-          </a:p>
-        </p:txBody>
-      </p:sp>
-      <p:sp>
-        <p:nvSpPr>
           <p:cNvPr id="9" name="TextBox 8">
             <a:extLst>
               <a:ext uri="{FF2B5EF4-FFF2-40B4-BE49-F238E27FC236}">
@@ -6889,7 +6847,7 @@
         </p:nvSpPr>
         <p:spPr>
           <a:xfrm>
-            <a:off x="1492711" y="1884738"/>
+            <a:off x="1230806" y="1094422"/>
             <a:ext cx="6682387" cy="1477328"/>
           </a:xfrm>
           <a:prstGeom prst="rect">
@@ -6954,6 +6912,50 @@
               <a:rPr lang="en-US" dirty="0"/>
               <a:t>Your Microsoft 365 password</a:t>
             </a:r>
+          </a:p>
+        </p:txBody>
+      </p:sp>
+      <p:sp>
+        <p:nvSpPr>
+          <p:cNvPr id="10" name="TextBox 9">
+            <a:extLst>
+              <a:ext uri="{FF2B5EF4-FFF2-40B4-BE49-F238E27FC236}">
+                <a16:creationId xmlns:a16="http://schemas.microsoft.com/office/drawing/2014/main" id="{F75D75D6-E01D-92C3-D902-8AB1B22D772A}"/>
+              </a:ext>
+            </a:extLst>
+          </p:cNvPr>
+          <p:cNvSpPr txBox="1"/>
+          <p:nvPr/>
+        </p:nvSpPr>
+        <p:spPr>
+          <a:xfrm>
+            <a:off x="914400" y="274320"/>
+            <a:ext cx="7315200" cy="769441"/>
+          </a:xfrm>
+          <a:prstGeom prst="rect">
+            <a:avLst/>
+          </a:prstGeom>
+          <a:noFill/>
+        </p:spPr>
+        <p:txBody>
+          <a:bodyPr wrap="square">
+            <a:spAutoFit/>
+          </a:bodyPr>
+          <a:lstStyle/>
+          <a:p>
+            <a:pPr marL="0" indent="0" algn="ctr">
+              <a:buNone/>
+              <a:defRPr sz="4400" b="1">
+                <a:solidFill>
+                  <a:srgbClr val="0078D4"/>
+                </a:solidFill>
+              </a:defRPr>
+            </a:pPr>
+            <a:r>
+              <a:rPr lang="en-US" dirty="0"/>
+              <a:t>Out of Box Experience (OOBE)</a:t>
+            </a:r>
+            <a:endParaRPr dirty="0"/>
           </a:p>
         </p:txBody>
       </p:sp>
@@ -7106,6 +7108,53 @@
           </a:p>
         </p:txBody>
       </p:sp>
+      <p:pic>
+        <p:nvPicPr>
+          <p:cNvPr id="1028" name="Picture 4" descr="What's new with the out-of-box experience (OOBE) on Windows 11 | Windows  Central">
+            <a:extLst>
+              <a:ext uri="{FF2B5EF4-FFF2-40B4-BE49-F238E27FC236}">
+                <a16:creationId xmlns:a16="http://schemas.microsoft.com/office/drawing/2014/main" id="{2D58E1B3-4223-E01C-C24D-DEF9A79FD804}"/>
+              </a:ext>
+            </a:extLst>
+          </p:cNvPr>
+          <p:cNvPicPr>
+            <a:picLocks noChangeAspect="1" noChangeArrowheads="1"/>
+          </p:cNvPicPr>
+          <p:nvPr/>
+        </p:nvPicPr>
+        <p:blipFill>
+          <a:blip r:embed="rId3">
+            <a:extLst>
+              <a:ext uri="{28A0092B-C50C-407E-A947-70E740481C1C}">
+                <a14:useLocalDpi xmlns:a14="http://schemas.microsoft.com/office/drawing/2010/main" val="0"/>
+              </a:ext>
+            </a:extLst>
+          </a:blip>
+          <a:srcRect/>
+          <a:stretch>
+            <a:fillRect/>
+          </a:stretch>
+        </p:blipFill>
+        <p:spPr bwMode="auto">
+          <a:xfrm>
+            <a:off x="1565380" y="2614215"/>
+            <a:ext cx="6013240" cy="2254965"/>
+          </a:xfrm>
+          <a:prstGeom prst="rect">
+            <a:avLst/>
+          </a:prstGeom>
+          <a:noFill/>
+          <a:extLst>
+            <a:ext uri="{909E8E84-426E-40DD-AFC4-6F175D3DCCD1}">
+              <a14:hiddenFill xmlns:a14="http://schemas.microsoft.com/office/drawing/2010/main">
+                <a:solidFill>
+                  <a:srgbClr val="FFFFFF"/>
+                </a:solidFill>
+              </a14:hiddenFill>
+            </a:ext>
+          </a:extLst>
+        </p:spPr>
+      </p:pic>
     </p:spTree>
   </p:cSld>
   <p:clrMapOvr>
@@ -7229,6 +7278,7 @@
               <a:defRPr sz="1800" b="0"/>
             </a:pPr>
             <a:r>
+              <a:rPr dirty="0"/>
               <a:t>Select US from the keyboard layout list</a:t>
             </a:r>
           </a:p>
@@ -7237,6 +7287,7 @@
               <a:buChar char="•"/>
             </a:pPr>
             <a:r>
+              <a:rPr dirty="0"/>
               <a:t>Click Yes to confirm</a:t>
             </a:r>
           </a:p>
@@ -7245,6 +7296,7 @@
               <a:buChar char="•"/>
             </a:pPr>
             <a:r>
+              <a:rPr dirty="0"/>
               <a:t>When asked about second keyboard layout:</a:t>
             </a:r>
           </a:p>
@@ -7253,11 +7305,59 @@
               <a:buNone/>
             </a:pPr>
             <a:r>
+              <a:rPr dirty="0"/>
               <a:t>Click Skip (not needed for most users)</a:t>
             </a:r>
           </a:p>
         </p:txBody>
       </p:sp>
+      <p:pic>
+        <p:nvPicPr>
+          <p:cNvPr id="2052" name="Picture 4" descr="SCCM Customize Windows Out Of Box Experience OOBE Using ConfigMgr HTMD Blog">
+            <a:extLst>
+              <a:ext uri="{FF2B5EF4-FFF2-40B4-BE49-F238E27FC236}">
+                <a16:creationId xmlns:a16="http://schemas.microsoft.com/office/drawing/2014/main" id="{847407CD-8957-9498-293C-6C8D51C4A9E8}"/>
+              </a:ext>
+            </a:extLst>
+          </p:cNvPr>
+          <p:cNvPicPr>
+            <a:picLocks noChangeAspect="1" noChangeArrowheads="1"/>
+          </p:cNvPicPr>
+          <p:nvPr/>
+        </p:nvPicPr>
+        <p:blipFill>
+          <a:blip r:embed="rId2">
+            <a:extLst>
+              <a:ext uri="{28A0092B-C50C-407E-A947-70E740481C1C}">
+                <a14:useLocalDpi xmlns:a14="http://schemas.microsoft.com/office/drawing/2010/main" val="0"/>
+              </a:ext>
+            </a:extLst>
+          </a:blip>
+          <a:srcRect/>
+          <a:stretch>
+            <a:fillRect/>
+          </a:stretch>
+        </p:blipFill>
+        <p:spPr bwMode="auto">
+          <a:xfrm>
+            <a:off x="2967627" y="2861587"/>
+            <a:ext cx="2906332" cy="2185313"/>
+          </a:xfrm>
+          <a:prstGeom prst="rect">
+            <a:avLst/>
+          </a:prstGeom>
+          <a:noFill/>
+          <a:extLst>
+            <a:ext uri="{909E8E84-426E-40DD-AFC4-6F175D3DCCD1}">
+              <a14:hiddenFill xmlns:a14="http://schemas.microsoft.com/office/drawing/2010/main">
+                <a:solidFill>
+                  <a:srgbClr val="FFFFFF"/>
+                </a:solidFill>
+              </a14:hiddenFill>
+            </a:ext>
+          </a:extLst>
+        </p:spPr>
+      </p:pic>
     </p:spTree>
   </p:cSld>
   <p:clrMapOvr>
@@ -7418,6 +7518,53 @@
           </a:p>
         </p:txBody>
       </p:sp>
+      <p:pic>
+        <p:nvPicPr>
+          <p:cNvPr id="3074" name="Picture 2" descr="Windows 10 OOBE screen details | Microsoft Learn">
+            <a:extLst>
+              <a:ext uri="{FF2B5EF4-FFF2-40B4-BE49-F238E27FC236}">
+                <a16:creationId xmlns:a16="http://schemas.microsoft.com/office/drawing/2014/main" id="{C9D14303-F480-8AFF-7D35-9C4EF14FD933}"/>
+              </a:ext>
+            </a:extLst>
+          </p:cNvPr>
+          <p:cNvPicPr>
+            <a:picLocks noChangeAspect="1" noChangeArrowheads="1"/>
+          </p:cNvPicPr>
+          <p:nvPr/>
+        </p:nvPicPr>
+        <p:blipFill>
+          <a:blip r:embed="rId2">
+            <a:extLst>
+              <a:ext uri="{28A0092B-C50C-407E-A947-70E740481C1C}">
+                <a14:useLocalDpi xmlns:a14="http://schemas.microsoft.com/office/drawing/2010/main" val="0"/>
+              </a:ext>
+            </a:extLst>
+          </a:blip>
+          <a:srcRect/>
+          <a:stretch>
+            <a:fillRect/>
+          </a:stretch>
+        </p:blipFill>
+        <p:spPr bwMode="auto">
+          <a:xfrm>
+            <a:off x="5564850" y="2571750"/>
+            <a:ext cx="3256346" cy="2532540"/>
+          </a:xfrm>
+          <a:prstGeom prst="rect">
+            <a:avLst/>
+          </a:prstGeom>
+          <a:noFill/>
+          <a:extLst>
+            <a:ext uri="{909E8E84-426E-40DD-AFC4-6F175D3DCCD1}">
+              <a14:hiddenFill xmlns:a14="http://schemas.microsoft.com/office/drawing/2010/main">
+                <a:solidFill>
+                  <a:srgbClr val="FFFFFF"/>
+                </a:solidFill>
+              </a14:hiddenFill>
+            </a:ext>
+          </a:extLst>
+        </p:spPr>
+      </p:pic>
     </p:spTree>
   </p:cSld>
   <p:clrMapOvr>
@@ -7487,7 +7634,7 @@
         <p:spPr>
           <a:xfrm>
             <a:off x="1371600" y="1097280"/>
-            <a:ext cx="6400800" cy="3693319"/>
+            <a:ext cx="6400800" cy="3323987"/>
           </a:xfrm>
           <a:prstGeom prst="rect">
             <a:avLst/>
@@ -7610,22 +7757,12 @@
             </a:pPr>
             <a:r>
               <a:rPr dirty="0"/>
-              <a:t>Personal email archives (PST files)</a:t>
-            </a:r>
-          </a:p>
-          <a:p>
-            <a:pPr>
-              <a:defRPr sz="2400" b="1">
-                <a:solidFill>
-                  <a:srgbClr val="0078D4"/>
-                </a:solidFill>
-              </a:defRPr>
-            </a:pPr>
+              <a:t>Personal email archives (PST files</a:t>
+            </a:r>
             <a:r>
               <a:rPr lang="en-US" dirty="0"/>
-              <a:t>Prepare Serial Number for Reset!</a:t>
-            </a:r>
-            <a:endParaRPr dirty="0"/>
+              <a:t>)</a:t>
+            </a:r>
           </a:p>
         </p:txBody>
       </p:sp>
@@ -7735,8 +7872,8 @@
         </p:nvSpPr>
         <p:spPr>
           <a:xfrm>
-            <a:off x="1371600" y="2366545"/>
-            <a:ext cx="6400800" cy="923330"/>
+            <a:off x="0" y="2089192"/>
+            <a:ext cx="4959560" cy="1477328"/>
           </a:xfrm>
           <a:prstGeom prst="rect">
             <a:avLst/>
@@ -7774,12 +7911,79 @@
               <a:rPr dirty="0">
                 <a:hlinkClick r:id="rId2"/>
               </a:rPr>
-              <a:t>FirstName.LastName@impactpropertysolutions.com</a:t>
+              <a:t>FirstName.LastName</a:t>
+            </a:r>
+            <a:endParaRPr lang="en-US" dirty="0">
+              <a:hlinkClick r:id="rId2"/>
+            </a:endParaRPr>
+          </a:p>
+          <a:p>
+            <a:pPr marL="365760" indent="-182880" algn="l">
+              <a:defRPr sz="1800" b="0"/>
+            </a:pPr>
+            <a:r>
+              <a:rPr lang="en-US" dirty="0">
+                <a:hlinkClick r:id="rId2"/>
+              </a:rPr>
+              <a:t>	</a:t>
+            </a:r>
+            <a:r>
+              <a:rPr dirty="0">
+                <a:hlinkClick r:id="rId2"/>
+              </a:rPr>
+              <a:t>@impactpropertysolutions.com</a:t>
             </a:r>
             <a:endParaRPr lang="en-US" dirty="0"/>
           </a:p>
         </p:txBody>
       </p:sp>
+      <p:pic>
+        <p:nvPicPr>
+          <p:cNvPr id="4098" name="Picture 2" descr="Windows 11 New OOBE Experience! — Mauvlan's Ramblings">
+            <a:extLst>
+              <a:ext uri="{FF2B5EF4-FFF2-40B4-BE49-F238E27FC236}">
+                <a16:creationId xmlns:a16="http://schemas.microsoft.com/office/drawing/2014/main" id="{699C7806-9FDC-FB3B-525C-71E8AFA1826A}"/>
+              </a:ext>
+            </a:extLst>
+          </p:cNvPr>
+          <p:cNvPicPr>
+            <a:picLocks noChangeAspect="1" noChangeArrowheads="1"/>
+          </p:cNvPicPr>
+          <p:nvPr/>
+        </p:nvPicPr>
+        <p:blipFill>
+          <a:blip r:embed="rId3">
+            <a:extLst>
+              <a:ext uri="{28A0092B-C50C-407E-A947-70E740481C1C}">
+                <a14:useLocalDpi xmlns:a14="http://schemas.microsoft.com/office/drawing/2010/main" val="0"/>
+              </a:ext>
+            </a:extLst>
+          </a:blip>
+          <a:srcRect/>
+          <a:stretch>
+            <a:fillRect/>
+          </a:stretch>
+        </p:blipFill>
+        <p:spPr bwMode="auto">
+          <a:xfrm>
+            <a:off x="5031302" y="2089192"/>
+            <a:ext cx="3931832" cy="2959836"/>
+          </a:xfrm>
+          <a:prstGeom prst="rect">
+            <a:avLst/>
+          </a:prstGeom>
+          <a:noFill/>
+          <a:extLst>
+            <a:ext uri="{909E8E84-426E-40DD-AFC4-6F175D3DCCD1}">
+              <a14:hiddenFill xmlns:a14="http://schemas.microsoft.com/office/drawing/2010/main">
+                <a:solidFill>
+                  <a:srgbClr val="FFFFFF"/>
+                </a:solidFill>
+              </a14:hiddenFill>
+            </a:ext>
+          </a:extLst>
+        </p:spPr>
+      </p:pic>
     </p:spTree>
   </p:cSld>
   <p:clrMapOvr>
@@ -7885,8 +8089,8 @@
         </p:nvSpPr>
         <p:spPr>
           <a:xfrm>
-            <a:off x="1371600" y="1645920"/>
-            <a:ext cx="6400800" cy="2308324"/>
+            <a:off x="131495" y="2110085"/>
+            <a:ext cx="4899807" cy="923330"/>
           </a:xfrm>
           <a:prstGeom prst="rect">
             <a:avLst/>
@@ -7903,6 +8107,7 @@
               <a:defRPr sz="1800" b="0"/>
             </a:pPr>
             <a:r>
+              <a:rPr dirty="0"/>
               <a:t>Enter your Microsoft 365 password</a:t>
             </a:r>
           </a:p>
@@ -7911,6 +8116,7 @@
               <a:buChar char="•"/>
             </a:pPr>
             <a:r>
+              <a:rPr dirty="0"/>
               <a:t>This is the same password you use for Outlook</a:t>
             </a:r>
           </a:p>
@@ -7919,19 +8125,59 @@
               <a:buChar char="•"/>
             </a:pPr>
             <a:r>
+              <a:rPr dirty="0"/>
               <a:t>Click Sign in</a:t>
             </a:r>
           </a:p>
-          <a:p>
-            <a:pPr marL="0" indent="0">
-              <a:buNone/>
-            </a:pPr>
-            <a:r>
-              <a:t>💡 If you forgot your password, contact IT Support</a:t>
-            </a:r>
-          </a:p>
-        </p:txBody>
-      </p:sp>
+        </p:txBody>
+      </p:sp>
+      <p:pic>
+        <p:nvPicPr>
+          <p:cNvPr id="5" name="Picture 2" descr="Windows 11 New OOBE Experience! — Mauvlan's Ramblings">
+            <a:extLst>
+              <a:ext uri="{FF2B5EF4-FFF2-40B4-BE49-F238E27FC236}">
+                <a16:creationId xmlns:a16="http://schemas.microsoft.com/office/drawing/2014/main" id="{9023AEB0-D9B7-37BF-408C-C4D54FBFECA9}"/>
+              </a:ext>
+            </a:extLst>
+          </p:cNvPr>
+          <p:cNvPicPr>
+            <a:picLocks noChangeAspect="1" noChangeArrowheads="1"/>
+          </p:cNvPicPr>
+          <p:nvPr/>
+        </p:nvPicPr>
+        <p:blipFill>
+          <a:blip r:embed="rId2">
+            <a:extLst>
+              <a:ext uri="{28A0092B-C50C-407E-A947-70E740481C1C}">
+                <a14:useLocalDpi xmlns:a14="http://schemas.microsoft.com/office/drawing/2010/main" val="0"/>
+              </a:ext>
+            </a:extLst>
+          </a:blip>
+          <a:srcRect/>
+          <a:stretch>
+            <a:fillRect/>
+          </a:stretch>
+        </p:blipFill>
+        <p:spPr bwMode="auto">
+          <a:xfrm>
+            <a:off x="5031302" y="2089192"/>
+            <a:ext cx="3931832" cy="2959836"/>
+          </a:xfrm>
+          <a:prstGeom prst="rect">
+            <a:avLst/>
+          </a:prstGeom>
+          <a:noFill/>
+          <a:extLst>
+            <a:ext uri="{909E8E84-426E-40DD-AFC4-6F175D3DCCD1}">
+              <a14:hiddenFill xmlns:a14="http://schemas.microsoft.com/office/drawing/2010/main">
+                <a:solidFill>
+                  <a:srgbClr val="FFFFFF"/>
+                </a:solidFill>
+              </a14:hiddenFill>
+            </a:ext>
+          </a:extLst>
+        </p:spPr>
+      </p:pic>
     </p:spTree>
   </p:cSld>
   <p:clrMapOvr>
@@ -8610,6 +8856,7 @@
               <a:defRPr sz="1800" b="0"/>
             </a:pPr>
             <a:r>
+              <a:rPr dirty="0"/>
               <a:t>Open Chrome or Edge browser</a:t>
             </a:r>
           </a:p>
@@ -8618,6 +8865,7 @@
               <a:buChar char="•"/>
             </a:pPr>
             <a:r>
+              <a:rPr dirty="0"/>
               <a:t>Click the profile icon (top right corner)</a:t>
             </a:r>
           </a:p>
@@ -8626,6 +8874,7 @@
               <a:buChar char="•"/>
             </a:pPr>
             <a:r>
+              <a:rPr dirty="0"/>
               <a:t>Click 'Turn on sync' or 'Sign in'</a:t>
             </a:r>
           </a:p>
@@ -8634,14 +8883,21 @@
               <a:buChar char="•"/>
             </a:pPr>
             <a:r>
-              <a:t>Sign in with: FirstName.LastName@impactpropertysolutions.com</a:t>
-            </a:r>
+              <a:rPr dirty="0"/>
+              <a:t>Sign in with: </a:t>
+            </a:r>
+            <a:r>
+              <a:rPr dirty="0" err="1"/>
+              <a:t>FirstName.LastName@impactpropertysolutions.com</a:t>
+            </a:r>
+            <a:endParaRPr dirty="0"/>
           </a:p>
           <a:p>
             <a:pPr marL="365760" indent="-182880" algn="l">
               <a:buChar char="•"/>
             </a:pPr>
             <a:r>
+              <a:rPr dirty="0"/>
               <a:t>Click 'Yes, I'm in' to enable sync</a:t>
             </a:r>
           </a:p>
@@ -8650,11 +8906,59 @@
               <a:buNone/>
             </a:pPr>
             <a:r>
+              <a:rPr dirty="0"/>
               <a:t>✓ Bookmarks, passwords, and settings will restore automatically</a:t>
             </a:r>
           </a:p>
         </p:txBody>
       </p:sp>
+      <p:pic>
+        <p:nvPicPr>
+          <p:cNvPr id="5" name="Picture 4" descr="How to Sync Page Tabs Between Google Chrome, Firefox, and Edge">
+            <a:extLst>
+              <a:ext uri="{FF2B5EF4-FFF2-40B4-BE49-F238E27FC236}">
+                <a16:creationId xmlns:a16="http://schemas.microsoft.com/office/drawing/2014/main" id="{D59BFBB1-E5AF-161A-B12A-9A48ADE97690}"/>
+              </a:ext>
+            </a:extLst>
+          </p:cNvPr>
+          <p:cNvPicPr>
+            <a:picLocks noChangeAspect="1" noChangeArrowheads="1"/>
+          </p:cNvPicPr>
+          <p:nvPr/>
+        </p:nvPicPr>
+        <p:blipFill>
+          <a:blip r:embed="rId2">
+            <a:extLst>
+              <a:ext uri="{28A0092B-C50C-407E-A947-70E740481C1C}">
+                <a14:useLocalDpi xmlns:a14="http://schemas.microsoft.com/office/drawing/2010/main" val="0"/>
+              </a:ext>
+            </a:extLst>
+          </a:blip>
+          <a:srcRect/>
+          <a:stretch>
+            <a:fillRect/>
+          </a:stretch>
+        </p:blipFill>
+        <p:spPr bwMode="auto">
+          <a:xfrm>
+            <a:off x="6254464" y="2021881"/>
+            <a:ext cx="2771598" cy="1455089"/>
+          </a:xfrm>
+          <a:prstGeom prst="rect">
+            <a:avLst/>
+          </a:prstGeom>
+          <a:noFill/>
+          <a:extLst>
+            <a:ext uri="{909E8E84-426E-40DD-AFC4-6F175D3DCCD1}">
+              <a14:hiddenFill xmlns:a14="http://schemas.microsoft.com/office/drawing/2010/main">
+                <a:solidFill>
+                  <a:srgbClr val="FFFFFF"/>
+                </a:solidFill>
+              </a14:hiddenFill>
+            </a:ext>
+          </a:extLst>
+        </p:spPr>
+      </p:pic>
     </p:spTree>
   </p:cSld>
   <p:clrMapOvr>

--- a/presentation/Phase1-Backup-Guide.pptx
+++ b/presentation/Phase1-Backup-Guide.pptx
@@ -11213,7 +11213,7 @@
         <p:spPr>
           <a:xfrm>
             <a:off x="1371600" y="1097280"/>
-            <a:ext cx="6400800" cy="2031325"/>
+            <a:ext cx="6400800" cy="1754326"/>
           </a:xfrm>
           <a:prstGeom prst="rect">
             <a:avLst/>
@@ -11313,20 +11313,6 @@
             <a:r>
               <a:rPr dirty="0"/>
               <a:t>☐ Outlook PST files checked and moved (if applicable)</a:t>
-            </a:r>
-            <a:endParaRPr lang="en-US" dirty="0"/>
-          </a:p>
-          <a:p>
-            <a:pPr>
-              <a:defRPr sz="1800" b="1">
-                <a:solidFill>
-                  <a:srgbClr val="107C10"/>
-                </a:solidFill>
-              </a:defRPr>
-            </a:pPr>
-            <a:r>
-              <a:rPr dirty="0"/>
-              <a:t>☐</a:t>
             </a:r>
             <a:endParaRPr lang="en-US" dirty="0"/>
           </a:p>

--- a/presentation/Phase1-Backup-Guide.pptx
+++ b/presentation/Phase1-Backup-Guide.pptx
@@ -5,7 +5,7 @@
     <p:sldMasterId id="2147483648" r:id="rId1"/>
   </p:sldMasterIdLst>
   <p:notesMasterIdLst>
-    <p:notesMasterId r:id="rId31"/>
+    <p:notesMasterId r:id="rId34"/>
   </p:notesMasterIdLst>
   <p:sldIdLst>
     <p:sldId id="256" r:id="rId2"/>
@@ -16,27 +16,30 @@
     <p:sldId id="261" r:id="rId7"/>
     <p:sldId id="262" r:id="rId8"/>
     <p:sldId id="264" r:id="rId9"/>
-    <p:sldId id="266" r:id="rId10"/>
-    <p:sldId id="271" r:id="rId11"/>
-    <p:sldId id="272" r:id="rId12"/>
-    <p:sldId id="273" r:id="rId13"/>
-    <p:sldId id="269" r:id="rId14"/>
-    <p:sldId id="275" r:id="rId15"/>
-    <p:sldId id="274" r:id="rId16"/>
-    <p:sldId id="276" r:id="rId17"/>
-    <p:sldId id="277" r:id="rId18"/>
-    <p:sldId id="278" r:id="rId19"/>
-    <p:sldId id="267" r:id="rId20"/>
-    <p:sldId id="268" r:id="rId21"/>
-    <p:sldId id="279" r:id="rId22"/>
-    <p:sldId id="280" r:id="rId23"/>
-    <p:sldId id="282" r:id="rId24"/>
-    <p:sldId id="283" r:id="rId25"/>
-    <p:sldId id="284" r:id="rId26"/>
-    <p:sldId id="285" r:id="rId27"/>
-    <p:sldId id="286" r:id="rId28"/>
-    <p:sldId id="287" r:id="rId29"/>
-    <p:sldId id="288" r:id="rId30"/>
+    <p:sldId id="289" r:id="rId10"/>
+    <p:sldId id="290" r:id="rId11"/>
+    <p:sldId id="266" r:id="rId12"/>
+    <p:sldId id="271" r:id="rId13"/>
+    <p:sldId id="272" r:id="rId14"/>
+    <p:sldId id="273" r:id="rId15"/>
+    <p:sldId id="269" r:id="rId16"/>
+    <p:sldId id="275" r:id="rId17"/>
+    <p:sldId id="274" r:id="rId18"/>
+    <p:sldId id="276" r:id="rId19"/>
+    <p:sldId id="277" r:id="rId20"/>
+    <p:sldId id="278" r:id="rId21"/>
+    <p:sldId id="267" r:id="rId22"/>
+    <p:sldId id="268" r:id="rId23"/>
+    <p:sldId id="279" r:id="rId24"/>
+    <p:sldId id="280" r:id="rId25"/>
+    <p:sldId id="282" r:id="rId26"/>
+    <p:sldId id="283" r:id="rId27"/>
+    <p:sldId id="284" r:id="rId28"/>
+    <p:sldId id="285" r:id="rId29"/>
+    <p:sldId id="286" r:id="rId30"/>
+    <p:sldId id="287" r:id="rId31"/>
+    <p:sldId id="291" r:id="rId32"/>
+    <p:sldId id="288" r:id="rId33"/>
   </p:sldIdLst>
   <p:sldSz cx="9144000" cy="5143500" type="screen16x9"/>
   <p:notesSz cx="6858000" cy="9144000"/>
@@ -393,6 +396,314 @@
   <p:cSld>
     <p:spTree>
       <p:nvGrpSpPr>
+        <p:cNvPr id="1" name="">
+          <a:extLst>
+            <a:ext uri="{FF2B5EF4-FFF2-40B4-BE49-F238E27FC236}">
+              <a16:creationId xmlns:a16="http://schemas.microsoft.com/office/drawing/2014/main" id="{D1F8CAA1-F2CD-4759-4324-A33D49964DF3}"/>
+            </a:ext>
+          </a:extLst>
+        </p:cNvPr>
+        <p:cNvGrpSpPr/>
+        <p:nvPr/>
+      </p:nvGrpSpPr>
+      <p:grpSpPr>
+        <a:xfrm>
+          <a:off x="0" y="0"/>
+          <a:ext cx="0" cy="0"/>
+          <a:chOff x="0" y="0"/>
+          <a:chExt cx="0" cy="0"/>
+        </a:xfrm>
+      </p:grpSpPr>
+      <p:sp>
+        <p:nvSpPr>
+          <p:cNvPr id="2" name="Slide Image Placeholder 1">
+            <a:extLst>
+              <a:ext uri="{FF2B5EF4-FFF2-40B4-BE49-F238E27FC236}">
+                <a16:creationId xmlns:a16="http://schemas.microsoft.com/office/drawing/2014/main" id="{13D4C057-37BD-01D7-D2D4-49B07DA4A5E5}"/>
+              </a:ext>
+            </a:extLst>
+          </p:cNvPr>
+          <p:cNvSpPr>
+            <a:spLocks noGrp="1" noRot="1" noChangeAspect="1"/>
+          </p:cNvSpPr>
+          <p:nvPr>
+            <p:ph type="sldImg" idx="2"/>
+          </p:nvPr>
+        </p:nvSpPr>
+        <p:spPr/>
+      </p:sp>
+      <p:sp>
+        <p:nvSpPr>
+          <p:cNvPr id="3" name="Notes Placeholder 2">
+            <a:extLst>
+              <a:ext uri="{FF2B5EF4-FFF2-40B4-BE49-F238E27FC236}">
+                <a16:creationId xmlns:a16="http://schemas.microsoft.com/office/drawing/2014/main" id="{43E6BE0C-D8DD-7EE2-56F2-B87F1B94D21D}"/>
+              </a:ext>
+            </a:extLst>
+          </p:cNvPr>
+          <p:cNvSpPr>
+            <a:spLocks noGrp="1"/>
+          </p:cNvSpPr>
+          <p:nvPr>
+            <p:ph type="body" sz="quarter" idx="3"/>
+          </p:nvPr>
+        </p:nvSpPr>
+        <p:spPr/>
+        <p:txBody>
+          <a:bodyPr/>
+          <a:lstStyle/>
+          <a:p>
+            <a:endParaRPr dirty="0"/>
+          </a:p>
+          <a:p>
+            <a:r>
+              <a:rPr dirty="0"/>
+              <a:t>CHECKPOINT SCRIPT:</a:t>
+            </a:r>
+          </a:p>
+          <a:p>
+            <a:r>
+              <a:rPr dirty="0"/>
+              <a:t>"Alright, let's review everything we've backed up to make sure we're ready for the reset. I'm going to go through the checklist with you:</a:t>
+            </a:r>
+          </a:p>
+          <a:p>
+            <a:endParaRPr dirty="0"/>
+          </a:p>
+          <a:p>
+            <a:r>
+              <a:rPr dirty="0"/>
+              <a:t>[Go through each item and check off]</a:t>
+            </a:r>
+          </a:p>
+          <a:p>
+            <a:endParaRPr dirty="0"/>
+          </a:p>
+          <a:p>
+            <a:r>
+              <a:rPr dirty="0"/>
+              <a:t>1. OneDrive - Is the cloud icon showing a green checkmark? Perfect.</a:t>
+            </a:r>
+          </a:p>
+          <a:p>
+            <a:r>
+              <a:rPr dirty="0"/>
+              <a:t>2. Known Folder Backup - We enabled Desktop, Documents, and Pictures, right? Good.</a:t>
+            </a:r>
+          </a:p>
+          <a:p>
+            <a:r>
+              <a:rPr dirty="0"/>
+              <a:t>3. Sync complete - Everything uploaded? Excellent.</a:t>
+            </a:r>
+          </a:p>
+          <a:p>
+            <a:r>
+              <a:rPr dirty="0"/>
+              <a:t>4. Browser sync - You signed in to Chrome/Edge? Check.</a:t>
+            </a:r>
+          </a:p>
+          <a:p>
+            <a:r>
+              <a:rPr dirty="0"/>
+              <a:t>5. Browser exports - Bookmarks and passwords saved to OneDrive Documents? Got it.</a:t>
+            </a:r>
+          </a:p>
+          <a:p>
+            <a:r>
+              <a:rPr dirty="0"/>
+              <a:t>6. Printers - We took that screenshot? Yes.</a:t>
+            </a:r>
+          </a:p>
+          <a:p>
+            <a:r>
+              <a:rPr dirty="0"/>
+              <a:t>7. </a:t>
+            </a:r>
+            <a:r>
+              <a:rPr dirty="0" err="1"/>
+              <a:t>WiFi</a:t>
+            </a:r>
+            <a:r>
+              <a:rPr dirty="0"/>
+              <a:t> - I have the network name written down: [SSID]</a:t>
+            </a:r>
+          </a:p>
+          <a:p>
+            <a:r>
+              <a:rPr dirty="0"/>
+              <a:t>8. Outlook PST - [We checked/no PST files/copied to OneDrive]</a:t>
+            </a:r>
+          </a:p>
+          <a:p>
+            <a:r>
+              <a:rPr dirty="0"/>
+              <a:t>9. iOS - [Backup verified/no iOS device/backup created]</a:t>
+            </a:r>
+          </a:p>
+          <a:p>
+            <a:endParaRPr dirty="0"/>
+          </a:p>
+          <a:p>
+            <a:r>
+              <a:rPr dirty="0"/>
+              <a:t>Perfect! Everything is backed up and safe. Your data is secure in OneDrive, and we can now proceed with requesting the device reset. The IT team will send you instructions for Phase 2 once the reset is processed."</a:t>
+            </a:r>
+          </a:p>
+          <a:p>
+            <a:endParaRPr dirty="0"/>
+          </a:p>
+          <a:p>
+            <a:r>
+              <a:rPr dirty="0"/>
+              <a:t>CRITICAL CHECKPOINT:</a:t>
+            </a:r>
+          </a:p>
+          <a:p>
+            <a:r>
+              <a:rPr dirty="0"/>
+              <a:t>- Review EVERY item before ending call</a:t>
+            </a:r>
+          </a:p>
+          <a:p>
+            <a:r>
+              <a:rPr dirty="0"/>
+              <a:t>- Verify green checkmark on OneDrive specifically</a:t>
+            </a:r>
+          </a:p>
+          <a:p>
+            <a:r>
+              <a:rPr dirty="0"/>
+              <a:t>- Check </a:t>
+            </a:r>
+            <a:r>
+              <a:rPr dirty="0" err="1"/>
+              <a:t>portal.office.com</a:t>
+            </a:r>
+            <a:r>
+              <a:rPr dirty="0"/>
+              <a:t> to visually confirm files in cloud</a:t>
+            </a:r>
+          </a:p>
+          <a:p>
+            <a:r>
+              <a:rPr dirty="0"/>
+              <a:t>- Document checklist completion in ticket</a:t>
+            </a:r>
+          </a:p>
+          <a:p>
+            <a:r>
+              <a:rPr dirty="0"/>
+              <a:t>- User should not be able to proceed to Phase 2 until this is 100% complete</a:t>
+            </a:r>
+          </a:p>
+          <a:p>
+            <a:endParaRPr dirty="0"/>
+          </a:p>
+          <a:p>
+            <a:r>
+              <a:rPr dirty="0"/>
+              <a:t>IF ANYTHING IS INCOMPLETE:</a:t>
+            </a:r>
+          </a:p>
+          <a:p>
+            <a:r>
+              <a:rPr dirty="0"/>
+              <a:t>- Schedule follow-up</a:t>
+            </a:r>
+          </a:p>
+          <a:p>
+            <a:r>
+              <a:rPr dirty="0"/>
+              <a:t>- Set reminder to verify OneDrive sync completion</a:t>
+            </a:r>
+          </a:p>
+          <a:p>
+            <a:r>
+              <a:rPr dirty="0"/>
+              <a:t>- Do NOT rush - data loss is worse than delay</a:t>
+            </a:r>
+          </a:p>
+          <a:p>
+            <a:r>
+              <a:rPr dirty="0"/>
+              <a:t>- Use wait time to help other users</a:t>
+            </a:r>
+          </a:p>
+          <a:p>
+            <a:endParaRPr dirty="0"/>
+          </a:p>
+          <a:p>
+            <a:r>
+              <a:rPr dirty="0"/>
+              <a:t>BEST PRACTICE:</a:t>
+            </a:r>
+          </a:p>
+          <a:p>
+            <a:r>
+              <a:rPr dirty="0"/>
+              <a:t>While waiting for OneDrive sync (15-30 min):</a:t>
+            </a:r>
+          </a:p>
+          <a:p>
+            <a:r>
+              <a:rPr dirty="0"/>
+              <a:t>- Start another user's Phase 1</a:t>
+            </a:r>
+          </a:p>
+          <a:p>
+            <a:r>
+              <a:rPr dirty="0"/>
+              <a:t>- Come back to verify this user's sync completion</a:t>
+            </a:r>
+          </a:p>
+          <a:p>
+            <a:r>
+              <a:rPr dirty="0"/>
+              <a:t>- Efficient use of time while maintaining safety</a:t>
+            </a:r>
+          </a:p>
+          <a:p>
+            <a:endParaRPr dirty="0"/>
+          </a:p>
+        </p:txBody>
+      </p:sp>
+      <p:sp>
+        <p:nvSpPr>
+          <p:cNvPr id="4" name="Slide Number Placeholder 3">
+            <a:extLst>
+              <a:ext uri="{FF2B5EF4-FFF2-40B4-BE49-F238E27FC236}">
+                <a16:creationId xmlns:a16="http://schemas.microsoft.com/office/drawing/2014/main" id="{EDFC5687-140B-6E0A-7648-C1623D484BB0}"/>
+              </a:ext>
+            </a:extLst>
+          </p:cNvPr>
+          <p:cNvSpPr>
+            <a:spLocks noGrp="1"/>
+          </p:cNvSpPr>
+          <p:nvPr>
+            <p:ph type="sldNum" sz="quarter" idx="5"/>
+          </p:nvPr>
+        </p:nvSpPr>
+        <p:spPr/>
+      </p:sp>
+    </p:spTree>
+    <p:extLst>
+      <p:ext uri="{BB962C8B-B14F-4D97-AF65-F5344CB8AC3E}">
+        <p14:creationId xmlns:p14="http://schemas.microsoft.com/office/powerpoint/2010/main" val="3982049088"/>
+      </p:ext>
+    </p:extLst>
+  </p:cSld>
+  <p:clrMapOvr>
+    <a:masterClrMapping/>
+  </p:clrMapOvr>
+</p:notes>
+</file>
+
+<file path=ppt/notesSlides/notesSlide11.xml><?xml version="1.0" encoding="utf-8"?>
+<p:notes xmlns:a="http://schemas.openxmlformats.org/drawingml/2006/main" xmlns:r="http://schemas.openxmlformats.org/officeDocument/2006/relationships" xmlns:p="http://schemas.openxmlformats.org/presentationml/2006/main">
+  <p:cSld>
+    <p:spTree>
+      <p:nvGrpSpPr>
         <p:cNvPr id="1" name=""/>
         <p:cNvGrpSpPr/>
         <p:nvPr/>
@@ -570,7 +881,189 @@
 </p:notes>
 </file>
 
-<file path=ppt/notesSlides/notesSlide11.xml><?xml version="1.0" encoding="utf-8"?>
+<file path=ppt/notesSlides/notesSlide12.xml><?xml version="1.0" encoding="utf-8"?>
+<p:notes xmlns:a="http://schemas.openxmlformats.org/drawingml/2006/main" xmlns:r="http://schemas.openxmlformats.org/officeDocument/2006/relationships" xmlns:p="http://schemas.openxmlformats.org/presentationml/2006/main">
+  <p:cSld>
+    <p:spTree>
+      <p:nvGrpSpPr>
+        <p:cNvPr id="1" name=""/>
+        <p:cNvGrpSpPr/>
+        <p:nvPr/>
+      </p:nvGrpSpPr>
+      <p:grpSpPr>
+        <a:xfrm>
+          <a:off x="0" y="0"/>
+          <a:ext cx="0" cy="0"/>
+          <a:chOff x="0" y="0"/>
+          <a:chExt cx="0" cy="0"/>
+        </a:xfrm>
+      </p:grpSpPr>
+      <p:sp>
+        <p:nvSpPr>
+          <p:cNvPr id="2" name="Slide Image Placeholder 1"/>
+          <p:cNvSpPr>
+            <a:spLocks noGrp="1" noRot="1" noChangeAspect="1"/>
+          </p:cNvSpPr>
+          <p:nvPr>
+            <p:ph type="sldImg" idx="2"/>
+          </p:nvPr>
+        </p:nvSpPr>
+        <p:spPr/>
+      </p:sp>
+      <p:sp>
+        <p:nvSpPr>
+          <p:cNvPr id="3" name="Notes Placeholder 2"/>
+          <p:cNvSpPr>
+            <a:spLocks noGrp="1"/>
+          </p:cNvSpPr>
+          <p:nvPr>
+            <p:ph type="body" sz="quarter" idx="3"/>
+          </p:nvPr>
+        </p:nvSpPr>
+        <p:spPr/>
+        <p:txBody>
+          <a:bodyPr/>
+          <a:lstStyle/>
+          <a:p>
+            <a:endParaRPr/>
+          </a:p>
+          <a:p>
+            <a:r>
+              <a:t>DETAILED SCRIPT:</a:t>
+            </a:r>
+          </a:p>
+          <a:p>
+            <a:r>
+              <a:t>"Let's start with OneDrive. Look at the bottom right corner of your screen, near the clock. Do you see a little cloud icon? That's OneDrive. Click on it.</a:t>
+            </a:r>
+          </a:p>
+          <a:p>
+            <a:endParaRPr/>
+          </a:p>
+          <a:p>
+            <a:r>
+              <a:t>If you don't see it, we need to install OneDrive first - we can get that from the Microsoft Store or onedrive.com.</a:t>
+            </a:r>
+          </a:p>
+          <a:p>
+            <a:endParaRPr/>
+          </a:p>
+          <a:p>
+            <a:r>
+              <a:t>[Once they find it]</a:t>
+            </a:r>
+          </a:p>
+          <a:p>
+            <a:r>
+              <a:t>Great! Now click on that cloud icon. Do you see where it says 'Sign in'? Click that and use your INGINC.com email address - the same one you use for Outlook.</a:t>
+            </a:r>
+          </a:p>
+          <a:p>
+            <a:endParaRPr/>
+          </a:p>
+          <a:p>
+            <a:r>
+              <a:t>[After sign in]</a:t>
+            </a:r>
+          </a:p>
+          <a:p>
+            <a:r>
+              <a:t>Perfect! Now let's set up folder backup. Click the gear icon in the OneDrive window. See where it says 'Sync and backup'? Click that tab. Now click 'Manage backup'.</a:t>
+            </a:r>
+          </a:p>
+          <a:p>
+            <a:endParaRPr/>
+          </a:p>
+          <a:p>
+            <a:r>
+              <a:t>You should see three folders here: Desktop, Documents, and Pictures. We want to make sure all three have checkmarks. If any are missing checkmarks, click to enable them. Then click 'Start backup' at the bottom.</a:t>
+            </a:r>
+          </a:p>
+          <a:p>
+            <a:endParaRPr/>
+          </a:p>
+          <a:p>
+            <a:r>
+              <a:t>Now we wait. You'll see the cloud icon has little blue arrows - that means it's uploading your files. This might take 15-30 minutes depending on how many files you have. While it's uploading, we can start working on the next user's backup. We'll come back to check for the green checkmark before we reset your device."</a:t>
+            </a:r>
+          </a:p>
+          <a:p>
+            <a:endParaRPr/>
+          </a:p>
+          <a:p>
+            <a:r>
+              <a:t>TROUBLESHOOTING:</a:t>
+            </a:r>
+          </a:p>
+          <a:p>
+            <a:r>
+              <a:t>- No cloud icon: Install OneDrive from Microsoft Store</a:t>
+            </a:r>
+          </a:p>
+          <a:p>
+            <a:r>
+              <a:t>- Can't sign in: Verify INGINC.com credentials, check MFA</a:t>
+            </a:r>
+          </a:p>
+          <a:p>
+            <a:r>
+              <a:t>- Known Folder protection already enabled: User may have bypassed - verify in portal.office.com</a:t>
+            </a:r>
+          </a:p>
+          <a:p>
+            <a:r>
+              <a:t>- Sync stuck: Check internet connection, restart OneDrive</a:t>
+            </a:r>
+          </a:p>
+          <a:p>
+            <a:endParaRPr/>
+          </a:p>
+          <a:p>
+            <a:r>
+              <a:t>IMPORTANT:</a:t>
+            </a:r>
+          </a:p>
+          <a:p>
+            <a:r>
+              <a:t>- DO NOT proceed to reset until green checkmark appears</a:t>
+            </a:r>
+          </a:p>
+          <a:p>
+            <a:r>
+              <a:t>- Use wait time to start another user's Phase 1</a:t>
+            </a:r>
+          </a:p>
+          <a:p>
+            <a:r>
+              <a:t>- Verify completion in portal.office.com before Phase 2</a:t>
+            </a:r>
+          </a:p>
+          <a:p>
+            <a:endParaRPr/>
+          </a:p>
+        </p:txBody>
+      </p:sp>
+      <p:sp>
+        <p:nvSpPr>
+          <p:cNvPr id="4" name="Slide Number Placeholder 3"/>
+          <p:cNvSpPr>
+            <a:spLocks noGrp="1"/>
+          </p:cNvSpPr>
+          <p:nvPr>
+            <p:ph type="sldNum" sz="quarter" idx="5"/>
+          </p:nvPr>
+        </p:nvSpPr>
+        <p:spPr/>
+      </p:sp>
+    </p:spTree>
+  </p:cSld>
+  <p:clrMapOvr>
+    <a:masterClrMapping/>
+  </p:clrMapOvr>
+</p:notes>
+</file>
+
+<file path=ppt/notesSlides/notesSlide13.xml><?xml version="1.0" encoding="utf-8"?>
 <p:notes xmlns:a="http://schemas.openxmlformats.org/drawingml/2006/main" xmlns:r="http://schemas.openxmlformats.org/officeDocument/2006/relationships" xmlns:p="http://schemas.openxmlformats.org/presentationml/2006/main">
   <p:cSld>
     <p:spTree>
@@ -2341,7 +2834,13 @@
   <p:cSld>
     <p:spTree>
       <p:nvGrpSpPr>
-        <p:cNvPr id="1" name=""/>
+        <p:cNvPr id="1" name="">
+          <a:extLst>
+            <a:ext uri="{FF2B5EF4-FFF2-40B4-BE49-F238E27FC236}">
+              <a16:creationId xmlns:a16="http://schemas.microsoft.com/office/drawing/2014/main" id="{8A90D68D-5B5C-6FD4-CB7F-96E9DF6A8A91}"/>
+            </a:ext>
+          </a:extLst>
+        </p:cNvPr>
         <p:cNvGrpSpPr/>
         <p:nvPr/>
       </p:nvGrpSpPr>
@@ -2355,7 +2854,13 @@
       </p:grpSpPr>
       <p:sp>
         <p:nvSpPr>
-          <p:cNvPr id="2" name="Slide Image Placeholder 1"/>
+          <p:cNvPr id="2" name="Slide Image Placeholder 1">
+            <a:extLst>
+              <a:ext uri="{FF2B5EF4-FFF2-40B4-BE49-F238E27FC236}">
+                <a16:creationId xmlns:a16="http://schemas.microsoft.com/office/drawing/2014/main" id="{1DE7E849-661F-4BF2-6DB2-EEAC88870375}"/>
+              </a:ext>
+            </a:extLst>
+          </p:cNvPr>
           <p:cNvSpPr>
             <a:spLocks noGrp="1" noRot="1" noChangeAspect="1"/>
           </p:cNvSpPr>
@@ -2367,7 +2872,13 @@
       </p:sp>
       <p:sp>
         <p:nvSpPr>
-          <p:cNvPr id="3" name="Notes Placeholder 2"/>
+          <p:cNvPr id="3" name="Notes Placeholder 2">
+            <a:extLst>
+              <a:ext uri="{FF2B5EF4-FFF2-40B4-BE49-F238E27FC236}">
+                <a16:creationId xmlns:a16="http://schemas.microsoft.com/office/drawing/2014/main" id="{64486DE3-DE2A-2750-2480-D8F84DA86644}"/>
+              </a:ext>
+            </a:extLst>
+          </p:cNvPr>
           <p:cNvSpPr>
             <a:spLocks noGrp="1"/>
           </p:cNvSpPr>
@@ -2380,127 +2891,230 @@
           <a:bodyPr/>
           <a:lstStyle/>
           <a:p>
-            <a:endParaRPr/>
-          </a:p>
-          <a:p>
-            <a:r>
-              <a:t>DETAILED SCRIPT:</a:t>
-            </a:r>
-          </a:p>
-          <a:p>
-            <a:r>
-              <a:t>"Let's start with OneDrive. Look at the bottom right corner of your screen, near the clock. Do you see a little cloud icon? That's OneDrive. Click on it.</a:t>
-            </a:r>
-          </a:p>
-          <a:p>
-            <a:endParaRPr/>
-          </a:p>
-          <a:p>
-            <a:r>
-              <a:t>If you don't see it, we need to install OneDrive first - we can get that from the Microsoft Store or onedrive.com.</a:t>
-            </a:r>
-          </a:p>
-          <a:p>
-            <a:endParaRPr/>
-          </a:p>
-          <a:p>
-            <a:r>
-              <a:t>[Once they find it]</a:t>
-            </a:r>
-          </a:p>
-          <a:p>
-            <a:r>
-              <a:t>Great! Now click on that cloud icon. Do you see where it says 'Sign in'? Click that and use your INGINC.com email address - the same one you use for Outlook.</a:t>
-            </a:r>
-          </a:p>
-          <a:p>
-            <a:endParaRPr/>
-          </a:p>
-          <a:p>
-            <a:r>
-              <a:t>[After sign in]</a:t>
-            </a:r>
-          </a:p>
-          <a:p>
-            <a:r>
-              <a:t>Perfect! Now let's set up folder backup. Click the gear icon in the OneDrive window. See where it says 'Sync and backup'? Click that tab. Now click 'Manage backup'.</a:t>
-            </a:r>
-          </a:p>
-          <a:p>
-            <a:endParaRPr/>
-          </a:p>
-          <a:p>
-            <a:r>
-              <a:t>You should see three folders here: Desktop, Documents, and Pictures. We want to make sure all three have checkmarks. If any are missing checkmarks, click to enable them. Then click 'Start backup' at the bottom.</a:t>
-            </a:r>
-          </a:p>
-          <a:p>
-            <a:endParaRPr/>
-          </a:p>
-          <a:p>
-            <a:r>
-              <a:t>Now we wait. You'll see the cloud icon has little blue arrows - that means it's uploading your files. This might take 15-30 minutes depending on how many files you have. While it's uploading, we can start working on the next user's backup. We'll come back to check for the green checkmark before we reset your device."</a:t>
-            </a:r>
-          </a:p>
-          <a:p>
-            <a:endParaRPr/>
-          </a:p>
-          <a:p>
-            <a:r>
-              <a:t>TROUBLESHOOTING:</a:t>
-            </a:r>
-          </a:p>
-          <a:p>
-            <a:r>
-              <a:t>- No cloud icon: Install OneDrive from Microsoft Store</a:t>
-            </a:r>
-          </a:p>
-          <a:p>
-            <a:r>
-              <a:t>- Can't sign in: Verify INGINC.com credentials, check MFA</a:t>
-            </a:r>
-          </a:p>
-          <a:p>
-            <a:r>
-              <a:t>- Known Folder protection already enabled: User may have bypassed - verify in portal.office.com</a:t>
-            </a:r>
-          </a:p>
-          <a:p>
-            <a:r>
-              <a:t>- Sync stuck: Check internet connection, restart OneDrive</a:t>
-            </a:r>
-          </a:p>
-          <a:p>
-            <a:endParaRPr/>
-          </a:p>
-          <a:p>
-            <a:r>
-              <a:t>IMPORTANT:</a:t>
-            </a:r>
-          </a:p>
-          <a:p>
-            <a:r>
-              <a:t>- DO NOT proceed to reset until green checkmark appears</a:t>
-            </a:r>
-          </a:p>
-          <a:p>
-            <a:r>
-              <a:t>- Use wait time to start another user's Phase 1</a:t>
-            </a:r>
-          </a:p>
-          <a:p>
-            <a:r>
-              <a:t>- Verify completion in portal.office.com before Phase 2</a:t>
-            </a:r>
-          </a:p>
-          <a:p>
-            <a:endParaRPr/>
-          </a:p>
-        </p:txBody>
-      </p:sp>
-      <p:sp>
-        <p:nvSpPr>
-          <p:cNvPr id="4" name="Slide Number Placeholder 3"/>
+            <a:endParaRPr dirty="0"/>
+          </a:p>
+          <a:p>
+            <a:r>
+              <a:rPr dirty="0"/>
+              <a:t>CHECKPOINT SCRIPT:</a:t>
+            </a:r>
+          </a:p>
+          <a:p>
+            <a:r>
+              <a:rPr dirty="0"/>
+              <a:t>"Alright, let's review everything we've backed up to make sure we're ready for the reset. I'm going to go through the checklist with you:</a:t>
+            </a:r>
+          </a:p>
+          <a:p>
+            <a:endParaRPr dirty="0"/>
+          </a:p>
+          <a:p>
+            <a:r>
+              <a:rPr dirty="0"/>
+              <a:t>[Go through each item and check off]</a:t>
+            </a:r>
+          </a:p>
+          <a:p>
+            <a:endParaRPr dirty="0"/>
+          </a:p>
+          <a:p>
+            <a:r>
+              <a:rPr dirty="0"/>
+              <a:t>1. OneDrive - Is the cloud icon showing a green checkmark? Perfect.</a:t>
+            </a:r>
+          </a:p>
+          <a:p>
+            <a:r>
+              <a:rPr dirty="0"/>
+              <a:t>2. Known Folder Backup - We enabled Desktop, Documents, and Pictures, right? Good.</a:t>
+            </a:r>
+          </a:p>
+          <a:p>
+            <a:r>
+              <a:rPr dirty="0"/>
+              <a:t>3. Sync complete - Everything uploaded? Excellent.</a:t>
+            </a:r>
+          </a:p>
+          <a:p>
+            <a:r>
+              <a:rPr dirty="0"/>
+              <a:t>4. Browser sync - You signed in to Chrome/Edge? Check.</a:t>
+            </a:r>
+          </a:p>
+          <a:p>
+            <a:r>
+              <a:rPr dirty="0"/>
+              <a:t>5. Browser exports - Bookmarks and passwords saved to OneDrive Documents? Got it.</a:t>
+            </a:r>
+          </a:p>
+          <a:p>
+            <a:r>
+              <a:rPr dirty="0"/>
+              <a:t>6. Printers - We took that screenshot? Yes.</a:t>
+            </a:r>
+          </a:p>
+          <a:p>
+            <a:r>
+              <a:rPr dirty="0"/>
+              <a:t>7. </a:t>
+            </a:r>
+            <a:r>
+              <a:rPr dirty="0" err="1"/>
+              <a:t>WiFi</a:t>
+            </a:r>
+            <a:r>
+              <a:rPr dirty="0"/>
+              <a:t> - I have the network name written down: [SSID]</a:t>
+            </a:r>
+          </a:p>
+          <a:p>
+            <a:r>
+              <a:rPr dirty="0"/>
+              <a:t>8. Outlook PST - [We checked/no PST files/copied to OneDrive]</a:t>
+            </a:r>
+          </a:p>
+          <a:p>
+            <a:r>
+              <a:rPr dirty="0"/>
+              <a:t>9. iOS - [Backup verified/no iOS device/backup created]</a:t>
+            </a:r>
+          </a:p>
+          <a:p>
+            <a:endParaRPr dirty="0"/>
+          </a:p>
+          <a:p>
+            <a:r>
+              <a:rPr dirty="0"/>
+              <a:t>Perfect! Everything is backed up and safe. Your data is secure in OneDrive, and we can now proceed with requesting the device reset. The IT team will send you instructions for Phase 2 once the reset is processed."</a:t>
+            </a:r>
+          </a:p>
+          <a:p>
+            <a:endParaRPr dirty="0"/>
+          </a:p>
+          <a:p>
+            <a:r>
+              <a:rPr dirty="0"/>
+              <a:t>CRITICAL CHECKPOINT:</a:t>
+            </a:r>
+          </a:p>
+          <a:p>
+            <a:r>
+              <a:rPr dirty="0"/>
+              <a:t>- Review EVERY item before ending call</a:t>
+            </a:r>
+          </a:p>
+          <a:p>
+            <a:r>
+              <a:rPr dirty="0"/>
+              <a:t>- Verify green checkmark on OneDrive specifically</a:t>
+            </a:r>
+          </a:p>
+          <a:p>
+            <a:r>
+              <a:rPr dirty="0"/>
+              <a:t>- Check </a:t>
+            </a:r>
+            <a:r>
+              <a:rPr dirty="0" err="1"/>
+              <a:t>portal.office.com</a:t>
+            </a:r>
+            <a:r>
+              <a:rPr dirty="0"/>
+              <a:t> to visually confirm files in cloud</a:t>
+            </a:r>
+          </a:p>
+          <a:p>
+            <a:r>
+              <a:rPr dirty="0"/>
+              <a:t>- Document checklist completion in ticket</a:t>
+            </a:r>
+          </a:p>
+          <a:p>
+            <a:r>
+              <a:rPr dirty="0"/>
+              <a:t>- User should not be able to proceed to Phase 2 until this is 100% complete</a:t>
+            </a:r>
+          </a:p>
+          <a:p>
+            <a:endParaRPr dirty="0"/>
+          </a:p>
+          <a:p>
+            <a:r>
+              <a:rPr dirty="0"/>
+              <a:t>IF ANYTHING IS INCOMPLETE:</a:t>
+            </a:r>
+          </a:p>
+          <a:p>
+            <a:r>
+              <a:rPr dirty="0"/>
+              <a:t>- Schedule follow-up</a:t>
+            </a:r>
+          </a:p>
+          <a:p>
+            <a:r>
+              <a:rPr dirty="0"/>
+              <a:t>- Set reminder to verify OneDrive sync completion</a:t>
+            </a:r>
+          </a:p>
+          <a:p>
+            <a:r>
+              <a:rPr dirty="0"/>
+              <a:t>- Do NOT rush - data loss is worse than delay</a:t>
+            </a:r>
+          </a:p>
+          <a:p>
+            <a:r>
+              <a:rPr dirty="0"/>
+              <a:t>- Use wait time to help other users</a:t>
+            </a:r>
+          </a:p>
+          <a:p>
+            <a:endParaRPr dirty="0"/>
+          </a:p>
+          <a:p>
+            <a:r>
+              <a:rPr dirty="0"/>
+              <a:t>BEST PRACTICE:</a:t>
+            </a:r>
+          </a:p>
+          <a:p>
+            <a:r>
+              <a:rPr dirty="0"/>
+              <a:t>While waiting for OneDrive sync (15-30 min):</a:t>
+            </a:r>
+          </a:p>
+          <a:p>
+            <a:r>
+              <a:rPr dirty="0"/>
+              <a:t>- Start another user's Phase 1</a:t>
+            </a:r>
+          </a:p>
+          <a:p>
+            <a:r>
+              <a:rPr dirty="0"/>
+              <a:t>- Come back to verify this user's sync completion</a:t>
+            </a:r>
+          </a:p>
+          <a:p>
+            <a:r>
+              <a:rPr dirty="0"/>
+              <a:t>- Efficient use of time while maintaining safety</a:t>
+            </a:r>
+          </a:p>
+          <a:p>
+            <a:endParaRPr dirty="0"/>
+          </a:p>
+        </p:txBody>
+      </p:sp>
+      <p:sp>
+        <p:nvSpPr>
+          <p:cNvPr id="4" name="Slide Number Placeholder 3">
+            <a:extLst>
+              <a:ext uri="{FF2B5EF4-FFF2-40B4-BE49-F238E27FC236}">
+                <a16:creationId xmlns:a16="http://schemas.microsoft.com/office/drawing/2014/main" id="{83D74597-37EE-DAF6-2D65-9E3E30FEF803}"/>
+              </a:ext>
+            </a:extLst>
+          </p:cNvPr>
           <p:cNvSpPr>
             <a:spLocks noGrp="1"/>
           </p:cNvSpPr>
@@ -2511,6 +3125,11 @@
         <p:spPr/>
       </p:sp>
     </p:spTree>
+    <p:extLst>
+      <p:ext uri="{BB962C8B-B14F-4D97-AF65-F5344CB8AC3E}">
+        <p14:creationId xmlns:p14="http://schemas.microsoft.com/office/powerpoint/2010/main" val="3234574676"/>
+      </p:ext>
+    </p:extLst>
   </p:cSld>
   <p:clrMapOvr>
     <a:masterClrMapping/>
@@ -2697,7 +3316,7 @@
           <a:p>
             <a:fld id="{5BCAD085-E8A6-8845-BD4E-CB4CCA059FC4}" type="datetimeFigureOut">
               <a:rPr lang="en-US" smtClean="0"/>
-              <a:t>1/15/26</a:t>
+              <a:t>1/16/26</a:t>
             </a:fld>
             <a:endParaRPr lang="en-US"/>
           </a:p>
@@ -2865,7 +3484,7 @@
           <a:p>
             <a:fld id="{5BCAD085-E8A6-8845-BD4E-CB4CCA059FC4}" type="datetimeFigureOut">
               <a:rPr lang="en-US" smtClean="0"/>
-              <a:t>1/15/26</a:t>
+              <a:t>1/16/26</a:t>
             </a:fld>
             <a:endParaRPr lang="en-US"/>
           </a:p>
@@ -3043,7 +3662,7 @@
           <a:p>
             <a:fld id="{5BCAD085-E8A6-8845-BD4E-CB4CCA059FC4}" type="datetimeFigureOut">
               <a:rPr lang="en-US" smtClean="0"/>
-              <a:t>1/15/26</a:t>
+              <a:t>1/16/26</a:t>
             </a:fld>
             <a:endParaRPr lang="en-US"/>
           </a:p>
@@ -3211,7 +3830,7 @@
           <a:p>
             <a:fld id="{5BCAD085-E8A6-8845-BD4E-CB4CCA059FC4}" type="datetimeFigureOut">
               <a:rPr lang="en-US" smtClean="0"/>
-              <a:t>1/15/26</a:t>
+              <a:t>1/16/26</a:t>
             </a:fld>
             <a:endParaRPr lang="en-US"/>
           </a:p>
@@ -3456,7 +4075,7 @@
           <a:p>
             <a:fld id="{5BCAD085-E8A6-8845-BD4E-CB4CCA059FC4}" type="datetimeFigureOut">
               <a:rPr lang="en-US" smtClean="0"/>
-              <a:t>1/15/26</a:t>
+              <a:t>1/16/26</a:t>
             </a:fld>
             <a:endParaRPr lang="en-US"/>
           </a:p>
@@ -3741,7 +4360,7 @@
           <a:p>
             <a:fld id="{5BCAD085-E8A6-8845-BD4E-CB4CCA059FC4}" type="datetimeFigureOut">
               <a:rPr lang="en-US" smtClean="0"/>
-              <a:t>1/15/26</a:t>
+              <a:t>1/16/26</a:t>
             </a:fld>
             <a:endParaRPr lang="en-US"/>
           </a:p>
@@ -4160,7 +4779,7 @@
           <a:p>
             <a:fld id="{5BCAD085-E8A6-8845-BD4E-CB4CCA059FC4}" type="datetimeFigureOut">
               <a:rPr lang="en-US" smtClean="0"/>
-              <a:t>1/15/26</a:t>
+              <a:t>1/16/26</a:t>
             </a:fld>
             <a:endParaRPr lang="en-US"/>
           </a:p>
@@ -4277,7 +4896,7 @@
           <a:p>
             <a:fld id="{5BCAD085-E8A6-8845-BD4E-CB4CCA059FC4}" type="datetimeFigureOut">
               <a:rPr lang="en-US" smtClean="0"/>
-              <a:t>1/15/26</a:t>
+              <a:t>1/16/26</a:t>
             </a:fld>
             <a:endParaRPr lang="en-US"/>
           </a:p>
@@ -4372,7 +4991,7 @@
           <a:p>
             <a:fld id="{5BCAD085-E8A6-8845-BD4E-CB4CCA059FC4}" type="datetimeFigureOut">
               <a:rPr lang="en-US" smtClean="0"/>
-              <a:t>1/15/26</a:t>
+              <a:t>1/16/26</a:t>
             </a:fld>
             <a:endParaRPr lang="en-US"/>
           </a:p>
@@ -4647,7 +5266,7 @@
           <a:p>
             <a:fld id="{5BCAD085-E8A6-8845-BD4E-CB4CCA059FC4}" type="datetimeFigureOut">
               <a:rPr lang="en-US" smtClean="0"/>
-              <a:t>1/15/26</a:t>
+              <a:t>1/16/26</a:t>
             </a:fld>
             <a:endParaRPr lang="en-US"/>
           </a:p>
@@ -4899,7 +5518,7 @@
           <a:p>
             <a:fld id="{5BCAD085-E8A6-8845-BD4E-CB4CCA059FC4}" type="datetimeFigureOut">
               <a:rPr lang="en-US" smtClean="0"/>
-              <a:t>1/15/26</a:t>
+              <a:t>1/16/26</a:t>
             </a:fld>
             <a:endParaRPr lang="en-US"/>
           </a:p>
@@ -5110,7 +5729,7 @@
           <a:p>
             <a:fld id="{5BCAD085-E8A6-8845-BD4E-CB4CCA059FC4}" type="datetimeFigureOut">
               <a:rPr lang="en-US" smtClean="0"/>
-              <a:t>1/15/26</a:t>
+              <a:t>1/16/26</a:t>
             </a:fld>
             <a:endParaRPr lang="en-US"/>
           </a:p>
@@ -5633,6 +6252,293 @@
   <p:cSld>
     <p:spTree>
       <p:nvGrpSpPr>
+        <p:cNvPr id="1" name="">
+          <a:extLst>
+            <a:ext uri="{FF2B5EF4-FFF2-40B4-BE49-F238E27FC236}">
+              <a16:creationId xmlns:a16="http://schemas.microsoft.com/office/drawing/2014/main" id="{AD0FEBA9-DB00-E466-B1CE-6B1445CE360A}"/>
+            </a:ext>
+          </a:extLst>
+        </p:cNvPr>
+        <p:cNvGrpSpPr/>
+        <p:nvPr/>
+      </p:nvGrpSpPr>
+      <p:grpSpPr>
+        <a:xfrm>
+          <a:off x="0" y="0"/>
+          <a:ext cx="0" cy="0"/>
+          <a:chOff x="0" y="0"/>
+          <a:chExt cx="0" cy="0"/>
+        </a:xfrm>
+      </p:grpSpPr>
+      <p:sp>
+        <p:nvSpPr>
+          <p:cNvPr id="2" name="TextBox 1">
+            <a:extLst>
+              <a:ext uri="{FF2B5EF4-FFF2-40B4-BE49-F238E27FC236}">
+                <a16:creationId xmlns:a16="http://schemas.microsoft.com/office/drawing/2014/main" id="{5A180DA9-76E8-337D-866E-173A60CFC432}"/>
+              </a:ext>
+            </a:extLst>
+          </p:cNvPr>
+          <p:cNvSpPr txBox="1"/>
+          <p:nvPr/>
+        </p:nvSpPr>
+        <p:spPr>
+          <a:xfrm>
+            <a:off x="914400" y="274320"/>
+            <a:ext cx="7315200" cy="769441"/>
+          </a:xfrm>
+          <a:prstGeom prst="rect">
+            <a:avLst/>
+          </a:prstGeom>
+          <a:noFill/>
+        </p:spPr>
+        <p:txBody>
+          <a:bodyPr wrap="square">
+            <a:spAutoFit/>
+          </a:bodyPr>
+          <a:lstStyle/>
+          <a:p>
+            <a:pPr algn="ctr">
+              <a:defRPr sz="4400" b="1">
+                <a:solidFill>
+                  <a:srgbClr val="0078D4"/>
+                </a:solidFill>
+              </a:defRPr>
+            </a:pPr>
+            <a:r>
+              <a:rPr lang="en-US" sz="4400" dirty="0"/>
+              <a:t>🛑 🛑 🛑</a:t>
+            </a:r>
+            <a:endParaRPr dirty="0"/>
+          </a:p>
+        </p:txBody>
+      </p:sp>
+      <p:sp>
+        <p:nvSpPr>
+          <p:cNvPr id="4" name="TextBox 3">
+            <a:extLst>
+              <a:ext uri="{FF2B5EF4-FFF2-40B4-BE49-F238E27FC236}">
+                <a16:creationId xmlns:a16="http://schemas.microsoft.com/office/drawing/2014/main" id="{9BC3D6BD-4FE3-409E-A447-D07CB7C2D308}"/>
+              </a:ext>
+            </a:extLst>
+          </p:cNvPr>
+          <p:cNvSpPr txBox="1"/>
+          <p:nvPr/>
+        </p:nvSpPr>
+        <p:spPr>
+          <a:xfrm>
+            <a:off x="2941162" y="1043761"/>
+            <a:ext cx="6202837" cy="400110"/>
+          </a:xfrm>
+          <a:prstGeom prst="rect">
+            <a:avLst/>
+          </a:prstGeom>
+          <a:noFill/>
+        </p:spPr>
+        <p:txBody>
+          <a:bodyPr wrap="square">
+            <a:spAutoFit/>
+          </a:bodyPr>
+          <a:lstStyle/>
+          <a:p>
+            <a:pPr algn="ctr">
+              <a:defRPr sz="1800" b="1">
+                <a:solidFill>
+                  <a:srgbClr val="D13438"/>
+                </a:solidFill>
+              </a:defRPr>
+            </a:pPr>
+            <a:r>
+              <a:rPr lang="en-US" sz="2000" dirty="0"/>
+              <a:t>Right-</a:t>
+            </a:r>
+            <a:endParaRPr sz="2000" dirty="0"/>
+          </a:p>
+        </p:txBody>
+      </p:sp>
+    </p:spTree>
+    <p:extLst>
+      <p:ext uri="{BB962C8B-B14F-4D97-AF65-F5344CB8AC3E}">
+        <p14:creationId xmlns:p14="http://schemas.microsoft.com/office/powerpoint/2010/main" val="4169804396"/>
+      </p:ext>
+    </p:extLst>
+  </p:cSld>
+  <p:clrMapOvr>
+    <a:masterClrMapping/>
+  </p:clrMapOvr>
+</p:sld>
+</file>
+
+<file path=ppt/slides/slide11.xml><?xml version="1.0" encoding="utf-8"?>
+<p:sld xmlns:a="http://schemas.openxmlformats.org/drawingml/2006/main" xmlns:r="http://schemas.openxmlformats.org/officeDocument/2006/relationships" xmlns:p="http://schemas.openxmlformats.org/presentationml/2006/main">
+  <p:cSld>
+    <p:spTree>
+      <p:nvGrpSpPr>
+        <p:cNvPr id="1" name=""/>
+        <p:cNvGrpSpPr/>
+        <p:nvPr/>
+      </p:nvGrpSpPr>
+      <p:grpSpPr>
+        <a:xfrm>
+          <a:off x="0" y="0"/>
+          <a:ext cx="0" cy="0"/>
+          <a:chOff x="0" y="0"/>
+          <a:chExt cx="0" cy="0"/>
+        </a:xfrm>
+      </p:grpSpPr>
+      <p:sp>
+        <p:nvSpPr>
+          <p:cNvPr id="2" name="TextBox 1"/>
+          <p:cNvSpPr txBox="1"/>
+          <p:nvPr/>
+        </p:nvSpPr>
+        <p:spPr>
+          <a:xfrm>
+            <a:off x="914400" y="274320"/>
+            <a:ext cx="7315200" cy="769441"/>
+          </a:xfrm>
+          <a:prstGeom prst="rect">
+            <a:avLst/>
+          </a:prstGeom>
+          <a:noFill/>
+        </p:spPr>
+        <p:txBody>
+          <a:bodyPr wrap="square">
+            <a:spAutoFit/>
+          </a:bodyPr>
+          <a:lstStyle/>
+          <a:p>
+            <a:pPr marL="0" indent="0" algn="ctr">
+              <a:buNone/>
+              <a:defRPr sz="4400" b="1">
+                <a:solidFill>
+                  <a:srgbClr val="0078D4"/>
+                </a:solidFill>
+              </a:defRPr>
+            </a:pPr>
+            <a:r>
+              <a:rPr dirty="0"/>
+              <a:t>Phase 2: Windows Reset</a:t>
+            </a:r>
+          </a:p>
+        </p:txBody>
+      </p:sp>
+      <p:pic>
+        <p:nvPicPr>
+          <p:cNvPr id="6" name="Picture 5">
+            <a:extLst>
+              <a:ext uri="{FF2B5EF4-FFF2-40B4-BE49-F238E27FC236}">
+                <a16:creationId xmlns:a16="http://schemas.microsoft.com/office/drawing/2014/main" id="{0740437D-830F-CE84-3FE0-38BD9BBA3D53}"/>
+              </a:ext>
+            </a:extLst>
+          </p:cNvPr>
+          <p:cNvPicPr>
+            <a:picLocks noChangeAspect="1"/>
+          </p:cNvPicPr>
+          <p:nvPr/>
+        </p:nvPicPr>
+        <p:blipFill>
+          <a:blip r:embed="rId2"/>
+          <a:stretch>
+            <a:fillRect/>
+          </a:stretch>
+        </p:blipFill>
+        <p:spPr>
+          <a:xfrm>
+            <a:off x="524166" y="1558356"/>
+            <a:ext cx="3443656" cy="3274742"/>
+          </a:xfrm>
+          <a:prstGeom prst="rect">
+            <a:avLst/>
+          </a:prstGeom>
+        </p:spPr>
+      </p:pic>
+      <p:pic>
+        <p:nvPicPr>
+          <p:cNvPr id="7" name="Picture 6">
+            <a:extLst>
+              <a:ext uri="{FF2B5EF4-FFF2-40B4-BE49-F238E27FC236}">
+                <a16:creationId xmlns:a16="http://schemas.microsoft.com/office/drawing/2014/main" id="{52FF30E4-0503-1145-BFE7-2238BBA14EFB}"/>
+              </a:ext>
+            </a:extLst>
+          </p:cNvPr>
+          <p:cNvPicPr>
+            <a:picLocks noChangeAspect="1"/>
+          </p:cNvPicPr>
+          <p:nvPr/>
+        </p:nvPicPr>
+        <p:blipFill>
+          <a:blip r:embed="rId3"/>
+          <a:stretch>
+            <a:fillRect/>
+          </a:stretch>
+        </p:blipFill>
+        <p:spPr>
+          <a:xfrm>
+            <a:off x="4972233" y="1564485"/>
+            <a:ext cx="3942557" cy="3139919"/>
+          </a:xfrm>
+          <a:prstGeom prst="rect">
+            <a:avLst/>
+          </a:prstGeom>
+        </p:spPr>
+      </p:pic>
+      <p:sp>
+        <p:nvSpPr>
+          <p:cNvPr id="8" name="TextBox 7">
+            <a:extLst>
+              <a:ext uri="{FF2B5EF4-FFF2-40B4-BE49-F238E27FC236}">
+                <a16:creationId xmlns:a16="http://schemas.microsoft.com/office/drawing/2014/main" id="{1F4EC729-D17A-F82B-9ED3-7213CD90559E}"/>
+              </a:ext>
+            </a:extLst>
+          </p:cNvPr>
+          <p:cNvSpPr txBox="1"/>
+          <p:nvPr/>
+        </p:nvSpPr>
+        <p:spPr>
+          <a:xfrm>
+            <a:off x="1371600" y="914400"/>
+            <a:ext cx="6400800" cy="548640"/>
+          </a:xfrm>
+          <a:prstGeom prst="rect">
+            <a:avLst/>
+          </a:prstGeom>
+          <a:noFill/>
+        </p:spPr>
+        <p:txBody>
+          <a:bodyPr wrap="none">
+            <a:spAutoFit/>
+          </a:bodyPr>
+          <a:lstStyle/>
+          <a:p>
+            <a:pPr marL="0" indent="0" algn="ctr">
+              <a:buNone/>
+              <a:defRPr sz="1600" b="1">
+                <a:solidFill>
+                  <a:srgbClr val="D13438"/>
+                </a:solidFill>
+              </a:defRPr>
+            </a:pPr>
+            <a:r>
+              <a:rPr dirty="0"/>
+              <a:t>⚠️ Verify ALL Phase 1 backups are complete before proceeding</a:t>
+            </a:r>
+          </a:p>
+        </p:txBody>
+      </p:sp>
+    </p:spTree>
+  </p:cSld>
+  <p:clrMapOvr>
+    <a:masterClrMapping/>
+  </p:clrMapOvr>
+</p:sld>
+</file>
+
+<file path=ppt/slides/slide12.xml><?xml version="1.0" encoding="utf-8"?>
+<p:sld xmlns:a="http://schemas.openxmlformats.org/drawingml/2006/main" xmlns:r="http://schemas.openxmlformats.org/officeDocument/2006/relationships" xmlns:p="http://schemas.openxmlformats.org/presentationml/2006/main">
+  <p:cSld>
+    <p:spTree>
+      <p:nvGrpSpPr>
         <p:cNvPr id="1" name=""/>
         <p:cNvGrpSpPr/>
         <p:nvPr/>
@@ -5831,7 +6737,7 @@
 </p:sld>
 </file>
 
-<file path=ppt/slides/slide11.xml><?xml version="1.0" encoding="utf-8"?>
+<file path=ppt/slides/slide13.xml><?xml version="1.0" encoding="utf-8"?>
 <p:sld xmlns:a="http://schemas.openxmlformats.org/drawingml/2006/main" xmlns:r="http://schemas.openxmlformats.org/officeDocument/2006/relationships" xmlns:p="http://schemas.openxmlformats.org/presentationml/2006/main">
   <p:cSld>
     <p:spTree>
@@ -6040,7 +6946,7 @@
 </p:sld>
 </file>
 
-<file path=ppt/slides/slide12.xml><?xml version="1.0" encoding="utf-8"?>
+<file path=ppt/slides/slide14.xml><?xml version="1.0" encoding="utf-8"?>
 <p:sld xmlns:a="http://schemas.openxmlformats.org/drawingml/2006/main" xmlns:r="http://schemas.openxmlformats.org/officeDocument/2006/relationships" xmlns:p="http://schemas.openxmlformats.org/presentationml/2006/main">
   <p:cSld>
     <p:spTree>
@@ -6251,7 +7157,7 @@
 </p:sld>
 </file>
 
-<file path=ppt/slides/slide13.xml><?xml version="1.0" encoding="utf-8"?>
+<file path=ppt/slides/slide15.xml><?xml version="1.0" encoding="utf-8"?>
 <p:sld xmlns:a="http://schemas.openxmlformats.org/drawingml/2006/main" xmlns:r="http://schemas.openxmlformats.org/officeDocument/2006/relationships" xmlns:p="http://schemas.openxmlformats.org/presentationml/2006/main">
   <p:cSld>
     <p:spTree>
@@ -6392,7 +7298,7 @@
 </p:sld>
 </file>
 
-<file path=ppt/slides/slide14.xml><?xml version="1.0" encoding="utf-8"?>
+<file path=ppt/slides/slide16.xml><?xml version="1.0" encoding="utf-8"?>
 <p:sld xmlns:a="http://schemas.openxmlformats.org/drawingml/2006/main" xmlns:r="http://schemas.openxmlformats.org/officeDocument/2006/relationships" xmlns:p="http://schemas.openxmlformats.org/presentationml/2006/main">
   <p:cSld>
     <p:spTree>
@@ -6594,7 +7500,7 @@
 </p:sld>
 </file>
 
-<file path=ppt/slides/slide15.xml><?xml version="1.0" encoding="utf-8"?>
+<file path=ppt/slides/slide17.xml><?xml version="1.0" encoding="utf-8"?>
 <p:sld xmlns:a="http://schemas.openxmlformats.org/drawingml/2006/main" xmlns:r="http://schemas.openxmlformats.org/officeDocument/2006/relationships" xmlns:p="http://schemas.openxmlformats.org/presentationml/2006/main">
   <p:cSld>
     <p:spTree>
@@ -6810,7 +7716,7 @@
 </p:sld>
 </file>
 
-<file path=ppt/slides/slide16.xml><?xml version="1.0" encoding="utf-8"?>
+<file path=ppt/slides/slide18.xml><?xml version="1.0" encoding="utf-8"?>
 <p:sld xmlns:a="http://schemas.openxmlformats.org/drawingml/2006/main" xmlns:r="http://schemas.openxmlformats.org/officeDocument/2006/relationships" xmlns:p="http://schemas.openxmlformats.org/presentationml/2006/main">
   <p:cSld>
     <p:spTree>
@@ -6972,7 +7878,7 @@
 </p:sld>
 </file>
 
-<file path=ppt/slides/slide17.xml><?xml version="1.0" encoding="utf-8"?>
+<file path=ppt/slides/slide19.xml><?xml version="1.0" encoding="utf-8"?>
 <p:sld xmlns:a="http://schemas.openxmlformats.org/drawingml/2006/main" xmlns:r="http://schemas.openxmlformats.org/officeDocument/2006/relationships" xmlns:p="http://schemas.openxmlformats.org/presentationml/2006/main">
   <p:cSld>
     <p:spTree>
@@ -7163,7 +8069,208 @@
 </p:sld>
 </file>
 
-<file path=ppt/slides/slide18.xml><?xml version="1.0" encoding="utf-8"?>
+<file path=ppt/slides/slide2.xml><?xml version="1.0" encoding="utf-8"?>
+<p:sld xmlns:a="http://schemas.openxmlformats.org/drawingml/2006/main" xmlns:r="http://schemas.openxmlformats.org/officeDocument/2006/relationships" xmlns:p="http://schemas.openxmlformats.org/presentationml/2006/main">
+  <p:cSld>
+    <p:spTree>
+      <p:nvGrpSpPr>
+        <p:cNvPr id="1" name=""/>
+        <p:cNvGrpSpPr/>
+        <p:nvPr/>
+      </p:nvGrpSpPr>
+      <p:grpSpPr>
+        <a:xfrm>
+          <a:off x="0" y="0"/>
+          <a:ext cx="0" cy="0"/>
+          <a:chOff x="0" y="0"/>
+          <a:chExt cx="0" cy="0"/>
+        </a:xfrm>
+      </p:grpSpPr>
+      <p:sp>
+        <p:nvSpPr>
+          <p:cNvPr id="2" name="TextBox 1"/>
+          <p:cNvSpPr txBox="1"/>
+          <p:nvPr/>
+        </p:nvSpPr>
+        <p:spPr>
+          <a:xfrm>
+            <a:off x="914400" y="274320"/>
+            <a:ext cx="7315200" cy="914400"/>
+          </a:xfrm>
+          <a:prstGeom prst="rect">
+            <a:avLst/>
+          </a:prstGeom>
+          <a:noFill/>
+        </p:spPr>
+        <p:txBody>
+          <a:bodyPr wrap="square">
+            <a:spAutoFit/>
+          </a:bodyPr>
+          <a:lstStyle/>
+          <a:p>
+            <a:pPr algn="ctr">
+              <a:defRPr sz="4400" b="1">
+                <a:solidFill>
+                  <a:srgbClr val="0078D4"/>
+                </a:solidFill>
+              </a:defRPr>
+            </a:pPr>
+            <a:r>
+              <a:t>What We'll Back Up Today</a:t>
+            </a:r>
+          </a:p>
+        </p:txBody>
+      </p:sp>
+      <p:sp>
+        <p:nvSpPr>
+          <p:cNvPr id="3" name="TextBox 2"/>
+          <p:cNvSpPr txBox="1"/>
+          <p:nvPr/>
+        </p:nvSpPr>
+        <p:spPr>
+          <a:xfrm>
+            <a:off x="1371600" y="1097280"/>
+            <a:ext cx="6400800" cy="3323987"/>
+          </a:xfrm>
+          <a:prstGeom prst="rect">
+            <a:avLst/>
+          </a:prstGeom>
+          <a:noFill/>
+        </p:spPr>
+        <p:txBody>
+          <a:bodyPr wrap="square">
+            <a:spAutoFit/>
+          </a:bodyPr>
+          <a:lstStyle/>
+          <a:p>
+            <a:pPr>
+              <a:defRPr sz="2400" b="1">
+                <a:solidFill>
+                  <a:srgbClr val="0078D4"/>
+                </a:solidFill>
+              </a:defRPr>
+            </a:pPr>
+            <a:r>
+              <a:rPr dirty="0"/>
+              <a:t>OneDrive Setup &amp; File Sync</a:t>
+            </a:r>
+          </a:p>
+          <a:p>
+            <a:pPr lvl="1">
+              <a:defRPr sz="1800" b="0"/>
+            </a:pPr>
+            <a:r>
+              <a:rPr dirty="0"/>
+              <a:t>Your Desktop, Documents, and Pictures folders</a:t>
+            </a:r>
+          </a:p>
+          <a:p>
+            <a:pPr>
+              <a:defRPr sz="2400" b="1">
+                <a:solidFill>
+                  <a:srgbClr val="0078D4"/>
+                </a:solidFill>
+              </a:defRPr>
+            </a:pPr>
+            <a:r>
+              <a:rPr dirty="0"/>
+              <a:t>Browser Profile</a:t>
+            </a:r>
+          </a:p>
+          <a:p>
+            <a:pPr lvl="1">
+              <a:defRPr sz="1800" b="0"/>
+            </a:pPr>
+            <a:r>
+              <a:rPr dirty="0"/>
+              <a:t>Bookmarks, passwords, and settings</a:t>
+            </a:r>
+          </a:p>
+          <a:p>
+            <a:pPr>
+              <a:defRPr sz="2400" b="1">
+                <a:solidFill>
+                  <a:srgbClr val="0078D4"/>
+                </a:solidFill>
+              </a:defRPr>
+            </a:pPr>
+            <a:r>
+              <a:rPr dirty="0"/>
+              <a:t>Printer Configurations</a:t>
+            </a:r>
+          </a:p>
+          <a:p>
+            <a:pPr lvl="1">
+              <a:defRPr sz="1800" b="0"/>
+            </a:pPr>
+            <a:r>
+              <a:rPr dirty="0"/>
+              <a:t>Screenshot of all mapped printers</a:t>
+            </a:r>
+          </a:p>
+          <a:p>
+            <a:pPr>
+              <a:defRPr sz="2400" b="1">
+                <a:solidFill>
+                  <a:srgbClr val="0078D4"/>
+                </a:solidFill>
+              </a:defRPr>
+            </a:pPr>
+            <a:r>
+              <a:rPr dirty="0" err="1"/>
+              <a:t>WiFi</a:t>
+            </a:r>
+            <a:r>
+              <a:rPr dirty="0"/>
+              <a:t> Network Information</a:t>
+            </a:r>
+          </a:p>
+          <a:p>
+            <a:pPr lvl="1">
+              <a:defRPr sz="1800" b="0"/>
+            </a:pPr>
+            <a:r>
+              <a:rPr dirty="0"/>
+              <a:t>For quick reconnection after reset</a:t>
+            </a:r>
+          </a:p>
+          <a:p>
+            <a:pPr>
+              <a:defRPr sz="2400" b="1">
+                <a:solidFill>
+                  <a:srgbClr val="0078D4"/>
+                </a:solidFill>
+              </a:defRPr>
+            </a:pPr>
+            <a:r>
+              <a:rPr dirty="0"/>
+              <a:t>Outlook Data Files (if applicable)</a:t>
+            </a:r>
+          </a:p>
+          <a:p>
+            <a:pPr lvl="1">
+              <a:defRPr sz="1800" b="0"/>
+            </a:pPr>
+            <a:r>
+              <a:rPr dirty="0"/>
+              <a:t>Personal email archives (PST files</a:t>
+            </a:r>
+            <a:r>
+              <a:rPr lang="en-US" dirty="0"/>
+              <a:t>)</a:t>
+            </a:r>
+          </a:p>
+        </p:txBody>
+      </p:sp>
+    </p:spTree>
+  </p:cSld>
+  <p:clrMapOvr>
+    <a:masterClrMapping/>
+  </p:clrMapOvr>
+</p:sld>
+</file>
+
+<file path=ppt/slides/slide20.xml><?xml version="1.0" encoding="utf-8"?>
 <p:sld xmlns:a="http://schemas.openxmlformats.org/drawingml/2006/main" xmlns:r="http://schemas.openxmlformats.org/officeDocument/2006/relationships" xmlns:p="http://schemas.openxmlformats.org/presentationml/2006/main">
   <p:cSld>
     <p:spTree>
@@ -7366,7 +8473,7 @@
 </p:sld>
 </file>
 
-<file path=ppt/slides/slide19.xml><?xml version="1.0" encoding="utf-8"?>
+<file path=ppt/slides/slide21.xml><?xml version="1.0" encoding="utf-8"?>
 <p:sld xmlns:a="http://schemas.openxmlformats.org/drawingml/2006/main" xmlns:r="http://schemas.openxmlformats.org/officeDocument/2006/relationships" xmlns:p="http://schemas.openxmlformats.org/presentationml/2006/main">
   <p:cSld>
     <p:spTree>
@@ -7573,208 +8680,7 @@
 </p:sld>
 </file>
 
-<file path=ppt/slides/slide2.xml><?xml version="1.0" encoding="utf-8"?>
-<p:sld xmlns:a="http://schemas.openxmlformats.org/drawingml/2006/main" xmlns:r="http://schemas.openxmlformats.org/officeDocument/2006/relationships" xmlns:p="http://schemas.openxmlformats.org/presentationml/2006/main">
-  <p:cSld>
-    <p:spTree>
-      <p:nvGrpSpPr>
-        <p:cNvPr id="1" name=""/>
-        <p:cNvGrpSpPr/>
-        <p:nvPr/>
-      </p:nvGrpSpPr>
-      <p:grpSpPr>
-        <a:xfrm>
-          <a:off x="0" y="0"/>
-          <a:ext cx="0" cy="0"/>
-          <a:chOff x="0" y="0"/>
-          <a:chExt cx="0" cy="0"/>
-        </a:xfrm>
-      </p:grpSpPr>
-      <p:sp>
-        <p:nvSpPr>
-          <p:cNvPr id="2" name="TextBox 1"/>
-          <p:cNvSpPr txBox="1"/>
-          <p:nvPr/>
-        </p:nvSpPr>
-        <p:spPr>
-          <a:xfrm>
-            <a:off x="914400" y="274320"/>
-            <a:ext cx="7315200" cy="914400"/>
-          </a:xfrm>
-          <a:prstGeom prst="rect">
-            <a:avLst/>
-          </a:prstGeom>
-          <a:noFill/>
-        </p:spPr>
-        <p:txBody>
-          <a:bodyPr wrap="square">
-            <a:spAutoFit/>
-          </a:bodyPr>
-          <a:lstStyle/>
-          <a:p>
-            <a:pPr algn="ctr">
-              <a:defRPr sz="4400" b="1">
-                <a:solidFill>
-                  <a:srgbClr val="0078D4"/>
-                </a:solidFill>
-              </a:defRPr>
-            </a:pPr>
-            <a:r>
-              <a:t>What We'll Back Up Today</a:t>
-            </a:r>
-          </a:p>
-        </p:txBody>
-      </p:sp>
-      <p:sp>
-        <p:nvSpPr>
-          <p:cNvPr id="3" name="TextBox 2"/>
-          <p:cNvSpPr txBox="1"/>
-          <p:nvPr/>
-        </p:nvSpPr>
-        <p:spPr>
-          <a:xfrm>
-            <a:off x="1371600" y="1097280"/>
-            <a:ext cx="6400800" cy="3323987"/>
-          </a:xfrm>
-          <a:prstGeom prst="rect">
-            <a:avLst/>
-          </a:prstGeom>
-          <a:noFill/>
-        </p:spPr>
-        <p:txBody>
-          <a:bodyPr wrap="square">
-            <a:spAutoFit/>
-          </a:bodyPr>
-          <a:lstStyle/>
-          <a:p>
-            <a:pPr>
-              <a:defRPr sz="2400" b="1">
-                <a:solidFill>
-                  <a:srgbClr val="0078D4"/>
-                </a:solidFill>
-              </a:defRPr>
-            </a:pPr>
-            <a:r>
-              <a:rPr dirty="0"/>
-              <a:t>OneDrive Setup &amp; File Sync</a:t>
-            </a:r>
-          </a:p>
-          <a:p>
-            <a:pPr lvl="1">
-              <a:defRPr sz="1800" b="0"/>
-            </a:pPr>
-            <a:r>
-              <a:rPr dirty="0"/>
-              <a:t>Your Desktop, Documents, and Pictures folders</a:t>
-            </a:r>
-          </a:p>
-          <a:p>
-            <a:pPr>
-              <a:defRPr sz="2400" b="1">
-                <a:solidFill>
-                  <a:srgbClr val="0078D4"/>
-                </a:solidFill>
-              </a:defRPr>
-            </a:pPr>
-            <a:r>
-              <a:rPr dirty="0"/>
-              <a:t>Browser Profile</a:t>
-            </a:r>
-          </a:p>
-          <a:p>
-            <a:pPr lvl="1">
-              <a:defRPr sz="1800" b="0"/>
-            </a:pPr>
-            <a:r>
-              <a:rPr dirty="0"/>
-              <a:t>Bookmarks, passwords, and settings</a:t>
-            </a:r>
-          </a:p>
-          <a:p>
-            <a:pPr>
-              <a:defRPr sz="2400" b="1">
-                <a:solidFill>
-                  <a:srgbClr val="0078D4"/>
-                </a:solidFill>
-              </a:defRPr>
-            </a:pPr>
-            <a:r>
-              <a:rPr dirty="0"/>
-              <a:t>Printer Configurations</a:t>
-            </a:r>
-          </a:p>
-          <a:p>
-            <a:pPr lvl="1">
-              <a:defRPr sz="1800" b="0"/>
-            </a:pPr>
-            <a:r>
-              <a:rPr dirty="0"/>
-              <a:t>Screenshot of all mapped printers</a:t>
-            </a:r>
-          </a:p>
-          <a:p>
-            <a:pPr>
-              <a:defRPr sz="2400" b="1">
-                <a:solidFill>
-                  <a:srgbClr val="0078D4"/>
-                </a:solidFill>
-              </a:defRPr>
-            </a:pPr>
-            <a:r>
-              <a:rPr dirty="0" err="1"/>
-              <a:t>WiFi</a:t>
-            </a:r>
-            <a:r>
-              <a:rPr dirty="0"/>
-              <a:t> Network Information</a:t>
-            </a:r>
-          </a:p>
-          <a:p>
-            <a:pPr lvl="1">
-              <a:defRPr sz="1800" b="0"/>
-            </a:pPr>
-            <a:r>
-              <a:rPr dirty="0"/>
-              <a:t>For quick reconnection after reset</a:t>
-            </a:r>
-          </a:p>
-          <a:p>
-            <a:pPr>
-              <a:defRPr sz="2400" b="1">
-                <a:solidFill>
-                  <a:srgbClr val="0078D4"/>
-                </a:solidFill>
-              </a:defRPr>
-            </a:pPr>
-            <a:r>
-              <a:rPr dirty="0"/>
-              <a:t>Outlook Data Files (if applicable)</a:t>
-            </a:r>
-          </a:p>
-          <a:p>
-            <a:pPr lvl="1">
-              <a:defRPr sz="1800" b="0"/>
-            </a:pPr>
-            <a:r>
-              <a:rPr dirty="0"/>
-              <a:t>Personal email archives (PST files</a:t>
-            </a:r>
-            <a:r>
-              <a:rPr lang="en-US" dirty="0"/>
-              <a:t>)</a:t>
-            </a:r>
-          </a:p>
-        </p:txBody>
-      </p:sp>
-    </p:spTree>
-  </p:cSld>
-  <p:clrMapOvr>
-    <a:masterClrMapping/>
-  </p:clrMapOvr>
-</p:sld>
-</file>
-
-<file path=ppt/slides/slide20.xml><?xml version="1.0" encoding="utf-8"?>
+<file path=ppt/slides/slide22.xml><?xml version="1.0" encoding="utf-8"?>
 <p:sld xmlns:a="http://schemas.openxmlformats.org/drawingml/2006/main" xmlns:r="http://schemas.openxmlformats.org/officeDocument/2006/relationships" xmlns:p="http://schemas.openxmlformats.org/presentationml/2006/main">
   <p:cSld>
     <p:spTree>
@@ -7992,7 +8898,7 @@
 </p:sld>
 </file>
 
-<file path=ppt/slides/slide21.xml><?xml version="1.0" encoding="utf-8"?>
+<file path=ppt/slides/slide23.xml><?xml version="1.0" encoding="utf-8"?>
 <p:sld xmlns:a="http://schemas.openxmlformats.org/drawingml/2006/main" xmlns:r="http://schemas.openxmlformats.org/officeDocument/2006/relationships" xmlns:p="http://schemas.openxmlformats.org/presentationml/2006/main">
   <p:cSld>
     <p:spTree>
@@ -8186,371 +9092,6 @@
 </p:sld>
 </file>
 
-<file path=ppt/slides/slide22.xml><?xml version="1.0" encoding="utf-8"?>
-<p:sld xmlns:a="http://schemas.openxmlformats.org/drawingml/2006/main" xmlns:r="http://schemas.openxmlformats.org/officeDocument/2006/relationships" xmlns:p="http://schemas.openxmlformats.org/presentationml/2006/main">
-  <p:cSld>
-    <p:spTree>
-      <p:nvGrpSpPr>
-        <p:cNvPr id="1" name=""/>
-        <p:cNvGrpSpPr/>
-        <p:nvPr/>
-      </p:nvGrpSpPr>
-      <p:grpSpPr>
-        <a:xfrm>
-          <a:off x="0" y="0"/>
-          <a:ext cx="0" cy="0"/>
-          <a:chOff x="0" y="0"/>
-          <a:chExt cx="0" cy="0"/>
-        </a:xfrm>
-      </p:grpSpPr>
-      <p:sp>
-        <p:nvSpPr>
-          <p:cNvPr id="2" name="TextBox 1"/>
-          <p:cNvSpPr txBox="1"/>
-          <p:nvPr/>
-        </p:nvSpPr>
-        <p:spPr>
-          <a:xfrm>
-            <a:off x="914400" y="274320"/>
-            <a:ext cx="7315200" cy="769441"/>
-          </a:xfrm>
-          <a:prstGeom prst="rect">
-            <a:avLst/>
-          </a:prstGeom>
-          <a:noFill/>
-        </p:spPr>
-        <p:txBody>
-          <a:bodyPr wrap="square">
-            <a:spAutoFit/>
-          </a:bodyPr>
-          <a:lstStyle/>
-          <a:p>
-            <a:pPr marL="0" indent="0" algn="ctr">
-              <a:buNone/>
-              <a:defRPr sz="4400" b="1">
-                <a:solidFill>
-                  <a:srgbClr val="0078D4"/>
-                </a:solidFill>
-              </a:defRPr>
-            </a:pPr>
-            <a:r>
-              <a:t>Step 7: Wait for Autopilot Setup</a:t>
-            </a:r>
-          </a:p>
-        </p:txBody>
-      </p:sp>
-      <p:sp>
-        <p:nvSpPr>
-          <p:cNvPr id="3" name="TextBox 2"/>
-          <p:cNvSpPr txBox="1"/>
-          <p:nvPr/>
-        </p:nvSpPr>
-        <p:spPr>
-          <a:xfrm>
-            <a:off x="2639419" y="1647134"/>
-            <a:ext cx="3865162" cy="584775"/>
-          </a:xfrm>
-          <a:prstGeom prst="rect">
-            <a:avLst/>
-          </a:prstGeom>
-          <a:noFill/>
-        </p:spPr>
-        <p:txBody>
-          <a:bodyPr wrap="none">
-            <a:spAutoFit/>
-          </a:bodyPr>
-          <a:lstStyle/>
-          <a:p>
-            <a:pPr marL="0" indent="0" algn="ctr">
-              <a:buNone/>
-              <a:defRPr sz="1600" b="1">
-                <a:solidFill>
-                  <a:srgbClr val="D13438"/>
-                </a:solidFill>
-              </a:defRPr>
-            </a:pPr>
-            <a:r>
-              <a:rPr dirty="0"/>
-              <a:t>⚠️ DO NOT turn off or restart your device!</a:t>
-            </a:r>
-            <a:endParaRPr lang="en-US" dirty="0"/>
-          </a:p>
-          <a:p>
-            <a:pPr algn="ctr">
-              <a:defRPr sz="1600" b="1">
-                <a:solidFill>
-                  <a:srgbClr val="D13438"/>
-                </a:solidFill>
-              </a:defRPr>
-            </a:pPr>
-            <a:r>
-              <a:rPr lang="en-US" dirty="0"/>
-              <a:t>⚠️ Ensure your Power Source is Connected!</a:t>
-            </a:r>
-            <a:endParaRPr dirty="0"/>
-          </a:p>
-        </p:txBody>
-      </p:sp>
-      <p:sp>
-        <p:nvSpPr>
-          <p:cNvPr id="4" name="TextBox 3"/>
-          <p:cNvSpPr txBox="1"/>
-          <p:nvPr/>
-        </p:nvSpPr>
-        <p:spPr>
-          <a:xfrm>
-            <a:off x="1371600" y="2378654"/>
-            <a:ext cx="6400800" cy="1477328"/>
-          </a:xfrm>
-          <a:prstGeom prst="rect">
-            <a:avLst/>
-          </a:prstGeom>
-          <a:noFill/>
-        </p:spPr>
-        <p:txBody>
-          <a:bodyPr wrap="square">
-            <a:spAutoFit/>
-          </a:bodyPr>
-          <a:lstStyle/>
-          <a:p>
-            <a:pPr marL="365760" indent="-182880" algn="l">
-              <a:defRPr sz="1800" b="0"/>
-            </a:pPr>
-            <a:r>
-              <a:rPr dirty="0"/>
-              <a:t>Autopilot will now configure your device automatically</a:t>
-            </a:r>
-          </a:p>
-          <a:p>
-            <a:pPr marL="365760" indent="-182880" algn="l">
-              <a:buChar char="•"/>
-            </a:pPr>
-            <a:r>
-              <a:rPr dirty="0"/>
-              <a:t>You will see 'Setting up your device for work...'</a:t>
-            </a:r>
-          </a:p>
-          <a:p>
-            <a:pPr marL="365760" indent="-182880" algn="l">
-              <a:buChar char="•"/>
-            </a:pPr>
-            <a:r>
-              <a:rPr dirty="0"/>
-              <a:t>This process takes </a:t>
-            </a:r>
-            <a:r>
-              <a:rPr lang="en-US" dirty="0"/>
-              <a:t>can take upwards of an Hour</a:t>
-            </a:r>
-            <a:endParaRPr dirty="0"/>
-          </a:p>
-          <a:p>
-            <a:pPr marL="365760" indent="-182880" algn="l">
-              <a:buChar char="•"/>
-            </a:pPr>
-            <a:r>
-              <a:rPr dirty="0"/>
-              <a:t>Your device may restart several times - this is normal</a:t>
-            </a:r>
-          </a:p>
-          <a:p>
-            <a:pPr marL="365760" indent="-182880" algn="l">
-              <a:buChar char="•"/>
-            </a:pPr>
-            <a:r>
-              <a:rPr dirty="0"/>
-              <a:t>Wait until you see the Windows sign-in screen</a:t>
-            </a:r>
-          </a:p>
-        </p:txBody>
-      </p:sp>
-    </p:spTree>
-  </p:cSld>
-  <p:clrMapOvr>
-    <a:masterClrMapping/>
-  </p:clrMapOvr>
-</p:sld>
-</file>
-
-<file path=ppt/slides/slide23.xml><?xml version="1.0" encoding="utf-8"?>
-<p:sld xmlns:a="http://schemas.openxmlformats.org/drawingml/2006/main" xmlns:r="http://schemas.openxmlformats.org/officeDocument/2006/relationships" xmlns:p="http://schemas.openxmlformats.org/presentationml/2006/main">
-  <p:cSld>
-    <p:spTree>
-      <p:nvGrpSpPr>
-        <p:cNvPr id="1" name=""/>
-        <p:cNvGrpSpPr/>
-        <p:nvPr/>
-      </p:nvGrpSpPr>
-      <p:grpSpPr>
-        <a:xfrm>
-          <a:off x="0" y="0"/>
-          <a:ext cx="0" cy="0"/>
-          <a:chOff x="0" y="0"/>
-          <a:chExt cx="0" cy="0"/>
-        </a:xfrm>
-      </p:grpSpPr>
-      <p:sp>
-        <p:nvSpPr>
-          <p:cNvPr id="2" name="TextBox 1"/>
-          <p:cNvSpPr txBox="1"/>
-          <p:nvPr/>
-        </p:nvSpPr>
-        <p:spPr>
-          <a:xfrm>
-            <a:off x="914400" y="274320"/>
-            <a:ext cx="7315200" cy="769441"/>
-          </a:xfrm>
-          <a:prstGeom prst="rect">
-            <a:avLst/>
-          </a:prstGeom>
-          <a:noFill/>
-        </p:spPr>
-        <p:txBody>
-          <a:bodyPr wrap="square">
-            <a:spAutoFit/>
-          </a:bodyPr>
-          <a:lstStyle/>
-          <a:p>
-            <a:pPr marL="0" indent="0" algn="ctr">
-              <a:buNone/>
-              <a:defRPr sz="4400" b="1">
-                <a:solidFill>
-                  <a:srgbClr val="0078D4"/>
-                </a:solidFill>
-              </a:defRPr>
-            </a:pPr>
-            <a:r>
-              <a:rPr dirty="0"/>
-              <a:t>Sign In to Windows</a:t>
-            </a:r>
-          </a:p>
-        </p:txBody>
-      </p:sp>
-      <p:sp>
-        <p:nvSpPr>
-          <p:cNvPr id="3" name="TextBox 2"/>
-          <p:cNvSpPr txBox="1"/>
-          <p:nvPr/>
-        </p:nvSpPr>
-        <p:spPr>
-          <a:xfrm>
-            <a:off x="1371600" y="914400"/>
-            <a:ext cx="6400800" cy="548640"/>
-          </a:xfrm>
-          <a:prstGeom prst="rect">
-            <a:avLst/>
-          </a:prstGeom>
-          <a:noFill/>
-        </p:spPr>
-        <p:txBody>
-          <a:bodyPr wrap="none">
-            <a:spAutoFit/>
-          </a:bodyPr>
-          <a:lstStyle/>
-          <a:p>
-            <a:pPr marL="0" indent="0" algn="ctr">
-              <a:buNone/>
-              <a:defRPr sz="1600" b="1">
-                <a:solidFill>
-                  <a:srgbClr val="D13438"/>
-                </a:solidFill>
-              </a:defRPr>
-            </a:pPr>
-            <a:r>
-              <a:t>Final sign-in after Autopilot completes</a:t>
-            </a:r>
-          </a:p>
-        </p:txBody>
-      </p:sp>
-      <p:sp>
-        <p:nvSpPr>
-          <p:cNvPr id="4" name="TextBox 3"/>
-          <p:cNvSpPr txBox="1"/>
-          <p:nvPr/>
-        </p:nvSpPr>
-        <p:spPr>
-          <a:xfrm>
-            <a:off x="1371600" y="2480132"/>
-            <a:ext cx="6400800" cy="1200329"/>
-          </a:xfrm>
-          <a:prstGeom prst="rect">
-            <a:avLst/>
-          </a:prstGeom>
-          <a:noFill/>
-        </p:spPr>
-        <p:txBody>
-          <a:bodyPr wrap="square">
-            <a:spAutoFit/>
-          </a:bodyPr>
-          <a:lstStyle/>
-          <a:p>
-            <a:pPr marL="365760" indent="-182880">
-              <a:defRPr sz="1800" b="0"/>
-            </a:pPr>
-            <a:r>
-              <a:rPr dirty="0"/>
-              <a:t>At the Windows sign-in screen, enter your email:</a:t>
-            </a:r>
-            <a:endParaRPr lang="en-US" dirty="0"/>
-          </a:p>
-          <a:p>
-            <a:pPr marL="365760" indent="-182880">
-              <a:defRPr sz="1800" b="0"/>
-            </a:pPr>
-            <a:r>
-              <a:rPr lang="en-US" dirty="0"/>
-              <a:t>	</a:t>
-            </a:r>
-            <a:r>
-              <a:rPr b="1" u="sng" dirty="0" err="1"/>
-              <a:t>FirstName.LastName@impactpropertysolutions.com</a:t>
-            </a:r>
-            <a:endParaRPr b="1" u="sng" dirty="0"/>
-          </a:p>
-          <a:p>
-            <a:pPr marL="822960" lvl="1" indent="-182880">
-              <a:buChar char="•"/>
-            </a:pPr>
-            <a:r>
-              <a:rPr dirty="0"/>
-              <a:t>Enter your Microsoft 365 password</a:t>
-            </a:r>
-          </a:p>
-          <a:p>
-            <a:pPr marL="822960" lvl="1" indent="-182880">
-              <a:buChar char="•"/>
-            </a:pPr>
-            <a:r>
-              <a:rPr dirty="0"/>
-              <a:t>Complete MFA</a:t>
-            </a:r>
-            <a:r>
-              <a:rPr lang="en-US" dirty="0"/>
-              <a:t>/Password Reset</a:t>
-            </a:r>
-            <a:r>
-              <a:rPr dirty="0"/>
-              <a:t> </a:t>
-            </a:r>
-            <a:r>
-              <a:rPr lang="en-US" dirty="0"/>
-              <a:t>as </a:t>
-            </a:r>
-            <a:r>
-              <a:rPr dirty="0"/>
-              <a:t>prompted</a:t>
-            </a:r>
-          </a:p>
-        </p:txBody>
-      </p:sp>
-    </p:spTree>
-  </p:cSld>
-  <p:clrMapOvr>
-    <a:masterClrMapping/>
-  </p:clrMapOvr>
-</p:sld>
-</file>
-
 <file path=ppt/slides/slide24.xml><?xml version="1.0" encoding="utf-8"?>
 <p:sld xmlns:a="http://schemas.openxmlformats.org/drawingml/2006/main" xmlns:r="http://schemas.openxmlformats.org/officeDocument/2006/relationships" xmlns:p="http://schemas.openxmlformats.org/presentationml/2006/main">
   <p:cSld>
@@ -8599,7 +9140,7 @@
               </a:defRPr>
             </a:pPr>
             <a:r>
-              <a:t>Step 1: Verify OneDrive Sync</a:t>
+              <a:t>Step 7: Wait for Autopilot Setup</a:t>
             </a:r>
           </a:p>
         </p:txBody>
@@ -8612,8 +9153,8 @@
         </p:nvSpPr>
         <p:spPr>
           <a:xfrm>
-            <a:off x="1371600" y="914400"/>
-            <a:ext cx="6400800" cy="548640"/>
+            <a:off x="2639419" y="1647134"/>
+            <a:ext cx="3865162" cy="584775"/>
           </a:xfrm>
           <a:prstGeom prst="rect">
             <a:avLst/>
@@ -8635,8 +9176,24 @@
               </a:defRPr>
             </a:pPr>
             <a:r>
-              <a:t>Your files should sync automatically after sign-in</a:t>
-            </a:r>
+              <a:rPr dirty="0"/>
+              <a:t>⚠️ DO NOT turn off or restart your device!</a:t>
+            </a:r>
+            <a:endParaRPr lang="en-US" dirty="0"/>
+          </a:p>
+          <a:p>
+            <a:pPr algn="ctr">
+              <a:defRPr sz="1600" b="1">
+                <a:solidFill>
+                  <a:srgbClr val="D13438"/>
+                </a:solidFill>
+              </a:defRPr>
+            </a:pPr>
+            <a:r>
+              <a:rPr lang="en-US" dirty="0"/>
+              <a:t>⚠️ Ensure your Power Source is Connected!</a:t>
+            </a:r>
+            <a:endParaRPr dirty="0"/>
           </a:p>
         </p:txBody>
       </p:sp>
@@ -8648,8 +9205,8 @@
         </p:nvSpPr>
         <p:spPr>
           <a:xfrm>
-            <a:off x="1371600" y="1645920"/>
-            <a:ext cx="6400800" cy="2585323"/>
+            <a:off x="1371600" y="2378654"/>
+            <a:ext cx="6400800" cy="1477328"/>
           </a:xfrm>
           <a:prstGeom prst="rect">
             <a:avLst/>
@@ -8667,7 +9224,7 @@
             </a:pPr>
             <a:r>
               <a:rPr dirty="0"/>
-              <a:t>Look for the OneDrive cloud icon in system tray (bottom right)</a:t>
+              <a:t>Autopilot will now configure your device automatically</a:t>
             </a:r>
           </a:p>
           <a:p>
@@ -8676,7 +9233,7 @@
             </a:pPr>
             <a:r>
               <a:rPr dirty="0"/>
-              <a:t>Click the cloud icon to check sync status</a:t>
+              <a:t>You will see 'Setting up your device for work...'</a:t>
             </a:r>
           </a:p>
           <a:p>
@@ -8685,8 +9242,13 @@
             </a:pPr>
             <a:r>
               <a:rPr dirty="0"/>
-              <a:t>You should see 'Your files are syncing' or green checkmark</a:t>
-            </a:r>
+              <a:t>This process takes </a:t>
+            </a:r>
+            <a:r>
+              <a:rPr lang="en-US" dirty="0"/>
+              <a:t>can take upwards of an Hour</a:t>
+            </a:r>
+            <a:endParaRPr dirty="0"/>
           </a:p>
           <a:p>
             <a:pPr marL="365760" indent="-182880" algn="l">
@@ -8694,37 +9256,16 @@
             </a:pPr>
             <a:r>
               <a:rPr dirty="0"/>
-              <a:t>Open File Explorer - check Desktop, Documents, Pictures folders</a:t>
-            </a:r>
-          </a:p>
-          <a:p>
-            <a:pPr marL="0" indent="0">
-              <a:buNone/>
-            </a:pPr>
-            <a:endParaRPr lang="en-US" dirty="0"/>
-          </a:p>
-          <a:p>
-            <a:pPr marL="0" indent="0">
-              <a:buNone/>
-            </a:pPr>
-            <a:r>
-              <a:rPr dirty="0"/>
-              <a:t>✓ Files will download as you access them</a:t>
-            </a:r>
-          </a:p>
-          <a:p>
-            <a:pPr marL="0" indent="0">
-              <a:buNone/>
-            </a:pPr>
-            <a:endParaRPr lang="en-US" dirty="0"/>
-          </a:p>
-          <a:p>
-            <a:pPr marL="0" indent="0">
-              <a:buNone/>
-            </a:pPr>
-            <a:r>
-              <a:rPr dirty="0"/>
-              <a:t>💡 Large files may take time - prioritize what you need first</a:t>
+              <a:t>Your device may restart several times - this is normal</a:t>
+            </a:r>
+          </a:p>
+          <a:p>
+            <a:pPr marL="365760" indent="-182880" algn="l">
+              <a:buChar char="•"/>
+            </a:pPr>
+            <a:r>
+              <a:rPr dirty="0"/>
+              <a:t>Wait until you see the Windows sign-in screen</a:t>
             </a:r>
           </a:p>
         </p:txBody>
@@ -8738,6 +9279,401 @@
 </file>
 
 <file path=ppt/slides/slide25.xml><?xml version="1.0" encoding="utf-8"?>
+<p:sld xmlns:a="http://schemas.openxmlformats.org/drawingml/2006/main" xmlns:r="http://schemas.openxmlformats.org/officeDocument/2006/relationships" xmlns:p="http://schemas.openxmlformats.org/presentationml/2006/main">
+  <p:cSld>
+    <p:spTree>
+      <p:nvGrpSpPr>
+        <p:cNvPr id="1" name=""/>
+        <p:cNvGrpSpPr/>
+        <p:nvPr/>
+      </p:nvGrpSpPr>
+      <p:grpSpPr>
+        <a:xfrm>
+          <a:off x="0" y="0"/>
+          <a:ext cx="0" cy="0"/>
+          <a:chOff x="0" y="0"/>
+          <a:chExt cx="0" cy="0"/>
+        </a:xfrm>
+      </p:grpSpPr>
+      <p:sp>
+        <p:nvSpPr>
+          <p:cNvPr id="2" name="TextBox 1"/>
+          <p:cNvSpPr txBox="1"/>
+          <p:nvPr/>
+        </p:nvSpPr>
+        <p:spPr>
+          <a:xfrm>
+            <a:off x="914400" y="274320"/>
+            <a:ext cx="7315200" cy="769441"/>
+          </a:xfrm>
+          <a:prstGeom prst="rect">
+            <a:avLst/>
+          </a:prstGeom>
+          <a:noFill/>
+        </p:spPr>
+        <p:txBody>
+          <a:bodyPr wrap="square">
+            <a:spAutoFit/>
+          </a:bodyPr>
+          <a:lstStyle/>
+          <a:p>
+            <a:pPr marL="0" indent="0" algn="ctr">
+              <a:buNone/>
+              <a:defRPr sz="4400" b="1">
+                <a:solidFill>
+                  <a:srgbClr val="0078D4"/>
+                </a:solidFill>
+              </a:defRPr>
+            </a:pPr>
+            <a:r>
+              <a:rPr dirty="0"/>
+              <a:t>Sign In to Windows</a:t>
+            </a:r>
+          </a:p>
+        </p:txBody>
+      </p:sp>
+      <p:sp>
+        <p:nvSpPr>
+          <p:cNvPr id="3" name="TextBox 2"/>
+          <p:cNvSpPr txBox="1"/>
+          <p:nvPr/>
+        </p:nvSpPr>
+        <p:spPr>
+          <a:xfrm>
+            <a:off x="1371600" y="914400"/>
+            <a:ext cx="6400800" cy="548640"/>
+          </a:xfrm>
+          <a:prstGeom prst="rect">
+            <a:avLst/>
+          </a:prstGeom>
+          <a:noFill/>
+        </p:spPr>
+        <p:txBody>
+          <a:bodyPr wrap="none">
+            <a:spAutoFit/>
+          </a:bodyPr>
+          <a:lstStyle/>
+          <a:p>
+            <a:pPr marL="0" indent="0" algn="ctr">
+              <a:buNone/>
+              <a:defRPr sz="1600" b="1">
+                <a:solidFill>
+                  <a:srgbClr val="D13438"/>
+                </a:solidFill>
+              </a:defRPr>
+            </a:pPr>
+            <a:r>
+              <a:t>Final sign-in after Autopilot completes</a:t>
+            </a:r>
+          </a:p>
+        </p:txBody>
+      </p:sp>
+      <p:sp>
+        <p:nvSpPr>
+          <p:cNvPr id="4" name="TextBox 3"/>
+          <p:cNvSpPr txBox="1"/>
+          <p:nvPr/>
+        </p:nvSpPr>
+        <p:spPr>
+          <a:xfrm>
+            <a:off x="1371600" y="2480132"/>
+            <a:ext cx="6400800" cy="1200329"/>
+          </a:xfrm>
+          <a:prstGeom prst="rect">
+            <a:avLst/>
+          </a:prstGeom>
+          <a:noFill/>
+        </p:spPr>
+        <p:txBody>
+          <a:bodyPr wrap="square">
+            <a:spAutoFit/>
+          </a:bodyPr>
+          <a:lstStyle/>
+          <a:p>
+            <a:pPr marL="365760" indent="-182880">
+              <a:defRPr sz="1800" b="0"/>
+            </a:pPr>
+            <a:r>
+              <a:rPr dirty="0"/>
+              <a:t>At the Windows sign-in screen, enter your email:</a:t>
+            </a:r>
+            <a:endParaRPr lang="en-US" dirty="0"/>
+          </a:p>
+          <a:p>
+            <a:pPr marL="365760" indent="-182880">
+              <a:defRPr sz="1800" b="0"/>
+            </a:pPr>
+            <a:r>
+              <a:rPr lang="en-US" dirty="0"/>
+              <a:t>	</a:t>
+            </a:r>
+            <a:r>
+              <a:rPr b="1" u="sng" dirty="0" err="1"/>
+              <a:t>FirstName.LastName@impactpropertysolutions.com</a:t>
+            </a:r>
+            <a:endParaRPr b="1" u="sng" dirty="0"/>
+          </a:p>
+          <a:p>
+            <a:pPr marL="822960" lvl="1" indent="-182880">
+              <a:buChar char="•"/>
+            </a:pPr>
+            <a:r>
+              <a:rPr dirty="0"/>
+              <a:t>Enter your Microsoft 365 password</a:t>
+            </a:r>
+          </a:p>
+          <a:p>
+            <a:pPr marL="822960" lvl="1" indent="-182880">
+              <a:buChar char="•"/>
+            </a:pPr>
+            <a:r>
+              <a:rPr dirty="0"/>
+              <a:t>Complete MFA</a:t>
+            </a:r>
+            <a:r>
+              <a:rPr lang="en-US" dirty="0"/>
+              <a:t>/Password Reset</a:t>
+            </a:r>
+            <a:r>
+              <a:rPr dirty="0"/>
+              <a:t> </a:t>
+            </a:r>
+            <a:r>
+              <a:rPr lang="en-US" dirty="0"/>
+              <a:t>as </a:t>
+            </a:r>
+            <a:r>
+              <a:rPr dirty="0"/>
+              <a:t>prompted</a:t>
+            </a:r>
+          </a:p>
+        </p:txBody>
+      </p:sp>
+    </p:spTree>
+  </p:cSld>
+  <p:clrMapOvr>
+    <a:masterClrMapping/>
+  </p:clrMapOvr>
+</p:sld>
+</file>
+
+<file path=ppt/slides/slide26.xml><?xml version="1.0" encoding="utf-8"?>
+<p:sld xmlns:a="http://schemas.openxmlformats.org/drawingml/2006/main" xmlns:r="http://schemas.openxmlformats.org/officeDocument/2006/relationships" xmlns:p="http://schemas.openxmlformats.org/presentationml/2006/main">
+  <p:cSld>
+    <p:spTree>
+      <p:nvGrpSpPr>
+        <p:cNvPr id="1" name=""/>
+        <p:cNvGrpSpPr/>
+        <p:nvPr/>
+      </p:nvGrpSpPr>
+      <p:grpSpPr>
+        <a:xfrm>
+          <a:off x="0" y="0"/>
+          <a:ext cx="0" cy="0"/>
+          <a:chOff x="0" y="0"/>
+          <a:chExt cx="0" cy="0"/>
+        </a:xfrm>
+      </p:grpSpPr>
+      <p:sp>
+        <p:nvSpPr>
+          <p:cNvPr id="2" name="TextBox 1"/>
+          <p:cNvSpPr txBox="1"/>
+          <p:nvPr/>
+        </p:nvSpPr>
+        <p:spPr>
+          <a:xfrm>
+            <a:off x="914400" y="274320"/>
+            <a:ext cx="7315200" cy="769441"/>
+          </a:xfrm>
+          <a:prstGeom prst="rect">
+            <a:avLst/>
+          </a:prstGeom>
+          <a:noFill/>
+        </p:spPr>
+        <p:txBody>
+          <a:bodyPr wrap="square">
+            <a:spAutoFit/>
+          </a:bodyPr>
+          <a:lstStyle/>
+          <a:p>
+            <a:pPr marL="0" indent="0" algn="ctr">
+              <a:buNone/>
+              <a:defRPr sz="4400" b="1">
+                <a:solidFill>
+                  <a:srgbClr val="0078D4"/>
+                </a:solidFill>
+              </a:defRPr>
+            </a:pPr>
+            <a:r>
+              <a:t>Step 1: Verify OneDrive Sync</a:t>
+            </a:r>
+          </a:p>
+        </p:txBody>
+      </p:sp>
+      <p:sp>
+        <p:nvSpPr>
+          <p:cNvPr id="3" name="TextBox 2"/>
+          <p:cNvSpPr txBox="1"/>
+          <p:nvPr/>
+        </p:nvSpPr>
+        <p:spPr>
+          <a:xfrm>
+            <a:off x="1371600" y="914400"/>
+            <a:ext cx="6400800" cy="548640"/>
+          </a:xfrm>
+          <a:prstGeom prst="rect">
+            <a:avLst/>
+          </a:prstGeom>
+          <a:noFill/>
+        </p:spPr>
+        <p:txBody>
+          <a:bodyPr wrap="none">
+            <a:spAutoFit/>
+          </a:bodyPr>
+          <a:lstStyle/>
+          <a:p>
+            <a:pPr marL="0" indent="0" algn="ctr">
+              <a:buNone/>
+              <a:defRPr sz="1600" b="1">
+                <a:solidFill>
+                  <a:srgbClr val="D13438"/>
+                </a:solidFill>
+              </a:defRPr>
+            </a:pPr>
+            <a:r>
+              <a:t>Your files should sync automatically after sign-in</a:t>
+            </a:r>
+          </a:p>
+        </p:txBody>
+      </p:sp>
+      <p:sp>
+        <p:nvSpPr>
+          <p:cNvPr id="4" name="TextBox 3"/>
+          <p:cNvSpPr txBox="1"/>
+          <p:nvPr/>
+        </p:nvSpPr>
+        <p:spPr>
+          <a:xfrm>
+            <a:off x="0" y="1570505"/>
+            <a:ext cx="6400800" cy="2585323"/>
+          </a:xfrm>
+          <a:prstGeom prst="rect">
+            <a:avLst/>
+          </a:prstGeom>
+          <a:noFill/>
+        </p:spPr>
+        <p:txBody>
+          <a:bodyPr wrap="square">
+            <a:spAutoFit/>
+          </a:bodyPr>
+          <a:lstStyle/>
+          <a:p>
+            <a:pPr marL="365760" indent="-182880" algn="l">
+              <a:defRPr sz="1800" b="0"/>
+            </a:pPr>
+            <a:r>
+              <a:rPr dirty="0"/>
+              <a:t>Look for the OneDrive cloud icon in system tray (bottom right)</a:t>
+            </a:r>
+          </a:p>
+          <a:p>
+            <a:pPr marL="365760" indent="-182880" algn="l">
+              <a:buChar char="•"/>
+            </a:pPr>
+            <a:r>
+              <a:rPr dirty="0"/>
+              <a:t>Click the cloud icon to check sync status</a:t>
+            </a:r>
+          </a:p>
+          <a:p>
+            <a:pPr marL="365760" indent="-182880" algn="l">
+              <a:buChar char="•"/>
+            </a:pPr>
+            <a:r>
+              <a:rPr dirty="0"/>
+              <a:t>You should see 'Your files are syncing' or green checkmark</a:t>
+            </a:r>
+          </a:p>
+          <a:p>
+            <a:pPr marL="365760" indent="-182880" algn="l">
+              <a:buChar char="•"/>
+            </a:pPr>
+            <a:r>
+              <a:rPr dirty="0"/>
+              <a:t>Open File Explorer - check Desktop, Documents, Pictures folders</a:t>
+            </a:r>
+          </a:p>
+          <a:p>
+            <a:pPr marL="0" indent="0">
+              <a:buNone/>
+            </a:pPr>
+            <a:endParaRPr lang="en-US" dirty="0"/>
+          </a:p>
+          <a:p>
+            <a:pPr marL="0" indent="0">
+              <a:buNone/>
+            </a:pPr>
+            <a:r>
+              <a:rPr dirty="0"/>
+              <a:t>✓ Files will download as you access them</a:t>
+            </a:r>
+          </a:p>
+          <a:p>
+            <a:pPr marL="0" indent="0">
+              <a:buNone/>
+            </a:pPr>
+            <a:endParaRPr lang="en-US" dirty="0"/>
+          </a:p>
+          <a:p>
+            <a:pPr marL="0" indent="0">
+              <a:buNone/>
+            </a:pPr>
+            <a:r>
+              <a:rPr dirty="0"/>
+              <a:t>💡 Large files may take time - prioritize what you need first</a:t>
+            </a:r>
+          </a:p>
+        </p:txBody>
+      </p:sp>
+      <p:pic>
+        <p:nvPicPr>
+          <p:cNvPr id="7" name="Picture 6">
+            <a:extLst>
+              <a:ext uri="{FF2B5EF4-FFF2-40B4-BE49-F238E27FC236}">
+                <a16:creationId xmlns:a16="http://schemas.microsoft.com/office/drawing/2014/main" id="{69CBBC12-5FA3-26D5-2F90-319D42E06E3E}"/>
+              </a:ext>
+            </a:extLst>
+          </p:cNvPr>
+          <p:cNvPicPr>
+            <a:picLocks noChangeAspect="1"/>
+          </p:cNvPicPr>
+          <p:nvPr/>
+        </p:nvPicPr>
+        <p:blipFill>
+          <a:blip r:embed="rId3"/>
+          <a:stretch>
+            <a:fillRect/>
+          </a:stretch>
+        </p:blipFill>
+        <p:spPr>
+          <a:xfrm>
+            <a:off x="5902897" y="1908036"/>
+            <a:ext cx="3241103" cy="1910259"/>
+          </a:xfrm>
+          <a:prstGeom prst="rect">
+            <a:avLst/>
+          </a:prstGeom>
+        </p:spPr>
+      </p:pic>
+    </p:spTree>
+  </p:cSld>
+  <p:clrMapOvr>
+    <a:masterClrMapping/>
+  </p:clrMapOvr>
+</p:sld>
+</file>
+
+<file path=ppt/slides/slide27.xml><?xml version="1.0" encoding="utf-8"?>
 <p:sld xmlns:a="http://schemas.openxmlformats.org/drawingml/2006/main" xmlns:r="http://schemas.openxmlformats.org/officeDocument/2006/relationships" xmlns:p="http://schemas.openxmlformats.org/presentationml/2006/main">
   <p:cSld>
     <p:spTree>
@@ -8967,331 +9903,6 @@
 </p:sld>
 </file>
 
-<file path=ppt/slides/slide26.xml><?xml version="1.0" encoding="utf-8"?>
-<p:sld xmlns:a="http://schemas.openxmlformats.org/drawingml/2006/main" xmlns:r="http://schemas.openxmlformats.org/officeDocument/2006/relationships" xmlns:p="http://schemas.openxmlformats.org/presentationml/2006/main">
-  <p:cSld>
-    <p:spTree>
-      <p:nvGrpSpPr>
-        <p:cNvPr id="1" name=""/>
-        <p:cNvGrpSpPr/>
-        <p:nvPr/>
-      </p:nvGrpSpPr>
-      <p:grpSpPr>
-        <a:xfrm>
-          <a:off x="0" y="0"/>
-          <a:ext cx="0" cy="0"/>
-          <a:chOff x="0" y="0"/>
-          <a:chExt cx="0" cy="0"/>
-        </a:xfrm>
-      </p:grpSpPr>
-      <p:sp>
-        <p:nvSpPr>
-          <p:cNvPr id="2" name="TextBox 1"/>
-          <p:cNvSpPr txBox="1"/>
-          <p:nvPr/>
-        </p:nvSpPr>
-        <p:spPr>
-          <a:xfrm>
-            <a:off x="914400" y="274320"/>
-            <a:ext cx="7315200" cy="769441"/>
-          </a:xfrm>
-          <a:prstGeom prst="rect">
-            <a:avLst/>
-          </a:prstGeom>
-          <a:noFill/>
-        </p:spPr>
-        <p:txBody>
-          <a:bodyPr wrap="square">
-            <a:spAutoFit/>
-          </a:bodyPr>
-          <a:lstStyle/>
-          <a:p>
-            <a:pPr marL="0" indent="0" algn="ctr">
-              <a:buNone/>
-              <a:defRPr sz="4400" b="1">
-                <a:solidFill>
-                  <a:srgbClr val="0078D4"/>
-                </a:solidFill>
-              </a:defRPr>
-            </a:pPr>
-            <a:r>
-              <a:rPr dirty="0"/>
-              <a:t>Step 3: Import Bookmarks</a:t>
-            </a:r>
-          </a:p>
-        </p:txBody>
-      </p:sp>
-      <p:sp>
-        <p:nvSpPr>
-          <p:cNvPr id="4" name="TextBox 3"/>
-          <p:cNvSpPr txBox="1"/>
-          <p:nvPr/>
-        </p:nvSpPr>
-        <p:spPr>
-          <a:xfrm>
-            <a:off x="457199" y="1680555"/>
-            <a:ext cx="8146473" cy="2031325"/>
-          </a:xfrm>
-          <a:prstGeom prst="rect">
-            <a:avLst/>
-          </a:prstGeom>
-          <a:noFill/>
-        </p:spPr>
-        <p:txBody>
-          <a:bodyPr wrap="square">
-            <a:spAutoFit/>
-          </a:bodyPr>
-          <a:lstStyle/>
-          <a:p>
-            <a:pPr marL="365760" indent="-182880" algn="l">
-              <a:defRPr sz="1800" b="0"/>
-            </a:pPr>
-            <a:r>
-              <a:rPr dirty="0"/>
-              <a:t>Open browser Menu (three dots) → Bookmarks → Import</a:t>
-            </a:r>
-          </a:p>
-          <a:p>
-            <a:pPr marL="365760" indent="-182880" algn="l">
-              <a:buChar char="•"/>
-            </a:pPr>
-            <a:r>
-              <a:rPr dirty="0"/>
-              <a:t>Select 'Bookmarks HTML file'</a:t>
-            </a:r>
-          </a:p>
-          <a:p>
-            <a:pPr marL="365760" indent="-182880" algn="l">
-              <a:buChar char="•"/>
-            </a:pPr>
-            <a:r>
-              <a:rPr dirty="0"/>
-              <a:t>Navigate to OneDrive → Documents</a:t>
-            </a:r>
-          </a:p>
-          <a:p>
-            <a:pPr marL="365760" indent="-182880" algn="l">
-              <a:buChar char="•"/>
-            </a:pPr>
-            <a:r>
-              <a:rPr dirty="0"/>
-              <a:t>Select your exported bookmarks file</a:t>
-            </a:r>
-          </a:p>
-          <a:p>
-            <a:pPr marL="365760" indent="-182880" algn="l">
-              <a:buChar char="•"/>
-            </a:pPr>
-            <a:r>
-              <a:rPr dirty="0"/>
-              <a:t>Click Import</a:t>
-            </a:r>
-          </a:p>
-          <a:p>
-            <a:pPr marL="0" indent="0">
-              <a:buNone/>
-            </a:pPr>
-            <a:r>
-              <a:rPr dirty="0"/>
-              <a:t>For passwords: Settings → Passwords → Import (use saved CSV)</a:t>
-            </a:r>
-          </a:p>
-          <a:p>
-            <a:pPr marL="0" indent="0">
-              <a:buNone/>
-            </a:pPr>
-            <a:r>
-              <a:rPr dirty="0"/>
-              <a:t>⚠️ Delete the password CSV file after import!</a:t>
-            </a:r>
-          </a:p>
-        </p:txBody>
-      </p:sp>
-    </p:spTree>
-  </p:cSld>
-  <p:clrMapOvr>
-    <a:masterClrMapping/>
-  </p:clrMapOvr>
-</p:sld>
-</file>
-
-<file path=ppt/slides/slide27.xml><?xml version="1.0" encoding="utf-8"?>
-<p:sld xmlns:a="http://schemas.openxmlformats.org/drawingml/2006/main" xmlns:r="http://schemas.openxmlformats.org/officeDocument/2006/relationships" xmlns:p="http://schemas.openxmlformats.org/presentationml/2006/main">
-  <p:cSld>
-    <p:spTree>
-      <p:nvGrpSpPr>
-        <p:cNvPr id="1" name=""/>
-        <p:cNvGrpSpPr/>
-        <p:nvPr/>
-      </p:nvGrpSpPr>
-      <p:grpSpPr>
-        <a:xfrm>
-          <a:off x="0" y="0"/>
-          <a:ext cx="0" cy="0"/>
-          <a:chOff x="0" y="0"/>
-          <a:chExt cx="0" cy="0"/>
-        </a:xfrm>
-      </p:grpSpPr>
-      <p:sp>
-        <p:nvSpPr>
-          <p:cNvPr id="2" name="TextBox 1"/>
-          <p:cNvSpPr txBox="1"/>
-          <p:nvPr/>
-        </p:nvSpPr>
-        <p:spPr>
-          <a:xfrm>
-            <a:off x="914400" y="274320"/>
-            <a:ext cx="7315200" cy="769441"/>
-          </a:xfrm>
-          <a:prstGeom prst="rect">
-            <a:avLst/>
-          </a:prstGeom>
-          <a:noFill/>
-        </p:spPr>
-        <p:txBody>
-          <a:bodyPr wrap="square">
-            <a:spAutoFit/>
-          </a:bodyPr>
-          <a:lstStyle/>
-          <a:p>
-            <a:pPr marL="0" indent="0" algn="ctr">
-              <a:buNone/>
-              <a:defRPr sz="4400" b="1">
-                <a:solidFill>
-                  <a:srgbClr val="0078D4"/>
-                </a:solidFill>
-              </a:defRPr>
-            </a:pPr>
-            <a:r>
-              <a:t>Step 4: Restore Printers</a:t>
-            </a:r>
-          </a:p>
-        </p:txBody>
-      </p:sp>
-      <p:sp>
-        <p:nvSpPr>
-          <p:cNvPr id="3" name="TextBox 2"/>
-          <p:cNvSpPr txBox="1"/>
-          <p:nvPr/>
-        </p:nvSpPr>
-        <p:spPr>
-          <a:xfrm>
-            <a:off x="1371600" y="1205344"/>
-            <a:ext cx="6400800" cy="548640"/>
-          </a:xfrm>
-          <a:prstGeom prst="rect">
-            <a:avLst/>
-          </a:prstGeom>
-          <a:noFill/>
-        </p:spPr>
-        <p:txBody>
-          <a:bodyPr wrap="none">
-            <a:spAutoFit/>
-          </a:bodyPr>
-          <a:lstStyle/>
-          <a:p>
-            <a:pPr marL="0" indent="0" algn="ctr">
-              <a:buNone/>
-              <a:defRPr sz="1600" b="1">
-                <a:solidFill>
-                  <a:srgbClr val="D13438"/>
-                </a:solidFill>
-              </a:defRPr>
-            </a:pPr>
-            <a:r>
-              <a:rPr dirty="0"/>
-              <a:t>Use your screenshot from Phase 1 to re-add printers</a:t>
-            </a:r>
-          </a:p>
-        </p:txBody>
-      </p:sp>
-      <p:sp>
-        <p:nvSpPr>
-          <p:cNvPr id="4" name="TextBox 3"/>
-          <p:cNvSpPr txBox="1"/>
-          <p:nvPr/>
-        </p:nvSpPr>
-        <p:spPr>
-          <a:xfrm>
-            <a:off x="1371600" y="1645920"/>
-            <a:ext cx="6400800" cy="2308324"/>
-          </a:xfrm>
-          <a:prstGeom prst="rect">
-            <a:avLst/>
-          </a:prstGeom>
-          <a:noFill/>
-        </p:spPr>
-        <p:txBody>
-          <a:bodyPr wrap="square">
-            <a:spAutoFit/>
-          </a:bodyPr>
-          <a:lstStyle/>
-          <a:p>
-            <a:pPr marL="365760" indent="-182880" algn="l">
-              <a:defRPr sz="1800" b="0"/>
-            </a:pPr>
-            <a:r>
-              <a:t>Open your printer screenshot from OneDrive → Documents</a:t>
-            </a:r>
-          </a:p>
-          <a:p>
-            <a:pPr marL="365760" indent="-182880" algn="l">
-              <a:buChar char="•"/>
-            </a:pPr>
-            <a:r>
-              <a:t>Go to Settings → Devices → Printers &amp; scanners</a:t>
-            </a:r>
-          </a:p>
-          <a:p>
-            <a:pPr marL="365760" indent="-182880" algn="l">
-              <a:buChar char="•"/>
-            </a:pPr>
-            <a:r>
-              <a:t>Click 'Add a printer or scanner'</a:t>
-            </a:r>
-          </a:p>
-          <a:p>
-            <a:pPr marL="365760" indent="-182880" algn="l">
-              <a:buChar char="•"/>
-            </a:pPr>
-            <a:r>
-              <a:t>Select each printer from the list that matches your screenshot</a:t>
-            </a:r>
-          </a:p>
-          <a:p>
-            <a:pPr marL="365760" indent="-182880" algn="l">
-              <a:buChar char="•"/>
-            </a:pPr>
-            <a:r>
-              <a:t>If printer not found, click 'The printer I want isn't listed'</a:t>
-            </a:r>
-          </a:p>
-          <a:p>
-            <a:pPr marL="0" indent="0">
-              <a:buNone/>
-            </a:pPr>
-            <a:r>
-              <a:t>Enter printer IP address or name from screenshot</a:t>
-            </a:r>
-          </a:p>
-          <a:p>
-            <a:pPr marL="0" indent="0">
-              <a:buNone/>
-            </a:pPr>
-            <a:r>
-              <a:t>💡 Contact IT if you need help locating network printers</a:t>
-            </a:r>
-          </a:p>
-        </p:txBody>
-      </p:sp>
-    </p:spTree>
-  </p:cSld>
-  <p:clrMapOvr>
-    <a:masterClrMapping/>
-  </p:clrMapOvr>
-</p:sld>
-</file>
-
 <file path=ppt/slides/slide28.xml><?xml version="1.0" encoding="utf-8"?>
 <p:sld xmlns:a="http://schemas.openxmlformats.org/drawingml/2006/main" xmlns:r="http://schemas.openxmlformats.org/officeDocument/2006/relationships" xmlns:p="http://schemas.openxmlformats.org/presentationml/2006/main">
   <p:cSld>
@@ -9341,29 +9952,21 @@
             </a:pPr>
             <a:r>
               <a:rPr dirty="0"/>
-              <a:t>Step 5: </a:t>
-            </a:r>
-            <a:r>
-              <a:rPr lang="en-US" dirty="0"/>
-              <a:t>Attach</a:t>
-            </a:r>
-            <a:r>
-              <a:rPr dirty="0"/>
-              <a:t> Outlook PST</a:t>
-            </a:r>
-          </a:p>
-        </p:txBody>
-      </p:sp>
-      <p:sp>
-        <p:nvSpPr>
-          <p:cNvPr id="3" name="TextBox 2"/>
+              <a:t>Step 3: Import Bookmarks</a:t>
+            </a:r>
+          </a:p>
+        </p:txBody>
+      </p:sp>
+      <p:sp>
+        <p:nvSpPr>
+          <p:cNvPr id="4" name="TextBox 3"/>
           <p:cNvSpPr txBox="1"/>
           <p:nvPr/>
         </p:nvSpPr>
         <p:spPr>
           <a:xfrm>
-            <a:off x="1371600" y="1503219"/>
-            <a:ext cx="6400800" cy="548640"/>
+            <a:off x="457199" y="1680555"/>
+            <a:ext cx="8146473" cy="2031325"/>
           </a:xfrm>
           <a:prstGeom prst="rect">
             <a:avLst/>
@@ -9371,43 +9974,6 @@
           <a:noFill/>
         </p:spPr>
         <p:txBody>
-          <a:bodyPr wrap="none">
-            <a:spAutoFit/>
-          </a:bodyPr>
-          <a:lstStyle/>
-          <a:p>
-            <a:pPr marL="0" indent="0" algn="ctr">
-              <a:buNone/>
-              <a:defRPr sz="1600" b="1">
-                <a:solidFill>
-                  <a:srgbClr val="D13438"/>
-                </a:solidFill>
-              </a:defRPr>
-            </a:pPr>
-            <a:r>
-              <a:rPr dirty="0"/>
-              <a:t>⚠️ Only if you had PST files backed up in Phase 1</a:t>
-            </a:r>
-          </a:p>
-        </p:txBody>
-      </p:sp>
-      <p:sp>
-        <p:nvSpPr>
-          <p:cNvPr id="4" name="TextBox 3"/>
-          <p:cNvSpPr txBox="1"/>
-          <p:nvPr/>
-        </p:nvSpPr>
-        <p:spPr>
-          <a:xfrm>
-            <a:off x="1371600" y="2234739"/>
-            <a:ext cx="6400800" cy="2308324"/>
-          </a:xfrm>
-          <a:prstGeom prst="rect">
-            <a:avLst/>
-          </a:prstGeom>
-          <a:noFill/>
-        </p:spPr>
-        <p:txBody>
           <a:bodyPr wrap="square">
             <a:spAutoFit/>
           </a:bodyPr>
@@ -9418,7 +9984,7 @@
             </a:pPr>
             <a:r>
               <a:rPr dirty="0"/>
-              <a:t>Open Outlook and wait for mailbox to fully sync</a:t>
+              <a:t>Open browser Menu (three dots) → Bookmarks → Import</a:t>
             </a:r>
           </a:p>
           <a:p>
@@ -9427,7 +9993,7 @@
             </a:pPr>
             <a:r>
               <a:rPr dirty="0"/>
-              <a:t>Go to File → Open &amp; Export → Open Outlook Data File</a:t>
+              <a:t>Select 'Bookmarks HTML file'</a:t>
             </a:r>
           </a:p>
           <a:p>
@@ -9445,15 +10011,7 @@
             </a:pPr>
             <a:r>
               <a:rPr dirty="0"/>
-              <a:t>Select your backed up .</a:t>
-            </a:r>
-            <a:r>
-              <a:rPr dirty="0" err="1"/>
-              <a:t>pst</a:t>
-            </a:r>
-            <a:r>
-              <a:rPr dirty="0"/>
-              <a:t> file</a:t>
+              <a:t>Select your exported bookmarks file</a:t>
             </a:r>
           </a:p>
           <a:p>
@@ -9462,14 +10020,17 @@
             </a:pPr>
             <a:r>
               <a:rPr dirty="0"/>
-              <a:t>Click OK - the PST will appear in your folder list</a:t>
+              <a:t>Click Import</a:t>
             </a:r>
           </a:p>
           <a:p>
             <a:pPr marL="0" indent="0">
               <a:buNone/>
             </a:pPr>
-            <a:endParaRPr lang="en-US" dirty="0"/>
+            <a:r>
+              <a:rPr dirty="0"/>
+              <a:t>For passwords: Settings → Passwords → Import (use saved CSV)</a:t>
+            </a:r>
           </a:p>
           <a:p>
             <a:pPr marL="0" indent="0">
@@ -9477,16 +10038,7 @@
             </a:pPr>
             <a:r>
               <a:rPr dirty="0"/>
-              <a:t>💡 PST folders appear at bottom of folder pane</a:t>
-            </a:r>
-          </a:p>
-          <a:p>
-            <a:pPr marL="0" indent="0">
-              <a:buNone/>
-            </a:pPr>
-            <a:r>
-              <a:rPr dirty="0"/>
-              <a:t>💡 You can drag emails from PST to your main mailbox if needed</a:t>
+              <a:t>⚠️ Delete the password CSV file after import!</a:t>
             </a:r>
           </a:p>
         </p:txBody>
@@ -9547,7 +10099,7 @@
               </a:defRPr>
             </a:pPr>
             <a:r>
-              <a:t>Restoration Checklist</a:t>
+              <a:t>Step 4: Restore Printers</a:t>
             </a:r>
           </a:p>
         </p:txBody>
@@ -9560,8 +10112,8 @@
         </p:nvSpPr>
         <p:spPr>
           <a:xfrm>
-            <a:off x="1371600" y="1097280"/>
-            <a:ext cx="6400800" cy="2585323"/>
+            <a:off x="1371600" y="1205344"/>
+            <a:ext cx="6400800" cy="548640"/>
           </a:xfrm>
           <a:prstGeom prst="rect">
             <a:avLst/>
@@ -9569,136 +10121,23 @@
           <a:noFill/>
         </p:spPr>
         <p:txBody>
-          <a:bodyPr wrap="square">
+          <a:bodyPr wrap="none">
             <a:spAutoFit/>
           </a:bodyPr>
           <a:lstStyle/>
           <a:p>
-            <a:pPr marL="0" indent="0">
+            <a:pPr marL="0" indent="0" algn="ctr">
               <a:buNone/>
-              <a:defRPr sz="1800" b="1">
+              <a:defRPr sz="1600" b="1">
                 <a:solidFill>
-                  <a:srgbClr val="107C10"/>
+                  <a:srgbClr val="D13438"/>
                 </a:solidFill>
               </a:defRPr>
             </a:pPr>
             <a:r>
               <a:rPr dirty="0"/>
-              <a:t>☐ OneDrive syncing and files accessible</a:t>
-            </a:r>
-          </a:p>
-          <a:p>
-            <a:pPr marL="0" indent="0">
-              <a:buNone/>
-            </a:pPr>
-            <a:r>
-              <a:rPr dirty="0"/>
-              <a:t>☐ Browser signed in and bookmarks restored</a:t>
-            </a:r>
-          </a:p>
-          <a:p>
-            <a:pPr marL="0" indent="0">
-              <a:buNone/>
-            </a:pPr>
-            <a:r>
-              <a:rPr dirty="0"/>
-              <a:t>☐ Browser passwords </a:t>
-            </a:r>
-            <a:r>
-              <a:rPr lang="en-US" dirty="0"/>
-              <a:t>and bookmarks </a:t>
-            </a:r>
-          </a:p>
-          <a:p>
-            <a:pPr marL="285750" indent="-285750">
-              <a:buFont typeface="Arial" panose="020B0604020202020204" pitchFamily="34" charset="0"/>
-              <a:buChar char="•"/>
-            </a:pPr>
-            <a:r>
-              <a:rPr lang="en-US" dirty="0"/>
-              <a:t>Imported synchronized from OneDrive Account </a:t>
-            </a:r>
-          </a:p>
-          <a:p>
-            <a:pPr marL="285750" indent="-285750">
-              <a:buFont typeface="Arial" panose="020B0604020202020204" pitchFamily="34" charset="0"/>
-              <a:buChar char="•"/>
-            </a:pPr>
-            <a:r>
-              <a:rPr lang="en-US" dirty="0"/>
-              <a:t>I</a:t>
-            </a:r>
-            <a:r>
-              <a:rPr dirty="0"/>
-              <a:t>mported from</a:t>
-            </a:r>
-            <a:r>
-              <a:rPr lang="en-US" dirty="0"/>
-              <a:t> Backup in Phase 1</a:t>
-            </a:r>
-            <a:endParaRPr dirty="0"/>
-          </a:p>
-          <a:p>
-            <a:pPr marL="0" indent="0">
-              <a:buNone/>
-            </a:pPr>
-            <a:r>
-              <a:rPr dirty="0"/>
-              <a:t>☐ Printers re-added and tested</a:t>
-            </a:r>
-          </a:p>
-          <a:p>
-            <a:pPr marL="0" indent="0">
-              <a:buNone/>
-            </a:pPr>
-            <a:r>
-              <a:rPr dirty="0"/>
-              <a:t>☐ Outlook PST files </a:t>
-            </a:r>
-            <a:r>
-              <a:rPr lang="en-US" dirty="0"/>
-              <a:t>attached </a:t>
-            </a:r>
-            <a:r>
-              <a:rPr dirty="0"/>
-              <a:t>(if applicable)</a:t>
-            </a:r>
-          </a:p>
-          <a:p>
-            <a:pPr marL="0" indent="0">
-              <a:buNone/>
-            </a:pPr>
-            <a:r>
-              <a:rPr dirty="0"/>
-              <a:t>☐ Password</a:t>
-            </a:r>
-            <a:r>
-              <a:rPr lang="en-US" dirty="0"/>
-              <a:t>/Bookmarks</a:t>
-            </a:r>
-            <a:r>
-              <a:rPr dirty="0"/>
-              <a:t> deleted from OneDrive</a:t>
-            </a:r>
-            <a:r>
-              <a:rPr lang="en-US" dirty="0"/>
-              <a:t> backup</a:t>
-            </a:r>
-            <a:endParaRPr dirty="0"/>
-          </a:p>
-          <a:p>
-            <a:pPr marL="0" indent="0">
-              <a:buNone/>
-            </a:pPr>
-            <a:r>
-              <a:rPr dirty="0"/>
-              <a:t>☐ Key applications </a:t>
-            </a:r>
-            <a:r>
-              <a:rPr lang="en-US" dirty="0"/>
-              <a:t>Tested </a:t>
-            </a:r>
-            <a:endParaRPr dirty="0"/>
+              <a:t>Use your screenshot from Phase 1 to re-add printers</a:t>
+            </a:r>
           </a:p>
         </p:txBody>
       </p:sp>
@@ -9710,8 +10149,8 @@
         </p:nvSpPr>
         <p:spPr>
           <a:xfrm>
-            <a:off x="0" y="3698240"/>
-            <a:ext cx="9144000" cy="400110"/>
+            <a:off x="1371600" y="1645920"/>
+            <a:ext cx="6400800" cy="2308324"/>
           </a:xfrm>
           <a:prstGeom prst="rect">
             <a:avLst/>
@@ -9724,25 +10163,81 @@
           </a:bodyPr>
           <a:lstStyle/>
           <a:p>
-            <a:pPr marL="0" indent="0" algn="ctr">
+            <a:pPr marL="365760" indent="-182880" algn="l">
+              <a:defRPr sz="1800" b="0"/>
+            </a:pPr>
+            <a:r>
+              <a:rPr dirty="0"/>
+              <a:t>Open your printer screenshot from OneDrive → Documents</a:t>
+            </a:r>
+          </a:p>
+          <a:p>
+            <a:pPr marL="365760" indent="-182880" algn="l">
+              <a:buChar char="•"/>
+            </a:pPr>
+            <a:r>
+              <a:rPr dirty="0"/>
+              <a:t>Go to Settings → Devices → Printers &amp; scanners</a:t>
+            </a:r>
+          </a:p>
+          <a:p>
+            <a:pPr marL="365760" indent="-182880" algn="l">
+              <a:buChar char="•"/>
+            </a:pPr>
+            <a:r>
+              <a:rPr dirty="0"/>
+              <a:t>Click 'Add a printer or scanner'</a:t>
+            </a:r>
+          </a:p>
+          <a:p>
+            <a:pPr marL="365760" indent="-182880" algn="l">
+              <a:buChar char="•"/>
+            </a:pPr>
+            <a:r>
+              <a:rPr dirty="0"/>
+              <a:t>Select each printer from the list that matches your screenshot</a:t>
+            </a:r>
+          </a:p>
+          <a:p>
+            <a:pPr marL="365760" indent="-182880" algn="l">
+              <a:buChar char="•"/>
+            </a:pPr>
+            <a:r>
+              <a:rPr dirty="0"/>
+              <a:t>If printer not found, click 'The printer I want isn't listed'</a:t>
+            </a:r>
+          </a:p>
+          <a:p>
+            <a:pPr marL="742950" lvl="1" indent="-285750">
+              <a:buFont typeface="Arial" panose="020B0604020202020204" pitchFamily="34" charset="0"/>
+              <a:buChar char="•"/>
+            </a:pPr>
+            <a:r>
+              <a:rPr dirty="0"/>
+              <a:t>Enter printer IP address or name from screenshot</a:t>
+            </a:r>
+          </a:p>
+          <a:p>
+            <a:pPr marL="0" indent="0">
               <a:buNone/>
-              <a:defRPr sz="1800" b="1">
-                <a:solidFill>
-                  <a:srgbClr val="D13438"/>
-                </a:solidFill>
-              </a:defRPr>
-            </a:pPr>
-            <a:r>
-              <a:rPr sz="2000" dirty="0"/>
-              <a:t>✅ Migration Complete!</a:t>
-            </a:r>
-            <a:r>
-              <a:rPr lang="en-US" sz="2000" dirty="0"/>
-              <a:t> </a:t>
-            </a:r>
-            <a:r>
-              <a:rPr sz="2000" dirty="0"/>
-              <a:t>✅</a:t>
+            </a:pPr>
+            <a:endParaRPr lang="en-US" dirty="0"/>
+          </a:p>
+          <a:p>
+            <a:pPr marL="0" indent="0">
+              <a:buNone/>
+            </a:pPr>
+            <a:r>
+              <a:rPr dirty="0"/>
+              <a:t>💡 </a:t>
+            </a:r>
+            <a:r>
+              <a:rPr lang="en-US" dirty="0"/>
+              <a:t>Send a Message to Chat </a:t>
+            </a:r>
+            <a:r>
+              <a:rPr dirty="0"/>
+              <a:t>if you need help locating printers</a:t>
             </a:r>
           </a:p>
         </p:txBody>
@@ -9851,7 +10346,7 @@
         </p:nvSpPr>
         <p:spPr>
           <a:xfrm>
-            <a:off x="1371600" y="1645920"/>
+            <a:off x="0" y="1372137"/>
             <a:ext cx="6400800" cy="2308324"/>
           </a:xfrm>
           <a:prstGeom prst="rect">
@@ -9972,6 +10467,829 @@
             <a:r>
               <a:rPr dirty="0"/>
               <a:t>Click 'Start backup' and wait for green checkmark ✓</a:t>
+            </a:r>
+          </a:p>
+        </p:txBody>
+      </p:sp>
+      <p:pic>
+        <p:nvPicPr>
+          <p:cNvPr id="5" name="Picture 4">
+            <a:extLst>
+              <a:ext uri="{FF2B5EF4-FFF2-40B4-BE49-F238E27FC236}">
+                <a16:creationId xmlns:a16="http://schemas.microsoft.com/office/drawing/2014/main" id="{530FC905-3728-8A95-4EDE-2A1C07482BFF}"/>
+              </a:ext>
+            </a:extLst>
+          </p:cNvPr>
+          <p:cNvPicPr>
+            <a:picLocks noChangeAspect="1"/>
+          </p:cNvPicPr>
+          <p:nvPr/>
+        </p:nvPicPr>
+        <p:blipFill>
+          <a:blip r:embed="rId3"/>
+          <a:stretch>
+            <a:fillRect/>
+          </a:stretch>
+        </p:blipFill>
+        <p:spPr>
+          <a:xfrm>
+            <a:off x="6201397" y="3383895"/>
+            <a:ext cx="2868087" cy="1690409"/>
+          </a:xfrm>
+          <a:prstGeom prst="rect">
+            <a:avLst/>
+          </a:prstGeom>
+        </p:spPr>
+      </p:pic>
+      <p:pic>
+        <p:nvPicPr>
+          <p:cNvPr id="7" name="Picture 6">
+            <a:extLst>
+              <a:ext uri="{FF2B5EF4-FFF2-40B4-BE49-F238E27FC236}">
+                <a16:creationId xmlns:a16="http://schemas.microsoft.com/office/drawing/2014/main" id="{F6FBC68D-44F7-11E5-3BBB-5CC72609D2FC}"/>
+              </a:ext>
+            </a:extLst>
+          </p:cNvPr>
+          <p:cNvPicPr>
+            <a:picLocks noChangeAspect="1"/>
+          </p:cNvPicPr>
+          <p:nvPr/>
+        </p:nvPicPr>
+        <p:blipFill>
+          <a:blip r:embed="rId4"/>
+          <a:stretch>
+            <a:fillRect/>
+          </a:stretch>
+        </p:blipFill>
+        <p:spPr>
+          <a:xfrm>
+            <a:off x="74516" y="3532177"/>
+            <a:ext cx="2660973" cy="1393843"/>
+          </a:xfrm>
+          <a:prstGeom prst="rect">
+            <a:avLst/>
+          </a:prstGeom>
+        </p:spPr>
+      </p:pic>
+    </p:spTree>
+  </p:cSld>
+  <p:clrMapOvr>
+    <a:masterClrMapping/>
+  </p:clrMapOvr>
+</p:sld>
+</file>
+
+<file path=ppt/slides/slide30.xml><?xml version="1.0" encoding="utf-8"?>
+<p:sld xmlns:a="http://schemas.openxmlformats.org/drawingml/2006/main" xmlns:r="http://schemas.openxmlformats.org/officeDocument/2006/relationships" xmlns:p="http://schemas.openxmlformats.org/presentationml/2006/main">
+  <p:cSld>
+    <p:spTree>
+      <p:nvGrpSpPr>
+        <p:cNvPr id="1" name=""/>
+        <p:cNvGrpSpPr/>
+        <p:nvPr/>
+      </p:nvGrpSpPr>
+      <p:grpSpPr>
+        <a:xfrm>
+          <a:off x="0" y="0"/>
+          <a:ext cx="0" cy="0"/>
+          <a:chOff x="0" y="0"/>
+          <a:chExt cx="0" cy="0"/>
+        </a:xfrm>
+      </p:grpSpPr>
+      <p:sp>
+        <p:nvSpPr>
+          <p:cNvPr id="2" name="TextBox 1"/>
+          <p:cNvSpPr txBox="1"/>
+          <p:nvPr/>
+        </p:nvSpPr>
+        <p:spPr>
+          <a:xfrm>
+            <a:off x="914400" y="274320"/>
+            <a:ext cx="7315200" cy="769441"/>
+          </a:xfrm>
+          <a:prstGeom prst="rect">
+            <a:avLst/>
+          </a:prstGeom>
+          <a:noFill/>
+        </p:spPr>
+        <p:txBody>
+          <a:bodyPr wrap="square">
+            <a:spAutoFit/>
+          </a:bodyPr>
+          <a:lstStyle/>
+          <a:p>
+            <a:pPr marL="0" indent="0" algn="ctr">
+              <a:buNone/>
+              <a:defRPr sz="4400" b="1">
+                <a:solidFill>
+                  <a:srgbClr val="0078D4"/>
+                </a:solidFill>
+              </a:defRPr>
+            </a:pPr>
+            <a:r>
+              <a:rPr dirty="0"/>
+              <a:t>Step 5: </a:t>
+            </a:r>
+            <a:r>
+              <a:rPr lang="en-US" dirty="0"/>
+              <a:t>Attach</a:t>
+            </a:r>
+            <a:r>
+              <a:rPr dirty="0"/>
+              <a:t> Outlook PST</a:t>
+            </a:r>
+          </a:p>
+        </p:txBody>
+      </p:sp>
+      <p:sp>
+        <p:nvSpPr>
+          <p:cNvPr id="3" name="TextBox 2"/>
+          <p:cNvSpPr txBox="1"/>
+          <p:nvPr/>
+        </p:nvSpPr>
+        <p:spPr>
+          <a:xfrm>
+            <a:off x="1371600" y="1503219"/>
+            <a:ext cx="6400800" cy="548640"/>
+          </a:xfrm>
+          <a:prstGeom prst="rect">
+            <a:avLst/>
+          </a:prstGeom>
+          <a:noFill/>
+        </p:spPr>
+        <p:txBody>
+          <a:bodyPr wrap="none">
+            <a:spAutoFit/>
+          </a:bodyPr>
+          <a:lstStyle/>
+          <a:p>
+            <a:pPr marL="0" indent="0" algn="ctr">
+              <a:buNone/>
+              <a:defRPr sz="1600" b="1">
+                <a:solidFill>
+                  <a:srgbClr val="D13438"/>
+                </a:solidFill>
+              </a:defRPr>
+            </a:pPr>
+            <a:r>
+              <a:rPr dirty="0"/>
+              <a:t>⚠️ Only if you had PST files backed up in Phase 1</a:t>
+            </a:r>
+          </a:p>
+        </p:txBody>
+      </p:sp>
+      <p:sp>
+        <p:nvSpPr>
+          <p:cNvPr id="4" name="TextBox 3"/>
+          <p:cNvSpPr txBox="1"/>
+          <p:nvPr/>
+        </p:nvSpPr>
+        <p:spPr>
+          <a:xfrm>
+            <a:off x="1371600" y="2234739"/>
+            <a:ext cx="6400800" cy="2308324"/>
+          </a:xfrm>
+          <a:prstGeom prst="rect">
+            <a:avLst/>
+          </a:prstGeom>
+          <a:noFill/>
+        </p:spPr>
+        <p:txBody>
+          <a:bodyPr wrap="square">
+            <a:spAutoFit/>
+          </a:bodyPr>
+          <a:lstStyle/>
+          <a:p>
+            <a:pPr marL="365760" indent="-182880" algn="l">
+              <a:defRPr sz="1800" b="0"/>
+            </a:pPr>
+            <a:r>
+              <a:rPr dirty="0"/>
+              <a:t>Open Outlook and wait for mailbox to fully sync</a:t>
+            </a:r>
+          </a:p>
+          <a:p>
+            <a:pPr marL="365760" indent="-182880" algn="l">
+              <a:buChar char="•"/>
+            </a:pPr>
+            <a:r>
+              <a:rPr dirty="0"/>
+              <a:t>Go to File → Open &amp; Export → Open Outlook Data File</a:t>
+            </a:r>
+          </a:p>
+          <a:p>
+            <a:pPr marL="365760" indent="-182880" algn="l">
+              <a:buChar char="•"/>
+            </a:pPr>
+            <a:r>
+              <a:rPr dirty="0"/>
+              <a:t>Navigate to OneDrive → Documents</a:t>
+            </a:r>
+          </a:p>
+          <a:p>
+            <a:pPr marL="365760" indent="-182880" algn="l">
+              <a:buChar char="•"/>
+            </a:pPr>
+            <a:r>
+              <a:rPr dirty="0"/>
+              <a:t>Select your backed up .</a:t>
+            </a:r>
+            <a:r>
+              <a:rPr dirty="0" err="1"/>
+              <a:t>pst</a:t>
+            </a:r>
+            <a:r>
+              <a:rPr dirty="0"/>
+              <a:t> file</a:t>
+            </a:r>
+          </a:p>
+          <a:p>
+            <a:pPr marL="365760" indent="-182880" algn="l">
+              <a:buChar char="•"/>
+            </a:pPr>
+            <a:r>
+              <a:rPr dirty="0"/>
+              <a:t>Click OK - the PST will appear in your folder list</a:t>
+            </a:r>
+          </a:p>
+          <a:p>
+            <a:pPr marL="0" indent="0">
+              <a:buNone/>
+            </a:pPr>
+            <a:endParaRPr lang="en-US" dirty="0"/>
+          </a:p>
+          <a:p>
+            <a:pPr marL="0" indent="0">
+              <a:buNone/>
+            </a:pPr>
+            <a:r>
+              <a:rPr dirty="0"/>
+              <a:t>💡 PST folders appear at bottom of folder pane</a:t>
+            </a:r>
+          </a:p>
+          <a:p>
+            <a:pPr marL="0" indent="0">
+              <a:buNone/>
+            </a:pPr>
+            <a:r>
+              <a:rPr dirty="0"/>
+              <a:t>💡 You can drag emails from PST to your main mailbox if needed</a:t>
+            </a:r>
+          </a:p>
+        </p:txBody>
+      </p:sp>
+    </p:spTree>
+  </p:cSld>
+  <p:clrMapOvr>
+    <a:masterClrMapping/>
+  </p:clrMapOvr>
+</p:sld>
+</file>
+
+<file path=ppt/slides/slide31.xml><?xml version="1.0" encoding="utf-8"?>
+<p:sld xmlns:a="http://schemas.openxmlformats.org/drawingml/2006/main" xmlns:r="http://schemas.openxmlformats.org/officeDocument/2006/relationships" xmlns:p="http://schemas.openxmlformats.org/presentationml/2006/main">
+  <p:cSld>
+    <p:spTree>
+      <p:nvGrpSpPr>
+        <p:cNvPr id="1" name=""/>
+        <p:cNvGrpSpPr/>
+        <p:nvPr/>
+      </p:nvGrpSpPr>
+      <p:grpSpPr>
+        <a:xfrm>
+          <a:off x="0" y="0"/>
+          <a:ext cx="0" cy="0"/>
+          <a:chOff x="0" y="0"/>
+          <a:chExt cx="0" cy="0"/>
+        </a:xfrm>
+      </p:grpSpPr>
+      <p:sp>
+        <p:nvSpPr>
+          <p:cNvPr id="3" name="TextBox 2">
+            <a:extLst>
+              <a:ext uri="{FF2B5EF4-FFF2-40B4-BE49-F238E27FC236}">
+                <a16:creationId xmlns:a16="http://schemas.microsoft.com/office/drawing/2014/main" id="{CE7C2E47-CA81-5269-2740-8376A6F86BB6}"/>
+              </a:ext>
+            </a:extLst>
+          </p:cNvPr>
+          <p:cNvSpPr txBox="1"/>
+          <p:nvPr/>
+        </p:nvSpPr>
+        <p:spPr>
+          <a:xfrm>
+            <a:off x="278090" y="1253766"/>
+            <a:ext cx="8587819" cy="646331"/>
+          </a:xfrm>
+          <a:prstGeom prst="rect">
+            <a:avLst/>
+          </a:prstGeom>
+          <a:noFill/>
+        </p:spPr>
+        <p:txBody>
+          <a:bodyPr wrap="square">
+            <a:spAutoFit/>
+          </a:bodyPr>
+          <a:lstStyle/>
+          <a:p>
+            <a:pPr algn="ctr">
+              <a:defRPr sz="1800" b="1">
+                <a:solidFill>
+                  <a:srgbClr val="D13438"/>
+                </a:solidFill>
+              </a:defRPr>
+            </a:pPr>
+            <a:r>
+              <a:rPr lang="en-US" sz="1800" dirty="0"/>
+              <a:t>✅ Please take a </a:t>
+            </a:r>
+            <a:r>
+              <a:rPr lang="en-US" dirty="0"/>
+              <a:t>few moments to </a:t>
+            </a:r>
+            <a:r>
+              <a:rPr lang="en-US" sz="1800" dirty="0"/>
+              <a:t>work through Normal Workflows (Email, Teams, Printing, RFMS, Browser Apps, etc.) to help ensure issues are proactively identified ✅</a:t>
+            </a:r>
+          </a:p>
+        </p:txBody>
+      </p:sp>
+      <p:sp>
+        <p:nvSpPr>
+          <p:cNvPr id="5" name="TextBox 4">
+            <a:extLst>
+              <a:ext uri="{FF2B5EF4-FFF2-40B4-BE49-F238E27FC236}">
+                <a16:creationId xmlns:a16="http://schemas.microsoft.com/office/drawing/2014/main" id="{DE1C0B0B-6D0E-B2D5-1229-43B52BBCF474}"/>
+              </a:ext>
+            </a:extLst>
+          </p:cNvPr>
+          <p:cNvSpPr txBox="1"/>
+          <p:nvPr/>
+        </p:nvSpPr>
+        <p:spPr>
+          <a:xfrm>
+            <a:off x="2285999" y="257112"/>
+            <a:ext cx="4572000" cy="769441"/>
+          </a:xfrm>
+          <a:prstGeom prst="rect">
+            <a:avLst/>
+          </a:prstGeom>
+          <a:noFill/>
+        </p:spPr>
+        <p:txBody>
+          <a:bodyPr wrap="square">
+            <a:spAutoFit/>
+          </a:bodyPr>
+          <a:lstStyle/>
+          <a:p>
+            <a:pPr marL="0" indent="0" algn="ctr">
+              <a:buNone/>
+              <a:defRPr sz="4400" b="1">
+                <a:solidFill>
+                  <a:srgbClr val="0078D4"/>
+                </a:solidFill>
+              </a:defRPr>
+            </a:pPr>
+            <a:r>
+              <a:rPr lang="en-US" dirty="0"/>
+              <a:t>Step 6:  Workflows</a:t>
+            </a:r>
+          </a:p>
+        </p:txBody>
+      </p:sp>
+      <p:pic>
+        <p:nvPicPr>
+          <p:cNvPr id="6" name="Picture 4" descr="How to Sync Page Tabs Between Google Chrome, Firefox, and Edge">
+            <a:extLst>
+              <a:ext uri="{FF2B5EF4-FFF2-40B4-BE49-F238E27FC236}">
+                <a16:creationId xmlns:a16="http://schemas.microsoft.com/office/drawing/2014/main" id="{720DCF07-50A2-D97F-7736-F640DCB63A00}"/>
+              </a:ext>
+            </a:extLst>
+          </p:cNvPr>
+          <p:cNvPicPr>
+            <a:picLocks noChangeAspect="1" noChangeArrowheads="1"/>
+          </p:cNvPicPr>
+          <p:nvPr/>
+        </p:nvPicPr>
+        <p:blipFill>
+          <a:blip r:embed="rId2">
+            <a:extLst>
+              <a:ext uri="{28A0092B-C50C-407E-A947-70E740481C1C}">
+                <a14:useLocalDpi xmlns:a14="http://schemas.microsoft.com/office/drawing/2010/main" val="0"/>
+              </a:ext>
+            </a:extLst>
+          </a:blip>
+          <a:srcRect/>
+          <a:stretch>
+            <a:fillRect/>
+          </a:stretch>
+        </p:blipFill>
+        <p:spPr bwMode="auto">
+          <a:xfrm>
+            <a:off x="344857" y="2127310"/>
+            <a:ext cx="2771598" cy="1455089"/>
+          </a:xfrm>
+          <a:prstGeom prst="rect">
+            <a:avLst/>
+          </a:prstGeom>
+          <a:noFill/>
+          <a:extLst>
+            <a:ext uri="{909E8E84-426E-40DD-AFC4-6F175D3DCCD1}">
+              <a14:hiddenFill xmlns:a14="http://schemas.microsoft.com/office/drawing/2010/main">
+                <a:solidFill>
+                  <a:srgbClr val="FFFFFF"/>
+                </a:solidFill>
+              </a14:hiddenFill>
+            </a:ext>
+          </a:extLst>
+        </p:spPr>
+      </p:pic>
+      <p:pic>
+        <p:nvPicPr>
+          <p:cNvPr id="2050" name="Picture 2" descr="Measure by RFMS (PC/Desktop) – RFMS">
+            <a:extLst>
+              <a:ext uri="{FF2B5EF4-FFF2-40B4-BE49-F238E27FC236}">
+                <a16:creationId xmlns:a16="http://schemas.microsoft.com/office/drawing/2014/main" id="{162B1AC2-599F-3790-21B6-ABA327277758}"/>
+              </a:ext>
+            </a:extLst>
+          </p:cNvPr>
+          <p:cNvPicPr>
+            <a:picLocks noChangeAspect="1" noChangeArrowheads="1"/>
+          </p:cNvPicPr>
+          <p:nvPr/>
+        </p:nvPicPr>
+        <p:blipFill>
+          <a:blip r:embed="rId3">
+            <a:extLst>
+              <a:ext uri="{28A0092B-C50C-407E-A947-70E740481C1C}">
+                <a14:useLocalDpi xmlns:a14="http://schemas.microsoft.com/office/drawing/2010/main" val="0"/>
+              </a:ext>
+            </a:extLst>
+          </a:blip>
+          <a:srcRect/>
+          <a:stretch>
+            <a:fillRect/>
+          </a:stretch>
+        </p:blipFill>
+        <p:spPr bwMode="auto">
+          <a:xfrm>
+            <a:off x="6910743" y="2116350"/>
+            <a:ext cx="1501446" cy="743663"/>
+          </a:xfrm>
+          <a:prstGeom prst="rect">
+            <a:avLst/>
+          </a:prstGeom>
+          <a:noFill/>
+          <a:extLst>
+            <a:ext uri="{909E8E84-426E-40DD-AFC4-6F175D3DCCD1}">
+              <a14:hiddenFill xmlns:a14="http://schemas.microsoft.com/office/drawing/2010/main">
+                <a:solidFill>
+                  <a:srgbClr val="FFFFFF"/>
+                </a:solidFill>
+              </a14:hiddenFill>
+            </a:ext>
+          </a:extLst>
+        </p:spPr>
+      </p:pic>
+      <p:pic>
+        <p:nvPicPr>
+          <p:cNvPr id="2052" name="Picture 4" descr="How to optimize your Microsoft 365 subscription for productivity">
+            <a:extLst>
+              <a:ext uri="{FF2B5EF4-FFF2-40B4-BE49-F238E27FC236}">
+                <a16:creationId xmlns:a16="http://schemas.microsoft.com/office/drawing/2014/main" id="{8F41130A-5E80-FD92-9393-8B0B96CF9D2B}"/>
+              </a:ext>
+            </a:extLst>
+          </p:cNvPr>
+          <p:cNvPicPr>
+            <a:picLocks noChangeAspect="1" noChangeArrowheads="1"/>
+          </p:cNvPicPr>
+          <p:nvPr/>
+        </p:nvPicPr>
+        <p:blipFill>
+          <a:blip r:embed="rId4">
+            <a:extLst>
+              <a:ext uri="{28A0092B-C50C-407E-A947-70E740481C1C}">
+                <a14:useLocalDpi xmlns:a14="http://schemas.microsoft.com/office/drawing/2010/main" val="0"/>
+              </a:ext>
+            </a:extLst>
+          </a:blip>
+          <a:srcRect/>
+          <a:stretch>
+            <a:fillRect/>
+          </a:stretch>
+        </p:blipFill>
+        <p:spPr bwMode="auto">
+          <a:xfrm>
+            <a:off x="4571999" y="3320009"/>
+            <a:ext cx="4571999" cy="1828800"/>
+          </a:xfrm>
+          <a:prstGeom prst="rect">
+            <a:avLst/>
+          </a:prstGeom>
+          <a:noFill/>
+          <a:extLst>
+            <a:ext uri="{909E8E84-426E-40DD-AFC4-6F175D3DCCD1}">
+              <a14:hiddenFill xmlns:a14="http://schemas.microsoft.com/office/drawing/2010/main">
+                <a:solidFill>
+                  <a:srgbClr val="FFFFFF"/>
+                </a:solidFill>
+              </a14:hiddenFill>
+            </a:ext>
+          </a:extLst>
+        </p:spPr>
+      </p:pic>
+      <p:pic>
+        <p:nvPicPr>
+          <p:cNvPr id="2054" name="Picture 6" descr="Learn to Use SketchUp 3D Modeling Software in 17 Easy Steps - 3DPrint.com |  Additive Manufacturing Business">
+            <a:extLst>
+              <a:ext uri="{FF2B5EF4-FFF2-40B4-BE49-F238E27FC236}">
+                <a16:creationId xmlns:a16="http://schemas.microsoft.com/office/drawing/2014/main" id="{E9D02689-8233-3FC1-ED3B-6DA6ADBE0FD1}"/>
+              </a:ext>
+            </a:extLst>
+          </p:cNvPr>
+          <p:cNvPicPr>
+            <a:picLocks noChangeAspect="1" noChangeArrowheads="1"/>
+          </p:cNvPicPr>
+          <p:nvPr/>
+        </p:nvPicPr>
+        <p:blipFill>
+          <a:blip r:embed="rId5">
+            <a:extLst>
+              <a:ext uri="{28A0092B-C50C-407E-A947-70E740481C1C}">
+                <a14:useLocalDpi xmlns:a14="http://schemas.microsoft.com/office/drawing/2010/main" val="0"/>
+              </a:ext>
+            </a:extLst>
+          </a:blip>
+          <a:srcRect/>
+          <a:stretch>
+            <a:fillRect/>
+          </a:stretch>
+        </p:blipFill>
+        <p:spPr bwMode="auto">
+          <a:xfrm>
+            <a:off x="3116455" y="1928411"/>
+            <a:ext cx="3289955" cy="1036107"/>
+          </a:xfrm>
+          <a:prstGeom prst="rect">
+            <a:avLst/>
+          </a:prstGeom>
+          <a:noFill/>
+          <a:extLst>
+            <a:ext uri="{909E8E84-426E-40DD-AFC4-6F175D3DCCD1}">
+              <a14:hiddenFill xmlns:a14="http://schemas.microsoft.com/office/drawing/2010/main">
+                <a:solidFill>
+                  <a:srgbClr val="FFFFFF"/>
+                </a:solidFill>
+              </a14:hiddenFill>
+            </a:ext>
+          </a:extLst>
+        </p:spPr>
+      </p:pic>
+    </p:spTree>
+    <p:extLst>
+      <p:ext uri="{BB962C8B-B14F-4D97-AF65-F5344CB8AC3E}">
+        <p14:creationId xmlns:p14="http://schemas.microsoft.com/office/powerpoint/2010/main" val="2841928088"/>
+      </p:ext>
+    </p:extLst>
+  </p:cSld>
+  <p:clrMapOvr>
+    <a:masterClrMapping/>
+  </p:clrMapOvr>
+</p:sld>
+</file>
+
+<file path=ppt/slides/slide32.xml><?xml version="1.0" encoding="utf-8"?>
+<p:sld xmlns:a="http://schemas.openxmlformats.org/drawingml/2006/main" xmlns:r="http://schemas.openxmlformats.org/officeDocument/2006/relationships" xmlns:p="http://schemas.openxmlformats.org/presentationml/2006/main">
+  <p:cSld>
+    <p:spTree>
+      <p:nvGrpSpPr>
+        <p:cNvPr id="1" name=""/>
+        <p:cNvGrpSpPr/>
+        <p:nvPr/>
+      </p:nvGrpSpPr>
+      <p:grpSpPr>
+        <a:xfrm>
+          <a:off x="0" y="0"/>
+          <a:ext cx="0" cy="0"/>
+          <a:chOff x="0" y="0"/>
+          <a:chExt cx="0" cy="0"/>
+        </a:xfrm>
+      </p:grpSpPr>
+      <p:sp>
+        <p:nvSpPr>
+          <p:cNvPr id="2" name="TextBox 1"/>
+          <p:cNvSpPr txBox="1"/>
+          <p:nvPr/>
+        </p:nvSpPr>
+        <p:spPr>
+          <a:xfrm>
+            <a:off x="914400" y="274320"/>
+            <a:ext cx="7315200" cy="769441"/>
+          </a:xfrm>
+          <a:prstGeom prst="rect">
+            <a:avLst/>
+          </a:prstGeom>
+          <a:noFill/>
+        </p:spPr>
+        <p:txBody>
+          <a:bodyPr wrap="square">
+            <a:spAutoFit/>
+          </a:bodyPr>
+          <a:lstStyle/>
+          <a:p>
+            <a:pPr marL="0" indent="0" algn="ctr">
+              <a:buNone/>
+              <a:defRPr sz="4400" b="1">
+                <a:solidFill>
+                  <a:srgbClr val="0078D4"/>
+                </a:solidFill>
+              </a:defRPr>
+            </a:pPr>
+            <a:r>
+              <a:t>Restoration Checklist</a:t>
+            </a:r>
+          </a:p>
+        </p:txBody>
+      </p:sp>
+      <p:sp>
+        <p:nvSpPr>
+          <p:cNvPr id="3" name="TextBox 2"/>
+          <p:cNvSpPr txBox="1"/>
+          <p:nvPr/>
+        </p:nvSpPr>
+        <p:spPr>
+          <a:xfrm>
+            <a:off x="1371600" y="1097280"/>
+            <a:ext cx="6400800" cy="2308324"/>
+          </a:xfrm>
+          <a:prstGeom prst="rect">
+            <a:avLst/>
+          </a:prstGeom>
+          <a:noFill/>
+        </p:spPr>
+        <p:txBody>
+          <a:bodyPr wrap="square">
+            <a:spAutoFit/>
+          </a:bodyPr>
+          <a:lstStyle/>
+          <a:p>
+            <a:pPr marL="0" indent="0">
+              <a:buNone/>
+              <a:defRPr sz="1800" b="1">
+                <a:solidFill>
+                  <a:srgbClr val="107C10"/>
+                </a:solidFill>
+              </a:defRPr>
+            </a:pPr>
+            <a:r>
+              <a:rPr dirty="0"/>
+              <a:t>☐ OneDrive syncing and files accessible</a:t>
+            </a:r>
+          </a:p>
+          <a:p>
+            <a:pPr marL="0" indent="0">
+              <a:buNone/>
+            </a:pPr>
+            <a:r>
+              <a:rPr dirty="0"/>
+              <a:t>☐ Browser signed in and bookmarks restored</a:t>
+            </a:r>
+          </a:p>
+          <a:p>
+            <a:pPr marL="0" indent="0">
+              <a:buNone/>
+            </a:pPr>
+            <a:r>
+              <a:rPr dirty="0"/>
+              <a:t>☐ Browser passwords </a:t>
+            </a:r>
+            <a:r>
+              <a:rPr lang="en-US" dirty="0"/>
+              <a:t>and bookmarks </a:t>
+            </a:r>
+          </a:p>
+          <a:p>
+            <a:pPr marL="285750" indent="-285750">
+              <a:buFont typeface="Arial" panose="020B0604020202020204" pitchFamily="34" charset="0"/>
+              <a:buChar char="•"/>
+            </a:pPr>
+            <a:r>
+              <a:rPr lang="en-US" dirty="0"/>
+              <a:t>Imported synchronized from OneDrive Account </a:t>
+            </a:r>
+          </a:p>
+          <a:p>
+            <a:pPr marL="285750" indent="-285750">
+              <a:buFont typeface="Arial" panose="020B0604020202020204" pitchFamily="34" charset="0"/>
+              <a:buChar char="•"/>
+            </a:pPr>
+            <a:r>
+              <a:rPr lang="en-US" dirty="0"/>
+              <a:t>I</a:t>
+            </a:r>
+            <a:r>
+              <a:rPr dirty="0"/>
+              <a:t>mported from</a:t>
+            </a:r>
+            <a:r>
+              <a:rPr lang="en-US" dirty="0"/>
+              <a:t> Backup in Phase 1</a:t>
+            </a:r>
+            <a:endParaRPr dirty="0"/>
+          </a:p>
+          <a:p>
+            <a:pPr marL="0" indent="0">
+              <a:buNone/>
+            </a:pPr>
+            <a:r>
+              <a:rPr dirty="0"/>
+              <a:t>☐ Printers re-added and tested</a:t>
+            </a:r>
+          </a:p>
+          <a:p>
+            <a:pPr marL="0" indent="0">
+              <a:buNone/>
+            </a:pPr>
+            <a:r>
+              <a:rPr dirty="0"/>
+              <a:t>☐ Outlook PST files </a:t>
+            </a:r>
+            <a:r>
+              <a:rPr lang="en-US" dirty="0"/>
+              <a:t>attached </a:t>
+            </a:r>
+            <a:r>
+              <a:rPr dirty="0"/>
+              <a:t>(if applicable)</a:t>
+            </a:r>
+          </a:p>
+          <a:p>
+            <a:pPr marL="0" indent="0">
+              <a:buNone/>
+            </a:pPr>
+            <a:r>
+              <a:rPr dirty="0"/>
+              <a:t>☐ Password</a:t>
+            </a:r>
+            <a:r>
+              <a:rPr lang="en-US" dirty="0"/>
+              <a:t>/Bookmarks</a:t>
+            </a:r>
+            <a:r>
+              <a:rPr dirty="0"/>
+              <a:t> deleted from OneDrive</a:t>
+            </a:r>
+            <a:r>
+              <a:rPr lang="en-US" dirty="0"/>
+              <a:t> backup</a:t>
+            </a:r>
+            <a:endParaRPr dirty="0"/>
+          </a:p>
+        </p:txBody>
+      </p:sp>
+      <p:sp>
+        <p:nvSpPr>
+          <p:cNvPr id="4" name="TextBox 3"/>
+          <p:cNvSpPr txBox="1"/>
+          <p:nvPr/>
+        </p:nvSpPr>
+        <p:spPr>
+          <a:xfrm>
+            <a:off x="0" y="3698240"/>
+            <a:ext cx="9144000" cy="400110"/>
+          </a:xfrm>
+          <a:prstGeom prst="rect">
+            <a:avLst/>
+          </a:prstGeom>
+          <a:noFill/>
+        </p:spPr>
+        <p:txBody>
+          <a:bodyPr wrap="square">
+            <a:spAutoFit/>
+          </a:bodyPr>
+          <a:lstStyle/>
+          <a:p>
+            <a:pPr algn="ctr">
+              <a:defRPr sz="1800" b="1">
+                <a:solidFill>
+                  <a:srgbClr val="D13438"/>
+                </a:solidFill>
+              </a:defRPr>
+            </a:pPr>
+            <a:r>
+              <a:rPr sz="2000" dirty="0"/>
+              <a:t>✅ </a:t>
+            </a:r>
+            <a:r>
+              <a:rPr lang="en-US" sz="2000" dirty="0"/>
+              <a:t>Technical Migration is </a:t>
+            </a:r>
+            <a:r>
+              <a:rPr sz="2000" dirty="0"/>
+              <a:t>Complete!</a:t>
+            </a:r>
+            <a:r>
+              <a:rPr lang="en-US" sz="2000" dirty="0"/>
+              <a:t>  ✅</a:t>
             </a:r>
           </a:p>
         </p:txBody>
@@ -11396,7 +12714,13 @@
   <p:cSld>
     <p:spTree>
       <p:nvGrpSpPr>
-        <p:cNvPr id="1" name=""/>
+        <p:cNvPr id="1" name="">
+          <a:extLst>
+            <a:ext uri="{FF2B5EF4-FFF2-40B4-BE49-F238E27FC236}">
+              <a16:creationId xmlns:a16="http://schemas.microsoft.com/office/drawing/2014/main" id="{5FC287B1-C527-A8F5-ED56-BB57467337F0}"/>
+            </a:ext>
+          </a:extLst>
+        </p:cNvPr>
         <p:cNvGrpSpPr/>
         <p:nvPr/>
       </p:nvGrpSpPr>
@@ -11410,7 +12734,13 @@
       </p:grpSpPr>
       <p:sp>
         <p:nvSpPr>
-          <p:cNvPr id="2" name="TextBox 1"/>
+          <p:cNvPr id="2" name="TextBox 1">
+            <a:extLst>
+              <a:ext uri="{FF2B5EF4-FFF2-40B4-BE49-F238E27FC236}">
+                <a16:creationId xmlns:a16="http://schemas.microsoft.com/office/drawing/2014/main" id="{36242FC9-5DB0-73FE-6759-2DF22EB94DAC}"/>
+              </a:ext>
+            </a:extLst>
+          </p:cNvPr>
           <p:cNvSpPr txBox="1"/>
           <p:nvPr/>
         </p:nvSpPr>
@@ -11430,8 +12760,7 @@
           </a:bodyPr>
           <a:lstStyle/>
           <a:p>
-            <a:pPr marL="0" indent="0" algn="ctr">
-              <a:buNone/>
+            <a:pPr algn="ctr">
               <a:defRPr sz="4400" b="1">
                 <a:solidFill>
                   <a:srgbClr val="0078D4"/>
@@ -11439,48 +12768,90 @@
               </a:defRPr>
             </a:pPr>
             <a:r>
-              <a:rPr dirty="0"/>
-              <a:t>Phase 2: Windows Reset</a:t>
-            </a:r>
-          </a:p>
-        </p:txBody>
-      </p:sp>
-      <p:pic>
-        <p:nvPicPr>
-          <p:cNvPr id="6" name="Picture 5">
+              <a:rPr lang="en-US" sz="4400" dirty="0"/>
+              <a:t>🛑 🛑 🛑</a:t>
+            </a:r>
+            <a:endParaRPr dirty="0"/>
+          </a:p>
+        </p:txBody>
+      </p:sp>
+      <p:sp>
+        <p:nvSpPr>
+          <p:cNvPr id="4" name="TextBox 3">
             <a:extLst>
               <a:ext uri="{FF2B5EF4-FFF2-40B4-BE49-F238E27FC236}">
-                <a16:creationId xmlns:a16="http://schemas.microsoft.com/office/drawing/2014/main" id="{0740437D-830F-CE84-3FE0-38BD9BBA3D53}"/>
+                <a16:creationId xmlns:a16="http://schemas.microsoft.com/office/drawing/2014/main" id="{F526D459-2BD9-46FA-4C06-5267F23CF479}"/>
               </a:ext>
             </a:extLst>
           </p:cNvPr>
-          <p:cNvPicPr>
-            <a:picLocks noChangeAspect="1"/>
-          </p:cNvPicPr>
+          <p:cNvSpPr txBox="1"/>
           <p:nvPr/>
-        </p:nvPicPr>
-        <p:blipFill>
-          <a:blip r:embed="rId2"/>
-          <a:stretch>
-            <a:fillRect/>
-          </a:stretch>
-        </p:blipFill>
+        </p:nvSpPr>
         <p:spPr>
           <a:xfrm>
-            <a:off x="524166" y="1558356"/>
-            <a:ext cx="3443656" cy="3274742"/>
+            <a:off x="0" y="1043761"/>
+            <a:ext cx="9144000" cy="400110"/>
           </a:xfrm>
           <a:prstGeom prst="rect">
             <a:avLst/>
           </a:prstGeom>
-        </p:spPr>
-      </p:pic>
+          <a:noFill/>
+        </p:spPr>
+        <p:txBody>
+          <a:bodyPr wrap="square">
+            <a:spAutoFit/>
+          </a:bodyPr>
+          <a:lstStyle/>
+          <a:p>
+            <a:pPr algn="ctr">
+              <a:defRPr sz="1800" b="1">
+                <a:solidFill>
+                  <a:srgbClr val="D13438"/>
+                </a:solidFill>
+              </a:defRPr>
+            </a:pPr>
+            <a:r>
+              <a:rPr sz="2000" dirty="0"/>
+              <a:t>🛑 DO NOT </a:t>
+            </a:r>
+            <a:r>
+              <a:rPr lang="en-US" sz="2000" dirty="0"/>
+              <a:t>proceed to the</a:t>
+            </a:r>
+            <a:r>
+              <a:rPr sz="2000" dirty="0"/>
+              <a:t> </a:t>
+            </a:r>
+            <a:r>
+              <a:rPr lang="en-US" sz="2000" dirty="0"/>
+              <a:t>D</a:t>
+            </a:r>
+            <a:r>
+              <a:rPr sz="2000" dirty="0"/>
+              <a:t>evice </a:t>
+            </a:r>
+            <a:r>
+              <a:rPr lang="en-US" sz="2000" dirty="0"/>
+              <a:t>R</a:t>
+            </a:r>
+            <a:r>
+              <a:rPr sz="2000" dirty="0"/>
+              <a:t>eset </a:t>
+            </a:r>
+            <a:r>
+              <a:rPr lang="en-US" sz="2000" dirty="0"/>
+              <a:t>if OneDrive is still Synchronizing 🛑</a:t>
+            </a:r>
+            <a:endParaRPr sz="2000" dirty="0"/>
+          </a:p>
+        </p:txBody>
+      </p:sp>
       <p:pic>
         <p:nvPicPr>
-          <p:cNvPr id="7" name="Picture 6">
+          <p:cNvPr id="5" name="Picture 4">
             <a:extLst>
               <a:ext uri="{FF2B5EF4-FFF2-40B4-BE49-F238E27FC236}">
-                <a16:creationId xmlns:a16="http://schemas.microsoft.com/office/drawing/2014/main" id="{52FF30E4-0503-1145-BFE7-2238BBA14EFB}"/>
+                <a16:creationId xmlns:a16="http://schemas.microsoft.com/office/drawing/2014/main" id="{F84F8434-FE5C-0397-99EA-792DB24DDC1D}"/>
               </a:ext>
             </a:extLst>
           </p:cNvPr>
@@ -11497,58 +12868,50 @@
         </p:blipFill>
         <p:spPr>
           <a:xfrm>
-            <a:off x="4972233" y="1564485"/>
-            <a:ext cx="3942557" cy="3139919"/>
+            <a:off x="183823" y="1607795"/>
+            <a:ext cx="5533534" cy="3261385"/>
           </a:xfrm>
           <a:prstGeom prst="rect">
             <a:avLst/>
           </a:prstGeom>
         </p:spPr>
       </p:pic>
-      <p:sp>
-        <p:nvSpPr>
-          <p:cNvPr id="8" name="TextBox 7">
+      <p:pic>
+        <p:nvPicPr>
+          <p:cNvPr id="7" name="Picture 6">
             <a:extLst>
               <a:ext uri="{FF2B5EF4-FFF2-40B4-BE49-F238E27FC236}">
-                <a16:creationId xmlns:a16="http://schemas.microsoft.com/office/drawing/2014/main" id="{1F4EC729-D17A-F82B-9ED3-7213CD90559E}"/>
+                <a16:creationId xmlns:a16="http://schemas.microsoft.com/office/drawing/2014/main" id="{F579D696-FB43-3735-88B3-0DA8273D04A4}"/>
               </a:ext>
             </a:extLst>
           </p:cNvPr>
-          <p:cNvSpPr txBox="1"/>
+          <p:cNvPicPr>
+            <a:picLocks noChangeAspect="1"/>
+          </p:cNvPicPr>
           <p:nvPr/>
-        </p:nvSpPr>
+        </p:nvPicPr>
+        <p:blipFill>
+          <a:blip r:embed="rId4"/>
+          <a:stretch>
+            <a:fillRect/>
+          </a:stretch>
+        </p:blipFill>
         <p:spPr>
           <a:xfrm>
-            <a:off x="1371600" y="914400"/>
-            <a:ext cx="6400800" cy="548640"/>
+            <a:off x="6543124" y="1588940"/>
+            <a:ext cx="1653154" cy="3261385"/>
           </a:xfrm>
           <a:prstGeom prst="rect">
             <a:avLst/>
           </a:prstGeom>
-          <a:noFill/>
-        </p:spPr>
-        <p:txBody>
-          <a:bodyPr wrap="none">
-            <a:spAutoFit/>
-          </a:bodyPr>
-          <a:lstStyle/>
-          <a:p>
-            <a:pPr marL="0" indent="0" algn="ctr">
-              <a:buNone/>
-              <a:defRPr sz="1600" b="1">
-                <a:solidFill>
-                  <a:srgbClr val="D13438"/>
-                </a:solidFill>
-              </a:defRPr>
-            </a:pPr>
-            <a:r>
-              <a:rPr dirty="0"/>
-              <a:t>⚠️ Verify ALL Phase 1 backups are complete before proceeding</a:t>
-            </a:r>
-          </a:p>
-        </p:txBody>
-      </p:sp>
+        </p:spPr>
+      </p:pic>
     </p:spTree>
+    <p:extLst>
+      <p:ext uri="{BB962C8B-B14F-4D97-AF65-F5344CB8AC3E}">
+        <p14:creationId xmlns:p14="http://schemas.microsoft.com/office/powerpoint/2010/main" val="3398874675"/>
+      </p:ext>
+    </p:extLst>
   </p:cSld>
   <p:clrMapOvr>
     <a:masterClrMapping/>

--- a/presentation/Phase1-Backup-Guide.pptx
+++ b/presentation/Phase1-Backup-Guide.pptx
@@ -5,7 +5,7 @@
     <p:sldMasterId id="2147483648" r:id="rId1"/>
   </p:sldMasterIdLst>
   <p:notesMasterIdLst>
-    <p:notesMasterId r:id="rId34"/>
+    <p:notesMasterId r:id="rId41"/>
   </p:notesMasterIdLst>
   <p:sldIdLst>
     <p:sldId id="256" r:id="rId2"/>
@@ -25,21 +25,28 @@
     <p:sldId id="269" r:id="rId16"/>
     <p:sldId id="275" r:id="rId17"/>
     <p:sldId id="274" r:id="rId18"/>
-    <p:sldId id="276" r:id="rId19"/>
-    <p:sldId id="277" r:id="rId20"/>
-    <p:sldId id="278" r:id="rId21"/>
-    <p:sldId id="267" r:id="rId22"/>
-    <p:sldId id="268" r:id="rId23"/>
-    <p:sldId id="279" r:id="rId24"/>
-    <p:sldId id="280" r:id="rId25"/>
-    <p:sldId id="282" r:id="rId26"/>
-    <p:sldId id="283" r:id="rId27"/>
-    <p:sldId id="284" r:id="rId28"/>
-    <p:sldId id="285" r:id="rId29"/>
-    <p:sldId id="286" r:id="rId30"/>
-    <p:sldId id="287" r:id="rId31"/>
-    <p:sldId id="291" r:id="rId32"/>
-    <p:sldId id="288" r:id="rId33"/>
+    <p:sldId id="292" r:id="rId19"/>
+    <p:sldId id="293" r:id="rId20"/>
+    <p:sldId id="294" r:id="rId21"/>
+    <p:sldId id="295" r:id="rId22"/>
+    <p:sldId id="296" r:id="rId23"/>
+    <p:sldId id="270" r:id="rId24"/>
+    <p:sldId id="276" r:id="rId25"/>
+    <p:sldId id="277" r:id="rId26"/>
+    <p:sldId id="278" r:id="rId27"/>
+    <p:sldId id="267" r:id="rId28"/>
+    <p:sldId id="268" r:id="rId29"/>
+    <p:sldId id="279" r:id="rId30"/>
+    <p:sldId id="280" r:id="rId31"/>
+    <p:sldId id="282" r:id="rId32"/>
+    <p:sldId id="283" r:id="rId33"/>
+    <p:sldId id="284" r:id="rId34"/>
+    <p:sldId id="285" r:id="rId35"/>
+    <p:sldId id="286" r:id="rId36"/>
+    <p:sldId id="287" r:id="rId37"/>
+    <p:sldId id="291" r:id="rId38"/>
+    <p:sldId id="297" r:id="rId39"/>
+    <p:sldId id="288" r:id="rId40"/>
   </p:sldIdLst>
   <p:sldSz cx="9144000" cy="5143500" type="screen16x9"/>
   <p:notesSz cx="6858000" cy="9144000"/>
@@ -747,12 +754,12 @@
           </a:p>
           <a:p>
             <a:r>
-              <a:t>DETAILED SCRIPT:</a:t>
-            </a:r>
-          </a:p>
-          <a:p>
-            <a:r>
-              <a:t>"Let's start with OneDrive. Look at the bottom right corner of your screen, near the clock. Do you see a little cloud icon? That's OneDrive. Click on it.</a:t>
+              <a:t>SCRIPT:</a:t>
+            </a:r>
+          </a:p>
+          <a:p>
+            <a:r>
+              <a:t>"Here's what we're going to back up today. The most important part is OneDrive - that's where all your files will be safely stored in the cloud. We'll also save your browser bookmarks and passwords, capture your printer settings, and if you have an iPhone or iPad, we'll verify that's backed up too. Each of these steps is important, but don't worry - I'll walk you through them one at a time."</a:t>
             </a:r>
           </a:p>
           <a:p>
@@ -760,100 +767,27 @@
           </a:p>
           <a:p>
             <a:r>
-              <a:t>If you don't see it, we need to install OneDrive first - we can get that from the Microsoft Store or onedrive.com.</a:t>
-            </a:r>
-          </a:p>
-          <a:p>
-            <a:endParaRPr/>
-          </a:p>
-          <a:p>
-            <a:r>
-              <a:t>[Once they find it]</a:t>
-            </a:r>
-          </a:p>
-          <a:p>
-            <a:r>
-              <a:t>Great! Now click on that cloud icon. Do you see where it says 'Sign in'? Click that and use your INGINC.com email address - the same one you use for Outlook.</a:t>
-            </a:r>
-          </a:p>
-          <a:p>
-            <a:endParaRPr/>
-          </a:p>
-          <a:p>
-            <a:r>
-              <a:t>[After sign in]</a:t>
-            </a:r>
-          </a:p>
-          <a:p>
-            <a:r>
-              <a:t>Perfect! Now let's set up folder backup. Click the gear icon in the OneDrive window. See where it says 'Sync and backup'? Click that tab. Now click 'Manage backup'.</a:t>
-            </a:r>
-          </a:p>
-          <a:p>
-            <a:endParaRPr/>
-          </a:p>
-          <a:p>
-            <a:r>
-              <a:t>You should see three folders here: Desktop, Documents, and Pictures. We want to make sure all three have checkmarks. If any are missing checkmarks, click to enable them. Then click 'Start backup' at the bottom.</a:t>
-            </a:r>
-          </a:p>
-          <a:p>
-            <a:endParaRPr/>
-          </a:p>
-          <a:p>
-            <a:r>
-              <a:t>Now we wait. You'll see the cloud icon has little blue arrows - that means it's uploading your files. This might take 15-30 minutes depending on how many files you have. While it's uploading, we can start working on the next user's backup. We'll come back to check for the green checkmark before we reset your device."</a:t>
-            </a:r>
-          </a:p>
-          <a:p>
-            <a:endParaRPr/>
-          </a:p>
-          <a:p>
-            <a:r>
-              <a:t>TROUBLESHOOTING:</a:t>
-            </a:r>
-          </a:p>
-          <a:p>
-            <a:r>
-              <a:t>- No cloud icon: Install OneDrive from Microsoft Store</a:t>
-            </a:r>
-          </a:p>
-          <a:p>
-            <a:r>
-              <a:t>- Can't sign in: Verify INGINC.com credentials, check MFA</a:t>
-            </a:r>
-          </a:p>
-          <a:p>
-            <a:r>
-              <a:t>- Known Folder protection already enabled: User may have bypassed - verify in portal.office.com</a:t>
-            </a:r>
-          </a:p>
-          <a:p>
-            <a:r>
-              <a:t>- Sync stuck: Check internet connection, restart OneDrive</a:t>
-            </a:r>
-          </a:p>
-          <a:p>
-            <a:endParaRPr/>
-          </a:p>
-          <a:p>
-            <a:r>
-              <a:t>IMPORTANT:</a:t>
-            </a:r>
-          </a:p>
-          <a:p>
-            <a:r>
-              <a:t>- DO NOT proceed to reset until green checkmark appears</a:t>
-            </a:r>
-          </a:p>
-          <a:p>
-            <a:r>
-              <a:t>- Use wait time to start another user's Phase 1</a:t>
-            </a:r>
-          </a:p>
-          <a:p>
-            <a:r>
-              <a:t>- Verify completion in portal.office.com before Phase 2</a:t>
+              <a:t>EMPHASIS:</a:t>
+            </a:r>
+          </a:p>
+          <a:p>
+            <a:r>
+              <a:t>- OneDrive is the MOST CRITICAL step</a:t>
+            </a:r>
+          </a:p>
+          <a:p>
+            <a:r>
+              <a:t>- Everything goes to the cloud - safe even if device fails</a:t>
+            </a:r>
+          </a:p>
+          <a:p>
+            <a:r>
+              <a:t>- User doesn't need to understand technical details</a:t>
+            </a:r>
+          </a:p>
+          <a:p>
+            <a:r>
+              <a:t>- Focus on: "Your files will be safe"</a:t>
             </a:r>
           </a:p>
           <a:p>
@@ -1064,6 +998,370 @@
 </file>
 
 <file path=ppt/notesSlides/notesSlide13.xml><?xml version="1.0" encoding="utf-8"?>
+<p:notes xmlns:a="http://schemas.openxmlformats.org/drawingml/2006/main" xmlns:r="http://schemas.openxmlformats.org/officeDocument/2006/relationships" xmlns:p="http://schemas.openxmlformats.org/presentationml/2006/main">
+  <p:cSld>
+    <p:spTree>
+      <p:nvGrpSpPr>
+        <p:cNvPr id="1" name=""/>
+        <p:cNvGrpSpPr/>
+        <p:nvPr/>
+      </p:nvGrpSpPr>
+      <p:grpSpPr>
+        <a:xfrm>
+          <a:off x="0" y="0"/>
+          <a:ext cx="0" cy="0"/>
+          <a:chOff x="0" y="0"/>
+          <a:chExt cx="0" cy="0"/>
+        </a:xfrm>
+      </p:grpSpPr>
+      <p:sp>
+        <p:nvSpPr>
+          <p:cNvPr id="2" name="Slide Image Placeholder 1"/>
+          <p:cNvSpPr>
+            <a:spLocks noGrp="1" noRot="1" noChangeAspect="1"/>
+          </p:cNvSpPr>
+          <p:nvPr>
+            <p:ph type="sldImg" idx="2"/>
+          </p:nvPr>
+        </p:nvSpPr>
+        <p:spPr/>
+      </p:sp>
+      <p:sp>
+        <p:nvSpPr>
+          <p:cNvPr id="3" name="Notes Placeholder 2"/>
+          <p:cNvSpPr>
+            <a:spLocks noGrp="1"/>
+          </p:cNvSpPr>
+          <p:nvPr>
+            <p:ph type="body" sz="quarter" idx="3"/>
+          </p:nvPr>
+        </p:nvSpPr>
+        <p:spPr/>
+        <p:txBody>
+          <a:bodyPr/>
+          <a:lstStyle/>
+          <a:p>
+            <a:endParaRPr/>
+          </a:p>
+          <a:p>
+            <a:r>
+              <a:t>DETAILED SCRIPT:</a:t>
+            </a:r>
+          </a:p>
+          <a:p>
+            <a:r>
+              <a:t>"Let's start with OneDrive. Look at the bottom right corner of your screen, near the clock. Do you see a little cloud icon? That's OneDrive. Click on it.</a:t>
+            </a:r>
+          </a:p>
+          <a:p>
+            <a:endParaRPr/>
+          </a:p>
+          <a:p>
+            <a:r>
+              <a:t>If you don't see it, we need to install OneDrive first - we can get that from the Microsoft Store or onedrive.com.</a:t>
+            </a:r>
+          </a:p>
+          <a:p>
+            <a:endParaRPr/>
+          </a:p>
+          <a:p>
+            <a:r>
+              <a:t>[Once they find it]</a:t>
+            </a:r>
+          </a:p>
+          <a:p>
+            <a:r>
+              <a:t>Great! Now click on that cloud icon. Do you see where it says 'Sign in'? Click that and use your INGINC.com email address - the same one you use for Outlook.</a:t>
+            </a:r>
+          </a:p>
+          <a:p>
+            <a:endParaRPr/>
+          </a:p>
+          <a:p>
+            <a:r>
+              <a:t>[After sign in]</a:t>
+            </a:r>
+          </a:p>
+          <a:p>
+            <a:r>
+              <a:t>Perfect! Now let's set up folder backup. Click the gear icon in the OneDrive window. See where it says 'Sync and backup'? Click that tab. Now click 'Manage backup'.</a:t>
+            </a:r>
+          </a:p>
+          <a:p>
+            <a:endParaRPr/>
+          </a:p>
+          <a:p>
+            <a:r>
+              <a:t>You should see three folders here: Desktop, Documents, and Pictures. We want to make sure all three have checkmarks. If any are missing checkmarks, click to enable them. Then click 'Start backup' at the bottom.</a:t>
+            </a:r>
+          </a:p>
+          <a:p>
+            <a:endParaRPr/>
+          </a:p>
+          <a:p>
+            <a:r>
+              <a:t>Now we wait. You'll see the cloud icon has little blue arrows - that means it's uploading your files. This might take 15-30 minutes depending on how many files you have. While it's uploading, we can start working on the next user's backup. We'll come back to check for the green checkmark before we reset your device."</a:t>
+            </a:r>
+          </a:p>
+          <a:p>
+            <a:endParaRPr/>
+          </a:p>
+          <a:p>
+            <a:r>
+              <a:t>TROUBLESHOOTING:</a:t>
+            </a:r>
+          </a:p>
+          <a:p>
+            <a:r>
+              <a:t>- No cloud icon: Install OneDrive from Microsoft Store</a:t>
+            </a:r>
+          </a:p>
+          <a:p>
+            <a:r>
+              <a:t>- Can't sign in: Verify INGINC.com credentials, check MFA</a:t>
+            </a:r>
+          </a:p>
+          <a:p>
+            <a:r>
+              <a:t>- Known Folder protection already enabled: User may have bypassed - verify in portal.office.com</a:t>
+            </a:r>
+          </a:p>
+          <a:p>
+            <a:r>
+              <a:t>- Sync stuck: Check internet connection, restart OneDrive</a:t>
+            </a:r>
+          </a:p>
+          <a:p>
+            <a:endParaRPr/>
+          </a:p>
+          <a:p>
+            <a:r>
+              <a:t>IMPORTANT:</a:t>
+            </a:r>
+          </a:p>
+          <a:p>
+            <a:r>
+              <a:t>- DO NOT proceed to reset until green checkmark appears</a:t>
+            </a:r>
+          </a:p>
+          <a:p>
+            <a:r>
+              <a:t>- Use wait time to start another user's Phase 1</a:t>
+            </a:r>
+          </a:p>
+          <a:p>
+            <a:r>
+              <a:t>- Verify completion in portal.office.com before Phase 2</a:t>
+            </a:r>
+          </a:p>
+          <a:p>
+            <a:endParaRPr/>
+          </a:p>
+        </p:txBody>
+      </p:sp>
+      <p:sp>
+        <p:nvSpPr>
+          <p:cNvPr id="4" name="Slide Number Placeholder 3"/>
+          <p:cNvSpPr>
+            <a:spLocks noGrp="1"/>
+          </p:cNvSpPr>
+          <p:nvPr>
+            <p:ph type="sldNum" sz="quarter" idx="5"/>
+          </p:nvPr>
+        </p:nvSpPr>
+        <p:spPr/>
+      </p:sp>
+    </p:spTree>
+  </p:cSld>
+  <p:clrMapOvr>
+    <a:masterClrMapping/>
+  </p:clrMapOvr>
+</p:notes>
+</file>
+
+<file path=ppt/notesSlides/notesSlide14.xml><?xml version="1.0" encoding="utf-8"?>
+<p:notes xmlns:a="http://schemas.openxmlformats.org/drawingml/2006/main" xmlns:r="http://schemas.openxmlformats.org/officeDocument/2006/relationships" xmlns:p="http://schemas.openxmlformats.org/presentationml/2006/main">
+  <p:cSld>
+    <p:spTree>
+      <p:nvGrpSpPr>
+        <p:cNvPr id="1" name=""/>
+        <p:cNvGrpSpPr/>
+        <p:nvPr/>
+      </p:nvGrpSpPr>
+      <p:grpSpPr>
+        <a:xfrm>
+          <a:off x="0" y="0"/>
+          <a:ext cx="0" cy="0"/>
+          <a:chOff x="0" y="0"/>
+          <a:chExt cx="0" cy="0"/>
+        </a:xfrm>
+      </p:grpSpPr>
+      <p:sp>
+        <p:nvSpPr>
+          <p:cNvPr id="2" name="Slide Image Placeholder 1"/>
+          <p:cNvSpPr>
+            <a:spLocks noGrp="1" noRot="1" noChangeAspect="1"/>
+          </p:cNvSpPr>
+          <p:nvPr>
+            <p:ph type="sldImg" idx="2"/>
+          </p:nvPr>
+        </p:nvSpPr>
+        <p:spPr/>
+      </p:sp>
+      <p:sp>
+        <p:nvSpPr>
+          <p:cNvPr id="3" name="Notes Placeholder 2"/>
+          <p:cNvSpPr>
+            <a:spLocks noGrp="1"/>
+          </p:cNvSpPr>
+          <p:nvPr>
+            <p:ph type="body" sz="quarter" idx="3"/>
+          </p:nvPr>
+        </p:nvSpPr>
+        <p:spPr/>
+        <p:txBody>
+          <a:bodyPr/>
+          <a:lstStyle/>
+          <a:p>
+            <a:endParaRPr/>
+          </a:p>
+          <a:p>
+            <a:r>
+              <a:t>DETAILED SCRIPT:</a:t>
+            </a:r>
+          </a:p>
+          <a:p>
+            <a:r>
+              <a:t>"Let's start with OneDrive. Look at the bottom right corner of your screen, near the clock. Do you see a little cloud icon? That's OneDrive. Click on it.</a:t>
+            </a:r>
+          </a:p>
+          <a:p>
+            <a:endParaRPr/>
+          </a:p>
+          <a:p>
+            <a:r>
+              <a:t>If you don't see it, we need to install OneDrive first - we can get that from the Microsoft Store or onedrive.com.</a:t>
+            </a:r>
+          </a:p>
+          <a:p>
+            <a:endParaRPr/>
+          </a:p>
+          <a:p>
+            <a:r>
+              <a:t>[Once they find it]</a:t>
+            </a:r>
+          </a:p>
+          <a:p>
+            <a:r>
+              <a:t>Great! Now click on that cloud icon. Do you see where it says 'Sign in'? Click that and use your INGINC.com email address - the same one you use for Outlook.</a:t>
+            </a:r>
+          </a:p>
+          <a:p>
+            <a:endParaRPr/>
+          </a:p>
+          <a:p>
+            <a:r>
+              <a:t>[After sign in]</a:t>
+            </a:r>
+          </a:p>
+          <a:p>
+            <a:r>
+              <a:t>Perfect! Now let's set up folder backup. Click the gear icon in the OneDrive window. See where it says 'Sync and backup'? Click that tab. Now click 'Manage backup'.</a:t>
+            </a:r>
+          </a:p>
+          <a:p>
+            <a:endParaRPr/>
+          </a:p>
+          <a:p>
+            <a:r>
+              <a:t>You should see three folders here: Desktop, Documents, and Pictures. We want to make sure all three have checkmarks. If any are missing checkmarks, click to enable them. Then click 'Start backup' at the bottom.</a:t>
+            </a:r>
+          </a:p>
+          <a:p>
+            <a:endParaRPr/>
+          </a:p>
+          <a:p>
+            <a:r>
+              <a:t>Now we wait. You'll see the cloud icon has little blue arrows - that means it's uploading your files. This might take 15-30 minutes depending on how many files you have. While it's uploading, we can start working on the next user's backup. We'll come back to check for the green checkmark before we reset your device."</a:t>
+            </a:r>
+          </a:p>
+          <a:p>
+            <a:endParaRPr/>
+          </a:p>
+          <a:p>
+            <a:r>
+              <a:t>TROUBLESHOOTING:</a:t>
+            </a:r>
+          </a:p>
+          <a:p>
+            <a:r>
+              <a:t>- No cloud icon: Install OneDrive from Microsoft Store</a:t>
+            </a:r>
+          </a:p>
+          <a:p>
+            <a:r>
+              <a:t>- Can't sign in: Verify INGINC.com credentials, check MFA</a:t>
+            </a:r>
+          </a:p>
+          <a:p>
+            <a:r>
+              <a:t>- Known Folder protection already enabled: User may have bypassed - verify in portal.office.com</a:t>
+            </a:r>
+          </a:p>
+          <a:p>
+            <a:r>
+              <a:t>- Sync stuck: Check internet connection, restart OneDrive</a:t>
+            </a:r>
+          </a:p>
+          <a:p>
+            <a:endParaRPr/>
+          </a:p>
+          <a:p>
+            <a:r>
+              <a:t>IMPORTANT:</a:t>
+            </a:r>
+          </a:p>
+          <a:p>
+            <a:r>
+              <a:t>- DO NOT proceed to reset until green checkmark appears</a:t>
+            </a:r>
+          </a:p>
+          <a:p>
+            <a:r>
+              <a:t>- Use wait time to start another user's Phase 1</a:t>
+            </a:r>
+          </a:p>
+          <a:p>
+            <a:r>
+              <a:t>- Verify completion in portal.office.com before Phase 2</a:t>
+            </a:r>
+          </a:p>
+          <a:p>
+            <a:endParaRPr/>
+          </a:p>
+        </p:txBody>
+      </p:sp>
+      <p:sp>
+        <p:nvSpPr>
+          <p:cNvPr id="4" name="Slide Number Placeholder 3"/>
+          <p:cNvSpPr>
+            <a:spLocks noGrp="1"/>
+          </p:cNvSpPr>
+          <p:nvPr>
+            <p:ph type="sldNum" sz="quarter" idx="5"/>
+          </p:nvPr>
+        </p:nvSpPr>
+        <p:spPr/>
+      </p:sp>
+    </p:spTree>
+  </p:cSld>
+  <p:clrMapOvr>
+    <a:masterClrMapping/>
+  </p:clrMapOvr>
+</p:notes>
+</file>
+
+<file path=ppt/notesSlides/notesSlide15.xml><?xml version="1.0" encoding="utf-8"?>
 <p:notes xmlns:a="http://schemas.openxmlformats.org/drawingml/2006/main" xmlns:r="http://schemas.openxmlformats.org/officeDocument/2006/relationships" xmlns:p="http://schemas.openxmlformats.org/presentationml/2006/main">
   <p:cSld>
     <p:spTree>
@@ -7721,6 +8019,1251 @@
   <p:cSld>
     <p:spTree>
       <p:nvGrpSpPr>
+        <p:cNvPr id="1" name=""/>
+        <p:cNvGrpSpPr/>
+        <p:nvPr/>
+      </p:nvGrpSpPr>
+      <p:grpSpPr>
+        <a:xfrm>
+          <a:off x="0" y="0"/>
+          <a:ext cx="0" cy="0"/>
+          <a:chOff x="0" y="0"/>
+          <a:chExt cx="0" cy="0"/>
+        </a:xfrm>
+      </p:grpSpPr>
+      <p:sp>
+        <p:nvSpPr>
+          <p:cNvPr id="2" name="TextBox 1"/>
+          <p:cNvSpPr txBox="1"/>
+          <p:nvPr/>
+        </p:nvSpPr>
+        <p:spPr>
+          <a:xfrm>
+            <a:off x="914400" y="274320"/>
+            <a:ext cx="7315200" cy="914400"/>
+          </a:xfrm>
+          <a:prstGeom prst="rect">
+            <a:avLst/>
+          </a:prstGeom>
+          <a:noFill/>
+        </p:spPr>
+        <p:txBody>
+          <a:bodyPr wrap="square">
+            <a:spAutoFit/>
+          </a:bodyPr>
+          <a:lstStyle/>
+          <a:p>
+            <a:pPr marL="0" indent="0" algn="ctr">
+              <a:buNone/>
+              <a:defRPr sz="4400" b="1">
+                <a:solidFill>
+                  <a:srgbClr val="0078D4"/>
+                </a:solidFill>
+              </a:defRPr>
+            </a:pPr>
+            <a:r>
+              <a:t>Setting Up Your Edge Profile</a:t>
+            </a:r>
+          </a:p>
+        </p:txBody>
+      </p:sp>
+      <p:sp>
+        <p:nvSpPr>
+          <p:cNvPr id="3" name="TextBox 2"/>
+          <p:cNvSpPr txBox="1"/>
+          <p:nvPr/>
+        </p:nvSpPr>
+        <p:spPr>
+          <a:xfrm>
+            <a:off x="1371600" y="1097280"/>
+            <a:ext cx="6858000" cy="2031325"/>
+          </a:xfrm>
+          <a:prstGeom prst="rect">
+            <a:avLst/>
+          </a:prstGeom>
+          <a:noFill/>
+        </p:spPr>
+        <p:txBody>
+          <a:bodyPr wrap="square">
+            <a:spAutoFit/>
+          </a:bodyPr>
+          <a:lstStyle/>
+          <a:p>
+            <a:pPr marL="0" indent="0">
+              <a:buNone/>
+              <a:defRPr sz="2400" b="1">
+                <a:solidFill>
+                  <a:srgbClr val="0078D4"/>
+                </a:solidFill>
+              </a:defRPr>
+            </a:pPr>
+            <a:r>
+              <a:rPr dirty="0"/>
+              <a:t>Your New Work Account</a:t>
+            </a:r>
+          </a:p>
+          <a:p>
+            <a:pPr lvl="1"/>
+            <a:r>
+              <a:rPr dirty="0" err="1"/>
+              <a:t>FirstName.LastName@impactpropertysolutions.com</a:t>
+            </a:r>
+            <a:endParaRPr dirty="0"/>
+          </a:p>
+          <a:p>
+            <a:pPr>
+              <a:defRPr sz="2400" b="1">
+                <a:solidFill>
+                  <a:srgbClr val="0078D4"/>
+                </a:solidFill>
+              </a:defRPr>
+            </a:pPr>
+            <a:r>
+              <a:rPr lang="en-US" dirty="0"/>
+              <a:t>Your Temporary Password</a:t>
+            </a:r>
+          </a:p>
+          <a:p>
+            <a:pPr lvl="1"/>
+            <a:r>
+              <a:rPr dirty="0"/>
+              <a:t>TempPass123!</a:t>
+            </a:r>
+            <a:endParaRPr lang="en-US" dirty="0"/>
+          </a:p>
+          <a:p>
+            <a:pPr>
+              <a:defRPr sz="2400" b="1">
+                <a:solidFill>
+                  <a:srgbClr val="0078D4"/>
+                </a:solidFill>
+              </a:defRPr>
+            </a:pPr>
+            <a:r>
+              <a:rPr lang="en-US" dirty="0"/>
+              <a:t>What this Does</a:t>
+            </a:r>
+          </a:p>
+          <a:p>
+            <a:pPr lvl="1"/>
+            <a:r>
+              <a:rPr dirty="0"/>
+              <a:t>Syncs bookmarks, passwords, and settings to your work profile</a:t>
+            </a:r>
+          </a:p>
+        </p:txBody>
+      </p:sp>
+    </p:spTree>
+  </p:cSld>
+  <p:clrMapOvr>
+    <a:masterClrMapping/>
+  </p:clrMapOvr>
+</p:sld>
+</file>
+
+<file path=ppt/slides/slide19.xml><?xml version="1.0" encoding="utf-8"?>
+<p:sld xmlns:a="http://schemas.openxmlformats.org/drawingml/2006/main" xmlns:r="http://schemas.openxmlformats.org/officeDocument/2006/relationships" xmlns:p="http://schemas.openxmlformats.org/presentationml/2006/main">
+  <p:cSld>
+    <p:spTree>
+      <p:nvGrpSpPr>
+        <p:cNvPr id="1" name=""/>
+        <p:cNvGrpSpPr/>
+        <p:nvPr/>
+      </p:nvGrpSpPr>
+      <p:grpSpPr>
+        <a:xfrm>
+          <a:off x="0" y="0"/>
+          <a:ext cx="0" cy="0"/>
+          <a:chOff x="0" y="0"/>
+          <a:chExt cx="0" cy="0"/>
+        </a:xfrm>
+      </p:grpSpPr>
+      <p:sp>
+        <p:nvSpPr>
+          <p:cNvPr id="2" name="TextBox 1"/>
+          <p:cNvSpPr txBox="1"/>
+          <p:nvPr/>
+        </p:nvSpPr>
+        <p:spPr>
+          <a:xfrm>
+            <a:off x="914400" y="274320"/>
+            <a:ext cx="7315200" cy="769441"/>
+          </a:xfrm>
+          <a:prstGeom prst="rect">
+            <a:avLst/>
+          </a:prstGeom>
+          <a:noFill/>
+        </p:spPr>
+        <p:txBody>
+          <a:bodyPr wrap="square">
+            <a:spAutoFit/>
+          </a:bodyPr>
+          <a:lstStyle/>
+          <a:p>
+            <a:pPr marL="0" indent="0" algn="ctr">
+              <a:buNone/>
+              <a:defRPr sz="4400" b="1">
+                <a:solidFill>
+                  <a:srgbClr val="0078D4"/>
+                </a:solidFill>
+              </a:defRPr>
+            </a:pPr>
+            <a:r>
+              <a:t>Step 1: Open Microsoft Edge</a:t>
+            </a:r>
+          </a:p>
+        </p:txBody>
+      </p:sp>
+      <p:sp>
+        <p:nvSpPr>
+          <p:cNvPr id="3" name="TextBox 2"/>
+          <p:cNvSpPr txBox="1"/>
+          <p:nvPr/>
+        </p:nvSpPr>
+        <p:spPr>
+          <a:xfrm>
+            <a:off x="1371600" y="914400"/>
+            <a:ext cx="6400800" cy="548640"/>
+          </a:xfrm>
+          <a:prstGeom prst="rect">
+            <a:avLst/>
+          </a:prstGeom>
+          <a:noFill/>
+        </p:spPr>
+        <p:txBody>
+          <a:bodyPr wrap="none">
+            <a:spAutoFit/>
+          </a:bodyPr>
+          <a:lstStyle/>
+          <a:p>
+            <a:pPr marL="0" indent="0" algn="ctr">
+              <a:buNone/>
+              <a:defRPr sz="1600" b="1">
+                <a:solidFill>
+                  <a:srgbClr val="D13438"/>
+                </a:solidFill>
+              </a:defRPr>
+            </a:pPr>
+            <a:r>
+              <a:t>Launch Edge from your taskbar or Start menu</a:t>
+            </a:r>
+          </a:p>
+        </p:txBody>
+      </p:sp>
+      <p:pic>
+        <p:nvPicPr>
+          <p:cNvPr id="3076" name="Picture 4" descr="Microsoft Edge in Windows 10">
+            <a:extLst>
+              <a:ext uri="{FF2B5EF4-FFF2-40B4-BE49-F238E27FC236}">
+                <a16:creationId xmlns:a16="http://schemas.microsoft.com/office/drawing/2014/main" id="{2C206E59-95F0-2C05-93EF-A2C191E750C1}"/>
+              </a:ext>
+            </a:extLst>
+          </p:cNvPr>
+          <p:cNvPicPr>
+            <a:picLocks noChangeAspect="1" noChangeArrowheads="1"/>
+          </p:cNvPicPr>
+          <p:nvPr/>
+        </p:nvPicPr>
+        <p:blipFill>
+          <a:blip r:embed="rId3">
+            <a:extLst>
+              <a:ext uri="{28A0092B-C50C-407E-A947-70E740481C1C}">
+                <a14:useLocalDpi xmlns:a14="http://schemas.microsoft.com/office/drawing/2010/main" val="0"/>
+              </a:ext>
+            </a:extLst>
+          </a:blip>
+          <a:srcRect/>
+          <a:stretch>
+            <a:fillRect/>
+          </a:stretch>
+        </p:blipFill>
+        <p:spPr bwMode="auto">
+          <a:xfrm>
+            <a:off x="2625634" y="1463040"/>
+            <a:ext cx="3892731" cy="3406140"/>
+          </a:xfrm>
+          <a:prstGeom prst="rect">
+            <a:avLst/>
+          </a:prstGeom>
+          <a:noFill/>
+          <a:extLst>
+            <a:ext uri="{909E8E84-426E-40DD-AFC4-6F175D3DCCD1}">
+              <a14:hiddenFill xmlns:a14="http://schemas.microsoft.com/office/drawing/2010/main">
+                <a:solidFill>
+                  <a:srgbClr val="FFFFFF"/>
+                </a:solidFill>
+              </a14:hiddenFill>
+            </a:ext>
+          </a:extLst>
+        </p:spPr>
+      </p:pic>
+    </p:spTree>
+  </p:cSld>
+  <p:clrMapOvr>
+    <a:masterClrMapping/>
+  </p:clrMapOvr>
+</p:sld>
+</file>
+
+<file path=ppt/slides/slide2.xml><?xml version="1.0" encoding="utf-8"?>
+<p:sld xmlns:a="http://schemas.openxmlformats.org/drawingml/2006/main" xmlns:r="http://schemas.openxmlformats.org/officeDocument/2006/relationships" xmlns:p="http://schemas.openxmlformats.org/presentationml/2006/main">
+  <p:cSld>
+    <p:spTree>
+      <p:nvGrpSpPr>
+        <p:cNvPr id="1" name=""/>
+        <p:cNvGrpSpPr/>
+        <p:nvPr/>
+      </p:nvGrpSpPr>
+      <p:grpSpPr>
+        <a:xfrm>
+          <a:off x="0" y="0"/>
+          <a:ext cx="0" cy="0"/>
+          <a:chOff x="0" y="0"/>
+          <a:chExt cx="0" cy="0"/>
+        </a:xfrm>
+      </p:grpSpPr>
+      <p:sp>
+        <p:nvSpPr>
+          <p:cNvPr id="2" name="TextBox 1"/>
+          <p:cNvSpPr txBox="1"/>
+          <p:nvPr/>
+        </p:nvSpPr>
+        <p:spPr>
+          <a:xfrm>
+            <a:off x="914400" y="274320"/>
+            <a:ext cx="7315200" cy="914400"/>
+          </a:xfrm>
+          <a:prstGeom prst="rect">
+            <a:avLst/>
+          </a:prstGeom>
+          <a:noFill/>
+        </p:spPr>
+        <p:txBody>
+          <a:bodyPr wrap="square">
+            <a:spAutoFit/>
+          </a:bodyPr>
+          <a:lstStyle/>
+          <a:p>
+            <a:pPr algn="ctr">
+              <a:defRPr sz="4400" b="1">
+                <a:solidFill>
+                  <a:srgbClr val="0078D4"/>
+                </a:solidFill>
+              </a:defRPr>
+            </a:pPr>
+            <a:r>
+              <a:t>What We'll Back Up Today</a:t>
+            </a:r>
+          </a:p>
+        </p:txBody>
+      </p:sp>
+      <p:sp>
+        <p:nvSpPr>
+          <p:cNvPr id="3" name="TextBox 2"/>
+          <p:cNvSpPr txBox="1"/>
+          <p:nvPr/>
+        </p:nvSpPr>
+        <p:spPr>
+          <a:xfrm>
+            <a:off x="1371600" y="1097280"/>
+            <a:ext cx="6400800" cy="3323987"/>
+          </a:xfrm>
+          <a:prstGeom prst="rect">
+            <a:avLst/>
+          </a:prstGeom>
+          <a:noFill/>
+        </p:spPr>
+        <p:txBody>
+          <a:bodyPr wrap="square">
+            <a:spAutoFit/>
+          </a:bodyPr>
+          <a:lstStyle/>
+          <a:p>
+            <a:pPr>
+              <a:defRPr sz="2400" b="1">
+                <a:solidFill>
+                  <a:srgbClr val="0078D4"/>
+                </a:solidFill>
+              </a:defRPr>
+            </a:pPr>
+            <a:r>
+              <a:rPr dirty="0"/>
+              <a:t>OneDrive Setup &amp; File Sync</a:t>
+            </a:r>
+          </a:p>
+          <a:p>
+            <a:pPr lvl="1">
+              <a:defRPr sz="1800" b="0"/>
+            </a:pPr>
+            <a:r>
+              <a:rPr dirty="0"/>
+              <a:t>Your Desktop, Documents, and Pictures folders</a:t>
+            </a:r>
+          </a:p>
+          <a:p>
+            <a:pPr>
+              <a:defRPr sz="2400" b="1">
+                <a:solidFill>
+                  <a:srgbClr val="0078D4"/>
+                </a:solidFill>
+              </a:defRPr>
+            </a:pPr>
+            <a:r>
+              <a:rPr dirty="0"/>
+              <a:t>Browser Profile</a:t>
+            </a:r>
+          </a:p>
+          <a:p>
+            <a:pPr lvl="1">
+              <a:defRPr sz="1800" b="0"/>
+            </a:pPr>
+            <a:r>
+              <a:rPr dirty="0"/>
+              <a:t>Bookmarks, passwords, and settings</a:t>
+            </a:r>
+          </a:p>
+          <a:p>
+            <a:pPr>
+              <a:defRPr sz="2400" b="1">
+                <a:solidFill>
+                  <a:srgbClr val="0078D4"/>
+                </a:solidFill>
+              </a:defRPr>
+            </a:pPr>
+            <a:r>
+              <a:rPr dirty="0"/>
+              <a:t>Printer Configurations</a:t>
+            </a:r>
+          </a:p>
+          <a:p>
+            <a:pPr lvl="1">
+              <a:defRPr sz="1800" b="0"/>
+            </a:pPr>
+            <a:r>
+              <a:rPr dirty="0"/>
+              <a:t>Screenshot of all mapped printers</a:t>
+            </a:r>
+          </a:p>
+          <a:p>
+            <a:pPr>
+              <a:defRPr sz="2400" b="1">
+                <a:solidFill>
+                  <a:srgbClr val="0078D4"/>
+                </a:solidFill>
+              </a:defRPr>
+            </a:pPr>
+            <a:r>
+              <a:rPr dirty="0" err="1"/>
+              <a:t>WiFi</a:t>
+            </a:r>
+            <a:r>
+              <a:rPr dirty="0"/>
+              <a:t> Network Information</a:t>
+            </a:r>
+          </a:p>
+          <a:p>
+            <a:pPr lvl="1">
+              <a:defRPr sz="1800" b="0"/>
+            </a:pPr>
+            <a:r>
+              <a:rPr dirty="0"/>
+              <a:t>For quick reconnection after reset</a:t>
+            </a:r>
+          </a:p>
+          <a:p>
+            <a:pPr>
+              <a:defRPr sz="2400" b="1">
+                <a:solidFill>
+                  <a:srgbClr val="0078D4"/>
+                </a:solidFill>
+              </a:defRPr>
+            </a:pPr>
+            <a:r>
+              <a:rPr dirty="0"/>
+              <a:t>Outlook Data Files (if applicable)</a:t>
+            </a:r>
+          </a:p>
+          <a:p>
+            <a:pPr lvl="1">
+              <a:defRPr sz="1800" b="0"/>
+            </a:pPr>
+            <a:r>
+              <a:rPr dirty="0"/>
+              <a:t>Personal email archives (PST files</a:t>
+            </a:r>
+            <a:r>
+              <a:rPr lang="en-US" dirty="0"/>
+              <a:t>)</a:t>
+            </a:r>
+          </a:p>
+        </p:txBody>
+      </p:sp>
+    </p:spTree>
+  </p:cSld>
+  <p:clrMapOvr>
+    <a:masterClrMapping/>
+  </p:clrMapOvr>
+</p:sld>
+</file>
+
+<file path=ppt/slides/slide20.xml><?xml version="1.0" encoding="utf-8"?>
+<p:sld xmlns:a="http://schemas.openxmlformats.org/drawingml/2006/main" xmlns:r="http://schemas.openxmlformats.org/officeDocument/2006/relationships" xmlns:p="http://schemas.openxmlformats.org/presentationml/2006/main">
+  <p:cSld>
+    <p:spTree>
+      <p:nvGrpSpPr>
+        <p:cNvPr id="1" name=""/>
+        <p:cNvGrpSpPr/>
+        <p:nvPr/>
+      </p:nvGrpSpPr>
+      <p:grpSpPr>
+        <a:xfrm>
+          <a:off x="0" y="0"/>
+          <a:ext cx="0" cy="0"/>
+          <a:chOff x="0" y="0"/>
+          <a:chExt cx="0" cy="0"/>
+        </a:xfrm>
+      </p:grpSpPr>
+      <p:sp>
+        <p:nvSpPr>
+          <p:cNvPr id="2" name="TextBox 1"/>
+          <p:cNvSpPr txBox="1"/>
+          <p:nvPr/>
+        </p:nvSpPr>
+        <p:spPr>
+          <a:xfrm>
+            <a:off x="914400" y="274320"/>
+            <a:ext cx="7315200" cy="769441"/>
+          </a:xfrm>
+          <a:prstGeom prst="rect">
+            <a:avLst/>
+          </a:prstGeom>
+          <a:noFill/>
+        </p:spPr>
+        <p:txBody>
+          <a:bodyPr wrap="square">
+            <a:spAutoFit/>
+          </a:bodyPr>
+          <a:lstStyle/>
+          <a:p>
+            <a:pPr marL="0" indent="0" algn="ctr">
+              <a:buNone/>
+              <a:defRPr sz="4400" b="1">
+                <a:solidFill>
+                  <a:srgbClr val="0078D4"/>
+                </a:solidFill>
+              </a:defRPr>
+            </a:pPr>
+            <a:r>
+              <a:t>Step 2: Access Profile Settings</a:t>
+            </a:r>
+          </a:p>
+        </p:txBody>
+      </p:sp>
+      <p:sp>
+        <p:nvSpPr>
+          <p:cNvPr id="3" name="TextBox 2"/>
+          <p:cNvSpPr txBox="1"/>
+          <p:nvPr/>
+        </p:nvSpPr>
+        <p:spPr>
+          <a:xfrm>
+            <a:off x="3690668" y="914400"/>
+            <a:ext cx="1762662" cy="338554"/>
+          </a:xfrm>
+          <a:prstGeom prst="rect">
+            <a:avLst/>
+          </a:prstGeom>
+          <a:noFill/>
+        </p:spPr>
+        <p:txBody>
+          <a:bodyPr wrap="none">
+            <a:spAutoFit/>
+          </a:bodyPr>
+          <a:lstStyle/>
+          <a:p>
+            <a:pPr marL="0" indent="0" algn="ctr">
+              <a:buNone/>
+              <a:defRPr sz="1600" b="1">
+                <a:solidFill>
+                  <a:srgbClr val="D13438"/>
+                </a:solidFill>
+              </a:defRPr>
+            </a:pPr>
+            <a:r>
+              <a:rPr lang="en-US" dirty="0"/>
+              <a:t>Use TempPass123!</a:t>
+            </a:r>
+            <a:endParaRPr dirty="0"/>
+          </a:p>
+        </p:txBody>
+      </p:sp>
+      <p:sp>
+        <p:nvSpPr>
+          <p:cNvPr id="4" name="TextBox 3"/>
+          <p:cNvSpPr txBox="1"/>
+          <p:nvPr/>
+        </p:nvSpPr>
+        <p:spPr>
+          <a:xfrm>
+            <a:off x="254525" y="1364456"/>
+            <a:ext cx="4340320" cy="1754326"/>
+          </a:xfrm>
+          <a:prstGeom prst="rect">
+            <a:avLst/>
+          </a:prstGeom>
+          <a:noFill/>
+        </p:spPr>
+        <p:txBody>
+          <a:bodyPr wrap="square">
+            <a:spAutoFit/>
+          </a:bodyPr>
+          <a:lstStyle/>
+          <a:p>
+            <a:pPr marL="365760" indent="-182880" algn="l">
+              <a:defRPr sz="1800" b="0"/>
+            </a:pPr>
+            <a:r>
+              <a:rPr dirty="0"/>
+              <a:t>Look for the profile icon in the top right </a:t>
+            </a:r>
+            <a:endParaRPr lang="en-US" dirty="0"/>
+          </a:p>
+          <a:p>
+            <a:pPr marL="468630" indent="-285750" algn="l">
+              <a:buFont typeface="Arial" panose="020B0604020202020204" pitchFamily="34" charset="0"/>
+              <a:buChar char="•"/>
+              <a:defRPr sz="1800" b="0"/>
+            </a:pPr>
+            <a:r>
+              <a:rPr dirty="0"/>
+              <a:t>Click the profile icon to open the menu</a:t>
+            </a:r>
+          </a:p>
+          <a:p>
+            <a:pPr marL="365760" indent="-182880">
+              <a:buChar char="•"/>
+            </a:pPr>
+            <a:r>
+              <a:rPr dirty="0"/>
+              <a:t>Click </a:t>
+            </a:r>
+            <a:r>
+              <a:rPr lang="en-US" dirty="0"/>
+              <a:t>‘Other Profiles’</a:t>
+            </a:r>
+          </a:p>
+          <a:p>
+            <a:pPr marL="365760" indent="-182880">
+              <a:buChar char="•"/>
+            </a:pPr>
+            <a:r>
+              <a:rPr lang="en-US" dirty="0"/>
+              <a:t>Click ‘Set up new work or school profile’</a:t>
+            </a:r>
+          </a:p>
+          <a:p>
+            <a:pPr marL="365760" indent="-182880">
+              <a:buChar char="•"/>
+            </a:pPr>
+            <a:r>
+              <a:rPr lang="en-US" dirty="0"/>
+              <a:t>Step through the Sign-in to Sync Data</a:t>
+            </a:r>
+          </a:p>
+          <a:p>
+            <a:pPr marL="365760" indent="-182880">
+              <a:buChar char="•"/>
+            </a:pPr>
+            <a:r>
+              <a:rPr lang="en-US" dirty="0"/>
+              <a:t>Use: TempPass123!</a:t>
+            </a:r>
+          </a:p>
+        </p:txBody>
+      </p:sp>
+      <p:pic>
+        <p:nvPicPr>
+          <p:cNvPr id="5" name="Picture 4">
+            <a:extLst>
+              <a:ext uri="{FF2B5EF4-FFF2-40B4-BE49-F238E27FC236}">
+                <a16:creationId xmlns:a16="http://schemas.microsoft.com/office/drawing/2014/main" id="{A6E6A29D-7E1D-6FEF-3B71-BF1291F128FC}"/>
+              </a:ext>
+            </a:extLst>
+          </p:cNvPr>
+          <p:cNvPicPr>
+            <a:picLocks noChangeAspect="1"/>
+          </p:cNvPicPr>
+          <p:nvPr/>
+        </p:nvPicPr>
+        <p:blipFill>
+          <a:blip r:embed="rId2"/>
+          <a:stretch>
+            <a:fillRect/>
+          </a:stretch>
+        </p:blipFill>
+        <p:spPr>
+          <a:xfrm>
+            <a:off x="4803680" y="1308761"/>
+            <a:ext cx="4340320" cy="3560419"/>
+          </a:xfrm>
+          <a:prstGeom prst="rect">
+            <a:avLst/>
+          </a:prstGeom>
+        </p:spPr>
+      </p:pic>
+      <p:pic>
+        <p:nvPicPr>
+          <p:cNvPr id="6" name="Picture 5">
+            <a:extLst>
+              <a:ext uri="{FF2B5EF4-FFF2-40B4-BE49-F238E27FC236}">
+                <a16:creationId xmlns:a16="http://schemas.microsoft.com/office/drawing/2014/main" id="{ADC4F284-0029-5B59-473C-7D703070B608}"/>
+              </a:ext>
+            </a:extLst>
+          </p:cNvPr>
+          <p:cNvPicPr>
+            <a:picLocks noChangeAspect="1"/>
+          </p:cNvPicPr>
+          <p:nvPr/>
+        </p:nvPicPr>
+        <p:blipFill>
+          <a:blip r:embed="rId3"/>
+          <a:stretch>
+            <a:fillRect/>
+          </a:stretch>
+        </p:blipFill>
+        <p:spPr>
+          <a:xfrm>
+            <a:off x="379068" y="2571750"/>
+            <a:ext cx="4091233" cy="2563419"/>
+          </a:xfrm>
+          <a:prstGeom prst="rect">
+            <a:avLst/>
+          </a:prstGeom>
+        </p:spPr>
+      </p:pic>
+    </p:spTree>
+  </p:cSld>
+  <p:clrMapOvr>
+    <a:masterClrMapping/>
+  </p:clrMapOvr>
+</p:sld>
+</file>
+
+<file path=ppt/slides/slide21.xml><?xml version="1.0" encoding="utf-8"?>
+<p:sld xmlns:a="http://schemas.openxmlformats.org/drawingml/2006/main" xmlns:r="http://schemas.openxmlformats.org/officeDocument/2006/relationships" xmlns:p="http://schemas.openxmlformats.org/presentationml/2006/main">
+  <p:cSld>
+    <p:spTree>
+      <p:nvGrpSpPr>
+        <p:cNvPr id="1" name=""/>
+        <p:cNvGrpSpPr/>
+        <p:nvPr/>
+      </p:nvGrpSpPr>
+      <p:grpSpPr>
+        <a:xfrm>
+          <a:off x="0" y="0"/>
+          <a:ext cx="0" cy="0"/>
+          <a:chOff x="0" y="0"/>
+          <a:chExt cx="0" cy="0"/>
+        </a:xfrm>
+      </p:grpSpPr>
+      <p:sp>
+        <p:nvSpPr>
+          <p:cNvPr id="2" name="TextBox 1"/>
+          <p:cNvSpPr txBox="1"/>
+          <p:nvPr/>
+        </p:nvSpPr>
+        <p:spPr>
+          <a:xfrm>
+            <a:off x="914400" y="274320"/>
+            <a:ext cx="7315200" cy="769441"/>
+          </a:xfrm>
+          <a:prstGeom prst="rect">
+            <a:avLst/>
+          </a:prstGeom>
+          <a:noFill/>
+        </p:spPr>
+        <p:txBody>
+          <a:bodyPr wrap="square">
+            <a:spAutoFit/>
+          </a:bodyPr>
+          <a:lstStyle/>
+          <a:p>
+            <a:pPr marL="0" indent="0" algn="ctr">
+              <a:buNone/>
+              <a:defRPr sz="4400" b="1">
+                <a:solidFill>
+                  <a:srgbClr val="0078D4"/>
+                </a:solidFill>
+              </a:defRPr>
+            </a:pPr>
+            <a:r>
+              <a:t>Step 3: Sign In With Work Account</a:t>
+            </a:r>
+          </a:p>
+        </p:txBody>
+      </p:sp>
+      <p:sp>
+        <p:nvSpPr>
+          <p:cNvPr id="3" name="TextBox 2"/>
+          <p:cNvSpPr txBox="1"/>
+          <p:nvPr/>
+        </p:nvSpPr>
+        <p:spPr>
+          <a:xfrm>
+            <a:off x="1371600" y="914400"/>
+            <a:ext cx="6400800" cy="548640"/>
+          </a:xfrm>
+          <a:prstGeom prst="rect">
+            <a:avLst/>
+          </a:prstGeom>
+          <a:noFill/>
+        </p:spPr>
+        <p:txBody>
+          <a:bodyPr wrap="none">
+            <a:spAutoFit/>
+          </a:bodyPr>
+          <a:lstStyle/>
+          <a:p>
+            <a:pPr marL="0" indent="0" algn="ctr">
+              <a:buNone/>
+              <a:defRPr sz="1600" b="1">
+                <a:solidFill>
+                  <a:srgbClr val="D13438"/>
+                </a:solidFill>
+              </a:defRPr>
+            </a:pPr>
+            <a:r>
+              <a:t>⚠️ Use your NEW Impact Property Solutions email</a:t>
+            </a:r>
+          </a:p>
+        </p:txBody>
+      </p:sp>
+      <p:sp>
+        <p:nvSpPr>
+          <p:cNvPr id="4" name="TextBox 3"/>
+          <p:cNvSpPr txBox="1"/>
+          <p:nvPr/>
+        </p:nvSpPr>
+        <p:spPr>
+          <a:xfrm>
+            <a:off x="1371600" y="1645920"/>
+            <a:ext cx="6400800" cy="2308324"/>
+          </a:xfrm>
+          <a:prstGeom prst="rect">
+            <a:avLst/>
+          </a:prstGeom>
+          <a:noFill/>
+        </p:spPr>
+        <p:txBody>
+          <a:bodyPr wrap="square">
+            <a:spAutoFit/>
+          </a:bodyPr>
+          <a:lstStyle/>
+          <a:p>
+            <a:pPr marL="365760" indent="-182880" algn="l">
+              <a:defRPr sz="1800" b="0"/>
+            </a:pPr>
+            <a:r>
+              <a:t>Click 'Sign in to sync data'</a:t>
+            </a:r>
+          </a:p>
+          <a:p>
+            <a:pPr marL="365760" indent="-182880" algn="l">
+              <a:buChar char="•"/>
+            </a:pPr>
+            <a:r>
+              <a:t>Enter your work email address:</a:t>
+            </a:r>
+          </a:p>
+          <a:p>
+            <a:pPr marL="0" indent="0">
+              <a:buNone/>
+            </a:pPr>
+            <a:r>
+              <a:t>FirstName.LastName@impactpropertysolutions.com</a:t>
+            </a:r>
+          </a:p>
+          <a:p>
+            <a:pPr marL="365760" indent="-182880" algn="l">
+              <a:buChar char="•"/>
+            </a:pPr>
+            <a:r>
+              <a:t>Click Next</a:t>
+            </a:r>
+          </a:p>
+          <a:p>
+            <a:pPr marL="0" indent="0">
+              <a:buNone/>
+            </a:pPr>
+            <a:r>
+              <a:t>💡 Example: John.Smith@impactpropertysolutions.com</a:t>
+            </a:r>
+          </a:p>
+        </p:txBody>
+      </p:sp>
+    </p:spTree>
+  </p:cSld>
+  <p:clrMapOvr>
+    <a:masterClrMapping/>
+  </p:clrMapOvr>
+</p:sld>
+</file>
+
+<file path=ppt/slides/slide22.xml><?xml version="1.0" encoding="utf-8"?>
+<p:sld xmlns:a="http://schemas.openxmlformats.org/drawingml/2006/main" xmlns:r="http://schemas.openxmlformats.org/officeDocument/2006/relationships" xmlns:p="http://schemas.openxmlformats.org/presentationml/2006/main">
+  <p:cSld>
+    <p:spTree>
+      <p:nvGrpSpPr>
+        <p:cNvPr id="1" name=""/>
+        <p:cNvGrpSpPr/>
+        <p:nvPr/>
+      </p:nvGrpSpPr>
+      <p:grpSpPr>
+        <a:xfrm>
+          <a:off x="0" y="0"/>
+          <a:ext cx="0" cy="0"/>
+          <a:chOff x="0" y="0"/>
+          <a:chExt cx="0" cy="0"/>
+        </a:xfrm>
+      </p:grpSpPr>
+      <p:sp>
+        <p:nvSpPr>
+          <p:cNvPr id="2" name="TextBox 1"/>
+          <p:cNvSpPr txBox="1"/>
+          <p:nvPr/>
+        </p:nvSpPr>
+        <p:spPr>
+          <a:xfrm>
+            <a:off x="914400" y="274320"/>
+            <a:ext cx="7315200" cy="769441"/>
+          </a:xfrm>
+          <a:prstGeom prst="rect">
+            <a:avLst/>
+          </a:prstGeom>
+          <a:noFill/>
+        </p:spPr>
+        <p:txBody>
+          <a:bodyPr wrap="square">
+            <a:spAutoFit/>
+          </a:bodyPr>
+          <a:lstStyle/>
+          <a:p>
+            <a:pPr marL="0" indent="0" algn="ctr">
+              <a:buNone/>
+              <a:defRPr sz="4400" b="1">
+                <a:solidFill>
+                  <a:srgbClr val="0078D4"/>
+                </a:solidFill>
+              </a:defRPr>
+            </a:pPr>
+            <a:r>
+              <a:t>Step 4: Enter Temporary Password</a:t>
+            </a:r>
+          </a:p>
+        </p:txBody>
+      </p:sp>
+      <p:sp>
+        <p:nvSpPr>
+          <p:cNvPr id="3" name="TextBox 2"/>
+          <p:cNvSpPr txBox="1"/>
+          <p:nvPr/>
+        </p:nvSpPr>
+        <p:spPr>
+          <a:xfrm>
+            <a:off x="1371600" y="914400"/>
+            <a:ext cx="6400800" cy="548640"/>
+          </a:xfrm>
+          <a:prstGeom prst="rect">
+            <a:avLst/>
+          </a:prstGeom>
+          <a:noFill/>
+        </p:spPr>
+        <p:txBody>
+          <a:bodyPr wrap="none">
+            <a:spAutoFit/>
+          </a:bodyPr>
+          <a:lstStyle/>
+          <a:p>
+            <a:pPr marL="0" indent="0" algn="ctr">
+              <a:buNone/>
+              <a:defRPr sz="1600" b="1">
+                <a:solidFill>
+                  <a:srgbClr val="D13438"/>
+                </a:solidFill>
+              </a:defRPr>
+            </a:pPr>
+            <a:r>
+              <a:rPr dirty="0"/>
+              <a:t>⚠️ Use the temporary password provided below</a:t>
+            </a:r>
+          </a:p>
+        </p:txBody>
+      </p:sp>
+      <p:sp>
+        <p:nvSpPr>
+          <p:cNvPr id="4" name="TextBox 3"/>
+          <p:cNvSpPr txBox="1"/>
+          <p:nvPr/>
+        </p:nvSpPr>
+        <p:spPr>
+          <a:xfrm>
+            <a:off x="1371600" y="1645920"/>
+            <a:ext cx="6400800" cy="1477328"/>
+          </a:xfrm>
+          <a:prstGeom prst="rect">
+            <a:avLst/>
+          </a:prstGeom>
+          <a:noFill/>
+        </p:spPr>
+        <p:txBody>
+          <a:bodyPr wrap="square">
+            <a:spAutoFit/>
+          </a:bodyPr>
+          <a:lstStyle/>
+          <a:p>
+            <a:pPr marL="365760" indent="-182880" algn="l">
+              <a:defRPr sz="1800" b="0"/>
+            </a:pPr>
+            <a:r>
+              <a:rPr dirty="0"/>
+              <a:t>When prompted for password, enter:</a:t>
+            </a:r>
+          </a:p>
+          <a:p>
+            <a:pPr lvl="2"/>
+            <a:r>
+              <a:rPr dirty="0"/>
+              <a:t>TempPass123!</a:t>
+            </a:r>
+          </a:p>
+          <a:p>
+            <a:pPr marL="365760" indent="-182880" algn="l">
+              <a:buChar char="•"/>
+            </a:pPr>
+            <a:r>
+              <a:rPr dirty="0"/>
+              <a:t>Click Sign in</a:t>
+            </a:r>
+          </a:p>
+          <a:p>
+            <a:pPr marL="182880" algn="l"/>
+            <a:endParaRPr lang="en-US" dirty="0"/>
+          </a:p>
+          <a:p>
+            <a:pPr marL="182880"/>
+            <a:r>
+              <a:rPr dirty="0"/>
+              <a:t>⚠️ This is a temporary password - you </a:t>
+            </a:r>
+            <a:r>
+              <a:rPr lang="en-US" dirty="0"/>
+              <a:t>will </a:t>
+            </a:r>
+            <a:r>
+              <a:rPr dirty="0"/>
+              <a:t>change it</a:t>
+            </a:r>
+            <a:r>
+              <a:rPr lang="en-US" dirty="0"/>
+              <a:t> soon ⚠️</a:t>
+            </a:r>
+            <a:endParaRPr dirty="0"/>
+          </a:p>
+        </p:txBody>
+      </p:sp>
+    </p:spTree>
+  </p:cSld>
+  <p:clrMapOvr>
+    <a:masterClrMapping/>
+  </p:clrMapOvr>
+</p:sld>
+</file>
+
+<file path=ppt/slides/slide23.xml><?xml version="1.0" encoding="utf-8"?>
+<p:sld xmlns:a="http://schemas.openxmlformats.org/drawingml/2006/main" xmlns:r="http://schemas.openxmlformats.org/officeDocument/2006/relationships" xmlns:p="http://schemas.openxmlformats.org/presentationml/2006/main">
+  <p:cSld>
+    <p:spTree>
+      <p:nvGrpSpPr>
+        <p:cNvPr id="1" name=""/>
+        <p:cNvGrpSpPr/>
+        <p:nvPr/>
+      </p:nvGrpSpPr>
+      <p:grpSpPr>
+        <a:xfrm>
+          <a:off x="0" y="0"/>
+          <a:ext cx="0" cy="0"/>
+          <a:chOff x="0" y="0"/>
+          <a:chExt cx="0" cy="0"/>
+        </a:xfrm>
+      </p:grpSpPr>
+      <p:sp>
+        <p:nvSpPr>
+          <p:cNvPr id="2" name="TextBox 1"/>
+          <p:cNvSpPr txBox="1"/>
+          <p:nvPr/>
+        </p:nvSpPr>
+        <p:spPr>
+          <a:xfrm>
+            <a:off x="914400" y="274320"/>
+            <a:ext cx="7315200" cy="769441"/>
+          </a:xfrm>
+          <a:prstGeom prst="rect">
+            <a:avLst/>
+          </a:prstGeom>
+          <a:noFill/>
+        </p:spPr>
+        <p:txBody>
+          <a:bodyPr wrap="square">
+            <a:spAutoFit/>
+          </a:bodyPr>
+          <a:lstStyle/>
+          <a:p>
+            <a:pPr marL="0" indent="0" algn="ctr">
+              <a:buNone/>
+              <a:defRPr sz="4400" b="1">
+                <a:solidFill>
+                  <a:srgbClr val="0078D4"/>
+                </a:solidFill>
+              </a:defRPr>
+            </a:pPr>
+            <a:r>
+              <a:t>Step 6: Complete MFA Setup</a:t>
+            </a:r>
+          </a:p>
+        </p:txBody>
+      </p:sp>
+      <p:sp>
+        <p:nvSpPr>
+          <p:cNvPr id="3" name="TextBox 2"/>
+          <p:cNvSpPr txBox="1"/>
+          <p:nvPr/>
+        </p:nvSpPr>
+        <p:spPr>
+          <a:xfrm>
+            <a:off x="1371600" y="914400"/>
+            <a:ext cx="6400800" cy="548640"/>
+          </a:xfrm>
+          <a:prstGeom prst="rect">
+            <a:avLst/>
+          </a:prstGeom>
+          <a:noFill/>
+        </p:spPr>
+        <p:txBody>
+          <a:bodyPr wrap="none">
+            <a:spAutoFit/>
+          </a:bodyPr>
+          <a:lstStyle/>
+          <a:p>
+            <a:pPr marL="0" indent="0" algn="ctr">
+              <a:buNone/>
+              <a:defRPr sz="1600" b="1">
+                <a:solidFill>
+                  <a:srgbClr val="D13438"/>
+                </a:solidFill>
+              </a:defRPr>
+            </a:pPr>
+            <a:r>
+              <a:t>⚠️ Have your phone ready for verification</a:t>
+            </a:r>
+          </a:p>
+        </p:txBody>
+      </p:sp>
+      <p:sp>
+        <p:nvSpPr>
+          <p:cNvPr id="4" name="TextBox 3"/>
+          <p:cNvSpPr txBox="1"/>
+          <p:nvPr/>
+        </p:nvSpPr>
+        <p:spPr>
+          <a:xfrm>
+            <a:off x="1371600" y="1645920"/>
+            <a:ext cx="6400800" cy="2308324"/>
+          </a:xfrm>
+          <a:prstGeom prst="rect">
+            <a:avLst/>
+          </a:prstGeom>
+          <a:noFill/>
+        </p:spPr>
+        <p:txBody>
+          <a:bodyPr wrap="square">
+            <a:spAutoFit/>
+          </a:bodyPr>
+          <a:lstStyle/>
+          <a:p>
+            <a:pPr marL="365760" indent="-182880" algn="l">
+              <a:defRPr sz="1800" b="0"/>
+            </a:pPr>
+            <a:r>
+              <a:rPr dirty="0"/>
+              <a:t>You may be prompted to set up Microsoft Authenticator</a:t>
+            </a:r>
+          </a:p>
+          <a:p>
+            <a:pPr marL="365760" indent="-182880" algn="l">
+              <a:buChar char="•"/>
+            </a:pPr>
+            <a:r>
+              <a:rPr dirty="0"/>
+              <a:t>Download Microsoft Authenticator app on your phone if needed</a:t>
+            </a:r>
+          </a:p>
+          <a:p>
+            <a:pPr marL="365760" indent="-182880" algn="l">
+              <a:buChar char="•"/>
+            </a:pPr>
+            <a:r>
+              <a:rPr dirty="0"/>
+              <a:t>Scan the QR code with the Authenticator app</a:t>
+            </a:r>
+          </a:p>
+          <a:p>
+            <a:pPr marL="822960" lvl="1" indent="-182880">
+              <a:buChar char="•"/>
+            </a:pPr>
+            <a:r>
+              <a:rPr dirty="0"/>
+              <a:t>OR choose 'I want to set up a different method' for SMS</a:t>
+            </a:r>
+          </a:p>
+          <a:p>
+            <a:pPr marL="365760" indent="-182880" algn="l">
+              <a:buChar char="•"/>
+            </a:pPr>
+            <a:r>
+              <a:rPr dirty="0"/>
+              <a:t>Approve the test notification or enter the code</a:t>
+            </a:r>
+          </a:p>
+          <a:p>
+            <a:pPr marL="0" indent="0">
+              <a:buNone/>
+            </a:pPr>
+            <a:endParaRPr lang="en-US" dirty="0"/>
+          </a:p>
+          <a:p>
+            <a:pPr marL="0" indent="0">
+              <a:buNone/>
+            </a:pPr>
+            <a:r>
+              <a:rPr dirty="0"/>
+              <a:t>💡 Authenticator app is more secure than SMS</a:t>
+            </a:r>
+          </a:p>
+        </p:txBody>
+      </p:sp>
+    </p:spTree>
+  </p:cSld>
+  <p:clrMapOvr>
+    <a:masterClrMapping/>
+  </p:clrMapOvr>
+</p:sld>
+</file>
+
+<file path=ppt/slides/slide24.xml><?xml version="1.0" encoding="utf-8"?>
+<p:sld xmlns:a="http://schemas.openxmlformats.org/drawingml/2006/main" xmlns:r="http://schemas.openxmlformats.org/officeDocument/2006/relationships" xmlns:p="http://schemas.openxmlformats.org/presentationml/2006/main">
+  <p:cSld>
+    <p:spTree>
+      <p:nvGrpSpPr>
         <p:cNvPr id="1" name="">
           <a:extLst>
             <a:ext uri="{FF2B5EF4-FFF2-40B4-BE49-F238E27FC236}">
@@ -7878,7 +9421,7 @@
 </p:sld>
 </file>
 
-<file path=ppt/slides/slide19.xml><?xml version="1.0" encoding="utf-8"?>
+<file path=ppt/slides/slide25.xml><?xml version="1.0" encoding="utf-8"?>
 <p:sld xmlns:a="http://schemas.openxmlformats.org/drawingml/2006/main" xmlns:r="http://schemas.openxmlformats.org/officeDocument/2006/relationships" xmlns:p="http://schemas.openxmlformats.org/presentationml/2006/main">
   <p:cSld>
     <p:spTree>
@@ -8069,208 +9612,7 @@
 </p:sld>
 </file>
 
-<file path=ppt/slides/slide2.xml><?xml version="1.0" encoding="utf-8"?>
-<p:sld xmlns:a="http://schemas.openxmlformats.org/drawingml/2006/main" xmlns:r="http://schemas.openxmlformats.org/officeDocument/2006/relationships" xmlns:p="http://schemas.openxmlformats.org/presentationml/2006/main">
-  <p:cSld>
-    <p:spTree>
-      <p:nvGrpSpPr>
-        <p:cNvPr id="1" name=""/>
-        <p:cNvGrpSpPr/>
-        <p:nvPr/>
-      </p:nvGrpSpPr>
-      <p:grpSpPr>
-        <a:xfrm>
-          <a:off x="0" y="0"/>
-          <a:ext cx="0" cy="0"/>
-          <a:chOff x="0" y="0"/>
-          <a:chExt cx="0" cy="0"/>
-        </a:xfrm>
-      </p:grpSpPr>
-      <p:sp>
-        <p:nvSpPr>
-          <p:cNvPr id="2" name="TextBox 1"/>
-          <p:cNvSpPr txBox="1"/>
-          <p:nvPr/>
-        </p:nvSpPr>
-        <p:spPr>
-          <a:xfrm>
-            <a:off x="914400" y="274320"/>
-            <a:ext cx="7315200" cy="914400"/>
-          </a:xfrm>
-          <a:prstGeom prst="rect">
-            <a:avLst/>
-          </a:prstGeom>
-          <a:noFill/>
-        </p:spPr>
-        <p:txBody>
-          <a:bodyPr wrap="square">
-            <a:spAutoFit/>
-          </a:bodyPr>
-          <a:lstStyle/>
-          <a:p>
-            <a:pPr algn="ctr">
-              <a:defRPr sz="4400" b="1">
-                <a:solidFill>
-                  <a:srgbClr val="0078D4"/>
-                </a:solidFill>
-              </a:defRPr>
-            </a:pPr>
-            <a:r>
-              <a:t>What We'll Back Up Today</a:t>
-            </a:r>
-          </a:p>
-        </p:txBody>
-      </p:sp>
-      <p:sp>
-        <p:nvSpPr>
-          <p:cNvPr id="3" name="TextBox 2"/>
-          <p:cNvSpPr txBox="1"/>
-          <p:nvPr/>
-        </p:nvSpPr>
-        <p:spPr>
-          <a:xfrm>
-            <a:off x="1371600" y="1097280"/>
-            <a:ext cx="6400800" cy="3323987"/>
-          </a:xfrm>
-          <a:prstGeom prst="rect">
-            <a:avLst/>
-          </a:prstGeom>
-          <a:noFill/>
-        </p:spPr>
-        <p:txBody>
-          <a:bodyPr wrap="square">
-            <a:spAutoFit/>
-          </a:bodyPr>
-          <a:lstStyle/>
-          <a:p>
-            <a:pPr>
-              <a:defRPr sz="2400" b="1">
-                <a:solidFill>
-                  <a:srgbClr val="0078D4"/>
-                </a:solidFill>
-              </a:defRPr>
-            </a:pPr>
-            <a:r>
-              <a:rPr dirty="0"/>
-              <a:t>OneDrive Setup &amp; File Sync</a:t>
-            </a:r>
-          </a:p>
-          <a:p>
-            <a:pPr lvl="1">
-              <a:defRPr sz="1800" b="0"/>
-            </a:pPr>
-            <a:r>
-              <a:rPr dirty="0"/>
-              <a:t>Your Desktop, Documents, and Pictures folders</a:t>
-            </a:r>
-          </a:p>
-          <a:p>
-            <a:pPr>
-              <a:defRPr sz="2400" b="1">
-                <a:solidFill>
-                  <a:srgbClr val="0078D4"/>
-                </a:solidFill>
-              </a:defRPr>
-            </a:pPr>
-            <a:r>
-              <a:rPr dirty="0"/>
-              <a:t>Browser Profile</a:t>
-            </a:r>
-          </a:p>
-          <a:p>
-            <a:pPr lvl="1">
-              <a:defRPr sz="1800" b="0"/>
-            </a:pPr>
-            <a:r>
-              <a:rPr dirty="0"/>
-              <a:t>Bookmarks, passwords, and settings</a:t>
-            </a:r>
-          </a:p>
-          <a:p>
-            <a:pPr>
-              <a:defRPr sz="2400" b="1">
-                <a:solidFill>
-                  <a:srgbClr val="0078D4"/>
-                </a:solidFill>
-              </a:defRPr>
-            </a:pPr>
-            <a:r>
-              <a:rPr dirty="0"/>
-              <a:t>Printer Configurations</a:t>
-            </a:r>
-          </a:p>
-          <a:p>
-            <a:pPr lvl="1">
-              <a:defRPr sz="1800" b="0"/>
-            </a:pPr>
-            <a:r>
-              <a:rPr dirty="0"/>
-              <a:t>Screenshot of all mapped printers</a:t>
-            </a:r>
-          </a:p>
-          <a:p>
-            <a:pPr>
-              <a:defRPr sz="2400" b="1">
-                <a:solidFill>
-                  <a:srgbClr val="0078D4"/>
-                </a:solidFill>
-              </a:defRPr>
-            </a:pPr>
-            <a:r>
-              <a:rPr dirty="0" err="1"/>
-              <a:t>WiFi</a:t>
-            </a:r>
-            <a:r>
-              <a:rPr dirty="0"/>
-              <a:t> Network Information</a:t>
-            </a:r>
-          </a:p>
-          <a:p>
-            <a:pPr lvl="1">
-              <a:defRPr sz="1800" b="0"/>
-            </a:pPr>
-            <a:r>
-              <a:rPr dirty="0"/>
-              <a:t>For quick reconnection after reset</a:t>
-            </a:r>
-          </a:p>
-          <a:p>
-            <a:pPr>
-              <a:defRPr sz="2400" b="1">
-                <a:solidFill>
-                  <a:srgbClr val="0078D4"/>
-                </a:solidFill>
-              </a:defRPr>
-            </a:pPr>
-            <a:r>
-              <a:rPr dirty="0"/>
-              <a:t>Outlook Data Files (if applicable)</a:t>
-            </a:r>
-          </a:p>
-          <a:p>
-            <a:pPr lvl="1">
-              <a:defRPr sz="1800" b="0"/>
-            </a:pPr>
-            <a:r>
-              <a:rPr dirty="0"/>
-              <a:t>Personal email archives (PST files</a:t>
-            </a:r>
-            <a:r>
-              <a:rPr lang="en-US" dirty="0"/>
-              <a:t>)</a:t>
-            </a:r>
-          </a:p>
-        </p:txBody>
-      </p:sp>
-    </p:spTree>
-  </p:cSld>
-  <p:clrMapOvr>
-    <a:masterClrMapping/>
-  </p:clrMapOvr>
-</p:sld>
-</file>
-
-<file path=ppt/slides/slide20.xml><?xml version="1.0" encoding="utf-8"?>
+<file path=ppt/slides/slide26.xml><?xml version="1.0" encoding="utf-8"?>
 <p:sld xmlns:a="http://schemas.openxmlformats.org/drawingml/2006/main" xmlns:r="http://schemas.openxmlformats.org/officeDocument/2006/relationships" xmlns:p="http://schemas.openxmlformats.org/presentationml/2006/main">
   <p:cSld>
     <p:spTree>
@@ -8473,7 +9815,7 @@
 </p:sld>
 </file>
 
-<file path=ppt/slides/slide21.xml><?xml version="1.0" encoding="utf-8"?>
+<file path=ppt/slides/slide27.xml><?xml version="1.0" encoding="utf-8"?>
 <p:sld xmlns:a="http://schemas.openxmlformats.org/drawingml/2006/main" xmlns:r="http://schemas.openxmlformats.org/officeDocument/2006/relationships" xmlns:p="http://schemas.openxmlformats.org/presentationml/2006/main">
   <p:cSld>
     <p:spTree>
@@ -8680,7 +10022,7 @@
 </p:sld>
 </file>
 
-<file path=ppt/slides/slide22.xml><?xml version="1.0" encoding="utf-8"?>
+<file path=ppt/slides/slide28.xml><?xml version="1.0" encoding="utf-8"?>
 <p:sld xmlns:a="http://schemas.openxmlformats.org/drawingml/2006/main" xmlns:r="http://schemas.openxmlformats.org/officeDocument/2006/relationships" xmlns:p="http://schemas.openxmlformats.org/presentationml/2006/main">
   <p:cSld>
     <p:spTree>
@@ -8898,7 +10240,7 @@
 </p:sld>
 </file>
 
-<file path=ppt/slides/slide23.xml><?xml version="1.0" encoding="utf-8"?>
+<file path=ppt/slides/slide29.xml><?xml version="1.0" encoding="utf-8"?>
 <p:sld xmlns:a="http://schemas.openxmlformats.org/drawingml/2006/main" xmlns:r="http://schemas.openxmlformats.org/officeDocument/2006/relationships" xmlns:p="http://schemas.openxmlformats.org/presentationml/2006/main">
   <p:cSld>
     <p:spTree>
@@ -9092,7 +10434,7 @@
 </p:sld>
 </file>
 
-<file path=ppt/slides/slide24.xml><?xml version="1.0" encoding="utf-8"?>
+<file path=ppt/slides/slide3.xml><?xml version="1.0" encoding="utf-8"?>
 <p:sld xmlns:a="http://schemas.openxmlformats.org/drawingml/2006/main" xmlns:r="http://schemas.openxmlformats.org/officeDocument/2006/relationships" xmlns:p="http://schemas.openxmlformats.org/presentationml/2006/main">
   <p:cSld>
     <p:spTree>
@@ -9131,8 +10473,7 @@
           </a:bodyPr>
           <a:lstStyle/>
           <a:p>
-            <a:pPr marL="0" indent="0" algn="ctr">
-              <a:buNone/>
+            <a:pPr algn="ctr">
               <a:defRPr sz="4400" b="1">
                 <a:solidFill>
                   <a:srgbClr val="0078D4"/>
@@ -9140,7 +10481,8 @@
               </a:defRPr>
             </a:pPr>
             <a:r>
-              <a:t>Step 7: Wait for Autopilot Setup</a:t>
+              <a:rPr dirty="0"/>
+              <a:t>OneDrive Setup</a:t>
             </a:r>
           </a:p>
         </p:txBody>
@@ -9153,8 +10495,8 @@
         </p:nvSpPr>
         <p:spPr>
           <a:xfrm>
-            <a:off x="2639419" y="1647134"/>
-            <a:ext cx="3865162" cy="584775"/>
+            <a:off x="1371600" y="914400"/>
+            <a:ext cx="6400800" cy="548640"/>
           </a:xfrm>
           <a:prstGeom prst="rect">
             <a:avLst/>
@@ -9166,21 +10508,6 @@
             <a:spAutoFit/>
           </a:bodyPr>
           <a:lstStyle/>
-          <a:p>
-            <a:pPr marL="0" indent="0" algn="ctr">
-              <a:buNone/>
-              <a:defRPr sz="1600" b="1">
-                <a:solidFill>
-                  <a:srgbClr val="D13438"/>
-                </a:solidFill>
-              </a:defRPr>
-            </a:pPr>
-            <a:r>
-              <a:rPr dirty="0"/>
-              <a:t>⚠️ DO NOT turn off or restart your device!</a:t>
-            </a:r>
-            <a:endParaRPr lang="en-US" dirty="0"/>
-          </a:p>
           <a:p>
             <a:pPr algn="ctr">
               <a:defRPr sz="1600" b="1">
@@ -9190,10 +10517,8 @@
               </a:defRPr>
             </a:pPr>
             <a:r>
-              <a:rPr lang="en-US" dirty="0"/>
-              <a:t>⚠️ Ensure your Power Source is Connected!</a:t>
-            </a:r>
-            <a:endParaRPr dirty="0"/>
+              <a:t>⚠️ CRITICAL: OneDrive must be fully synced before proceeding</a:t>
+            </a:r>
           </a:p>
         </p:txBody>
       </p:sp>
@@ -9205,8 +10530,8 @@
         </p:nvSpPr>
         <p:spPr>
           <a:xfrm>
-            <a:off x="1371600" y="2378654"/>
-            <a:ext cx="6400800" cy="1477328"/>
+            <a:off x="0" y="1372137"/>
+            <a:ext cx="6400800" cy="2308324"/>
           </a:xfrm>
           <a:prstGeom prst="rect">
             <a:avLst/>
@@ -9219,57 +10544,177 @@
           </a:bodyPr>
           <a:lstStyle/>
           <a:p>
-            <a:pPr marL="365760" indent="-182880" algn="l">
+            <a:pPr marL="342900" indent="-342900">
+              <a:buFont typeface="+mj-lt"/>
+              <a:buAutoNum type="arabicPeriod"/>
               <a:defRPr sz="1800" b="0"/>
             </a:pPr>
             <a:r>
               <a:rPr dirty="0"/>
-              <a:t>Autopilot will now configure your device automatically</a:t>
-            </a:r>
-          </a:p>
-          <a:p>
-            <a:pPr marL="365760" indent="-182880" algn="l">
-              <a:buChar char="•"/>
-            </a:pPr>
-            <a:r>
-              <a:rPr dirty="0"/>
-              <a:t>You will see 'Setting up your device for work...'</a:t>
-            </a:r>
-          </a:p>
-          <a:p>
-            <a:pPr marL="365760" indent="-182880" algn="l">
-              <a:buChar char="•"/>
-            </a:pPr>
-            <a:r>
-              <a:rPr dirty="0"/>
-              <a:t>This process takes </a:t>
-            </a:r>
-            <a:r>
-              <a:rPr lang="en-US" dirty="0"/>
-              <a:t>can take upwards of an Hour</a:t>
-            </a:r>
-            <a:endParaRPr dirty="0"/>
-          </a:p>
-          <a:p>
-            <a:pPr marL="365760" indent="-182880" algn="l">
-              <a:buChar char="•"/>
-            </a:pPr>
-            <a:r>
-              <a:rPr dirty="0"/>
-              <a:t>Your device may restart several times - this is normal</a:t>
-            </a:r>
-          </a:p>
-          <a:p>
-            <a:pPr marL="365760" indent="-182880" algn="l">
-              <a:buChar char="•"/>
-            </a:pPr>
-            <a:r>
-              <a:rPr dirty="0"/>
-              <a:t>Wait until you see the Windows sign-in screen</a:t>
-            </a:r>
-          </a:p>
-        </p:txBody>
-      </p:sp>
+              <a:t>Find OneDrive icon in system tray (cloud icon, bottom right)</a:t>
+            </a:r>
+          </a:p>
+          <a:p>
+            <a:pPr marL="342900" indent="-342900">
+              <a:buFont typeface="+mj-lt"/>
+              <a:buAutoNum type="arabicPeriod"/>
+              <a:defRPr sz="1800" b="0"/>
+            </a:pPr>
+            <a:r>
+              <a:rPr dirty="0"/>
+              <a:t>Click icon → Sign in with </a:t>
+            </a:r>
+            <a:r>
+              <a:rPr dirty="0" err="1"/>
+              <a:t>INGINC.com</a:t>
+            </a:r>
+            <a:r>
+              <a:rPr dirty="0"/>
+              <a:t> account</a:t>
+            </a:r>
+          </a:p>
+          <a:p>
+            <a:pPr marL="342900" indent="-342900">
+              <a:buFont typeface="+mj-lt"/>
+              <a:buAutoNum type="arabicPeriod"/>
+              <a:defRPr sz="1800" b="0"/>
+            </a:pPr>
+            <a:r>
+              <a:rPr dirty="0"/>
+              <a:t>Settings (gear) → Sync and backup → Manage backup</a:t>
+            </a:r>
+          </a:p>
+          <a:p>
+            <a:pPr marL="342900" indent="-342900">
+              <a:buFont typeface="+mj-lt"/>
+              <a:buAutoNum type="arabicPeriod"/>
+              <a:defRPr sz="1800" b="1">
+                <a:solidFill>
+                  <a:srgbClr val="0078D4"/>
+                </a:solidFill>
+              </a:defRPr>
+            </a:pPr>
+            <a:r>
+              <a:rPr dirty="0"/>
+              <a:t>Enable all three folders:</a:t>
+            </a:r>
+          </a:p>
+          <a:p>
+            <a:pPr lvl="1">
+              <a:defRPr sz="1800" b="0">
+                <a:solidFill>
+                  <a:srgbClr val="107C10"/>
+                </a:solidFill>
+              </a:defRPr>
+            </a:pPr>
+            <a:r>
+              <a:rPr dirty="0"/>
+              <a:t>✓ Desktop</a:t>
+            </a:r>
+          </a:p>
+          <a:p>
+            <a:pPr lvl="1">
+              <a:defRPr sz="1800" b="0">
+                <a:solidFill>
+                  <a:srgbClr val="107C10"/>
+                </a:solidFill>
+              </a:defRPr>
+            </a:pPr>
+            <a:r>
+              <a:rPr dirty="0"/>
+              <a:t>✓ Documents</a:t>
+            </a:r>
+          </a:p>
+          <a:p>
+            <a:pPr lvl="1">
+              <a:defRPr sz="1800" b="0">
+                <a:solidFill>
+                  <a:srgbClr val="107C10"/>
+                </a:solidFill>
+              </a:defRPr>
+            </a:pPr>
+            <a:r>
+              <a:rPr dirty="0"/>
+              <a:t>✓ Pictures</a:t>
+            </a:r>
+          </a:p>
+          <a:p>
+            <a:pPr marL="342900" indent="-342900">
+              <a:buFont typeface="+mj-lt"/>
+              <a:buAutoNum type="arabicPeriod"/>
+              <a:defRPr sz="1800" b="1">
+                <a:solidFill>
+                  <a:srgbClr val="0078D4"/>
+                </a:solidFill>
+              </a:defRPr>
+            </a:pPr>
+            <a:r>
+              <a:rPr dirty="0"/>
+              <a:t>Click 'Start backup' and wait for green checkmark ✓</a:t>
+            </a:r>
+          </a:p>
+        </p:txBody>
+      </p:sp>
+      <p:pic>
+        <p:nvPicPr>
+          <p:cNvPr id="5" name="Picture 4">
+            <a:extLst>
+              <a:ext uri="{FF2B5EF4-FFF2-40B4-BE49-F238E27FC236}">
+                <a16:creationId xmlns:a16="http://schemas.microsoft.com/office/drawing/2014/main" id="{530FC905-3728-8A95-4EDE-2A1C07482BFF}"/>
+              </a:ext>
+            </a:extLst>
+          </p:cNvPr>
+          <p:cNvPicPr>
+            <a:picLocks noChangeAspect="1"/>
+          </p:cNvPicPr>
+          <p:nvPr/>
+        </p:nvPicPr>
+        <p:blipFill>
+          <a:blip r:embed="rId3"/>
+          <a:stretch>
+            <a:fillRect/>
+          </a:stretch>
+        </p:blipFill>
+        <p:spPr>
+          <a:xfrm>
+            <a:off x="6201397" y="3383895"/>
+            <a:ext cx="2868087" cy="1690409"/>
+          </a:xfrm>
+          <a:prstGeom prst="rect">
+            <a:avLst/>
+          </a:prstGeom>
+        </p:spPr>
+      </p:pic>
+      <p:pic>
+        <p:nvPicPr>
+          <p:cNvPr id="7" name="Picture 6">
+            <a:extLst>
+              <a:ext uri="{FF2B5EF4-FFF2-40B4-BE49-F238E27FC236}">
+                <a16:creationId xmlns:a16="http://schemas.microsoft.com/office/drawing/2014/main" id="{F6FBC68D-44F7-11E5-3BBB-5CC72609D2FC}"/>
+              </a:ext>
+            </a:extLst>
+          </p:cNvPr>
+          <p:cNvPicPr>
+            <a:picLocks noChangeAspect="1"/>
+          </p:cNvPicPr>
+          <p:nvPr/>
+        </p:nvPicPr>
+        <p:blipFill>
+          <a:blip r:embed="rId4"/>
+          <a:stretch>
+            <a:fillRect/>
+          </a:stretch>
+        </p:blipFill>
+        <p:spPr>
+          <a:xfrm>
+            <a:off x="74516" y="3532177"/>
+            <a:ext cx="2660973" cy="1393843"/>
+          </a:xfrm>
+          <a:prstGeom prst="rect">
+            <a:avLst/>
+          </a:prstGeom>
+        </p:spPr>
+      </p:pic>
     </p:spTree>
   </p:cSld>
   <p:clrMapOvr>
@@ -9278,7 +10723,7 @@
 </p:sld>
 </file>
 
-<file path=ppt/slides/slide25.xml><?xml version="1.0" encoding="utf-8"?>
+<file path=ppt/slides/slide30.xml><?xml version="1.0" encoding="utf-8"?>
 <p:sld xmlns:a="http://schemas.openxmlformats.org/drawingml/2006/main" xmlns:r="http://schemas.openxmlformats.org/officeDocument/2006/relationships" xmlns:p="http://schemas.openxmlformats.org/presentationml/2006/main">
   <p:cSld>
     <p:spTree>
@@ -9326,8 +10771,7 @@
               </a:defRPr>
             </a:pPr>
             <a:r>
-              <a:rPr dirty="0"/>
-              <a:t>Sign In to Windows</a:t>
+              <a:t>Step 7: Wait for Autopilot Setup</a:t>
             </a:r>
           </a:p>
         </p:txBody>
@@ -9340,8 +10784,8 @@
         </p:nvSpPr>
         <p:spPr>
           <a:xfrm>
-            <a:off x="1371600" y="914400"/>
-            <a:ext cx="6400800" cy="548640"/>
+            <a:off x="2639419" y="1647134"/>
+            <a:ext cx="3865162" cy="584775"/>
           </a:xfrm>
           <a:prstGeom prst="rect">
             <a:avLst/>
@@ -9363,8 +10807,24 @@
               </a:defRPr>
             </a:pPr>
             <a:r>
-              <a:t>Final sign-in after Autopilot completes</a:t>
-            </a:r>
+              <a:rPr dirty="0"/>
+              <a:t>⚠️ DO NOT turn off or restart your device!</a:t>
+            </a:r>
+            <a:endParaRPr lang="en-US" dirty="0"/>
+          </a:p>
+          <a:p>
+            <a:pPr algn="ctr">
+              <a:defRPr sz="1600" b="1">
+                <a:solidFill>
+                  <a:srgbClr val="D13438"/>
+                </a:solidFill>
+              </a:defRPr>
+            </a:pPr>
+            <a:r>
+              <a:rPr lang="en-US" dirty="0"/>
+              <a:t>⚠️ Ensure your Power Source is Connected!</a:t>
+            </a:r>
+            <a:endParaRPr dirty="0"/>
           </a:p>
         </p:txBody>
       </p:sp>
@@ -9376,8 +10836,8 @@
         </p:nvSpPr>
         <p:spPr>
           <a:xfrm>
-            <a:off x="1371600" y="2480132"/>
-            <a:ext cx="6400800" cy="1200329"/>
+            <a:off x="1371600" y="2378654"/>
+            <a:ext cx="6400800" cy="1477328"/>
           </a:xfrm>
           <a:prstGeom prst="rect">
             <a:avLst/>
@@ -9390,61 +10850,53 @@
           </a:bodyPr>
           <a:lstStyle/>
           <a:p>
-            <a:pPr marL="365760" indent="-182880">
+            <a:pPr marL="365760" indent="-182880" algn="l">
               <a:defRPr sz="1800" b="0"/>
             </a:pPr>
             <a:r>
               <a:rPr dirty="0"/>
-              <a:t>At the Windows sign-in screen, enter your email:</a:t>
-            </a:r>
-            <a:endParaRPr lang="en-US" dirty="0"/>
-          </a:p>
-          <a:p>
-            <a:pPr marL="365760" indent="-182880">
-              <a:defRPr sz="1800" b="0"/>
-            </a:pPr>
+              <a:t>Autopilot will now configure your device automatically</a:t>
+            </a:r>
+          </a:p>
+          <a:p>
+            <a:pPr marL="365760" indent="-182880" algn="l">
+              <a:buChar char="•"/>
+            </a:pPr>
+            <a:r>
+              <a:rPr dirty="0"/>
+              <a:t>You will see 'Setting up your device for work...'</a:t>
+            </a:r>
+          </a:p>
+          <a:p>
+            <a:pPr marL="365760" indent="-182880" algn="l">
+              <a:buChar char="•"/>
+            </a:pPr>
+            <a:r>
+              <a:rPr dirty="0"/>
+              <a:t>This process takes </a:t>
+            </a:r>
             <a:r>
               <a:rPr lang="en-US" dirty="0"/>
-              <a:t>	</a:t>
-            </a:r>
-            <a:r>
-              <a:rPr b="1" u="sng" dirty="0" err="1"/>
-              <a:t>FirstName.LastName@impactpropertysolutions.com</a:t>
-            </a:r>
-            <a:endParaRPr b="1" u="sng" dirty="0"/>
-          </a:p>
-          <a:p>
-            <a:pPr marL="822960" lvl="1" indent="-182880">
+              <a:t>can take upwards of an Hour</a:t>
+            </a:r>
+            <a:endParaRPr dirty="0"/>
+          </a:p>
+          <a:p>
+            <a:pPr marL="365760" indent="-182880" algn="l">
               <a:buChar char="•"/>
             </a:pPr>
             <a:r>
               <a:rPr dirty="0"/>
-              <a:t>Enter your Microsoft 365 password</a:t>
-            </a:r>
-          </a:p>
-          <a:p>
-            <a:pPr marL="822960" lvl="1" indent="-182880">
+              <a:t>Your device may restart several times - this is normal</a:t>
+            </a:r>
+          </a:p>
+          <a:p>
+            <a:pPr marL="365760" indent="-182880" algn="l">
               <a:buChar char="•"/>
             </a:pPr>
             <a:r>
               <a:rPr dirty="0"/>
-              <a:t>Complete MFA</a:t>
-            </a:r>
-            <a:r>
-              <a:rPr lang="en-US" dirty="0"/>
-              <a:t>/Password Reset</a:t>
-            </a:r>
-            <a:r>
-              <a:rPr dirty="0"/>
-              <a:t> </a:t>
-            </a:r>
-            <a:r>
-              <a:rPr lang="en-US" dirty="0"/>
-              <a:t>as </a:t>
-            </a:r>
-            <a:r>
-              <a:rPr dirty="0"/>
-              <a:t>prompted</a:t>
+              <a:t>Wait until you see the Windows sign-in screen</a:t>
             </a:r>
           </a:p>
         </p:txBody>
@@ -9457,7 +10909,186 @@
 </p:sld>
 </file>
 
-<file path=ppt/slides/slide26.xml><?xml version="1.0" encoding="utf-8"?>
+<file path=ppt/slides/slide31.xml><?xml version="1.0" encoding="utf-8"?>
+<p:sld xmlns:a="http://schemas.openxmlformats.org/drawingml/2006/main" xmlns:r="http://schemas.openxmlformats.org/officeDocument/2006/relationships" xmlns:p="http://schemas.openxmlformats.org/presentationml/2006/main">
+  <p:cSld>
+    <p:spTree>
+      <p:nvGrpSpPr>
+        <p:cNvPr id="1" name=""/>
+        <p:cNvGrpSpPr/>
+        <p:nvPr/>
+      </p:nvGrpSpPr>
+      <p:grpSpPr>
+        <a:xfrm>
+          <a:off x="0" y="0"/>
+          <a:ext cx="0" cy="0"/>
+          <a:chOff x="0" y="0"/>
+          <a:chExt cx="0" cy="0"/>
+        </a:xfrm>
+      </p:grpSpPr>
+      <p:sp>
+        <p:nvSpPr>
+          <p:cNvPr id="2" name="TextBox 1"/>
+          <p:cNvSpPr txBox="1"/>
+          <p:nvPr/>
+        </p:nvSpPr>
+        <p:spPr>
+          <a:xfrm>
+            <a:off x="914400" y="274320"/>
+            <a:ext cx="7315200" cy="769441"/>
+          </a:xfrm>
+          <a:prstGeom prst="rect">
+            <a:avLst/>
+          </a:prstGeom>
+          <a:noFill/>
+        </p:spPr>
+        <p:txBody>
+          <a:bodyPr wrap="square">
+            <a:spAutoFit/>
+          </a:bodyPr>
+          <a:lstStyle/>
+          <a:p>
+            <a:pPr marL="0" indent="0" algn="ctr">
+              <a:buNone/>
+              <a:defRPr sz="4400" b="1">
+                <a:solidFill>
+                  <a:srgbClr val="0078D4"/>
+                </a:solidFill>
+              </a:defRPr>
+            </a:pPr>
+            <a:r>
+              <a:rPr dirty="0"/>
+              <a:t>Sign In to Windows</a:t>
+            </a:r>
+          </a:p>
+        </p:txBody>
+      </p:sp>
+      <p:sp>
+        <p:nvSpPr>
+          <p:cNvPr id="3" name="TextBox 2"/>
+          <p:cNvSpPr txBox="1"/>
+          <p:nvPr/>
+        </p:nvSpPr>
+        <p:spPr>
+          <a:xfrm>
+            <a:off x="1371600" y="914400"/>
+            <a:ext cx="6400800" cy="548640"/>
+          </a:xfrm>
+          <a:prstGeom prst="rect">
+            <a:avLst/>
+          </a:prstGeom>
+          <a:noFill/>
+        </p:spPr>
+        <p:txBody>
+          <a:bodyPr wrap="none">
+            <a:spAutoFit/>
+          </a:bodyPr>
+          <a:lstStyle/>
+          <a:p>
+            <a:pPr marL="0" indent="0" algn="ctr">
+              <a:buNone/>
+              <a:defRPr sz="1600" b="1">
+                <a:solidFill>
+                  <a:srgbClr val="D13438"/>
+                </a:solidFill>
+              </a:defRPr>
+            </a:pPr>
+            <a:r>
+              <a:t>Final sign-in after Autopilot completes</a:t>
+            </a:r>
+          </a:p>
+        </p:txBody>
+      </p:sp>
+      <p:sp>
+        <p:nvSpPr>
+          <p:cNvPr id="4" name="TextBox 3"/>
+          <p:cNvSpPr txBox="1"/>
+          <p:nvPr/>
+        </p:nvSpPr>
+        <p:spPr>
+          <a:xfrm>
+            <a:off x="1371600" y="2480132"/>
+            <a:ext cx="6400800" cy="1200329"/>
+          </a:xfrm>
+          <a:prstGeom prst="rect">
+            <a:avLst/>
+          </a:prstGeom>
+          <a:noFill/>
+        </p:spPr>
+        <p:txBody>
+          <a:bodyPr wrap="square">
+            <a:spAutoFit/>
+          </a:bodyPr>
+          <a:lstStyle/>
+          <a:p>
+            <a:pPr marL="365760" indent="-182880">
+              <a:defRPr sz="1800" b="0"/>
+            </a:pPr>
+            <a:r>
+              <a:rPr dirty="0"/>
+              <a:t>At the Windows sign-in screen, enter your email:</a:t>
+            </a:r>
+            <a:endParaRPr lang="en-US" dirty="0"/>
+          </a:p>
+          <a:p>
+            <a:pPr marL="365760" indent="-182880">
+              <a:defRPr sz="1800" b="0"/>
+            </a:pPr>
+            <a:r>
+              <a:rPr lang="en-US" dirty="0"/>
+              <a:t>	</a:t>
+            </a:r>
+            <a:r>
+              <a:rPr b="1" u="sng" dirty="0" err="1"/>
+              <a:t>FirstName.LastName@impactpropertysolutions.com</a:t>
+            </a:r>
+            <a:endParaRPr b="1" u="sng" dirty="0"/>
+          </a:p>
+          <a:p>
+            <a:pPr marL="822960" lvl="1" indent="-182880">
+              <a:buChar char="•"/>
+            </a:pPr>
+            <a:r>
+              <a:rPr dirty="0"/>
+              <a:t>Enter your Microsoft 365 password</a:t>
+            </a:r>
+          </a:p>
+          <a:p>
+            <a:pPr marL="822960" lvl="1" indent="-182880">
+              <a:buChar char="•"/>
+            </a:pPr>
+            <a:r>
+              <a:rPr dirty="0"/>
+              <a:t>Complete MFA</a:t>
+            </a:r>
+            <a:r>
+              <a:rPr lang="en-US" dirty="0"/>
+              <a:t>/Password Reset</a:t>
+            </a:r>
+            <a:r>
+              <a:rPr dirty="0"/>
+              <a:t> </a:t>
+            </a:r>
+            <a:r>
+              <a:rPr lang="en-US" dirty="0"/>
+              <a:t>as </a:t>
+            </a:r>
+            <a:r>
+              <a:rPr dirty="0"/>
+              <a:t>prompted</a:t>
+            </a:r>
+          </a:p>
+        </p:txBody>
+      </p:sp>
+    </p:spTree>
+  </p:cSld>
+  <p:clrMapOvr>
+    <a:masterClrMapping/>
+  </p:clrMapOvr>
+</p:sld>
+</file>
+
+<file path=ppt/slides/slide32.xml><?xml version="1.0" encoding="utf-8"?>
 <p:sld xmlns:a="http://schemas.openxmlformats.org/drawingml/2006/main" xmlns:r="http://schemas.openxmlformats.org/officeDocument/2006/relationships" xmlns:p="http://schemas.openxmlformats.org/presentationml/2006/main">
   <p:cSld>
     <p:spTree>
@@ -9673,7 +11304,7 @@
 </p:sld>
 </file>
 
-<file path=ppt/slides/slide27.xml><?xml version="1.0" encoding="utf-8"?>
+<file path=ppt/slides/slide33.xml><?xml version="1.0" encoding="utf-8"?>
 <p:sld xmlns:a="http://schemas.openxmlformats.org/drawingml/2006/main" xmlns:r="http://schemas.openxmlformats.org/officeDocument/2006/relationships" xmlns:p="http://schemas.openxmlformats.org/presentationml/2006/main">
   <p:cSld>
     <p:spTree>
@@ -9903,7 +11534,7 @@
 </p:sld>
 </file>
 
-<file path=ppt/slides/slide28.xml><?xml version="1.0" encoding="utf-8"?>
+<file path=ppt/slides/slide34.xml><?xml version="1.0" encoding="utf-8"?>
 <p:sld xmlns:a="http://schemas.openxmlformats.org/drawingml/2006/main" xmlns:r="http://schemas.openxmlformats.org/officeDocument/2006/relationships" xmlns:p="http://schemas.openxmlformats.org/presentationml/2006/main">
   <p:cSld>
     <p:spTree>
@@ -10051,7 +11682,7 @@
 </p:sld>
 </file>
 
-<file path=ppt/slides/slide29.xml><?xml version="1.0" encoding="utf-8"?>
+<file path=ppt/slides/slide35.xml><?xml version="1.0" encoding="utf-8"?>
 <p:sld xmlns:a="http://schemas.openxmlformats.org/drawingml/2006/main" xmlns:r="http://schemas.openxmlformats.org/officeDocument/2006/relationships" xmlns:p="http://schemas.openxmlformats.org/presentationml/2006/main">
   <p:cSld>
     <p:spTree>
@@ -10250,7 +11881,7 @@
 </p:sld>
 </file>
 
-<file path=ppt/slides/slide3.xml><?xml version="1.0" encoding="utf-8"?>
+<file path=ppt/slides/slide36.xml><?xml version="1.0" encoding="utf-8"?>
 <p:sld xmlns:a="http://schemas.openxmlformats.org/drawingml/2006/main" xmlns:r="http://schemas.openxmlformats.org/officeDocument/2006/relationships" xmlns:p="http://schemas.openxmlformats.org/presentationml/2006/main">
   <p:cSld>
     <p:spTree>
@@ -10289,7 +11920,8 @@
           </a:bodyPr>
           <a:lstStyle/>
           <a:p>
-            <a:pPr algn="ctr">
+            <a:pPr marL="0" indent="0" algn="ctr">
+              <a:buNone/>
               <a:defRPr sz="4400" b="1">
                 <a:solidFill>
                   <a:srgbClr val="0078D4"/>
@@ -10298,7 +11930,15 @@
             </a:pPr>
             <a:r>
               <a:rPr dirty="0"/>
-              <a:t>OneDrive Setup</a:t>
+              <a:t>Step 5: </a:t>
+            </a:r>
+            <a:r>
+              <a:rPr lang="en-US" dirty="0"/>
+              <a:t>Attach</a:t>
+            </a:r>
+            <a:r>
+              <a:rPr dirty="0"/>
+              <a:t> Outlook PST</a:t>
             </a:r>
           </a:p>
         </p:txBody>
@@ -10311,7 +11951,7 @@
         </p:nvSpPr>
         <p:spPr>
           <a:xfrm>
-            <a:off x="1371600" y="914400"/>
+            <a:off x="1371600" y="1503219"/>
             <a:ext cx="6400800" cy="548640"/>
           </a:xfrm>
           <a:prstGeom prst="rect">
@@ -10325,7 +11965,8 @@
           </a:bodyPr>
           <a:lstStyle/>
           <a:p>
-            <a:pPr algn="ctr">
+            <a:pPr marL="0" indent="0" algn="ctr">
+              <a:buNone/>
               <a:defRPr sz="1600" b="1">
                 <a:solidFill>
                   <a:srgbClr val="D13438"/>
@@ -10333,7 +11974,8 @@
               </a:defRPr>
             </a:pPr>
             <a:r>
-              <a:t>⚠️ CRITICAL: OneDrive must be fully synced before proceeding</a:t>
+              <a:rPr dirty="0"/>
+              <a:t>⚠️ Only if you had PST files backed up in Phase 1</a:t>
             </a:r>
           </a:p>
         </p:txBody>
@@ -10346,7 +11988,7 @@
         </p:nvSpPr>
         <p:spPr>
           <a:xfrm>
-            <a:off x="0" y="1372137"/>
+            <a:off x="1371600" y="2234739"/>
             <a:ext cx="6400800" cy="2308324"/>
           </a:xfrm>
           <a:prstGeom prst="rect">
@@ -10360,177 +12002,84 @@
           </a:bodyPr>
           <a:lstStyle/>
           <a:p>
-            <a:pPr marL="342900" indent="-342900">
-              <a:buFont typeface="+mj-lt"/>
-              <a:buAutoNum type="arabicPeriod"/>
+            <a:pPr marL="365760" indent="-182880" algn="l">
               <a:defRPr sz="1800" b="0"/>
             </a:pPr>
             <a:r>
               <a:rPr dirty="0"/>
-              <a:t>Find OneDrive icon in system tray (cloud icon, bottom right)</a:t>
-            </a:r>
-          </a:p>
-          <a:p>
-            <a:pPr marL="342900" indent="-342900">
-              <a:buFont typeface="+mj-lt"/>
-              <a:buAutoNum type="arabicPeriod"/>
-              <a:defRPr sz="1800" b="0"/>
-            </a:pPr>
-            <a:r>
-              <a:rPr dirty="0"/>
-              <a:t>Click icon → Sign in with </a:t>
+              <a:t>Open Outlook and wait for mailbox to fully sync</a:t>
+            </a:r>
+          </a:p>
+          <a:p>
+            <a:pPr marL="365760" indent="-182880" algn="l">
+              <a:buChar char="•"/>
+            </a:pPr>
+            <a:r>
+              <a:rPr dirty="0"/>
+              <a:t>Go to File → Open &amp; Export → Open Outlook Data File</a:t>
+            </a:r>
+          </a:p>
+          <a:p>
+            <a:pPr marL="365760" indent="-182880" algn="l">
+              <a:buChar char="•"/>
+            </a:pPr>
+            <a:r>
+              <a:rPr dirty="0"/>
+              <a:t>Navigate to OneDrive → Documents</a:t>
+            </a:r>
+          </a:p>
+          <a:p>
+            <a:pPr marL="365760" indent="-182880" algn="l">
+              <a:buChar char="•"/>
+            </a:pPr>
+            <a:r>
+              <a:rPr dirty="0"/>
+              <a:t>Select your backed up .</a:t>
             </a:r>
             <a:r>
               <a:rPr dirty="0" err="1"/>
-              <a:t>INGINC.com</a:t>
-            </a:r>
-            <a:r>
-              <a:rPr dirty="0"/>
-              <a:t> account</a:t>
-            </a:r>
-          </a:p>
-          <a:p>
-            <a:pPr marL="342900" indent="-342900">
-              <a:buFont typeface="+mj-lt"/>
-              <a:buAutoNum type="arabicPeriod"/>
-              <a:defRPr sz="1800" b="0"/>
-            </a:pPr>
-            <a:r>
-              <a:rPr dirty="0"/>
-              <a:t>Settings (gear) → Sync and backup → Manage backup</a:t>
-            </a:r>
-          </a:p>
-          <a:p>
-            <a:pPr marL="342900" indent="-342900">
-              <a:buFont typeface="+mj-lt"/>
-              <a:buAutoNum type="arabicPeriod"/>
-              <a:defRPr sz="1800" b="1">
-                <a:solidFill>
-                  <a:srgbClr val="0078D4"/>
-                </a:solidFill>
-              </a:defRPr>
-            </a:pPr>
-            <a:r>
-              <a:rPr dirty="0"/>
-              <a:t>Enable all three folders:</a:t>
-            </a:r>
-          </a:p>
-          <a:p>
-            <a:pPr lvl="1">
-              <a:defRPr sz="1800" b="0">
-                <a:solidFill>
-                  <a:srgbClr val="107C10"/>
-                </a:solidFill>
-              </a:defRPr>
-            </a:pPr>
-            <a:r>
-              <a:rPr dirty="0"/>
-              <a:t>✓ Desktop</a:t>
-            </a:r>
-          </a:p>
-          <a:p>
-            <a:pPr lvl="1">
-              <a:defRPr sz="1800" b="0">
-                <a:solidFill>
-                  <a:srgbClr val="107C10"/>
-                </a:solidFill>
-              </a:defRPr>
-            </a:pPr>
-            <a:r>
-              <a:rPr dirty="0"/>
-              <a:t>✓ Documents</a:t>
-            </a:r>
-          </a:p>
-          <a:p>
-            <a:pPr lvl="1">
-              <a:defRPr sz="1800" b="0">
-                <a:solidFill>
-                  <a:srgbClr val="107C10"/>
-                </a:solidFill>
-              </a:defRPr>
-            </a:pPr>
-            <a:r>
-              <a:rPr dirty="0"/>
-              <a:t>✓ Pictures</a:t>
-            </a:r>
-          </a:p>
-          <a:p>
-            <a:pPr marL="342900" indent="-342900">
-              <a:buFont typeface="+mj-lt"/>
-              <a:buAutoNum type="arabicPeriod"/>
-              <a:defRPr sz="1800" b="1">
-                <a:solidFill>
-                  <a:srgbClr val="0078D4"/>
-                </a:solidFill>
-              </a:defRPr>
-            </a:pPr>
-            <a:r>
-              <a:rPr dirty="0"/>
-              <a:t>Click 'Start backup' and wait for green checkmark ✓</a:t>
-            </a:r>
-          </a:p>
-        </p:txBody>
-      </p:sp>
-      <p:pic>
-        <p:nvPicPr>
-          <p:cNvPr id="5" name="Picture 4">
-            <a:extLst>
-              <a:ext uri="{FF2B5EF4-FFF2-40B4-BE49-F238E27FC236}">
-                <a16:creationId xmlns:a16="http://schemas.microsoft.com/office/drawing/2014/main" id="{530FC905-3728-8A95-4EDE-2A1C07482BFF}"/>
-              </a:ext>
-            </a:extLst>
-          </p:cNvPr>
-          <p:cNvPicPr>
-            <a:picLocks noChangeAspect="1"/>
-          </p:cNvPicPr>
-          <p:nvPr/>
-        </p:nvPicPr>
-        <p:blipFill>
-          <a:blip r:embed="rId3"/>
-          <a:stretch>
-            <a:fillRect/>
-          </a:stretch>
-        </p:blipFill>
-        <p:spPr>
-          <a:xfrm>
-            <a:off x="6201397" y="3383895"/>
-            <a:ext cx="2868087" cy="1690409"/>
-          </a:xfrm>
-          <a:prstGeom prst="rect">
-            <a:avLst/>
-          </a:prstGeom>
-        </p:spPr>
-      </p:pic>
-      <p:pic>
-        <p:nvPicPr>
-          <p:cNvPr id="7" name="Picture 6">
-            <a:extLst>
-              <a:ext uri="{FF2B5EF4-FFF2-40B4-BE49-F238E27FC236}">
-                <a16:creationId xmlns:a16="http://schemas.microsoft.com/office/drawing/2014/main" id="{F6FBC68D-44F7-11E5-3BBB-5CC72609D2FC}"/>
-              </a:ext>
-            </a:extLst>
-          </p:cNvPr>
-          <p:cNvPicPr>
-            <a:picLocks noChangeAspect="1"/>
-          </p:cNvPicPr>
-          <p:nvPr/>
-        </p:nvPicPr>
-        <p:blipFill>
-          <a:blip r:embed="rId4"/>
-          <a:stretch>
-            <a:fillRect/>
-          </a:stretch>
-        </p:blipFill>
-        <p:spPr>
-          <a:xfrm>
-            <a:off x="74516" y="3532177"/>
-            <a:ext cx="2660973" cy="1393843"/>
-          </a:xfrm>
-          <a:prstGeom prst="rect">
-            <a:avLst/>
-          </a:prstGeom>
-        </p:spPr>
-      </p:pic>
+              <a:t>pst</a:t>
+            </a:r>
+            <a:r>
+              <a:rPr dirty="0"/>
+              <a:t> file</a:t>
+            </a:r>
+          </a:p>
+          <a:p>
+            <a:pPr marL="365760" indent="-182880" algn="l">
+              <a:buChar char="•"/>
+            </a:pPr>
+            <a:r>
+              <a:rPr dirty="0"/>
+              <a:t>Click OK - the PST will appear in your folder list</a:t>
+            </a:r>
+          </a:p>
+          <a:p>
+            <a:pPr marL="0" indent="0">
+              <a:buNone/>
+            </a:pPr>
+            <a:endParaRPr lang="en-US" dirty="0"/>
+          </a:p>
+          <a:p>
+            <a:pPr marL="0" indent="0">
+              <a:buNone/>
+            </a:pPr>
+            <a:r>
+              <a:rPr dirty="0"/>
+              <a:t>💡 PST folders appear at bottom of folder pane</a:t>
+            </a:r>
+          </a:p>
+          <a:p>
+            <a:pPr marL="0" indent="0">
+              <a:buNone/>
+            </a:pPr>
+            <a:r>
+              <a:rPr dirty="0"/>
+              <a:t>💡 You can drag emails from PST to your main mailbox if needed</a:t>
+            </a:r>
+          </a:p>
+        </p:txBody>
+      </p:sp>
     </p:spTree>
   </p:cSld>
   <p:clrMapOvr>
@@ -10539,214 +12088,7 @@
 </p:sld>
 </file>
 
-<file path=ppt/slides/slide30.xml><?xml version="1.0" encoding="utf-8"?>
-<p:sld xmlns:a="http://schemas.openxmlformats.org/drawingml/2006/main" xmlns:r="http://schemas.openxmlformats.org/officeDocument/2006/relationships" xmlns:p="http://schemas.openxmlformats.org/presentationml/2006/main">
-  <p:cSld>
-    <p:spTree>
-      <p:nvGrpSpPr>
-        <p:cNvPr id="1" name=""/>
-        <p:cNvGrpSpPr/>
-        <p:nvPr/>
-      </p:nvGrpSpPr>
-      <p:grpSpPr>
-        <a:xfrm>
-          <a:off x="0" y="0"/>
-          <a:ext cx="0" cy="0"/>
-          <a:chOff x="0" y="0"/>
-          <a:chExt cx="0" cy="0"/>
-        </a:xfrm>
-      </p:grpSpPr>
-      <p:sp>
-        <p:nvSpPr>
-          <p:cNvPr id="2" name="TextBox 1"/>
-          <p:cNvSpPr txBox="1"/>
-          <p:nvPr/>
-        </p:nvSpPr>
-        <p:spPr>
-          <a:xfrm>
-            <a:off x="914400" y="274320"/>
-            <a:ext cx="7315200" cy="769441"/>
-          </a:xfrm>
-          <a:prstGeom prst="rect">
-            <a:avLst/>
-          </a:prstGeom>
-          <a:noFill/>
-        </p:spPr>
-        <p:txBody>
-          <a:bodyPr wrap="square">
-            <a:spAutoFit/>
-          </a:bodyPr>
-          <a:lstStyle/>
-          <a:p>
-            <a:pPr marL="0" indent="0" algn="ctr">
-              <a:buNone/>
-              <a:defRPr sz="4400" b="1">
-                <a:solidFill>
-                  <a:srgbClr val="0078D4"/>
-                </a:solidFill>
-              </a:defRPr>
-            </a:pPr>
-            <a:r>
-              <a:rPr dirty="0"/>
-              <a:t>Step 5: </a:t>
-            </a:r>
-            <a:r>
-              <a:rPr lang="en-US" dirty="0"/>
-              <a:t>Attach</a:t>
-            </a:r>
-            <a:r>
-              <a:rPr dirty="0"/>
-              <a:t> Outlook PST</a:t>
-            </a:r>
-          </a:p>
-        </p:txBody>
-      </p:sp>
-      <p:sp>
-        <p:nvSpPr>
-          <p:cNvPr id="3" name="TextBox 2"/>
-          <p:cNvSpPr txBox="1"/>
-          <p:nvPr/>
-        </p:nvSpPr>
-        <p:spPr>
-          <a:xfrm>
-            <a:off x="1371600" y="1503219"/>
-            <a:ext cx="6400800" cy="548640"/>
-          </a:xfrm>
-          <a:prstGeom prst="rect">
-            <a:avLst/>
-          </a:prstGeom>
-          <a:noFill/>
-        </p:spPr>
-        <p:txBody>
-          <a:bodyPr wrap="none">
-            <a:spAutoFit/>
-          </a:bodyPr>
-          <a:lstStyle/>
-          <a:p>
-            <a:pPr marL="0" indent="0" algn="ctr">
-              <a:buNone/>
-              <a:defRPr sz="1600" b="1">
-                <a:solidFill>
-                  <a:srgbClr val="D13438"/>
-                </a:solidFill>
-              </a:defRPr>
-            </a:pPr>
-            <a:r>
-              <a:rPr dirty="0"/>
-              <a:t>⚠️ Only if you had PST files backed up in Phase 1</a:t>
-            </a:r>
-          </a:p>
-        </p:txBody>
-      </p:sp>
-      <p:sp>
-        <p:nvSpPr>
-          <p:cNvPr id="4" name="TextBox 3"/>
-          <p:cNvSpPr txBox="1"/>
-          <p:nvPr/>
-        </p:nvSpPr>
-        <p:spPr>
-          <a:xfrm>
-            <a:off x="1371600" y="2234739"/>
-            <a:ext cx="6400800" cy="2308324"/>
-          </a:xfrm>
-          <a:prstGeom prst="rect">
-            <a:avLst/>
-          </a:prstGeom>
-          <a:noFill/>
-        </p:spPr>
-        <p:txBody>
-          <a:bodyPr wrap="square">
-            <a:spAutoFit/>
-          </a:bodyPr>
-          <a:lstStyle/>
-          <a:p>
-            <a:pPr marL="365760" indent="-182880" algn="l">
-              <a:defRPr sz="1800" b="0"/>
-            </a:pPr>
-            <a:r>
-              <a:rPr dirty="0"/>
-              <a:t>Open Outlook and wait for mailbox to fully sync</a:t>
-            </a:r>
-          </a:p>
-          <a:p>
-            <a:pPr marL="365760" indent="-182880" algn="l">
-              <a:buChar char="•"/>
-            </a:pPr>
-            <a:r>
-              <a:rPr dirty="0"/>
-              <a:t>Go to File → Open &amp; Export → Open Outlook Data File</a:t>
-            </a:r>
-          </a:p>
-          <a:p>
-            <a:pPr marL="365760" indent="-182880" algn="l">
-              <a:buChar char="•"/>
-            </a:pPr>
-            <a:r>
-              <a:rPr dirty="0"/>
-              <a:t>Navigate to OneDrive → Documents</a:t>
-            </a:r>
-          </a:p>
-          <a:p>
-            <a:pPr marL="365760" indent="-182880" algn="l">
-              <a:buChar char="•"/>
-            </a:pPr>
-            <a:r>
-              <a:rPr dirty="0"/>
-              <a:t>Select your backed up .</a:t>
-            </a:r>
-            <a:r>
-              <a:rPr dirty="0" err="1"/>
-              <a:t>pst</a:t>
-            </a:r>
-            <a:r>
-              <a:rPr dirty="0"/>
-              <a:t> file</a:t>
-            </a:r>
-          </a:p>
-          <a:p>
-            <a:pPr marL="365760" indent="-182880" algn="l">
-              <a:buChar char="•"/>
-            </a:pPr>
-            <a:r>
-              <a:rPr dirty="0"/>
-              <a:t>Click OK - the PST will appear in your folder list</a:t>
-            </a:r>
-          </a:p>
-          <a:p>
-            <a:pPr marL="0" indent="0">
-              <a:buNone/>
-            </a:pPr>
-            <a:endParaRPr lang="en-US" dirty="0"/>
-          </a:p>
-          <a:p>
-            <a:pPr marL="0" indent="0">
-              <a:buNone/>
-            </a:pPr>
-            <a:r>
-              <a:rPr dirty="0"/>
-              <a:t>💡 PST folders appear at bottom of folder pane</a:t>
-            </a:r>
-          </a:p>
-          <a:p>
-            <a:pPr marL="0" indent="0">
-              <a:buNone/>
-            </a:pPr>
-            <a:r>
-              <a:rPr dirty="0"/>
-              <a:t>💡 You can drag emails from PST to your main mailbox if needed</a:t>
-            </a:r>
-          </a:p>
-        </p:txBody>
-      </p:sp>
-    </p:spTree>
-  </p:cSld>
-  <p:clrMapOvr>
-    <a:masterClrMapping/>
-  </p:clrMapOvr>
-</p:sld>
-</file>
-
-<file path=ppt/slides/slide31.xml><?xml version="1.0" encoding="utf-8"?>
+<file path=ppt/slides/slide37.xml><?xml version="1.0" encoding="utf-8"?>
 <p:sld xmlns:a="http://schemas.openxmlformats.org/drawingml/2006/main" xmlns:r="http://schemas.openxmlformats.org/officeDocument/2006/relationships" xmlns:p="http://schemas.openxmlformats.org/presentationml/2006/main">
   <p:cSld>
     <p:spTree>
@@ -11057,7 +12399,178 @@
 </p:sld>
 </file>
 
-<file path=ppt/slides/slide32.xml><?xml version="1.0" encoding="utf-8"?>
+<file path=ppt/slides/slide38.xml><?xml version="1.0" encoding="utf-8"?>
+<p:sld xmlns:a="http://schemas.openxmlformats.org/drawingml/2006/main" xmlns:r="http://schemas.openxmlformats.org/officeDocument/2006/relationships" xmlns:p="http://schemas.openxmlformats.org/presentationml/2006/main">
+  <p:cSld>
+    <p:spTree>
+      <p:nvGrpSpPr>
+        <p:cNvPr id="1" name=""/>
+        <p:cNvGrpSpPr/>
+        <p:nvPr/>
+      </p:nvGrpSpPr>
+      <p:grpSpPr>
+        <a:xfrm>
+          <a:off x="0" y="0"/>
+          <a:ext cx="0" cy="0"/>
+          <a:chOff x="0" y="0"/>
+          <a:chExt cx="0" cy="0"/>
+        </a:xfrm>
+      </p:grpSpPr>
+      <p:sp>
+        <p:nvSpPr>
+          <p:cNvPr id="2" name="TextBox 1"/>
+          <p:cNvSpPr txBox="1"/>
+          <p:nvPr/>
+        </p:nvSpPr>
+        <p:spPr>
+          <a:xfrm>
+            <a:off x="914400" y="274320"/>
+            <a:ext cx="7315200" cy="769441"/>
+          </a:xfrm>
+          <a:prstGeom prst="rect">
+            <a:avLst/>
+          </a:prstGeom>
+          <a:noFill/>
+        </p:spPr>
+        <p:txBody>
+          <a:bodyPr wrap="square">
+            <a:spAutoFit/>
+          </a:bodyPr>
+          <a:lstStyle/>
+          <a:p>
+            <a:pPr marL="0" indent="0" algn="ctr">
+              <a:buNone/>
+              <a:defRPr sz="4400" b="1">
+                <a:solidFill>
+                  <a:srgbClr val="0078D4"/>
+                </a:solidFill>
+              </a:defRPr>
+            </a:pPr>
+            <a:r>
+              <a:rPr dirty="0"/>
+              <a:t>Step 5: Your New Password</a:t>
+            </a:r>
+          </a:p>
+        </p:txBody>
+      </p:sp>
+      <p:sp>
+        <p:nvSpPr>
+          <p:cNvPr id="4" name="TextBox 3"/>
+          <p:cNvSpPr txBox="1"/>
+          <p:nvPr/>
+        </p:nvSpPr>
+        <p:spPr>
+          <a:xfrm>
+            <a:off x="1003955" y="1749615"/>
+            <a:ext cx="6400800" cy="2862322"/>
+          </a:xfrm>
+          <a:prstGeom prst="rect">
+            <a:avLst/>
+          </a:prstGeom>
+          <a:noFill/>
+        </p:spPr>
+        <p:txBody>
+          <a:bodyPr wrap="square">
+            <a:spAutoFit/>
+          </a:bodyPr>
+          <a:lstStyle/>
+          <a:p>
+            <a:pPr marL="365760" indent="-182880" algn="l">
+              <a:defRPr sz="1800" b="0"/>
+            </a:pPr>
+            <a:r>
+              <a:rPr lang="en-US" dirty="0"/>
+              <a:t>CTRL+ALT+DEL </a:t>
+            </a:r>
+          </a:p>
+          <a:p>
+            <a:pPr marL="365760" indent="-182880" algn="l">
+              <a:defRPr sz="1800" b="0"/>
+            </a:pPr>
+            <a:r>
+              <a:rPr lang="en-US" dirty="0"/>
+              <a:t>Click on “Change Password”</a:t>
+            </a:r>
+          </a:p>
+          <a:p>
+            <a:pPr marL="365760" indent="-182880" algn="l">
+              <a:defRPr sz="1800" b="0"/>
+            </a:pPr>
+            <a:r>
+              <a:rPr dirty="0"/>
+              <a:t>Enter TempPass123! in 'Current password' field</a:t>
+            </a:r>
+          </a:p>
+          <a:p>
+            <a:pPr marL="822960" lvl="1" indent="-182880">
+              <a:buChar char="•"/>
+            </a:pPr>
+            <a:r>
+              <a:rPr dirty="0"/>
+              <a:t>Create a new password that meets these requirements:</a:t>
+            </a:r>
+          </a:p>
+          <a:p>
+            <a:pPr lvl="2"/>
+            <a:r>
+              <a:rPr dirty="0"/>
+              <a:t>✓ At least 12 characters long</a:t>
+            </a:r>
+          </a:p>
+          <a:p>
+            <a:pPr lvl="2"/>
+            <a:r>
+              <a:rPr dirty="0"/>
+              <a:t>✓ Contains uppercase and lowercase letters</a:t>
+            </a:r>
+          </a:p>
+          <a:p>
+            <a:pPr lvl="2"/>
+            <a:r>
+              <a:rPr dirty="0"/>
+              <a:t>✓ Contains at least one number</a:t>
+            </a:r>
+          </a:p>
+          <a:p>
+            <a:pPr lvl="2"/>
+            <a:r>
+              <a:rPr dirty="0"/>
+              <a:t>✓ Contains at least one special character (!@#$%^&amp;*)</a:t>
+            </a:r>
+            <a:endParaRPr lang="en-US" dirty="0"/>
+          </a:p>
+          <a:p>
+            <a:r>
+              <a:rPr lang="en-US" dirty="0"/>
+              <a:t>    </a:t>
+            </a:r>
+            <a:r>
+              <a:rPr dirty="0"/>
+              <a:t>Enter your new password twice to confirm</a:t>
+            </a:r>
+            <a:endParaRPr lang="en-US" dirty="0"/>
+          </a:p>
+          <a:p>
+            <a:r>
+              <a:rPr lang="en-US" dirty="0"/>
+              <a:t>    </a:t>
+            </a:r>
+            <a:r>
+              <a:rPr dirty="0"/>
+              <a:t>Click Submit or Update password</a:t>
+            </a:r>
+          </a:p>
+        </p:txBody>
+      </p:sp>
+    </p:spTree>
+  </p:cSld>
+  <p:clrMapOvr>
+    <a:masterClrMapping/>
+  </p:clrMapOvr>
+</p:sld>
+</file>
+
+<file path=ppt/slides/slide39.xml><?xml version="1.0" encoding="utf-8"?>
 <p:sld xmlns:a="http://schemas.openxmlformats.org/drawingml/2006/main" xmlns:r="http://schemas.openxmlformats.org/officeDocument/2006/relationships" xmlns:p="http://schemas.openxmlformats.org/presentationml/2006/main">
   <p:cSld>
     <p:spTree>

--- a/presentation/Phase1-Backup-Guide.pptx
+++ b/presentation/Phase1-Backup-Guide.pptx
@@ -5,7 +5,7 @@
     <p:sldMasterId id="2147483648" r:id="rId1"/>
   </p:sldMasterIdLst>
   <p:notesMasterIdLst>
-    <p:notesMasterId r:id="rId41"/>
+    <p:notesMasterId r:id="rId38"/>
   </p:notesMasterIdLst>
   <p:sldIdLst>
     <p:sldId id="256" r:id="rId2"/>
@@ -28,25 +28,22 @@
     <p:sldId id="292" r:id="rId19"/>
     <p:sldId id="293" r:id="rId20"/>
     <p:sldId id="294" r:id="rId21"/>
-    <p:sldId id="295" r:id="rId22"/>
-    <p:sldId id="296" r:id="rId23"/>
-    <p:sldId id="270" r:id="rId24"/>
-    <p:sldId id="276" r:id="rId25"/>
-    <p:sldId id="277" r:id="rId26"/>
-    <p:sldId id="278" r:id="rId27"/>
-    <p:sldId id="267" r:id="rId28"/>
-    <p:sldId id="268" r:id="rId29"/>
-    <p:sldId id="279" r:id="rId30"/>
-    <p:sldId id="280" r:id="rId31"/>
-    <p:sldId id="282" r:id="rId32"/>
-    <p:sldId id="283" r:id="rId33"/>
-    <p:sldId id="284" r:id="rId34"/>
-    <p:sldId id="285" r:id="rId35"/>
-    <p:sldId id="286" r:id="rId36"/>
-    <p:sldId id="287" r:id="rId37"/>
-    <p:sldId id="291" r:id="rId38"/>
-    <p:sldId id="297" r:id="rId39"/>
-    <p:sldId id="288" r:id="rId40"/>
+    <p:sldId id="276" r:id="rId22"/>
+    <p:sldId id="277" r:id="rId23"/>
+    <p:sldId id="278" r:id="rId24"/>
+    <p:sldId id="267" r:id="rId25"/>
+    <p:sldId id="268" r:id="rId26"/>
+    <p:sldId id="279" r:id="rId27"/>
+    <p:sldId id="280" r:id="rId28"/>
+    <p:sldId id="282" r:id="rId29"/>
+    <p:sldId id="283" r:id="rId30"/>
+    <p:sldId id="284" r:id="rId31"/>
+    <p:sldId id="285" r:id="rId32"/>
+    <p:sldId id="286" r:id="rId33"/>
+    <p:sldId id="287" r:id="rId34"/>
+    <p:sldId id="291" r:id="rId35"/>
+    <p:sldId id="297" r:id="rId36"/>
+    <p:sldId id="288" r:id="rId37"/>
   </p:sldIdLst>
   <p:sldSz cx="9144000" cy="5143500" type="screen16x9"/>
   <p:notesSz cx="6858000" cy="9144000"/>
@@ -1021,10 +1018,24 @@
             <a:spLocks noGrp="1" noRot="1" noChangeAspect="1"/>
           </p:cNvSpPr>
           <p:nvPr>
-            <p:ph type="sldImg" idx="2"/>
+            <p:ph type="sldImg"/>
           </p:nvPr>
         </p:nvSpPr>
-        <p:spPr/>
+        <p:spPr>
+          <a:xfrm>
+            <a:off x="685800" y="1143000"/>
+            <a:ext cx="5486400" cy="3086100"/>
+          </a:xfrm>
+          <a:prstGeom prst="rect">
+            <a:avLst/>
+          </a:prstGeom>
+          <a:noFill/>
+          <a:ln w="12700">
+            <a:solidFill>
+              <a:prstClr val="black"/>
+            </a:solidFill>
+          </a:ln>
+        </p:spPr>
       </p:sp>
       <p:sp>
         <p:nvSpPr>
@@ -1033,145 +1044,32 @@
             <a:spLocks noGrp="1"/>
           </p:cNvSpPr>
           <p:nvPr>
-            <p:ph type="body" sz="quarter" idx="3"/>
+            <p:ph type="body" idx="1"/>
           </p:nvPr>
         </p:nvSpPr>
-        <p:spPr/>
+        <p:spPr>
+          <a:xfrm>
+            <a:off x="685800" y="4400550"/>
+            <a:ext cx="5486400" cy="3600450"/>
+          </a:xfrm>
+          <a:prstGeom prst="rect">
+            <a:avLst/>
+          </a:prstGeom>
+        </p:spPr>
         <p:txBody>
           <a:bodyPr/>
           <a:lstStyle/>
           <a:p>
-            <a:endParaRPr/>
-          </a:p>
-          <a:p>
-            <a:r>
-              <a:t>DETAILED SCRIPT:</a:t>
-            </a:r>
-          </a:p>
-          <a:p>
-            <a:r>
-              <a:t>"Let's start with OneDrive. Look at the bottom right corner of your screen, near the clock. Do you see a little cloud icon? That's OneDrive. Click on it.</a:t>
-            </a:r>
-          </a:p>
-          <a:p>
-            <a:endParaRPr/>
-          </a:p>
-          <a:p>
-            <a:r>
-              <a:t>If you don't see it, we need to install OneDrive first - we can get that from the Microsoft Store or onedrive.com.</a:t>
-            </a:r>
-          </a:p>
-          <a:p>
-            <a:endParaRPr/>
-          </a:p>
-          <a:p>
-            <a:r>
-              <a:t>[Once they find it]</a:t>
-            </a:r>
-          </a:p>
-          <a:p>
-            <a:r>
-              <a:t>Great! Now click on that cloud icon. Do you see where it says 'Sign in'? Click that and use your INGINC.com email address - the same one you use for Outlook.</a:t>
-            </a:r>
-          </a:p>
-          <a:p>
-            <a:endParaRPr/>
-          </a:p>
-          <a:p>
-            <a:r>
-              <a:t>[After sign in]</a:t>
-            </a:r>
-          </a:p>
-          <a:p>
-            <a:r>
-              <a:t>Perfect! Now let's set up folder backup. Click the gear icon in the OneDrive window. See where it says 'Sync and backup'? Click that tab. Now click 'Manage backup'.</a:t>
-            </a:r>
-          </a:p>
-          <a:p>
-            <a:endParaRPr/>
-          </a:p>
-          <a:p>
-            <a:r>
-              <a:t>You should see three folders here: Desktop, Documents, and Pictures. We want to make sure all three have checkmarks. If any are missing checkmarks, click to enable them. Then click 'Start backup' at the bottom.</a:t>
-            </a:r>
-          </a:p>
-          <a:p>
-            <a:endParaRPr/>
-          </a:p>
-          <a:p>
-            <a:r>
-              <a:t>Now we wait. You'll see the cloud icon has little blue arrows - that means it's uploading your files. This might take 15-30 minutes depending on how many files you have. While it's uploading, we can start working on the next user's backup. We'll come back to check for the green checkmark before we reset your device."</a:t>
-            </a:r>
-          </a:p>
-          <a:p>
-            <a:endParaRPr/>
-          </a:p>
-          <a:p>
-            <a:r>
-              <a:t>TROUBLESHOOTING:</a:t>
-            </a:r>
-          </a:p>
-          <a:p>
-            <a:r>
-              <a:t>- No cloud icon: Install OneDrive from Microsoft Store</a:t>
-            </a:r>
-          </a:p>
-          <a:p>
-            <a:r>
-              <a:t>- Can't sign in: Verify INGINC.com credentials, check MFA</a:t>
-            </a:r>
-          </a:p>
-          <a:p>
-            <a:r>
-              <a:t>- Known Folder protection already enabled: User may have bypassed - verify in portal.office.com</a:t>
-            </a:r>
-          </a:p>
-          <a:p>
-            <a:r>
-              <a:t>- Sync stuck: Check internet connection, restart OneDrive</a:t>
-            </a:r>
-          </a:p>
-          <a:p>
-            <a:endParaRPr/>
-          </a:p>
-          <a:p>
-            <a:r>
-              <a:t>IMPORTANT:</a:t>
-            </a:r>
-          </a:p>
-          <a:p>
-            <a:r>
-              <a:t>- DO NOT proceed to reset until green checkmark appears</a:t>
-            </a:r>
-          </a:p>
-          <a:p>
-            <a:r>
-              <a:t>- Use wait time to start another user's Phase 1</a:t>
-            </a:r>
-          </a:p>
-          <a:p>
-            <a:r>
-              <a:t>- Verify completion in portal.office.com before Phase 2</a:t>
-            </a:r>
-          </a:p>
-          <a:p>
-            <a:endParaRPr/>
-          </a:p>
-        </p:txBody>
-      </p:sp>
-      <p:sp>
-        <p:nvSpPr>
-          <p:cNvPr id="4" name="Slide Number Placeholder 3"/>
-          <p:cNvSpPr>
-            <a:spLocks noGrp="1"/>
-          </p:cNvSpPr>
-          <p:nvPr>
-            <p:ph type="sldNum" sz="quarter" idx="5"/>
-          </p:nvPr>
-        </p:nvSpPr>
-        <p:spPr/>
+            <a:endParaRPr lang="en-US" dirty="0"/>
+          </a:p>
+        </p:txBody>
       </p:sp>
     </p:spTree>
+    <p:extLst>
+      <p:ext uri="{BB962C8B-B14F-4D97-AF65-F5344CB8AC3E}">
+        <p14:creationId xmlns:p14="http://schemas.microsoft.com/office/powerpoint/2010/main" val="2638205678"/>
+      </p:ext>
+    </p:extLst>
   </p:cSld>
   <p:clrMapOvr>
     <a:masterClrMapping/>
@@ -1362,6 +1260,188 @@
 </file>
 
 <file path=ppt/notesSlides/notesSlide15.xml><?xml version="1.0" encoding="utf-8"?>
+<p:notes xmlns:a="http://schemas.openxmlformats.org/drawingml/2006/main" xmlns:r="http://schemas.openxmlformats.org/officeDocument/2006/relationships" xmlns:p="http://schemas.openxmlformats.org/presentationml/2006/main">
+  <p:cSld>
+    <p:spTree>
+      <p:nvGrpSpPr>
+        <p:cNvPr id="1" name=""/>
+        <p:cNvGrpSpPr/>
+        <p:nvPr/>
+      </p:nvGrpSpPr>
+      <p:grpSpPr>
+        <a:xfrm>
+          <a:off x="0" y="0"/>
+          <a:ext cx="0" cy="0"/>
+          <a:chOff x="0" y="0"/>
+          <a:chExt cx="0" cy="0"/>
+        </a:xfrm>
+      </p:grpSpPr>
+      <p:sp>
+        <p:nvSpPr>
+          <p:cNvPr id="2" name="Slide Image Placeholder 1"/>
+          <p:cNvSpPr>
+            <a:spLocks noGrp="1" noRot="1" noChangeAspect="1"/>
+          </p:cNvSpPr>
+          <p:nvPr>
+            <p:ph type="sldImg" idx="2"/>
+          </p:nvPr>
+        </p:nvSpPr>
+        <p:spPr/>
+      </p:sp>
+      <p:sp>
+        <p:nvSpPr>
+          <p:cNvPr id="3" name="Notes Placeholder 2"/>
+          <p:cNvSpPr>
+            <a:spLocks noGrp="1"/>
+          </p:cNvSpPr>
+          <p:nvPr>
+            <p:ph type="body" sz="quarter" idx="3"/>
+          </p:nvPr>
+        </p:nvSpPr>
+        <p:spPr/>
+        <p:txBody>
+          <a:bodyPr/>
+          <a:lstStyle/>
+          <a:p>
+            <a:endParaRPr/>
+          </a:p>
+          <a:p>
+            <a:r>
+              <a:t>DETAILED SCRIPT:</a:t>
+            </a:r>
+          </a:p>
+          <a:p>
+            <a:r>
+              <a:t>"Let's start with OneDrive. Look at the bottom right corner of your screen, near the clock. Do you see a little cloud icon? That's OneDrive. Click on it.</a:t>
+            </a:r>
+          </a:p>
+          <a:p>
+            <a:endParaRPr/>
+          </a:p>
+          <a:p>
+            <a:r>
+              <a:t>If you don't see it, we need to install OneDrive first - we can get that from the Microsoft Store or onedrive.com.</a:t>
+            </a:r>
+          </a:p>
+          <a:p>
+            <a:endParaRPr/>
+          </a:p>
+          <a:p>
+            <a:r>
+              <a:t>[Once they find it]</a:t>
+            </a:r>
+          </a:p>
+          <a:p>
+            <a:r>
+              <a:t>Great! Now click on that cloud icon. Do you see where it says 'Sign in'? Click that and use your INGINC.com email address - the same one you use for Outlook.</a:t>
+            </a:r>
+          </a:p>
+          <a:p>
+            <a:endParaRPr/>
+          </a:p>
+          <a:p>
+            <a:r>
+              <a:t>[After sign in]</a:t>
+            </a:r>
+          </a:p>
+          <a:p>
+            <a:r>
+              <a:t>Perfect! Now let's set up folder backup. Click the gear icon in the OneDrive window. See where it says 'Sync and backup'? Click that tab. Now click 'Manage backup'.</a:t>
+            </a:r>
+          </a:p>
+          <a:p>
+            <a:endParaRPr/>
+          </a:p>
+          <a:p>
+            <a:r>
+              <a:t>You should see three folders here: Desktop, Documents, and Pictures. We want to make sure all three have checkmarks. If any are missing checkmarks, click to enable them. Then click 'Start backup' at the bottom.</a:t>
+            </a:r>
+          </a:p>
+          <a:p>
+            <a:endParaRPr/>
+          </a:p>
+          <a:p>
+            <a:r>
+              <a:t>Now we wait. You'll see the cloud icon has little blue arrows - that means it's uploading your files. This might take 15-30 minutes depending on how many files you have. While it's uploading, we can start working on the next user's backup. We'll come back to check for the green checkmark before we reset your device."</a:t>
+            </a:r>
+          </a:p>
+          <a:p>
+            <a:endParaRPr/>
+          </a:p>
+          <a:p>
+            <a:r>
+              <a:t>TROUBLESHOOTING:</a:t>
+            </a:r>
+          </a:p>
+          <a:p>
+            <a:r>
+              <a:t>- No cloud icon: Install OneDrive from Microsoft Store</a:t>
+            </a:r>
+          </a:p>
+          <a:p>
+            <a:r>
+              <a:t>- Can't sign in: Verify INGINC.com credentials, check MFA</a:t>
+            </a:r>
+          </a:p>
+          <a:p>
+            <a:r>
+              <a:t>- Known Folder protection already enabled: User may have bypassed - verify in portal.office.com</a:t>
+            </a:r>
+          </a:p>
+          <a:p>
+            <a:r>
+              <a:t>- Sync stuck: Check internet connection, restart OneDrive</a:t>
+            </a:r>
+          </a:p>
+          <a:p>
+            <a:endParaRPr/>
+          </a:p>
+          <a:p>
+            <a:r>
+              <a:t>IMPORTANT:</a:t>
+            </a:r>
+          </a:p>
+          <a:p>
+            <a:r>
+              <a:t>- DO NOT proceed to reset until green checkmark appears</a:t>
+            </a:r>
+          </a:p>
+          <a:p>
+            <a:r>
+              <a:t>- Use wait time to start another user's Phase 1</a:t>
+            </a:r>
+          </a:p>
+          <a:p>
+            <a:r>
+              <a:t>- Verify completion in portal.office.com before Phase 2</a:t>
+            </a:r>
+          </a:p>
+          <a:p>
+            <a:endParaRPr/>
+          </a:p>
+        </p:txBody>
+      </p:sp>
+      <p:sp>
+        <p:nvSpPr>
+          <p:cNvPr id="4" name="Slide Number Placeholder 3"/>
+          <p:cNvSpPr>
+            <a:spLocks noGrp="1"/>
+          </p:cNvSpPr>
+          <p:nvPr>
+            <p:ph type="sldNum" sz="quarter" idx="5"/>
+          </p:nvPr>
+        </p:nvSpPr>
+        <p:spPr/>
+      </p:sp>
+    </p:spTree>
+  </p:cSld>
+  <p:clrMapOvr>
+    <a:masterClrMapping/>
+  </p:clrMapOvr>
+</p:notes>
+</file>
+
+<file path=ppt/notesSlides/notesSlide16.xml><?xml version="1.0" encoding="utf-8"?>
 <p:notes xmlns:a="http://schemas.openxmlformats.org/drawingml/2006/main" xmlns:r="http://schemas.openxmlformats.org/officeDocument/2006/relationships" xmlns:p="http://schemas.openxmlformats.org/presentationml/2006/main">
   <p:cSld>
     <p:spTree>
@@ -8567,8 +8647,8 @@
         </p:nvSpPr>
         <p:spPr>
           <a:xfrm>
-            <a:off x="3690668" y="914400"/>
-            <a:ext cx="1762662" cy="338554"/>
+            <a:off x="0" y="914400"/>
+            <a:ext cx="8938450" cy="338554"/>
           </a:xfrm>
           <a:prstGeom prst="rect">
             <a:avLst/>
@@ -8576,13 +8656,12 @@
           <a:noFill/>
         </p:spPr>
         <p:txBody>
-          <a:bodyPr wrap="none">
+          <a:bodyPr wrap="square">
             <a:spAutoFit/>
           </a:bodyPr>
           <a:lstStyle/>
           <a:p>
-            <a:pPr marL="0" indent="0" algn="ctr">
-              <a:buNone/>
+            <a:pPr algn="ctr">
               <a:defRPr sz="1600" b="1">
                 <a:solidFill>
                   <a:srgbClr val="D13438"/>
@@ -8591,7 +8670,17 @@
             </a:pPr>
             <a:r>
               <a:rPr lang="en-US" dirty="0"/>
-              <a:t>Use TempPass123!</a:t>
+              <a:t>Use </a:t>
+            </a:r>
+            <a:r>
+              <a:rPr lang="en-US" dirty="0">
+                <a:hlinkClick r:id="rId3"/>
+              </a:rPr>
+              <a:t>FirstName.LastName@impactpropertysolutions.com</a:t>
+            </a:r>
+            <a:r>
+              <a:rPr lang="en-US" dirty="0"/>
+              <a:t> / TempPass123!</a:t>
             </a:r>
             <a:endParaRPr dirty="0"/>
           </a:p>
@@ -8696,7 +8785,7 @@
           <p:nvPr/>
         </p:nvPicPr>
         <p:blipFill>
-          <a:blip r:embed="rId2"/>
+          <a:blip r:embed="rId4"/>
           <a:stretch>
             <a:fillRect/>
           </a:stretch>
@@ -8726,7 +8815,7 @@
           <p:nvPr/>
         </p:nvPicPr>
         <p:blipFill>
-          <a:blip r:embed="rId3"/>
+          <a:blip r:embed="rId5"/>
           <a:stretch>
             <a:fillRect/>
           </a:stretch>
@@ -8750,516 +8839,6 @@
 </file>
 
 <file path=ppt/slides/slide21.xml><?xml version="1.0" encoding="utf-8"?>
-<p:sld xmlns:a="http://schemas.openxmlformats.org/drawingml/2006/main" xmlns:r="http://schemas.openxmlformats.org/officeDocument/2006/relationships" xmlns:p="http://schemas.openxmlformats.org/presentationml/2006/main">
-  <p:cSld>
-    <p:spTree>
-      <p:nvGrpSpPr>
-        <p:cNvPr id="1" name=""/>
-        <p:cNvGrpSpPr/>
-        <p:nvPr/>
-      </p:nvGrpSpPr>
-      <p:grpSpPr>
-        <a:xfrm>
-          <a:off x="0" y="0"/>
-          <a:ext cx="0" cy="0"/>
-          <a:chOff x="0" y="0"/>
-          <a:chExt cx="0" cy="0"/>
-        </a:xfrm>
-      </p:grpSpPr>
-      <p:sp>
-        <p:nvSpPr>
-          <p:cNvPr id="2" name="TextBox 1"/>
-          <p:cNvSpPr txBox="1"/>
-          <p:nvPr/>
-        </p:nvSpPr>
-        <p:spPr>
-          <a:xfrm>
-            <a:off x="914400" y="274320"/>
-            <a:ext cx="7315200" cy="769441"/>
-          </a:xfrm>
-          <a:prstGeom prst="rect">
-            <a:avLst/>
-          </a:prstGeom>
-          <a:noFill/>
-        </p:spPr>
-        <p:txBody>
-          <a:bodyPr wrap="square">
-            <a:spAutoFit/>
-          </a:bodyPr>
-          <a:lstStyle/>
-          <a:p>
-            <a:pPr marL="0" indent="0" algn="ctr">
-              <a:buNone/>
-              <a:defRPr sz="4400" b="1">
-                <a:solidFill>
-                  <a:srgbClr val="0078D4"/>
-                </a:solidFill>
-              </a:defRPr>
-            </a:pPr>
-            <a:r>
-              <a:t>Step 3: Sign In With Work Account</a:t>
-            </a:r>
-          </a:p>
-        </p:txBody>
-      </p:sp>
-      <p:sp>
-        <p:nvSpPr>
-          <p:cNvPr id="3" name="TextBox 2"/>
-          <p:cNvSpPr txBox="1"/>
-          <p:nvPr/>
-        </p:nvSpPr>
-        <p:spPr>
-          <a:xfrm>
-            <a:off x="1371600" y="914400"/>
-            <a:ext cx="6400800" cy="548640"/>
-          </a:xfrm>
-          <a:prstGeom prst="rect">
-            <a:avLst/>
-          </a:prstGeom>
-          <a:noFill/>
-        </p:spPr>
-        <p:txBody>
-          <a:bodyPr wrap="none">
-            <a:spAutoFit/>
-          </a:bodyPr>
-          <a:lstStyle/>
-          <a:p>
-            <a:pPr marL="0" indent="0" algn="ctr">
-              <a:buNone/>
-              <a:defRPr sz="1600" b="1">
-                <a:solidFill>
-                  <a:srgbClr val="D13438"/>
-                </a:solidFill>
-              </a:defRPr>
-            </a:pPr>
-            <a:r>
-              <a:t>⚠️ Use your NEW Impact Property Solutions email</a:t>
-            </a:r>
-          </a:p>
-        </p:txBody>
-      </p:sp>
-      <p:sp>
-        <p:nvSpPr>
-          <p:cNvPr id="4" name="TextBox 3"/>
-          <p:cNvSpPr txBox="1"/>
-          <p:nvPr/>
-        </p:nvSpPr>
-        <p:spPr>
-          <a:xfrm>
-            <a:off x="1371600" y="1645920"/>
-            <a:ext cx="6400800" cy="2308324"/>
-          </a:xfrm>
-          <a:prstGeom prst="rect">
-            <a:avLst/>
-          </a:prstGeom>
-          <a:noFill/>
-        </p:spPr>
-        <p:txBody>
-          <a:bodyPr wrap="square">
-            <a:spAutoFit/>
-          </a:bodyPr>
-          <a:lstStyle/>
-          <a:p>
-            <a:pPr marL="365760" indent="-182880" algn="l">
-              <a:defRPr sz="1800" b="0"/>
-            </a:pPr>
-            <a:r>
-              <a:t>Click 'Sign in to sync data'</a:t>
-            </a:r>
-          </a:p>
-          <a:p>
-            <a:pPr marL="365760" indent="-182880" algn="l">
-              <a:buChar char="•"/>
-            </a:pPr>
-            <a:r>
-              <a:t>Enter your work email address:</a:t>
-            </a:r>
-          </a:p>
-          <a:p>
-            <a:pPr marL="0" indent="0">
-              <a:buNone/>
-            </a:pPr>
-            <a:r>
-              <a:t>FirstName.LastName@impactpropertysolutions.com</a:t>
-            </a:r>
-          </a:p>
-          <a:p>
-            <a:pPr marL="365760" indent="-182880" algn="l">
-              <a:buChar char="•"/>
-            </a:pPr>
-            <a:r>
-              <a:t>Click Next</a:t>
-            </a:r>
-          </a:p>
-          <a:p>
-            <a:pPr marL="0" indent="0">
-              <a:buNone/>
-            </a:pPr>
-            <a:r>
-              <a:t>💡 Example: John.Smith@impactpropertysolutions.com</a:t>
-            </a:r>
-          </a:p>
-        </p:txBody>
-      </p:sp>
-    </p:spTree>
-  </p:cSld>
-  <p:clrMapOvr>
-    <a:masterClrMapping/>
-  </p:clrMapOvr>
-</p:sld>
-</file>
-
-<file path=ppt/slides/slide22.xml><?xml version="1.0" encoding="utf-8"?>
-<p:sld xmlns:a="http://schemas.openxmlformats.org/drawingml/2006/main" xmlns:r="http://schemas.openxmlformats.org/officeDocument/2006/relationships" xmlns:p="http://schemas.openxmlformats.org/presentationml/2006/main">
-  <p:cSld>
-    <p:spTree>
-      <p:nvGrpSpPr>
-        <p:cNvPr id="1" name=""/>
-        <p:cNvGrpSpPr/>
-        <p:nvPr/>
-      </p:nvGrpSpPr>
-      <p:grpSpPr>
-        <a:xfrm>
-          <a:off x="0" y="0"/>
-          <a:ext cx="0" cy="0"/>
-          <a:chOff x="0" y="0"/>
-          <a:chExt cx="0" cy="0"/>
-        </a:xfrm>
-      </p:grpSpPr>
-      <p:sp>
-        <p:nvSpPr>
-          <p:cNvPr id="2" name="TextBox 1"/>
-          <p:cNvSpPr txBox="1"/>
-          <p:nvPr/>
-        </p:nvSpPr>
-        <p:spPr>
-          <a:xfrm>
-            <a:off x="914400" y="274320"/>
-            <a:ext cx="7315200" cy="769441"/>
-          </a:xfrm>
-          <a:prstGeom prst="rect">
-            <a:avLst/>
-          </a:prstGeom>
-          <a:noFill/>
-        </p:spPr>
-        <p:txBody>
-          <a:bodyPr wrap="square">
-            <a:spAutoFit/>
-          </a:bodyPr>
-          <a:lstStyle/>
-          <a:p>
-            <a:pPr marL="0" indent="0" algn="ctr">
-              <a:buNone/>
-              <a:defRPr sz="4400" b="1">
-                <a:solidFill>
-                  <a:srgbClr val="0078D4"/>
-                </a:solidFill>
-              </a:defRPr>
-            </a:pPr>
-            <a:r>
-              <a:t>Step 4: Enter Temporary Password</a:t>
-            </a:r>
-          </a:p>
-        </p:txBody>
-      </p:sp>
-      <p:sp>
-        <p:nvSpPr>
-          <p:cNvPr id="3" name="TextBox 2"/>
-          <p:cNvSpPr txBox="1"/>
-          <p:nvPr/>
-        </p:nvSpPr>
-        <p:spPr>
-          <a:xfrm>
-            <a:off x="1371600" y="914400"/>
-            <a:ext cx="6400800" cy="548640"/>
-          </a:xfrm>
-          <a:prstGeom prst="rect">
-            <a:avLst/>
-          </a:prstGeom>
-          <a:noFill/>
-        </p:spPr>
-        <p:txBody>
-          <a:bodyPr wrap="none">
-            <a:spAutoFit/>
-          </a:bodyPr>
-          <a:lstStyle/>
-          <a:p>
-            <a:pPr marL="0" indent="0" algn="ctr">
-              <a:buNone/>
-              <a:defRPr sz="1600" b="1">
-                <a:solidFill>
-                  <a:srgbClr val="D13438"/>
-                </a:solidFill>
-              </a:defRPr>
-            </a:pPr>
-            <a:r>
-              <a:rPr dirty="0"/>
-              <a:t>⚠️ Use the temporary password provided below</a:t>
-            </a:r>
-          </a:p>
-        </p:txBody>
-      </p:sp>
-      <p:sp>
-        <p:nvSpPr>
-          <p:cNvPr id="4" name="TextBox 3"/>
-          <p:cNvSpPr txBox="1"/>
-          <p:nvPr/>
-        </p:nvSpPr>
-        <p:spPr>
-          <a:xfrm>
-            <a:off x="1371600" y="1645920"/>
-            <a:ext cx="6400800" cy="1477328"/>
-          </a:xfrm>
-          <a:prstGeom prst="rect">
-            <a:avLst/>
-          </a:prstGeom>
-          <a:noFill/>
-        </p:spPr>
-        <p:txBody>
-          <a:bodyPr wrap="square">
-            <a:spAutoFit/>
-          </a:bodyPr>
-          <a:lstStyle/>
-          <a:p>
-            <a:pPr marL="365760" indent="-182880" algn="l">
-              <a:defRPr sz="1800" b="0"/>
-            </a:pPr>
-            <a:r>
-              <a:rPr dirty="0"/>
-              <a:t>When prompted for password, enter:</a:t>
-            </a:r>
-          </a:p>
-          <a:p>
-            <a:pPr lvl="2"/>
-            <a:r>
-              <a:rPr dirty="0"/>
-              <a:t>TempPass123!</a:t>
-            </a:r>
-          </a:p>
-          <a:p>
-            <a:pPr marL="365760" indent="-182880" algn="l">
-              <a:buChar char="•"/>
-            </a:pPr>
-            <a:r>
-              <a:rPr dirty="0"/>
-              <a:t>Click Sign in</a:t>
-            </a:r>
-          </a:p>
-          <a:p>
-            <a:pPr marL="182880" algn="l"/>
-            <a:endParaRPr lang="en-US" dirty="0"/>
-          </a:p>
-          <a:p>
-            <a:pPr marL="182880"/>
-            <a:r>
-              <a:rPr dirty="0"/>
-              <a:t>⚠️ This is a temporary password - you </a:t>
-            </a:r>
-            <a:r>
-              <a:rPr lang="en-US" dirty="0"/>
-              <a:t>will </a:t>
-            </a:r>
-            <a:r>
-              <a:rPr dirty="0"/>
-              <a:t>change it</a:t>
-            </a:r>
-            <a:r>
-              <a:rPr lang="en-US" dirty="0"/>
-              <a:t> soon ⚠️</a:t>
-            </a:r>
-            <a:endParaRPr dirty="0"/>
-          </a:p>
-        </p:txBody>
-      </p:sp>
-    </p:spTree>
-  </p:cSld>
-  <p:clrMapOvr>
-    <a:masterClrMapping/>
-  </p:clrMapOvr>
-</p:sld>
-</file>
-
-<file path=ppt/slides/slide23.xml><?xml version="1.0" encoding="utf-8"?>
-<p:sld xmlns:a="http://schemas.openxmlformats.org/drawingml/2006/main" xmlns:r="http://schemas.openxmlformats.org/officeDocument/2006/relationships" xmlns:p="http://schemas.openxmlformats.org/presentationml/2006/main">
-  <p:cSld>
-    <p:spTree>
-      <p:nvGrpSpPr>
-        <p:cNvPr id="1" name=""/>
-        <p:cNvGrpSpPr/>
-        <p:nvPr/>
-      </p:nvGrpSpPr>
-      <p:grpSpPr>
-        <a:xfrm>
-          <a:off x="0" y="0"/>
-          <a:ext cx="0" cy="0"/>
-          <a:chOff x="0" y="0"/>
-          <a:chExt cx="0" cy="0"/>
-        </a:xfrm>
-      </p:grpSpPr>
-      <p:sp>
-        <p:nvSpPr>
-          <p:cNvPr id="2" name="TextBox 1"/>
-          <p:cNvSpPr txBox="1"/>
-          <p:nvPr/>
-        </p:nvSpPr>
-        <p:spPr>
-          <a:xfrm>
-            <a:off x="914400" y="274320"/>
-            <a:ext cx="7315200" cy="769441"/>
-          </a:xfrm>
-          <a:prstGeom prst="rect">
-            <a:avLst/>
-          </a:prstGeom>
-          <a:noFill/>
-        </p:spPr>
-        <p:txBody>
-          <a:bodyPr wrap="square">
-            <a:spAutoFit/>
-          </a:bodyPr>
-          <a:lstStyle/>
-          <a:p>
-            <a:pPr marL="0" indent="0" algn="ctr">
-              <a:buNone/>
-              <a:defRPr sz="4400" b="1">
-                <a:solidFill>
-                  <a:srgbClr val="0078D4"/>
-                </a:solidFill>
-              </a:defRPr>
-            </a:pPr>
-            <a:r>
-              <a:t>Step 6: Complete MFA Setup</a:t>
-            </a:r>
-          </a:p>
-        </p:txBody>
-      </p:sp>
-      <p:sp>
-        <p:nvSpPr>
-          <p:cNvPr id="3" name="TextBox 2"/>
-          <p:cNvSpPr txBox="1"/>
-          <p:nvPr/>
-        </p:nvSpPr>
-        <p:spPr>
-          <a:xfrm>
-            <a:off x="1371600" y="914400"/>
-            <a:ext cx="6400800" cy="548640"/>
-          </a:xfrm>
-          <a:prstGeom prst="rect">
-            <a:avLst/>
-          </a:prstGeom>
-          <a:noFill/>
-        </p:spPr>
-        <p:txBody>
-          <a:bodyPr wrap="none">
-            <a:spAutoFit/>
-          </a:bodyPr>
-          <a:lstStyle/>
-          <a:p>
-            <a:pPr marL="0" indent="0" algn="ctr">
-              <a:buNone/>
-              <a:defRPr sz="1600" b="1">
-                <a:solidFill>
-                  <a:srgbClr val="D13438"/>
-                </a:solidFill>
-              </a:defRPr>
-            </a:pPr>
-            <a:r>
-              <a:t>⚠️ Have your phone ready for verification</a:t>
-            </a:r>
-          </a:p>
-        </p:txBody>
-      </p:sp>
-      <p:sp>
-        <p:nvSpPr>
-          <p:cNvPr id="4" name="TextBox 3"/>
-          <p:cNvSpPr txBox="1"/>
-          <p:nvPr/>
-        </p:nvSpPr>
-        <p:spPr>
-          <a:xfrm>
-            <a:off x="1371600" y="1645920"/>
-            <a:ext cx="6400800" cy="2308324"/>
-          </a:xfrm>
-          <a:prstGeom prst="rect">
-            <a:avLst/>
-          </a:prstGeom>
-          <a:noFill/>
-        </p:spPr>
-        <p:txBody>
-          <a:bodyPr wrap="square">
-            <a:spAutoFit/>
-          </a:bodyPr>
-          <a:lstStyle/>
-          <a:p>
-            <a:pPr marL="365760" indent="-182880" algn="l">
-              <a:defRPr sz="1800" b="0"/>
-            </a:pPr>
-            <a:r>
-              <a:rPr dirty="0"/>
-              <a:t>You may be prompted to set up Microsoft Authenticator</a:t>
-            </a:r>
-          </a:p>
-          <a:p>
-            <a:pPr marL="365760" indent="-182880" algn="l">
-              <a:buChar char="•"/>
-            </a:pPr>
-            <a:r>
-              <a:rPr dirty="0"/>
-              <a:t>Download Microsoft Authenticator app on your phone if needed</a:t>
-            </a:r>
-          </a:p>
-          <a:p>
-            <a:pPr marL="365760" indent="-182880" algn="l">
-              <a:buChar char="•"/>
-            </a:pPr>
-            <a:r>
-              <a:rPr dirty="0"/>
-              <a:t>Scan the QR code with the Authenticator app</a:t>
-            </a:r>
-          </a:p>
-          <a:p>
-            <a:pPr marL="822960" lvl="1" indent="-182880">
-              <a:buChar char="•"/>
-            </a:pPr>
-            <a:r>
-              <a:rPr dirty="0"/>
-              <a:t>OR choose 'I want to set up a different method' for SMS</a:t>
-            </a:r>
-          </a:p>
-          <a:p>
-            <a:pPr marL="365760" indent="-182880" algn="l">
-              <a:buChar char="•"/>
-            </a:pPr>
-            <a:r>
-              <a:rPr dirty="0"/>
-              <a:t>Approve the test notification or enter the code</a:t>
-            </a:r>
-          </a:p>
-          <a:p>
-            <a:pPr marL="0" indent="0">
-              <a:buNone/>
-            </a:pPr>
-            <a:endParaRPr lang="en-US" dirty="0"/>
-          </a:p>
-          <a:p>
-            <a:pPr marL="0" indent="0">
-              <a:buNone/>
-            </a:pPr>
-            <a:r>
-              <a:rPr dirty="0"/>
-              <a:t>💡 Authenticator app is more secure than SMS</a:t>
-            </a:r>
-          </a:p>
-        </p:txBody>
-      </p:sp>
-    </p:spTree>
-  </p:cSld>
-  <p:clrMapOvr>
-    <a:masterClrMapping/>
-  </p:clrMapOvr>
-</p:sld>
-</file>
-
-<file path=ppt/slides/slide24.xml><?xml version="1.0" encoding="utf-8"?>
 <p:sld xmlns:a="http://schemas.openxmlformats.org/drawingml/2006/main" xmlns:r="http://schemas.openxmlformats.org/officeDocument/2006/relationships" xmlns:p="http://schemas.openxmlformats.org/presentationml/2006/main">
   <p:cSld>
     <p:spTree>
@@ -9421,7 +9000,7 @@
 </p:sld>
 </file>
 
-<file path=ppt/slides/slide25.xml><?xml version="1.0" encoding="utf-8"?>
+<file path=ppt/slides/slide22.xml><?xml version="1.0" encoding="utf-8"?>
 <p:sld xmlns:a="http://schemas.openxmlformats.org/drawingml/2006/main" xmlns:r="http://schemas.openxmlformats.org/officeDocument/2006/relationships" xmlns:p="http://schemas.openxmlformats.org/presentationml/2006/main">
   <p:cSld>
     <p:spTree>
@@ -9612,7 +9191,7 @@
 </p:sld>
 </file>
 
-<file path=ppt/slides/slide26.xml><?xml version="1.0" encoding="utf-8"?>
+<file path=ppt/slides/slide23.xml><?xml version="1.0" encoding="utf-8"?>
 <p:sld xmlns:a="http://schemas.openxmlformats.org/drawingml/2006/main" xmlns:r="http://schemas.openxmlformats.org/officeDocument/2006/relationships" xmlns:p="http://schemas.openxmlformats.org/presentationml/2006/main">
   <p:cSld>
     <p:spTree>
@@ -9815,7 +9394,7 @@
 </p:sld>
 </file>
 
-<file path=ppt/slides/slide27.xml><?xml version="1.0" encoding="utf-8"?>
+<file path=ppt/slides/slide24.xml><?xml version="1.0" encoding="utf-8"?>
 <p:sld xmlns:a="http://schemas.openxmlformats.org/drawingml/2006/main" xmlns:r="http://schemas.openxmlformats.org/officeDocument/2006/relationships" xmlns:p="http://schemas.openxmlformats.org/presentationml/2006/main">
   <p:cSld>
     <p:spTree>
@@ -10022,7 +9601,7 @@
 </p:sld>
 </file>
 
-<file path=ppt/slides/slide28.xml><?xml version="1.0" encoding="utf-8"?>
+<file path=ppt/slides/slide25.xml><?xml version="1.0" encoding="utf-8"?>
 <p:sld xmlns:a="http://schemas.openxmlformats.org/drawingml/2006/main" xmlns:r="http://schemas.openxmlformats.org/officeDocument/2006/relationships" xmlns:p="http://schemas.openxmlformats.org/presentationml/2006/main">
   <p:cSld>
     <p:spTree>
@@ -10240,7 +9819,7 @@
 </p:sld>
 </file>
 
-<file path=ppt/slides/slide29.xml><?xml version="1.0" encoding="utf-8"?>
+<file path=ppt/slides/slide26.xml><?xml version="1.0" encoding="utf-8"?>
 <p:sld xmlns:a="http://schemas.openxmlformats.org/drawingml/2006/main" xmlns:r="http://schemas.openxmlformats.org/officeDocument/2006/relationships" xmlns:p="http://schemas.openxmlformats.org/presentationml/2006/main">
   <p:cSld>
     <p:spTree>
@@ -10434,6 +10013,587 @@
 </p:sld>
 </file>
 
+<file path=ppt/slides/slide27.xml><?xml version="1.0" encoding="utf-8"?>
+<p:sld xmlns:a="http://schemas.openxmlformats.org/drawingml/2006/main" xmlns:r="http://schemas.openxmlformats.org/officeDocument/2006/relationships" xmlns:p="http://schemas.openxmlformats.org/presentationml/2006/main">
+  <p:cSld>
+    <p:spTree>
+      <p:nvGrpSpPr>
+        <p:cNvPr id="1" name=""/>
+        <p:cNvGrpSpPr/>
+        <p:nvPr/>
+      </p:nvGrpSpPr>
+      <p:grpSpPr>
+        <a:xfrm>
+          <a:off x="0" y="0"/>
+          <a:ext cx="0" cy="0"/>
+          <a:chOff x="0" y="0"/>
+          <a:chExt cx="0" cy="0"/>
+        </a:xfrm>
+      </p:grpSpPr>
+      <p:sp>
+        <p:nvSpPr>
+          <p:cNvPr id="2" name="TextBox 1"/>
+          <p:cNvSpPr txBox="1"/>
+          <p:nvPr/>
+        </p:nvSpPr>
+        <p:spPr>
+          <a:xfrm>
+            <a:off x="914400" y="274320"/>
+            <a:ext cx="7315200" cy="769441"/>
+          </a:xfrm>
+          <a:prstGeom prst="rect">
+            <a:avLst/>
+          </a:prstGeom>
+          <a:noFill/>
+        </p:spPr>
+        <p:txBody>
+          <a:bodyPr wrap="square">
+            <a:spAutoFit/>
+          </a:bodyPr>
+          <a:lstStyle/>
+          <a:p>
+            <a:pPr marL="0" indent="0" algn="ctr">
+              <a:buNone/>
+              <a:defRPr sz="4400" b="1">
+                <a:solidFill>
+                  <a:srgbClr val="0078D4"/>
+                </a:solidFill>
+              </a:defRPr>
+            </a:pPr>
+            <a:r>
+              <a:t>Step 7: Wait for Autopilot Setup</a:t>
+            </a:r>
+          </a:p>
+        </p:txBody>
+      </p:sp>
+      <p:sp>
+        <p:nvSpPr>
+          <p:cNvPr id="3" name="TextBox 2"/>
+          <p:cNvSpPr txBox="1"/>
+          <p:nvPr/>
+        </p:nvSpPr>
+        <p:spPr>
+          <a:xfrm>
+            <a:off x="2639419" y="1647134"/>
+            <a:ext cx="3865162" cy="584775"/>
+          </a:xfrm>
+          <a:prstGeom prst="rect">
+            <a:avLst/>
+          </a:prstGeom>
+          <a:noFill/>
+        </p:spPr>
+        <p:txBody>
+          <a:bodyPr wrap="none">
+            <a:spAutoFit/>
+          </a:bodyPr>
+          <a:lstStyle/>
+          <a:p>
+            <a:pPr marL="0" indent="0" algn="ctr">
+              <a:buNone/>
+              <a:defRPr sz="1600" b="1">
+                <a:solidFill>
+                  <a:srgbClr val="D13438"/>
+                </a:solidFill>
+              </a:defRPr>
+            </a:pPr>
+            <a:r>
+              <a:rPr dirty="0"/>
+              <a:t>⚠️ DO NOT turn off or restart your device!</a:t>
+            </a:r>
+            <a:endParaRPr lang="en-US" dirty="0"/>
+          </a:p>
+          <a:p>
+            <a:pPr algn="ctr">
+              <a:defRPr sz="1600" b="1">
+                <a:solidFill>
+                  <a:srgbClr val="D13438"/>
+                </a:solidFill>
+              </a:defRPr>
+            </a:pPr>
+            <a:r>
+              <a:rPr lang="en-US" dirty="0"/>
+              <a:t>⚠️ Ensure your Power Source is Connected!</a:t>
+            </a:r>
+            <a:endParaRPr dirty="0"/>
+          </a:p>
+        </p:txBody>
+      </p:sp>
+      <p:sp>
+        <p:nvSpPr>
+          <p:cNvPr id="4" name="TextBox 3"/>
+          <p:cNvSpPr txBox="1"/>
+          <p:nvPr/>
+        </p:nvSpPr>
+        <p:spPr>
+          <a:xfrm>
+            <a:off x="1371600" y="2378654"/>
+            <a:ext cx="6400800" cy="1477328"/>
+          </a:xfrm>
+          <a:prstGeom prst="rect">
+            <a:avLst/>
+          </a:prstGeom>
+          <a:noFill/>
+        </p:spPr>
+        <p:txBody>
+          <a:bodyPr wrap="square">
+            <a:spAutoFit/>
+          </a:bodyPr>
+          <a:lstStyle/>
+          <a:p>
+            <a:pPr marL="365760" indent="-182880" algn="l">
+              <a:defRPr sz="1800" b="0"/>
+            </a:pPr>
+            <a:r>
+              <a:rPr dirty="0"/>
+              <a:t>Autopilot will now configure your device automatically</a:t>
+            </a:r>
+          </a:p>
+          <a:p>
+            <a:pPr marL="365760" indent="-182880" algn="l">
+              <a:buChar char="•"/>
+            </a:pPr>
+            <a:r>
+              <a:rPr dirty="0"/>
+              <a:t>You will see 'Setting up your device for work...'</a:t>
+            </a:r>
+          </a:p>
+          <a:p>
+            <a:pPr marL="365760" indent="-182880" algn="l">
+              <a:buChar char="•"/>
+            </a:pPr>
+            <a:r>
+              <a:rPr dirty="0"/>
+              <a:t>This process takes </a:t>
+            </a:r>
+            <a:r>
+              <a:rPr lang="en-US" dirty="0"/>
+              <a:t>can take upwards of an Hour</a:t>
+            </a:r>
+            <a:endParaRPr dirty="0"/>
+          </a:p>
+          <a:p>
+            <a:pPr marL="365760" indent="-182880" algn="l">
+              <a:buChar char="•"/>
+            </a:pPr>
+            <a:r>
+              <a:rPr dirty="0"/>
+              <a:t>Your device may restart several times - this is normal</a:t>
+            </a:r>
+          </a:p>
+          <a:p>
+            <a:pPr marL="365760" indent="-182880" algn="l">
+              <a:buChar char="•"/>
+            </a:pPr>
+            <a:r>
+              <a:rPr dirty="0"/>
+              <a:t>Wait until you see the Windows sign-in screen</a:t>
+            </a:r>
+          </a:p>
+        </p:txBody>
+      </p:sp>
+    </p:spTree>
+  </p:cSld>
+  <p:clrMapOvr>
+    <a:masterClrMapping/>
+  </p:clrMapOvr>
+</p:sld>
+</file>
+
+<file path=ppt/slides/slide28.xml><?xml version="1.0" encoding="utf-8"?>
+<p:sld xmlns:a="http://schemas.openxmlformats.org/drawingml/2006/main" xmlns:r="http://schemas.openxmlformats.org/officeDocument/2006/relationships" xmlns:p="http://schemas.openxmlformats.org/presentationml/2006/main">
+  <p:cSld>
+    <p:spTree>
+      <p:nvGrpSpPr>
+        <p:cNvPr id="1" name=""/>
+        <p:cNvGrpSpPr/>
+        <p:nvPr/>
+      </p:nvGrpSpPr>
+      <p:grpSpPr>
+        <a:xfrm>
+          <a:off x="0" y="0"/>
+          <a:ext cx="0" cy="0"/>
+          <a:chOff x="0" y="0"/>
+          <a:chExt cx="0" cy="0"/>
+        </a:xfrm>
+      </p:grpSpPr>
+      <p:sp>
+        <p:nvSpPr>
+          <p:cNvPr id="2" name="TextBox 1"/>
+          <p:cNvSpPr txBox="1"/>
+          <p:nvPr/>
+        </p:nvSpPr>
+        <p:spPr>
+          <a:xfrm>
+            <a:off x="914400" y="274320"/>
+            <a:ext cx="7315200" cy="769441"/>
+          </a:xfrm>
+          <a:prstGeom prst="rect">
+            <a:avLst/>
+          </a:prstGeom>
+          <a:noFill/>
+        </p:spPr>
+        <p:txBody>
+          <a:bodyPr wrap="square">
+            <a:spAutoFit/>
+          </a:bodyPr>
+          <a:lstStyle/>
+          <a:p>
+            <a:pPr marL="0" indent="0" algn="ctr">
+              <a:buNone/>
+              <a:defRPr sz="4400" b="1">
+                <a:solidFill>
+                  <a:srgbClr val="0078D4"/>
+                </a:solidFill>
+              </a:defRPr>
+            </a:pPr>
+            <a:r>
+              <a:rPr dirty="0"/>
+              <a:t>Sign In to Windows</a:t>
+            </a:r>
+          </a:p>
+        </p:txBody>
+      </p:sp>
+      <p:sp>
+        <p:nvSpPr>
+          <p:cNvPr id="3" name="TextBox 2"/>
+          <p:cNvSpPr txBox="1"/>
+          <p:nvPr/>
+        </p:nvSpPr>
+        <p:spPr>
+          <a:xfrm>
+            <a:off x="1371600" y="914400"/>
+            <a:ext cx="6400800" cy="548640"/>
+          </a:xfrm>
+          <a:prstGeom prst="rect">
+            <a:avLst/>
+          </a:prstGeom>
+          <a:noFill/>
+        </p:spPr>
+        <p:txBody>
+          <a:bodyPr wrap="none">
+            <a:spAutoFit/>
+          </a:bodyPr>
+          <a:lstStyle/>
+          <a:p>
+            <a:pPr marL="0" indent="0" algn="ctr">
+              <a:buNone/>
+              <a:defRPr sz="1600" b="1">
+                <a:solidFill>
+                  <a:srgbClr val="D13438"/>
+                </a:solidFill>
+              </a:defRPr>
+            </a:pPr>
+            <a:r>
+              <a:t>Final sign-in after Autopilot completes</a:t>
+            </a:r>
+          </a:p>
+        </p:txBody>
+      </p:sp>
+      <p:sp>
+        <p:nvSpPr>
+          <p:cNvPr id="4" name="TextBox 3"/>
+          <p:cNvSpPr txBox="1"/>
+          <p:nvPr/>
+        </p:nvSpPr>
+        <p:spPr>
+          <a:xfrm>
+            <a:off x="1371600" y="2480132"/>
+            <a:ext cx="6400800" cy="1200329"/>
+          </a:xfrm>
+          <a:prstGeom prst="rect">
+            <a:avLst/>
+          </a:prstGeom>
+          <a:noFill/>
+        </p:spPr>
+        <p:txBody>
+          <a:bodyPr wrap="square">
+            <a:spAutoFit/>
+          </a:bodyPr>
+          <a:lstStyle/>
+          <a:p>
+            <a:pPr marL="365760" indent="-182880">
+              <a:defRPr sz="1800" b="0"/>
+            </a:pPr>
+            <a:r>
+              <a:rPr dirty="0"/>
+              <a:t>At the Windows sign-in screen, enter your email:</a:t>
+            </a:r>
+            <a:endParaRPr lang="en-US" dirty="0"/>
+          </a:p>
+          <a:p>
+            <a:pPr marL="365760" indent="-182880">
+              <a:defRPr sz="1800" b="0"/>
+            </a:pPr>
+            <a:r>
+              <a:rPr lang="en-US" dirty="0"/>
+              <a:t>	</a:t>
+            </a:r>
+            <a:r>
+              <a:rPr b="1" u="sng" dirty="0" err="1"/>
+              <a:t>FirstName.LastName@impactpropertysolutions.com</a:t>
+            </a:r>
+            <a:endParaRPr b="1" u="sng" dirty="0"/>
+          </a:p>
+          <a:p>
+            <a:pPr marL="822960" lvl="1" indent="-182880">
+              <a:buChar char="•"/>
+            </a:pPr>
+            <a:r>
+              <a:rPr dirty="0"/>
+              <a:t>Enter your Microsoft 365 password</a:t>
+            </a:r>
+          </a:p>
+          <a:p>
+            <a:pPr marL="822960" lvl="1" indent="-182880">
+              <a:buChar char="•"/>
+            </a:pPr>
+            <a:r>
+              <a:rPr dirty="0"/>
+              <a:t>Complete MFA</a:t>
+            </a:r>
+            <a:r>
+              <a:rPr lang="en-US" dirty="0"/>
+              <a:t>/Password Reset</a:t>
+            </a:r>
+            <a:r>
+              <a:rPr dirty="0"/>
+              <a:t> </a:t>
+            </a:r>
+            <a:r>
+              <a:rPr lang="en-US" dirty="0"/>
+              <a:t>as </a:t>
+            </a:r>
+            <a:r>
+              <a:rPr dirty="0"/>
+              <a:t>prompted</a:t>
+            </a:r>
+          </a:p>
+        </p:txBody>
+      </p:sp>
+    </p:spTree>
+  </p:cSld>
+  <p:clrMapOvr>
+    <a:masterClrMapping/>
+  </p:clrMapOvr>
+</p:sld>
+</file>
+
+<file path=ppt/slides/slide29.xml><?xml version="1.0" encoding="utf-8"?>
+<p:sld xmlns:a="http://schemas.openxmlformats.org/drawingml/2006/main" xmlns:r="http://schemas.openxmlformats.org/officeDocument/2006/relationships" xmlns:p="http://schemas.openxmlformats.org/presentationml/2006/main">
+  <p:cSld>
+    <p:spTree>
+      <p:nvGrpSpPr>
+        <p:cNvPr id="1" name=""/>
+        <p:cNvGrpSpPr/>
+        <p:nvPr/>
+      </p:nvGrpSpPr>
+      <p:grpSpPr>
+        <a:xfrm>
+          <a:off x="0" y="0"/>
+          <a:ext cx="0" cy="0"/>
+          <a:chOff x="0" y="0"/>
+          <a:chExt cx="0" cy="0"/>
+        </a:xfrm>
+      </p:grpSpPr>
+      <p:sp>
+        <p:nvSpPr>
+          <p:cNvPr id="2" name="TextBox 1"/>
+          <p:cNvSpPr txBox="1"/>
+          <p:nvPr/>
+        </p:nvSpPr>
+        <p:spPr>
+          <a:xfrm>
+            <a:off x="914400" y="274320"/>
+            <a:ext cx="7315200" cy="769441"/>
+          </a:xfrm>
+          <a:prstGeom prst="rect">
+            <a:avLst/>
+          </a:prstGeom>
+          <a:noFill/>
+        </p:spPr>
+        <p:txBody>
+          <a:bodyPr wrap="square">
+            <a:spAutoFit/>
+          </a:bodyPr>
+          <a:lstStyle/>
+          <a:p>
+            <a:pPr marL="0" indent="0" algn="ctr">
+              <a:buNone/>
+              <a:defRPr sz="4400" b="1">
+                <a:solidFill>
+                  <a:srgbClr val="0078D4"/>
+                </a:solidFill>
+              </a:defRPr>
+            </a:pPr>
+            <a:r>
+              <a:t>Step 1: Verify OneDrive Sync</a:t>
+            </a:r>
+          </a:p>
+        </p:txBody>
+      </p:sp>
+      <p:sp>
+        <p:nvSpPr>
+          <p:cNvPr id="3" name="TextBox 2"/>
+          <p:cNvSpPr txBox="1"/>
+          <p:nvPr/>
+        </p:nvSpPr>
+        <p:spPr>
+          <a:xfrm>
+            <a:off x="1371600" y="914400"/>
+            <a:ext cx="6400800" cy="548640"/>
+          </a:xfrm>
+          <a:prstGeom prst="rect">
+            <a:avLst/>
+          </a:prstGeom>
+          <a:noFill/>
+        </p:spPr>
+        <p:txBody>
+          <a:bodyPr wrap="none">
+            <a:spAutoFit/>
+          </a:bodyPr>
+          <a:lstStyle/>
+          <a:p>
+            <a:pPr marL="0" indent="0" algn="ctr">
+              <a:buNone/>
+              <a:defRPr sz="1600" b="1">
+                <a:solidFill>
+                  <a:srgbClr val="D13438"/>
+                </a:solidFill>
+              </a:defRPr>
+            </a:pPr>
+            <a:r>
+              <a:t>Your files should sync automatically after sign-in</a:t>
+            </a:r>
+          </a:p>
+        </p:txBody>
+      </p:sp>
+      <p:sp>
+        <p:nvSpPr>
+          <p:cNvPr id="4" name="TextBox 3"/>
+          <p:cNvSpPr txBox="1"/>
+          <p:nvPr/>
+        </p:nvSpPr>
+        <p:spPr>
+          <a:xfrm>
+            <a:off x="0" y="1570505"/>
+            <a:ext cx="6400800" cy="2585323"/>
+          </a:xfrm>
+          <a:prstGeom prst="rect">
+            <a:avLst/>
+          </a:prstGeom>
+          <a:noFill/>
+        </p:spPr>
+        <p:txBody>
+          <a:bodyPr wrap="square">
+            <a:spAutoFit/>
+          </a:bodyPr>
+          <a:lstStyle/>
+          <a:p>
+            <a:pPr marL="365760" indent="-182880" algn="l">
+              <a:defRPr sz="1800" b="0"/>
+            </a:pPr>
+            <a:r>
+              <a:rPr dirty="0"/>
+              <a:t>Look for the OneDrive cloud icon in system tray (bottom right)</a:t>
+            </a:r>
+          </a:p>
+          <a:p>
+            <a:pPr marL="365760" indent="-182880" algn="l">
+              <a:buChar char="•"/>
+            </a:pPr>
+            <a:r>
+              <a:rPr dirty="0"/>
+              <a:t>Click the cloud icon to check sync status</a:t>
+            </a:r>
+          </a:p>
+          <a:p>
+            <a:pPr marL="365760" indent="-182880" algn="l">
+              <a:buChar char="•"/>
+            </a:pPr>
+            <a:r>
+              <a:rPr dirty="0"/>
+              <a:t>You should see 'Your files are syncing' or green checkmark</a:t>
+            </a:r>
+          </a:p>
+          <a:p>
+            <a:pPr marL="365760" indent="-182880" algn="l">
+              <a:buChar char="•"/>
+            </a:pPr>
+            <a:r>
+              <a:rPr dirty="0"/>
+              <a:t>Open File Explorer - check Desktop, Documents, Pictures folders</a:t>
+            </a:r>
+          </a:p>
+          <a:p>
+            <a:pPr marL="0" indent="0">
+              <a:buNone/>
+            </a:pPr>
+            <a:endParaRPr lang="en-US" dirty="0"/>
+          </a:p>
+          <a:p>
+            <a:pPr marL="0" indent="0">
+              <a:buNone/>
+            </a:pPr>
+            <a:r>
+              <a:rPr dirty="0"/>
+              <a:t>✓ Files will download as you access them</a:t>
+            </a:r>
+          </a:p>
+          <a:p>
+            <a:pPr marL="0" indent="0">
+              <a:buNone/>
+            </a:pPr>
+            <a:endParaRPr lang="en-US" dirty="0"/>
+          </a:p>
+          <a:p>
+            <a:pPr marL="0" indent="0">
+              <a:buNone/>
+            </a:pPr>
+            <a:r>
+              <a:rPr dirty="0"/>
+              <a:t>💡 Large files may take time - prioritize what you need first</a:t>
+            </a:r>
+          </a:p>
+        </p:txBody>
+      </p:sp>
+      <p:pic>
+        <p:nvPicPr>
+          <p:cNvPr id="7" name="Picture 6">
+            <a:extLst>
+              <a:ext uri="{FF2B5EF4-FFF2-40B4-BE49-F238E27FC236}">
+                <a16:creationId xmlns:a16="http://schemas.microsoft.com/office/drawing/2014/main" id="{69CBBC12-5FA3-26D5-2F90-319D42E06E3E}"/>
+              </a:ext>
+            </a:extLst>
+          </p:cNvPr>
+          <p:cNvPicPr>
+            <a:picLocks noChangeAspect="1"/>
+          </p:cNvPicPr>
+          <p:nvPr/>
+        </p:nvPicPr>
+        <p:blipFill>
+          <a:blip r:embed="rId3"/>
+          <a:stretch>
+            <a:fillRect/>
+          </a:stretch>
+        </p:blipFill>
+        <p:spPr>
+          <a:xfrm>
+            <a:off x="5902897" y="1908036"/>
+            <a:ext cx="3241103" cy="1910259"/>
+          </a:xfrm>
+          <a:prstGeom prst="rect">
+            <a:avLst/>
+          </a:prstGeom>
+        </p:spPr>
+      </p:pic>
+    </p:spTree>
+  </p:cSld>
+  <p:clrMapOvr>
+    <a:masterClrMapping/>
+  </p:clrMapOvr>
+</p:sld>
+</file>
+
 <file path=ppt/slides/slide3.xml><?xml version="1.0" encoding="utf-8"?>
 <p:sld xmlns:a="http://schemas.openxmlformats.org/drawingml/2006/main" xmlns:r="http://schemas.openxmlformats.org/officeDocument/2006/relationships" xmlns:p="http://schemas.openxmlformats.org/presentationml/2006/main">
   <p:cSld>
@@ -10707,7 +10867,7 @@
         </p:blipFill>
         <p:spPr>
           <a:xfrm>
-            <a:off x="74516" y="3532177"/>
+            <a:off x="74516" y="3645301"/>
             <a:ext cx="2660973" cy="1393843"/>
           </a:xfrm>
           <a:prstGeom prst="rect">
@@ -10724,587 +10884,6 @@
 </file>
 
 <file path=ppt/slides/slide30.xml><?xml version="1.0" encoding="utf-8"?>
-<p:sld xmlns:a="http://schemas.openxmlformats.org/drawingml/2006/main" xmlns:r="http://schemas.openxmlformats.org/officeDocument/2006/relationships" xmlns:p="http://schemas.openxmlformats.org/presentationml/2006/main">
-  <p:cSld>
-    <p:spTree>
-      <p:nvGrpSpPr>
-        <p:cNvPr id="1" name=""/>
-        <p:cNvGrpSpPr/>
-        <p:nvPr/>
-      </p:nvGrpSpPr>
-      <p:grpSpPr>
-        <a:xfrm>
-          <a:off x="0" y="0"/>
-          <a:ext cx="0" cy="0"/>
-          <a:chOff x="0" y="0"/>
-          <a:chExt cx="0" cy="0"/>
-        </a:xfrm>
-      </p:grpSpPr>
-      <p:sp>
-        <p:nvSpPr>
-          <p:cNvPr id="2" name="TextBox 1"/>
-          <p:cNvSpPr txBox="1"/>
-          <p:nvPr/>
-        </p:nvSpPr>
-        <p:spPr>
-          <a:xfrm>
-            <a:off x="914400" y="274320"/>
-            <a:ext cx="7315200" cy="769441"/>
-          </a:xfrm>
-          <a:prstGeom prst="rect">
-            <a:avLst/>
-          </a:prstGeom>
-          <a:noFill/>
-        </p:spPr>
-        <p:txBody>
-          <a:bodyPr wrap="square">
-            <a:spAutoFit/>
-          </a:bodyPr>
-          <a:lstStyle/>
-          <a:p>
-            <a:pPr marL="0" indent="0" algn="ctr">
-              <a:buNone/>
-              <a:defRPr sz="4400" b="1">
-                <a:solidFill>
-                  <a:srgbClr val="0078D4"/>
-                </a:solidFill>
-              </a:defRPr>
-            </a:pPr>
-            <a:r>
-              <a:t>Step 7: Wait for Autopilot Setup</a:t>
-            </a:r>
-          </a:p>
-        </p:txBody>
-      </p:sp>
-      <p:sp>
-        <p:nvSpPr>
-          <p:cNvPr id="3" name="TextBox 2"/>
-          <p:cNvSpPr txBox="1"/>
-          <p:nvPr/>
-        </p:nvSpPr>
-        <p:spPr>
-          <a:xfrm>
-            <a:off x="2639419" y="1647134"/>
-            <a:ext cx="3865162" cy="584775"/>
-          </a:xfrm>
-          <a:prstGeom prst="rect">
-            <a:avLst/>
-          </a:prstGeom>
-          <a:noFill/>
-        </p:spPr>
-        <p:txBody>
-          <a:bodyPr wrap="none">
-            <a:spAutoFit/>
-          </a:bodyPr>
-          <a:lstStyle/>
-          <a:p>
-            <a:pPr marL="0" indent="0" algn="ctr">
-              <a:buNone/>
-              <a:defRPr sz="1600" b="1">
-                <a:solidFill>
-                  <a:srgbClr val="D13438"/>
-                </a:solidFill>
-              </a:defRPr>
-            </a:pPr>
-            <a:r>
-              <a:rPr dirty="0"/>
-              <a:t>⚠️ DO NOT turn off or restart your device!</a:t>
-            </a:r>
-            <a:endParaRPr lang="en-US" dirty="0"/>
-          </a:p>
-          <a:p>
-            <a:pPr algn="ctr">
-              <a:defRPr sz="1600" b="1">
-                <a:solidFill>
-                  <a:srgbClr val="D13438"/>
-                </a:solidFill>
-              </a:defRPr>
-            </a:pPr>
-            <a:r>
-              <a:rPr lang="en-US" dirty="0"/>
-              <a:t>⚠️ Ensure your Power Source is Connected!</a:t>
-            </a:r>
-            <a:endParaRPr dirty="0"/>
-          </a:p>
-        </p:txBody>
-      </p:sp>
-      <p:sp>
-        <p:nvSpPr>
-          <p:cNvPr id="4" name="TextBox 3"/>
-          <p:cNvSpPr txBox="1"/>
-          <p:nvPr/>
-        </p:nvSpPr>
-        <p:spPr>
-          <a:xfrm>
-            <a:off x="1371600" y="2378654"/>
-            <a:ext cx="6400800" cy="1477328"/>
-          </a:xfrm>
-          <a:prstGeom prst="rect">
-            <a:avLst/>
-          </a:prstGeom>
-          <a:noFill/>
-        </p:spPr>
-        <p:txBody>
-          <a:bodyPr wrap="square">
-            <a:spAutoFit/>
-          </a:bodyPr>
-          <a:lstStyle/>
-          <a:p>
-            <a:pPr marL="365760" indent="-182880" algn="l">
-              <a:defRPr sz="1800" b="0"/>
-            </a:pPr>
-            <a:r>
-              <a:rPr dirty="0"/>
-              <a:t>Autopilot will now configure your device automatically</a:t>
-            </a:r>
-          </a:p>
-          <a:p>
-            <a:pPr marL="365760" indent="-182880" algn="l">
-              <a:buChar char="•"/>
-            </a:pPr>
-            <a:r>
-              <a:rPr dirty="0"/>
-              <a:t>You will see 'Setting up your device for work...'</a:t>
-            </a:r>
-          </a:p>
-          <a:p>
-            <a:pPr marL="365760" indent="-182880" algn="l">
-              <a:buChar char="•"/>
-            </a:pPr>
-            <a:r>
-              <a:rPr dirty="0"/>
-              <a:t>This process takes </a:t>
-            </a:r>
-            <a:r>
-              <a:rPr lang="en-US" dirty="0"/>
-              <a:t>can take upwards of an Hour</a:t>
-            </a:r>
-            <a:endParaRPr dirty="0"/>
-          </a:p>
-          <a:p>
-            <a:pPr marL="365760" indent="-182880" algn="l">
-              <a:buChar char="•"/>
-            </a:pPr>
-            <a:r>
-              <a:rPr dirty="0"/>
-              <a:t>Your device may restart several times - this is normal</a:t>
-            </a:r>
-          </a:p>
-          <a:p>
-            <a:pPr marL="365760" indent="-182880" algn="l">
-              <a:buChar char="•"/>
-            </a:pPr>
-            <a:r>
-              <a:rPr dirty="0"/>
-              <a:t>Wait until you see the Windows sign-in screen</a:t>
-            </a:r>
-          </a:p>
-        </p:txBody>
-      </p:sp>
-    </p:spTree>
-  </p:cSld>
-  <p:clrMapOvr>
-    <a:masterClrMapping/>
-  </p:clrMapOvr>
-</p:sld>
-</file>
-
-<file path=ppt/slides/slide31.xml><?xml version="1.0" encoding="utf-8"?>
-<p:sld xmlns:a="http://schemas.openxmlformats.org/drawingml/2006/main" xmlns:r="http://schemas.openxmlformats.org/officeDocument/2006/relationships" xmlns:p="http://schemas.openxmlformats.org/presentationml/2006/main">
-  <p:cSld>
-    <p:spTree>
-      <p:nvGrpSpPr>
-        <p:cNvPr id="1" name=""/>
-        <p:cNvGrpSpPr/>
-        <p:nvPr/>
-      </p:nvGrpSpPr>
-      <p:grpSpPr>
-        <a:xfrm>
-          <a:off x="0" y="0"/>
-          <a:ext cx="0" cy="0"/>
-          <a:chOff x="0" y="0"/>
-          <a:chExt cx="0" cy="0"/>
-        </a:xfrm>
-      </p:grpSpPr>
-      <p:sp>
-        <p:nvSpPr>
-          <p:cNvPr id="2" name="TextBox 1"/>
-          <p:cNvSpPr txBox="1"/>
-          <p:nvPr/>
-        </p:nvSpPr>
-        <p:spPr>
-          <a:xfrm>
-            <a:off x="914400" y="274320"/>
-            <a:ext cx="7315200" cy="769441"/>
-          </a:xfrm>
-          <a:prstGeom prst="rect">
-            <a:avLst/>
-          </a:prstGeom>
-          <a:noFill/>
-        </p:spPr>
-        <p:txBody>
-          <a:bodyPr wrap="square">
-            <a:spAutoFit/>
-          </a:bodyPr>
-          <a:lstStyle/>
-          <a:p>
-            <a:pPr marL="0" indent="0" algn="ctr">
-              <a:buNone/>
-              <a:defRPr sz="4400" b="1">
-                <a:solidFill>
-                  <a:srgbClr val="0078D4"/>
-                </a:solidFill>
-              </a:defRPr>
-            </a:pPr>
-            <a:r>
-              <a:rPr dirty="0"/>
-              <a:t>Sign In to Windows</a:t>
-            </a:r>
-          </a:p>
-        </p:txBody>
-      </p:sp>
-      <p:sp>
-        <p:nvSpPr>
-          <p:cNvPr id="3" name="TextBox 2"/>
-          <p:cNvSpPr txBox="1"/>
-          <p:nvPr/>
-        </p:nvSpPr>
-        <p:spPr>
-          <a:xfrm>
-            <a:off x="1371600" y="914400"/>
-            <a:ext cx="6400800" cy="548640"/>
-          </a:xfrm>
-          <a:prstGeom prst="rect">
-            <a:avLst/>
-          </a:prstGeom>
-          <a:noFill/>
-        </p:spPr>
-        <p:txBody>
-          <a:bodyPr wrap="none">
-            <a:spAutoFit/>
-          </a:bodyPr>
-          <a:lstStyle/>
-          <a:p>
-            <a:pPr marL="0" indent="0" algn="ctr">
-              <a:buNone/>
-              <a:defRPr sz="1600" b="1">
-                <a:solidFill>
-                  <a:srgbClr val="D13438"/>
-                </a:solidFill>
-              </a:defRPr>
-            </a:pPr>
-            <a:r>
-              <a:t>Final sign-in after Autopilot completes</a:t>
-            </a:r>
-          </a:p>
-        </p:txBody>
-      </p:sp>
-      <p:sp>
-        <p:nvSpPr>
-          <p:cNvPr id="4" name="TextBox 3"/>
-          <p:cNvSpPr txBox="1"/>
-          <p:nvPr/>
-        </p:nvSpPr>
-        <p:spPr>
-          <a:xfrm>
-            <a:off x="1371600" y="2480132"/>
-            <a:ext cx="6400800" cy="1200329"/>
-          </a:xfrm>
-          <a:prstGeom prst="rect">
-            <a:avLst/>
-          </a:prstGeom>
-          <a:noFill/>
-        </p:spPr>
-        <p:txBody>
-          <a:bodyPr wrap="square">
-            <a:spAutoFit/>
-          </a:bodyPr>
-          <a:lstStyle/>
-          <a:p>
-            <a:pPr marL="365760" indent="-182880">
-              <a:defRPr sz="1800" b="0"/>
-            </a:pPr>
-            <a:r>
-              <a:rPr dirty="0"/>
-              <a:t>At the Windows sign-in screen, enter your email:</a:t>
-            </a:r>
-            <a:endParaRPr lang="en-US" dirty="0"/>
-          </a:p>
-          <a:p>
-            <a:pPr marL="365760" indent="-182880">
-              <a:defRPr sz="1800" b="0"/>
-            </a:pPr>
-            <a:r>
-              <a:rPr lang="en-US" dirty="0"/>
-              <a:t>	</a:t>
-            </a:r>
-            <a:r>
-              <a:rPr b="1" u="sng" dirty="0" err="1"/>
-              <a:t>FirstName.LastName@impactpropertysolutions.com</a:t>
-            </a:r>
-            <a:endParaRPr b="1" u="sng" dirty="0"/>
-          </a:p>
-          <a:p>
-            <a:pPr marL="822960" lvl="1" indent="-182880">
-              <a:buChar char="•"/>
-            </a:pPr>
-            <a:r>
-              <a:rPr dirty="0"/>
-              <a:t>Enter your Microsoft 365 password</a:t>
-            </a:r>
-          </a:p>
-          <a:p>
-            <a:pPr marL="822960" lvl="1" indent="-182880">
-              <a:buChar char="•"/>
-            </a:pPr>
-            <a:r>
-              <a:rPr dirty="0"/>
-              <a:t>Complete MFA</a:t>
-            </a:r>
-            <a:r>
-              <a:rPr lang="en-US" dirty="0"/>
-              <a:t>/Password Reset</a:t>
-            </a:r>
-            <a:r>
-              <a:rPr dirty="0"/>
-              <a:t> </a:t>
-            </a:r>
-            <a:r>
-              <a:rPr lang="en-US" dirty="0"/>
-              <a:t>as </a:t>
-            </a:r>
-            <a:r>
-              <a:rPr dirty="0"/>
-              <a:t>prompted</a:t>
-            </a:r>
-          </a:p>
-        </p:txBody>
-      </p:sp>
-    </p:spTree>
-  </p:cSld>
-  <p:clrMapOvr>
-    <a:masterClrMapping/>
-  </p:clrMapOvr>
-</p:sld>
-</file>
-
-<file path=ppt/slides/slide32.xml><?xml version="1.0" encoding="utf-8"?>
-<p:sld xmlns:a="http://schemas.openxmlformats.org/drawingml/2006/main" xmlns:r="http://schemas.openxmlformats.org/officeDocument/2006/relationships" xmlns:p="http://schemas.openxmlformats.org/presentationml/2006/main">
-  <p:cSld>
-    <p:spTree>
-      <p:nvGrpSpPr>
-        <p:cNvPr id="1" name=""/>
-        <p:cNvGrpSpPr/>
-        <p:nvPr/>
-      </p:nvGrpSpPr>
-      <p:grpSpPr>
-        <a:xfrm>
-          <a:off x="0" y="0"/>
-          <a:ext cx="0" cy="0"/>
-          <a:chOff x="0" y="0"/>
-          <a:chExt cx="0" cy="0"/>
-        </a:xfrm>
-      </p:grpSpPr>
-      <p:sp>
-        <p:nvSpPr>
-          <p:cNvPr id="2" name="TextBox 1"/>
-          <p:cNvSpPr txBox="1"/>
-          <p:nvPr/>
-        </p:nvSpPr>
-        <p:spPr>
-          <a:xfrm>
-            <a:off x="914400" y="274320"/>
-            <a:ext cx="7315200" cy="769441"/>
-          </a:xfrm>
-          <a:prstGeom prst="rect">
-            <a:avLst/>
-          </a:prstGeom>
-          <a:noFill/>
-        </p:spPr>
-        <p:txBody>
-          <a:bodyPr wrap="square">
-            <a:spAutoFit/>
-          </a:bodyPr>
-          <a:lstStyle/>
-          <a:p>
-            <a:pPr marL="0" indent="0" algn="ctr">
-              <a:buNone/>
-              <a:defRPr sz="4400" b="1">
-                <a:solidFill>
-                  <a:srgbClr val="0078D4"/>
-                </a:solidFill>
-              </a:defRPr>
-            </a:pPr>
-            <a:r>
-              <a:t>Step 1: Verify OneDrive Sync</a:t>
-            </a:r>
-          </a:p>
-        </p:txBody>
-      </p:sp>
-      <p:sp>
-        <p:nvSpPr>
-          <p:cNvPr id="3" name="TextBox 2"/>
-          <p:cNvSpPr txBox="1"/>
-          <p:nvPr/>
-        </p:nvSpPr>
-        <p:spPr>
-          <a:xfrm>
-            <a:off x="1371600" y="914400"/>
-            <a:ext cx="6400800" cy="548640"/>
-          </a:xfrm>
-          <a:prstGeom prst="rect">
-            <a:avLst/>
-          </a:prstGeom>
-          <a:noFill/>
-        </p:spPr>
-        <p:txBody>
-          <a:bodyPr wrap="none">
-            <a:spAutoFit/>
-          </a:bodyPr>
-          <a:lstStyle/>
-          <a:p>
-            <a:pPr marL="0" indent="0" algn="ctr">
-              <a:buNone/>
-              <a:defRPr sz="1600" b="1">
-                <a:solidFill>
-                  <a:srgbClr val="D13438"/>
-                </a:solidFill>
-              </a:defRPr>
-            </a:pPr>
-            <a:r>
-              <a:t>Your files should sync automatically after sign-in</a:t>
-            </a:r>
-          </a:p>
-        </p:txBody>
-      </p:sp>
-      <p:sp>
-        <p:nvSpPr>
-          <p:cNvPr id="4" name="TextBox 3"/>
-          <p:cNvSpPr txBox="1"/>
-          <p:nvPr/>
-        </p:nvSpPr>
-        <p:spPr>
-          <a:xfrm>
-            <a:off x="0" y="1570505"/>
-            <a:ext cx="6400800" cy="2585323"/>
-          </a:xfrm>
-          <a:prstGeom prst="rect">
-            <a:avLst/>
-          </a:prstGeom>
-          <a:noFill/>
-        </p:spPr>
-        <p:txBody>
-          <a:bodyPr wrap="square">
-            <a:spAutoFit/>
-          </a:bodyPr>
-          <a:lstStyle/>
-          <a:p>
-            <a:pPr marL="365760" indent="-182880" algn="l">
-              <a:defRPr sz="1800" b="0"/>
-            </a:pPr>
-            <a:r>
-              <a:rPr dirty="0"/>
-              <a:t>Look for the OneDrive cloud icon in system tray (bottom right)</a:t>
-            </a:r>
-          </a:p>
-          <a:p>
-            <a:pPr marL="365760" indent="-182880" algn="l">
-              <a:buChar char="•"/>
-            </a:pPr>
-            <a:r>
-              <a:rPr dirty="0"/>
-              <a:t>Click the cloud icon to check sync status</a:t>
-            </a:r>
-          </a:p>
-          <a:p>
-            <a:pPr marL="365760" indent="-182880" algn="l">
-              <a:buChar char="•"/>
-            </a:pPr>
-            <a:r>
-              <a:rPr dirty="0"/>
-              <a:t>You should see 'Your files are syncing' or green checkmark</a:t>
-            </a:r>
-          </a:p>
-          <a:p>
-            <a:pPr marL="365760" indent="-182880" algn="l">
-              <a:buChar char="•"/>
-            </a:pPr>
-            <a:r>
-              <a:rPr dirty="0"/>
-              <a:t>Open File Explorer - check Desktop, Documents, Pictures folders</a:t>
-            </a:r>
-          </a:p>
-          <a:p>
-            <a:pPr marL="0" indent="0">
-              <a:buNone/>
-            </a:pPr>
-            <a:endParaRPr lang="en-US" dirty="0"/>
-          </a:p>
-          <a:p>
-            <a:pPr marL="0" indent="0">
-              <a:buNone/>
-            </a:pPr>
-            <a:r>
-              <a:rPr dirty="0"/>
-              <a:t>✓ Files will download as you access them</a:t>
-            </a:r>
-          </a:p>
-          <a:p>
-            <a:pPr marL="0" indent="0">
-              <a:buNone/>
-            </a:pPr>
-            <a:endParaRPr lang="en-US" dirty="0"/>
-          </a:p>
-          <a:p>
-            <a:pPr marL="0" indent="0">
-              <a:buNone/>
-            </a:pPr>
-            <a:r>
-              <a:rPr dirty="0"/>
-              <a:t>💡 Large files may take time - prioritize what you need first</a:t>
-            </a:r>
-          </a:p>
-        </p:txBody>
-      </p:sp>
-      <p:pic>
-        <p:nvPicPr>
-          <p:cNvPr id="7" name="Picture 6">
-            <a:extLst>
-              <a:ext uri="{FF2B5EF4-FFF2-40B4-BE49-F238E27FC236}">
-                <a16:creationId xmlns:a16="http://schemas.microsoft.com/office/drawing/2014/main" id="{69CBBC12-5FA3-26D5-2F90-319D42E06E3E}"/>
-              </a:ext>
-            </a:extLst>
-          </p:cNvPr>
-          <p:cNvPicPr>
-            <a:picLocks noChangeAspect="1"/>
-          </p:cNvPicPr>
-          <p:nvPr/>
-        </p:nvPicPr>
-        <p:blipFill>
-          <a:blip r:embed="rId3"/>
-          <a:stretch>
-            <a:fillRect/>
-          </a:stretch>
-        </p:blipFill>
-        <p:spPr>
-          <a:xfrm>
-            <a:off x="5902897" y="1908036"/>
-            <a:ext cx="3241103" cy="1910259"/>
-          </a:xfrm>
-          <a:prstGeom prst="rect">
-            <a:avLst/>
-          </a:prstGeom>
-        </p:spPr>
-      </p:pic>
-    </p:spTree>
-  </p:cSld>
-  <p:clrMapOvr>
-    <a:masterClrMapping/>
-  </p:clrMapOvr>
-</p:sld>
-</file>
-
-<file path=ppt/slides/slide33.xml><?xml version="1.0" encoding="utf-8"?>
 <p:sld xmlns:a="http://schemas.openxmlformats.org/drawingml/2006/main" xmlns:r="http://schemas.openxmlformats.org/officeDocument/2006/relationships" xmlns:p="http://schemas.openxmlformats.org/presentationml/2006/main">
   <p:cSld>
     <p:spTree>
@@ -11534,7 +11113,7 @@
 </p:sld>
 </file>
 
-<file path=ppt/slides/slide34.xml><?xml version="1.0" encoding="utf-8"?>
+<file path=ppt/slides/slide31.xml><?xml version="1.0" encoding="utf-8"?>
 <p:sld xmlns:a="http://schemas.openxmlformats.org/drawingml/2006/main" xmlns:r="http://schemas.openxmlformats.org/officeDocument/2006/relationships" xmlns:p="http://schemas.openxmlformats.org/presentationml/2006/main">
   <p:cSld>
     <p:spTree>
@@ -11682,7 +11261,7 @@
 </p:sld>
 </file>
 
-<file path=ppt/slides/slide35.xml><?xml version="1.0" encoding="utf-8"?>
+<file path=ppt/slides/slide32.xml><?xml version="1.0" encoding="utf-8"?>
 <p:sld xmlns:a="http://schemas.openxmlformats.org/drawingml/2006/main" xmlns:r="http://schemas.openxmlformats.org/officeDocument/2006/relationships" xmlns:p="http://schemas.openxmlformats.org/presentationml/2006/main">
   <p:cSld>
     <p:spTree>
@@ -11881,7 +11460,7 @@
 </p:sld>
 </file>
 
-<file path=ppt/slides/slide36.xml><?xml version="1.0" encoding="utf-8"?>
+<file path=ppt/slides/slide33.xml><?xml version="1.0" encoding="utf-8"?>
 <p:sld xmlns:a="http://schemas.openxmlformats.org/drawingml/2006/main" xmlns:r="http://schemas.openxmlformats.org/officeDocument/2006/relationships" xmlns:p="http://schemas.openxmlformats.org/presentationml/2006/main">
   <p:cSld>
     <p:spTree>
@@ -12088,7 +11667,7 @@
 </p:sld>
 </file>
 
-<file path=ppt/slides/slide37.xml><?xml version="1.0" encoding="utf-8"?>
+<file path=ppt/slides/slide34.xml><?xml version="1.0" encoding="utf-8"?>
 <p:sld xmlns:a="http://schemas.openxmlformats.org/drawingml/2006/main" xmlns:r="http://schemas.openxmlformats.org/officeDocument/2006/relationships" xmlns:p="http://schemas.openxmlformats.org/presentationml/2006/main">
   <p:cSld>
     <p:spTree>
@@ -12399,7 +11978,7 @@
 </p:sld>
 </file>
 
-<file path=ppt/slides/slide38.xml><?xml version="1.0" encoding="utf-8"?>
+<file path=ppt/slides/slide35.xml><?xml version="1.0" encoding="utf-8"?>
 <p:sld xmlns:a="http://schemas.openxmlformats.org/drawingml/2006/main" xmlns:r="http://schemas.openxmlformats.org/officeDocument/2006/relationships" xmlns:p="http://schemas.openxmlformats.org/presentationml/2006/main">
   <p:cSld>
     <p:spTree>
@@ -12570,7 +12149,7 @@
 </p:sld>
 </file>
 
-<file path=ppt/slides/slide39.xml><?xml version="1.0" encoding="utf-8"?>
+<file path=ppt/slides/slide36.xml><?xml version="1.0" encoding="utf-8"?>
 <p:sld xmlns:a="http://schemas.openxmlformats.org/drawingml/2006/main" xmlns:r="http://schemas.openxmlformats.org/officeDocument/2006/relationships" xmlns:p="http://schemas.openxmlformats.org/presentationml/2006/main">
   <p:cSld>
     <p:spTree>

--- a/presentation/Phase1-Backup-Guide.pptx
+++ b/presentation/Phase1-Backup-Guide.pptx
@@ -5,7 +5,7 @@
     <p:sldMasterId id="2147483648" r:id="rId1"/>
   </p:sldMasterIdLst>
   <p:notesMasterIdLst>
-    <p:notesMasterId r:id="rId38"/>
+    <p:notesMasterId r:id="rId39"/>
   </p:notesMasterIdLst>
   <p:sldIdLst>
     <p:sldId id="256" r:id="rId2"/>
@@ -17,33 +17,34 @@
     <p:sldId id="262" r:id="rId8"/>
     <p:sldId id="264" r:id="rId9"/>
     <p:sldId id="289" r:id="rId10"/>
-    <p:sldId id="290" r:id="rId11"/>
-    <p:sldId id="266" r:id="rId12"/>
-    <p:sldId id="271" r:id="rId13"/>
-    <p:sldId id="272" r:id="rId14"/>
-    <p:sldId id="273" r:id="rId15"/>
-    <p:sldId id="269" r:id="rId16"/>
-    <p:sldId id="275" r:id="rId17"/>
-    <p:sldId id="274" r:id="rId18"/>
-    <p:sldId id="292" r:id="rId19"/>
-    <p:sldId id="293" r:id="rId20"/>
-    <p:sldId id="294" r:id="rId21"/>
-    <p:sldId id="276" r:id="rId22"/>
-    <p:sldId id="277" r:id="rId23"/>
-    <p:sldId id="278" r:id="rId24"/>
-    <p:sldId id="267" r:id="rId25"/>
-    <p:sldId id="268" r:id="rId26"/>
-    <p:sldId id="279" r:id="rId27"/>
-    <p:sldId id="280" r:id="rId28"/>
-    <p:sldId id="282" r:id="rId29"/>
-    <p:sldId id="283" r:id="rId30"/>
-    <p:sldId id="284" r:id="rId31"/>
-    <p:sldId id="285" r:id="rId32"/>
-    <p:sldId id="286" r:id="rId33"/>
-    <p:sldId id="287" r:id="rId34"/>
-    <p:sldId id="291" r:id="rId35"/>
-    <p:sldId id="297" r:id="rId36"/>
-    <p:sldId id="288" r:id="rId37"/>
+    <p:sldId id="298" r:id="rId11"/>
+    <p:sldId id="300" r:id="rId12"/>
+    <p:sldId id="266" r:id="rId13"/>
+    <p:sldId id="271" r:id="rId14"/>
+    <p:sldId id="272" r:id="rId15"/>
+    <p:sldId id="273" r:id="rId16"/>
+    <p:sldId id="269" r:id="rId17"/>
+    <p:sldId id="275" r:id="rId18"/>
+    <p:sldId id="274" r:id="rId19"/>
+    <p:sldId id="292" r:id="rId20"/>
+    <p:sldId id="293" r:id="rId21"/>
+    <p:sldId id="294" r:id="rId22"/>
+    <p:sldId id="276" r:id="rId23"/>
+    <p:sldId id="277" r:id="rId24"/>
+    <p:sldId id="278" r:id="rId25"/>
+    <p:sldId id="267" r:id="rId26"/>
+    <p:sldId id="268" r:id="rId27"/>
+    <p:sldId id="279" r:id="rId28"/>
+    <p:sldId id="280" r:id="rId29"/>
+    <p:sldId id="282" r:id="rId30"/>
+    <p:sldId id="283" r:id="rId31"/>
+    <p:sldId id="284" r:id="rId32"/>
+    <p:sldId id="285" r:id="rId33"/>
+    <p:sldId id="286" r:id="rId34"/>
+    <p:sldId id="287" r:id="rId35"/>
+    <p:sldId id="291" r:id="rId36"/>
+    <p:sldId id="297" r:id="rId37"/>
+    <p:sldId id="288" r:id="rId38"/>
   </p:sldIdLst>
   <p:sldSz cx="9144000" cy="5143500" type="screen16x9"/>
   <p:notesSz cx="6858000" cy="9144000"/>
@@ -400,13 +401,7 @@
   <p:cSld>
     <p:spTree>
       <p:nvGrpSpPr>
-        <p:cNvPr id="1" name="">
-          <a:extLst>
-            <a:ext uri="{FF2B5EF4-FFF2-40B4-BE49-F238E27FC236}">
-              <a16:creationId xmlns:a16="http://schemas.microsoft.com/office/drawing/2014/main" id="{D1F8CAA1-F2CD-4759-4324-A33D49964DF3}"/>
-            </a:ext>
-          </a:extLst>
-        </p:cNvPr>
+        <p:cNvPr id="1" name=""/>
         <p:cNvGrpSpPr/>
         <p:nvPr/>
       </p:nvGrpSpPr>
@@ -420,13 +415,7 @@
       </p:grpSpPr>
       <p:sp>
         <p:nvSpPr>
-          <p:cNvPr id="2" name="Slide Image Placeholder 1">
-            <a:extLst>
-              <a:ext uri="{FF2B5EF4-FFF2-40B4-BE49-F238E27FC236}">
-                <a16:creationId xmlns:a16="http://schemas.microsoft.com/office/drawing/2014/main" id="{13D4C057-37BD-01D7-D2D4-49B07DA4A5E5}"/>
-              </a:ext>
-            </a:extLst>
-          </p:cNvPr>
+          <p:cNvPr id="2" name="Slide Image Placeholder 1"/>
           <p:cNvSpPr>
             <a:spLocks noGrp="1" noRot="1" noChangeAspect="1"/>
           </p:cNvSpPr>
@@ -438,13 +427,7 @@
       </p:sp>
       <p:sp>
         <p:nvSpPr>
-          <p:cNvPr id="3" name="Notes Placeholder 2">
-            <a:extLst>
-              <a:ext uri="{FF2B5EF4-FFF2-40B4-BE49-F238E27FC236}">
-                <a16:creationId xmlns:a16="http://schemas.microsoft.com/office/drawing/2014/main" id="{43E6BE0C-D8DD-7EE2-56F2-B87F1B94D21D}"/>
-              </a:ext>
-            </a:extLst>
-          </p:cNvPr>
+          <p:cNvPr id="3" name="Notes Placeholder 2"/>
           <p:cNvSpPr>
             <a:spLocks noGrp="1"/>
           </p:cNvSpPr>
@@ -457,230 +440,54 @@
           <a:bodyPr/>
           <a:lstStyle/>
           <a:p>
-            <a:endParaRPr dirty="0"/>
-          </a:p>
-          <a:p>
-            <a:r>
-              <a:rPr dirty="0"/>
-              <a:t>CHECKPOINT SCRIPT:</a:t>
-            </a:r>
-          </a:p>
-          <a:p>
-            <a:r>
-              <a:rPr dirty="0"/>
-              <a:t>"Alright, let's review everything we've backed up to make sure we're ready for the reset. I'm going to go through the checklist with you:</a:t>
-            </a:r>
-          </a:p>
-          <a:p>
-            <a:endParaRPr dirty="0"/>
-          </a:p>
-          <a:p>
-            <a:r>
-              <a:rPr dirty="0"/>
-              <a:t>[Go through each item and check off]</a:t>
-            </a:r>
-          </a:p>
-          <a:p>
-            <a:endParaRPr dirty="0"/>
-          </a:p>
-          <a:p>
-            <a:r>
-              <a:rPr dirty="0"/>
-              <a:t>1. OneDrive - Is the cloud icon showing a green checkmark? Perfect.</a:t>
-            </a:r>
-          </a:p>
-          <a:p>
-            <a:r>
-              <a:rPr dirty="0"/>
-              <a:t>2. Known Folder Backup - We enabled Desktop, Documents, and Pictures, right? Good.</a:t>
-            </a:r>
-          </a:p>
-          <a:p>
-            <a:r>
-              <a:rPr dirty="0"/>
-              <a:t>3. Sync complete - Everything uploaded? Excellent.</a:t>
-            </a:r>
-          </a:p>
-          <a:p>
-            <a:r>
-              <a:rPr dirty="0"/>
-              <a:t>4. Browser sync - You signed in to Chrome/Edge? Check.</a:t>
-            </a:r>
-          </a:p>
-          <a:p>
-            <a:r>
-              <a:rPr dirty="0"/>
-              <a:t>5. Browser exports - Bookmarks and passwords saved to OneDrive Documents? Got it.</a:t>
-            </a:r>
-          </a:p>
-          <a:p>
-            <a:r>
-              <a:rPr dirty="0"/>
-              <a:t>6. Printers - We took that screenshot? Yes.</a:t>
-            </a:r>
-          </a:p>
-          <a:p>
-            <a:r>
-              <a:rPr dirty="0"/>
-              <a:t>7. </a:t>
-            </a:r>
-            <a:r>
-              <a:rPr dirty="0" err="1"/>
-              <a:t>WiFi</a:t>
-            </a:r>
-            <a:r>
-              <a:rPr dirty="0"/>
-              <a:t> - I have the network name written down: [SSID]</a:t>
-            </a:r>
-          </a:p>
-          <a:p>
-            <a:r>
-              <a:rPr dirty="0"/>
-              <a:t>8. Outlook PST - [We checked/no PST files/copied to OneDrive]</a:t>
-            </a:r>
-          </a:p>
-          <a:p>
-            <a:r>
-              <a:rPr dirty="0"/>
-              <a:t>9. iOS - [Backup verified/no iOS device/backup created]</a:t>
-            </a:r>
-          </a:p>
-          <a:p>
-            <a:endParaRPr dirty="0"/>
-          </a:p>
-          <a:p>
-            <a:r>
-              <a:rPr dirty="0"/>
-              <a:t>Perfect! Everything is backed up and safe. Your data is secure in OneDrive, and we can now proceed with requesting the device reset. The IT team will send you instructions for Phase 2 once the reset is processed."</a:t>
-            </a:r>
-          </a:p>
-          <a:p>
-            <a:endParaRPr dirty="0"/>
-          </a:p>
-          <a:p>
-            <a:r>
-              <a:rPr dirty="0"/>
-              <a:t>CRITICAL CHECKPOINT:</a:t>
-            </a:r>
-          </a:p>
-          <a:p>
-            <a:r>
-              <a:rPr dirty="0"/>
-              <a:t>- Review EVERY item before ending call</a:t>
-            </a:r>
-          </a:p>
-          <a:p>
-            <a:r>
-              <a:rPr dirty="0"/>
-              <a:t>- Verify green checkmark on OneDrive specifically</a:t>
-            </a:r>
-          </a:p>
-          <a:p>
-            <a:r>
-              <a:rPr dirty="0"/>
-              <a:t>- Check </a:t>
-            </a:r>
-            <a:r>
-              <a:rPr dirty="0" err="1"/>
-              <a:t>portal.office.com</a:t>
-            </a:r>
-            <a:r>
-              <a:rPr dirty="0"/>
-              <a:t> to visually confirm files in cloud</a:t>
-            </a:r>
-          </a:p>
-          <a:p>
-            <a:r>
-              <a:rPr dirty="0"/>
-              <a:t>- Document checklist completion in ticket</a:t>
-            </a:r>
-          </a:p>
-          <a:p>
-            <a:r>
-              <a:rPr dirty="0"/>
-              <a:t>- User should not be able to proceed to Phase 2 until this is 100% complete</a:t>
-            </a:r>
-          </a:p>
-          <a:p>
-            <a:endParaRPr dirty="0"/>
-          </a:p>
-          <a:p>
-            <a:r>
-              <a:rPr dirty="0"/>
-              <a:t>IF ANYTHING IS INCOMPLETE:</a:t>
-            </a:r>
-          </a:p>
-          <a:p>
-            <a:r>
-              <a:rPr dirty="0"/>
-              <a:t>- Schedule follow-up</a:t>
-            </a:r>
-          </a:p>
-          <a:p>
-            <a:r>
-              <a:rPr dirty="0"/>
-              <a:t>- Set reminder to verify OneDrive sync completion</a:t>
-            </a:r>
-          </a:p>
-          <a:p>
-            <a:r>
-              <a:rPr dirty="0"/>
-              <a:t>- Do NOT rush - data loss is worse than delay</a:t>
-            </a:r>
-          </a:p>
-          <a:p>
-            <a:r>
-              <a:rPr dirty="0"/>
-              <a:t>- Use wait time to help other users</a:t>
-            </a:r>
-          </a:p>
-          <a:p>
-            <a:endParaRPr dirty="0"/>
-          </a:p>
-          <a:p>
-            <a:r>
-              <a:rPr dirty="0"/>
-              <a:t>BEST PRACTICE:</a:t>
-            </a:r>
-          </a:p>
-          <a:p>
-            <a:r>
-              <a:rPr dirty="0"/>
-              <a:t>While waiting for OneDrive sync (15-30 min):</a:t>
-            </a:r>
-          </a:p>
-          <a:p>
-            <a:r>
-              <a:rPr dirty="0"/>
-              <a:t>- Start another user's Phase 1</a:t>
-            </a:r>
-          </a:p>
-          <a:p>
-            <a:r>
-              <a:rPr dirty="0"/>
-              <a:t>- Come back to verify this user's sync completion</a:t>
-            </a:r>
-          </a:p>
-          <a:p>
-            <a:r>
-              <a:rPr dirty="0"/>
-              <a:t>- Efficient use of time while maintaining safety</a:t>
-            </a:r>
-          </a:p>
-          <a:p>
-            <a:endParaRPr dirty="0"/>
-          </a:p>
-        </p:txBody>
-      </p:sp>
-      <p:sp>
-        <p:nvSpPr>
-          <p:cNvPr id="4" name="Slide Number Placeholder 3">
-            <a:extLst>
-              <a:ext uri="{FF2B5EF4-FFF2-40B4-BE49-F238E27FC236}">
-                <a16:creationId xmlns:a16="http://schemas.microsoft.com/office/drawing/2014/main" id="{EDFC5687-140B-6E0A-7648-C1623D484BB0}"/>
-              </a:ext>
-            </a:extLst>
-          </p:cNvPr>
+            <a:endParaRPr/>
+          </a:p>
+          <a:p>
+            <a:r>
+              <a:t>SCRIPT:</a:t>
+            </a:r>
+          </a:p>
+          <a:p>
+            <a:r>
+              <a:t>"Here's what we're going to back up today. The most important part is OneDrive - that's where all your files will be safely stored in the cloud. We'll also save your browser bookmarks and passwords, capture your printer settings, and if you have an iPhone or iPad, we'll verify that's backed up too. Each of these steps is important, but don't worry - I'll walk you through them one at a time."</a:t>
+            </a:r>
+          </a:p>
+          <a:p>
+            <a:endParaRPr/>
+          </a:p>
+          <a:p>
+            <a:r>
+              <a:t>EMPHASIS:</a:t>
+            </a:r>
+          </a:p>
+          <a:p>
+            <a:r>
+              <a:t>- OneDrive is the MOST CRITICAL step</a:t>
+            </a:r>
+          </a:p>
+          <a:p>
+            <a:r>
+              <a:t>- Everything goes to the cloud - safe even if device fails</a:t>
+            </a:r>
+          </a:p>
+          <a:p>
+            <a:r>
+              <a:t>- User doesn't need to understand technical details</a:t>
+            </a:r>
+          </a:p>
+          <a:p>
+            <a:r>
+              <a:t>- Focus on: "Your files will be safe"</a:t>
+            </a:r>
+          </a:p>
+          <a:p>
+            <a:endParaRPr/>
+          </a:p>
+        </p:txBody>
+      </p:sp>
+      <p:sp>
+        <p:nvSpPr>
+          <p:cNvPr id="4" name="Slide Number Placeholder 3"/>
           <p:cNvSpPr>
             <a:spLocks noGrp="1"/>
           </p:cNvSpPr>
@@ -691,11 +498,6 @@
         <p:spPr/>
       </p:sp>
     </p:spTree>
-    <p:extLst>
-      <p:ext uri="{BB962C8B-B14F-4D97-AF65-F5344CB8AC3E}">
-        <p14:creationId xmlns:p14="http://schemas.microsoft.com/office/powerpoint/2010/main" val="3982049088"/>
-      </p:ext>
-    </p:extLst>
   </p:cSld>
   <p:clrMapOvr>
     <a:masterClrMapping/>
@@ -751,12 +553,12 @@
           </a:p>
           <a:p>
             <a:r>
-              <a:t>SCRIPT:</a:t>
-            </a:r>
-          </a:p>
-          <a:p>
-            <a:r>
-              <a:t>"Here's what we're going to back up today. The most important part is OneDrive - that's where all your files will be safely stored in the cloud. We'll also save your browser bookmarks and passwords, capture your printer settings, and if you have an iPhone or iPad, we'll verify that's backed up too. Each of these steps is important, but don't worry - I'll walk you through them one at a time."</a:t>
+              <a:t>DETAILED SCRIPT:</a:t>
+            </a:r>
+          </a:p>
+          <a:p>
+            <a:r>
+              <a:t>"Let's start with OneDrive. Look at the bottom right corner of your screen, near the clock. Do you see a little cloud icon? That's OneDrive. Click on it.</a:t>
             </a:r>
           </a:p>
           <a:p>
@@ -764,27 +566,100 @@
           </a:p>
           <a:p>
             <a:r>
-              <a:t>EMPHASIS:</a:t>
-            </a:r>
-          </a:p>
-          <a:p>
-            <a:r>
-              <a:t>- OneDrive is the MOST CRITICAL step</a:t>
-            </a:r>
-          </a:p>
-          <a:p>
-            <a:r>
-              <a:t>- Everything goes to the cloud - safe even if device fails</a:t>
-            </a:r>
-          </a:p>
-          <a:p>
-            <a:r>
-              <a:t>- User doesn't need to understand technical details</a:t>
-            </a:r>
-          </a:p>
-          <a:p>
-            <a:r>
-              <a:t>- Focus on: "Your files will be safe"</a:t>
+              <a:t>If you don't see it, we need to install OneDrive first - we can get that from the Microsoft Store or onedrive.com.</a:t>
+            </a:r>
+          </a:p>
+          <a:p>
+            <a:endParaRPr/>
+          </a:p>
+          <a:p>
+            <a:r>
+              <a:t>[Once they find it]</a:t>
+            </a:r>
+          </a:p>
+          <a:p>
+            <a:r>
+              <a:t>Great! Now click on that cloud icon. Do you see where it says 'Sign in'? Click that and use your INGINC.com email address - the same one you use for Outlook.</a:t>
+            </a:r>
+          </a:p>
+          <a:p>
+            <a:endParaRPr/>
+          </a:p>
+          <a:p>
+            <a:r>
+              <a:t>[After sign in]</a:t>
+            </a:r>
+          </a:p>
+          <a:p>
+            <a:r>
+              <a:t>Perfect! Now let's set up folder backup. Click the gear icon in the OneDrive window. See where it says 'Sync and backup'? Click that tab. Now click 'Manage backup'.</a:t>
+            </a:r>
+          </a:p>
+          <a:p>
+            <a:endParaRPr/>
+          </a:p>
+          <a:p>
+            <a:r>
+              <a:t>You should see three folders here: Desktop, Documents, and Pictures. We want to make sure all three have checkmarks. If any are missing checkmarks, click to enable them. Then click 'Start backup' at the bottom.</a:t>
+            </a:r>
+          </a:p>
+          <a:p>
+            <a:endParaRPr/>
+          </a:p>
+          <a:p>
+            <a:r>
+              <a:t>Now we wait. You'll see the cloud icon has little blue arrows - that means it's uploading your files. This might take 15-30 minutes depending on how many files you have. While it's uploading, we can start working on the next user's backup. We'll come back to check for the green checkmark before we reset your device."</a:t>
+            </a:r>
+          </a:p>
+          <a:p>
+            <a:endParaRPr/>
+          </a:p>
+          <a:p>
+            <a:r>
+              <a:t>TROUBLESHOOTING:</a:t>
+            </a:r>
+          </a:p>
+          <a:p>
+            <a:r>
+              <a:t>- No cloud icon: Install OneDrive from Microsoft Store</a:t>
+            </a:r>
+          </a:p>
+          <a:p>
+            <a:r>
+              <a:t>- Can't sign in: Verify INGINC.com credentials, check MFA</a:t>
+            </a:r>
+          </a:p>
+          <a:p>
+            <a:r>
+              <a:t>- Known Folder protection already enabled: User may have bypassed - verify in portal.office.com</a:t>
+            </a:r>
+          </a:p>
+          <a:p>
+            <a:r>
+              <a:t>- Sync stuck: Check internet connection, restart OneDrive</a:t>
+            </a:r>
+          </a:p>
+          <a:p>
+            <a:endParaRPr/>
+          </a:p>
+          <a:p>
+            <a:r>
+              <a:t>IMPORTANT:</a:t>
+            </a:r>
+          </a:p>
+          <a:p>
+            <a:r>
+              <a:t>- DO NOT proceed to reset until green checkmark appears</a:t>
+            </a:r>
+          </a:p>
+          <a:p>
+            <a:r>
+              <a:t>- Use wait time to start another user's Phase 1</a:t>
+            </a:r>
+          </a:p>
+          <a:p>
+            <a:r>
+              <a:t>- Verify completion in portal.office.com before Phase 2</a:t>
             </a:r>
           </a:p>
           <a:p>
@@ -836,10 +711,24 @@
             <a:spLocks noGrp="1" noRot="1" noChangeAspect="1"/>
           </p:cNvSpPr>
           <p:nvPr>
-            <p:ph type="sldImg" idx="2"/>
+            <p:ph type="sldImg"/>
           </p:nvPr>
         </p:nvSpPr>
-        <p:spPr/>
+        <p:spPr>
+          <a:xfrm>
+            <a:off x="685800" y="1143000"/>
+            <a:ext cx="5486400" cy="3086100"/>
+          </a:xfrm>
+          <a:prstGeom prst="rect">
+            <a:avLst/>
+          </a:prstGeom>
+          <a:noFill/>
+          <a:ln w="12700">
+            <a:solidFill>
+              <a:prstClr val="black"/>
+            </a:solidFill>
+          </a:ln>
+        </p:spPr>
       </p:sp>
       <p:sp>
         <p:nvSpPr>
@@ -848,145 +737,32 @@
             <a:spLocks noGrp="1"/>
           </p:cNvSpPr>
           <p:nvPr>
-            <p:ph type="body" sz="quarter" idx="3"/>
+            <p:ph type="body" idx="1"/>
           </p:nvPr>
         </p:nvSpPr>
-        <p:spPr/>
+        <p:spPr>
+          <a:xfrm>
+            <a:off x="685800" y="4400550"/>
+            <a:ext cx="5486400" cy="3600450"/>
+          </a:xfrm>
+          <a:prstGeom prst="rect">
+            <a:avLst/>
+          </a:prstGeom>
+        </p:spPr>
         <p:txBody>
           <a:bodyPr/>
           <a:lstStyle/>
           <a:p>
-            <a:endParaRPr/>
-          </a:p>
-          <a:p>
-            <a:r>
-              <a:t>DETAILED SCRIPT:</a:t>
-            </a:r>
-          </a:p>
-          <a:p>
-            <a:r>
-              <a:t>"Let's start with OneDrive. Look at the bottom right corner of your screen, near the clock. Do you see a little cloud icon? That's OneDrive. Click on it.</a:t>
-            </a:r>
-          </a:p>
-          <a:p>
-            <a:endParaRPr/>
-          </a:p>
-          <a:p>
-            <a:r>
-              <a:t>If you don't see it, we need to install OneDrive first - we can get that from the Microsoft Store or onedrive.com.</a:t>
-            </a:r>
-          </a:p>
-          <a:p>
-            <a:endParaRPr/>
-          </a:p>
-          <a:p>
-            <a:r>
-              <a:t>[Once they find it]</a:t>
-            </a:r>
-          </a:p>
-          <a:p>
-            <a:r>
-              <a:t>Great! Now click on that cloud icon. Do you see where it says 'Sign in'? Click that and use your INGINC.com email address - the same one you use for Outlook.</a:t>
-            </a:r>
-          </a:p>
-          <a:p>
-            <a:endParaRPr/>
-          </a:p>
-          <a:p>
-            <a:r>
-              <a:t>[After sign in]</a:t>
-            </a:r>
-          </a:p>
-          <a:p>
-            <a:r>
-              <a:t>Perfect! Now let's set up folder backup. Click the gear icon in the OneDrive window. See where it says 'Sync and backup'? Click that tab. Now click 'Manage backup'.</a:t>
-            </a:r>
-          </a:p>
-          <a:p>
-            <a:endParaRPr/>
-          </a:p>
-          <a:p>
-            <a:r>
-              <a:t>You should see three folders here: Desktop, Documents, and Pictures. We want to make sure all three have checkmarks. If any are missing checkmarks, click to enable them. Then click 'Start backup' at the bottom.</a:t>
-            </a:r>
-          </a:p>
-          <a:p>
-            <a:endParaRPr/>
-          </a:p>
-          <a:p>
-            <a:r>
-              <a:t>Now we wait. You'll see the cloud icon has little blue arrows - that means it's uploading your files. This might take 15-30 minutes depending on how many files you have. While it's uploading, we can start working on the next user's backup. We'll come back to check for the green checkmark before we reset your device."</a:t>
-            </a:r>
-          </a:p>
-          <a:p>
-            <a:endParaRPr/>
-          </a:p>
-          <a:p>
-            <a:r>
-              <a:t>TROUBLESHOOTING:</a:t>
-            </a:r>
-          </a:p>
-          <a:p>
-            <a:r>
-              <a:t>- No cloud icon: Install OneDrive from Microsoft Store</a:t>
-            </a:r>
-          </a:p>
-          <a:p>
-            <a:r>
-              <a:t>- Can't sign in: Verify INGINC.com credentials, check MFA</a:t>
-            </a:r>
-          </a:p>
-          <a:p>
-            <a:r>
-              <a:t>- Known Folder protection already enabled: User may have bypassed - verify in portal.office.com</a:t>
-            </a:r>
-          </a:p>
-          <a:p>
-            <a:r>
-              <a:t>- Sync stuck: Check internet connection, restart OneDrive</a:t>
-            </a:r>
-          </a:p>
-          <a:p>
-            <a:endParaRPr/>
-          </a:p>
-          <a:p>
-            <a:r>
-              <a:t>IMPORTANT:</a:t>
-            </a:r>
-          </a:p>
-          <a:p>
-            <a:r>
-              <a:t>- DO NOT proceed to reset until green checkmark appears</a:t>
-            </a:r>
-          </a:p>
-          <a:p>
-            <a:r>
-              <a:t>- Use wait time to start another user's Phase 1</a:t>
-            </a:r>
-          </a:p>
-          <a:p>
-            <a:r>
-              <a:t>- Verify completion in portal.office.com before Phase 2</a:t>
-            </a:r>
-          </a:p>
-          <a:p>
-            <a:endParaRPr/>
-          </a:p>
-        </p:txBody>
-      </p:sp>
-      <p:sp>
-        <p:nvSpPr>
-          <p:cNvPr id="4" name="Slide Number Placeholder 3"/>
-          <p:cNvSpPr>
-            <a:spLocks noGrp="1"/>
-          </p:cNvSpPr>
-          <p:nvPr>
-            <p:ph type="sldNum" sz="quarter" idx="5"/>
-          </p:nvPr>
-        </p:nvSpPr>
-        <p:spPr/>
+            <a:endParaRPr lang="en-US" dirty="0"/>
+          </a:p>
+        </p:txBody>
       </p:sp>
     </p:spTree>
+    <p:extLst>
+      <p:ext uri="{BB962C8B-B14F-4D97-AF65-F5344CB8AC3E}">
+        <p14:creationId xmlns:p14="http://schemas.microsoft.com/office/powerpoint/2010/main" val="2638205678"/>
+      </p:ext>
+    </p:extLst>
   </p:cSld>
   <p:clrMapOvr>
     <a:masterClrMapping/>
@@ -1018,24 +794,10 @@
             <a:spLocks noGrp="1" noRot="1" noChangeAspect="1"/>
           </p:cNvSpPr>
           <p:nvPr>
-            <p:ph type="sldImg"/>
+            <p:ph type="sldImg" idx="2"/>
           </p:nvPr>
         </p:nvSpPr>
-        <p:spPr>
-          <a:xfrm>
-            <a:off x="685800" y="1143000"/>
-            <a:ext cx="5486400" cy="3086100"/>
-          </a:xfrm>
-          <a:prstGeom prst="rect">
-            <a:avLst/>
-          </a:prstGeom>
-          <a:noFill/>
-          <a:ln w="12700">
-            <a:solidFill>
-              <a:prstClr val="black"/>
-            </a:solidFill>
-          </a:ln>
-        </p:spPr>
+        <p:spPr/>
       </p:sp>
       <p:sp>
         <p:nvSpPr>
@@ -1044,32 +806,145 @@
             <a:spLocks noGrp="1"/>
           </p:cNvSpPr>
           <p:nvPr>
-            <p:ph type="body" idx="1"/>
+            <p:ph type="body" sz="quarter" idx="3"/>
           </p:nvPr>
         </p:nvSpPr>
-        <p:spPr>
-          <a:xfrm>
-            <a:off x="685800" y="4400550"/>
-            <a:ext cx="5486400" cy="3600450"/>
-          </a:xfrm>
-          <a:prstGeom prst="rect">
-            <a:avLst/>
-          </a:prstGeom>
-        </p:spPr>
+        <p:spPr/>
         <p:txBody>
           <a:bodyPr/>
           <a:lstStyle/>
           <a:p>
-            <a:endParaRPr lang="en-US" dirty="0"/>
-          </a:p>
-        </p:txBody>
+            <a:endParaRPr/>
+          </a:p>
+          <a:p>
+            <a:r>
+              <a:t>DETAILED SCRIPT:</a:t>
+            </a:r>
+          </a:p>
+          <a:p>
+            <a:r>
+              <a:t>"Let's start with OneDrive. Look at the bottom right corner of your screen, near the clock. Do you see a little cloud icon? That's OneDrive. Click on it.</a:t>
+            </a:r>
+          </a:p>
+          <a:p>
+            <a:endParaRPr/>
+          </a:p>
+          <a:p>
+            <a:r>
+              <a:t>If you don't see it, we need to install OneDrive first - we can get that from the Microsoft Store or onedrive.com.</a:t>
+            </a:r>
+          </a:p>
+          <a:p>
+            <a:endParaRPr/>
+          </a:p>
+          <a:p>
+            <a:r>
+              <a:t>[Once they find it]</a:t>
+            </a:r>
+          </a:p>
+          <a:p>
+            <a:r>
+              <a:t>Great! Now click on that cloud icon. Do you see where it says 'Sign in'? Click that and use your INGINC.com email address - the same one you use for Outlook.</a:t>
+            </a:r>
+          </a:p>
+          <a:p>
+            <a:endParaRPr/>
+          </a:p>
+          <a:p>
+            <a:r>
+              <a:t>[After sign in]</a:t>
+            </a:r>
+          </a:p>
+          <a:p>
+            <a:r>
+              <a:t>Perfect! Now let's set up folder backup. Click the gear icon in the OneDrive window. See where it says 'Sync and backup'? Click that tab. Now click 'Manage backup'.</a:t>
+            </a:r>
+          </a:p>
+          <a:p>
+            <a:endParaRPr/>
+          </a:p>
+          <a:p>
+            <a:r>
+              <a:t>You should see three folders here: Desktop, Documents, and Pictures. We want to make sure all three have checkmarks. If any are missing checkmarks, click to enable them. Then click 'Start backup' at the bottom.</a:t>
+            </a:r>
+          </a:p>
+          <a:p>
+            <a:endParaRPr/>
+          </a:p>
+          <a:p>
+            <a:r>
+              <a:t>Now we wait. You'll see the cloud icon has little blue arrows - that means it's uploading your files. This might take 15-30 minutes depending on how many files you have. While it's uploading, we can start working on the next user's backup. We'll come back to check for the green checkmark before we reset your device."</a:t>
+            </a:r>
+          </a:p>
+          <a:p>
+            <a:endParaRPr/>
+          </a:p>
+          <a:p>
+            <a:r>
+              <a:t>TROUBLESHOOTING:</a:t>
+            </a:r>
+          </a:p>
+          <a:p>
+            <a:r>
+              <a:t>- No cloud icon: Install OneDrive from Microsoft Store</a:t>
+            </a:r>
+          </a:p>
+          <a:p>
+            <a:r>
+              <a:t>- Can't sign in: Verify INGINC.com credentials, check MFA</a:t>
+            </a:r>
+          </a:p>
+          <a:p>
+            <a:r>
+              <a:t>- Known Folder protection already enabled: User may have bypassed - verify in portal.office.com</a:t>
+            </a:r>
+          </a:p>
+          <a:p>
+            <a:r>
+              <a:t>- Sync stuck: Check internet connection, restart OneDrive</a:t>
+            </a:r>
+          </a:p>
+          <a:p>
+            <a:endParaRPr/>
+          </a:p>
+          <a:p>
+            <a:r>
+              <a:t>IMPORTANT:</a:t>
+            </a:r>
+          </a:p>
+          <a:p>
+            <a:r>
+              <a:t>- DO NOT proceed to reset until green checkmark appears</a:t>
+            </a:r>
+          </a:p>
+          <a:p>
+            <a:r>
+              <a:t>- Use wait time to start another user's Phase 1</a:t>
+            </a:r>
+          </a:p>
+          <a:p>
+            <a:r>
+              <a:t>- Verify completion in portal.office.com before Phase 2</a:t>
+            </a:r>
+          </a:p>
+          <a:p>
+            <a:endParaRPr/>
+          </a:p>
+        </p:txBody>
+      </p:sp>
+      <p:sp>
+        <p:nvSpPr>
+          <p:cNvPr id="4" name="Slide Number Placeholder 3"/>
+          <p:cNvSpPr>
+            <a:spLocks noGrp="1"/>
+          </p:cNvSpPr>
+          <p:nvPr>
+            <p:ph type="sldNum" sz="quarter" idx="5"/>
+          </p:nvPr>
+        </p:nvSpPr>
+        <p:spPr/>
       </p:sp>
     </p:spTree>
-    <p:extLst>
-      <p:ext uri="{BB962C8B-B14F-4D97-AF65-F5344CB8AC3E}">
-        <p14:creationId xmlns:p14="http://schemas.microsoft.com/office/powerpoint/2010/main" val="2638205678"/>
-      </p:ext>
-    </p:extLst>
   </p:cSld>
   <p:clrMapOvr>
     <a:masterClrMapping/>
@@ -1260,188 +1135,6 @@
 </file>
 
 <file path=ppt/notesSlides/notesSlide15.xml><?xml version="1.0" encoding="utf-8"?>
-<p:notes xmlns:a="http://schemas.openxmlformats.org/drawingml/2006/main" xmlns:r="http://schemas.openxmlformats.org/officeDocument/2006/relationships" xmlns:p="http://schemas.openxmlformats.org/presentationml/2006/main">
-  <p:cSld>
-    <p:spTree>
-      <p:nvGrpSpPr>
-        <p:cNvPr id="1" name=""/>
-        <p:cNvGrpSpPr/>
-        <p:nvPr/>
-      </p:nvGrpSpPr>
-      <p:grpSpPr>
-        <a:xfrm>
-          <a:off x="0" y="0"/>
-          <a:ext cx="0" cy="0"/>
-          <a:chOff x="0" y="0"/>
-          <a:chExt cx="0" cy="0"/>
-        </a:xfrm>
-      </p:grpSpPr>
-      <p:sp>
-        <p:nvSpPr>
-          <p:cNvPr id="2" name="Slide Image Placeholder 1"/>
-          <p:cNvSpPr>
-            <a:spLocks noGrp="1" noRot="1" noChangeAspect="1"/>
-          </p:cNvSpPr>
-          <p:nvPr>
-            <p:ph type="sldImg" idx="2"/>
-          </p:nvPr>
-        </p:nvSpPr>
-        <p:spPr/>
-      </p:sp>
-      <p:sp>
-        <p:nvSpPr>
-          <p:cNvPr id="3" name="Notes Placeholder 2"/>
-          <p:cNvSpPr>
-            <a:spLocks noGrp="1"/>
-          </p:cNvSpPr>
-          <p:nvPr>
-            <p:ph type="body" sz="quarter" idx="3"/>
-          </p:nvPr>
-        </p:nvSpPr>
-        <p:spPr/>
-        <p:txBody>
-          <a:bodyPr/>
-          <a:lstStyle/>
-          <a:p>
-            <a:endParaRPr/>
-          </a:p>
-          <a:p>
-            <a:r>
-              <a:t>DETAILED SCRIPT:</a:t>
-            </a:r>
-          </a:p>
-          <a:p>
-            <a:r>
-              <a:t>"Let's start with OneDrive. Look at the bottom right corner of your screen, near the clock. Do you see a little cloud icon? That's OneDrive. Click on it.</a:t>
-            </a:r>
-          </a:p>
-          <a:p>
-            <a:endParaRPr/>
-          </a:p>
-          <a:p>
-            <a:r>
-              <a:t>If you don't see it, we need to install OneDrive first - we can get that from the Microsoft Store or onedrive.com.</a:t>
-            </a:r>
-          </a:p>
-          <a:p>
-            <a:endParaRPr/>
-          </a:p>
-          <a:p>
-            <a:r>
-              <a:t>[Once they find it]</a:t>
-            </a:r>
-          </a:p>
-          <a:p>
-            <a:r>
-              <a:t>Great! Now click on that cloud icon. Do you see where it says 'Sign in'? Click that and use your INGINC.com email address - the same one you use for Outlook.</a:t>
-            </a:r>
-          </a:p>
-          <a:p>
-            <a:endParaRPr/>
-          </a:p>
-          <a:p>
-            <a:r>
-              <a:t>[After sign in]</a:t>
-            </a:r>
-          </a:p>
-          <a:p>
-            <a:r>
-              <a:t>Perfect! Now let's set up folder backup. Click the gear icon in the OneDrive window. See where it says 'Sync and backup'? Click that tab. Now click 'Manage backup'.</a:t>
-            </a:r>
-          </a:p>
-          <a:p>
-            <a:endParaRPr/>
-          </a:p>
-          <a:p>
-            <a:r>
-              <a:t>You should see three folders here: Desktop, Documents, and Pictures. We want to make sure all three have checkmarks. If any are missing checkmarks, click to enable them. Then click 'Start backup' at the bottom.</a:t>
-            </a:r>
-          </a:p>
-          <a:p>
-            <a:endParaRPr/>
-          </a:p>
-          <a:p>
-            <a:r>
-              <a:t>Now we wait. You'll see the cloud icon has little blue arrows - that means it's uploading your files. This might take 15-30 minutes depending on how many files you have. While it's uploading, we can start working on the next user's backup. We'll come back to check for the green checkmark before we reset your device."</a:t>
-            </a:r>
-          </a:p>
-          <a:p>
-            <a:endParaRPr/>
-          </a:p>
-          <a:p>
-            <a:r>
-              <a:t>TROUBLESHOOTING:</a:t>
-            </a:r>
-          </a:p>
-          <a:p>
-            <a:r>
-              <a:t>- No cloud icon: Install OneDrive from Microsoft Store</a:t>
-            </a:r>
-          </a:p>
-          <a:p>
-            <a:r>
-              <a:t>- Can't sign in: Verify INGINC.com credentials, check MFA</a:t>
-            </a:r>
-          </a:p>
-          <a:p>
-            <a:r>
-              <a:t>- Known Folder protection already enabled: User may have bypassed - verify in portal.office.com</a:t>
-            </a:r>
-          </a:p>
-          <a:p>
-            <a:r>
-              <a:t>- Sync stuck: Check internet connection, restart OneDrive</a:t>
-            </a:r>
-          </a:p>
-          <a:p>
-            <a:endParaRPr/>
-          </a:p>
-          <a:p>
-            <a:r>
-              <a:t>IMPORTANT:</a:t>
-            </a:r>
-          </a:p>
-          <a:p>
-            <a:r>
-              <a:t>- DO NOT proceed to reset until green checkmark appears</a:t>
-            </a:r>
-          </a:p>
-          <a:p>
-            <a:r>
-              <a:t>- Use wait time to start another user's Phase 1</a:t>
-            </a:r>
-          </a:p>
-          <a:p>
-            <a:r>
-              <a:t>- Verify completion in portal.office.com before Phase 2</a:t>
-            </a:r>
-          </a:p>
-          <a:p>
-            <a:endParaRPr/>
-          </a:p>
-        </p:txBody>
-      </p:sp>
-      <p:sp>
-        <p:nvSpPr>
-          <p:cNvPr id="4" name="Slide Number Placeholder 3"/>
-          <p:cNvSpPr>
-            <a:spLocks noGrp="1"/>
-          </p:cNvSpPr>
-          <p:nvPr>
-            <p:ph type="sldNum" sz="quarter" idx="5"/>
-          </p:nvPr>
-        </p:nvSpPr>
-        <p:spPr/>
-      </p:sp>
-    </p:spTree>
-  </p:cSld>
-  <p:clrMapOvr>
-    <a:masterClrMapping/>
-  </p:clrMapOvr>
-</p:notes>
-</file>
-
-<file path=ppt/notesSlides/notesSlide16.xml><?xml version="1.0" encoding="utf-8"?>
 <p:notes xmlns:a="http://schemas.openxmlformats.org/drawingml/2006/main" xmlns:r="http://schemas.openxmlformats.org/officeDocument/2006/relationships" xmlns:p="http://schemas.openxmlformats.org/presentationml/2006/main">
   <p:cSld>
     <p:spTree>
@@ -6630,10 +6323,211 @@
   <p:cSld>
     <p:spTree>
       <p:nvGrpSpPr>
+        <p:cNvPr id="1" name=""/>
+        <p:cNvGrpSpPr/>
+        <p:nvPr/>
+      </p:nvGrpSpPr>
+      <p:grpSpPr>
+        <a:xfrm>
+          <a:off x="0" y="0"/>
+          <a:ext cx="0" cy="0"/>
+          <a:chOff x="0" y="0"/>
+          <a:chExt cx="0" cy="0"/>
+        </a:xfrm>
+      </p:grpSpPr>
+      <p:sp>
+        <p:nvSpPr>
+          <p:cNvPr id="2" name="TextBox 1">
+            <a:extLst>
+              <a:ext uri="{FF2B5EF4-FFF2-40B4-BE49-F238E27FC236}">
+                <a16:creationId xmlns:a16="http://schemas.microsoft.com/office/drawing/2014/main" id="{E0FE5224-CCDB-E760-C662-FCAEF3FE3AA5}"/>
+              </a:ext>
+            </a:extLst>
+          </p:cNvPr>
+          <p:cNvSpPr txBox="1"/>
+          <p:nvPr/>
+        </p:nvSpPr>
+        <p:spPr>
+          <a:xfrm>
+            <a:off x="914400" y="274320"/>
+            <a:ext cx="7927942" cy="769441"/>
+          </a:xfrm>
+          <a:prstGeom prst="rect">
+            <a:avLst/>
+          </a:prstGeom>
+          <a:noFill/>
+        </p:spPr>
+        <p:txBody>
+          <a:bodyPr wrap="square">
+            <a:spAutoFit/>
+          </a:bodyPr>
+          <a:lstStyle/>
+          <a:p>
+            <a:pPr marL="0" indent="0" algn="ctr">
+              <a:buNone/>
+              <a:defRPr sz="4400" b="1">
+                <a:solidFill>
+                  <a:srgbClr val="0078D4"/>
+                </a:solidFill>
+              </a:defRPr>
+            </a:pPr>
+            <a:r>
+              <a:rPr lang="en-US" dirty="0"/>
+              <a:t>Extracting your </a:t>
+            </a:r>
+            <a:r>
+              <a:rPr lang="en-US" dirty="0" err="1"/>
+              <a:t>Computername</a:t>
+            </a:r>
+            <a:endParaRPr dirty="0"/>
+          </a:p>
+        </p:txBody>
+      </p:sp>
+      <p:sp>
+        <p:nvSpPr>
+          <p:cNvPr id="4" name="TextBox 3">
+            <a:extLst>
+              <a:ext uri="{FF2B5EF4-FFF2-40B4-BE49-F238E27FC236}">
+                <a16:creationId xmlns:a16="http://schemas.microsoft.com/office/drawing/2014/main" id="{CA74A7DC-1B8A-B950-B376-B2DCE3C3610D}"/>
+              </a:ext>
+            </a:extLst>
+          </p:cNvPr>
+          <p:cNvSpPr txBox="1"/>
+          <p:nvPr/>
+        </p:nvSpPr>
+        <p:spPr>
+          <a:xfrm>
+            <a:off x="301658" y="1043761"/>
+            <a:ext cx="8540684" cy="326371"/>
+          </a:xfrm>
+          <a:prstGeom prst="rect">
+            <a:avLst/>
+          </a:prstGeom>
+          <a:noFill/>
+        </p:spPr>
+        <p:txBody>
+          <a:bodyPr wrap="square">
+            <a:spAutoFit/>
+          </a:bodyPr>
+          <a:lstStyle/>
+          <a:p>
+            <a:pPr algn="l">
+              <a:lnSpc>
+                <a:spcPts val="1800"/>
+              </a:lnSpc>
+              <a:spcBef>
+                <a:spcPts val="900"/>
+              </a:spcBef>
+              <a:spcAft>
+                <a:spcPts val="900"/>
+              </a:spcAft>
+            </a:pPr>
+            <a:r>
+              <a:rPr lang="en-US" b="0" i="0" dirty="0">
+                <a:effectLst/>
+                <a:latin typeface="Google Sans"/>
+              </a:rPr>
+              <a:t>Press the </a:t>
+            </a:r>
+            <a:r>
+              <a:rPr lang="en-US" b="1" i="0" dirty="0">
+                <a:effectLst/>
+                <a:latin typeface="Google Sans"/>
+              </a:rPr>
+              <a:t>Windows logo key</a:t>
+            </a:r>
+            <a:r>
+              <a:rPr lang="en-US" b="0" i="0" dirty="0">
+                <a:effectLst/>
+                <a:latin typeface="Google Sans"/>
+              </a:rPr>
+              <a:t> search for “System info” and launch “System Information”</a:t>
+            </a:r>
+          </a:p>
+        </p:txBody>
+      </p:sp>
+      <p:pic>
+        <p:nvPicPr>
+          <p:cNvPr id="5" name="Picture 4">
+            <a:extLst>
+              <a:ext uri="{FF2B5EF4-FFF2-40B4-BE49-F238E27FC236}">
+                <a16:creationId xmlns:a16="http://schemas.microsoft.com/office/drawing/2014/main" id="{91590565-0AD5-1966-05F7-3570BE0AC04A}"/>
+              </a:ext>
+            </a:extLst>
+          </p:cNvPr>
+          <p:cNvPicPr>
+            <a:picLocks noChangeAspect="1"/>
+          </p:cNvPicPr>
+          <p:nvPr/>
+        </p:nvPicPr>
+        <p:blipFill>
+          <a:blip r:embed="rId2"/>
+          <a:stretch>
+            <a:fillRect/>
+          </a:stretch>
+        </p:blipFill>
+        <p:spPr>
+          <a:xfrm>
+            <a:off x="545926" y="1377791"/>
+            <a:ext cx="2864307" cy="3773368"/>
+          </a:xfrm>
+          <a:prstGeom prst="rect">
+            <a:avLst/>
+          </a:prstGeom>
+        </p:spPr>
+      </p:pic>
+      <p:pic>
+        <p:nvPicPr>
+          <p:cNvPr id="6" name="Picture 5">
+            <a:extLst>
+              <a:ext uri="{FF2B5EF4-FFF2-40B4-BE49-F238E27FC236}">
+                <a16:creationId xmlns:a16="http://schemas.microsoft.com/office/drawing/2014/main" id="{54CF671D-32BC-8D9D-2EBD-370A91352CE3}"/>
+              </a:ext>
+            </a:extLst>
+          </p:cNvPr>
+          <p:cNvPicPr>
+            <a:picLocks noChangeAspect="1"/>
+          </p:cNvPicPr>
+          <p:nvPr/>
+        </p:nvPicPr>
+        <p:blipFill>
+          <a:blip r:embed="rId3"/>
+          <a:stretch>
+            <a:fillRect/>
+          </a:stretch>
+        </p:blipFill>
+        <p:spPr>
+          <a:xfrm>
+            <a:off x="3649682" y="2028199"/>
+            <a:ext cx="5192660" cy="2071540"/>
+          </a:xfrm>
+          <a:prstGeom prst="rect">
+            <a:avLst/>
+          </a:prstGeom>
+        </p:spPr>
+      </p:pic>
+    </p:spTree>
+    <p:extLst>
+      <p:ext uri="{BB962C8B-B14F-4D97-AF65-F5344CB8AC3E}">
+        <p14:creationId xmlns:p14="http://schemas.microsoft.com/office/powerpoint/2010/main" val="1149160590"/>
+      </p:ext>
+    </p:extLst>
+  </p:cSld>
+  <p:clrMapOvr>
+    <a:masterClrMapping/>
+  </p:clrMapOvr>
+</p:sld>
+</file>
+
+<file path=ppt/slides/slide11.xml><?xml version="1.0" encoding="utf-8"?>
+<p:sld xmlns:a="http://schemas.openxmlformats.org/drawingml/2006/main" xmlns:r="http://schemas.openxmlformats.org/officeDocument/2006/relationships" xmlns:p="http://schemas.openxmlformats.org/presentationml/2006/main">
+  <p:cSld>
+    <p:spTree>
+      <p:nvGrpSpPr>
         <p:cNvPr id="1" name="">
           <a:extLst>
             <a:ext uri="{FF2B5EF4-FFF2-40B4-BE49-F238E27FC236}">
-              <a16:creationId xmlns:a16="http://schemas.microsoft.com/office/drawing/2014/main" id="{AD0FEBA9-DB00-E466-B1CE-6B1445CE360A}"/>
+              <a16:creationId xmlns:a16="http://schemas.microsoft.com/office/drawing/2014/main" id="{C19E1A4A-A3BF-44E2-1BF7-9B41290FA0FB}"/>
             </a:ext>
           </a:extLst>
         </p:cNvPr>
@@ -6653,7 +6547,7 @@
           <p:cNvPr id="2" name="TextBox 1">
             <a:extLst>
               <a:ext uri="{FF2B5EF4-FFF2-40B4-BE49-F238E27FC236}">
-                <a16:creationId xmlns:a16="http://schemas.microsoft.com/office/drawing/2014/main" id="{5A180DA9-76E8-337D-866E-173A60CFC432}"/>
+                <a16:creationId xmlns:a16="http://schemas.microsoft.com/office/drawing/2014/main" id="{CEF86528-BF55-2D20-D223-10BB19057A26}"/>
               </a:ext>
             </a:extLst>
           </p:cNvPr>
@@ -6676,7 +6570,8 @@
           </a:bodyPr>
           <a:lstStyle/>
           <a:p>
-            <a:pPr algn="ctr">
+            <a:pPr marL="0" indent="0" algn="ctr">
+              <a:buNone/>
               <a:defRPr sz="4400" b="1">
                 <a:solidFill>
                   <a:srgbClr val="0078D4"/>
@@ -6684,8 +6579,8 @@
               </a:defRPr>
             </a:pPr>
             <a:r>
-              <a:rPr lang="en-US" sz="4400" dirty="0"/>
-              <a:t>🛑 🛑 🛑</a:t>
+              <a:rPr lang="en-US" dirty="0"/>
+              <a:t>Sync with Intune</a:t>
             </a:r>
             <a:endParaRPr dirty="0"/>
           </a:p>
@@ -6696,7 +6591,7 @@
           <p:cNvPr id="4" name="TextBox 3">
             <a:extLst>
               <a:ext uri="{FF2B5EF4-FFF2-40B4-BE49-F238E27FC236}">
-                <a16:creationId xmlns:a16="http://schemas.microsoft.com/office/drawing/2014/main" id="{9BC3D6BD-4FE3-409E-A447-D07CB7C2D308}"/>
+                <a16:creationId xmlns:a16="http://schemas.microsoft.com/office/drawing/2014/main" id="{B98BE2C6-44AD-D34B-4929-F68338654168}"/>
               </a:ext>
             </a:extLst>
           </p:cNvPr>
@@ -6705,8 +6600,8 @@
         </p:nvSpPr>
         <p:spPr>
           <a:xfrm>
-            <a:off x="2941162" y="1043761"/>
-            <a:ext cx="6202837" cy="400110"/>
+            <a:off x="914400" y="1043761"/>
+            <a:ext cx="7154944" cy="1249701"/>
           </a:xfrm>
           <a:prstGeom prst="rect">
             <a:avLst/>
@@ -6719,25 +6614,144 @@
           </a:bodyPr>
           <a:lstStyle/>
           <a:p>
-            <a:pPr algn="ctr">
-              <a:defRPr sz="1800" b="1">
-                <a:solidFill>
-                  <a:srgbClr val="D13438"/>
-                </a:solidFill>
-              </a:defRPr>
-            </a:pPr>
-            <a:r>
-              <a:rPr lang="en-US" sz="2000" dirty="0"/>
-              <a:t>Right-</a:t>
-            </a:r>
-            <a:endParaRPr sz="2000" dirty="0"/>
-          </a:p>
-        </p:txBody>
-      </p:sp>
+            <a:pPr algn="l">
+              <a:lnSpc>
+                <a:spcPts val="1800"/>
+              </a:lnSpc>
+              <a:spcBef>
+                <a:spcPts val="900"/>
+              </a:spcBef>
+              <a:spcAft>
+                <a:spcPts val="900"/>
+              </a:spcAft>
+            </a:pPr>
+            <a:r>
+              <a:rPr lang="en-US" b="0" i="0" dirty="0">
+                <a:effectLst/>
+                <a:latin typeface="Google Sans"/>
+              </a:rPr>
+              <a:t>Press the </a:t>
+            </a:r>
+            <a:r>
+              <a:rPr lang="en-US" b="1" i="0" dirty="0">
+                <a:effectLst/>
+                <a:latin typeface="Google Sans"/>
+              </a:rPr>
+              <a:t>Windows logo key</a:t>
+            </a:r>
+            <a:r>
+              <a:rPr lang="en-US" b="0" i="0" dirty="0">
+                <a:effectLst/>
+                <a:latin typeface="Google Sans"/>
+              </a:rPr>
+              <a:t> + </a:t>
+            </a:r>
+            <a:r>
+              <a:rPr lang="en-US" b="1" dirty="0">
+                <a:latin typeface="Google Sans"/>
+              </a:rPr>
+              <a:t>R</a:t>
+            </a:r>
+            <a:r>
+              <a:rPr lang="en-US" b="0" i="0" dirty="0">
+                <a:effectLst/>
+                <a:latin typeface="Google Sans"/>
+              </a:rPr>
+              <a:t> simultaneously.</a:t>
+            </a:r>
+          </a:p>
+          <a:p>
+            <a:pPr>
+              <a:lnSpc>
+                <a:spcPts val="1800"/>
+              </a:lnSpc>
+              <a:spcBef>
+                <a:spcPts val="900"/>
+              </a:spcBef>
+              <a:spcAft>
+                <a:spcPts val="900"/>
+              </a:spcAft>
+            </a:pPr>
+            <a:r>
+              <a:rPr lang="en-US" dirty="0"/>
+              <a:t>Type in “</a:t>
+            </a:r>
+            <a:r>
+              <a:rPr lang="en-US" dirty="0" err="1"/>
+              <a:t>intunemanagementextension</a:t>
+            </a:r>
+            <a:r>
+              <a:rPr lang="en-US" dirty="0"/>
+              <a:t>://</a:t>
+            </a:r>
+            <a:r>
+              <a:rPr lang="en-US" dirty="0" err="1"/>
+              <a:t>syncapp</a:t>
+            </a:r>
+            <a:r>
+              <a:rPr lang="en-US" dirty="0"/>
+              <a:t>” then press Enter</a:t>
+            </a:r>
+          </a:p>
+          <a:p>
+            <a:pPr>
+              <a:lnSpc>
+                <a:spcPts val="1800"/>
+              </a:lnSpc>
+              <a:spcBef>
+                <a:spcPts val="900"/>
+              </a:spcBef>
+              <a:spcAft>
+                <a:spcPts val="900"/>
+              </a:spcAft>
+            </a:pPr>
+            <a:r>
+              <a:rPr lang="en-US" dirty="0">
+                <a:latin typeface="Google Sans"/>
+              </a:rPr>
+              <a:t>Wait a Minute then Restart.</a:t>
+            </a:r>
+            <a:endParaRPr lang="en-US" b="0" i="0" dirty="0">
+              <a:effectLst/>
+              <a:latin typeface="Google Sans"/>
+            </a:endParaRPr>
+          </a:p>
+        </p:txBody>
+      </p:sp>
+      <p:pic>
+        <p:nvPicPr>
+          <p:cNvPr id="3" name="Picture 2">
+            <a:extLst>
+              <a:ext uri="{FF2B5EF4-FFF2-40B4-BE49-F238E27FC236}">
+                <a16:creationId xmlns:a16="http://schemas.microsoft.com/office/drawing/2014/main" id="{3AD1ABCA-2269-A147-82ED-0D7023E5FA4D}"/>
+              </a:ext>
+            </a:extLst>
+          </p:cNvPr>
+          <p:cNvPicPr>
+            <a:picLocks noChangeAspect="1"/>
+          </p:cNvPicPr>
+          <p:nvPr/>
+        </p:nvPicPr>
+        <p:blipFill>
+          <a:blip r:embed="rId2"/>
+          <a:stretch>
+            <a:fillRect/>
+          </a:stretch>
+        </p:blipFill>
+        <p:spPr>
+          <a:xfrm>
+            <a:off x="2215692" y="2850039"/>
+            <a:ext cx="4712616" cy="1880033"/>
+          </a:xfrm>
+          <a:prstGeom prst="rect">
+            <a:avLst/>
+          </a:prstGeom>
+        </p:spPr>
+      </p:pic>
     </p:spTree>
     <p:extLst>
       <p:ext uri="{BB962C8B-B14F-4D97-AF65-F5344CB8AC3E}">
-        <p14:creationId xmlns:p14="http://schemas.microsoft.com/office/powerpoint/2010/main" val="4169804396"/>
+        <p14:creationId xmlns:p14="http://schemas.microsoft.com/office/powerpoint/2010/main" val="1976429625"/>
       </p:ext>
     </p:extLst>
   </p:cSld>
@@ -6747,7 +6761,7 @@
 </p:sld>
 </file>
 
-<file path=ppt/slides/slide11.xml><?xml version="1.0" encoding="utf-8"?>
+<file path=ppt/slides/slide12.xml><?xml version="1.0" encoding="utf-8"?>
 <p:sld xmlns:a="http://schemas.openxmlformats.org/drawingml/2006/main" xmlns:r="http://schemas.openxmlformats.org/officeDocument/2006/relationships" xmlns:p="http://schemas.openxmlformats.org/presentationml/2006/main">
   <p:cSld>
     <p:spTree>
@@ -6912,7 +6926,7 @@
 </p:sld>
 </file>
 
-<file path=ppt/slides/slide12.xml><?xml version="1.0" encoding="utf-8"?>
+<file path=ppt/slides/slide13.xml><?xml version="1.0" encoding="utf-8"?>
 <p:sld xmlns:a="http://schemas.openxmlformats.org/drawingml/2006/main" xmlns:r="http://schemas.openxmlformats.org/officeDocument/2006/relationships" xmlns:p="http://schemas.openxmlformats.org/presentationml/2006/main">
   <p:cSld>
     <p:spTree>
@@ -7115,7 +7129,7 @@
 </p:sld>
 </file>
 
-<file path=ppt/slides/slide13.xml><?xml version="1.0" encoding="utf-8"?>
+<file path=ppt/slides/slide14.xml><?xml version="1.0" encoding="utf-8"?>
 <p:sld xmlns:a="http://schemas.openxmlformats.org/drawingml/2006/main" xmlns:r="http://schemas.openxmlformats.org/officeDocument/2006/relationships" xmlns:p="http://schemas.openxmlformats.org/presentationml/2006/main">
   <p:cSld>
     <p:spTree>
@@ -7324,7 +7338,7 @@
 </p:sld>
 </file>
 
-<file path=ppt/slides/slide14.xml><?xml version="1.0" encoding="utf-8"?>
+<file path=ppt/slides/slide15.xml><?xml version="1.0" encoding="utf-8"?>
 <p:sld xmlns:a="http://schemas.openxmlformats.org/drawingml/2006/main" xmlns:r="http://schemas.openxmlformats.org/officeDocument/2006/relationships" xmlns:p="http://schemas.openxmlformats.org/presentationml/2006/main">
   <p:cSld>
     <p:spTree>
@@ -7535,7 +7549,7 @@
 </p:sld>
 </file>
 
-<file path=ppt/slides/slide15.xml><?xml version="1.0" encoding="utf-8"?>
+<file path=ppt/slides/slide16.xml><?xml version="1.0" encoding="utf-8"?>
 <p:sld xmlns:a="http://schemas.openxmlformats.org/drawingml/2006/main" xmlns:r="http://schemas.openxmlformats.org/officeDocument/2006/relationships" xmlns:p="http://schemas.openxmlformats.org/presentationml/2006/main">
   <p:cSld>
     <p:spTree>
@@ -7676,7 +7690,7 @@
 </p:sld>
 </file>
 
-<file path=ppt/slides/slide16.xml><?xml version="1.0" encoding="utf-8"?>
+<file path=ppt/slides/slide17.xml><?xml version="1.0" encoding="utf-8"?>
 <p:sld xmlns:a="http://schemas.openxmlformats.org/drawingml/2006/main" xmlns:r="http://schemas.openxmlformats.org/officeDocument/2006/relationships" xmlns:p="http://schemas.openxmlformats.org/presentationml/2006/main">
   <p:cSld>
     <p:spTree>
@@ -7878,7 +7892,7 @@
 </p:sld>
 </file>
 
-<file path=ppt/slides/slide17.xml><?xml version="1.0" encoding="utf-8"?>
+<file path=ppt/slides/slide18.xml><?xml version="1.0" encoding="utf-8"?>
 <p:sld xmlns:a="http://schemas.openxmlformats.org/drawingml/2006/main" xmlns:r="http://schemas.openxmlformats.org/officeDocument/2006/relationships" xmlns:p="http://schemas.openxmlformats.org/presentationml/2006/main">
   <p:cSld>
     <p:spTree>
@@ -8094,7 +8108,7 @@
 </p:sld>
 </file>
 
-<file path=ppt/slides/slide18.xml><?xml version="1.0" encoding="utf-8"?>
+<file path=ppt/slides/slide19.xml><?xml version="1.0" encoding="utf-8"?>
 <p:sld xmlns:a="http://schemas.openxmlformats.org/drawingml/2006/main" xmlns:r="http://schemas.openxmlformats.org/officeDocument/2006/relationships" xmlns:p="http://schemas.openxmlformats.org/presentationml/2006/main">
   <p:cSld>
     <p:spTree>
@@ -8241,7 +8255,208 @@
 </p:sld>
 </file>
 
-<file path=ppt/slides/slide19.xml><?xml version="1.0" encoding="utf-8"?>
+<file path=ppt/slides/slide2.xml><?xml version="1.0" encoding="utf-8"?>
+<p:sld xmlns:a="http://schemas.openxmlformats.org/drawingml/2006/main" xmlns:r="http://schemas.openxmlformats.org/officeDocument/2006/relationships" xmlns:p="http://schemas.openxmlformats.org/presentationml/2006/main">
+  <p:cSld>
+    <p:spTree>
+      <p:nvGrpSpPr>
+        <p:cNvPr id="1" name=""/>
+        <p:cNvGrpSpPr/>
+        <p:nvPr/>
+      </p:nvGrpSpPr>
+      <p:grpSpPr>
+        <a:xfrm>
+          <a:off x="0" y="0"/>
+          <a:ext cx="0" cy="0"/>
+          <a:chOff x="0" y="0"/>
+          <a:chExt cx="0" cy="0"/>
+        </a:xfrm>
+      </p:grpSpPr>
+      <p:sp>
+        <p:nvSpPr>
+          <p:cNvPr id="2" name="TextBox 1"/>
+          <p:cNvSpPr txBox="1"/>
+          <p:nvPr/>
+        </p:nvSpPr>
+        <p:spPr>
+          <a:xfrm>
+            <a:off x="914400" y="274320"/>
+            <a:ext cx="7315200" cy="914400"/>
+          </a:xfrm>
+          <a:prstGeom prst="rect">
+            <a:avLst/>
+          </a:prstGeom>
+          <a:noFill/>
+        </p:spPr>
+        <p:txBody>
+          <a:bodyPr wrap="square">
+            <a:spAutoFit/>
+          </a:bodyPr>
+          <a:lstStyle/>
+          <a:p>
+            <a:pPr algn="ctr">
+              <a:defRPr sz="4400" b="1">
+                <a:solidFill>
+                  <a:srgbClr val="0078D4"/>
+                </a:solidFill>
+              </a:defRPr>
+            </a:pPr>
+            <a:r>
+              <a:t>What We'll Back Up Today</a:t>
+            </a:r>
+          </a:p>
+        </p:txBody>
+      </p:sp>
+      <p:sp>
+        <p:nvSpPr>
+          <p:cNvPr id="3" name="TextBox 2"/>
+          <p:cNvSpPr txBox="1"/>
+          <p:nvPr/>
+        </p:nvSpPr>
+        <p:spPr>
+          <a:xfrm>
+            <a:off x="1371600" y="1097280"/>
+            <a:ext cx="6400800" cy="3323987"/>
+          </a:xfrm>
+          <a:prstGeom prst="rect">
+            <a:avLst/>
+          </a:prstGeom>
+          <a:noFill/>
+        </p:spPr>
+        <p:txBody>
+          <a:bodyPr wrap="square">
+            <a:spAutoFit/>
+          </a:bodyPr>
+          <a:lstStyle/>
+          <a:p>
+            <a:pPr>
+              <a:defRPr sz="2400" b="1">
+                <a:solidFill>
+                  <a:srgbClr val="0078D4"/>
+                </a:solidFill>
+              </a:defRPr>
+            </a:pPr>
+            <a:r>
+              <a:rPr dirty="0"/>
+              <a:t>OneDrive Setup &amp; File Sync</a:t>
+            </a:r>
+          </a:p>
+          <a:p>
+            <a:pPr lvl="1">
+              <a:defRPr sz="1800" b="0"/>
+            </a:pPr>
+            <a:r>
+              <a:rPr dirty="0"/>
+              <a:t>Your Desktop, Documents, and Pictures folders</a:t>
+            </a:r>
+          </a:p>
+          <a:p>
+            <a:pPr>
+              <a:defRPr sz="2400" b="1">
+                <a:solidFill>
+                  <a:srgbClr val="0078D4"/>
+                </a:solidFill>
+              </a:defRPr>
+            </a:pPr>
+            <a:r>
+              <a:rPr dirty="0"/>
+              <a:t>Browser Profile</a:t>
+            </a:r>
+          </a:p>
+          <a:p>
+            <a:pPr lvl="1">
+              <a:defRPr sz="1800" b="0"/>
+            </a:pPr>
+            <a:r>
+              <a:rPr dirty="0"/>
+              <a:t>Bookmarks, passwords, and settings</a:t>
+            </a:r>
+          </a:p>
+          <a:p>
+            <a:pPr>
+              <a:defRPr sz="2400" b="1">
+                <a:solidFill>
+                  <a:srgbClr val="0078D4"/>
+                </a:solidFill>
+              </a:defRPr>
+            </a:pPr>
+            <a:r>
+              <a:rPr dirty="0"/>
+              <a:t>Printer Configurations</a:t>
+            </a:r>
+          </a:p>
+          <a:p>
+            <a:pPr lvl="1">
+              <a:defRPr sz="1800" b="0"/>
+            </a:pPr>
+            <a:r>
+              <a:rPr dirty="0"/>
+              <a:t>Screenshot of all mapped printers</a:t>
+            </a:r>
+          </a:p>
+          <a:p>
+            <a:pPr>
+              <a:defRPr sz="2400" b="1">
+                <a:solidFill>
+                  <a:srgbClr val="0078D4"/>
+                </a:solidFill>
+              </a:defRPr>
+            </a:pPr>
+            <a:r>
+              <a:rPr dirty="0" err="1"/>
+              <a:t>WiFi</a:t>
+            </a:r>
+            <a:r>
+              <a:rPr dirty="0"/>
+              <a:t> Network Information</a:t>
+            </a:r>
+          </a:p>
+          <a:p>
+            <a:pPr lvl="1">
+              <a:defRPr sz="1800" b="0"/>
+            </a:pPr>
+            <a:r>
+              <a:rPr dirty="0"/>
+              <a:t>For quick reconnection after reset</a:t>
+            </a:r>
+          </a:p>
+          <a:p>
+            <a:pPr>
+              <a:defRPr sz="2400" b="1">
+                <a:solidFill>
+                  <a:srgbClr val="0078D4"/>
+                </a:solidFill>
+              </a:defRPr>
+            </a:pPr>
+            <a:r>
+              <a:rPr dirty="0"/>
+              <a:t>Outlook Data Files (if applicable)</a:t>
+            </a:r>
+          </a:p>
+          <a:p>
+            <a:pPr lvl="1">
+              <a:defRPr sz="1800" b="0"/>
+            </a:pPr>
+            <a:r>
+              <a:rPr dirty="0"/>
+              <a:t>Personal email archives (PST files</a:t>
+            </a:r>
+            <a:r>
+              <a:rPr lang="en-US" dirty="0"/>
+              <a:t>)</a:t>
+            </a:r>
+          </a:p>
+        </p:txBody>
+      </p:sp>
+    </p:spTree>
+  </p:cSld>
+  <p:clrMapOvr>
+    <a:masterClrMapping/>
+  </p:clrMapOvr>
+</p:sld>
+</file>
+
+<file path=ppt/slides/slide20.xml><?xml version="1.0" encoding="utf-8"?>
 <p:sld xmlns:a="http://schemas.openxmlformats.org/drawingml/2006/main" xmlns:r="http://schemas.openxmlformats.org/officeDocument/2006/relationships" xmlns:p="http://schemas.openxmlformats.org/presentationml/2006/main">
   <p:cSld>
     <p:spTree>
@@ -8385,208 +8600,7 @@
 </p:sld>
 </file>
 
-<file path=ppt/slides/slide2.xml><?xml version="1.0" encoding="utf-8"?>
-<p:sld xmlns:a="http://schemas.openxmlformats.org/drawingml/2006/main" xmlns:r="http://schemas.openxmlformats.org/officeDocument/2006/relationships" xmlns:p="http://schemas.openxmlformats.org/presentationml/2006/main">
-  <p:cSld>
-    <p:spTree>
-      <p:nvGrpSpPr>
-        <p:cNvPr id="1" name=""/>
-        <p:cNvGrpSpPr/>
-        <p:nvPr/>
-      </p:nvGrpSpPr>
-      <p:grpSpPr>
-        <a:xfrm>
-          <a:off x="0" y="0"/>
-          <a:ext cx="0" cy="0"/>
-          <a:chOff x="0" y="0"/>
-          <a:chExt cx="0" cy="0"/>
-        </a:xfrm>
-      </p:grpSpPr>
-      <p:sp>
-        <p:nvSpPr>
-          <p:cNvPr id="2" name="TextBox 1"/>
-          <p:cNvSpPr txBox="1"/>
-          <p:nvPr/>
-        </p:nvSpPr>
-        <p:spPr>
-          <a:xfrm>
-            <a:off x="914400" y="274320"/>
-            <a:ext cx="7315200" cy="914400"/>
-          </a:xfrm>
-          <a:prstGeom prst="rect">
-            <a:avLst/>
-          </a:prstGeom>
-          <a:noFill/>
-        </p:spPr>
-        <p:txBody>
-          <a:bodyPr wrap="square">
-            <a:spAutoFit/>
-          </a:bodyPr>
-          <a:lstStyle/>
-          <a:p>
-            <a:pPr algn="ctr">
-              <a:defRPr sz="4400" b="1">
-                <a:solidFill>
-                  <a:srgbClr val="0078D4"/>
-                </a:solidFill>
-              </a:defRPr>
-            </a:pPr>
-            <a:r>
-              <a:t>What We'll Back Up Today</a:t>
-            </a:r>
-          </a:p>
-        </p:txBody>
-      </p:sp>
-      <p:sp>
-        <p:nvSpPr>
-          <p:cNvPr id="3" name="TextBox 2"/>
-          <p:cNvSpPr txBox="1"/>
-          <p:nvPr/>
-        </p:nvSpPr>
-        <p:spPr>
-          <a:xfrm>
-            <a:off x="1371600" y="1097280"/>
-            <a:ext cx="6400800" cy="3323987"/>
-          </a:xfrm>
-          <a:prstGeom prst="rect">
-            <a:avLst/>
-          </a:prstGeom>
-          <a:noFill/>
-        </p:spPr>
-        <p:txBody>
-          <a:bodyPr wrap="square">
-            <a:spAutoFit/>
-          </a:bodyPr>
-          <a:lstStyle/>
-          <a:p>
-            <a:pPr>
-              <a:defRPr sz="2400" b="1">
-                <a:solidFill>
-                  <a:srgbClr val="0078D4"/>
-                </a:solidFill>
-              </a:defRPr>
-            </a:pPr>
-            <a:r>
-              <a:rPr dirty="0"/>
-              <a:t>OneDrive Setup &amp; File Sync</a:t>
-            </a:r>
-          </a:p>
-          <a:p>
-            <a:pPr lvl="1">
-              <a:defRPr sz="1800" b="0"/>
-            </a:pPr>
-            <a:r>
-              <a:rPr dirty="0"/>
-              <a:t>Your Desktop, Documents, and Pictures folders</a:t>
-            </a:r>
-          </a:p>
-          <a:p>
-            <a:pPr>
-              <a:defRPr sz="2400" b="1">
-                <a:solidFill>
-                  <a:srgbClr val="0078D4"/>
-                </a:solidFill>
-              </a:defRPr>
-            </a:pPr>
-            <a:r>
-              <a:rPr dirty="0"/>
-              <a:t>Browser Profile</a:t>
-            </a:r>
-          </a:p>
-          <a:p>
-            <a:pPr lvl="1">
-              <a:defRPr sz="1800" b="0"/>
-            </a:pPr>
-            <a:r>
-              <a:rPr dirty="0"/>
-              <a:t>Bookmarks, passwords, and settings</a:t>
-            </a:r>
-          </a:p>
-          <a:p>
-            <a:pPr>
-              <a:defRPr sz="2400" b="1">
-                <a:solidFill>
-                  <a:srgbClr val="0078D4"/>
-                </a:solidFill>
-              </a:defRPr>
-            </a:pPr>
-            <a:r>
-              <a:rPr dirty="0"/>
-              <a:t>Printer Configurations</a:t>
-            </a:r>
-          </a:p>
-          <a:p>
-            <a:pPr lvl="1">
-              <a:defRPr sz="1800" b="0"/>
-            </a:pPr>
-            <a:r>
-              <a:rPr dirty="0"/>
-              <a:t>Screenshot of all mapped printers</a:t>
-            </a:r>
-          </a:p>
-          <a:p>
-            <a:pPr>
-              <a:defRPr sz="2400" b="1">
-                <a:solidFill>
-                  <a:srgbClr val="0078D4"/>
-                </a:solidFill>
-              </a:defRPr>
-            </a:pPr>
-            <a:r>
-              <a:rPr dirty="0" err="1"/>
-              <a:t>WiFi</a:t>
-            </a:r>
-            <a:r>
-              <a:rPr dirty="0"/>
-              <a:t> Network Information</a:t>
-            </a:r>
-          </a:p>
-          <a:p>
-            <a:pPr lvl="1">
-              <a:defRPr sz="1800" b="0"/>
-            </a:pPr>
-            <a:r>
-              <a:rPr dirty="0"/>
-              <a:t>For quick reconnection after reset</a:t>
-            </a:r>
-          </a:p>
-          <a:p>
-            <a:pPr>
-              <a:defRPr sz="2400" b="1">
-                <a:solidFill>
-                  <a:srgbClr val="0078D4"/>
-                </a:solidFill>
-              </a:defRPr>
-            </a:pPr>
-            <a:r>
-              <a:rPr dirty="0"/>
-              <a:t>Outlook Data Files (if applicable)</a:t>
-            </a:r>
-          </a:p>
-          <a:p>
-            <a:pPr lvl="1">
-              <a:defRPr sz="1800" b="0"/>
-            </a:pPr>
-            <a:r>
-              <a:rPr dirty="0"/>
-              <a:t>Personal email archives (PST files</a:t>
-            </a:r>
-            <a:r>
-              <a:rPr lang="en-US" dirty="0"/>
-              <a:t>)</a:t>
-            </a:r>
-          </a:p>
-        </p:txBody>
-      </p:sp>
-    </p:spTree>
-  </p:cSld>
-  <p:clrMapOvr>
-    <a:masterClrMapping/>
-  </p:clrMapOvr>
-</p:sld>
-</file>
-
-<file path=ppt/slides/slide20.xml><?xml version="1.0" encoding="utf-8"?>
+<file path=ppt/slides/slide21.xml><?xml version="1.0" encoding="utf-8"?>
 <p:sld xmlns:a="http://schemas.openxmlformats.org/drawingml/2006/main" xmlns:r="http://schemas.openxmlformats.org/officeDocument/2006/relationships" xmlns:p="http://schemas.openxmlformats.org/presentationml/2006/main">
   <p:cSld>
     <p:spTree>
@@ -8838,7 +8852,7 @@
 </p:sld>
 </file>
 
-<file path=ppt/slides/slide21.xml><?xml version="1.0" encoding="utf-8"?>
+<file path=ppt/slides/slide22.xml><?xml version="1.0" encoding="utf-8"?>
 <p:sld xmlns:a="http://schemas.openxmlformats.org/drawingml/2006/main" xmlns:r="http://schemas.openxmlformats.org/officeDocument/2006/relationships" xmlns:p="http://schemas.openxmlformats.org/presentationml/2006/main">
   <p:cSld>
     <p:spTree>
@@ -9000,7 +9014,7 @@
 </p:sld>
 </file>
 
-<file path=ppt/slides/slide22.xml><?xml version="1.0" encoding="utf-8"?>
+<file path=ppt/slides/slide23.xml><?xml version="1.0" encoding="utf-8"?>
 <p:sld xmlns:a="http://schemas.openxmlformats.org/drawingml/2006/main" xmlns:r="http://schemas.openxmlformats.org/officeDocument/2006/relationships" xmlns:p="http://schemas.openxmlformats.org/presentationml/2006/main">
   <p:cSld>
     <p:spTree>
@@ -9191,7 +9205,7 @@
 </p:sld>
 </file>
 
-<file path=ppt/slides/slide23.xml><?xml version="1.0" encoding="utf-8"?>
+<file path=ppt/slides/slide24.xml><?xml version="1.0" encoding="utf-8"?>
 <p:sld xmlns:a="http://schemas.openxmlformats.org/drawingml/2006/main" xmlns:r="http://schemas.openxmlformats.org/officeDocument/2006/relationships" xmlns:p="http://schemas.openxmlformats.org/presentationml/2006/main">
   <p:cSld>
     <p:spTree>
@@ -9394,7 +9408,7 @@
 </p:sld>
 </file>
 
-<file path=ppt/slides/slide24.xml><?xml version="1.0" encoding="utf-8"?>
+<file path=ppt/slides/slide25.xml><?xml version="1.0" encoding="utf-8"?>
 <p:sld xmlns:a="http://schemas.openxmlformats.org/drawingml/2006/main" xmlns:r="http://schemas.openxmlformats.org/officeDocument/2006/relationships" xmlns:p="http://schemas.openxmlformats.org/presentationml/2006/main">
   <p:cSld>
     <p:spTree>
@@ -9601,7 +9615,7 @@
 </p:sld>
 </file>
 
-<file path=ppt/slides/slide25.xml><?xml version="1.0" encoding="utf-8"?>
+<file path=ppt/slides/slide26.xml><?xml version="1.0" encoding="utf-8"?>
 <p:sld xmlns:a="http://schemas.openxmlformats.org/drawingml/2006/main" xmlns:r="http://schemas.openxmlformats.org/officeDocument/2006/relationships" xmlns:p="http://schemas.openxmlformats.org/presentationml/2006/main">
   <p:cSld>
     <p:spTree>
@@ -9819,7 +9833,7 @@
 </p:sld>
 </file>
 
-<file path=ppt/slides/slide26.xml><?xml version="1.0" encoding="utf-8"?>
+<file path=ppt/slides/slide27.xml><?xml version="1.0" encoding="utf-8"?>
 <p:sld xmlns:a="http://schemas.openxmlformats.org/drawingml/2006/main" xmlns:r="http://schemas.openxmlformats.org/officeDocument/2006/relationships" xmlns:p="http://schemas.openxmlformats.org/presentationml/2006/main">
   <p:cSld>
     <p:spTree>
@@ -10013,192 +10027,6 @@
 </p:sld>
 </file>
 
-<file path=ppt/slides/slide27.xml><?xml version="1.0" encoding="utf-8"?>
-<p:sld xmlns:a="http://schemas.openxmlformats.org/drawingml/2006/main" xmlns:r="http://schemas.openxmlformats.org/officeDocument/2006/relationships" xmlns:p="http://schemas.openxmlformats.org/presentationml/2006/main">
-  <p:cSld>
-    <p:spTree>
-      <p:nvGrpSpPr>
-        <p:cNvPr id="1" name=""/>
-        <p:cNvGrpSpPr/>
-        <p:nvPr/>
-      </p:nvGrpSpPr>
-      <p:grpSpPr>
-        <a:xfrm>
-          <a:off x="0" y="0"/>
-          <a:ext cx="0" cy="0"/>
-          <a:chOff x="0" y="0"/>
-          <a:chExt cx="0" cy="0"/>
-        </a:xfrm>
-      </p:grpSpPr>
-      <p:sp>
-        <p:nvSpPr>
-          <p:cNvPr id="2" name="TextBox 1"/>
-          <p:cNvSpPr txBox="1"/>
-          <p:nvPr/>
-        </p:nvSpPr>
-        <p:spPr>
-          <a:xfrm>
-            <a:off x="914400" y="274320"/>
-            <a:ext cx="7315200" cy="769441"/>
-          </a:xfrm>
-          <a:prstGeom prst="rect">
-            <a:avLst/>
-          </a:prstGeom>
-          <a:noFill/>
-        </p:spPr>
-        <p:txBody>
-          <a:bodyPr wrap="square">
-            <a:spAutoFit/>
-          </a:bodyPr>
-          <a:lstStyle/>
-          <a:p>
-            <a:pPr marL="0" indent="0" algn="ctr">
-              <a:buNone/>
-              <a:defRPr sz="4400" b="1">
-                <a:solidFill>
-                  <a:srgbClr val="0078D4"/>
-                </a:solidFill>
-              </a:defRPr>
-            </a:pPr>
-            <a:r>
-              <a:t>Step 7: Wait for Autopilot Setup</a:t>
-            </a:r>
-          </a:p>
-        </p:txBody>
-      </p:sp>
-      <p:sp>
-        <p:nvSpPr>
-          <p:cNvPr id="3" name="TextBox 2"/>
-          <p:cNvSpPr txBox="1"/>
-          <p:nvPr/>
-        </p:nvSpPr>
-        <p:spPr>
-          <a:xfrm>
-            <a:off x="2639419" y="1647134"/>
-            <a:ext cx="3865162" cy="584775"/>
-          </a:xfrm>
-          <a:prstGeom prst="rect">
-            <a:avLst/>
-          </a:prstGeom>
-          <a:noFill/>
-        </p:spPr>
-        <p:txBody>
-          <a:bodyPr wrap="none">
-            <a:spAutoFit/>
-          </a:bodyPr>
-          <a:lstStyle/>
-          <a:p>
-            <a:pPr marL="0" indent="0" algn="ctr">
-              <a:buNone/>
-              <a:defRPr sz="1600" b="1">
-                <a:solidFill>
-                  <a:srgbClr val="D13438"/>
-                </a:solidFill>
-              </a:defRPr>
-            </a:pPr>
-            <a:r>
-              <a:rPr dirty="0"/>
-              <a:t>⚠️ DO NOT turn off or restart your device!</a:t>
-            </a:r>
-            <a:endParaRPr lang="en-US" dirty="0"/>
-          </a:p>
-          <a:p>
-            <a:pPr algn="ctr">
-              <a:defRPr sz="1600" b="1">
-                <a:solidFill>
-                  <a:srgbClr val="D13438"/>
-                </a:solidFill>
-              </a:defRPr>
-            </a:pPr>
-            <a:r>
-              <a:rPr lang="en-US" dirty="0"/>
-              <a:t>⚠️ Ensure your Power Source is Connected!</a:t>
-            </a:r>
-            <a:endParaRPr dirty="0"/>
-          </a:p>
-        </p:txBody>
-      </p:sp>
-      <p:sp>
-        <p:nvSpPr>
-          <p:cNvPr id="4" name="TextBox 3"/>
-          <p:cNvSpPr txBox="1"/>
-          <p:nvPr/>
-        </p:nvSpPr>
-        <p:spPr>
-          <a:xfrm>
-            <a:off x="1371600" y="2378654"/>
-            <a:ext cx="6400800" cy="1477328"/>
-          </a:xfrm>
-          <a:prstGeom prst="rect">
-            <a:avLst/>
-          </a:prstGeom>
-          <a:noFill/>
-        </p:spPr>
-        <p:txBody>
-          <a:bodyPr wrap="square">
-            <a:spAutoFit/>
-          </a:bodyPr>
-          <a:lstStyle/>
-          <a:p>
-            <a:pPr marL="365760" indent="-182880" algn="l">
-              <a:defRPr sz="1800" b="0"/>
-            </a:pPr>
-            <a:r>
-              <a:rPr dirty="0"/>
-              <a:t>Autopilot will now configure your device automatically</a:t>
-            </a:r>
-          </a:p>
-          <a:p>
-            <a:pPr marL="365760" indent="-182880" algn="l">
-              <a:buChar char="•"/>
-            </a:pPr>
-            <a:r>
-              <a:rPr dirty="0"/>
-              <a:t>You will see 'Setting up your device for work...'</a:t>
-            </a:r>
-          </a:p>
-          <a:p>
-            <a:pPr marL="365760" indent="-182880" algn="l">
-              <a:buChar char="•"/>
-            </a:pPr>
-            <a:r>
-              <a:rPr dirty="0"/>
-              <a:t>This process takes </a:t>
-            </a:r>
-            <a:r>
-              <a:rPr lang="en-US" dirty="0"/>
-              <a:t>can take upwards of an Hour</a:t>
-            </a:r>
-            <a:endParaRPr dirty="0"/>
-          </a:p>
-          <a:p>
-            <a:pPr marL="365760" indent="-182880" algn="l">
-              <a:buChar char="•"/>
-            </a:pPr>
-            <a:r>
-              <a:rPr dirty="0"/>
-              <a:t>Your device may restart several times - this is normal</a:t>
-            </a:r>
-          </a:p>
-          <a:p>
-            <a:pPr marL="365760" indent="-182880" algn="l">
-              <a:buChar char="•"/>
-            </a:pPr>
-            <a:r>
-              <a:rPr dirty="0"/>
-              <a:t>Wait until you see the Windows sign-in screen</a:t>
-            </a:r>
-          </a:p>
-        </p:txBody>
-      </p:sp>
-    </p:spTree>
-  </p:cSld>
-  <p:clrMapOvr>
-    <a:masterClrMapping/>
-  </p:clrMapOvr>
-</p:sld>
-</file>
-
 <file path=ppt/slides/slide28.xml><?xml version="1.0" encoding="utf-8"?>
 <p:sld xmlns:a="http://schemas.openxmlformats.org/drawingml/2006/main" xmlns:r="http://schemas.openxmlformats.org/officeDocument/2006/relationships" xmlns:p="http://schemas.openxmlformats.org/presentationml/2006/main">
   <p:cSld>
@@ -10247,8 +10075,7 @@
               </a:defRPr>
             </a:pPr>
             <a:r>
-              <a:rPr dirty="0"/>
-              <a:t>Sign In to Windows</a:t>
+              <a:t>Step 7: Wait for Autopilot Setup</a:t>
             </a:r>
           </a:p>
         </p:txBody>
@@ -10261,8 +10088,8 @@
         </p:nvSpPr>
         <p:spPr>
           <a:xfrm>
-            <a:off x="1371600" y="914400"/>
-            <a:ext cx="6400800" cy="548640"/>
+            <a:off x="2639419" y="1647134"/>
+            <a:ext cx="3865162" cy="584775"/>
           </a:xfrm>
           <a:prstGeom prst="rect">
             <a:avLst/>
@@ -10284,8 +10111,24 @@
               </a:defRPr>
             </a:pPr>
             <a:r>
-              <a:t>Final sign-in after Autopilot completes</a:t>
-            </a:r>
+              <a:rPr dirty="0"/>
+              <a:t>⚠️ DO NOT turn off or restart your device!</a:t>
+            </a:r>
+            <a:endParaRPr lang="en-US" dirty="0"/>
+          </a:p>
+          <a:p>
+            <a:pPr algn="ctr">
+              <a:defRPr sz="1600" b="1">
+                <a:solidFill>
+                  <a:srgbClr val="D13438"/>
+                </a:solidFill>
+              </a:defRPr>
+            </a:pPr>
+            <a:r>
+              <a:rPr lang="en-US" dirty="0"/>
+              <a:t>⚠️ Ensure your Power Source is Connected!</a:t>
+            </a:r>
+            <a:endParaRPr dirty="0"/>
           </a:p>
         </p:txBody>
       </p:sp>
@@ -10297,8 +10140,8 @@
         </p:nvSpPr>
         <p:spPr>
           <a:xfrm>
-            <a:off x="1371600" y="2480132"/>
-            <a:ext cx="6400800" cy="1200329"/>
+            <a:off x="1371600" y="2378654"/>
+            <a:ext cx="6400800" cy="1477328"/>
           </a:xfrm>
           <a:prstGeom prst="rect">
             <a:avLst/>
@@ -10311,61 +10154,53 @@
           </a:bodyPr>
           <a:lstStyle/>
           <a:p>
-            <a:pPr marL="365760" indent="-182880">
+            <a:pPr marL="365760" indent="-182880" algn="l">
               <a:defRPr sz="1800" b="0"/>
             </a:pPr>
             <a:r>
               <a:rPr dirty="0"/>
-              <a:t>At the Windows sign-in screen, enter your email:</a:t>
-            </a:r>
-            <a:endParaRPr lang="en-US" dirty="0"/>
-          </a:p>
-          <a:p>
-            <a:pPr marL="365760" indent="-182880">
-              <a:defRPr sz="1800" b="0"/>
-            </a:pPr>
+              <a:t>Autopilot will now configure your device automatically</a:t>
+            </a:r>
+          </a:p>
+          <a:p>
+            <a:pPr marL="365760" indent="-182880" algn="l">
+              <a:buChar char="•"/>
+            </a:pPr>
+            <a:r>
+              <a:rPr dirty="0"/>
+              <a:t>You will see 'Setting up your device for work...'</a:t>
+            </a:r>
+          </a:p>
+          <a:p>
+            <a:pPr marL="365760" indent="-182880" algn="l">
+              <a:buChar char="•"/>
+            </a:pPr>
+            <a:r>
+              <a:rPr dirty="0"/>
+              <a:t>This process takes </a:t>
+            </a:r>
             <a:r>
               <a:rPr lang="en-US" dirty="0"/>
-              <a:t>	</a:t>
-            </a:r>
-            <a:r>
-              <a:rPr b="1" u="sng" dirty="0" err="1"/>
-              <a:t>FirstName.LastName@impactpropertysolutions.com</a:t>
-            </a:r>
-            <a:endParaRPr b="1" u="sng" dirty="0"/>
-          </a:p>
-          <a:p>
-            <a:pPr marL="822960" lvl="1" indent="-182880">
+              <a:t>can take upwards of an Hour</a:t>
+            </a:r>
+            <a:endParaRPr dirty="0"/>
+          </a:p>
+          <a:p>
+            <a:pPr marL="365760" indent="-182880" algn="l">
               <a:buChar char="•"/>
             </a:pPr>
             <a:r>
               <a:rPr dirty="0"/>
-              <a:t>Enter your Microsoft 365 password</a:t>
-            </a:r>
-          </a:p>
-          <a:p>
-            <a:pPr marL="822960" lvl="1" indent="-182880">
+              <a:t>Your device may restart several times - this is normal</a:t>
+            </a:r>
+          </a:p>
+          <a:p>
+            <a:pPr marL="365760" indent="-182880" algn="l">
               <a:buChar char="•"/>
             </a:pPr>
             <a:r>
               <a:rPr dirty="0"/>
-              <a:t>Complete MFA</a:t>
-            </a:r>
-            <a:r>
-              <a:rPr lang="en-US" dirty="0"/>
-              <a:t>/Password Reset</a:t>
-            </a:r>
-            <a:r>
-              <a:rPr dirty="0"/>
-              <a:t> </a:t>
-            </a:r>
-            <a:r>
-              <a:rPr lang="en-US" dirty="0"/>
-              <a:t>as </a:t>
-            </a:r>
-            <a:r>
-              <a:rPr dirty="0"/>
-              <a:t>prompted</a:t>
+              <a:t>Wait until you see the Windows sign-in screen</a:t>
             </a:r>
           </a:p>
         </p:txBody>
@@ -10426,7 +10261,8 @@
               </a:defRPr>
             </a:pPr>
             <a:r>
-              <a:t>Step 1: Verify OneDrive Sync</a:t>
+              <a:rPr dirty="0"/>
+              <a:t>Sign In to Windows</a:t>
             </a:r>
           </a:p>
         </p:txBody>
@@ -10462,7 +10298,7 @@
               </a:defRPr>
             </a:pPr>
             <a:r>
-              <a:t>Your files should sync automatically after sign-in</a:t>
+              <a:t>Final sign-in after Autopilot completes</a:t>
             </a:r>
           </a:p>
         </p:txBody>
@@ -10475,8 +10311,8 @@
         </p:nvSpPr>
         <p:spPr>
           <a:xfrm>
-            <a:off x="0" y="1570505"/>
-            <a:ext cx="6400800" cy="2585323"/>
+            <a:off x="1371600" y="2480132"/>
+            <a:ext cx="6400800" cy="1200329"/>
           </a:xfrm>
           <a:prstGeom prst="rect">
             <a:avLst/>
@@ -10489,103 +10325,65 @@
           </a:bodyPr>
           <a:lstStyle/>
           <a:p>
-            <a:pPr marL="365760" indent="-182880" algn="l">
+            <a:pPr marL="365760" indent="-182880">
               <a:defRPr sz="1800" b="0"/>
             </a:pPr>
             <a:r>
               <a:rPr dirty="0"/>
-              <a:t>Look for the OneDrive cloud icon in system tray (bottom right)</a:t>
-            </a:r>
-          </a:p>
-          <a:p>
-            <a:pPr marL="365760" indent="-182880" algn="l">
+              <a:t>At the Windows sign-in screen, enter your email:</a:t>
+            </a:r>
+            <a:endParaRPr lang="en-US" dirty="0"/>
+          </a:p>
+          <a:p>
+            <a:pPr marL="365760" indent="-182880">
+              <a:defRPr sz="1800" b="0"/>
+            </a:pPr>
+            <a:r>
+              <a:rPr lang="en-US" dirty="0"/>
+              <a:t>	</a:t>
+            </a:r>
+            <a:r>
+              <a:rPr b="1" u="sng" dirty="0" err="1"/>
+              <a:t>FirstName.LastName@impactpropertysolutions.com</a:t>
+            </a:r>
+            <a:endParaRPr b="1" u="sng" dirty="0"/>
+          </a:p>
+          <a:p>
+            <a:pPr marL="822960" lvl="1" indent="-182880">
               <a:buChar char="•"/>
             </a:pPr>
             <a:r>
               <a:rPr dirty="0"/>
-              <a:t>Click the cloud icon to check sync status</a:t>
-            </a:r>
-          </a:p>
-          <a:p>
-            <a:pPr marL="365760" indent="-182880" algn="l">
+              <a:t>Enter your Microsoft 365 password</a:t>
+            </a:r>
+          </a:p>
+          <a:p>
+            <a:pPr marL="822960" lvl="1" indent="-182880">
               <a:buChar char="•"/>
             </a:pPr>
             <a:r>
               <a:rPr dirty="0"/>
-              <a:t>You should see 'Your files are syncing' or green checkmark</a:t>
-            </a:r>
-          </a:p>
-          <a:p>
-            <a:pPr marL="365760" indent="-182880" algn="l">
-              <a:buChar char="•"/>
-            </a:pPr>
-            <a:r>
-              <a:rPr dirty="0"/>
-              <a:t>Open File Explorer - check Desktop, Documents, Pictures folders</a:t>
-            </a:r>
-          </a:p>
-          <a:p>
-            <a:pPr marL="0" indent="0">
-              <a:buNone/>
-            </a:pPr>
-            <a:endParaRPr lang="en-US" dirty="0"/>
-          </a:p>
-          <a:p>
-            <a:pPr marL="0" indent="0">
-              <a:buNone/>
-            </a:pPr>
-            <a:r>
-              <a:rPr dirty="0"/>
-              <a:t>✓ Files will download as you access them</a:t>
-            </a:r>
-          </a:p>
-          <a:p>
-            <a:pPr marL="0" indent="0">
-              <a:buNone/>
-            </a:pPr>
-            <a:endParaRPr lang="en-US" dirty="0"/>
-          </a:p>
-          <a:p>
-            <a:pPr marL="0" indent="0">
-              <a:buNone/>
-            </a:pPr>
-            <a:r>
-              <a:rPr dirty="0"/>
-              <a:t>💡 Large files may take time - prioritize what you need first</a:t>
-            </a:r>
-          </a:p>
-        </p:txBody>
-      </p:sp>
-      <p:pic>
-        <p:nvPicPr>
-          <p:cNvPr id="7" name="Picture 6">
-            <a:extLst>
-              <a:ext uri="{FF2B5EF4-FFF2-40B4-BE49-F238E27FC236}">
-                <a16:creationId xmlns:a16="http://schemas.microsoft.com/office/drawing/2014/main" id="{69CBBC12-5FA3-26D5-2F90-319D42E06E3E}"/>
-              </a:ext>
-            </a:extLst>
-          </p:cNvPr>
-          <p:cNvPicPr>
-            <a:picLocks noChangeAspect="1"/>
-          </p:cNvPicPr>
-          <p:nvPr/>
-        </p:nvPicPr>
-        <p:blipFill>
-          <a:blip r:embed="rId3"/>
-          <a:stretch>
-            <a:fillRect/>
-          </a:stretch>
-        </p:blipFill>
-        <p:spPr>
-          <a:xfrm>
-            <a:off x="5902897" y="1908036"/>
-            <a:ext cx="3241103" cy="1910259"/>
-          </a:xfrm>
-          <a:prstGeom prst="rect">
-            <a:avLst/>
-          </a:prstGeom>
-        </p:spPr>
-      </p:pic>
+              <a:t>Complete MFA</a:t>
+            </a:r>
+            <a:r>
+              <a:rPr lang="en-US" dirty="0"/>
+              <a:t>/Password Reset</a:t>
+            </a:r>
+            <a:r>
+              <a:rPr dirty="0"/>
+              <a:t> </a:t>
+            </a:r>
+            <a:r>
+              <a:rPr lang="en-US" dirty="0"/>
+              <a:t>as </a:t>
+            </a:r>
+            <a:r>
+              <a:rPr dirty="0"/>
+              <a:t>prompted</a:t>
+            </a:r>
+          </a:p>
+        </p:txBody>
+      </p:sp>
     </p:spTree>
   </p:cSld>
   <p:clrMapOvr>
@@ -10884,6 +10682,222 @@
 </file>
 
 <file path=ppt/slides/slide30.xml><?xml version="1.0" encoding="utf-8"?>
+<p:sld xmlns:a="http://schemas.openxmlformats.org/drawingml/2006/main" xmlns:r="http://schemas.openxmlformats.org/officeDocument/2006/relationships" xmlns:p="http://schemas.openxmlformats.org/presentationml/2006/main">
+  <p:cSld>
+    <p:spTree>
+      <p:nvGrpSpPr>
+        <p:cNvPr id="1" name=""/>
+        <p:cNvGrpSpPr/>
+        <p:nvPr/>
+      </p:nvGrpSpPr>
+      <p:grpSpPr>
+        <a:xfrm>
+          <a:off x="0" y="0"/>
+          <a:ext cx="0" cy="0"/>
+          <a:chOff x="0" y="0"/>
+          <a:chExt cx="0" cy="0"/>
+        </a:xfrm>
+      </p:grpSpPr>
+      <p:sp>
+        <p:nvSpPr>
+          <p:cNvPr id="2" name="TextBox 1"/>
+          <p:cNvSpPr txBox="1"/>
+          <p:nvPr/>
+        </p:nvSpPr>
+        <p:spPr>
+          <a:xfrm>
+            <a:off x="914400" y="274320"/>
+            <a:ext cx="7315200" cy="769441"/>
+          </a:xfrm>
+          <a:prstGeom prst="rect">
+            <a:avLst/>
+          </a:prstGeom>
+          <a:noFill/>
+        </p:spPr>
+        <p:txBody>
+          <a:bodyPr wrap="square">
+            <a:spAutoFit/>
+          </a:bodyPr>
+          <a:lstStyle/>
+          <a:p>
+            <a:pPr marL="0" indent="0" algn="ctr">
+              <a:buNone/>
+              <a:defRPr sz="4400" b="1">
+                <a:solidFill>
+                  <a:srgbClr val="0078D4"/>
+                </a:solidFill>
+              </a:defRPr>
+            </a:pPr>
+            <a:r>
+              <a:t>Step 1: Verify OneDrive Sync</a:t>
+            </a:r>
+          </a:p>
+        </p:txBody>
+      </p:sp>
+      <p:sp>
+        <p:nvSpPr>
+          <p:cNvPr id="3" name="TextBox 2"/>
+          <p:cNvSpPr txBox="1"/>
+          <p:nvPr/>
+        </p:nvSpPr>
+        <p:spPr>
+          <a:xfrm>
+            <a:off x="1371600" y="914400"/>
+            <a:ext cx="6400800" cy="548640"/>
+          </a:xfrm>
+          <a:prstGeom prst="rect">
+            <a:avLst/>
+          </a:prstGeom>
+          <a:noFill/>
+        </p:spPr>
+        <p:txBody>
+          <a:bodyPr wrap="none">
+            <a:spAutoFit/>
+          </a:bodyPr>
+          <a:lstStyle/>
+          <a:p>
+            <a:pPr marL="0" indent="0" algn="ctr">
+              <a:buNone/>
+              <a:defRPr sz="1600" b="1">
+                <a:solidFill>
+                  <a:srgbClr val="D13438"/>
+                </a:solidFill>
+              </a:defRPr>
+            </a:pPr>
+            <a:r>
+              <a:t>Your files should sync automatically after sign-in</a:t>
+            </a:r>
+          </a:p>
+        </p:txBody>
+      </p:sp>
+      <p:sp>
+        <p:nvSpPr>
+          <p:cNvPr id="4" name="TextBox 3"/>
+          <p:cNvSpPr txBox="1"/>
+          <p:nvPr/>
+        </p:nvSpPr>
+        <p:spPr>
+          <a:xfrm>
+            <a:off x="0" y="1570505"/>
+            <a:ext cx="6400800" cy="2585323"/>
+          </a:xfrm>
+          <a:prstGeom prst="rect">
+            <a:avLst/>
+          </a:prstGeom>
+          <a:noFill/>
+        </p:spPr>
+        <p:txBody>
+          <a:bodyPr wrap="square">
+            <a:spAutoFit/>
+          </a:bodyPr>
+          <a:lstStyle/>
+          <a:p>
+            <a:pPr marL="365760" indent="-182880" algn="l">
+              <a:defRPr sz="1800" b="0"/>
+            </a:pPr>
+            <a:r>
+              <a:rPr dirty="0"/>
+              <a:t>Look for the OneDrive cloud icon in system tray (bottom right)</a:t>
+            </a:r>
+          </a:p>
+          <a:p>
+            <a:pPr marL="365760" indent="-182880" algn="l">
+              <a:buChar char="•"/>
+            </a:pPr>
+            <a:r>
+              <a:rPr dirty="0"/>
+              <a:t>Click the cloud icon to check sync status</a:t>
+            </a:r>
+          </a:p>
+          <a:p>
+            <a:pPr marL="365760" indent="-182880" algn="l">
+              <a:buChar char="•"/>
+            </a:pPr>
+            <a:r>
+              <a:rPr dirty="0"/>
+              <a:t>You should see 'Your files are syncing' or green checkmark</a:t>
+            </a:r>
+          </a:p>
+          <a:p>
+            <a:pPr marL="365760" indent="-182880" algn="l">
+              <a:buChar char="•"/>
+            </a:pPr>
+            <a:r>
+              <a:rPr dirty="0"/>
+              <a:t>Open File Explorer - check Desktop, Documents, Pictures folders</a:t>
+            </a:r>
+          </a:p>
+          <a:p>
+            <a:pPr marL="0" indent="0">
+              <a:buNone/>
+            </a:pPr>
+            <a:endParaRPr lang="en-US" dirty="0"/>
+          </a:p>
+          <a:p>
+            <a:pPr marL="0" indent="0">
+              <a:buNone/>
+            </a:pPr>
+            <a:r>
+              <a:rPr dirty="0"/>
+              <a:t>✓ Files will download as you access them</a:t>
+            </a:r>
+          </a:p>
+          <a:p>
+            <a:pPr marL="0" indent="0">
+              <a:buNone/>
+            </a:pPr>
+            <a:endParaRPr lang="en-US" dirty="0"/>
+          </a:p>
+          <a:p>
+            <a:pPr marL="0" indent="0">
+              <a:buNone/>
+            </a:pPr>
+            <a:r>
+              <a:rPr dirty="0"/>
+              <a:t>💡 Large files may take time - prioritize what you need first</a:t>
+            </a:r>
+          </a:p>
+        </p:txBody>
+      </p:sp>
+      <p:pic>
+        <p:nvPicPr>
+          <p:cNvPr id="7" name="Picture 6">
+            <a:extLst>
+              <a:ext uri="{FF2B5EF4-FFF2-40B4-BE49-F238E27FC236}">
+                <a16:creationId xmlns:a16="http://schemas.microsoft.com/office/drawing/2014/main" id="{69CBBC12-5FA3-26D5-2F90-319D42E06E3E}"/>
+              </a:ext>
+            </a:extLst>
+          </p:cNvPr>
+          <p:cNvPicPr>
+            <a:picLocks noChangeAspect="1"/>
+          </p:cNvPicPr>
+          <p:nvPr/>
+        </p:nvPicPr>
+        <p:blipFill>
+          <a:blip r:embed="rId3"/>
+          <a:stretch>
+            <a:fillRect/>
+          </a:stretch>
+        </p:blipFill>
+        <p:spPr>
+          <a:xfrm>
+            <a:off x="5902897" y="1908036"/>
+            <a:ext cx="3241103" cy="1910259"/>
+          </a:xfrm>
+          <a:prstGeom prst="rect">
+            <a:avLst/>
+          </a:prstGeom>
+        </p:spPr>
+      </p:pic>
+    </p:spTree>
+  </p:cSld>
+  <p:clrMapOvr>
+    <a:masterClrMapping/>
+  </p:clrMapOvr>
+</p:sld>
+</file>
+
+<file path=ppt/slides/slide31.xml><?xml version="1.0" encoding="utf-8"?>
 <p:sld xmlns:a="http://schemas.openxmlformats.org/drawingml/2006/main" xmlns:r="http://schemas.openxmlformats.org/officeDocument/2006/relationships" xmlns:p="http://schemas.openxmlformats.org/presentationml/2006/main">
   <p:cSld>
     <p:spTree>
@@ -11113,154 +11127,6 @@
 </p:sld>
 </file>
 
-<file path=ppt/slides/slide31.xml><?xml version="1.0" encoding="utf-8"?>
-<p:sld xmlns:a="http://schemas.openxmlformats.org/drawingml/2006/main" xmlns:r="http://schemas.openxmlformats.org/officeDocument/2006/relationships" xmlns:p="http://schemas.openxmlformats.org/presentationml/2006/main">
-  <p:cSld>
-    <p:spTree>
-      <p:nvGrpSpPr>
-        <p:cNvPr id="1" name=""/>
-        <p:cNvGrpSpPr/>
-        <p:nvPr/>
-      </p:nvGrpSpPr>
-      <p:grpSpPr>
-        <a:xfrm>
-          <a:off x="0" y="0"/>
-          <a:ext cx="0" cy="0"/>
-          <a:chOff x="0" y="0"/>
-          <a:chExt cx="0" cy="0"/>
-        </a:xfrm>
-      </p:grpSpPr>
-      <p:sp>
-        <p:nvSpPr>
-          <p:cNvPr id="2" name="TextBox 1"/>
-          <p:cNvSpPr txBox="1"/>
-          <p:nvPr/>
-        </p:nvSpPr>
-        <p:spPr>
-          <a:xfrm>
-            <a:off x="914400" y="274320"/>
-            <a:ext cx="7315200" cy="769441"/>
-          </a:xfrm>
-          <a:prstGeom prst="rect">
-            <a:avLst/>
-          </a:prstGeom>
-          <a:noFill/>
-        </p:spPr>
-        <p:txBody>
-          <a:bodyPr wrap="square">
-            <a:spAutoFit/>
-          </a:bodyPr>
-          <a:lstStyle/>
-          <a:p>
-            <a:pPr marL="0" indent="0" algn="ctr">
-              <a:buNone/>
-              <a:defRPr sz="4400" b="1">
-                <a:solidFill>
-                  <a:srgbClr val="0078D4"/>
-                </a:solidFill>
-              </a:defRPr>
-            </a:pPr>
-            <a:r>
-              <a:rPr dirty="0"/>
-              <a:t>Step 3: Import Bookmarks</a:t>
-            </a:r>
-          </a:p>
-        </p:txBody>
-      </p:sp>
-      <p:sp>
-        <p:nvSpPr>
-          <p:cNvPr id="4" name="TextBox 3"/>
-          <p:cNvSpPr txBox="1"/>
-          <p:nvPr/>
-        </p:nvSpPr>
-        <p:spPr>
-          <a:xfrm>
-            <a:off x="457199" y="1680555"/>
-            <a:ext cx="8146473" cy="2031325"/>
-          </a:xfrm>
-          <a:prstGeom prst="rect">
-            <a:avLst/>
-          </a:prstGeom>
-          <a:noFill/>
-        </p:spPr>
-        <p:txBody>
-          <a:bodyPr wrap="square">
-            <a:spAutoFit/>
-          </a:bodyPr>
-          <a:lstStyle/>
-          <a:p>
-            <a:pPr marL="365760" indent="-182880" algn="l">
-              <a:defRPr sz="1800" b="0"/>
-            </a:pPr>
-            <a:r>
-              <a:rPr dirty="0"/>
-              <a:t>Open browser Menu (three dots) → Bookmarks → Import</a:t>
-            </a:r>
-          </a:p>
-          <a:p>
-            <a:pPr marL="365760" indent="-182880" algn="l">
-              <a:buChar char="•"/>
-            </a:pPr>
-            <a:r>
-              <a:rPr dirty="0"/>
-              <a:t>Select 'Bookmarks HTML file'</a:t>
-            </a:r>
-          </a:p>
-          <a:p>
-            <a:pPr marL="365760" indent="-182880" algn="l">
-              <a:buChar char="•"/>
-            </a:pPr>
-            <a:r>
-              <a:rPr dirty="0"/>
-              <a:t>Navigate to OneDrive → Documents</a:t>
-            </a:r>
-          </a:p>
-          <a:p>
-            <a:pPr marL="365760" indent="-182880" algn="l">
-              <a:buChar char="•"/>
-            </a:pPr>
-            <a:r>
-              <a:rPr dirty="0"/>
-              <a:t>Select your exported bookmarks file</a:t>
-            </a:r>
-          </a:p>
-          <a:p>
-            <a:pPr marL="365760" indent="-182880" algn="l">
-              <a:buChar char="•"/>
-            </a:pPr>
-            <a:r>
-              <a:rPr dirty="0"/>
-              <a:t>Click Import</a:t>
-            </a:r>
-          </a:p>
-          <a:p>
-            <a:pPr marL="0" indent="0">
-              <a:buNone/>
-            </a:pPr>
-            <a:r>
-              <a:rPr dirty="0"/>
-              <a:t>For passwords: Settings → Passwords → Import (use saved CSV)</a:t>
-            </a:r>
-          </a:p>
-          <a:p>
-            <a:pPr marL="0" indent="0">
-              <a:buNone/>
-            </a:pPr>
-            <a:r>
-              <a:rPr dirty="0"/>
-              <a:t>⚠️ Delete the password CSV file after import!</a:t>
-            </a:r>
-          </a:p>
-        </p:txBody>
-      </p:sp>
-    </p:spTree>
-  </p:cSld>
-  <p:clrMapOvr>
-    <a:masterClrMapping/>
-  </p:clrMapOvr>
-</p:sld>
-</file>
-
 <file path=ppt/slides/slide32.xml><?xml version="1.0" encoding="utf-8"?>
 <p:sld xmlns:a="http://schemas.openxmlformats.org/drawingml/2006/main" xmlns:r="http://schemas.openxmlformats.org/officeDocument/2006/relationships" xmlns:p="http://schemas.openxmlformats.org/presentationml/2006/main">
   <p:cSld>
@@ -11309,21 +11175,22 @@
               </a:defRPr>
             </a:pPr>
             <a:r>
-              <a:t>Step 4: Restore Printers</a:t>
-            </a:r>
-          </a:p>
-        </p:txBody>
-      </p:sp>
-      <p:sp>
-        <p:nvSpPr>
-          <p:cNvPr id="3" name="TextBox 2"/>
+              <a:rPr dirty="0"/>
+              <a:t>Step 3: Import Bookmarks</a:t>
+            </a:r>
+          </a:p>
+        </p:txBody>
+      </p:sp>
+      <p:sp>
+        <p:nvSpPr>
+          <p:cNvPr id="4" name="TextBox 3"/>
           <p:cNvSpPr txBox="1"/>
           <p:nvPr/>
         </p:nvSpPr>
         <p:spPr>
           <a:xfrm>
-            <a:off x="1371600" y="1205344"/>
-            <a:ext cx="6400800" cy="548640"/>
+            <a:off x="457199" y="1680555"/>
+            <a:ext cx="8146473" cy="2031325"/>
           </a:xfrm>
           <a:prstGeom prst="rect">
             <a:avLst/>
@@ -11331,43 +11198,6 @@
           <a:noFill/>
         </p:spPr>
         <p:txBody>
-          <a:bodyPr wrap="none">
-            <a:spAutoFit/>
-          </a:bodyPr>
-          <a:lstStyle/>
-          <a:p>
-            <a:pPr marL="0" indent="0" algn="ctr">
-              <a:buNone/>
-              <a:defRPr sz="1600" b="1">
-                <a:solidFill>
-                  <a:srgbClr val="D13438"/>
-                </a:solidFill>
-              </a:defRPr>
-            </a:pPr>
-            <a:r>
-              <a:rPr dirty="0"/>
-              <a:t>Use your screenshot from Phase 1 to re-add printers</a:t>
-            </a:r>
-          </a:p>
-        </p:txBody>
-      </p:sp>
-      <p:sp>
-        <p:nvSpPr>
-          <p:cNvPr id="4" name="TextBox 3"/>
-          <p:cNvSpPr txBox="1"/>
-          <p:nvPr/>
-        </p:nvSpPr>
-        <p:spPr>
-          <a:xfrm>
-            <a:off x="1371600" y="1645920"/>
-            <a:ext cx="6400800" cy="2308324"/>
-          </a:xfrm>
-          <a:prstGeom prst="rect">
-            <a:avLst/>
-          </a:prstGeom>
-          <a:noFill/>
-        </p:spPr>
-        <p:txBody>
           <a:bodyPr wrap="square">
             <a:spAutoFit/>
           </a:bodyPr>
@@ -11378,7 +11208,7 @@
             </a:pPr>
             <a:r>
               <a:rPr dirty="0"/>
-              <a:t>Open your printer screenshot from OneDrive → Documents</a:t>
+              <a:t>Open browser Menu (three dots) → Bookmarks → Import</a:t>
             </a:r>
           </a:p>
           <a:p>
@@ -11387,7 +11217,7 @@
             </a:pPr>
             <a:r>
               <a:rPr dirty="0"/>
-              <a:t>Go to Settings → Devices → Printers &amp; scanners</a:t>
+              <a:t>Select 'Bookmarks HTML file'</a:t>
             </a:r>
           </a:p>
           <a:p>
@@ -11396,7 +11226,7 @@
             </a:pPr>
             <a:r>
               <a:rPr dirty="0"/>
-              <a:t>Click 'Add a printer or scanner'</a:t>
+              <a:t>Navigate to OneDrive → Documents</a:t>
             </a:r>
           </a:p>
           <a:p>
@@ -11405,7 +11235,7 @@
             </a:pPr>
             <a:r>
               <a:rPr dirty="0"/>
-              <a:t>Select each printer from the list that matches your screenshot</a:t>
+              <a:t>Select your exported bookmarks file</a:t>
             </a:r>
           </a:p>
           <a:p>
@@ -11414,24 +11244,17 @@
             </a:pPr>
             <a:r>
               <a:rPr dirty="0"/>
-              <a:t>If printer not found, click 'The printer I want isn't listed'</a:t>
-            </a:r>
-          </a:p>
-          <a:p>
-            <a:pPr marL="742950" lvl="1" indent="-285750">
-              <a:buFont typeface="Arial" panose="020B0604020202020204" pitchFamily="34" charset="0"/>
-              <a:buChar char="•"/>
-            </a:pPr>
-            <a:r>
-              <a:rPr dirty="0"/>
-              <a:t>Enter printer IP address or name from screenshot</a:t>
+              <a:t>Click Import</a:t>
             </a:r>
           </a:p>
           <a:p>
             <a:pPr marL="0" indent="0">
               <a:buNone/>
             </a:pPr>
-            <a:endParaRPr lang="en-US" dirty="0"/>
+            <a:r>
+              <a:rPr dirty="0"/>
+              <a:t>For passwords: Settings → Passwords → Import (use saved CSV)</a:t>
+            </a:r>
           </a:p>
           <a:p>
             <a:pPr marL="0" indent="0">
@@ -11439,15 +11262,7 @@
             </a:pPr>
             <a:r>
               <a:rPr dirty="0"/>
-              <a:t>💡 </a:t>
-            </a:r>
-            <a:r>
-              <a:rPr lang="en-US" dirty="0"/>
-              <a:t>Send a Message to Chat </a:t>
-            </a:r>
-            <a:r>
-              <a:rPr dirty="0"/>
-              <a:t>if you need help locating printers</a:t>
+              <a:t>⚠️ Delete the password CSV file after import!</a:t>
             </a:r>
           </a:p>
         </p:txBody>
@@ -11508,16 +11323,7 @@
               </a:defRPr>
             </a:pPr>
             <a:r>
-              <a:rPr dirty="0"/>
-              <a:t>Step 5: </a:t>
-            </a:r>
-            <a:r>
-              <a:rPr lang="en-US" dirty="0"/>
-              <a:t>Attach</a:t>
-            </a:r>
-            <a:r>
-              <a:rPr dirty="0"/>
-              <a:t> Outlook PST</a:t>
+              <a:t>Step 4: Restore Printers</a:t>
             </a:r>
           </a:p>
         </p:txBody>
@@ -11530,7 +11336,7 @@
         </p:nvSpPr>
         <p:spPr>
           <a:xfrm>
-            <a:off x="1371600" y="1503219"/>
+            <a:off x="1371600" y="1205344"/>
             <a:ext cx="6400800" cy="548640"/>
           </a:xfrm>
           <a:prstGeom prst="rect">
@@ -11554,7 +11360,7 @@
             </a:pPr>
             <a:r>
               <a:rPr dirty="0"/>
-              <a:t>⚠️ Only if you had PST files backed up in Phase 1</a:t>
+              <a:t>Use your screenshot from Phase 1 to re-add printers</a:t>
             </a:r>
           </a:p>
         </p:txBody>
@@ -11567,7 +11373,7 @@
         </p:nvSpPr>
         <p:spPr>
           <a:xfrm>
-            <a:off x="1371600" y="2234739"/>
+            <a:off x="1371600" y="1645920"/>
             <a:ext cx="6400800" cy="2308324"/>
           </a:xfrm>
           <a:prstGeom prst="rect">
@@ -11586,7 +11392,7 @@
             </a:pPr>
             <a:r>
               <a:rPr dirty="0"/>
-              <a:t>Open Outlook and wait for mailbox to fully sync</a:t>
+              <a:t>Open your printer screenshot from OneDrive → Documents</a:t>
             </a:r>
           </a:p>
           <a:p>
@@ -11595,7 +11401,7 @@
             </a:pPr>
             <a:r>
               <a:rPr dirty="0"/>
-              <a:t>Go to File → Open &amp; Export → Open Outlook Data File</a:t>
+              <a:t>Go to Settings → Devices → Printers &amp; scanners</a:t>
             </a:r>
           </a:p>
           <a:p>
@@ -11604,7 +11410,7 @@
             </a:pPr>
             <a:r>
               <a:rPr dirty="0"/>
-              <a:t>Navigate to OneDrive → Documents</a:t>
+              <a:t>Click 'Add a printer or scanner'</a:t>
             </a:r>
           </a:p>
           <a:p>
@@ -11613,15 +11419,7 @@
             </a:pPr>
             <a:r>
               <a:rPr dirty="0"/>
-              <a:t>Select your backed up .</a:t>
-            </a:r>
-            <a:r>
-              <a:rPr dirty="0" err="1"/>
-              <a:t>pst</a:t>
-            </a:r>
-            <a:r>
-              <a:rPr dirty="0"/>
-              <a:t> file</a:t>
+              <a:t>Select each printer from the list that matches your screenshot</a:t>
             </a:r>
           </a:p>
           <a:p>
@@ -11630,7 +11428,17 @@
             </a:pPr>
             <a:r>
               <a:rPr dirty="0"/>
-              <a:t>Click OK - the PST will appear in your folder list</a:t>
+              <a:t>If printer not found, click 'The printer I want isn't listed'</a:t>
+            </a:r>
+          </a:p>
+          <a:p>
+            <a:pPr marL="742950" lvl="1" indent="-285750">
+              <a:buFont typeface="Arial" panose="020B0604020202020204" pitchFamily="34" charset="0"/>
+              <a:buChar char="•"/>
+            </a:pPr>
+            <a:r>
+              <a:rPr dirty="0"/>
+              <a:t>Enter printer IP address or name from screenshot</a:t>
             </a:r>
           </a:p>
           <a:p>
@@ -11645,16 +11453,15 @@
             </a:pPr>
             <a:r>
               <a:rPr dirty="0"/>
-              <a:t>💡 PST folders appear at bottom of folder pane</a:t>
-            </a:r>
-          </a:p>
-          <a:p>
-            <a:pPr marL="0" indent="0">
-              <a:buNone/>
-            </a:pPr>
-            <a:r>
-              <a:rPr dirty="0"/>
-              <a:t>💡 You can drag emails from PST to your main mailbox if needed</a:t>
+              <a:t>💡 </a:t>
+            </a:r>
+            <a:r>
+              <a:rPr lang="en-US" dirty="0"/>
+              <a:t>Send a Message to Chat </a:t>
+            </a:r>
+            <a:r>
+              <a:rPr dirty="0"/>
+              <a:t>if you need help locating printers</a:t>
             </a:r>
           </a:p>
         </p:txBody>
@@ -11668,6 +11475,213 @@
 </file>
 
 <file path=ppt/slides/slide34.xml><?xml version="1.0" encoding="utf-8"?>
+<p:sld xmlns:a="http://schemas.openxmlformats.org/drawingml/2006/main" xmlns:r="http://schemas.openxmlformats.org/officeDocument/2006/relationships" xmlns:p="http://schemas.openxmlformats.org/presentationml/2006/main">
+  <p:cSld>
+    <p:spTree>
+      <p:nvGrpSpPr>
+        <p:cNvPr id="1" name=""/>
+        <p:cNvGrpSpPr/>
+        <p:nvPr/>
+      </p:nvGrpSpPr>
+      <p:grpSpPr>
+        <a:xfrm>
+          <a:off x="0" y="0"/>
+          <a:ext cx="0" cy="0"/>
+          <a:chOff x="0" y="0"/>
+          <a:chExt cx="0" cy="0"/>
+        </a:xfrm>
+      </p:grpSpPr>
+      <p:sp>
+        <p:nvSpPr>
+          <p:cNvPr id="2" name="TextBox 1"/>
+          <p:cNvSpPr txBox="1"/>
+          <p:nvPr/>
+        </p:nvSpPr>
+        <p:spPr>
+          <a:xfrm>
+            <a:off x="914400" y="274320"/>
+            <a:ext cx="7315200" cy="769441"/>
+          </a:xfrm>
+          <a:prstGeom prst="rect">
+            <a:avLst/>
+          </a:prstGeom>
+          <a:noFill/>
+        </p:spPr>
+        <p:txBody>
+          <a:bodyPr wrap="square">
+            <a:spAutoFit/>
+          </a:bodyPr>
+          <a:lstStyle/>
+          <a:p>
+            <a:pPr marL="0" indent="0" algn="ctr">
+              <a:buNone/>
+              <a:defRPr sz="4400" b="1">
+                <a:solidFill>
+                  <a:srgbClr val="0078D4"/>
+                </a:solidFill>
+              </a:defRPr>
+            </a:pPr>
+            <a:r>
+              <a:rPr dirty="0"/>
+              <a:t>Step 5: </a:t>
+            </a:r>
+            <a:r>
+              <a:rPr lang="en-US" dirty="0"/>
+              <a:t>Attach</a:t>
+            </a:r>
+            <a:r>
+              <a:rPr dirty="0"/>
+              <a:t> Outlook PST</a:t>
+            </a:r>
+          </a:p>
+        </p:txBody>
+      </p:sp>
+      <p:sp>
+        <p:nvSpPr>
+          <p:cNvPr id="3" name="TextBox 2"/>
+          <p:cNvSpPr txBox="1"/>
+          <p:nvPr/>
+        </p:nvSpPr>
+        <p:spPr>
+          <a:xfrm>
+            <a:off x="1371600" y="1503219"/>
+            <a:ext cx="6400800" cy="548640"/>
+          </a:xfrm>
+          <a:prstGeom prst="rect">
+            <a:avLst/>
+          </a:prstGeom>
+          <a:noFill/>
+        </p:spPr>
+        <p:txBody>
+          <a:bodyPr wrap="none">
+            <a:spAutoFit/>
+          </a:bodyPr>
+          <a:lstStyle/>
+          <a:p>
+            <a:pPr marL="0" indent="0" algn="ctr">
+              <a:buNone/>
+              <a:defRPr sz="1600" b="1">
+                <a:solidFill>
+                  <a:srgbClr val="D13438"/>
+                </a:solidFill>
+              </a:defRPr>
+            </a:pPr>
+            <a:r>
+              <a:rPr dirty="0"/>
+              <a:t>⚠️ Only if you had PST files backed up in Phase 1</a:t>
+            </a:r>
+          </a:p>
+        </p:txBody>
+      </p:sp>
+      <p:sp>
+        <p:nvSpPr>
+          <p:cNvPr id="4" name="TextBox 3"/>
+          <p:cNvSpPr txBox="1"/>
+          <p:nvPr/>
+        </p:nvSpPr>
+        <p:spPr>
+          <a:xfrm>
+            <a:off x="1371600" y="2234739"/>
+            <a:ext cx="6400800" cy="2308324"/>
+          </a:xfrm>
+          <a:prstGeom prst="rect">
+            <a:avLst/>
+          </a:prstGeom>
+          <a:noFill/>
+        </p:spPr>
+        <p:txBody>
+          <a:bodyPr wrap="square">
+            <a:spAutoFit/>
+          </a:bodyPr>
+          <a:lstStyle/>
+          <a:p>
+            <a:pPr marL="365760" indent="-182880" algn="l">
+              <a:defRPr sz="1800" b="0"/>
+            </a:pPr>
+            <a:r>
+              <a:rPr dirty="0"/>
+              <a:t>Open Outlook and wait for mailbox to fully sync</a:t>
+            </a:r>
+          </a:p>
+          <a:p>
+            <a:pPr marL="365760" indent="-182880" algn="l">
+              <a:buChar char="•"/>
+            </a:pPr>
+            <a:r>
+              <a:rPr dirty="0"/>
+              <a:t>Go to File → Open &amp; Export → Open Outlook Data File</a:t>
+            </a:r>
+          </a:p>
+          <a:p>
+            <a:pPr marL="365760" indent="-182880" algn="l">
+              <a:buChar char="•"/>
+            </a:pPr>
+            <a:r>
+              <a:rPr dirty="0"/>
+              <a:t>Navigate to OneDrive → Documents</a:t>
+            </a:r>
+          </a:p>
+          <a:p>
+            <a:pPr marL="365760" indent="-182880" algn="l">
+              <a:buChar char="•"/>
+            </a:pPr>
+            <a:r>
+              <a:rPr dirty="0"/>
+              <a:t>Select your backed up .</a:t>
+            </a:r>
+            <a:r>
+              <a:rPr dirty="0" err="1"/>
+              <a:t>pst</a:t>
+            </a:r>
+            <a:r>
+              <a:rPr dirty="0"/>
+              <a:t> file</a:t>
+            </a:r>
+          </a:p>
+          <a:p>
+            <a:pPr marL="365760" indent="-182880" algn="l">
+              <a:buChar char="•"/>
+            </a:pPr>
+            <a:r>
+              <a:rPr dirty="0"/>
+              <a:t>Click OK - the PST will appear in your folder list</a:t>
+            </a:r>
+          </a:p>
+          <a:p>
+            <a:pPr marL="0" indent="0">
+              <a:buNone/>
+            </a:pPr>
+            <a:endParaRPr lang="en-US" dirty="0"/>
+          </a:p>
+          <a:p>
+            <a:pPr marL="0" indent="0">
+              <a:buNone/>
+            </a:pPr>
+            <a:r>
+              <a:rPr dirty="0"/>
+              <a:t>💡 PST folders appear at bottom of folder pane</a:t>
+            </a:r>
+          </a:p>
+          <a:p>
+            <a:pPr marL="0" indent="0">
+              <a:buNone/>
+            </a:pPr>
+            <a:r>
+              <a:rPr dirty="0"/>
+              <a:t>💡 You can drag emails from PST to your main mailbox if needed</a:t>
+            </a:r>
+          </a:p>
+        </p:txBody>
+      </p:sp>
+    </p:spTree>
+  </p:cSld>
+  <p:clrMapOvr>
+    <a:masterClrMapping/>
+  </p:clrMapOvr>
+</p:sld>
+</file>
+
+<file path=ppt/slides/slide35.xml><?xml version="1.0" encoding="utf-8"?>
 <p:sld xmlns:a="http://schemas.openxmlformats.org/drawingml/2006/main" xmlns:r="http://schemas.openxmlformats.org/officeDocument/2006/relationships" xmlns:p="http://schemas.openxmlformats.org/presentationml/2006/main">
   <p:cSld>
     <p:spTree>
@@ -11978,7 +11992,7 @@
 </p:sld>
 </file>
 
-<file path=ppt/slides/slide35.xml><?xml version="1.0" encoding="utf-8"?>
+<file path=ppt/slides/slide36.xml><?xml version="1.0" encoding="utf-8"?>
 <p:sld xmlns:a="http://schemas.openxmlformats.org/drawingml/2006/main" xmlns:r="http://schemas.openxmlformats.org/officeDocument/2006/relationships" xmlns:p="http://schemas.openxmlformats.org/presentationml/2006/main">
   <p:cSld>
     <p:spTree>
@@ -12149,7 +12163,7 @@
 </p:sld>
 </file>
 
-<file path=ppt/slides/slide36.xml><?xml version="1.0" encoding="utf-8"?>
+<file path=ppt/slides/slide37.xml><?xml version="1.0" encoding="utf-8"?>
 <p:sld xmlns:a="http://schemas.openxmlformats.org/drawingml/2006/main" xmlns:r="http://schemas.openxmlformats.org/officeDocument/2006/relationships" xmlns:p="http://schemas.openxmlformats.org/presentationml/2006/main">
   <p:cSld>
     <p:spTree>
